--- a/slides/presentation.pptx
+++ b/slides/presentation.pptx
@@ -5,10 +5,10 @@
     <p:sldMasterId id="2147483648" r:id="rId3"/>
   </p:sldMasterIdLst>
   <p:notesMasterIdLst>
-    <p:notesMasterId r:id="rId26"/>
+    <p:notesMasterId r:id="rId25"/>
   </p:notesMasterIdLst>
   <p:handoutMasterIdLst>
-    <p:handoutMasterId r:id="rId27"/>
+    <p:handoutMasterId r:id="rId26"/>
   </p:handoutMasterIdLst>
   <p:sldIdLst>
     <p:sldId id="257" r:id="rId4"/>
@@ -17,27 +17,26 @@
     <p:sldId id="261" r:id="rId7"/>
     <p:sldId id="260" r:id="rId8"/>
     <p:sldId id="266" r:id="rId9"/>
-    <p:sldId id="281" r:id="rId10"/>
-    <p:sldId id="265" r:id="rId11"/>
-    <p:sldId id="269" r:id="rId12"/>
-    <p:sldId id="270" r:id="rId13"/>
-    <p:sldId id="271" r:id="rId14"/>
-    <p:sldId id="268" r:id="rId15"/>
-    <p:sldId id="262" r:id="rId16"/>
-    <p:sldId id="272" r:id="rId17"/>
-    <p:sldId id="273" r:id="rId18"/>
-    <p:sldId id="274" r:id="rId19"/>
-    <p:sldId id="275" r:id="rId20"/>
-    <p:sldId id="276" r:id="rId21"/>
-    <p:sldId id="277" r:id="rId22"/>
-    <p:sldId id="278" r:id="rId23"/>
-    <p:sldId id="285" r:id="rId24"/>
-    <p:sldId id="286" r:id="rId25"/>
+    <p:sldId id="265" r:id="rId10"/>
+    <p:sldId id="269" r:id="rId11"/>
+    <p:sldId id="270" r:id="rId12"/>
+    <p:sldId id="271" r:id="rId13"/>
+    <p:sldId id="268" r:id="rId14"/>
+    <p:sldId id="262" r:id="rId15"/>
+    <p:sldId id="272" r:id="rId16"/>
+    <p:sldId id="273" r:id="rId17"/>
+    <p:sldId id="274" r:id="rId18"/>
+    <p:sldId id="275" r:id="rId19"/>
+    <p:sldId id="276" r:id="rId20"/>
+    <p:sldId id="277" r:id="rId21"/>
+    <p:sldId id="278" r:id="rId22"/>
+    <p:sldId id="285" r:id="rId23"/>
+    <p:sldId id="286" r:id="rId24"/>
   </p:sldIdLst>
   <p:sldSz cx="9144000" cy="5143500" type="screen16x9"/>
   <p:notesSz cx="7099300" cy="10234613"/>
   <p:custDataLst>
-    <p:tags r:id="rId28"/>
+    <p:tags r:id="rId27"/>
   </p:custDataLst>
   <p:defaultTextStyle>
     <a:defPPr>
@@ -279,7 +278,7 @@
           <a:p>
             <a:fld id="{37581487-DED7-4908-9A01-0A45EDCB1D6C}" type="datetimeFigureOut">
               <a:rPr lang="de-DE" sz="1100"/>
-              <a:t>15.11.2024</a:t>
+              <a:t>18.11.2024</a:t>
             </a:fld>
             <a:endParaRPr lang="de-DE" sz="1100"/>
           </a:p>
@@ -918,92 +917,402 @@
           <a:bodyPr/>
           <a:lstStyle/>
           <a:p>
-            <a:pPr marL="171450" indent="-171450">
-              <a:buFont typeface="Arial" panose="020B0604020202020204" pitchFamily="34" charset="0"/>
-              <a:buChar char="•"/>
-            </a:pPr>
             <a:r>
               <a:rPr lang="en-US" noProof="0" dirty="0"/>
-              <a:t>For the file-based providers, if they are changeable where they are deployed, they can allow a hot reload, thus without the need for you application to restart. Containers for instance could have read-only disks.</a:t>
-            </a:r>
-          </a:p>
-          <a:p>
-            <a:pPr marL="171450" indent="-171450">
-              <a:buFont typeface="Arial" panose="020B0604020202020204" pitchFamily="34" charset="0"/>
-              <a:buChar char="•"/>
-            </a:pPr>
+              <a:t>Demo time, I will highlight a piece of code I, which I got inspired by the idea of Andrew Lock.</a:t>
+            </a:r>
+          </a:p>
+          <a:p>
             <a:r>
               <a:rPr lang="en-US" noProof="0" dirty="0"/>
-              <a:t>Environment variables can target a specific prefix and load that part as a separate provider.</a:t>
-            </a:r>
-          </a:p>
-          <a:p>
-            <a:pPr marL="387450" lvl="1" indent="-171450">
-              <a:buFont typeface="Arial" panose="020B0604020202020204" pitchFamily="34" charset="0"/>
-              <a:buChar char="•"/>
-            </a:pPr>
+              <a:t>He suggested to only write the parts which matters for your situation, and he got a point why would you want to reinvent the wheel.</a:t>
+            </a:r>
+          </a:p>
+          <a:p>
+            <a:endParaRPr lang="en-US" noProof="0" dirty="0"/>
+          </a:p>
+          <a:p>
             <a:r>
               <a:rPr lang="en-US" noProof="0" dirty="0"/>
-              <a:t>A double underscore will be translated to a colon. Giving it a way of participating in the hierarchical mapping.</a:t>
-            </a:r>
-          </a:p>
-          <a:p>
-            <a:pPr marL="171450" indent="-171450">
-              <a:buFont typeface="Arial" panose="020B0604020202020204" pitchFamily="34" charset="0"/>
-              <a:buChar char="•"/>
-            </a:pPr>
+              <a:t>For this custom provider I created a secret manager on AWS.</a:t>
+            </a:r>
+          </a:p>
+          <a:p>
             <a:r>
               <a:rPr lang="en-US" noProof="0" dirty="0"/>
-              <a:t>Key per file, targets a directory and each filename is a key and the content of it is then the value.</a:t>
-            </a:r>
-          </a:p>
-          <a:p>
-            <a:pPr marL="171450" indent="-171450">
-              <a:buFont typeface="Arial" panose="020B0604020202020204" pitchFamily="34" charset="0"/>
-              <a:buChar char="•"/>
-            </a:pPr>
+              <a:t>It will retrieve the information using the AWS CLI and SSO so that we don’t need to provide any password or store other sensitive data.</a:t>
+            </a:r>
+          </a:p>
+          <a:p>
+            <a:endParaRPr lang="en-US" noProof="0" dirty="0"/>
+          </a:p>
+          <a:p>
             <a:r>
               <a:rPr lang="en-US" noProof="0" dirty="0"/>
-              <a:t>In memory provider, is a dictionary.</a:t>
-            </a:r>
-          </a:p>
-          <a:p>
-            <a:pPr marL="171450" indent="-171450">
-              <a:buFont typeface="Arial" panose="020B0604020202020204" pitchFamily="34" charset="0"/>
-              <a:buChar char="•"/>
-            </a:pPr>
+              <a:t>In the secrets manager I stored my value as a JSON string. This way I can read them out and load them as if it were a JSON file.</a:t>
+            </a:r>
+          </a:p>
+          <a:p>
+            <a:r>
+              <a:rPr lang="en-US" noProof="0" dirty="0"/>
+              <a:t>Now keep in mind that I wanted to recycle things, so the </a:t>
+            </a:r>
+            <a:r>
+              <a:rPr lang="nl-BE" sz="1800" b="1" dirty="0">
+                <a:solidFill>
+                  <a:srgbClr val="2B91AF"/>
+                </a:solidFill>
+                <a:highlight>
+                  <a:srgbClr val="FFFFFF"/>
+                </a:highlight>
+                <a:latin typeface="Cascadia Mono" panose="020B0609020000020004" pitchFamily="49" charset="0"/>
+              </a:rPr>
+              <a:t>AmazonSecretsManagerConfigurationProvider</a:t>
+            </a:r>
+            <a:r>
+              <a:rPr lang="nl-BE" sz="1800" dirty="0">
+                <a:solidFill>
+                  <a:srgbClr val="2B91AF"/>
+                </a:solidFill>
+                <a:highlight>
+                  <a:srgbClr val="FFFFFF"/>
+                </a:highlight>
+                <a:latin typeface="Cascadia Mono" panose="020B0609020000020004" pitchFamily="49" charset="0"/>
+              </a:rPr>
+              <a:t> is inheriting from the JsonConfigurationProvider this way I don’t need to write the custom hierachy flattening code to get from </a:t>
+            </a:r>
+          </a:p>
+          <a:p>
+            <a:endParaRPr lang="nl-BE" sz="1800" dirty="0">
+              <a:solidFill>
+                <a:srgbClr val="000000"/>
+              </a:solidFill>
+              <a:highlight>
+                <a:srgbClr val="FFFFFF"/>
+              </a:highlight>
+              <a:latin typeface="Cascadia Mono" panose="020B0609020000020004" pitchFamily="49" charset="0"/>
+            </a:endParaRPr>
+          </a:p>
+          <a:p>
+            <a:r>
+              <a:rPr lang="nl-BE" sz="1800" dirty="0">
+                <a:solidFill>
+                  <a:srgbClr val="000000"/>
+                </a:solidFill>
+                <a:highlight>
+                  <a:srgbClr val="FFFFFF"/>
+                </a:highlight>
+                <a:latin typeface="Cascadia Mono" panose="020B0609020000020004" pitchFamily="49" charset="0"/>
+              </a:rPr>
+              <a:t>{</a:t>
+            </a:r>
+          </a:p>
+          <a:p>
+            <a:r>
+              <a:rPr lang="nl-BE" sz="1800" dirty="0">
+                <a:solidFill>
+                  <a:srgbClr val="000000"/>
+                </a:solidFill>
+                <a:highlight>
+                  <a:srgbClr val="FFFFFF"/>
+                </a:highlight>
+                <a:latin typeface="Cascadia Mono" panose="020B0609020000020004" pitchFamily="49" charset="0"/>
+              </a:rPr>
+              <a:t>    </a:t>
+            </a:r>
+            <a:r>
+              <a:rPr lang="nl-BE" sz="1800" dirty="0">
+                <a:solidFill>
+                  <a:srgbClr val="2E75B6"/>
+                </a:solidFill>
+                <a:highlight>
+                  <a:srgbClr val="FFFFFF"/>
+                </a:highlight>
+                <a:latin typeface="Cascadia Mono" panose="020B0609020000020004" pitchFamily="49" charset="0"/>
+              </a:rPr>
+              <a:t>"AppSettings"</a:t>
+            </a:r>
+            <a:r>
+              <a:rPr lang="nl-BE" sz="1800" dirty="0">
+                <a:solidFill>
+                  <a:srgbClr val="000000"/>
+                </a:solidFill>
+                <a:highlight>
+                  <a:srgbClr val="FFFFFF"/>
+                </a:highlight>
+                <a:latin typeface="Cascadia Mono" panose="020B0609020000020004" pitchFamily="49" charset="0"/>
+              </a:rPr>
+              <a:t>: {</a:t>
+            </a:r>
+          </a:p>
+          <a:p>
+            <a:r>
+              <a:rPr lang="nl-BE" sz="1800" dirty="0">
+                <a:solidFill>
+                  <a:srgbClr val="000000"/>
+                </a:solidFill>
+                <a:highlight>
+                  <a:srgbClr val="FFFFFF"/>
+                </a:highlight>
+                <a:latin typeface="Cascadia Mono" panose="020B0609020000020004" pitchFamily="49" charset="0"/>
+              </a:rPr>
+              <a:t>        </a:t>
+            </a:r>
+            <a:r>
+              <a:rPr lang="nl-BE" sz="1800" dirty="0">
+                <a:solidFill>
+                  <a:srgbClr val="2E75B6"/>
+                </a:solidFill>
+                <a:highlight>
+                  <a:srgbClr val="FFFFFF"/>
+                </a:highlight>
+                <a:latin typeface="Cascadia Mono" panose="020B0609020000020004" pitchFamily="49" charset="0"/>
+              </a:rPr>
+              <a:t>"Setting8"</a:t>
+            </a:r>
+            <a:r>
+              <a:rPr lang="nl-BE" sz="1800" dirty="0">
+                <a:solidFill>
+                  <a:srgbClr val="000000"/>
+                </a:solidFill>
+                <a:highlight>
+                  <a:srgbClr val="FFFFFF"/>
+                </a:highlight>
+                <a:latin typeface="Cascadia Mono" panose="020B0609020000020004" pitchFamily="49" charset="0"/>
+              </a:rPr>
+              <a:t>: </a:t>
+            </a:r>
+            <a:r>
+              <a:rPr lang="nl-BE" sz="1800" dirty="0">
+                <a:solidFill>
+                  <a:srgbClr val="A31515"/>
+                </a:solidFill>
+                <a:highlight>
+                  <a:srgbClr val="FFFFFF"/>
+                </a:highlight>
+                <a:latin typeface="Cascadia Mono" panose="020B0609020000020004" pitchFamily="49" charset="0"/>
+              </a:rPr>
+              <a:t>"SecretsManagerValue8"</a:t>
+            </a:r>
+            <a:endParaRPr lang="nl-BE" sz="1800" dirty="0">
+              <a:solidFill>
+                <a:srgbClr val="000000"/>
+              </a:solidFill>
+              <a:highlight>
+                <a:srgbClr val="FFFFFF"/>
+              </a:highlight>
+              <a:latin typeface="Cascadia Mono" panose="020B0609020000020004" pitchFamily="49" charset="0"/>
+            </a:endParaRPr>
+          </a:p>
+          <a:p>
+            <a:r>
+              <a:rPr lang="nl-BE" sz="1800" dirty="0">
+                <a:solidFill>
+                  <a:srgbClr val="000000"/>
+                </a:solidFill>
+                <a:highlight>
+                  <a:srgbClr val="FFFFFF"/>
+                </a:highlight>
+                <a:latin typeface="Cascadia Mono" panose="020B0609020000020004" pitchFamily="49" charset="0"/>
+              </a:rPr>
+              <a:t>    }</a:t>
+            </a:r>
+          </a:p>
+          <a:p>
+            <a:r>
+              <a:rPr lang="nl-BE" sz="1800" dirty="0">
+                <a:solidFill>
+                  <a:srgbClr val="000000"/>
+                </a:solidFill>
+                <a:highlight>
+                  <a:srgbClr val="FFFFFF"/>
+                </a:highlight>
+                <a:latin typeface="Cascadia Mono" panose="020B0609020000020004" pitchFamily="49" charset="0"/>
+              </a:rPr>
+              <a:t>}</a:t>
+            </a:r>
+          </a:p>
+          <a:p>
+            <a:endParaRPr lang="nl-BE" sz="1800" noProof="0" dirty="0">
+              <a:solidFill>
+                <a:srgbClr val="000000"/>
+              </a:solidFill>
+              <a:highlight>
+                <a:srgbClr val="FFFFFF"/>
+              </a:highlight>
+              <a:latin typeface="Cascadia Mono" panose="020B0609020000020004" pitchFamily="49" charset="0"/>
+            </a:endParaRPr>
+          </a:p>
+          <a:p>
+            <a:r>
+              <a:rPr lang="nl-BE" sz="1800" noProof="0" dirty="0">
+                <a:solidFill>
+                  <a:srgbClr val="000000"/>
+                </a:solidFill>
+                <a:highlight>
+                  <a:srgbClr val="FFFFFF"/>
+                </a:highlight>
+                <a:latin typeface="Cascadia Mono" panose="020B0609020000020004" pitchFamily="49" charset="0"/>
+              </a:rPr>
+              <a:t>To AppSettings:Setting8 </a:t>
+            </a:r>
+            <a:r>
+              <a:rPr lang="nl-BE" sz="1800" noProof="0" dirty="0">
+                <a:solidFill>
+                  <a:srgbClr val="000000"/>
+                </a:solidFill>
+                <a:highlight>
+                  <a:srgbClr val="FFFFFF"/>
+                </a:highlight>
+                <a:latin typeface="Cascadia Mono" panose="020B0609020000020004" pitchFamily="49" charset="0"/>
+                <a:sym typeface="Wingdings" panose="05000000000000000000" pitchFamily="2" charset="2"/>
+              </a:rPr>
+              <a:t> </a:t>
+            </a:r>
+            <a:r>
+              <a:rPr lang="nl-BE" sz="1000" dirty="0">
+                <a:solidFill>
+                  <a:srgbClr val="A31515"/>
+                </a:solidFill>
+                <a:highlight>
+                  <a:srgbClr val="FFFFFF"/>
+                </a:highlight>
+                <a:latin typeface="Cascadia Mono" panose="020B0609020000020004" pitchFamily="49" charset="0"/>
+              </a:rPr>
+              <a:t>SecretsManagerValue8</a:t>
+            </a:r>
             <a:endParaRPr lang="en-US" noProof="0" dirty="0"/>
           </a:p>
           <a:p>
-            <a:pPr marL="171450" indent="-171450">
-              <a:buFont typeface="Arial" panose="020B0604020202020204" pitchFamily="34" charset="0"/>
-              <a:buChar char="•"/>
-            </a:pPr>
+            <a:endParaRPr lang="en-US" noProof="0" dirty="0"/>
+          </a:p>
+          <a:p>
             <a:r>
               <a:rPr lang="en-US" noProof="0" dirty="0"/>
-              <a:t>If the regular providers from Microsoft or third parties doesn’t suit your needs, a custom provider can always be added.</a:t>
-            </a:r>
-            <a:br>
+              <a:t>The </a:t>
+            </a:r>
+            <a:r>
+              <a:rPr lang="en-US" noProof="0" dirty="0" err="1"/>
+              <a:t>GetSecret</a:t>
+            </a:r>
+            <a:r>
               <a:rPr lang="en-US" noProof="0" dirty="0"/>
-            </a:br>
+              <a:t> Method is where the heavy lifting is done. We attach it to the Load method by overriding it. And in the case if a load exception happens and we want to try to reload it a bit later we run the task asynchronously.</a:t>
+            </a:r>
+          </a:p>
+          <a:p>
             <a:r>
               <a:rPr lang="en-US" noProof="0" dirty="0"/>
-              <a:t>Reference the </a:t>
+              <a:t>This in turn will trigger the load and the </a:t>
             </a:r>
             <a:r>
               <a:rPr lang="en-US" noProof="0" dirty="0" err="1"/>
-              <a:t>yml</a:t>
+              <a:t>OnReload</a:t>
             </a:r>
             <a:r>
               <a:rPr lang="en-US" noProof="0" dirty="0"/>
-              <a:t> file in this case.</a:t>
+              <a:t> method.</a:t>
+            </a:r>
+          </a:p>
+          <a:p>
+            <a:r>
+              <a:rPr lang="en-US" noProof="0" dirty="0"/>
+              <a:t>The </a:t>
+            </a:r>
+            <a:r>
+              <a:rPr lang="en-US" noProof="0" dirty="0" err="1"/>
+              <a:t>OnReload</a:t>
+            </a:r>
+            <a:r>
+              <a:rPr lang="en-US" noProof="0" dirty="0"/>
+              <a:t> method will inform the Configuration that this providers needs to be reloaded for the interested parties. But we will dig deeper on this matter a bit later.</a:t>
             </a:r>
           </a:p>
           <a:p>
             <a:endParaRPr lang="en-US" noProof="0" dirty="0"/>
           </a:p>
           <a:p>
-            <a:endParaRPr lang="en-US" dirty="0"/>
+            <a:r>
+              <a:rPr lang="en-US" noProof="0" dirty="0"/>
+              <a:t>Although the provider is doing the work, we need </a:t>
+            </a:r>
+            <a:r>
+              <a:rPr lang="nl-BE" noProof="0" dirty="0"/>
+              <a:t>a c</a:t>
+            </a:r>
+            <a:r>
+              <a:rPr lang="nl-BE" sz="1800" dirty="0">
+                <a:solidFill>
+                  <a:srgbClr val="2B91AF"/>
+                </a:solidFill>
+                <a:highlight>
+                  <a:srgbClr val="FFFFFF"/>
+                </a:highlight>
+                <a:latin typeface="Cascadia Mono" panose="020B0609020000020004" pitchFamily="49" charset="0"/>
+              </a:rPr>
+              <a:t>onfiguration source to add it to the Configuration manager in this case the AwsSecretsManagerConfigurationSource.</a:t>
+            </a:r>
+            <a:endParaRPr lang="en-US" sz="1800" noProof="0" dirty="0">
+              <a:solidFill>
+                <a:srgbClr val="2B91AF"/>
+              </a:solidFill>
+              <a:highlight>
+                <a:srgbClr val="FFFFFF"/>
+              </a:highlight>
+              <a:latin typeface="Cascadia Mono" panose="020B0609020000020004" pitchFamily="49" charset="0"/>
+            </a:endParaRPr>
+          </a:p>
+          <a:p>
+            <a:endParaRPr lang="en-US" sz="1800" noProof="0" dirty="0">
+              <a:solidFill>
+                <a:srgbClr val="2B91AF"/>
+              </a:solidFill>
+              <a:highlight>
+                <a:srgbClr val="FFFFFF"/>
+              </a:highlight>
+              <a:latin typeface="Cascadia Mono" panose="020B0609020000020004" pitchFamily="49" charset="0"/>
+            </a:endParaRPr>
+          </a:p>
+          <a:p>
+            <a:r>
+              <a:rPr lang="en-US" sz="1800" noProof="0" dirty="0">
+                <a:solidFill>
+                  <a:srgbClr val="2B91AF"/>
+                </a:solidFill>
+                <a:highlight>
+                  <a:srgbClr val="FFFFFF"/>
+                </a:highlight>
+                <a:latin typeface="Cascadia Mono" panose="020B0609020000020004" pitchFamily="49" charset="0"/>
+              </a:rPr>
+              <a:t>For the final part we introduce an extension method which then passes through the </a:t>
+            </a:r>
+            <a:r>
+              <a:rPr lang="nl-BE" sz="1800" dirty="0">
+                <a:solidFill>
+                  <a:srgbClr val="2B91AF"/>
+                </a:solidFill>
+                <a:highlight>
+                  <a:srgbClr val="FFFFFF"/>
+                </a:highlight>
+                <a:latin typeface="Cascadia Mono" panose="020B0609020000020004" pitchFamily="49" charset="0"/>
+              </a:rPr>
+              <a:t>AwsSecretsManagerConfigurationSource we do this as the add needs to be done on the IConfigurationBuilder, this is inherited by the IConfigurationManager and implemented by the ConfigurationManager which is accessable via builder.Configuration.</a:t>
+            </a:r>
+          </a:p>
+          <a:p>
+            <a:r>
+              <a:rPr lang="nl-BE" sz="1800" noProof="0" dirty="0">
+                <a:solidFill>
+                  <a:srgbClr val="2B91AF"/>
+                </a:solidFill>
+                <a:highlight>
+                  <a:srgbClr val="FFFFFF"/>
+                </a:highlight>
+                <a:latin typeface="Cascadia Mono" panose="020B0609020000020004" pitchFamily="49" charset="0"/>
+              </a:rPr>
+              <a:t>Builder.Configuration.Add() does also exists but this starts of with an IConfigurationManager and forces some additional steps you can skip safely by using an extension method like this.</a:t>
+            </a:r>
+            <a:endParaRPr lang="en-US" noProof="0" dirty="0"/>
           </a:p>
         </p:txBody>
       </p:sp>
@@ -1034,7 +1343,7 @@
     </p:spTree>
     <p:extLst>
       <p:ext uri="{BB962C8B-B14F-4D97-AF65-F5344CB8AC3E}">
-        <p14:creationId xmlns:p14="http://schemas.microsoft.com/office/powerpoint/2010/main" val="1632068480"/>
+        <p14:creationId xmlns:p14="http://schemas.microsoft.com/office/powerpoint/2010/main" val="1815372228"/>
       </p:ext>
     </p:extLst>
   </p:cSld>
@@ -1090,13 +1399,24 @@
           <a:p>
             <a:r>
               <a:rPr lang="en-US" noProof="0" dirty="0"/>
-              <a:t>Demo time, I will highlight a piece of code I, which I got inspired by the idea of Andrew Lock.</a:t>
-            </a:r>
+              <a:t>All fine, we now have our flat hierarchical key value pairs. But how do we extract these value?</a:t>
+            </a:r>
+          </a:p>
+          <a:p>
+            <a:endParaRPr lang="en-US" noProof="0" dirty="0"/>
           </a:p>
           <a:p>
             <a:r>
               <a:rPr lang="en-US" noProof="0" dirty="0"/>
-              <a:t>He suggested to only write the parts which matters for your situation, and he got a point why would you want to reinvent the wheel.</a:t>
+              <a:t>The environment: show the </a:t>
+            </a:r>
+            <a:r>
+              <a:rPr lang="en-US" noProof="0" dirty="0" err="1"/>
+              <a:t>launchsettings.json</a:t>
+            </a:r>
+            <a:r>
+              <a:rPr lang="en-US" noProof="0" dirty="0"/>
+              <a:t> and highlight the environment variable.</a:t>
             </a:r>
           </a:p>
           <a:p>
@@ -1105,385 +1425,301 @@
           <a:p>
             <a:r>
               <a:rPr lang="en-US" noProof="0" dirty="0"/>
-              <a:t>For this custom provider I created a secret manager on AWS.</a:t>
-            </a:r>
-          </a:p>
-          <a:p>
+              <a:t>These are the ways I’ve noticed currently in use with an </a:t>
+            </a:r>
+            <a:r>
+              <a:rPr lang="en-US" noProof="0" dirty="0" err="1"/>
+              <a:t>IConfiguration</a:t>
+            </a:r>
             <a:r>
               <a:rPr lang="en-US" noProof="0" dirty="0"/>
-              <a:t>It will retrieve the information using the AWS CLI and SSO so that we don’t need to provide any password or store other sensitive data.</a:t>
+              <a:t>:</a:t>
             </a:r>
           </a:p>
           <a:p>
             <a:endParaRPr lang="en-US" noProof="0" dirty="0"/>
           </a:p>
           <a:p>
+            <a:pPr marL="171450" indent="-171450">
+              <a:buFont typeface="Arial" panose="020B0604020202020204" pitchFamily="34" charset="0"/>
+              <a:buChar char="•"/>
+            </a:pPr>
             <a:r>
               <a:rPr lang="en-US" noProof="0" dirty="0"/>
-              <a:t>In the secrets manager I stored my value as a JSON string. This way I can read them out and load them as if it were a JSON file.</a:t>
-            </a:r>
-          </a:p>
-          <a:p>
-            <a:r>
-              <a:rPr lang="en-US" noProof="0" dirty="0"/>
-              <a:t>Now keep in mind that I wanted to recycle things, so the </a:t>
-            </a:r>
-            <a:r>
-              <a:rPr lang="nl-BE" sz="1800" b="1" dirty="0">
-                <a:solidFill>
-                  <a:srgbClr val="2B91AF"/>
-                </a:solidFill>
-                <a:highlight>
-                  <a:srgbClr val="FFFFFF"/>
-                </a:highlight>
+              <a:t>/</a:t>
+            </a:r>
+            <a:r>
+              <a:rPr lang="en-US" sz="1800" dirty="0">
+                <a:solidFill>
+                  <a:srgbClr val="000000"/>
+                </a:solidFill>
                 <a:latin typeface="Cascadia Mono" panose="020B0609020000020004" pitchFamily="49" charset="0"/>
               </a:rPr>
-              <a:t>AmazonSecretsManagerConfigurationProvider</a:t>
-            </a:r>
-            <a:r>
-              <a:rPr lang="nl-BE" sz="1800" dirty="0">
-                <a:solidFill>
-                  <a:srgbClr val="2B91AF"/>
-                </a:solidFill>
-                <a:highlight>
-                  <a:srgbClr val="FFFFFF"/>
-                </a:highlight>
+              <a:t>config</a:t>
+            </a:r>
+            <a:r>
+              <a:rPr lang="en-US" sz="1800" noProof="0" dirty="0">
+                <a:solidFill>
+                  <a:srgbClr val="000000"/>
+                </a:solidFill>
                 <a:latin typeface="Cascadia Mono" panose="020B0609020000020004" pitchFamily="49" charset="0"/>
               </a:rPr>
-              <a:t> is inheriting from the JsonConfigurationProvider this way I don’t need to write the custom hierachy flattening code to get from </a:t>
-            </a:r>
-          </a:p>
-          <a:p>
-            <a:endParaRPr lang="nl-BE" sz="1800" dirty="0">
+              <a:t>/1</a:t>
+            </a:r>
+            <a:br>
+              <a:rPr lang="en-US" sz="1800" noProof="0" dirty="0">
+                <a:solidFill>
+                  <a:srgbClr val="000000"/>
+                </a:solidFill>
+                <a:latin typeface="Cascadia Mono" panose="020B0609020000020004" pitchFamily="49" charset="0"/>
+              </a:rPr>
+            </a:br>
+            <a:r>
+              <a:rPr lang="en-US" sz="1800" noProof="0" dirty="0">
+                <a:solidFill>
+                  <a:srgbClr val="000000"/>
+                </a:solidFill>
+                <a:latin typeface="Cascadia Mono" panose="020B0609020000020004" pitchFamily="49" charset="0"/>
+              </a:rPr>
+              <a:t>This is an optimistic way of configuring the object.</a:t>
+            </a:r>
+          </a:p>
+          <a:p>
+            <a:pPr marL="171450" indent="-171450">
+              <a:buFont typeface="Arial" panose="020B0604020202020204" pitchFamily="34" charset="0"/>
+              <a:buChar char="•"/>
+            </a:pPr>
+            <a:r>
+              <a:rPr lang="en-US" sz="1800" dirty="0">
+                <a:solidFill>
+                  <a:srgbClr val="000000"/>
+                </a:solidFill>
+                <a:latin typeface="Cascadia Mono" panose="020B0609020000020004" pitchFamily="49" charset="0"/>
+              </a:rPr>
+              <a:t>/config</a:t>
+            </a:r>
+            <a:r>
+              <a:rPr lang="en-US" sz="1800" noProof="0" dirty="0">
+                <a:solidFill>
+                  <a:srgbClr val="000000"/>
+                </a:solidFill>
+                <a:latin typeface="Cascadia Mono" panose="020B0609020000020004" pitchFamily="49" charset="0"/>
+              </a:rPr>
+              <a:t>/2</a:t>
+            </a:r>
+            <a:br>
+              <a:rPr lang="en-US" sz="1800" noProof="0" dirty="0">
+                <a:solidFill>
+                  <a:srgbClr val="000000"/>
+                </a:solidFill>
+                <a:latin typeface="Cascadia Mono" panose="020B0609020000020004" pitchFamily="49" charset="0"/>
+              </a:rPr>
+            </a:br>
+            <a:r>
+              <a:rPr lang="en-US" sz="1800" noProof="0" dirty="0">
+                <a:solidFill>
+                  <a:srgbClr val="000000"/>
+                </a:solidFill>
+                <a:latin typeface="Cascadia Mono" panose="020B0609020000020004" pitchFamily="49" charset="0"/>
+              </a:rPr>
+              <a:t>This one deals with everything itself; each value is extracted as a nullable string and must be transformed and validated before it can be used</a:t>
+            </a:r>
+          </a:p>
+          <a:p>
+            <a:pPr marL="171450" indent="-171450">
+              <a:buFont typeface="Arial" panose="020B0604020202020204" pitchFamily="34" charset="0"/>
+              <a:buChar char="•"/>
+            </a:pPr>
+            <a:r>
+              <a:rPr lang="en-US" sz="1800" noProof="0" dirty="0">
+                <a:solidFill>
+                  <a:srgbClr val="000000"/>
+                </a:solidFill>
+                <a:latin typeface="Cascadia Mono" panose="020B0609020000020004" pitchFamily="49" charset="0"/>
+              </a:rPr>
+              <a:t>/</a:t>
+            </a:r>
+            <a:r>
+              <a:rPr lang="en-US" sz="1800" dirty="0">
+                <a:solidFill>
+                  <a:srgbClr val="000000"/>
+                </a:solidFill>
+                <a:latin typeface="Cascadia Mono" panose="020B0609020000020004" pitchFamily="49" charset="0"/>
+              </a:rPr>
+              <a:t>config</a:t>
+            </a:r>
+            <a:r>
+              <a:rPr lang="en-US" sz="1800" noProof="0" dirty="0">
+                <a:solidFill>
+                  <a:srgbClr val="000000"/>
+                </a:solidFill>
+                <a:latin typeface="Cascadia Mono" panose="020B0609020000020004" pitchFamily="49" charset="0"/>
+              </a:rPr>
+              <a:t>/3</a:t>
+            </a:r>
+            <a:br>
+              <a:rPr lang="en-US" sz="1800" noProof="0" dirty="0">
+                <a:solidFill>
+                  <a:srgbClr val="000000"/>
+                </a:solidFill>
+                <a:latin typeface="Cascadia Mono" panose="020B0609020000020004" pitchFamily="49" charset="0"/>
+              </a:rPr>
+            </a:br>
+            <a:r>
+              <a:rPr lang="en-US" sz="1800" noProof="0" dirty="0">
+                <a:solidFill>
+                  <a:srgbClr val="000000"/>
+                </a:solidFill>
+                <a:latin typeface="Cascadia Mono" panose="020B0609020000020004" pitchFamily="49" charset="0"/>
+              </a:rPr>
+              <a:t>Already a bit more advanced as we are no longer responsible for the transformation from string to another datatype.</a:t>
+            </a:r>
+            <a:br>
+              <a:rPr lang="en-US" sz="1800" noProof="0" dirty="0">
+                <a:solidFill>
+                  <a:srgbClr val="000000"/>
+                </a:solidFill>
+                <a:latin typeface="Cascadia Mono" panose="020B0609020000020004" pitchFamily="49" charset="0"/>
+              </a:rPr>
+            </a:br>
+            <a:r>
+              <a:rPr lang="en-US" sz="1800" noProof="0" dirty="0">
+                <a:solidFill>
+                  <a:srgbClr val="000000"/>
+                </a:solidFill>
+                <a:latin typeface="Cascadia Mono" panose="020B0609020000020004" pitchFamily="49" charset="0"/>
+              </a:rPr>
+              <a:t>To make this work we need however to introduce the NuGet package “</a:t>
+            </a:r>
+            <a:r>
+              <a:rPr lang="en-US" sz="1800" noProof="0" dirty="0" err="1">
+                <a:solidFill>
+                  <a:srgbClr val="000000"/>
+                </a:solidFill>
+                <a:latin typeface="Cascadia Mono" panose="020B0609020000020004" pitchFamily="49" charset="0"/>
+              </a:rPr>
+              <a:t>Microsoft.Extensions.Configuration.Binder</a:t>
+            </a:r>
+            <a:r>
+              <a:rPr lang="en-US" sz="1800" noProof="0" dirty="0">
+                <a:solidFill>
+                  <a:srgbClr val="000000"/>
+                </a:solidFill>
+                <a:latin typeface="Cascadia Mono" panose="020B0609020000020004" pitchFamily="49" charset="0"/>
+              </a:rPr>
+              <a:t>”</a:t>
+            </a:r>
+          </a:p>
+          <a:p>
+            <a:pPr marL="171450" indent="-171450">
+              <a:buFont typeface="Arial" panose="020B0604020202020204" pitchFamily="34" charset="0"/>
+              <a:buChar char="•"/>
+            </a:pPr>
+            <a:r>
+              <a:rPr lang="en-US" sz="1800" noProof="0" dirty="0">
+                <a:solidFill>
+                  <a:srgbClr val="000000"/>
+                </a:solidFill>
+                <a:latin typeface="Cascadia Mono" panose="020B0609020000020004" pitchFamily="49" charset="0"/>
+              </a:rPr>
+              <a:t>/config/4</a:t>
+            </a:r>
+            <a:br>
+              <a:rPr lang="en-US" sz="1800" noProof="0" dirty="0">
+                <a:solidFill>
+                  <a:srgbClr val="000000"/>
+                </a:solidFill>
+                <a:latin typeface="Cascadia Mono" panose="020B0609020000020004" pitchFamily="49" charset="0"/>
+              </a:rPr>
+            </a:br>
+            <a:r>
+              <a:rPr lang="en-US" sz="1800" noProof="0" dirty="0">
+                <a:solidFill>
+                  <a:srgbClr val="000000"/>
+                </a:solidFill>
+                <a:latin typeface="Cascadia Mono" panose="020B0609020000020004" pitchFamily="49" charset="0"/>
+              </a:rPr>
+              <a:t>Up the anti a bit again as now we only need to point to the JSON property who is representing our object.</a:t>
+            </a:r>
+            <a:br>
+              <a:rPr lang="en-US" sz="1800" noProof="0" dirty="0">
+                <a:solidFill>
+                  <a:srgbClr val="000000"/>
+                </a:solidFill>
+                <a:latin typeface="Cascadia Mono" panose="020B0609020000020004" pitchFamily="49" charset="0"/>
+              </a:rPr>
+            </a:br>
+            <a:r>
+              <a:rPr lang="en-US" sz="1800" noProof="0" dirty="0">
+                <a:solidFill>
+                  <a:srgbClr val="000000"/>
+                </a:solidFill>
+                <a:latin typeface="Cascadia Mono" panose="020B0609020000020004" pitchFamily="49" charset="0"/>
+              </a:rPr>
+              <a:t>Advantage of this approach is that new values are automatically being picked up if they are added. Only the validation step still needs to occur.</a:t>
+            </a:r>
+            <a:br>
+              <a:rPr lang="en-US" sz="1800" noProof="0" dirty="0">
+                <a:solidFill>
+                  <a:srgbClr val="000000"/>
+                </a:solidFill>
+                <a:latin typeface="Cascadia Mono" panose="020B0609020000020004" pitchFamily="49" charset="0"/>
+              </a:rPr>
+            </a:br>
+            <a:r>
+              <a:rPr lang="en-US" sz="1800" noProof="0" dirty="0">
+                <a:solidFill>
+                  <a:srgbClr val="000000"/>
+                </a:solidFill>
+                <a:latin typeface="Cascadia Mono" panose="020B0609020000020004" pitchFamily="49" charset="0"/>
+              </a:rPr>
+              <a:t>They must be at least public settable (Init, set or via the constructor)</a:t>
+            </a:r>
+          </a:p>
+          <a:p>
+            <a:pPr marL="171450" indent="-171450">
+              <a:buFont typeface="Arial" panose="020B0604020202020204" pitchFamily="34" charset="0"/>
+              <a:buChar char="•"/>
+            </a:pPr>
+            <a:endParaRPr lang="en-US" sz="1800" noProof="0" dirty="0">
               <a:solidFill>
                 <a:srgbClr val="000000"/>
               </a:solidFill>
-              <a:highlight>
-                <a:srgbClr val="FFFFFF"/>
-              </a:highlight>
               <a:latin typeface="Cascadia Mono" panose="020B0609020000020004" pitchFamily="49" charset="0"/>
             </a:endParaRPr>
           </a:p>
           <a:p>
-            <a:r>
-              <a:rPr lang="nl-BE" sz="1800" dirty="0">
+            <a:pPr marL="0" indent="0">
+              <a:buFont typeface="Arial" panose="020B0604020202020204" pitchFamily="34" charset="0"/>
+              <a:buNone/>
+            </a:pPr>
+            <a:r>
+              <a:rPr lang="en-US" sz="1800" noProof="0" dirty="0">
                 <a:solidFill>
                   <a:srgbClr val="000000"/>
                 </a:solidFill>
-                <a:highlight>
-                  <a:srgbClr val="FFFFFF"/>
-                </a:highlight>
                 <a:latin typeface="Cascadia Mono" panose="020B0609020000020004" pitchFamily="49" charset="0"/>
               </a:rPr>
-              <a:t>{</a:t>
-            </a:r>
-          </a:p>
-          <a:p>
-            <a:r>
-              <a:rPr lang="nl-BE" sz="1800" dirty="0">
+              <a:t>I must be honest with these examples as they are biased, most of the time when I see </a:t>
+            </a:r>
+            <a:r>
+              <a:rPr lang="en-US" sz="1800" noProof="0" dirty="0" err="1">
                 <a:solidFill>
                   <a:srgbClr val="000000"/>
                 </a:solidFill>
-                <a:highlight>
-                  <a:srgbClr val="FFFFFF"/>
-                </a:highlight>
                 <a:latin typeface="Cascadia Mono" panose="020B0609020000020004" pitchFamily="49" charset="0"/>
               </a:rPr>
-              <a:t>    </a:t>
-            </a:r>
-            <a:r>
-              <a:rPr lang="nl-BE" sz="1800" dirty="0">
-                <a:solidFill>
-                  <a:srgbClr val="2E75B6"/>
-                </a:solidFill>
-                <a:highlight>
-                  <a:srgbClr val="FFFFFF"/>
-                </a:highlight>
+              <a:t>IConfiguration</a:t>
+            </a:r>
+            <a:r>
+              <a:rPr lang="en-US" sz="1800" noProof="0" dirty="0">
+                <a:solidFill>
+                  <a:srgbClr val="000000"/>
+                </a:solidFill>
                 <a:latin typeface="Cascadia Mono" panose="020B0609020000020004" pitchFamily="49" charset="0"/>
               </a:rPr>
-              <a:t>"AppSettings"</a:t>
-            </a:r>
-            <a:r>
-              <a:rPr lang="nl-BE" sz="1800" dirty="0">
-                <a:solidFill>
-                  <a:srgbClr val="000000"/>
-                </a:solidFill>
-                <a:highlight>
-                  <a:srgbClr val="FFFFFF"/>
-                </a:highlight>
-                <a:latin typeface="Cascadia Mono" panose="020B0609020000020004" pitchFamily="49" charset="0"/>
-              </a:rPr>
-              <a:t>: {</a:t>
-            </a:r>
-          </a:p>
-          <a:p>
-            <a:r>
-              <a:rPr lang="nl-BE" sz="1800" dirty="0">
-                <a:solidFill>
-                  <a:srgbClr val="000000"/>
-                </a:solidFill>
-                <a:highlight>
-                  <a:srgbClr val="FFFFFF"/>
-                </a:highlight>
-                <a:latin typeface="Cascadia Mono" panose="020B0609020000020004" pitchFamily="49" charset="0"/>
-              </a:rPr>
-              <a:t>        </a:t>
-            </a:r>
-            <a:r>
-              <a:rPr lang="nl-BE" sz="1800" dirty="0">
-                <a:solidFill>
-                  <a:srgbClr val="2E75B6"/>
-                </a:solidFill>
-                <a:highlight>
-                  <a:srgbClr val="FFFFFF"/>
-                </a:highlight>
-                <a:latin typeface="Cascadia Mono" panose="020B0609020000020004" pitchFamily="49" charset="0"/>
-              </a:rPr>
-              <a:t>"Setting8"</a:t>
-            </a:r>
-            <a:r>
-              <a:rPr lang="nl-BE" sz="1800" dirty="0">
-                <a:solidFill>
-                  <a:srgbClr val="000000"/>
-                </a:solidFill>
-                <a:highlight>
-                  <a:srgbClr val="FFFFFF"/>
-                </a:highlight>
-                <a:latin typeface="Cascadia Mono" panose="020B0609020000020004" pitchFamily="49" charset="0"/>
-              </a:rPr>
-              <a:t>: </a:t>
-            </a:r>
-            <a:r>
-              <a:rPr lang="nl-BE" sz="1800" dirty="0">
-                <a:solidFill>
-                  <a:srgbClr val="A31515"/>
-                </a:solidFill>
-                <a:highlight>
-                  <a:srgbClr val="FFFFFF"/>
-                </a:highlight>
-                <a:latin typeface="Cascadia Mono" panose="020B0609020000020004" pitchFamily="49" charset="0"/>
-              </a:rPr>
-              <a:t>"SecretsManagerValue8"</a:t>
-            </a:r>
-            <a:endParaRPr lang="nl-BE" sz="1800" dirty="0">
-              <a:solidFill>
-                <a:srgbClr val="000000"/>
-              </a:solidFill>
-              <a:highlight>
-                <a:srgbClr val="FFFFFF"/>
-              </a:highlight>
-              <a:latin typeface="Cascadia Mono" panose="020B0609020000020004" pitchFamily="49" charset="0"/>
-            </a:endParaRPr>
-          </a:p>
-          <a:p>
-            <a:r>
-              <a:rPr lang="nl-BE" sz="1800" dirty="0">
-                <a:solidFill>
-                  <a:srgbClr val="000000"/>
-                </a:solidFill>
-                <a:highlight>
-                  <a:srgbClr val="FFFFFF"/>
-                </a:highlight>
-                <a:latin typeface="Cascadia Mono" panose="020B0609020000020004" pitchFamily="49" charset="0"/>
-              </a:rPr>
-              <a:t>    }</a:t>
-            </a:r>
-          </a:p>
-          <a:p>
-            <a:r>
-              <a:rPr lang="nl-BE" sz="1800" dirty="0">
-                <a:solidFill>
-                  <a:srgbClr val="000000"/>
-                </a:solidFill>
-                <a:highlight>
-                  <a:srgbClr val="FFFFFF"/>
-                </a:highlight>
-                <a:latin typeface="Cascadia Mono" panose="020B0609020000020004" pitchFamily="49" charset="0"/>
-              </a:rPr>
-              <a:t>}</a:t>
-            </a:r>
-          </a:p>
-          <a:p>
-            <a:endParaRPr lang="nl-BE" sz="1800" noProof="0" dirty="0">
-              <a:solidFill>
-                <a:srgbClr val="000000"/>
-              </a:solidFill>
-              <a:highlight>
-                <a:srgbClr val="FFFFFF"/>
-              </a:highlight>
-              <a:latin typeface="Cascadia Mono" panose="020B0609020000020004" pitchFamily="49" charset="0"/>
-            </a:endParaRPr>
-          </a:p>
-          <a:p>
-            <a:r>
-              <a:rPr lang="nl-BE" sz="1800" noProof="0" dirty="0">
-                <a:solidFill>
-                  <a:srgbClr val="000000"/>
-                </a:solidFill>
-                <a:highlight>
-                  <a:srgbClr val="FFFFFF"/>
-                </a:highlight>
-                <a:latin typeface="Cascadia Mono" panose="020B0609020000020004" pitchFamily="49" charset="0"/>
-              </a:rPr>
-              <a:t>To AppSettings:Setting8 </a:t>
-            </a:r>
-            <a:r>
-              <a:rPr lang="nl-BE" sz="1800" noProof="0" dirty="0">
-                <a:solidFill>
-                  <a:srgbClr val="000000"/>
-                </a:solidFill>
-                <a:highlight>
-                  <a:srgbClr val="FFFFFF"/>
-                </a:highlight>
-                <a:latin typeface="Cascadia Mono" panose="020B0609020000020004" pitchFamily="49" charset="0"/>
-                <a:sym typeface="Wingdings" panose="05000000000000000000" pitchFamily="2" charset="2"/>
-              </a:rPr>
-              <a:t> </a:t>
-            </a:r>
-            <a:r>
-              <a:rPr lang="nl-BE" sz="1000" dirty="0">
-                <a:solidFill>
-                  <a:srgbClr val="A31515"/>
-                </a:solidFill>
-                <a:highlight>
-                  <a:srgbClr val="FFFFFF"/>
-                </a:highlight>
-                <a:latin typeface="Cascadia Mono" panose="020B0609020000020004" pitchFamily="49" charset="0"/>
-              </a:rPr>
-              <a:t>SecretsManagerValue8</a:t>
-            </a:r>
-            <a:endParaRPr lang="en-US" noProof="0" dirty="0"/>
-          </a:p>
-          <a:p>
-            <a:endParaRPr lang="en-US" noProof="0" dirty="0"/>
-          </a:p>
-          <a:p>
-            <a:r>
-              <a:rPr lang="en-US" noProof="0" dirty="0"/>
-              <a:t>The </a:t>
-            </a:r>
-            <a:r>
-              <a:rPr lang="en-US" noProof="0" dirty="0" err="1"/>
-              <a:t>GetSecret</a:t>
-            </a:r>
-            <a:r>
-              <a:rPr lang="en-US" noProof="0" dirty="0"/>
-              <a:t> Method is where the heavy lifting is done. We attach it to the Load method by overriding it. And in the case if a load exception happens and we want to try to reload it a bit later we run the task asynchronously.</a:t>
-            </a:r>
-          </a:p>
-          <a:p>
-            <a:r>
-              <a:rPr lang="en-US" noProof="0" dirty="0"/>
-              <a:t>This in turn will trigger the load and the </a:t>
-            </a:r>
-            <a:r>
-              <a:rPr lang="en-US" noProof="0" dirty="0" err="1"/>
-              <a:t>OnReload</a:t>
-            </a:r>
-            <a:r>
-              <a:rPr lang="en-US" noProof="0" dirty="0"/>
-              <a:t> method.</a:t>
-            </a:r>
-          </a:p>
-          <a:p>
-            <a:r>
-              <a:rPr lang="en-US" noProof="0" dirty="0"/>
-              <a:t>The </a:t>
-            </a:r>
-            <a:r>
-              <a:rPr lang="en-US" noProof="0" dirty="0" err="1"/>
-              <a:t>OnReload</a:t>
-            </a:r>
-            <a:r>
-              <a:rPr lang="en-US" noProof="0" dirty="0"/>
-              <a:t> method will inform the Configuration that this providers needs to be reloaded for the interested parties. But we will dig deeper on this matter a bit later.</a:t>
-            </a:r>
-          </a:p>
-          <a:p>
-            <a:endParaRPr lang="en-US" noProof="0" dirty="0"/>
-          </a:p>
-          <a:p>
-            <a:r>
-              <a:rPr lang="en-US" noProof="0" dirty="0"/>
-              <a:t>Although the provider is doing the work, we need </a:t>
-            </a:r>
-            <a:r>
-              <a:rPr lang="nl-BE" noProof="0" dirty="0"/>
-              <a:t>a c</a:t>
-            </a:r>
-            <a:r>
-              <a:rPr lang="nl-BE" sz="1800" dirty="0">
-                <a:solidFill>
-                  <a:srgbClr val="2B91AF"/>
-                </a:solidFill>
-                <a:highlight>
-                  <a:srgbClr val="FFFFFF"/>
-                </a:highlight>
-                <a:latin typeface="Cascadia Mono" panose="020B0609020000020004" pitchFamily="49" charset="0"/>
-              </a:rPr>
-              <a:t>onfiguration source to add it to the Configuration manager in this case the AwsSecretsManagerConfigurationSource.</a:t>
-            </a:r>
-            <a:endParaRPr lang="en-US" sz="1800" noProof="0" dirty="0">
-              <a:solidFill>
-                <a:srgbClr val="2B91AF"/>
-              </a:solidFill>
-              <a:highlight>
-                <a:srgbClr val="FFFFFF"/>
-              </a:highlight>
-              <a:latin typeface="Cascadia Mono" panose="020B0609020000020004" pitchFamily="49" charset="0"/>
-            </a:endParaRPr>
-          </a:p>
-          <a:p>
-            <a:endParaRPr lang="en-US" sz="1800" noProof="0" dirty="0">
-              <a:solidFill>
-                <a:srgbClr val="2B91AF"/>
-              </a:solidFill>
-              <a:highlight>
-                <a:srgbClr val="FFFFFF"/>
-              </a:highlight>
-              <a:latin typeface="Cascadia Mono" panose="020B0609020000020004" pitchFamily="49" charset="0"/>
-            </a:endParaRPr>
-          </a:p>
-          <a:p>
-            <a:r>
-              <a:rPr lang="en-US" sz="1800" noProof="0" dirty="0">
-                <a:solidFill>
-                  <a:srgbClr val="2B91AF"/>
-                </a:solidFill>
-                <a:highlight>
-                  <a:srgbClr val="FFFFFF"/>
-                </a:highlight>
-                <a:latin typeface="Cascadia Mono" panose="020B0609020000020004" pitchFamily="49" charset="0"/>
-              </a:rPr>
-              <a:t>For the final part we introduce an extension method which then passes through the </a:t>
-            </a:r>
-            <a:r>
-              <a:rPr lang="nl-BE" sz="1800" dirty="0">
-                <a:solidFill>
-                  <a:srgbClr val="2B91AF"/>
-                </a:solidFill>
-                <a:highlight>
-                  <a:srgbClr val="FFFFFF"/>
-                </a:highlight>
-                <a:latin typeface="Cascadia Mono" panose="020B0609020000020004" pitchFamily="49" charset="0"/>
-              </a:rPr>
-              <a:t>AwsSecretsManagerConfigurationSource we do this as the add needs to be done on the IConfigurationBuilder, this is inherited by the IConfigurationManager and implemented by the ConfigurationManager which is accessable via builder.Configuration.</a:t>
-            </a:r>
-          </a:p>
-          <a:p>
-            <a:r>
-              <a:rPr lang="nl-BE" sz="1800" noProof="0" dirty="0">
-                <a:solidFill>
-                  <a:srgbClr val="2B91AF"/>
-                </a:solidFill>
-                <a:highlight>
-                  <a:srgbClr val="FFFFFF"/>
-                </a:highlight>
-                <a:latin typeface="Cascadia Mono" panose="020B0609020000020004" pitchFamily="49" charset="0"/>
-              </a:rPr>
-              <a:t>Builder.Configuration.Add() does also exists but this starts of with an IConfigurationManager and forces some additional steps you can skip safely by using an extension method like this.</a:t>
-            </a:r>
-            <a:endParaRPr lang="en-US" noProof="0" dirty="0"/>
+              <a:t> being used and it is not with options they are rarely passed to an in between object, but directly to the service which needs to be configured. So actually a variation of the optimistic example 1.</a:t>
+            </a:r>
           </a:p>
         </p:txBody>
       </p:sp>
@@ -1514,7 +1750,7 @@
     </p:spTree>
     <p:extLst>
       <p:ext uri="{BB962C8B-B14F-4D97-AF65-F5344CB8AC3E}">
-        <p14:creationId xmlns:p14="http://schemas.microsoft.com/office/powerpoint/2010/main" val="1815372228"/>
+        <p14:creationId xmlns:p14="http://schemas.microsoft.com/office/powerpoint/2010/main" val="3877527804"/>
       </p:ext>
     </p:extLst>
   </p:cSld>
@@ -1570,33 +1806,7 @@
           <a:p>
             <a:r>
               <a:rPr lang="en-US" noProof="0" dirty="0"/>
-              <a:t>All fine, we now have our flat hierarchical key value pairs. But how do we extract these value?</a:t>
-            </a:r>
-          </a:p>
-          <a:p>
-            <a:endParaRPr lang="en-US" noProof="0" dirty="0"/>
-          </a:p>
-          <a:p>
-            <a:r>
-              <a:rPr lang="en-US" noProof="0" dirty="0"/>
-              <a:t>The environment: show the </a:t>
-            </a:r>
-            <a:r>
-              <a:rPr lang="en-US" noProof="0" dirty="0" err="1"/>
-              <a:t>launchsettings.json</a:t>
-            </a:r>
-            <a:r>
-              <a:rPr lang="en-US" noProof="0" dirty="0"/>
-              <a:t> and highlight the environment variable.</a:t>
-            </a:r>
-          </a:p>
-          <a:p>
-            <a:endParaRPr lang="en-US" noProof="0" dirty="0"/>
-          </a:p>
-          <a:p>
-            <a:r>
-              <a:rPr lang="en-US" noProof="0" dirty="0"/>
-              <a:t>These are the ways I’ve noticed currently in use with an </a:t>
+              <a:t>With the base set for </a:t>
             </a:r>
             <a:r>
               <a:rPr lang="en-US" noProof="0" dirty="0" err="1"/>
@@ -1604,292 +1814,29 @@
             </a:r>
             <a:r>
               <a:rPr lang="en-US" noProof="0" dirty="0"/>
-              <a:t>:</a:t>
-            </a:r>
-          </a:p>
-          <a:p>
-            <a:endParaRPr lang="en-US" noProof="0" dirty="0"/>
-          </a:p>
-          <a:p>
-            <a:pPr marL="171450" indent="-171450">
-              <a:buFont typeface="Arial" panose="020B0604020202020204" pitchFamily="34" charset="0"/>
-              <a:buChar char="•"/>
-            </a:pPr>
+              <a:t> we can now start at looking for </a:t>
+            </a:r>
+            <a:r>
+              <a:rPr lang="en-US" noProof="0" dirty="0" err="1"/>
+              <a:t>IOptions</a:t>
+            </a:r>
             <a:r>
               <a:rPr lang="en-US" noProof="0" dirty="0"/>
-              <a:t>/</a:t>
-            </a:r>
-            <a:r>
-              <a:rPr lang="en-US" sz="1800" dirty="0">
-                <a:solidFill>
-                  <a:srgbClr val="000000"/>
-                </a:solidFill>
-                <a:latin typeface="Cascadia Mono" panose="020B0609020000020004" pitchFamily="49" charset="0"/>
-              </a:rPr>
-              <a:t>config</a:t>
-            </a:r>
-            <a:r>
-              <a:rPr lang="en-US" sz="1800" noProof="0" dirty="0">
-                <a:solidFill>
-                  <a:srgbClr val="000000"/>
-                </a:solidFill>
-                <a:latin typeface="Cascadia Mono" panose="020B0609020000020004" pitchFamily="49" charset="0"/>
-              </a:rPr>
-              <a:t>/1</a:t>
-            </a:r>
-            <a:br>
-              <a:rPr lang="en-US" sz="1800" noProof="0" dirty="0">
-                <a:solidFill>
-                  <a:srgbClr val="000000"/>
-                </a:solidFill>
-                <a:latin typeface="Cascadia Mono" panose="020B0609020000020004" pitchFamily="49" charset="0"/>
-              </a:rPr>
-            </a:br>
-            <a:r>
-              <a:rPr lang="en-US" sz="1800" noProof="0" dirty="0">
-                <a:solidFill>
-                  <a:srgbClr val="000000"/>
-                </a:solidFill>
-                <a:latin typeface="Cascadia Mono" panose="020B0609020000020004" pitchFamily="49" charset="0"/>
-              </a:rPr>
-              <a:t>This is an optimistic way of configuring the object.</a:t>
-            </a:r>
-          </a:p>
-          <a:p>
-            <a:pPr marL="171450" indent="-171450">
-              <a:buFont typeface="Arial" panose="020B0604020202020204" pitchFamily="34" charset="0"/>
-              <a:buChar char="•"/>
-            </a:pPr>
-            <a:r>
-              <a:rPr lang="en-US" sz="1800" dirty="0">
-                <a:solidFill>
-                  <a:srgbClr val="000000"/>
-                </a:solidFill>
-                <a:latin typeface="Cascadia Mono" panose="020B0609020000020004" pitchFamily="49" charset="0"/>
-              </a:rPr>
-              <a:t>/config</a:t>
-            </a:r>
-            <a:r>
-              <a:rPr lang="en-US" sz="1800" noProof="0" dirty="0">
-                <a:solidFill>
-                  <a:srgbClr val="000000"/>
-                </a:solidFill>
-                <a:latin typeface="Cascadia Mono" panose="020B0609020000020004" pitchFamily="49" charset="0"/>
-              </a:rPr>
-              <a:t>/2</a:t>
-            </a:r>
-            <a:br>
-              <a:rPr lang="en-US" sz="1800" noProof="0" dirty="0">
-                <a:solidFill>
-                  <a:srgbClr val="000000"/>
-                </a:solidFill>
-                <a:latin typeface="Cascadia Mono" panose="020B0609020000020004" pitchFamily="49" charset="0"/>
-              </a:rPr>
-            </a:br>
-            <a:r>
-              <a:rPr lang="en-US" sz="1800" noProof="0" dirty="0">
-                <a:solidFill>
-                  <a:srgbClr val="000000"/>
-                </a:solidFill>
-                <a:latin typeface="Cascadia Mono" panose="020B0609020000020004" pitchFamily="49" charset="0"/>
-              </a:rPr>
-              <a:t>This one deals with everything itself; each value is extracted as a nullable string and must be transformed and validated before it can be used</a:t>
-            </a:r>
-          </a:p>
-          <a:p>
-            <a:pPr marL="171450" indent="-171450">
-              <a:buFont typeface="Arial" panose="020B0604020202020204" pitchFamily="34" charset="0"/>
-              <a:buChar char="•"/>
-            </a:pPr>
-            <a:r>
-              <a:rPr lang="en-US" sz="1800" noProof="0" dirty="0">
-                <a:solidFill>
-                  <a:srgbClr val="000000"/>
-                </a:solidFill>
-                <a:latin typeface="Cascadia Mono" panose="020B0609020000020004" pitchFamily="49" charset="0"/>
-              </a:rPr>
-              <a:t>/</a:t>
-            </a:r>
-            <a:r>
-              <a:rPr lang="en-US" sz="1800" dirty="0">
-                <a:solidFill>
-                  <a:srgbClr val="000000"/>
-                </a:solidFill>
-                <a:latin typeface="Cascadia Mono" panose="020B0609020000020004" pitchFamily="49" charset="0"/>
-              </a:rPr>
-              <a:t>config</a:t>
-            </a:r>
-            <a:r>
-              <a:rPr lang="en-US" sz="1800" noProof="0" dirty="0">
-                <a:solidFill>
-                  <a:srgbClr val="000000"/>
-                </a:solidFill>
-                <a:latin typeface="Cascadia Mono" panose="020B0609020000020004" pitchFamily="49" charset="0"/>
-              </a:rPr>
-              <a:t>/3</a:t>
-            </a:r>
-            <a:br>
-              <a:rPr lang="en-US" sz="1800" noProof="0" dirty="0">
-                <a:solidFill>
-                  <a:srgbClr val="000000"/>
-                </a:solidFill>
-                <a:latin typeface="Cascadia Mono" panose="020B0609020000020004" pitchFamily="49" charset="0"/>
-              </a:rPr>
-            </a:br>
-            <a:r>
-              <a:rPr lang="en-US" sz="1800" noProof="0" dirty="0">
-                <a:solidFill>
-                  <a:srgbClr val="000000"/>
-                </a:solidFill>
-                <a:latin typeface="Cascadia Mono" panose="020B0609020000020004" pitchFamily="49" charset="0"/>
-              </a:rPr>
-              <a:t>Already a bit more advanced as we are no longer responsible for the transformation from string to another datatype.</a:t>
-            </a:r>
-            <a:br>
-              <a:rPr lang="en-US" sz="1800" noProof="0" dirty="0">
-                <a:solidFill>
-                  <a:srgbClr val="000000"/>
-                </a:solidFill>
-                <a:latin typeface="Cascadia Mono" panose="020B0609020000020004" pitchFamily="49" charset="0"/>
-              </a:rPr>
-            </a:br>
-            <a:r>
-              <a:rPr lang="en-US" sz="1800" noProof="0" dirty="0">
-                <a:solidFill>
-                  <a:srgbClr val="000000"/>
-                </a:solidFill>
-                <a:latin typeface="Cascadia Mono" panose="020B0609020000020004" pitchFamily="49" charset="0"/>
-              </a:rPr>
-              <a:t>To make this work we need however to introduce the NuGet package “</a:t>
-            </a:r>
-            <a:r>
-              <a:rPr lang="en-US" sz="1800" noProof="0" dirty="0" err="1">
-                <a:solidFill>
-                  <a:srgbClr val="000000"/>
-                </a:solidFill>
-                <a:latin typeface="Cascadia Mono" panose="020B0609020000020004" pitchFamily="49" charset="0"/>
-              </a:rPr>
-              <a:t>Microsoft.Extensions.Configuration.Binder</a:t>
-            </a:r>
-            <a:r>
-              <a:rPr lang="en-US" sz="1800" noProof="0" dirty="0">
-                <a:solidFill>
-                  <a:srgbClr val="000000"/>
-                </a:solidFill>
-                <a:latin typeface="Cascadia Mono" panose="020B0609020000020004" pitchFamily="49" charset="0"/>
-              </a:rPr>
-              <a:t>”</a:t>
-            </a:r>
-          </a:p>
-          <a:p>
-            <a:pPr marL="171450" indent="-171450">
-              <a:buFont typeface="Arial" panose="020B0604020202020204" pitchFamily="34" charset="0"/>
-              <a:buChar char="•"/>
-            </a:pPr>
-            <a:r>
-              <a:rPr lang="en-US" sz="1800" noProof="0" dirty="0">
-                <a:solidFill>
-                  <a:srgbClr val="000000"/>
-                </a:solidFill>
-                <a:latin typeface="Cascadia Mono" panose="020B0609020000020004" pitchFamily="49" charset="0"/>
-              </a:rPr>
-              <a:t>/config/4</a:t>
-            </a:r>
-            <a:br>
-              <a:rPr lang="en-US" sz="1800" noProof="0" dirty="0">
-                <a:solidFill>
-                  <a:srgbClr val="000000"/>
-                </a:solidFill>
-                <a:latin typeface="Cascadia Mono" panose="020B0609020000020004" pitchFamily="49" charset="0"/>
-              </a:rPr>
-            </a:br>
-            <a:r>
-              <a:rPr lang="en-US" sz="1800" noProof="0" dirty="0">
-                <a:solidFill>
-                  <a:srgbClr val="000000"/>
-                </a:solidFill>
-                <a:latin typeface="Cascadia Mono" panose="020B0609020000020004" pitchFamily="49" charset="0"/>
-              </a:rPr>
-              <a:t>Up the anti a bit again as now we only need to point to the JSON property who is representing our object.</a:t>
-            </a:r>
-            <a:br>
-              <a:rPr lang="en-US" sz="1800" noProof="0" dirty="0">
-                <a:solidFill>
-                  <a:srgbClr val="000000"/>
-                </a:solidFill>
-                <a:latin typeface="Cascadia Mono" panose="020B0609020000020004" pitchFamily="49" charset="0"/>
-              </a:rPr>
-            </a:br>
-            <a:r>
-              <a:rPr lang="en-US" sz="1800" noProof="0" dirty="0">
-                <a:solidFill>
-                  <a:srgbClr val="000000"/>
-                </a:solidFill>
-                <a:latin typeface="Cascadia Mono" panose="020B0609020000020004" pitchFamily="49" charset="0"/>
-              </a:rPr>
-              <a:t>Advantage of this approach is that new values are automatically being picked up if they are added. Only the validation step still needs to occur.</a:t>
-            </a:r>
-            <a:br>
-              <a:rPr lang="en-US" sz="1800" noProof="0" dirty="0">
-                <a:solidFill>
-                  <a:srgbClr val="000000"/>
-                </a:solidFill>
-                <a:latin typeface="Cascadia Mono" panose="020B0609020000020004" pitchFamily="49" charset="0"/>
-              </a:rPr>
-            </a:br>
-            <a:r>
-              <a:rPr lang="en-US" sz="1800" noProof="0" dirty="0">
-                <a:solidFill>
-                  <a:srgbClr val="000000"/>
-                </a:solidFill>
-                <a:latin typeface="Cascadia Mono" panose="020B0609020000020004" pitchFamily="49" charset="0"/>
-              </a:rPr>
-              <a:t>They must be at least public settable (Init, set or via the constructor)</a:t>
-            </a:r>
-          </a:p>
-          <a:p>
-            <a:pPr marL="171450" indent="-171450">
-              <a:buFont typeface="Arial" panose="020B0604020202020204" pitchFamily="34" charset="0"/>
-              <a:buChar char="•"/>
-            </a:pPr>
-            <a:endParaRPr lang="en-US" sz="1800" noProof="0" dirty="0">
-              <a:solidFill>
-                <a:srgbClr val="000000"/>
-              </a:solidFill>
-              <a:latin typeface="Cascadia Mono" panose="020B0609020000020004" pitchFamily="49" charset="0"/>
-            </a:endParaRPr>
-          </a:p>
-          <a:p>
-            <a:pPr marL="0" indent="0">
-              <a:buFont typeface="Arial" panose="020B0604020202020204" pitchFamily="34" charset="0"/>
-              <a:buNone/>
-            </a:pPr>
-            <a:r>
-              <a:rPr lang="en-US" sz="1800" noProof="0" dirty="0">
-                <a:solidFill>
-                  <a:srgbClr val="000000"/>
-                </a:solidFill>
-                <a:latin typeface="Cascadia Mono" panose="020B0609020000020004" pitchFamily="49" charset="0"/>
-              </a:rPr>
-              <a:t>I must be honest with these examples as they are biased, most of the time when I see </a:t>
-            </a:r>
-            <a:r>
-              <a:rPr lang="en-US" sz="1800" noProof="0" dirty="0" err="1">
-                <a:solidFill>
-                  <a:srgbClr val="000000"/>
-                </a:solidFill>
-                <a:latin typeface="Cascadia Mono" panose="020B0609020000020004" pitchFamily="49" charset="0"/>
-              </a:rPr>
+              <a:t>.</a:t>
+            </a:r>
+          </a:p>
+          <a:p>
+            <a:r>
+              <a:rPr lang="en-US" noProof="0" dirty="0"/>
+              <a:t>You could create options without an </a:t>
+            </a:r>
+            <a:r>
+              <a:rPr lang="en-US" noProof="0" dirty="0" err="1"/>
               <a:t>IConfiguration</a:t>
             </a:r>
             <a:r>
-              <a:rPr lang="en-US" sz="1800" noProof="0" dirty="0">
-                <a:solidFill>
-                  <a:srgbClr val="000000"/>
-                </a:solidFill>
-                <a:latin typeface="Cascadia Mono" panose="020B0609020000020004" pitchFamily="49" charset="0"/>
-              </a:rPr>
-              <a:t> being used and it is not with options they are rarely passed to an in between object, but directly to the service which needs to be configured. So actually a variation of the optimistic example 1.</a:t>
+              <a:rPr lang="en-US" noProof="0" dirty="0"/>
+              <a:t> off course. But I rarely encounter those situations.</a:t>
             </a:r>
           </a:p>
         </p:txBody>
@@ -1921,7 +1868,7 @@
     </p:spTree>
     <p:extLst>
       <p:ext uri="{BB962C8B-B14F-4D97-AF65-F5344CB8AC3E}">
-        <p14:creationId xmlns:p14="http://schemas.microsoft.com/office/powerpoint/2010/main" val="3877527804"/>
+        <p14:creationId xmlns:p14="http://schemas.microsoft.com/office/powerpoint/2010/main" val="3481208087"/>
       </p:ext>
     </p:extLst>
   </p:cSld>
@@ -1976,38 +1923,95 @@
           <a:lstStyle/>
           <a:p>
             <a:r>
-              <a:rPr lang="en-US" noProof="0" dirty="0"/>
-              <a:t>With the base set for </a:t>
-            </a:r>
-            <a:r>
-              <a:rPr lang="en-US" noProof="0" dirty="0" err="1"/>
-              <a:t>IConfiguration</a:t>
-            </a:r>
-            <a:r>
-              <a:rPr lang="en-US" noProof="0" dirty="0"/>
-              <a:t> we can now start at looking for </a:t>
-            </a:r>
-            <a:r>
               <a:rPr lang="en-US" noProof="0" dirty="0" err="1"/>
               <a:t>IOptions</a:t>
             </a:r>
+            <a:endParaRPr lang="en-US" noProof="0" dirty="0"/>
+          </a:p>
+          <a:p>
+            <a:endParaRPr lang="en-US" noProof="0" dirty="0"/>
+          </a:p>
+          <a:p>
             <a:r>
               <a:rPr lang="en-US" noProof="0" dirty="0"/>
-              <a:t>.</a:t>
-            </a:r>
+              <a:t>With this pattern you can avoid that you need to make your entire solution aware about your configuration and as a bonus you get a strong typed class for accessing your configuration.</a:t>
+            </a:r>
+          </a:p>
+          <a:p>
+            <a:endParaRPr lang="en-US" noProof="0" dirty="0"/>
           </a:p>
           <a:p>
             <a:r>
               <a:rPr lang="en-US" noProof="0" dirty="0"/>
-              <a:t>You could create options without an </a:t>
+              <a:t>It makes a clear separation between different parts of your application and thereby it offers you 2 important software principles</a:t>
+            </a:r>
+          </a:p>
+          <a:p>
+            <a:pPr marL="171450" indent="-171450">
+              <a:buFont typeface="Arial" panose="020B0604020202020204" pitchFamily="34" charset="0"/>
+              <a:buChar char="•"/>
+            </a:pPr>
+            <a:r>
+              <a:rPr lang="en-US" noProof="0" dirty="0"/>
+              <a:t>Interface Segregation Principle (ISP)</a:t>
+            </a:r>
+          </a:p>
+          <a:p>
+            <a:pPr marL="171450" indent="-171450">
+              <a:buFont typeface="Arial" panose="020B0604020202020204" pitchFamily="34" charset="0"/>
+              <a:buChar char="•"/>
+            </a:pPr>
+            <a:r>
+              <a:rPr lang="en-US" noProof="0" dirty="0"/>
+              <a:t>Separation of Concerns</a:t>
+            </a:r>
+          </a:p>
+          <a:p>
+            <a:pPr marL="0" indent="0">
+              <a:buFont typeface="Arial" panose="020B0604020202020204" pitchFamily="34" charset="0"/>
+              <a:buNone/>
+            </a:pPr>
+            <a:r>
+              <a:rPr lang="en-US" noProof="0" dirty="0"/>
+              <a:t>e.g.: Your database infrastructure doesn’t need to know anything about outgoing connections and vice versa.</a:t>
+            </a:r>
+          </a:p>
+          <a:p>
+            <a:r>
+              <a:rPr lang="en-US" noProof="0" dirty="0"/>
+              <a:t>If you would have multiple different databases, you can also separate it on their name.</a:t>
+            </a:r>
+          </a:p>
+          <a:p>
+            <a:r>
+              <a:rPr lang="en-US" noProof="0" dirty="0"/>
+              <a:t>Each piece of your application only receives the options it need to do its work.</a:t>
+            </a:r>
+          </a:p>
+          <a:p>
+            <a:endParaRPr lang="en-US" noProof="0" dirty="0"/>
+          </a:p>
+          <a:p>
+            <a:r>
+              <a:rPr lang="en-US" noProof="0" dirty="0"/>
+              <a:t>There is a build in mechanism to validate your configuration data.</a:t>
+            </a:r>
+          </a:p>
+          <a:p>
+            <a:endParaRPr lang="en-US" noProof="0" dirty="0"/>
+          </a:p>
+          <a:p>
+            <a:r>
+              <a:rPr lang="en-US" noProof="0" dirty="0"/>
+              <a:t>And the DI integration for resolving configurational dependencies, it is this small feature which made me love the </a:t>
             </a:r>
             <a:r>
               <a:rPr lang="en-US" noProof="0" dirty="0" err="1"/>
-              <a:t>IConfiguration</a:t>
+              <a:t>IOptions</a:t>
             </a:r>
             <a:r>
               <a:rPr lang="en-US" noProof="0" dirty="0"/>
-              <a:t> off course. But I rarely encounter those situations.</a:t>
+              <a:t> pattern. But this one will be revealed in the last demo when all the dots are getting connected and will result in an advanced configuration.</a:t>
             </a:r>
           </a:p>
         </p:txBody>
@@ -2039,7 +2043,7 @@
     </p:spTree>
     <p:extLst>
       <p:ext uri="{BB962C8B-B14F-4D97-AF65-F5344CB8AC3E}">
-        <p14:creationId xmlns:p14="http://schemas.microsoft.com/office/powerpoint/2010/main" val="3481208087"/>
+        <p14:creationId xmlns:p14="http://schemas.microsoft.com/office/powerpoint/2010/main" val="1171760927"/>
       </p:ext>
     </p:extLst>
   </p:cSld>
@@ -2094,87 +2098,39 @@
           <a:lstStyle/>
           <a:p>
             <a:r>
+              <a:rPr lang="en-US" noProof="0" dirty="0"/>
+              <a:t>If you are reading information about the </a:t>
+            </a:r>
+            <a:r>
               <a:rPr lang="en-US" noProof="0" dirty="0" err="1"/>
               <a:t>IOptions</a:t>
             </a:r>
+            <a:r>
+              <a:rPr lang="en-US" noProof="0" dirty="0"/>
+              <a:t> pattern you could be overwhelmed by the different flavors. When your request it into your services.</a:t>
+            </a:r>
+          </a:p>
+          <a:p>
+            <a:r>
+              <a:rPr lang="en-US" noProof="0" dirty="0"/>
+              <a:t>The reason for these choices is so you could choose the best lifetime semantics which fit for your needs.</a:t>
+            </a:r>
+          </a:p>
+          <a:p>
             <a:endParaRPr lang="en-US" noProof="0" dirty="0"/>
           </a:p>
           <a:p>
-            <a:endParaRPr lang="en-US" noProof="0" dirty="0"/>
-          </a:p>
-          <a:p>
             <a:r>
               <a:rPr lang="en-US" noProof="0" dirty="0"/>
-              <a:t>With this pattern you can avoid that you need to make your entire solution aware about your configuration and as a bonus you get a strong typed class for accessing your configuration.</a:t>
-            </a:r>
-          </a:p>
-          <a:p>
-            <a:endParaRPr lang="en-US" noProof="0" dirty="0"/>
-          </a:p>
-          <a:p>
+              <a:t>The easiest one to grasp if you’re coming from an </a:t>
+            </a:r>
+            <a:r>
+              <a:rPr lang="en-US" noProof="0" dirty="0" err="1"/>
+              <a:t>IConfiguration</a:t>
+            </a:r>
             <a:r>
               <a:rPr lang="en-US" noProof="0" dirty="0"/>
-              <a:t>It makes a clear separation between different parts of your application and thereby it offers you 2 important software principles</a:t>
-            </a:r>
-          </a:p>
-          <a:p>
-            <a:pPr marL="171450" indent="-171450">
-              <a:buFont typeface="Arial" panose="020B0604020202020204" pitchFamily="34" charset="0"/>
-              <a:buChar char="•"/>
-            </a:pPr>
-            <a:r>
-              <a:rPr lang="en-US" noProof="0" dirty="0"/>
-              <a:t>Interface Segregation Principle (ISP)</a:t>
-            </a:r>
-          </a:p>
-          <a:p>
-            <a:pPr marL="171450" indent="-171450">
-              <a:buFont typeface="Arial" panose="020B0604020202020204" pitchFamily="34" charset="0"/>
-              <a:buChar char="•"/>
-            </a:pPr>
-            <a:r>
-              <a:rPr lang="en-US" noProof="0" dirty="0"/>
-              <a:t>Separation of Concerns</a:t>
-            </a:r>
-          </a:p>
-          <a:p>
-            <a:pPr marL="0" indent="0">
-              <a:buFont typeface="Arial" panose="020B0604020202020204" pitchFamily="34" charset="0"/>
-              <a:buNone/>
-            </a:pPr>
-            <a:r>
-              <a:rPr lang="en-US" noProof="0" dirty="0"/>
-              <a:t>e.g.: Your database infrastructure doesn’t need to know anything about outgoing connections and vice versa.</a:t>
-            </a:r>
-          </a:p>
-          <a:p>
-            <a:r>
-              <a:rPr lang="en-US" noProof="0" dirty="0"/>
-              <a:t>If you would have multiple different databases, you can also separate it on their name.</a:t>
-            </a:r>
-          </a:p>
-          <a:p>
-            <a:r>
-              <a:rPr lang="en-US" noProof="0" dirty="0"/>
-              <a:t>Each piece of your application only receives the options it need to do its work.</a:t>
-            </a:r>
-          </a:p>
-          <a:p>
-            <a:endParaRPr lang="en-US" noProof="0" dirty="0"/>
-          </a:p>
-          <a:p>
-            <a:r>
-              <a:rPr lang="en-US" noProof="0" dirty="0"/>
-              <a:t>There is a build in mechanism to validate your configuration data.</a:t>
-            </a:r>
-          </a:p>
-          <a:p>
-            <a:endParaRPr lang="en-US" noProof="0" dirty="0"/>
-          </a:p>
-          <a:p>
-            <a:r>
-              <a:rPr lang="en-US" noProof="0" dirty="0"/>
-              <a:t>And the DI integration for resolving configurational dependencies, it is this small feature which made me love the </a:t>
+              <a:t> background is the </a:t>
             </a:r>
             <a:r>
               <a:rPr lang="en-US" noProof="0" dirty="0" err="1"/>
@@ -2182,7 +2138,49 @@
             </a:r>
             <a:r>
               <a:rPr lang="en-US" noProof="0" dirty="0"/>
-              <a:t> pattern. But this one will be revealed in the last demo when all the dots are getting connected and will result in an advanced configuration.</a:t>
+              <a:t>&lt;T&gt;</a:t>
+            </a:r>
+          </a:p>
+          <a:p>
+            <a:r>
+              <a:rPr lang="en-US" noProof="0" dirty="0"/>
+              <a:t>Once it is loaded it will never change until the application is reloaded. There can also only be one if it for the entire application if you would define it again it would just overwrite the previously configured one.</a:t>
+            </a:r>
+          </a:p>
+          <a:p>
+            <a:endParaRPr lang="en-US" noProof="0" dirty="0"/>
+          </a:p>
+          <a:p>
+            <a:r>
+              <a:rPr lang="en-US" noProof="0" dirty="0"/>
+              <a:t>If you have multiple different database connections, you could opt for creating an abstract base Option class and then let each configuration inherit from it. This means you’ll have for each database a custom object. This is not always desired or needed. Another option is to opt for an </a:t>
+            </a:r>
+            <a:r>
+              <a:rPr lang="en-US" noProof="0" dirty="0" err="1"/>
+              <a:t>IOptionsMonitor</a:t>
+            </a:r>
+            <a:r>
+              <a:rPr lang="en-US" noProof="0" dirty="0"/>
+              <a:t>&lt;T&gt;.</a:t>
+            </a:r>
+          </a:p>
+          <a:p>
+            <a:r>
+              <a:rPr lang="en-US" noProof="0" dirty="0"/>
+              <a:t>Besides monitoring the configuration for changes, it also supports named options granting you the ability to reuse the option object for each different database, it comes as a singleton and support reload natively.</a:t>
+            </a:r>
+          </a:p>
+          <a:p>
+            <a:endParaRPr lang="en-US" noProof="0" dirty="0"/>
+          </a:p>
+          <a:p>
+            <a:r>
+              <a:rPr lang="en-US" noProof="0" dirty="0" err="1"/>
+              <a:t>IOptionsSnapshot</a:t>
+            </a:r>
+            <a:r>
+              <a:rPr lang="en-US" noProof="0" dirty="0"/>
+              <a:t>&lt;T&gt; is on each request recreated using a scope, so this could come with a performance hit if it is in hot path construct. And because of it being scoped it cannot be used in a singleton.</a:t>
             </a:r>
           </a:p>
         </p:txBody>
@@ -2214,7 +2212,7 @@
     </p:spTree>
     <p:extLst>
       <p:ext uri="{BB962C8B-B14F-4D97-AF65-F5344CB8AC3E}">
-        <p14:creationId xmlns:p14="http://schemas.microsoft.com/office/powerpoint/2010/main" val="1171760927"/>
+        <p14:creationId xmlns:p14="http://schemas.microsoft.com/office/powerpoint/2010/main" val="1368866295"/>
       </p:ext>
     </p:extLst>
   </p:cSld>
@@ -2270,88 +2268,69 @@
           <a:p>
             <a:r>
               <a:rPr lang="en-US" noProof="0" dirty="0"/>
-              <a:t>If you are reading information about the </a:t>
+              <a:t>The </a:t>
+            </a:r>
+            <a:r>
+              <a:rPr lang="nl-BE" sz="1800" dirty="0">
+                <a:solidFill>
+                  <a:srgbClr val="0000FF"/>
+                </a:solidFill>
+                <a:highlight>
+                  <a:srgbClr val="FFFFFF"/>
+                </a:highlight>
+                <a:latin typeface="Cascadia Mono" panose="020B0609020000020004" pitchFamily="49" charset="0"/>
+              </a:rPr>
+              <a:t>MyOptions</a:t>
+            </a:r>
+            <a:r>
+              <a:rPr lang="en-US" noProof="0" dirty="0"/>
+              <a:t> class is a very simple class, but it holds all the properties to visualize the differences between the different options types.</a:t>
+            </a:r>
+          </a:p>
+          <a:p>
+            <a:r>
+              <a:rPr lang="en-US" noProof="0" dirty="0"/>
+              <a:t>Each time a new options is created a new Id will be generated and otherwise the already existing one will be reused.</a:t>
+            </a:r>
+          </a:p>
+          <a:p>
+            <a:endParaRPr lang="en-US" noProof="0" dirty="0"/>
+          </a:p>
+          <a:p>
+            <a:endParaRPr lang="en-US" noProof="0" dirty="0"/>
+          </a:p>
+          <a:p>
+            <a:r>
+              <a:rPr lang="en-US" noProof="0" dirty="0"/>
+              <a:t>In the </a:t>
             </a:r>
             <a:r>
               <a:rPr lang="en-US" noProof="0" dirty="0" err="1"/>
-              <a:t>IOptions</a:t>
+              <a:t>MapGet</a:t>
             </a:r>
             <a:r>
               <a:rPr lang="en-US" noProof="0" dirty="0"/>
-              <a:t> pattern you could be overwhelmed by the different flavors. When your request it into your services.</a:t>
+              <a:t> endpoint has 3 different option implementations.</a:t>
             </a:r>
           </a:p>
           <a:p>
             <a:r>
               <a:rPr lang="en-US" noProof="0" dirty="0"/>
-              <a:t>The reason for these choices is so you could choose the best lifetime semantics which fit for your needs.</a:t>
-            </a:r>
-          </a:p>
-          <a:p>
-            <a:endParaRPr lang="en-US" noProof="0" dirty="0"/>
+              <a:t>When we launch the application all 3 of them are resolved each displaying their unique id. When you launch a new request, you see only the snapshot has a changed id.</a:t>
+            </a:r>
           </a:p>
           <a:p>
             <a:r>
               <a:rPr lang="en-US" noProof="0" dirty="0"/>
-              <a:t>The easiest one to grasp if you’re coming from an </a:t>
+              <a:t>Since this is in the </a:t>
             </a:r>
             <a:r>
               <a:rPr lang="en-US" noProof="0" dirty="0" err="1"/>
-              <a:t>IConfiguration</a:t>
+              <a:t>appsettings</a:t>
             </a:r>
             <a:r>
               <a:rPr lang="en-US" noProof="0" dirty="0"/>
-              <a:t> background is the </a:t>
-            </a:r>
-            <a:r>
-              <a:rPr lang="en-US" noProof="0" dirty="0" err="1"/>
-              <a:t>IOptions</a:t>
-            </a:r>
-            <a:r>
-              <a:rPr lang="en-US" noProof="0" dirty="0"/>
-              <a:t>&lt;T&gt;</a:t>
-            </a:r>
-          </a:p>
-          <a:p>
-            <a:r>
-              <a:rPr lang="en-US" noProof="0" dirty="0"/>
-              <a:t>Once it is loaded it will never change until the application is reloaded. There can also only be one if it for the entire application if you would define it again it would just overwrite the previously configured one.</a:t>
-            </a:r>
-          </a:p>
-          <a:p>
-            <a:endParaRPr lang="en-US" noProof="0" dirty="0"/>
-          </a:p>
-          <a:p>
-            <a:r>
-              <a:rPr lang="en-US" noProof="0" dirty="0"/>
-              <a:t>If you have multiple different database connections, you could opt for creating an abstract base Option class and then let each configuration inherit from it. This means you’ll have for each database a custom object. This is not always desired or needed. Another option is to opt for an </a:t>
-            </a:r>
-            <a:r>
-              <a:rPr lang="en-US" noProof="0" dirty="0" err="1"/>
-              <a:t>IOptionsMonitor</a:t>
-            </a:r>
-            <a:r>
-              <a:rPr lang="en-US" noProof="0" dirty="0"/>
-              <a:t>&lt;T&gt;.</a:t>
-            </a:r>
-          </a:p>
-          <a:p>
-            <a:r>
-              <a:rPr lang="en-US" noProof="0" dirty="0"/>
-              <a:t>Besides monitoring the configuration for changes, it also supports named options granting you the ability to reuse the option object for each different database, it comes as a singleton and support reload natively.</a:t>
-            </a:r>
-          </a:p>
-          <a:p>
-            <a:endParaRPr lang="en-US" noProof="0" dirty="0"/>
-          </a:p>
-          <a:p>
-            <a:r>
-              <a:rPr lang="en-US" noProof="0" dirty="0" err="1"/>
-              <a:t>IOptionsSnapshot</a:t>
-            </a:r>
-            <a:r>
-              <a:rPr lang="en-US" noProof="0" dirty="0"/>
-              <a:t>&lt;T&gt; is on each request recreated using a scope, so this could come with a performance hit if it is in hot path construct. And because of it being scoped it cannot be used in a singleton.</a:t>
+              <a:t> file, if we update the configuration, we will see that also the monitor will change its id now as the file is reloaded.</a:t>
             </a:r>
           </a:p>
         </p:txBody>
@@ -2383,7 +2362,7 @@
     </p:spTree>
     <p:extLst>
       <p:ext uri="{BB962C8B-B14F-4D97-AF65-F5344CB8AC3E}">
-        <p14:creationId xmlns:p14="http://schemas.microsoft.com/office/powerpoint/2010/main" val="1368866295"/>
+        <p14:creationId xmlns:p14="http://schemas.microsoft.com/office/powerpoint/2010/main" val="2425348696"/>
       </p:ext>
     </p:extLst>
   </p:cSld>
@@ -2439,70 +2418,240 @@
           <a:p>
             <a:r>
               <a:rPr lang="en-US" noProof="0" dirty="0"/>
-              <a:t>The </a:t>
+              <a:t>Just like with the configuration binding, validation can be added. In this case it’s easier to do it via data annotations. ********* Anyone familiar with it?  ************</a:t>
+            </a:r>
+          </a:p>
+          <a:p>
+            <a:r>
+              <a:rPr lang="en-US" noProof="0" dirty="0"/>
+              <a:t>By annotating the properties via attributes, we can instruct the rules for loading the options.</a:t>
+            </a:r>
+          </a:p>
+          <a:p>
+            <a:endParaRPr lang="en-US" noProof="0" dirty="0"/>
+          </a:p>
+          <a:p>
+            <a:r>
+              <a:rPr lang="en-US" noProof="0" dirty="0"/>
+              <a:t>Just setting the options is not enough the </a:t>
+            </a:r>
+            <a:r>
+              <a:rPr lang="en-US" sz="1800" dirty="0" err="1">
+                <a:solidFill>
+                  <a:srgbClr val="000000"/>
+                </a:solidFill>
+                <a:latin typeface="Cascadia Mono" panose="020B0609020000020004" pitchFamily="49" charset="0"/>
+              </a:rPr>
+              <a:t>ValidateDataAnnotations</a:t>
+            </a:r>
+            <a:r>
+              <a:rPr lang="en-US" sz="1800" dirty="0">
+                <a:solidFill>
+                  <a:srgbClr val="000000"/>
+                </a:solidFill>
+                <a:latin typeface="Cascadia Mono" panose="020B0609020000020004" pitchFamily="49" charset="0"/>
+              </a:rPr>
+              <a:t> must be set as well. This will not validate the option on startup, but at first usage.</a:t>
+            </a:r>
+          </a:p>
+          <a:p>
+            <a:endParaRPr lang="en-US" sz="1800" dirty="0">
+              <a:solidFill>
+                <a:srgbClr val="000000"/>
+              </a:solidFill>
+              <a:latin typeface="Cascadia Mono" panose="020B0609020000020004" pitchFamily="49" charset="0"/>
+            </a:endParaRPr>
+          </a:p>
+          <a:p>
+            <a:r>
+              <a:rPr lang="en-US" sz="1800" dirty="0">
+                <a:solidFill>
+                  <a:srgbClr val="000000"/>
+                </a:solidFill>
+                <a:latin typeface="Cascadia Mono" panose="020B0609020000020004" pitchFamily="49" charset="0"/>
+              </a:rPr>
+              <a:t>If you want to have the options validated on startup and throwing a startup error rather than a runtime error add </a:t>
+            </a:r>
+            <a:r>
+              <a:rPr lang="en-US" sz="1800" dirty="0" err="1">
+                <a:solidFill>
+                  <a:srgbClr val="000000"/>
+                </a:solidFill>
+                <a:latin typeface="Cascadia Mono" panose="020B0609020000020004" pitchFamily="49" charset="0"/>
+              </a:rPr>
+              <a:t>ValidateOnStart</a:t>
+            </a:r>
+            <a:r>
+              <a:rPr lang="en-US" sz="1800" dirty="0">
+                <a:solidFill>
+                  <a:srgbClr val="000000"/>
+                </a:solidFill>
+                <a:latin typeface="Cascadia Mono" panose="020B0609020000020004" pitchFamily="49" charset="0"/>
+              </a:rPr>
+              <a:t>. Since .NET8 there is a new </a:t>
+            </a:r>
+            <a:r>
+              <a:rPr lang="en-US" sz="1800" dirty="0" err="1">
+                <a:solidFill>
+                  <a:srgbClr val="000000"/>
+                </a:solidFill>
+                <a:latin typeface="Cascadia Mono" panose="020B0609020000020004" pitchFamily="49" charset="0"/>
+              </a:rPr>
+              <a:t>AddOptionsWithValidateOnStart</a:t>
+            </a:r>
+            <a:r>
+              <a:rPr lang="en-US" sz="1800" dirty="0">
+                <a:solidFill>
+                  <a:srgbClr val="000000"/>
+                </a:solidFill>
+                <a:latin typeface="Cascadia Mono" panose="020B0609020000020004" pitchFamily="49" charset="0"/>
+              </a:rPr>
+              <a:t> which register the option and validate it on startup. But it still needs the </a:t>
             </a:r>
             <a:r>
               <a:rPr lang="nl-BE" sz="1800" dirty="0">
                 <a:solidFill>
-                  <a:srgbClr val="0000FF"/>
+                  <a:srgbClr val="008000"/>
                 </a:solidFill>
                 <a:highlight>
                   <a:srgbClr val="FFFFFF"/>
                 </a:highlight>
                 <a:latin typeface="Cascadia Mono" panose="020B0609020000020004" pitchFamily="49" charset="0"/>
               </a:rPr>
-              <a:t>MyOptions</a:t>
-            </a:r>
-            <a:r>
-              <a:rPr lang="en-US" noProof="0" dirty="0"/>
-              <a:t> class is a very simple class, but it holds all the properties to visualize the differences between the different options types.</a:t>
-            </a:r>
-          </a:p>
-          <a:p>
-            <a:r>
-              <a:rPr lang="en-US" noProof="0" dirty="0"/>
-              <a:t>Each time a new options is created a new Id will be generated and otherwise the already existing one will be reused.</a:t>
-            </a:r>
-          </a:p>
-          <a:p>
-            <a:endParaRPr lang="en-US" noProof="0" dirty="0"/>
-          </a:p>
-          <a:p>
-            <a:endParaRPr lang="en-US" noProof="0" dirty="0"/>
-          </a:p>
-          <a:p>
-            <a:r>
-              <a:rPr lang="en-US" noProof="0" dirty="0"/>
-              <a:t>In the </a:t>
-            </a:r>
-            <a:r>
-              <a:rPr lang="en-US" noProof="0" dirty="0" err="1"/>
-              <a:t>MapGet</a:t>
-            </a:r>
-            <a:r>
-              <a:rPr lang="en-US" noProof="0" dirty="0"/>
-              <a:t> endpoint has 3 different option implementations.</a:t>
-            </a:r>
-          </a:p>
-          <a:p>
-            <a:r>
-              <a:rPr lang="en-US" noProof="0" dirty="0"/>
-              <a:t>When we launch the application all 3 of them are resolved each displaying their unique id. When you launch a new request, you see only the snapshot has a changed id.</a:t>
-            </a:r>
-          </a:p>
-          <a:p>
-            <a:r>
-              <a:rPr lang="en-US" noProof="0" dirty="0"/>
-              <a:t>Since this is in the </a:t>
-            </a:r>
-            <a:r>
-              <a:rPr lang="en-US" noProof="0" dirty="0" err="1"/>
-              <a:t>appsettings</a:t>
-            </a:r>
-            <a:r>
-              <a:rPr lang="en-US" noProof="0" dirty="0"/>
-              <a:t> file, if we update the configuration, we will see that also the monitor will change its id now as the file is reloaded.</a:t>
-            </a:r>
+              <a:t>ValidateDataAnnotations to be called as well.</a:t>
+            </a:r>
+            <a:endParaRPr lang="en-US" sz="1800" dirty="0">
+              <a:solidFill>
+                <a:srgbClr val="000000"/>
+              </a:solidFill>
+              <a:latin typeface="Cascadia Mono" panose="020B0609020000020004" pitchFamily="49" charset="0"/>
+            </a:endParaRPr>
+          </a:p>
+          <a:p>
+            <a:endParaRPr lang="en-US" sz="1800" dirty="0">
+              <a:solidFill>
+                <a:srgbClr val="000000"/>
+              </a:solidFill>
+              <a:latin typeface="Cascadia Mono" panose="020B0609020000020004" pitchFamily="49" charset="0"/>
+            </a:endParaRPr>
+          </a:p>
+          <a:p>
+            <a:r>
+              <a:rPr lang="en-US" sz="1800" dirty="0">
+                <a:solidFill>
+                  <a:srgbClr val="000000"/>
+                </a:solidFill>
+                <a:latin typeface="Cascadia Mono" panose="020B0609020000020004" pitchFamily="49" charset="0"/>
+              </a:rPr>
+              <a:t>When you have some advanced validation requirements you could use a custom validation, this can be done via a delegate or a dedicated class.</a:t>
+            </a:r>
+          </a:p>
+          <a:p>
+            <a:endParaRPr lang="en-US" sz="1000" dirty="0">
+              <a:solidFill>
+                <a:srgbClr val="000000"/>
+              </a:solidFill>
+              <a:latin typeface="Cascadia Mono" panose="020B0609020000020004" pitchFamily="49" charset="0"/>
+            </a:endParaRPr>
+          </a:p>
+          <a:p>
+            <a:r>
+              <a:rPr lang="en-US" sz="1000" dirty="0">
+                <a:solidFill>
+                  <a:srgbClr val="000000"/>
+                </a:solidFill>
+                <a:latin typeface="Cascadia Mono" panose="020B0609020000020004" pitchFamily="49" charset="0"/>
+              </a:rPr>
+              <a:t>The last few years they’ve put a lot of effort in source generating things upfront this can be done for these validations as well. Reducing the need for reflection resolving the validations at design time.</a:t>
+            </a:r>
+          </a:p>
+          <a:p>
+            <a:r>
+              <a:rPr lang="en-US" sz="1000" dirty="0">
+                <a:solidFill>
+                  <a:srgbClr val="000000"/>
+                </a:solidFill>
+                <a:latin typeface="Cascadia Mono" panose="020B0609020000020004" pitchFamily="49" charset="0"/>
+              </a:rPr>
+              <a:t>It requires to register a partial class, and annotate it with the options validator attribute, then it needs to be registered as a singleton in the container and in the </a:t>
+            </a:r>
+            <a:r>
+              <a:rPr lang="en-US" sz="1000" dirty="0" err="1">
+                <a:solidFill>
+                  <a:srgbClr val="000000"/>
+                </a:solidFill>
+                <a:latin typeface="Cascadia Mono" panose="020B0609020000020004" pitchFamily="49" charset="0"/>
+              </a:rPr>
+              <a:t>csproj</a:t>
+            </a:r>
+            <a:r>
+              <a:rPr lang="en-US" sz="1000" dirty="0">
+                <a:solidFill>
+                  <a:srgbClr val="000000"/>
+                </a:solidFill>
+                <a:latin typeface="Cascadia Mono" panose="020B0609020000020004" pitchFamily="49" charset="0"/>
+              </a:rPr>
+              <a:t> file must be set </a:t>
+            </a:r>
+            <a:r>
+              <a:rPr lang="en-US" b="0" i="0" dirty="0">
+                <a:solidFill>
+                  <a:srgbClr val="E6E6E6"/>
+                </a:solidFill>
+                <a:effectLst/>
+                <a:latin typeface="SFMono-Regular"/>
+              </a:rPr>
+              <a:t>&lt;</a:t>
+            </a:r>
+            <a:r>
+              <a:rPr lang="en-US" b="0" i="0" dirty="0" err="1">
+                <a:solidFill>
+                  <a:srgbClr val="E6E6E6"/>
+                </a:solidFill>
+                <a:effectLst/>
+                <a:latin typeface="SFMono-Regular"/>
+              </a:rPr>
+              <a:t>EnableConfigurationBindingGenerator</a:t>
+            </a:r>
+            <a:r>
+              <a:rPr lang="en-US" b="0" i="0" dirty="0">
+                <a:solidFill>
+                  <a:srgbClr val="E6E6E6"/>
+                </a:solidFill>
+                <a:effectLst/>
+                <a:latin typeface="SFMono-Regular"/>
+              </a:rPr>
+              <a:t>&gt;true&lt;/</a:t>
+            </a:r>
+            <a:r>
+              <a:rPr lang="en-US" b="0" i="0" dirty="0" err="1">
+                <a:solidFill>
+                  <a:srgbClr val="E6E6E6"/>
+                </a:solidFill>
+                <a:effectLst/>
+                <a:latin typeface="SFMono-Regular"/>
+              </a:rPr>
+              <a:t>EnableConfigurationBindingGenerator</a:t>
+            </a:r>
+            <a:r>
+              <a:rPr lang="en-US" b="0" i="0" dirty="0">
+                <a:solidFill>
+                  <a:srgbClr val="E6E6E6"/>
+                </a:solidFill>
+                <a:effectLst/>
+                <a:latin typeface="SFMono-Regular"/>
+              </a:rPr>
+              <a:t>&gt;</a:t>
+            </a:r>
+            <a:endParaRPr lang="en-US" sz="1000" dirty="0">
+              <a:solidFill>
+                <a:srgbClr val="000000"/>
+              </a:solidFill>
+              <a:latin typeface="Cascadia Mono" panose="020B0609020000020004" pitchFamily="49" charset="0"/>
+            </a:endParaRPr>
+          </a:p>
+          <a:p>
+            <a:endParaRPr lang="nl-BE" dirty="0"/>
           </a:p>
         </p:txBody>
       </p:sp>
@@ -2533,7 +2682,7 @@
     </p:spTree>
     <p:extLst>
       <p:ext uri="{BB962C8B-B14F-4D97-AF65-F5344CB8AC3E}">
-        <p14:creationId xmlns:p14="http://schemas.microsoft.com/office/powerpoint/2010/main" val="2425348696"/>
+        <p14:creationId xmlns:p14="http://schemas.microsoft.com/office/powerpoint/2010/main" val="4142645775"/>
       </p:ext>
     </p:extLst>
   </p:cSld>
@@ -2588,45 +2737,955 @@
           <a:lstStyle/>
           <a:p>
             <a:r>
+              <a:rPr lang="en-US" b="1" noProof="0" dirty="0"/>
+              <a:t>Are there people still using .NET6 or .NET7?</a:t>
+            </a:r>
+          </a:p>
+          <a:p>
+            <a:r>
               <a:rPr lang="en-US" noProof="0" dirty="0"/>
-              <a:t>Just like with the configuration binding, validation can be added. In this case it’s easier to do it via data annotations. ********* Anyone familiar with it?  ************</a:t>
-            </a:r>
-          </a:p>
-          <a:p>
+              <a:t>This demo will depend on the .NET8 syntax, you will see why I didn’t consider the previous LTS and STS versions.</a:t>
+            </a:r>
+          </a:p>
+          <a:p>
+            <a:endParaRPr lang="en-US" noProof="0" dirty="0"/>
+          </a:p>
+          <a:p>
+            <a:pPr marL="0" marR="0" lvl="0" indent="0" algn="l" defTabSz="914400" rtl="0" eaLnBrk="1" fontAlgn="auto" latinLnBrk="0" hangingPunct="1">
+              <a:lnSpc>
+                <a:spcPct val="100000"/>
+              </a:lnSpc>
+              <a:spcBef>
+                <a:spcPts val="0"/>
+              </a:spcBef>
+              <a:spcAft>
+                <a:spcPts val="0"/>
+              </a:spcAft>
+              <a:buClrTx/>
+              <a:buSzTx/>
+              <a:buFontTx/>
+              <a:buNone/>
+              <a:tabLst/>
+              <a:defRPr/>
+            </a:pPr>
             <a:r>
               <a:rPr lang="en-US" noProof="0" dirty="0"/>
-              <a:t>By annotating the properties via attributes, we can instruct the rules for loading the options.</a:t>
+              <a:t>For this demo I had to create multiple files just to avoid confusion and to be able to build this one up with the different flavors which are available.</a:t>
+            </a:r>
+          </a:p>
+          <a:p>
+            <a:r>
+              <a:rPr lang="en-US" noProof="0" dirty="0"/>
+              <a:t>We will start this one easy, with focusing first on the </a:t>
+            </a:r>
+            <a:r>
+              <a:rPr lang="en-US" noProof="0" dirty="0" err="1"/>
+              <a:t>MyOptions</a:t>
+            </a:r>
+            <a:r>
+              <a:rPr lang="en-US" noProof="0" dirty="0"/>
+              <a:t> class, it’s the same class as the previous demo but now it’s annotated.</a:t>
             </a:r>
           </a:p>
           <a:p>
             <a:endParaRPr lang="en-US" noProof="0" dirty="0"/>
           </a:p>
           <a:p>
+            <a:pPr marL="228600" indent="-228600">
+              <a:buFont typeface="+mj-lt"/>
+              <a:buAutoNum type="arabicPeriod"/>
+            </a:pPr>
+            <a:endParaRPr lang="en-US" noProof="0" dirty="0"/>
+          </a:p>
+          <a:p>
+            <a:pPr marL="228600" indent="-228600">
+              <a:buFont typeface="+mj-lt"/>
+              <a:buAutoNum type="arabicPeriod"/>
+            </a:pPr>
             <a:r>
               <a:rPr lang="en-US" noProof="0" dirty="0"/>
-              <a:t>Just setting the options is not enough the </a:t>
-            </a:r>
-            <a:r>
-              <a:rPr lang="en-US" sz="1800" dirty="0" err="1">
+              <a:t>When we spin the solution up as is, although annotated nothing odd happens.</a:t>
+            </a:r>
+          </a:p>
+          <a:p>
+            <a:pPr marL="228600" indent="-228600">
+              <a:buFont typeface="+mj-lt"/>
+              <a:buAutoNum type="arabicPeriod"/>
+            </a:pPr>
+            <a:r>
+              <a:rPr lang="en-US" noProof="0" dirty="0"/>
+              <a:t>To enable the usage of the annotations, we must add the </a:t>
+            </a:r>
+            <a:r>
+              <a:rPr lang="nl-BE" sz="1800" dirty="0">
+                <a:solidFill>
+                  <a:srgbClr val="008000"/>
+                </a:solidFill>
+                <a:highlight>
+                  <a:srgbClr val="FFFFFF"/>
+                </a:highlight>
+                <a:latin typeface="Cascadia Mono" panose="020B0609020000020004" pitchFamily="49" charset="0"/>
+              </a:rPr>
+              <a:t>ValidateDataAnnotations.</a:t>
+            </a:r>
+            <a:br>
+              <a:rPr lang="nl-BE" sz="1800" dirty="0">
+                <a:solidFill>
+                  <a:srgbClr val="008000"/>
+                </a:solidFill>
+                <a:highlight>
+                  <a:srgbClr val="FFFFFF"/>
+                </a:highlight>
+                <a:latin typeface="Cascadia Mono" panose="020B0609020000020004" pitchFamily="49" charset="0"/>
+              </a:rPr>
+            </a:br>
+            <a:r>
+              <a:rPr lang="nl-BE" sz="1800" dirty="0">
+                <a:solidFill>
+                  <a:srgbClr val="008000"/>
+                </a:solidFill>
+                <a:highlight>
+                  <a:srgbClr val="FFFFFF"/>
+                </a:highlight>
+                <a:latin typeface="Cascadia Mono" panose="020B0609020000020004" pitchFamily="49" charset="0"/>
+              </a:rPr>
+              <a:t>This can give us runtime errors which I personally like to avoid as much as possible.</a:t>
+            </a:r>
+          </a:p>
+          <a:p>
+            <a:pPr marL="228600" indent="-228600">
+              <a:buFont typeface="+mj-lt"/>
+              <a:buAutoNum type="arabicPeriod"/>
+            </a:pPr>
+            <a:r>
+              <a:rPr lang="nl-BE" sz="1800" dirty="0">
+                <a:solidFill>
+                  <a:srgbClr val="008000"/>
+                </a:solidFill>
+                <a:highlight>
+                  <a:srgbClr val="FFFFFF"/>
+                </a:highlight>
+                <a:latin typeface="Cascadia Mono" panose="020B0609020000020004" pitchFamily="49" charset="0"/>
+              </a:rPr>
+              <a:t>When we also enable </a:t>
+            </a:r>
+            <a:r>
+              <a:rPr lang="nl-BE" sz="1800" dirty="0">
                 <a:solidFill>
                   <a:srgbClr val="000000"/>
                 </a:solidFill>
+                <a:highlight>
+                  <a:srgbClr val="FFFFFF"/>
+                </a:highlight>
                 <a:latin typeface="Cascadia Mono" panose="020B0609020000020004" pitchFamily="49" charset="0"/>
               </a:rPr>
-              <a:t>ValidateDataAnnotations</a:t>
-            </a:r>
-            <a:r>
-              <a:rPr lang="en-US" sz="1800" dirty="0">
+              <a:t>ValidateOnStart we get this functionality as well.</a:t>
+            </a:r>
+            <a:br>
+              <a:rPr lang="nl-BE" sz="1800" dirty="0">
                 <a:solidFill>
                   <a:srgbClr val="000000"/>
                 </a:solidFill>
+                <a:highlight>
+                  <a:srgbClr val="FFFFFF"/>
+                </a:highlight>
                 <a:latin typeface="Cascadia Mono" panose="020B0609020000020004" pitchFamily="49" charset="0"/>
               </a:rPr>
-              <a:t> must be set as well. This will not validate the option on startup, but at first usage.</a:t>
-            </a:r>
-          </a:p>
-          <a:p>
-            <a:endParaRPr lang="en-US" sz="1800" dirty="0">
+            </a:br>
+            <a:r>
+              <a:rPr lang="nl-BE" sz="1800" dirty="0">
+                <a:solidFill>
+                  <a:srgbClr val="000000"/>
+                </a:solidFill>
+                <a:highlight>
+                  <a:srgbClr val="FFFFFF"/>
+                </a:highlight>
+                <a:latin typeface="Cascadia Mono" panose="020B0609020000020004" pitchFamily="49" charset="0"/>
+              </a:rPr>
+              <a:t>You could also use the commented syntax below which does the same thing and it still needs the </a:t>
+            </a:r>
+            <a:r>
+              <a:rPr lang="nl-BE" sz="1800" dirty="0">
+                <a:solidFill>
+                  <a:srgbClr val="008000"/>
+                </a:solidFill>
+                <a:highlight>
+                  <a:srgbClr val="FFFFFF"/>
+                </a:highlight>
+                <a:latin typeface="Cascadia Mono" panose="020B0609020000020004" pitchFamily="49" charset="0"/>
+              </a:rPr>
+              <a:t>ValidateDataAnnotations.</a:t>
+            </a:r>
+            <a:br>
+              <a:rPr lang="nl-BE" sz="1800" dirty="0">
+                <a:solidFill>
+                  <a:srgbClr val="008000"/>
+                </a:solidFill>
+                <a:highlight>
+                  <a:srgbClr val="FFFFFF"/>
+                </a:highlight>
+                <a:latin typeface="Cascadia Mono" panose="020B0609020000020004" pitchFamily="49" charset="0"/>
+              </a:rPr>
+            </a:br>
+            <a:br>
+              <a:rPr lang="nl-BE" sz="1800" dirty="0">
+                <a:solidFill>
+                  <a:srgbClr val="008000"/>
+                </a:solidFill>
+                <a:highlight>
+                  <a:srgbClr val="FFFFFF"/>
+                </a:highlight>
+                <a:latin typeface="Cascadia Mono" panose="020B0609020000020004" pitchFamily="49" charset="0"/>
+              </a:rPr>
+            </a:br>
+            <a:r>
+              <a:rPr lang="nl-BE" sz="1800" b="1" dirty="0">
+                <a:solidFill>
+                  <a:srgbClr val="008000"/>
+                </a:solidFill>
+                <a:highlight>
+                  <a:srgbClr val="FFFFFF"/>
+                </a:highlight>
+                <a:latin typeface="Cascadia Mono" panose="020B0609020000020004" pitchFamily="49" charset="0"/>
+              </a:rPr>
+              <a:t>You like this?</a:t>
+            </a:r>
+            <a:br>
+              <a:rPr lang="nl-BE" sz="1800" b="1" dirty="0">
+                <a:solidFill>
+                  <a:srgbClr val="008000"/>
+                </a:solidFill>
+                <a:highlight>
+                  <a:srgbClr val="FFFFFF"/>
+                </a:highlight>
+                <a:latin typeface="Cascadia Mono" panose="020B0609020000020004" pitchFamily="49" charset="0"/>
+              </a:rPr>
+            </a:br>
+            <a:r>
+              <a:rPr lang="nl-BE" sz="1800" b="1" dirty="0">
+                <a:solidFill>
+                  <a:srgbClr val="008000"/>
+                </a:solidFill>
+                <a:highlight>
+                  <a:srgbClr val="FFFFFF"/>
+                </a:highlight>
+                <a:latin typeface="Cascadia Mono" panose="020B0609020000020004" pitchFamily="49" charset="0"/>
+              </a:rPr>
+              <a:t>Anyone already started using the baked in source generation functionalities which came available in the latest releases?</a:t>
+            </a:r>
+          </a:p>
+          <a:p>
+            <a:pPr marL="228600" indent="-228600">
+              <a:buFont typeface="+mj-lt"/>
+              <a:buAutoNum type="arabicPeriod"/>
+            </a:pPr>
+            <a:endParaRPr lang="nl-BE" sz="1800" dirty="0">
+              <a:solidFill>
+                <a:srgbClr val="008000"/>
+              </a:solidFill>
+              <a:highlight>
+                <a:srgbClr val="FFFFFF"/>
+              </a:highlight>
+              <a:latin typeface="Cascadia Mono" panose="020B0609020000020004" pitchFamily="49" charset="0"/>
+            </a:endParaRPr>
+          </a:p>
+          <a:p>
+            <a:pPr marL="228600" indent="-228600">
+              <a:buFont typeface="+mj-lt"/>
+              <a:buAutoNum type="arabicPeriod"/>
+            </a:pPr>
+            <a:r>
+              <a:rPr lang="nl-BE" sz="1800" dirty="0">
+                <a:solidFill>
+                  <a:srgbClr val="008000"/>
+                </a:solidFill>
+                <a:highlight>
+                  <a:srgbClr val="FFFFFF"/>
+                </a:highlight>
+                <a:latin typeface="Cascadia Mono" panose="020B0609020000020004" pitchFamily="49" charset="0"/>
+              </a:rPr>
+              <a:t>We can source generate these validation and reduce reflection expensive reflection calls.</a:t>
+            </a:r>
+            <a:br>
+              <a:rPr lang="nl-BE" sz="1800" dirty="0">
+                <a:solidFill>
+                  <a:srgbClr val="008000"/>
+                </a:solidFill>
+                <a:highlight>
+                  <a:srgbClr val="FFFFFF"/>
+                </a:highlight>
+                <a:latin typeface="Cascadia Mono" panose="020B0609020000020004" pitchFamily="49" charset="0"/>
+              </a:rPr>
+            </a:br>
+            <a:r>
+              <a:rPr lang="nl-BE" sz="1800" dirty="0">
+                <a:solidFill>
+                  <a:srgbClr val="008000"/>
+                </a:solidFill>
+                <a:highlight>
+                  <a:srgbClr val="FFFFFF"/>
+                </a:highlight>
+                <a:latin typeface="Cascadia Mono" panose="020B0609020000020004" pitchFamily="49" charset="0"/>
+              </a:rPr>
+              <a:t>Create a public partial class and let it inherith the </a:t>
+            </a:r>
+            <a:r>
+              <a:rPr lang="nl-BE" sz="1800" dirty="0">
+                <a:solidFill>
+                  <a:srgbClr val="2B91AF"/>
+                </a:solidFill>
+                <a:highlight>
+                  <a:srgbClr val="FFFFFF"/>
+                </a:highlight>
+                <a:latin typeface="Cascadia Mono" panose="020B0609020000020004" pitchFamily="49" charset="0"/>
+              </a:rPr>
+              <a:t>IValidateOptions interface and point it to the MyOptions in this case. Also decorate it with the [OptionsValidator]</a:t>
+            </a:r>
+          </a:p>
+          <a:p>
+            <a:pPr marL="228600" indent="-228600">
+              <a:buFont typeface="+mj-lt"/>
+              <a:buAutoNum type="arabicPeriod"/>
+            </a:pPr>
+            <a:r>
+              <a:rPr lang="nl-BE" sz="1800" dirty="0">
+                <a:solidFill>
+                  <a:srgbClr val="2B91AF"/>
+                </a:solidFill>
+                <a:highlight>
+                  <a:srgbClr val="FFFFFF"/>
+                </a:highlight>
+                <a:latin typeface="Cascadia Mono" panose="020B0609020000020004" pitchFamily="49" charset="0"/>
+              </a:rPr>
+              <a:t>This class must be added as a singleton to your di container in order to be able to be used.</a:t>
+            </a:r>
+          </a:p>
+          <a:p>
+            <a:pPr marL="228600" indent="-228600">
+              <a:buFont typeface="+mj-lt"/>
+              <a:buAutoNum type="arabicPeriod"/>
+            </a:pPr>
+            <a:r>
+              <a:rPr lang="nl-BE" sz="1800" dirty="0">
+                <a:solidFill>
+                  <a:srgbClr val="2B91AF"/>
+                </a:solidFill>
+                <a:highlight>
+                  <a:srgbClr val="FFFFFF"/>
+                </a:highlight>
+                <a:latin typeface="Cascadia Mono" panose="020B0609020000020004" pitchFamily="49" charset="0"/>
+              </a:rPr>
+              <a:t>Once you apply this validator class you don’t longer need the </a:t>
+            </a:r>
+            <a:r>
+              <a:rPr lang="nl-BE" sz="1800" dirty="0">
+                <a:solidFill>
+                  <a:srgbClr val="008000"/>
+                </a:solidFill>
+                <a:highlight>
+                  <a:srgbClr val="FFFFFF"/>
+                </a:highlight>
+                <a:latin typeface="Cascadia Mono" panose="020B0609020000020004" pitchFamily="49" charset="0"/>
+              </a:rPr>
+              <a:t>ValidateDataAnnotations. It will happen now automatically.</a:t>
+            </a:r>
+            <a:br>
+              <a:rPr lang="nl-BE" sz="1800" dirty="0">
+                <a:solidFill>
+                  <a:srgbClr val="008000"/>
+                </a:solidFill>
+                <a:highlight>
+                  <a:srgbClr val="FFFFFF"/>
+                </a:highlight>
+                <a:latin typeface="Cascadia Mono" panose="020B0609020000020004" pitchFamily="49" charset="0"/>
+              </a:rPr>
+            </a:br>
+            <a:br>
+              <a:rPr lang="nl-BE" sz="1800" dirty="0">
+                <a:solidFill>
+                  <a:srgbClr val="008000"/>
+                </a:solidFill>
+                <a:highlight>
+                  <a:srgbClr val="FFFFFF"/>
+                </a:highlight>
+                <a:latin typeface="Cascadia Mono" panose="020B0609020000020004" pitchFamily="49" charset="0"/>
+              </a:rPr>
+            </a:br>
+            <a:r>
+              <a:rPr lang="nl-BE" sz="1800" b="1" dirty="0">
+                <a:solidFill>
+                  <a:srgbClr val="008000"/>
+                </a:solidFill>
+                <a:highlight>
+                  <a:srgbClr val="FFFFFF"/>
+                </a:highlight>
+                <a:latin typeface="Cascadia Mono" panose="020B0609020000020004" pitchFamily="49" charset="0"/>
+              </a:rPr>
+              <a:t>Do you want some more?</a:t>
+            </a:r>
+            <a:br>
+              <a:rPr lang="nl-BE" sz="1800" b="1" dirty="0">
+                <a:solidFill>
+                  <a:srgbClr val="008000"/>
+                </a:solidFill>
+                <a:highlight>
+                  <a:srgbClr val="FFFFFF"/>
+                </a:highlight>
+                <a:latin typeface="Cascadia Mono" panose="020B0609020000020004" pitchFamily="49" charset="0"/>
+              </a:rPr>
+            </a:br>
+            <a:endParaRPr lang="nl-BE" sz="1800" b="1" dirty="0">
+              <a:solidFill>
+                <a:srgbClr val="008000"/>
+              </a:solidFill>
+              <a:highlight>
+                <a:srgbClr val="FFFFFF"/>
+              </a:highlight>
+              <a:latin typeface="Cascadia Mono" panose="020B0609020000020004" pitchFamily="49" charset="0"/>
+            </a:endParaRPr>
+          </a:p>
+          <a:p>
+            <a:pPr marL="228600" indent="-228600">
+              <a:buFont typeface="+mj-lt"/>
+              <a:buAutoNum type="arabicPeriod"/>
+            </a:pPr>
+            <a:r>
+              <a:rPr lang="nl-BE" sz="1800" b="0" dirty="0">
+                <a:solidFill>
+                  <a:srgbClr val="008000"/>
+                </a:solidFill>
+                <a:highlight>
+                  <a:srgbClr val="FFFFFF"/>
+                </a:highlight>
+                <a:latin typeface="Cascadia Mono" panose="020B0609020000020004" pitchFamily="49" charset="0"/>
+              </a:rPr>
+              <a:t>We can also source generate the binding, this removes the reflection from going from the configuration to the options object.</a:t>
+            </a:r>
+            <a:br>
+              <a:rPr lang="nl-BE" sz="1800" b="0" dirty="0">
+                <a:solidFill>
+                  <a:srgbClr val="008000"/>
+                </a:solidFill>
+                <a:highlight>
+                  <a:srgbClr val="FFFFFF"/>
+                </a:highlight>
+                <a:latin typeface="Cascadia Mono" panose="020B0609020000020004" pitchFamily="49" charset="0"/>
+              </a:rPr>
+            </a:br>
+            <a:r>
+              <a:rPr lang="nl-BE" sz="1800" b="0" dirty="0">
+                <a:solidFill>
+                  <a:srgbClr val="008000"/>
+                </a:solidFill>
+                <a:highlight>
+                  <a:srgbClr val="FFFFFF"/>
+                </a:highlight>
+                <a:latin typeface="Cascadia Mono" panose="020B0609020000020004" pitchFamily="49" charset="0"/>
+              </a:rPr>
+              <a:t>In the csproj file enable the property </a:t>
+            </a:r>
+            <a:r>
+              <a:rPr lang="nl-BE" sz="1800" b="1" dirty="0">
+                <a:solidFill>
+                  <a:srgbClr val="A31515"/>
+                </a:solidFill>
+                <a:highlight>
+                  <a:srgbClr val="FFFFFF"/>
+                </a:highlight>
+                <a:latin typeface="Cascadia Mono" panose="020B0609020000020004" pitchFamily="49" charset="0"/>
+              </a:rPr>
+              <a:t>EnableConfigurationBindingGenerator</a:t>
+            </a:r>
+            <a:r>
+              <a:rPr lang="nl-BE" sz="1800" b="0" dirty="0">
+                <a:solidFill>
+                  <a:srgbClr val="A31515"/>
+                </a:solidFill>
+                <a:highlight>
+                  <a:srgbClr val="FFFFFF"/>
+                </a:highlight>
+                <a:latin typeface="Cascadia Mono" panose="020B0609020000020004" pitchFamily="49" charset="0"/>
+              </a:rPr>
+              <a:t> when you now look back at the program.cs file you will see an icon appearing.</a:t>
+            </a:r>
+            <a:br>
+              <a:rPr lang="nl-BE" sz="1800" b="0" dirty="0">
+                <a:solidFill>
+                  <a:srgbClr val="A31515"/>
+                </a:solidFill>
+                <a:highlight>
+                  <a:srgbClr val="FFFFFF"/>
+                </a:highlight>
+                <a:latin typeface="Cascadia Mono" panose="020B0609020000020004" pitchFamily="49" charset="0"/>
+              </a:rPr>
+            </a:br>
+            <a:r>
+              <a:rPr lang="nl-BE" sz="1800" b="0" dirty="0">
+                <a:solidFill>
+                  <a:srgbClr val="A31515"/>
+                </a:solidFill>
+                <a:highlight>
+                  <a:srgbClr val="FFFFFF"/>
+                </a:highlight>
+                <a:latin typeface="Cascadia Mono" panose="020B0609020000020004" pitchFamily="49" charset="0"/>
+              </a:rPr>
+              <a:t>When you hover over it is indicating that this is an intercepted call.</a:t>
+            </a:r>
+            <a:br>
+              <a:rPr lang="nl-BE" sz="1800" b="0" dirty="0">
+                <a:solidFill>
+                  <a:srgbClr val="A31515"/>
+                </a:solidFill>
+                <a:highlight>
+                  <a:srgbClr val="FFFFFF"/>
+                </a:highlight>
+                <a:latin typeface="Cascadia Mono" panose="020B0609020000020004" pitchFamily="49" charset="0"/>
+              </a:rPr>
+            </a:br>
+            <a:r>
+              <a:rPr lang="nl-BE" sz="1800" b="0" dirty="0">
+                <a:solidFill>
+                  <a:srgbClr val="A31515"/>
+                </a:solidFill>
+                <a:highlight>
+                  <a:srgbClr val="FFFFFF"/>
+                </a:highlight>
+                <a:latin typeface="Cascadia Mono" panose="020B0609020000020004" pitchFamily="49" charset="0"/>
+              </a:rPr>
+              <a:t>We now have the binding and the validation source generated. This brings us quite close to an AOT point.</a:t>
+            </a:r>
+            <a:br>
+              <a:rPr lang="nl-BE" sz="1800" b="0" dirty="0">
+                <a:solidFill>
+                  <a:srgbClr val="A31515"/>
+                </a:solidFill>
+                <a:highlight>
+                  <a:srgbClr val="FFFFFF"/>
+                </a:highlight>
+                <a:latin typeface="Cascadia Mono" panose="020B0609020000020004" pitchFamily="49" charset="0"/>
+              </a:rPr>
+            </a:br>
+            <a:br>
+              <a:rPr lang="nl-BE" sz="1800" b="0" dirty="0">
+                <a:solidFill>
+                  <a:srgbClr val="A31515"/>
+                </a:solidFill>
+                <a:highlight>
+                  <a:srgbClr val="FFFFFF"/>
+                </a:highlight>
+                <a:latin typeface="Cascadia Mono" panose="020B0609020000020004" pitchFamily="49" charset="0"/>
+              </a:rPr>
+            </a:br>
+            <a:r>
+              <a:rPr lang="nl-BE" sz="1800" b="1" dirty="0">
+                <a:solidFill>
+                  <a:srgbClr val="A31515"/>
+                </a:solidFill>
+                <a:highlight>
+                  <a:srgbClr val="FFFFFF"/>
+                </a:highlight>
+                <a:latin typeface="Cascadia Mono" panose="020B0609020000020004" pitchFamily="49" charset="0"/>
+              </a:rPr>
+              <a:t>Anyone already toyed with this? I will show you how you get this working on AOT</a:t>
+            </a:r>
+            <a:br>
+              <a:rPr lang="nl-BE" sz="1800" b="0" dirty="0">
+                <a:solidFill>
+                  <a:srgbClr val="A31515"/>
+                </a:solidFill>
+                <a:highlight>
+                  <a:srgbClr val="FFFFFF"/>
+                </a:highlight>
+                <a:latin typeface="Cascadia Mono" panose="020B0609020000020004" pitchFamily="49" charset="0"/>
+              </a:rPr>
+            </a:br>
+            <a:endParaRPr lang="nl-BE" sz="1800" b="0" dirty="0">
+              <a:solidFill>
+                <a:srgbClr val="A31515"/>
+              </a:solidFill>
+              <a:highlight>
+                <a:srgbClr val="FFFFFF"/>
+              </a:highlight>
+              <a:latin typeface="Cascadia Mono" panose="020B0609020000020004" pitchFamily="49" charset="0"/>
+            </a:endParaRPr>
+          </a:p>
+          <a:p>
+            <a:pPr marL="228600" indent="-228600">
+              <a:buFont typeface="+mj-lt"/>
+              <a:buAutoNum type="arabicPeriod"/>
+            </a:pPr>
+            <a:r>
+              <a:rPr lang="nl-BE" sz="1800" dirty="0">
+                <a:solidFill>
+                  <a:srgbClr val="A31515"/>
+                </a:solidFill>
+                <a:highlight>
+                  <a:srgbClr val="FFFFFF"/>
+                </a:highlight>
+                <a:latin typeface="Cascadia Mono" panose="020B0609020000020004" pitchFamily="49" charset="0"/>
+              </a:rPr>
+              <a:t>If you are using controllers you’re in luck if the documentation is right, if you are using minimal apis like this demo not so much.</a:t>
+            </a:r>
+            <a:br>
+              <a:rPr lang="nl-BE" sz="1800" dirty="0">
+                <a:solidFill>
+                  <a:srgbClr val="A31515"/>
+                </a:solidFill>
+                <a:highlight>
+                  <a:srgbClr val="FFFFFF"/>
+                </a:highlight>
+                <a:latin typeface="Cascadia Mono" panose="020B0609020000020004" pitchFamily="49" charset="0"/>
+              </a:rPr>
+            </a:br>
+            <a:r>
+              <a:rPr lang="nl-BE" sz="1800" dirty="0">
+                <a:solidFill>
+                  <a:srgbClr val="A31515"/>
+                </a:solidFill>
+                <a:highlight>
+                  <a:srgbClr val="FFFFFF"/>
+                </a:highlight>
+                <a:latin typeface="Cascadia Mono" panose="020B0609020000020004" pitchFamily="49" charset="0"/>
+              </a:rPr>
+              <a:t>Enable the property </a:t>
+            </a:r>
+            <a:r>
+              <a:rPr lang="nl-BE" sz="1800" b="1" dirty="0">
+                <a:solidFill>
+                  <a:srgbClr val="008000"/>
+                </a:solidFill>
+                <a:highlight>
+                  <a:srgbClr val="FFFFFF"/>
+                </a:highlight>
+                <a:latin typeface="Cascadia Mono" panose="020B0609020000020004" pitchFamily="49" charset="0"/>
+              </a:rPr>
+              <a:t>PublishAot</a:t>
+            </a:r>
+            <a:r>
+              <a:rPr lang="nl-BE" sz="1800" dirty="0">
+                <a:solidFill>
+                  <a:srgbClr val="008000"/>
+                </a:solidFill>
+                <a:highlight>
+                  <a:srgbClr val="FFFFFF"/>
+                </a:highlight>
+                <a:latin typeface="Cascadia Mono" panose="020B0609020000020004" pitchFamily="49" charset="0"/>
+              </a:rPr>
+              <a:t> in the csproj</a:t>
+            </a:r>
+            <a:br>
+              <a:rPr lang="nl-BE" sz="1800" dirty="0">
+                <a:solidFill>
+                  <a:srgbClr val="008000"/>
+                </a:solidFill>
+                <a:highlight>
+                  <a:srgbClr val="FFFFFF"/>
+                </a:highlight>
+                <a:latin typeface="Cascadia Mono" panose="020B0609020000020004" pitchFamily="49" charset="0"/>
+              </a:rPr>
+            </a:br>
+            <a:r>
+              <a:rPr lang="nl-BE" sz="1800" dirty="0">
+                <a:solidFill>
+                  <a:srgbClr val="008000"/>
+                </a:solidFill>
+                <a:highlight>
+                  <a:srgbClr val="FFFFFF"/>
+                </a:highlight>
+                <a:latin typeface="Cascadia Mono" panose="020B0609020000020004" pitchFamily="49" charset="0"/>
+              </a:rPr>
+              <a:t>The intercepted call is now also appearing at this location as well.</a:t>
+            </a:r>
+            <a:br>
+              <a:rPr lang="nl-BE" sz="1800" dirty="0">
+                <a:solidFill>
+                  <a:srgbClr val="008000"/>
+                </a:solidFill>
+                <a:highlight>
+                  <a:srgbClr val="FFFFFF"/>
+                </a:highlight>
+                <a:latin typeface="Cascadia Mono" panose="020B0609020000020004" pitchFamily="49" charset="0"/>
+              </a:rPr>
+            </a:br>
+            <a:r>
+              <a:rPr lang="nl-BE" sz="1800" dirty="0">
+                <a:solidFill>
+                  <a:srgbClr val="008000"/>
+                </a:solidFill>
+                <a:highlight>
+                  <a:srgbClr val="FFFFFF"/>
+                </a:highlight>
+                <a:latin typeface="Cascadia Mono" panose="020B0609020000020004" pitchFamily="49" charset="0"/>
+              </a:rPr>
+              <a:t>We’ll go into this one and we search for the </a:t>
+            </a:r>
+            <a:r>
+              <a:rPr lang="nl-BE" sz="1800" b="1" dirty="0">
+                <a:solidFill>
+                  <a:srgbClr val="2B91AF"/>
+                </a:solidFill>
+                <a:highlight>
+                  <a:srgbClr val="FFFFFF"/>
+                </a:highlight>
+                <a:latin typeface="Cascadia Mono" panose="020B0609020000020004" pitchFamily="49" charset="0"/>
+              </a:rPr>
+              <a:t>IOptions</a:t>
+            </a:r>
+            <a:r>
+              <a:rPr lang="nl-BE" sz="1800" b="1" dirty="0">
+                <a:solidFill>
+                  <a:srgbClr val="D86AC2"/>
+                </a:solidFill>
+                <a:highlight>
+                  <a:srgbClr val="FFFFFF"/>
+                </a:highlight>
+                <a:latin typeface="Cascadia Mono" panose="020B0609020000020004" pitchFamily="49" charset="0"/>
+              </a:rPr>
+              <a:t>&lt;</a:t>
+            </a:r>
+            <a:r>
+              <a:rPr lang="nl-BE" sz="1800" b="1" dirty="0">
+                <a:solidFill>
+                  <a:srgbClr val="2B91AF"/>
+                </a:solidFill>
+                <a:highlight>
+                  <a:srgbClr val="FFFFFF"/>
+                </a:highlight>
+                <a:latin typeface="Cascadia Mono" panose="020B0609020000020004" pitchFamily="49" charset="0"/>
+              </a:rPr>
+              <a:t>JsonOptions</a:t>
+            </a:r>
+            <a:r>
+              <a:rPr lang="nl-BE" sz="1800" b="1" dirty="0">
+                <a:solidFill>
+                  <a:srgbClr val="D86AC2"/>
+                </a:solidFill>
+                <a:highlight>
+                  <a:srgbClr val="FFFFFF"/>
+                </a:highlight>
+                <a:latin typeface="Cascadia Mono" panose="020B0609020000020004" pitchFamily="49" charset="0"/>
+              </a:rPr>
+              <a:t>&gt;</a:t>
+            </a:r>
+            <a:r>
+              <a:rPr lang="nl-BE" sz="1800" b="0" dirty="0">
+                <a:solidFill>
+                  <a:srgbClr val="D86AC2"/>
+                </a:solidFill>
+                <a:highlight>
+                  <a:srgbClr val="FFFFFF"/>
+                </a:highlight>
+                <a:latin typeface="Cascadia Mono" panose="020B0609020000020004" pitchFamily="49" charset="0"/>
+              </a:rPr>
+              <a:t>, if not provided the fall back is used which uses reflection.</a:t>
+            </a:r>
+          </a:p>
+          <a:p>
+            <a:pPr marL="228600" indent="-228600">
+              <a:buFont typeface="+mj-lt"/>
+              <a:buAutoNum type="arabicPeriod"/>
+            </a:pPr>
+            <a:r>
+              <a:rPr lang="nl-BE" sz="1800" b="0" dirty="0">
+                <a:solidFill>
+                  <a:srgbClr val="D86AC2"/>
+                </a:solidFill>
+                <a:highlight>
+                  <a:srgbClr val="FFFFFF"/>
+                </a:highlight>
+                <a:latin typeface="Cascadia Mono" panose="020B0609020000020004" pitchFamily="49" charset="0"/>
+              </a:rPr>
+              <a:t>To resolve this a custom </a:t>
+            </a:r>
+            <a:r>
+              <a:rPr lang="nl-BE" sz="1800" dirty="0">
+                <a:solidFill>
+                  <a:srgbClr val="2B91AF"/>
+                </a:solidFill>
+                <a:highlight>
+                  <a:srgbClr val="FFFFFF"/>
+                </a:highlight>
+                <a:latin typeface="Cascadia Mono" panose="020B0609020000020004" pitchFamily="49" charset="0"/>
+              </a:rPr>
+              <a:t>JsonSerializerContext</a:t>
+            </a:r>
+            <a:r>
+              <a:rPr lang="nl-BE" sz="1800" b="0" dirty="0">
+                <a:solidFill>
+                  <a:srgbClr val="D86AC2"/>
+                </a:solidFill>
+                <a:highlight>
+                  <a:srgbClr val="FFFFFF"/>
+                </a:highlight>
+                <a:latin typeface="Cascadia Mono" panose="020B0609020000020004" pitchFamily="49" charset="0"/>
+              </a:rPr>
+              <a:t> must be used where we then can point to the MyOptions.</a:t>
+            </a:r>
+          </a:p>
+          <a:p>
+            <a:pPr marL="228600" indent="-228600">
+              <a:buFont typeface="+mj-lt"/>
+              <a:buAutoNum type="arabicPeriod"/>
+            </a:pPr>
+            <a:r>
+              <a:rPr lang="nl-BE" sz="1800" b="0" dirty="0">
+                <a:solidFill>
+                  <a:srgbClr val="D86AC2"/>
+                </a:solidFill>
+                <a:highlight>
+                  <a:srgbClr val="FFFFFF"/>
+                </a:highlight>
+                <a:latin typeface="Cascadia Mono" panose="020B0609020000020004" pitchFamily="49" charset="0"/>
+              </a:rPr>
+              <a:t>Now we can add it to the default json serializer using the </a:t>
+            </a:r>
+            <a:r>
+              <a:rPr lang="nl-BE" sz="1800" dirty="0">
+                <a:solidFill>
+                  <a:srgbClr val="008000"/>
+                </a:solidFill>
+                <a:highlight>
+                  <a:srgbClr val="FFFFFF"/>
+                </a:highlight>
+                <a:latin typeface="Cascadia Mono" panose="020B0609020000020004" pitchFamily="49" charset="0"/>
+              </a:rPr>
+              <a:t>TypeInfoResolver</a:t>
+            </a:r>
+            <a:r>
+              <a:rPr lang="nl-BE" sz="1800" b="0" dirty="0">
+                <a:solidFill>
+                  <a:srgbClr val="008000"/>
+                </a:solidFill>
+                <a:highlight>
+                  <a:srgbClr val="FFFFFF"/>
+                </a:highlight>
+                <a:latin typeface="Cascadia Mono" panose="020B0609020000020004" pitchFamily="49" charset="0"/>
+              </a:rPr>
+              <a:t> and add the newly created context to it.</a:t>
+            </a:r>
+          </a:p>
+          <a:p>
+            <a:pPr marL="228600" indent="-228600">
+              <a:buFont typeface="+mj-lt"/>
+              <a:buAutoNum type="arabicPeriod"/>
+            </a:pPr>
+            <a:r>
+              <a:rPr lang="nl-BE" sz="1800" b="0" dirty="0">
+                <a:solidFill>
+                  <a:srgbClr val="008000"/>
+                </a:solidFill>
+                <a:highlight>
+                  <a:srgbClr val="FFFFFF"/>
+                </a:highlight>
+                <a:latin typeface="Cascadia Mono" panose="020B0609020000020004" pitchFamily="49" charset="0"/>
+              </a:rPr>
+              <a:t>I will open a terminal now and create the AOT build using dotnet publish</a:t>
+            </a:r>
+            <a:br>
+              <a:rPr lang="nl-BE" sz="1800" b="0" dirty="0">
+                <a:solidFill>
+                  <a:srgbClr val="008000"/>
+                </a:solidFill>
+                <a:highlight>
+                  <a:srgbClr val="FFFFFF"/>
+                </a:highlight>
+                <a:latin typeface="Cascadia Mono" panose="020B0609020000020004" pitchFamily="49" charset="0"/>
+              </a:rPr>
+            </a:br>
+            <a:r>
+              <a:rPr lang="nl-BE" sz="1800" b="0" dirty="0">
+                <a:solidFill>
+                  <a:srgbClr val="008000"/>
+                </a:solidFill>
+                <a:highlight>
+                  <a:srgbClr val="FFFFFF"/>
+                </a:highlight>
+                <a:latin typeface="Cascadia Mono" panose="020B0609020000020004" pitchFamily="49" charset="0"/>
+              </a:rPr>
+              <a:t>If you’ve never done this before you must enable the .NET desktop development under the workloads, it will not work otherwise</a:t>
+            </a:r>
+            <a:br>
+              <a:rPr lang="nl-BE" sz="1800" b="0" dirty="0">
+                <a:solidFill>
+                  <a:srgbClr val="008000"/>
+                </a:solidFill>
+                <a:highlight>
+                  <a:srgbClr val="FFFFFF"/>
+                </a:highlight>
+                <a:latin typeface="Cascadia Mono" panose="020B0609020000020004" pitchFamily="49" charset="0"/>
+              </a:rPr>
+            </a:br>
+            <a:br>
+              <a:rPr lang="nl-BE" sz="1800" b="0" dirty="0">
+                <a:solidFill>
+                  <a:srgbClr val="008000"/>
+                </a:solidFill>
+                <a:highlight>
+                  <a:srgbClr val="FFFFFF"/>
+                </a:highlight>
+                <a:latin typeface="Cascadia Mono" panose="020B0609020000020004" pitchFamily="49" charset="0"/>
+              </a:rPr>
+            </a:br>
+            <a:r>
+              <a:rPr lang="nl-BE" sz="1800" b="0" dirty="0">
+                <a:solidFill>
+                  <a:srgbClr val="008000"/>
+                </a:solidFill>
+                <a:highlight>
+                  <a:srgbClr val="FFFFFF"/>
+                </a:highlight>
+                <a:latin typeface="Cascadia Mono" panose="020B0609020000020004" pitchFamily="49" charset="0"/>
+              </a:rPr>
+              <a:t>dotnet publish</a:t>
+            </a:r>
+          </a:p>
+          <a:p>
+            <a:pPr marL="228600" indent="-228600">
+              <a:buFont typeface="+mj-lt"/>
+              <a:buAutoNum type="arabicPeriod"/>
+            </a:pPr>
+            <a:r>
+              <a:rPr lang="nl-BE" sz="1800" b="0" dirty="0">
+                <a:solidFill>
+                  <a:srgbClr val="008000"/>
+                </a:solidFill>
+                <a:highlight>
+                  <a:srgbClr val="FFFFFF"/>
+                </a:highlight>
+                <a:latin typeface="Cascadia Mono" panose="020B0609020000020004" pitchFamily="49" charset="0"/>
+              </a:rPr>
+              <a:t>Go to the AOT folder and start it: dotnet .\OptionValidation.dll --urls https://localhost:7030</a:t>
+            </a:r>
+          </a:p>
+          <a:p>
+            <a:pPr marL="228600" indent="-228600">
+              <a:buFont typeface="+mj-lt"/>
+              <a:buAutoNum type="arabicPeriod"/>
+            </a:pPr>
+            <a:r>
+              <a:rPr lang="nl-BE" sz="1800" b="0" dirty="0">
+                <a:solidFill>
+                  <a:srgbClr val="008000"/>
+                </a:solidFill>
+                <a:highlight>
+                  <a:srgbClr val="FFFFFF"/>
+                </a:highlight>
+                <a:latin typeface="Cascadia Mono" panose="020B0609020000020004" pitchFamily="49" charset="0"/>
+              </a:rPr>
+              <a:t>Go to the release folder and start it: dotnet .\OptionValidation.dll --urls https://localhost:7030</a:t>
+            </a:r>
+            <a:endParaRPr lang="nl-BE" sz="1800" b="1" dirty="0">
+              <a:solidFill>
+                <a:srgbClr val="008000"/>
+              </a:solidFill>
+              <a:highlight>
+                <a:srgbClr val="FFFFFF"/>
+              </a:highlight>
+              <a:latin typeface="Cascadia Mono" panose="020B0609020000020004" pitchFamily="49" charset="0"/>
+            </a:endParaRPr>
+          </a:p>
+          <a:p>
+            <a:endParaRPr lang="en-US" sz="1800" b="1" noProof="0" dirty="0">
               <a:solidFill>
                 <a:srgbClr val="000000"/>
               </a:solidFill>
@@ -2635,63 +3694,46 @@
           </a:p>
           <a:p>
             <a:r>
-              <a:rPr lang="en-US" sz="1800" dirty="0">
+              <a:rPr lang="en-US" sz="1800" b="0" noProof="0" dirty="0">
                 <a:solidFill>
                   <a:srgbClr val="000000"/>
                 </a:solidFill>
                 <a:latin typeface="Cascadia Mono" panose="020B0609020000020004" pitchFamily="49" charset="0"/>
               </a:rPr>
-              <a:t>If you want to have the options validated on startup and throwing a startup error rather than a runtime error add </a:t>
-            </a:r>
-            <a:r>
-              <a:rPr lang="en-US" sz="1800" dirty="0" err="1">
+              <a:t>If you lost me this code will become available on my </a:t>
+            </a:r>
+            <a:r>
+              <a:rPr lang="en-US" sz="1800" b="0" noProof="0" dirty="0" err="1">
                 <a:solidFill>
                   <a:srgbClr val="000000"/>
                 </a:solidFill>
                 <a:latin typeface="Cascadia Mono" panose="020B0609020000020004" pitchFamily="49" charset="0"/>
               </a:rPr>
-              <a:t>ValidateOnStart</a:t>
-            </a:r>
-            <a:r>
-              <a:rPr lang="en-US" sz="1800" dirty="0">
+              <a:t>github</a:t>
+            </a:r>
+            <a:r>
+              <a:rPr lang="en-US" sz="1800" b="0" noProof="0" dirty="0">
                 <a:solidFill>
                   <a:srgbClr val="000000"/>
                 </a:solidFill>
                 <a:latin typeface="Cascadia Mono" panose="020B0609020000020004" pitchFamily="49" charset="0"/>
               </a:rPr>
-              <a:t>. Since .NET8 there is a new </a:t>
-            </a:r>
-            <a:r>
-              <a:rPr lang="en-US" sz="1800" dirty="0" err="1">
+              <a:t> so don’t worry about it.</a:t>
+            </a:r>
+          </a:p>
+          <a:p>
+            <a:r>
+              <a:rPr lang="en-US" sz="1800" b="0" noProof="0" dirty="0">
                 <a:solidFill>
                   <a:srgbClr val="000000"/>
                 </a:solidFill>
                 <a:latin typeface="Cascadia Mono" panose="020B0609020000020004" pitchFamily="49" charset="0"/>
               </a:rPr>
-              <a:t>AddOptionsWithValidateOnStart</a:t>
-            </a:r>
-            <a:r>
-              <a:rPr lang="en-US" sz="1800" dirty="0">
-                <a:solidFill>
-                  <a:srgbClr val="000000"/>
-                </a:solidFill>
-                <a:latin typeface="Cascadia Mono" panose="020B0609020000020004" pitchFamily="49" charset="0"/>
-              </a:rPr>
-              <a:t> which register the option and validate it on startup. But it still needs the </a:t>
-            </a:r>
-            <a:r>
-              <a:rPr lang="nl-BE" sz="1800" dirty="0">
-                <a:solidFill>
-                  <a:srgbClr val="008000"/>
-                </a:solidFill>
-                <a:highlight>
-                  <a:srgbClr val="FFFFFF"/>
-                </a:highlight>
-                <a:latin typeface="Cascadia Mono" panose="020B0609020000020004" pitchFamily="49" charset="0"/>
-              </a:rPr>
-              <a:t>ValidateDataAnnotations to be called as well.</a:t>
-            </a:r>
-            <a:endParaRPr lang="en-US" sz="1800" dirty="0">
+              <a:t>This concludes the optimization of the validation with the source generation part. But this code also has another angle.</a:t>
+            </a:r>
+          </a:p>
+          <a:p>
+            <a:endParaRPr lang="en-US" sz="1800" b="0" noProof="0" dirty="0">
               <a:solidFill>
                 <a:srgbClr val="000000"/>
               </a:solidFill>
@@ -2699,7 +3741,18 @@
             </a:endParaRPr>
           </a:p>
           <a:p>
-            <a:endParaRPr lang="en-US" sz="1800" dirty="0">
+            <a:r>
+              <a:rPr lang="en-US" sz="1800" b="0" noProof="0" dirty="0">
+                <a:solidFill>
+                  <a:srgbClr val="000000"/>
+                </a:solidFill>
+                <a:latin typeface="Cascadia Mono" panose="020B0609020000020004" pitchFamily="49" charset="0"/>
+              </a:rPr>
+              <a:t>First demonstrate the first 3 with the default value, then show the named options and reveal the “” case.</a:t>
+            </a:r>
+          </a:p>
+          <a:p>
+            <a:endParaRPr lang="en-US" sz="1800" b="0" noProof="0" dirty="0">
               <a:solidFill>
                 <a:srgbClr val="000000"/>
               </a:solidFill>
@@ -2708,17 +3761,17 @@
           </a:p>
           <a:p>
             <a:r>
-              <a:rPr lang="en-US" sz="1800" dirty="0">
+              <a:rPr lang="en-US" sz="1800" b="1" noProof="0" dirty="0">
                 <a:solidFill>
                   <a:srgbClr val="000000"/>
                 </a:solidFill>
                 <a:latin typeface="Cascadia Mono" panose="020B0609020000020004" pitchFamily="49" charset="0"/>
               </a:rPr>
-              <a:t>When you have some advanced validation requirements you could use a custom validation, this can be done via a delegate or a dedicated class.</a:t>
-            </a:r>
-          </a:p>
-          <a:p>
-            <a:endParaRPr lang="en-US" sz="1000" dirty="0">
+              <a:t>Does anyone know what will happen when we launch the Get(“X”) call?</a:t>
+            </a:r>
+          </a:p>
+          <a:p>
+            <a:endParaRPr lang="en-US" sz="1800" b="1" noProof="0" dirty="0">
               <a:solidFill>
                 <a:srgbClr val="000000"/>
               </a:solidFill>
@@ -2727,94 +3780,26 @@
           </a:p>
           <a:p>
             <a:r>
-              <a:rPr lang="en-US" sz="1000" dirty="0">
-                <a:solidFill>
-                  <a:srgbClr val="000000"/>
-                </a:solidFill>
-                <a:latin typeface="Cascadia Mono" panose="020B0609020000020004" pitchFamily="49" charset="0"/>
-              </a:rPr>
-              <a:t>The last few years they’ve put a lot of effort in source generating things upfront this can be done for these validations as well. Reducing the need for reflection resolving the validations at design time.</a:t>
-            </a:r>
-          </a:p>
-          <a:p>
-            <a:r>
-              <a:rPr lang="en-US" sz="1000" dirty="0">
-                <a:solidFill>
-                  <a:srgbClr val="000000"/>
-                </a:solidFill>
-                <a:latin typeface="Cascadia Mono" panose="020B0609020000020004" pitchFamily="49" charset="0"/>
-              </a:rPr>
-              <a:t>It requires to register a partial class, and annotate it with the options validator attribute, then it needs to be registered as a singleton in the container and in the </a:t>
-            </a:r>
-            <a:r>
-              <a:rPr lang="en-US" sz="1000" dirty="0" err="1">
-                <a:solidFill>
-                  <a:srgbClr val="000000"/>
-                </a:solidFill>
-                <a:latin typeface="Cascadia Mono" panose="020B0609020000020004" pitchFamily="49" charset="0"/>
-              </a:rPr>
-              <a:t>csproj</a:t>
-            </a:r>
-            <a:r>
-              <a:rPr lang="en-US" sz="1000" dirty="0">
-                <a:solidFill>
-                  <a:srgbClr val="000000"/>
-                </a:solidFill>
-                <a:latin typeface="Cascadia Mono" panose="020B0609020000020004" pitchFamily="49" charset="0"/>
-              </a:rPr>
-              <a:t> file must be set </a:t>
-            </a:r>
-            <a:r>
-              <a:rPr lang="en-US" b="0" i="0" dirty="0">
-                <a:solidFill>
-                  <a:srgbClr val="E6E6E6"/>
-                </a:solidFill>
-                <a:effectLst/>
-                <a:latin typeface="SFMono-Regular"/>
-              </a:rPr>
-              <a:t>&lt;</a:t>
-            </a:r>
-            <a:r>
-              <a:rPr lang="en-US" b="0" i="0" dirty="0" err="1">
-                <a:solidFill>
-                  <a:srgbClr val="E6E6E6"/>
-                </a:solidFill>
-                <a:effectLst/>
-                <a:latin typeface="SFMono-Regular"/>
-              </a:rPr>
-              <a:t>EnableConfigurationBindingGenerator</a:t>
-            </a:r>
-            <a:r>
-              <a:rPr lang="en-US" b="0" i="0" dirty="0">
-                <a:solidFill>
-                  <a:srgbClr val="E6E6E6"/>
-                </a:solidFill>
-                <a:effectLst/>
-                <a:latin typeface="SFMono-Regular"/>
-              </a:rPr>
-              <a:t>&gt;true&lt;/</a:t>
-            </a:r>
-            <a:r>
-              <a:rPr lang="en-US" b="0" i="0" dirty="0" err="1">
-                <a:solidFill>
-                  <a:srgbClr val="E6E6E6"/>
-                </a:solidFill>
-                <a:effectLst/>
-                <a:latin typeface="SFMono-Regular"/>
-              </a:rPr>
-              <a:t>EnableConfigurationBindingGenerator</a:t>
-            </a:r>
-            <a:r>
-              <a:rPr lang="en-US" b="0" i="0" dirty="0">
-                <a:solidFill>
-                  <a:srgbClr val="E6E6E6"/>
-                </a:solidFill>
-                <a:effectLst/>
-                <a:latin typeface="SFMono-Regular"/>
-              </a:rPr>
-              <a:t>&gt;</a:t>
-            </a:r>
-            <a:endParaRPr lang="en-US" sz="1000" dirty="0">
+              <a:rPr lang="en-US" sz="1800" noProof="0" dirty="0"/>
+              <a:t>For the validation pay attention that this will also be applied for the unnamed and named options.</a:t>
+            </a:r>
+          </a:p>
+          <a:p>
+            <a:r>
+              <a:rPr lang="en-US" sz="1800" noProof="0" dirty="0"/>
+              <a:t>Meaning if you register only named options but when you request an </a:t>
+            </a:r>
+            <a:r>
+              <a:rPr lang="en-US" sz="1800" noProof="0" dirty="0" err="1"/>
+              <a:t>IOption</a:t>
+            </a:r>
+            <a:r>
+              <a:rPr lang="en-US" sz="1800" noProof="0" dirty="0"/>
+              <a:t>&lt;T&gt; it will resolve a default options and apply the validation upon. If this validation can’t pass by default, then you will still face a runtime failure.</a:t>
+            </a:r>
+          </a:p>
+          <a:p>
+            <a:endParaRPr lang="en-US" sz="1800" b="1" noProof="0" dirty="0">
               <a:solidFill>
                 <a:srgbClr val="000000"/>
               </a:solidFill>
@@ -2822,7 +3807,85 @@
             </a:endParaRPr>
           </a:p>
           <a:p>
-            <a:endParaRPr lang="nl-BE" dirty="0"/>
+            <a:pPr marL="0" marR="0" lvl="0" indent="0" algn="l" defTabSz="914400" rtl="0" eaLnBrk="1" fontAlgn="auto" latinLnBrk="0" hangingPunct="1">
+              <a:lnSpc>
+                <a:spcPct val="100000"/>
+              </a:lnSpc>
+              <a:spcBef>
+                <a:spcPts val="0"/>
+              </a:spcBef>
+              <a:spcAft>
+                <a:spcPts val="0"/>
+              </a:spcAft>
+              <a:buClrTx/>
+              <a:buSzTx/>
+              <a:buFontTx/>
+              <a:buNone/>
+              <a:tabLst/>
+              <a:defRPr/>
+            </a:pPr>
+            <a:r>
+              <a:rPr lang="en-US" sz="1800" b="1" noProof="0" dirty="0">
+                <a:solidFill>
+                  <a:srgbClr val="000000"/>
+                </a:solidFill>
+                <a:latin typeface="Cascadia Mono" panose="020B0609020000020004" pitchFamily="49" charset="0"/>
+              </a:rPr>
+              <a:t>Does anyone know what will happen when we launch the Get(“”) call?</a:t>
+            </a:r>
+          </a:p>
+          <a:p>
+            <a:r>
+              <a:rPr lang="en-US" sz="1800" b="0" noProof="0" dirty="0">
+                <a:solidFill>
+                  <a:srgbClr val="000000"/>
+                </a:solidFill>
+                <a:latin typeface="Cascadia Mono" panose="020B0609020000020004" pitchFamily="49" charset="0"/>
+              </a:rPr>
+              <a:t>Now make the </a:t>
+            </a:r>
+            <a:r>
+              <a:rPr lang="en-US" sz="1800" b="0" noProof="0" dirty="0" err="1">
+                <a:solidFill>
+                  <a:srgbClr val="000000"/>
+                </a:solidFill>
+                <a:latin typeface="Cascadia Mono" panose="020B0609020000020004" pitchFamily="49" charset="0"/>
+              </a:rPr>
+              <a:t>AddOptions</a:t>
+            </a:r>
+            <a:r>
+              <a:rPr lang="en-US" sz="1800" b="0" noProof="0" dirty="0">
+                <a:solidFill>
+                  <a:srgbClr val="000000"/>
+                </a:solidFill>
+                <a:latin typeface="Cascadia Mono" panose="020B0609020000020004" pitchFamily="49" charset="0"/>
+              </a:rPr>
+              <a:t> a named “X” and show the difference highlighting a thing which still needs some attention although you configured validation on startup.</a:t>
+            </a:r>
+          </a:p>
+          <a:p>
+            <a:endParaRPr lang="en-US" sz="1800" noProof="0" dirty="0"/>
+          </a:p>
+          <a:p>
+            <a:r>
+              <a:rPr lang="en-US" sz="1800" noProof="0" dirty="0"/>
+              <a:t>When validation is set at startup time you will have the guarantee that the startup configuration was valid at that point in time for the registered options.</a:t>
+            </a:r>
+          </a:p>
+          <a:p>
+            <a:r>
+              <a:rPr lang="en-US" sz="1800" noProof="0" dirty="0"/>
+              <a:t>Pay attention though if you would register named options only and request an unnamed it will try to honor the request and return a default option, if this can’t pass validation a runtime error will happen.</a:t>
+            </a:r>
+            <a:endParaRPr lang="en-US" sz="1800" b="0" noProof="0" dirty="0">
+              <a:solidFill>
+                <a:srgbClr val="000000"/>
+              </a:solidFill>
+              <a:latin typeface="Cascadia Mono" panose="020B0609020000020004" pitchFamily="49" charset="0"/>
+            </a:endParaRPr>
+          </a:p>
+          <a:p>
+            <a:endParaRPr lang="en-US" b="0" noProof="0" dirty="0"/>
           </a:p>
         </p:txBody>
       </p:sp>
@@ -2853,7 +3916,7 @@
     </p:spTree>
     <p:extLst>
       <p:ext uri="{BB962C8B-B14F-4D97-AF65-F5344CB8AC3E}">
-        <p14:creationId xmlns:p14="http://schemas.microsoft.com/office/powerpoint/2010/main" val="4142645775"/>
+        <p14:creationId xmlns:p14="http://schemas.microsoft.com/office/powerpoint/2010/main" val="60046629"/>
       </p:ext>
     </p:extLst>
   </p:cSld>
@@ -2908,1155 +3971,97 @@
           <a:lstStyle/>
           <a:p>
             <a:r>
-              <a:rPr lang="en-US" b="1" noProof="0" dirty="0"/>
-              <a:t>Are there people still using .NET6 or .NET7?</a:t>
-            </a:r>
-          </a:p>
-          <a:p>
-            <a:r>
               <a:rPr lang="en-US" noProof="0" dirty="0"/>
-              <a:t>This demo will depend on the .NET8 syntax, you will see why I didn’t consider the previous LTS and STS versions.</a:t>
+              <a:t>We arrived at the last part Configure, make no mistakes this is the hardest one to get all the ins &amp; outs </a:t>
+            </a:r>
+          </a:p>
+          <a:p>
+            <a:r>
+              <a:rPr lang="en-US" noProof="0" dirty="0"/>
+              <a:t>but when it comes to specialized configuration this last step is where you can do magic with options.</a:t>
             </a:r>
           </a:p>
           <a:p>
             <a:endParaRPr lang="en-US" noProof="0" dirty="0"/>
           </a:p>
           <a:p>
-            <a:pPr marL="0" marR="0" lvl="0" indent="0" algn="l" defTabSz="914400" rtl="0" eaLnBrk="1" fontAlgn="auto" latinLnBrk="0" hangingPunct="1">
-              <a:lnSpc>
-                <a:spcPct val="100000"/>
-              </a:lnSpc>
-              <a:spcBef>
-                <a:spcPts val="0"/>
-              </a:spcBef>
-              <a:spcAft>
-                <a:spcPts val="0"/>
-              </a:spcAft>
-              <a:buClrTx/>
-              <a:buSzTx/>
-              <a:buFontTx/>
-              <a:buNone/>
-              <a:tabLst/>
-              <a:defRPr/>
-            </a:pPr>
             <a:r>
               <a:rPr lang="en-US" noProof="0" dirty="0"/>
-              <a:t>For this demo I had to create multiple files just to avoid confusion and to be able to build this one up with the different flavors which are available.</a:t>
-            </a:r>
+              <a:t>The execution order can be a though one if you would start combining the different executions, but if you do, you will most likely have your reasons but pay attention order matters in this case.</a:t>
+            </a:r>
+          </a:p>
+          <a:p>
+            <a:endParaRPr lang="en-US" noProof="0" dirty="0"/>
           </a:p>
           <a:p>
             <a:r>
               <a:rPr lang="en-US" noProof="0" dirty="0"/>
-              <a:t>We will start this one easy, with focusing first on the </a:t>
+              <a:t>All the configure steps, </a:t>
+            </a:r>
+            <a:r>
+              <a:rPr lang="en-US" b="1" i="1" noProof="0" dirty="0"/>
+              <a:t>Configure, </a:t>
+            </a:r>
+            <a:r>
+              <a:rPr lang="en-US" b="1" i="1" noProof="0" dirty="0" err="1"/>
+              <a:t>ConfigureAll</a:t>
+            </a:r>
+            <a:r>
+              <a:rPr lang="en-US" b="1" i="1" noProof="0" dirty="0"/>
+              <a:t>&lt;T&gt; &amp; Configure&lt;T</a:t>
+            </a:r>
+            <a:r>
+              <a:rPr lang="en-US" b="0" i="1" noProof="0" dirty="0"/>
+              <a:t>&gt;</a:t>
+            </a:r>
+            <a:r>
+              <a:rPr lang="en-US" b="0" noProof="0" dirty="0"/>
+              <a:t>,</a:t>
+            </a:r>
+            <a:r>
+              <a:rPr lang="en-US" noProof="0" dirty="0"/>
+              <a:t> no matter where they are, are executed before the post configure step in the order they were added.</a:t>
+            </a:r>
+          </a:p>
+          <a:p>
+            <a:r>
+              <a:rPr lang="en-US" noProof="0" dirty="0"/>
+              <a:t>The same applies for the post configure.</a:t>
+            </a:r>
+          </a:p>
+          <a:p>
+            <a:endParaRPr lang="en-US" noProof="0" dirty="0"/>
+          </a:p>
+          <a:p>
+            <a:r>
+              <a:rPr lang="en-US" noProof="0" dirty="0"/>
+              <a:t>All the configure steps are done before the validation takes places, so if there is a common thing that will make your configuration valid this can be applied upfront.</a:t>
+            </a:r>
+          </a:p>
+          <a:p>
+            <a:endParaRPr lang="en-US" noProof="0" dirty="0"/>
+          </a:p>
+          <a:p>
+            <a:r>
+              <a:rPr lang="en-US" noProof="0" dirty="0"/>
+              <a:t>For the </a:t>
             </a:r>
             <a:r>
               <a:rPr lang="en-US" noProof="0" dirty="0" err="1"/>
-              <a:t>MyOptions</a:t>
+              <a:t>IServiceCollection</a:t>
             </a:r>
             <a:r>
               <a:rPr lang="en-US" noProof="0" dirty="0"/>
-              <a:t> class, it’s the same class as the previous demo but now it’s annotated.</a:t>
-            </a:r>
-          </a:p>
-          <a:p>
-            <a:endParaRPr lang="en-US" noProof="0" dirty="0"/>
-          </a:p>
-          <a:p>
-            <a:pPr marL="228600" indent="-228600">
-              <a:buFont typeface="+mj-lt"/>
-              <a:buAutoNum type="arabicPeriod"/>
-            </a:pPr>
-            <a:endParaRPr lang="en-US" noProof="0" dirty="0"/>
-          </a:p>
-          <a:p>
-            <a:pPr marL="228600" indent="-228600">
-              <a:buFont typeface="+mj-lt"/>
-              <a:buAutoNum type="arabicPeriod"/>
-            </a:pPr>
+              <a:t> </a:t>
+            </a:r>
+            <a:r>
+              <a:rPr lang="en-US" noProof="0" dirty="0" err="1"/>
+              <a:t>PostConfigure</a:t>
+            </a:r>
             <a:r>
               <a:rPr lang="en-US" noProof="0" dirty="0"/>
-              <a:t>When we spin the solution up as is, although annotated nothing odd happens.</a:t>
-            </a:r>
-          </a:p>
-          <a:p>
-            <a:pPr marL="228600" indent="-228600">
-              <a:buFont typeface="+mj-lt"/>
-              <a:buAutoNum type="arabicPeriod"/>
-            </a:pPr>
-            <a:r>
-              <a:rPr lang="en-US" noProof="0" dirty="0"/>
-              <a:t>To enable the usage of the annotations, we must add the </a:t>
-            </a:r>
-            <a:r>
-              <a:rPr lang="nl-BE" sz="1800" dirty="0">
-                <a:solidFill>
-                  <a:srgbClr val="008000"/>
-                </a:solidFill>
-                <a:highlight>
-                  <a:srgbClr val="FFFFFF"/>
-                </a:highlight>
-                <a:latin typeface="Cascadia Mono" panose="020B0609020000020004" pitchFamily="49" charset="0"/>
-              </a:rPr>
-              <a:t>ValidateDataAnnotations.</a:t>
-            </a:r>
-            <a:br>
-              <a:rPr lang="nl-BE" sz="1800" dirty="0">
-                <a:solidFill>
-                  <a:srgbClr val="008000"/>
-                </a:solidFill>
-                <a:highlight>
-                  <a:srgbClr val="FFFFFF"/>
-                </a:highlight>
-                <a:latin typeface="Cascadia Mono" panose="020B0609020000020004" pitchFamily="49" charset="0"/>
-              </a:rPr>
-            </a:br>
-            <a:r>
-              <a:rPr lang="nl-BE" sz="1800" dirty="0">
-                <a:solidFill>
-                  <a:srgbClr val="008000"/>
-                </a:solidFill>
-                <a:highlight>
-                  <a:srgbClr val="FFFFFF"/>
-                </a:highlight>
-                <a:latin typeface="Cascadia Mono" panose="020B0609020000020004" pitchFamily="49" charset="0"/>
-              </a:rPr>
-              <a:t>This can give us runtime errors which I personally like to avoid as much as possible.</a:t>
-            </a:r>
-          </a:p>
-          <a:p>
-            <a:pPr marL="228600" indent="-228600">
-              <a:buFont typeface="+mj-lt"/>
-              <a:buAutoNum type="arabicPeriod"/>
-            </a:pPr>
-            <a:r>
-              <a:rPr lang="nl-BE" sz="1800" dirty="0">
-                <a:solidFill>
-                  <a:srgbClr val="008000"/>
-                </a:solidFill>
-                <a:highlight>
-                  <a:srgbClr val="FFFFFF"/>
-                </a:highlight>
-                <a:latin typeface="Cascadia Mono" panose="020B0609020000020004" pitchFamily="49" charset="0"/>
-              </a:rPr>
-              <a:t>When we also enable </a:t>
-            </a:r>
-            <a:r>
-              <a:rPr lang="nl-BE" sz="1800" dirty="0">
-                <a:solidFill>
-                  <a:srgbClr val="000000"/>
-                </a:solidFill>
-                <a:highlight>
-                  <a:srgbClr val="FFFFFF"/>
-                </a:highlight>
-                <a:latin typeface="Cascadia Mono" panose="020B0609020000020004" pitchFamily="49" charset="0"/>
-              </a:rPr>
-              <a:t>ValidateOnStart we get this functionality as well.</a:t>
-            </a:r>
-            <a:br>
-              <a:rPr lang="nl-BE" sz="1800" dirty="0">
-                <a:solidFill>
-                  <a:srgbClr val="000000"/>
-                </a:solidFill>
-                <a:highlight>
-                  <a:srgbClr val="FFFFFF"/>
-                </a:highlight>
-                <a:latin typeface="Cascadia Mono" panose="020B0609020000020004" pitchFamily="49" charset="0"/>
-              </a:rPr>
-            </a:br>
-            <a:r>
-              <a:rPr lang="nl-BE" sz="1800" dirty="0">
-                <a:solidFill>
-                  <a:srgbClr val="000000"/>
-                </a:solidFill>
-                <a:highlight>
-                  <a:srgbClr val="FFFFFF"/>
-                </a:highlight>
-                <a:latin typeface="Cascadia Mono" panose="020B0609020000020004" pitchFamily="49" charset="0"/>
-              </a:rPr>
-              <a:t>You could also use the commented syntax below which does the same thing and it still needs the </a:t>
-            </a:r>
-            <a:r>
-              <a:rPr lang="nl-BE" sz="1800" dirty="0">
-                <a:solidFill>
-                  <a:srgbClr val="008000"/>
-                </a:solidFill>
-                <a:highlight>
-                  <a:srgbClr val="FFFFFF"/>
-                </a:highlight>
-                <a:latin typeface="Cascadia Mono" panose="020B0609020000020004" pitchFamily="49" charset="0"/>
-              </a:rPr>
-              <a:t>ValidateDataAnnotations.</a:t>
-            </a:r>
-            <a:br>
-              <a:rPr lang="nl-BE" sz="1800" dirty="0">
-                <a:solidFill>
-                  <a:srgbClr val="008000"/>
-                </a:solidFill>
-                <a:highlight>
-                  <a:srgbClr val="FFFFFF"/>
-                </a:highlight>
-                <a:latin typeface="Cascadia Mono" panose="020B0609020000020004" pitchFamily="49" charset="0"/>
-              </a:rPr>
-            </a:br>
-            <a:br>
-              <a:rPr lang="nl-BE" sz="1800" dirty="0">
-                <a:solidFill>
-                  <a:srgbClr val="008000"/>
-                </a:solidFill>
-                <a:highlight>
-                  <a:srgbClr val="FFFFFF"/>
-                </a:highlight>
-                <a:latin typeface="Cascadia Mono" panose="020B0609020000020004" pitchFamily="49" charset="0"/>
-              </a:rPr>
-            </a:br>
-            <a:r>
-              <a:rPr lang="nl-BE" sz="1800" b="1" dirty="0">
-                <a:solidFill>
-                  <a:srgbClr val="008000"/>
-                </a:solidFill>
-                <a:highlight>
-                  <a:srgbClr val="FFFFFF"/>
-                </a:highlight>
-                <a:latin typeface="Cascadia Mono" panose="020B0609020000020004" pitchFamily="49" charset="0"/>
-              </a:rPr>
-              <a:t>You like this?</a:t>
-            </a:r>
-            <a:br>
-              <a:rPr lang="nl-BE" sz="1800" b="1" dirty="0">
-                <a:solidFill>
-                  <a:srgbClr val="008000"/>
-                </a:solidFill>
-                <a:highlight>
-                  <a:srgbClr val="FFFFFF"/>
-                </a:highlight>
-                <a:latin typeface="Cascadia Mono" panose="020B0609020000020004" pitchFamily="49" charset="0"/>
-              </a:rPr>
-            </a:br>
-            <a:r>
-              <a:rPr lang="nl-BE" sz="1800" b="1" dirty="0">
-                <a:solidFill>
-                  <a:srgbClr val="008000"/>
-                </a:solidFill>
-                <a:highlight>
-                  <a:srgbClr val="FFFFFF"/>
-                </a:highlight>
-                <a:latin typeface="Cascadia Mono" panose="020B0609020000020004" pitchFamily="49" charset="0"/>
-              </a:rPr>
-              <a:t>Anyone already started using the baked in source generation functionalities which came available in the latest releases?</a:t>
-            </a:r>
-          </a:p>
-          <a:p>
-            <a:pPr marL="228600" indent="-228600">
-              <a:buFont typeface="+mj-lt"/>
-              <a:buAutoNum type="arabicPeriod"/>
-            </a:pPr>
-            <a:endParaRPr lang="nl-BE" sz="1800" dirty="0">
-              <a:solidFill>
-                <a:srgbClr val="008000"/>
-              </a:solidFill>
-              <a:highlight>
-                <a:srgbClr val="FFFFFF"/>
-              </a:highlight>
-              <a:latin typeface="Cascadia Mono" panose="020B0609020000020004" pitchFamily="49" charset="0"/>
-            </a:endParaRPr>
-          </a:p>
-          <a:p>
-            <a:pPr marL="228600" indent="-228600">
-              <a:buFont typeface="+mj-lt"/>
-              <a:buAutoNum type="arabicPeriod"/>
-            </a:pPr>
-            <a:r>
-              <a:rPr lang="nl-BE" sz="1800" dirty="0">
-                <a:solidFill>
-                  <a:srgbClr val="008000"/>
-                </a:solidFill>
-                <a:highlight>
-                  <a:srgbClr val="FFFFFF"/>
-                </a:highlight>
-                <a:latin typeface="Cascadia Mono" panose="020B0609020000020004" pitchFamily="49" charset="0"/>
-              </a:rPr>
-              <a:t>We can source generate these validation and reduce reflection expensive reflection calls.</a:t>
-            </a:r>
-            <a:br>
-              <a:rPr lang="nl-BE" sz="1800" dirty="0">
-                <a:solidFill>
-                  <a:srgbClr val="008000"/>
-                </a:solidFill>
-                <a:highlight>
-                  <a:srgbClr val="FFFFFF"/>
-                </a:highlight>
-                <a:latin typeface="Cascadia Mono" panose="020B0609020000020004" pitchFamily="49" charset="0"/>
-              </a:rPr>
-            </a:br>
-            <a:r>
-              <a:rPr lang="nl-BE" sz="1800" dirty="0">
-                <a:solidFill>
-                  <a:srgbClr val="008000"/>
-                </a:solidFill>
-                <a:highlight>
-                  <a:srgbClr val="FFFFFF"/>
-                </a:highlight>
-                <a:latin typeface="Cascadia Mono" panose="020B0609020000020004" pitchFamily="49" charset="0"/>
-              </a:rPr>
-              <a:t>Create a public partial class and let it inherith the </a:t>
-            </a:r>
-            <a:r>
-              <a:rPr lang="nl-BE" sz="1800" dirty="0">
-                <a:solidFill>
-                  <a:srgbClr val="2B91AF"/>
-                </a:solidFill>
-                <a:highlight>
-                  <a:srgbClr val="FFFFFF"/>
-                </a:highlight>
-                <a:latin typeface="Cascadia Mono" panose="020B0609020000020004" pitchFamily="49" charset="0"/>
-              </a:rPr>
-              <a:t>IValidateOptions interface and point it to the MyOptions in this case. Also decorate it with the [OptionsValidator]</a:t>
-            </a:r>
-          </a:p>
-          <a:p>
-            <a:pPr marL="228600" indent="-228600">
-              <a:buFont typeface="+mj-lt"/>
-              <a:buAutoNum type="arabicPeriod"/>
-            </a:pPr>
-            <a:r>
-              <a:rPr lang="nl-BE" sz="1800" dirty="0">
-                <a:solidFill>
-                  <a:srgbClr val="2B91AF"/>
-                </a:solidFill>
-                <a:highlight>
-                  <a:srgbClr val="FFFFFF"/>
-                </a:highlight>
-                <a:latin typeface="Cascadia Mono" panose="020B0609020000020004" pitchFamily="49" charset="0"/>
-              </a:rPr>
-              <a:t>This class must be added as a singleton to your di container in order to be able to be used.</a:t>
-            </a:r>
-          </a:p>
-          <a:p>
-            <a:pPr marL="228600" indent="-228600">
-              <a:buFont typeface="+mj-lt"/>
-              <a:buAutoNum type="arabicPeriod"/>
-            </a:pPr>
-            <a:r>
-              <a:rPr lang="nl-BE" sz="1800" dirty="0">
-                <a:solidFill>
-                  <a:srgbClr val="2B91AF"/>
-                </a:solidFill>
-                <a:highlight>
-                  <a:srgbClr val="FFFFFF"/>
-                </a:highlight>
-                <a:latin typeface="Cascadia Mono" panose="020B0609020000020004" pitchFamily="49" charset="0"/>
-              </a:rPr>
-              <a:t>Once you apply this validator class you don’t longer need the </a:t>
-            </a:r>
-            <a:r>
-              <a:rPr lang="nl-BE" sz="1800" dirty="0">
-                <a:solidFill>
-                  <a:srgbClr val="008000"/>
-                </a:solidFill>
-                <a:highlight>
-                  <a:srgbClr val="FFFFFF"/>
-                </a:highlight>
-                <a:latin typeface="Cascadia Mono" panose="020B0609020000020004" pitchFamily="49" charset="0"/>
-              </a:rPr>
-              <a:t>ValidateDataAnnotations. It will happen now automatically.</a:t>
-            </a:r>
-            <a:br>
-              <a:rPr lang="nl-BE" sz="1800" dirty="0">
-                <a:solidFill>
-                  <a:srgbClr val="008000"/>
-                </a:solidFill>
-                <a:highlight>
-                  <a:srgbClr val="FFFFFF"/>
-                </a:highlight>
-                <a:latin typeface="Cascadia Mono" panose="020B0609020000020004" pitchFamily="49" charset="0"/>
-              </a:rPr>
-            </a:br>
-            <a:br>
-              <a:rPr lang="nl-BE" sz="1800" dirty="0">
-                <a:solidFill>
-                  <a:srgbClr val="008000"/>
-                </a:solidFill>
-                <a:highlight>
-                  <a:srgbClr val="FFFFFF"/>
-                </a:highlight>
-                <a:latin typeface="Cascadia Mono" panose="020B0609020000020004" pitchFamily="49" charset="0"/>
-              </a:rPr>
-            </a:br>
-            <a:r>
-              <a:rPr lang="nl-BE" sz="1800" b="1" dirty="0">
-                <a:solidFill>
-                  <a:srgbClr val="008000"/>
-                </a:solidFill>
-                <a:highlight>
-                  <a:srgbClr val="FFFFFF"/>
-                </a:highlight>
-                <a:latin typeface="Cascadia Mono" panose="020B0609020000020004" pitchFamily="49" charset="0"/>
-              </a:rPr>
-              <a:t>Do you want some more?</a:t>
-            </a:r>
-            <a:br>
-              <a:rPr lang="nl-BE" sz="1800" b="1" dirty="0">
-                <a:solidFill>
-                  <a:srgbClr val="008000"/>
-                </a:solidFill>
-                <a:highlight>
-                  <a:srgbClr val="FFFFFF"/>
-                </a:highlight>
-                <a:latin typeface="Cascadia Mono" panose="020B0609020000020004" pitchFamily="49" charset="0"/>
-              </a:rPr>
-            </a:br>
-            <a:endParaRPr lang="nl-BE" sz="1800" b="1" dirty="0">
-              <a:solidFill>
-                <a:srgbClr val="008000"/>
-              </a:solidFill>
-              <a:highlight>
-                <a:srgbClr val="FFFFFF"/>
-              </a:highlight>
-              <a:latin typeface="Cascadia Mono" panose="020B0609020000020004" pitchFamily="49" charset="0"/>
-            </a:endParaRPr>
-          </a:p>
-          <a:p>
-            <a:pPr marL="228600" indent="-228600">
-              <a:buFont typeface="+mj-lt"/>
-              <a:buAutoNum type="arabicPeriod"/>
-            </a:pPr>
-            <a:r>
-              <a:rPr lang="nl-BE" sz="1800" b="0" dirty="0">
-                <a:solidFill>
-                  <a:srgbClr val="008000"/>
-                </a:solidFill>
-                <a:highlight>
-                  <a:srgbClr val="FFFFFF"/>
-                </a:highlight>
-                <a:latin typeface="Cascadia Mono" panose="020B0609020000020004" pitchFamily="49" charset="0"/>
-              </a:rPr>
-              <a:t>We can also source generate the binding, this removes the reflection from going from the configuration to the options object.</a:t>
-            </a:r>
-            <a:br>
-              <a:rPr lang="nl-BE" sz="1800" b="0" dirty="0">
-                <a:solidFill>
-                  <a:srgbClr val="008000"/>
-                </a:solidFill>
-                <a:highlight>
-                  <a:srgbClr val="FFFFFF"/>
-                </a:highlight>
-                <a:latin typeface="Cascadia Mono" panose="020B0609020000020004" pitchFamily="49" charset="0"/>
-              </a:rPr>
-            </a:br>
-            <a:r>
-              <a:rPr lang="nl-BE" sz="1800" b="0" dirty="0">
-                <a:solidFill>
-                  <a:srgbClr val="008000"/>
-                </a:solidFill>
-                <a:highlight>
-                  <a:srgbClr val="FFFFFF"/>
-                </a:highlight>
-                <a:latin typeface="Cascadia Mono" panose="020B0609020000020004" pitchFamily="49" charset="0"/>
-              </a:rPr>
-              <a:t>In the csproj file enable the property </a:t>
-            </a:r>
-            <a:r>
-              <a:rPr lang="nl-BE" sz="1800" b="1" dirty="0">
-                <a:solidFill>
-                  <a:srgbClr val="A31515"/>
-                </a:solidFill>
-                <a:highlight>
-                  <a:srgbClr val="FFFFFF"/>
-                </a:highlight>
-                <a:latin typeface="Cascadia Mono" panose="020B0609020000020004" pitchFamily="49" charset="0"/>
-              </a:rPr>
-              <a:t>EnableConfigurationBindingGenerator</a:t>
-            </a:r>
-            <a:r>
-              <a:rPr lang="nl-BE" sz="1800" b="0" dirty="0">
-                <a:solidFill>
-                  <a:srgbClr val="A31515"/>
-                </a:solidFill>
-                <a:highlight>
-                  <a:srgbClr val="FFFFFF"/>
-                </a:highlight>
-                <a:latin typeface="Cascadia Mono" panose="020B0609020000020004" pitchFamily="49" charset="0"/>
-              </a:rPr>
-              <a:t> when you now look back at the program.cs file you will see an icon appearing.</a:t>
-            </a:r>
-            <a:br>
-              <a:rPr lang="nl-BE" sz="1800" b="0" dirty="0">
-                <a:solidFill>
-                  <a:srgbClr val="A31515"/>
-                </a:solidFill>
-                <a:highlight>
-                  <a:srgbClr val="FFFFFF"/>
-                </a:highlight>
-                <a:latin typeface="Cascadia Mono" panose="020B0609020000020004" pitchFamily="49" charset="0"/>
-              </a:rPr>
-            </a:br>
-            <a:r>
-              <a:rPr lang="nl-BE" sz="1800" b="0" dirty="0">
-                <a:solidFill>
-                  <a:srgbClr val="A31515"/>
-                </a:solidFill>
-                <a:highlight>
-                  <a:srgbClr val="FFFFFF"/>
-                </a:highlight>
-                <a:latin typeface="Cascadia Mono" panose="020B0609020000020004" pitchFamily="49" charset="0"/>
-              </a:rPr>
-              <a:t>When you hover over it is indicating that this is an intercepted call.</a:t>
-            </a:r>
-            <a:br>
-              <a:rPr lang="nl-BE" sz="1800" b="0" dirty="0">
-                <a:solidFill>
-                  <a:srgbClr val="A31515"/>
-                </a:solidFill>
-                <a:highlight>
-                  <a:srgbClr val="FFFFFF"/>
-                </a:highlight>
-                <a:latin typeface="Cascadia Mono" panose="020B0609020000020004" pitchFamily="49" charset="0"/>
-              </a:rPr>
-            </a:br>
-            <a:r>
-              <a:rPr lang="nl-BE" sz="1800" b="0" dirty="0">
-                <a:solidFill>
-                  <a:srgbClr val="A31515"/>
-                </a:solidFill>
-                <a:highlight>
-                  <a:srgbClr val="FFFFFF"/>
-                </a:highlight>
-                <a:latin typeface="Cascadia Mono" panose="020B0609020000020004" pitchFamily="49" charset="0"/>
-              </a:rPr>
-              <a:t>We now have the binding and the validation source generated. This brings us quite close to an AOT point.</a:t>
-            </a:r>
-            <a:br>
-              <a:rPr lang="nl-BE" sz="1800" b="0" dirty="0">
-                <a:solidFill>
-                  <a:srgbClr val="A31515"/>
-                </a:solidFill>
-                <a:highlight>
-                  <a:srgbClr val="FFFFFF"/>
-                </a:highlight>
-                <a:latin typeface="Cascadia Mono" panose="020B0609020000020004" pitchFamily="49" charset="0"/>
-              </a:rPr>
-            </a:br>
-            <a:br>
-              <a:rPr lang="nl-BE" sz="1800" b="0" dirty="0">
-                <a:solidFill>
-                  <a:srgbClr val="A31515"/>
-                </a:solidFill>
-                <a:highlight>
-                  <a:srgbClr val="FFFFFF"/>
-                </a:highlight>
-                <a:latin typeface="Cascadia Mono" panose="020B0609020000020004" pitchFamily="49" charset="0"/>
-              </a:rPr>
-            </a:br>
-            <a:r>
-              <a:rPr lang="nl-BE" sz="1800" b="1" dirty="0">
-                <a:solidFill>
-                  <a:srgbClr val="A31515"/>
-                </a:solidFill>
-                <a:highlight>
-                  <a:srgbClr val="FFFFFF"/>
-                </a:highlight>
-                <a:latin typeface="Cascadia Mono" panose="020B0609020000020004" pitchFamily="49" charset="0"/>
-              </a:rPr>
-              <a:t>Anyone already toyed with this? I will show you how you get this working on AOT</a:t>
-            </a:r>
-            <a:br>
-              <a:rPr lang="nl-BE" sz="1800" b="0" dirty="0">
-                <a:solidFill>
-                  <a:srgbClr val="A31515"/>
-                </a:solidFill>
-                <a:highlight>
-                  <a:srgbClr val="FFFFFF"/>
-                </a:highlight>
-                <a:latin typeface="Cascadia Mono" panose="020B0609020000020004" pitchFamily="49" charset="0"/>
-              </a:rPr>
-            </a:br>
-            <a:endParaRPr lang="nl-BE" sz="1800" b="0" dirty="0">
-              <a:solidFill>
-                <a:srgbClr val="A31515"/>
-              </a:solidFill>
-              <a:highlight>
-                <a:srgbClr val="FFFFFF"/>
-              </a:highlight>
-              <a:latin typeface="Cascadia Mono" panose="020B0609020000020004" pitchFamily="49" charset="0"/>
-            </a:endParaRPr>
-          </a:p>
-          <a:p>
-            <a:pPr marL="228600" indent="-228600">
-              <a:buFont typeface="+mj-lt"/>
-              <a:buAutoNum type="arabicPeriod"/>
-            </a:pPr>
-            <a:r>
-              <a:rPr lang="nl-BE" sz="1800" dirty="0">
-                <a:solidFill>
-                  <a:srgbClr val="A31515"/>
-                </a:solidFill>
-                <a:highlight>
-                  <a:srgbClr val="FFFFFF"/>
-                </a:highlight>
-                <a:latin typeface="Cascadia Mono" panose="020B0609020000020004" pitchFamily="49" charset="0"/>
-              </a:rPr>
-              <a:t>If you are using controllers you’re in luck if the documentation is right, if you are using minimal apis like this demo not so much.</a:t>
-            </a:r>
-            <a:br>
-              <a:rPr lang="nl-BE" sz="1800" dirty="0">
-                <a:solidFill>
-                  <a:srgbClr val="A31515"/>
-                </a:solidFill>
-                <a:highlight>
-                  <a:srgbClr val="FFFFFF"/>
-                </a:highlight>
-                <a:latin typeface="Cascadia Mono" panose="020B0609020000020004" pitchFamily="49" charset="0"/>
-              </a:rPr>
-            </a:br>
-            <a:r>
-              <a:rPr lang="nl-BE" sz="1800" dirty="0">
-                <a:solidFill>
-                  <a:srgbClr val="A31515"/>
-                </a:solidFill>
-                <a:highlight>
-                  <a:srgbClr val="FFFFFF"/>
-                </a:highlight>
-                <a:latin typeface="Cascadia Mono" panose="020B0609020000020004" pitchFamily="49" charset="0"/>
-              </a:rPr>
-              <a:t>Enable the property </a:t>
-            </a:r>
-            <a:r>
-              <a:rPr lang="nl-BE" sz="1800" b="1" dirty="0">
-                <a:solidFill>
-                  <a:srgbClr val="008000"/>
-                </a:solidFill>
-                <a:highlight>
-                  <a:srgbClr val="FFFFFF"/>
-                </a:highlight>
-                <a:latin typeface="Cascadia Mono" panose="020B0609020000020004" pitchFamily="49" charset="0"/>
-              </a:rPr>
-              <a:t>PublishAot</a:t>
-            </a:r>
-            <a:r>
-              <a:rPr lang="nl-BE" sz="1800" dirty="0">
-                <a:solidFill>
-                  <a:srgbClr val="008000"/>
-                </a:solidFill>
-                <a:highlight>
-                  <a:srgbClr val="FFFFFF"/>
-                </a:highlight>
-                <a:latin typeface="Cascadia Mono" panose="020B0609020000020004" pitchFamily="49" charset="0"/>
-              </a:rPr>
-              <a:t> in the csproj</a:t>
-            </a:r>
-            <a:br>
-              <a:rPr lang="nl-BE" sz="1800" dirty="0">
-                <a:solidFill>
-                  <a:srgbClr val="008000"/>
-                </a:solidFill>
-                <a:highlight>
-                  <a:srgbClr val="FFFFFF"/>
-                </a:highlight>
-                <a:latin typeface="Cascadia Mono" panose="020B0609020000020004" pitchFamily="49" charset="0"/>
-              </a:rPr>
-            </a:br>
-            <a:r>
-              <a:rPr lang="nl-BE" sz="1800" dirty="0">
-                <a:solidFill>
-                  <a:srgbClr val="008000"/>
-                </a:solidFill>
-                <a:highlight>
-                  <a:srgbClr val="FFFFFF"/>
-                </a:highlight>
-                <a:latin typeface="Cascadia Mono" panose="020B0609020000020004" pitchFamily="49" charset="0"/>
-              </a:rPr>
-              <a:t>The intercepted call is now also appearing at this location as well.</a:t>
-            </a:r>
-            <a:br>
-              <a:rPr lang="nl-BE" sz="1800" dirty="0">
-                <a:solidFill>
-                  <a:srgbClr val="008000"/>
-                </a:solidFill>
-                <a:highlight>
-                  <a:srgbClr val="FFFFFF"/>
-                </a:highlight>
-                <a:latin typeface="Cascadia Mono" panose="020B0609020000020004" pitchFamily="49" charset="0"/>
-              </a:rPr>
-            </a:br>
-            <a:r>
-              <a:rPr lang="nl-BE" sz="1800" dirty="0">
-                <a:solidFill>
-                  <a:srgbClr val="008000"/>
-                </a:solidFill>
-                <a:highlight>
-                  <a:srgbClr val="FFFFFF"/>
-                </a:highlight>
-                <a:latin typeface="Cascadia Mono" panose="020B0609020000020004" pitchFamily="49" charset="0"/>
-              </a:rPr>
-              <a:t>We’ll go into this one and we search for the </a:t>
-            </a:r>
-            <a:r>
-              <a:rPr lang="nl-BE" sz="1800" b="1" dirty="0">
-                <a:solidFill>
-                  <a:srgbClr val="2B91AF"/>
-                </a:solidFill>
-                <a:highlight>
-                  <a:srgbClr val="FFFFFF"/>
-                </a:highlight>
-                <a:latin typeface="Cascadia Mono" panose="020B0609020000020004" pitchFamily="49" charset="0"/>
-              </a:rPr>
-              <a:t>IOptions</a:t>
-            </a:r>
-            <a:r>
-              <a:rPr lang="nl-BE" sz="1800" b="1" dirty="0">
-                <a:solidFill>
-                  <a:srgbClr val="D86AC2"/>
-                </a:solidFill>
-                <a:highlight>
-                  <a:srgbClr val="FFFFFF"/>
-                </a:highlight>
-                <a:latin typeface="Cascadia Mono" panose="020B0609020000020004" pitchFamily="49" charset="0"/>
-              </a:rPr>
-              <a:t>&lt;</a:t>
-            </a:r>
-            <a:r>
-              <a:rPr lang="nl-BE" sz="1800" b="1" dirty="0">
-                <a:solidFill>
-                  <a:srgbClr val="2B91AF"/>
-                </a:solidFill>
-                <a:highlight>
-                  <a:srgbClr val="FFFFFF"/>
-                </a:highlight>
-                <a:latin typeface="Cascadia Mono" panose="020B0609020000020004" pitchFamily="49" charset="0"/>
-              </a:rPr>
-              <a:t>JsonOptions</a:t>
-            </a:r>
-            <a:r>
-              <a:rPr lang="nl-BE" sz="1800" b="1" dirty="0">
-                <a:solidFill>
-                  <a:srgbClr val="D86AC2"/>
-                </a:solidFill>
-                <a:highlight>
-                  <a:srgbClr val="FFFFFF"/>
-                </a:highlight>
-                <a:latin typeface="Cascadia Mono" panose="020B0609020000020004" pitchFamily="49" charset="0"/>
-              </a:rPr>
-              <a:t>&gt;</a:t>
-            </a:r>
-            <a:r>
-              <a:rPr lang="nl-BE" sz="1800" b="0" dirty="0">
-                <a:solidFill>
-                  <a:srgbClr val="D86AC2"/>
-                </a:solidFill>
-                <a:highlight>
-                  <a:srgbClr val="FFFFFF"/>
-                </a:highlight>
-                <a:latin typeface="Cascadia Mono" panose="020B0609020000020004" pitchFamily="49" charset="0"/>
-              </a:rPr>
-              <a:t>, if not provided the fall back is used which uses reflection.</a:t>
-            </a:r>
-          </a:p>
-          <a:p>
-            <a:pPr marL="228600" indent="-228600">
-              <a:buFont typeface="+mj-lt"/>
-              <a:buAutoNum type="arabicPeriod"/>
-            </a:pPr>
-            <a:r>
-              <a:rPr lang="nl-BE" sz="1800" b="0" dirty="0">
-                <a:solidFill>
-                  <a:srgbClr val="D86AC2"/>
-                </a:solidFill>
-                <a:highlight>
-                  <a:srgbClr val="FFFFFF"/>
-                </a:highlight>
-                <a:latin typeface="Cascadia Mono" panose="020B0609020000020004" pitchFamily="49" charset="0"/>
-              </a:rPr>
-              <a:t>To resolve this a custom </a:t>
-            </a:r>
-            <a:r>
-              <a:rPr lang="nl-BE" sz="1800" dirty="0">
-                <a:solidFill>
-                  <a:srgbClr val="2B91AF"/>
-                </a:solidFill>
-                <a:highlight>
-                  <a:srgbClr val="FFFFFF"/>
-                </a:highlight>
-                <a:latin typeface="Cascadia Mono" panose="020B0609020000020004" pitchFamily="49" charset="0"/>
-              </a:rPr>
-              <a:t>JsonSerializerContext</a:t>
-            </a:r>
-            <a:r>
-              <a:rPr lang="nl-BE" sz="1800" b="0" dirty="0">
-                <a:solidFill>
-                  <a:srgbClr val="D86AC2"/>
-                </a:solidFill>
-                <a:highlight>
-                  <a:srgbClr val="FFFFFF"/>
-                </a:highlight>
-                <a:latin typeface="Cascadia Mono" panose="020B0609020000020004" pitchFamily="49" charset="0"/>
-              </a:rPr>
-              <a:t> must be used where we then can point to the MyOptions.</a:t>
-            </a:r>
-          </a:p>
-          <a:p>
-            <a:pPr marL="228600" indent="-228600">
-              <a:buFont typeface="+mj-lt"/>
-              <a:buAutoNum type="arabicPeriod"/>
-            </a:pPr>
-            <a:r>
-              <a:rPr lang="nl-BE" sz="1800" b="0" dirty="0">
-                <a:solidFill>
-                  <a:srgbClr val="D86AC2"/>
-                </a:solidFill>
-                <a:highlight>
-                  <a:srgbClr val="FFFFFF"/>
-                </a:highlight>
-                <a:latin typeface="Cascadia Mono" panose="020B0609020000020004" pitchFamily="49" charset="0"/>
-              </a:rPr>
-              <a:t>Now we can add it to the default json serializer using the </a:t>
-            </a:r>
-            <a:r>
-              <a:rPr lang="nl-BE" sz="1800" dirty="0">
-                <a:solidFill>
-                  <a:srgbClr val="008000"/>
-                </a:solidFill>
-                <a:highlight>
-                  <a:srgbClr val="FFFFFF"/>
-                </a:highlight>
-                <a:latin typeface="Cascadia Mono" panose="020B0609020000020004" pitchFamily="49" charset="0"/>
-              </a:rPr>
-              <a:t>TypeInfoResolver</a:t>
-            </a:r>
-            <a:r>
-              <a:rPr lang="nl-BE" sz="1800" b="0" dirty="0">
-                <a:solidFill>
-                  <a:srgbClr val="008000"/>
-                </a:solidFill>
-                <a:highlight>
-                  <a:srgbClr val="FFFFFF"/>
-                </a:highlight>
-                <a:latin typeface="Cascadia Mono" panose="020B0609020000020004" pitchFamily="49" charset="0"/>
-              </a:rPr>
-              <a:t> and add the newly created context to it.</a:t>
-            </a:r>
-          </a:p>
-          <a:p>
-            <a:pPr marL="228600" indent="-228600">
-              <a:buFont typeface="+mj-lt"/>
-              <a:buAutoNum type="arabicPeriod"/>
-            </a:pPr>
-            <a:r>
-              <a:rPr lang="nl-BE" sz="1800" b="0" dirty="0">
-                <a:solidFill>
-                  <a:srgbClr val="008000"/>
-                </a:solidFill>
-                <a:highlight>
-                  <a:srgbClr val="FFFFFF"/>
-                </a:highlight>
-                <a:latin typeface="Cascadia Mono" panose="020B0609020000020004" pitchFamily="49" charset="0"/>
-              </a:rPr>
-              <a:t>I will open a terminal now and create the AOT build using dotnet publish</a:t>
-            </a:r>
-            <a:br>
-              <a:rPr lang="nl-BE" sz="1800" b="0" dirty="0">
-                <a:solidFill>
-                  <a:srgbClr val="008000"/>
-                </a:solidFill>
-                <a:highlight>
-                  <a:srgbClr val="FFFFFF"/>
-                </a:highlight>
-                <a:latin typeface="Cascadia Mono" panose="020B0609020000020004" pitchFamily="49" charset="0"/>
-              </a:rPr>
-            </a:br>
-            <a:r>
-              <a:rPr lang="nl-BE" sz="1800" b="0" dirty="0">
-                <a:solidFill>
-                  <a:srgbClr val="008000"/>
-                </a:solidFill>
-                <a:highlight>
-                  <a:srgbClr val="FFFFFF"/>
-                </a:highlight>
-                <a:latin typeface="Cascadia Mono" panose="020B0609020000020004" pitchFamily="49" charset="0"/>
-              </a:rPr>
-              <a:t>If you’ve never done this before you must enable the .NET desktop development under the workloads, it will not work otherwise</a:t>
-            </a:r>
-            <a:br>
-              <a:rPr lang="nl-BE" sz="1800" b="0" dirty="0">
-                <a:solidFill>
-                  <a:srgbClr val="008000"/>
-                </a:solidFill>
-                <a:highlight>
-                  <a:srgbClr val="FFFFFF"/>
-                </a:highlight>
-                <a:latin typeface="Cascadia Mono" panose="020B0609020000020004" pitchFamily="49" charset="0"/>
-              </a:rPr>
-            </a:br>
-            <a:br>
-              <a:rPr lang="nl-BE" sz="1800" b="0" dirty="0">
-                <a:solidFill>
-                  <a:srgbClr val="008000"/>
-                </a:solidFill>
-                <a:highlight>
-                  <a:srgbClr val="FFFFFF"/>
-                </a:highlight>
-                <a:latin typeface="Cascadia Mono" panose="020B0609020000020004" pitchFamily="49" charset="0"/>
-              </a:rPr>
-            </a:br>
-            <a:r>
-              <a:rPr lang="nl-BE" sz="1800" b="0" dirty="0">
-                <a:solidFill>
-                  <a:srgbClr val="008000"/>
-                </a:solidFill>
-                <a:highlight>
-                  <a:srgbClr val="FFFFFF"/>
-                </a:highlight>
-                <a:latin typeface="Cascadia Mono" panose="020B0609020000020004" pitchFamily="49" charset="0"/>
-              </a:rPr>
-              <a:t>dotnet publish</a:t>
-            </a:r>
-          </a:p>
-          <a:p>
-            <a:pPr marL="228600" indent="-228600">
-              <a:buFont typeface="+mj-lt"/>
-              <a:buAutoNum type="arabicPeriod"/>
-            </a:pPr>
-            <a:r>
-              <a:rPr lang="nl-BE" sz="1800" b="0" dirty="0">
-                <a:solidFill>
-                  <a:srgbClr val="008000"/>
-                </a:solidFill>
-                <a:highlight>
-                  <a:srgbClr val="FFFFFF"/>
-                </a:highlight>
-                <a:latin typeface="Cascadia Mono" panose="020B0609020000020004" pitchFamily="49" charset="0"/>
-              </a:rPr>
-              <a:t>Go to the AOT folder and start it: dotnet .\OptionValidation.dll --urls https://localhost:7030</a:t>
-            </a:r>
-          </a:p>
-          <a:p>
-            <a:pPr marL="228600" indent="-228600">
-              <a:buFont typeface="+mj-lt"/>
-              <a:buAutoNum type="arabicPeriod"/>
-            </a:pPr>
-            <a:r>
-              <a:rPr lang="nl-BE" sz="1800" b="0" dirty="0">
-                <a:solidFill>
-                  <a:srgbClr val="008000"/>
-                </a:solidFill>
-                <a:highlight>
-                  <a:srgbClr val="FFFFFF"/>
-                </a:highlight>
-                <a:latin typeface="Cascadia Mono" panose="020B0609020000020004" pitchFamily="49" charset="0"/>
-              </a:rPr>
-              <a:t>Go to the release folder and start it: dotnet .\OptionValidation.dll --urls https://localhost:7030</a:t>
-            </a:r>
-            <a:endParaRPr lang="nl-BE" sz="1800" b="1" dirty="0">
-              <a:solidFill>
-                <a:srgbClr val="008000"/>
-              </a:solidFill>
-              <a:highlight>
-                <a:srgbClr val="FFFFFF"/>
-              </a:highlight>
-              <a:latin typeface="Cascadia Mono" panose="020B0609020000020004" pitchFamily="49" charset="0"/>
-            </a:endParaRPr>
-          </a:p>
-          <a:p>
-            <a:endParaRPr lang="en-US" sz="1800" b="1" noProof="0" dirty="0">
-              <a:solidFill>
-                <a:srgbClr val="000000"/>
-              </a:solidFill>
-              <a:latin typeface="Cascadia Mono" panose="020B0609020000020004" pitchFamily="49" charset="0"/>
-            </a:endParaRPr>
-          </a:p>
-          <a:p>
-            <a:r>
-              <a:rPr lang="en-US" sz="1800" b="0" noProof="0" dirty="0">
-                <a:solidFill>
-                  <a:srgbClr val="000000"/>
-                </a:solidFill>
-                <a:latin typeface="Cascadia Mono" panose="020B0609020000020004" pitchFamily="49" charset="0"/>
-              </a:rPr>
-              <a:t>If you lost me this code will become available on my </a:t>
-            </a:r>
-            <a:r>
-              <a:rPr lang="en-US" sz="1800" b="0" noProof="0" dirty="0" err="1">
-                <a:solidFill>
-                  <a:srgbClr val="000000"/>
-                </a:solidFill>
-                <a:latin typeface="Cascadia Mono" panose="020B0609020000020004" pitchFamily="49" charset="0"/>
-              </a:rPr>
-              <a:t>github</a:t>
-            </a:r>
-            <a:r>
-              <a:rPr lang="en-US" sz="1800" b="0" noProof="0" dirty="0">
-                <a:solidFill>
-                  <a:srgbClr val="000000"/>
-                </a:solidFill>
-                <a:latin typeface="Cascadia Mono" panose="020B0609020000020004" pitchFamily="49" charset="0"/>
-              </a:rPr>
-              <a:t> so don’t worry about it.</a:t>
-            </a:r>
-          </a:p>
-          <a:p>
-            <a:r>
-              <a:rPr lang="en-US" sz="1800" b="0" noProof="0" dirty="0">
-                <a:solidFill>
-                  <a:srgbClr val="000000"/>
-                </a:solidFill>
-                <a:latin typeface="Cascadia Mono" panose="020B0609020000020004" pitchFamily="49" charset="0"/>
-              </a:rPr>
-              <a:t>This concludes the optimization of the validation with the source generation part. But this code also has another angle.</a:t>
-            </a:r>
-          </a:p>
-          <a:p>
-            <a:endParaRPr lang="en-US" sz="1800" b="0" noProof="0" dirty="0">
-              <a:solidFill>
-                <a:srgbClr val="000000"/>
-              </a:solidFill>
-              <a:latin typeface="Cascadia Mono" panose="020B0609020000020004" pitchFamily="49" charset="0"/>
-            </a:endParaRPr>
-          </a:p>
-          <a:p>
-            <a:r>
-              <a:rPr lang="en-US" sz="1800" b="0" noProof="0" dirty="0">
-                <a:solidFill>
-                  <a:srgbClr val="000000"/>
-                </a:solidFill>
-                <a:latin typeface="Cascadia Mono" panose="020B0609020000020004" pitchFamily="49" charset="0"/>
-              </a:rPr>
-              <a:t>First demonstrate the first 3 with the default value, then show the named options and reveal the “” case.</a:t>
-            </a:r>
-          </a:p>
-          <a:p>
-            <a:endParaRPr lang="en-US" sz="1800" b="0" noProof="0" dirty="0">
-              <a:solidFill>
-                <a:srgbClr val="000000"/>
-              </a:solidFill>
-              <a:latin typeface="Cascadia Mono" panose="020B0609020000020004" pitchFamily="49" charset="0"/>
-            </a:endParaRPr>
-          </a:p>
-          <a:p>
-            <a:r>
-              <a:rPr lang="en-US" sz="1800" b="1" noProof="0" dirty="0">
-                <a:solidFill>
-                  <a:srgbClr val="000000"/>
-                </a:solidFill>
-                <a:latin typeface="Cascadia Mono" panose="020B0609020000020004" pitchFamily="49" charset="0"/>
-              </a:rPr>
-              <a:t>Does anyone know what will happen when we launch the Get(“X”) call?</a:t>
-            </a:r>
-          </a:p>
-          <a:p>
-            <a:endParaRPr lang="en-US" sz="1800" b="1" noProof="0" dirty="0">
-              <a:solidFill>
-                <a:srgbClr val="000000"/>
-              </a:solidFill>
-              <a:latin typeface="Cascadia Mono" panose="020B0609020000020004" pitchFamily="49" charset="0"/>
-            </a:endParaRPr>
-          </a:p>
-          <a:p>
-            <a:r>
-              <a:rPr lang="en-US" sz="1800" noProof="0" dirty="0"/>
-              <a:t>For the validation pay attention that this will also be applied for the unnamed and named options.</a:t>
-            </a:r>
-          </a:p>
-          <a:p>
-            <a:r>
-              <a:rPr lang="en-US" sz="1800" noProof="0" dirty="0"/>
-              <a:t>Meaning if you register only named options but when you request an </a:t>
-            </a:r>
-            <a:r>
-              <a:rPr lang="en-US" sz="1800" noProof="0" dirty="0" err="1"/>
-              <a:t>IOption</a:t>
-            </a:r>
-            <a:r>
-              <a:rPr lang="en-US" sz="1800" noProof="0" dirty="0"/>
-              <a:t>&lt;T&gt; it will resolve a default options and apply the validation upon. If this validation can’t pass by default, then you will still face a runtime failure.</a:t>
-            </a:r>
-          </a:p>
-          <a:p>
-            <a:endParaRPr lang="en-US" sz="1800" b="1" noProof="0" dirty="0">
-              <a:solidFill>
-                <a:srgbClr val="000000"/>
-              </a:solidFill>
-              <a:latin typeface="Cascadia Mono" panose="020B0609020000020004" pitchFamily="49" charset="0"/>
-            </a:endParaRPr>
-          </a:p>
-          <a:p>
-            <a:pPr marL="0" marR="0" lvl="0" indent="0" algn="l" defTabSz="914400" rtl="0" eaLnBrk="1" fontAlgn="auto" latinLnBrk="0" hangingPunct="1">
-              <a:lnSpc>
-                <a:spcPct val="100000"/>
-              </a:lnSpc>
-              <a:spcBef>
-                <a:spcPts val="0"/>
-              </a:spcBef>
-              <a:spcAft>
-                <a:spcPts val="0"/>
-              </a:spcAft>
-              <a:buClrTx/>
-              <a:buSzTx/>
-              <a:buFontTx/>
-              <a:buNone/>
-              <a:tabLst/>
-              <a:defRPr/>
-            </a:pPr>
-            <a:r>
-              <a:rPr lang="en-US" sz="1800" b="1" noProof="0" dirty="0">
-                <a:solidFill>
-                  <a:srgbClr val="000000"/>
-                </a:solidFill>
-                <a:latin typeface="Cascadia Mono" panose="020B0609020000020004" pitchFamily="49" charset="0"/>
-              </a:rPr>
-              <a:t>Does anyone know what will happen when we launch the Get(“”) call?</a:t>
-            </a:r>
-          </a:p>
-          <a:p>
-            <a:r>
-              <a:rPr lang="en-US" sz="1800" b="0" noProof="0" dirty="0">
-                <a:solidFill>
-                  <a:srgbClr val="000000"/>
-                </a:solidFill>
-                <a:latin typeface="Cascadia Mono" panose="020B0609020000020004" pitchFamily="49" charset="0"/>
-              </a:rPr>
-              <a:t>Now make the </a:t>
-            </a:r>
-            <a:r>
-              <a:rPr lang="en-US" sz="1800" b="0" noProof="0" dirty="0" err="1">
-                <a:solidFill>
-                  <a:srgbClr val="000000"/>
-                </a:solidFill>
-                <a:latin typeface="Cascadia Mono" panose="020B0609020000020004" pitchFamily="49" charset="0"/>
-              </a:rPr>
-              <a:t>AddOptions</a:t>
-            </a:r>
-            <a:r>
-              <a:rPr lang="en-US" sz="1800" b="0" noProof="0" dirty="0">
-                <a:solidFill>
-                  <a:srgbClr val="000000"/>
-                </a:solidFill>
-                <a:latin typeface="Cascadia Mono" panose="020B0609020000020004" pitchFamily="49" charset="0"/>
-              </a:rPr>
-              <a:t> a named “X” and show the difference highlighting a thing which still needs some attention although you configured validation on startup.</a:t>
-            </a:r>
-          </a:p>
-          <a:p>
-            <a:endParaRPr lang="en-US" sz="1800" noProof="0" dirty="0"/>
-          </a:p>
-          <a:p>
-            <a:r>
-              <a:rPr lang="en-US" sz="1800" noProof="0" dirty="0"/>
-              <a:t>When validation is set at startup time you will have the guarantee that the startup configuration was valid at that point in time for the registered options.</a:t>
-            </a:r>
-          </a:p>
-          <a:p>
-            <a:r>
-              <a:rPr lang="en-US" sz="1800" noProof="0" dirty="0"/>
-              <a:t>Pay attention though if you would register named options only and request an unnamed it will try to honor the request and return a default option, if this can’t pass validation a runtime error will happen.</a:t>
-            </a:r>
-            <a:endParaRPr lang="en-US" sz="1800" b="0" noProof="0" dirty="0">
-              <a:solidFill>
-                <a:srgbClr val="000000"/>
-              </a:solidFill>
-              <a:latin typeface="Cascadia Mono" panose="020B0609020000020004" pitchFamily="49" charset="0"/>
-            </a:endParaRPr>
-          </a:p>
-          <a:p>
-            <a:endParaRPr lang="en-US" b="0" noProof="0" dirty="0"/>
+              <a:t> and Configure step, there is a distinct difference between named and unnamed, meaning if you configure one named it will only be applied for the named one. An unnamed one is only targeted by the one added without name.</a:t>
+            </a:r>
           </a:p>
         </p:txBody>
       </p:sp>
@@ -4087,7 +4092,7 @@
     </p:spTree>
     <p:extLst>
       <p:ext uri="{BB962C8B-B14F-4D97-AF65-F5344CB8AC3E}">
-        <p14:creationId xmlns:p14="http://schemas.microsoft.com/office/powerpoint/2010/main" val="60046629"/>
+        <p14:creationId xmlns:p14="http://schemas.microsoft.com/office/powerpoint/2010/main" val="2262911009"/>
       </p:ext>
     </p:extLst>
   </p:cSld>
@@ -4143,13 +4148,23 @@
           <a:p>
             <a:r>
               <a:rPr lang="en-US" noProof="0" dirty="0"/>
-              <a:t>We arrived at the last part Configure, make no mistakes this is the hardest one to get all the ins &amp; outs </a:t>
-            </a:r>
-          </a:p>
-          <a:p>
+              <a:t>This time we use the </a:t>
+            </a:r>
+            <a:r>
+              <a:rPr lang="en-US" noProof="0" dirty="0" err="1"/>
+              <a:t>MyOptions</a:t>
+            </a:r>
             <a:r>
               <a:rPr lang="en-US" noProof="0" dirty="0"/>
-              <a:t>but when it comes to specialized configuration this last step is where you can do magic with options.</a:t>
+              <a:t> class again, but I’ve added all the flavors I could think of to demonstrate how this would behave. I had to add the console </a:t>
+            </a:r>
+            <a:r>
+              <a:rPr lang="en-US" noProof="0" dirty="0" err="1"/>
+              <a:t>writelines</a:t>
+            </a:r>
+            <a:r>
+              <a:rPr lang="en-US" noProof="0" dirty="0"/>
+              <a:t> so that it would immediately be printed when it was executed without losing ourselves in breakpoints.</a:t>
             </a:r>
           </a:p>
           <a:p>
@@ -4158,80 +4173,231 @@
           <a:p>
             <a:r>
               <a:rPr lang="en-US" noProof="0" dirty="0"/>
-              <a:t>The execution order can be a though one if you would start combining the different executions, but if you do, you will most likely have your reasons but pay attention order matters in this case.</a:t>
-            </a:r>
-          </a:p>
-          <a:p>
+              <a:t>At startup you can clearly see we have three </a:t>
+            </a:r>
+            <a:r>
+              <a:rPr lang="en-US" noProof="0" dirty="0" err="1"/>
+              <a:t>uniqueidentifiers</a:t>
+            </a:r>
+            <a:r>
+              <a:rPr lang="en-US" noProof="0" dirty="0"/>
+              <a:t> pointing to the three configured options in this case.</a:t>
+            </a:r>
+          </a:p>
+          <a:p>
+            <a:r>
+              <a:rPr lang="en-US" noProof="0" dirty="0"/>
+              <a:t>Hit the order monitor endpoint </a:t>
+            </a:r>
+            <a:r>
+              <a:rPr lang="en-US" noProof="0" dirty="0">
+                <a:sym typeface="Wingdings" panose="05000000000000000000" pitchFamily="2" charset="2"/>
+              </a:rPr>
+              <a:t> this reveals that these options were configured during the startup.</a:t>
+            </a:r>
             <a:endParaRPr lang="en-US" noProof="0" dirty="0"/>
           </a:p>
           <a:p>
+            <a:endParaRPr lang="en-US" noProof="0" dirty="0"/>
+          </a:p>
+          <a:p>
             <a:r>
               <a:rPr lang="en-US" noProof="0" dirty="0"/>
-              <a:t>All the configure steps, </a:t>
-            </a:r>
-            <a:r>
-              <a:rPr lang="en-US" b="1" i="1" noProof="0" dirty="0"/>
-              <a:t>Configure, </a:t>
-            </a:r>
-            <a:r>
-              <a:rPr lang="en-US" b="1" i="1" noProof="0" dirty="0" err="1"/>
-              <a:t>ConfigureAll</a:t>
-            </a:r>
-            <a:r>
-              <a:rPr lang="en-US" b="1" i="1" noProof="0" dirty="0"/>
-              <a:t>&lt;T&gt; &amp; Configure&lt;T</a:t>
-            </a:r>
-            <a:r>
-              <a:rPr lang="en-US" b="0" i="1" noProof="0" dirty="0"/>
-              <a:t>&gt;</a:t>
-            </a:r>
-            <a:r>
-              <a:rPr lang="en-US" b="0" noProof="0" dirty="0"/>
-              <a:t>,</a:t>
-            </a:r>
-            <a:r>
-              <a:rPr lang="en-US" noProof="0" dirty="0"/>
-              <a:t> no matter where they are, are executed before the post configure step in the order they were added.</a:t>
-            </a:r>
-          </a:p>
-          <a:p>
-            <a:r>
-              <a:rPr lang="en-US" noProof="0" dirty="0"/>
-              <a:t>The same applies for the post configure.</a:t>
-            </a:r>
-          </a:p>
-          <a:p>
-            <a:endParaRPr lang="en-US" noProof="0" dirty="0"/>
-          </a:p>
-          <a:p>
-            <a:r>
-              <a:rPr lang="en-US" noProof="0" dirty="0"/>
-              <a:t>All the configure steps are done before the validation takes places, so if there is a common thing that will make your configuration valid this can be applied upfront.</a:t>
-            </a:r>
-          </a:p>
-          <a:p>
-            <a:endParaRPr lang="en-US" noProof="0" dirty="0"/>
-          </a:p>
-          <a:p>
-            <a:r>
-              <a:rPr lang="en-US" noProof="0" dirty="0"/>
-              <a:t>For the </a:t>
-            </a:r>
-            <a:r>
-              <a:rPr lang="en-US" noProof="0" dirty="0" err="1"/>
-              <a:t>IServiceCollection</a:t>
-            </a:r>
-            <a:r>
-              <a:rPr lang="en-US" noProof="0" dirty="0"/>
-              <a:t> </a:t>
-            </a:r>
-            <a:r>
-              <a:rPr lang="en-US" noProof="0" dirty="0" err="1"/>
-              <a:t>PostConfigure</a:t>
-            </a:r>
-            <a:r>
-              <a:rPr lang="en-US" noProof="0" dirty="0"/>
-              <a:t> and Configure step, there is a distinct difference between named and unnamed, meaning if you configure one named it will only be applied for the named one. An unnamed one is only targeted by the one added without name.</a:t>
+              <a:t>Do the same for the snapshot endpoint </a:t>
+            </a:r>
+            <a:r>
+              <a:rPr lang="en-US" noProof="0" dirty="0">
+                <a:sym typeface="Wingdings" panose="05000000000000000000" pitchFamily="2" charset="2"/>
+              </a:rPr>
+              <a:t> this reveals that these options are always validated on the endpoint request as the documentation also suggested and that all configuration steps are done as well.</a:t>
+            </a:r>
+          </a:p>
+          <a:p>
+            <a:endParaRPr lang="en-US" noProof="0" dirty="0">
+              <a:sym typeface="Wingdings" panose="05000000000000000000" pitchFamily="2" charset="2"/>
+            </a:endParaRPr>
+          </a:p>
+          <a:p>
+            <a:r>
+              <a:rPr lang="en-US" sz="1800" dirty="0">
+                <a:solidFill>
+                  <a:srgbClr val="000000"/>
+                </a:solidFill>
+                <a:latin typeface="Cascadia Mono" panose="020B0609020000020004" pitchFamily="49" charset="0"/>
+              </a:rPr>
+              <a:t>With all this combined knowledge we can now go for the final thing and this one is what made me fond of this implementation.</a:t>
+            </a:r>
+          </a:p>
+          <a:p>
+            <a:r>
+              <a:rPr lang="en-US" sz="1800" dirty="0">
+                <a:solidFill>
+                  <a:srgbClr val="000000"/>
+                </a:solidFill>
+                <a:latin typeface="Cascadia Mono" panose="020B0609020000020004" pitchFamily="49" charset="0"/>
+              </a:rPr>
+              <a:t>We will now load the previously configured monitored options and retrieve them into the </a:t>
+            </a:r>
+            <a:r>
+              <a:rPr lang="en-US" sz="1800" dirty="0" err="1">
+                <a:solidFill>
+                  <a:srgbClr val="000000"/>
+                </a:solidFill>
+                <a:latin typeface="Cascadia Mono" panose="020B0609020000020004" pitchFamily="49" charset="0"/>
+              </a:rPr>
+              <a:t>FinalOptions</a:t>
+            </a:r>
+            <a:r>
+              <a:rPr lang="en-US" sz="1800" dirty="0">
+                <a:solidFill>
+                  <a:srgbClr val="000000"/>
+                </a:solidFill>
+                <a:latin typeface="Cascadia Mono" panose="020B0609020000020004" pitchFamily="49" charset="0"/>
+              </a:rPr>
+              <a:t>.</a:t>
+            </a:r>
+          </a:p>
+          <a:p>
+            <a:endParaRPr lang="en-US" sz="1800" dirty="0">
+              <a:solidFill>
+                <a:srgbClr val="000000"/>
+              </a:solidFill>
+              <a:latin typeface="Cascadia Mono" panose="020B0609020000020004" pitchFamily="49" charset="0"/>
+            </a:endParaRPr>
+          </a:p>
+          <a:p>
+            <a:endParaRPr lang="en-US" sz="1800" dirty="0">
+              <a:solidFill>
+                <a:srgbClr val="000000"/>
+              </a:solidFill>
+              <a:latin typeface="Cascadia Mono" panose="020B0609020000020004" pitchFamily="49" charset="0"/>
+            </a:endParaRPr>
+          </a:p>
+          <a:p>
+            <a:r>
+              <a:rPr lang="en-US" sz="1800" b="1" dirty="0">
+                <a:solidFill>
+                  <a:srgbClr val="000000"/>
+                </a:solidFill>
+                <a:latin typeface="Cascadia Mono" panose="020B0609020000020004" pitchFamily="49" charset="0"/>
+              </a:rPr>
+              <a:t>TODO: </a:t>
+            </a:r>
+            <a:r>
+              <a:rPr lang="en-US" sz="1800" dirty="0">
+                <a:solidFill>
+                  <a:srgbClr val="000000"/>
+                </a:solidFill>
+                <a:latin typeface="Cascadia Mono" panose="020B0609020000020004" pitchFamily="49" charset="0"/>
+              </a:rPr>
+              <a:t>Demonstrate a bad final options to show the load with a named (“bad”) and then the good one (“good”)</a:t>
+            </a:r>
+          </a:p>
+          <a:p>
+            <a:endParaRPr lang="en-US" sz="1800" dirty="0">
+              <a:solidFill>
+                <a:srgbClr val="000000"/>
+              </a:solidFill>
+              <a:latin typeface="Cascadia Mono" panose="020B0609020000020004" pitchFamily="49" charset="0"/>
+            </a:endParaRPr>
+          </a:p>
+          <a:p>
+            <a:endParaRPr lang="en-US" sz="1800" dirty="0">
+              <a:solidFill>
+                <a:srgbClr val="000000"/>
+              </a:solidFill>
+              <a:latin typeface="Cascadia Mono" panose="020B0609020000020004" pitchFamily="49" charset="0"/>
+            </a:endParaRPr>
+          </a:p>
+          <a:p>
+            <a:r>
+              <a:rPr lang="en-US" sz="1800" dirty="0">
+                <a:solidFill>
+                  <a:srgbClr val="000000"/>
+                </a:solidFill>
+                <a:latin typeface="Cascadia Mono" panose="020B0609020000020004" pitchFamily="49" charset="0"/>
+              </a:rPr>
+              <a:t>It is just a simple case where we create some options where each has a custom configure step, in this example they are all the same, but they could be different.</a:t>
+            </a:r>
+          </a:p>
+          <a:p>
+            <a:r>
+              <a:rPr lang="en-US" sz="1800" dirty="0">
+                <a:solidFill>
+                  <a:srgbClr val="000000"/>
+                </a:solidFill>
+                <a:latin typeface="Cascadia Mono" panose="020B0609020000020004" pitchFamily="49" charset="0"/>
+              </a:rPr>
+              <a:t>The </a:t>
+            </a:r>
+            <a:r>
+              <a:rPr lang="en-US" sz="1800" dirty="0" err="1">
+                <a:solidFill>
+                  <a:srgbClr val="000000"/>
+                </a:solidFill>
+                <a:latin typeface="Cascadia Mono" panose="020B0609020000020004" pitchFamily="49" charset="0"/>
+              </a:rPr>
+              <a:t>finaloptions</a:t>
+            </a:r>
+            <a:r>
+              <a:rPr lang="en-US" sz="1800" dirty="0">
+                <a:solidFill>
+                  <a:srgbClr val="000000"/>
+                </a:solidFill>
+                <a:latin typeface="Cascadia Mono" panose="020B0609020000020004" pitchFamily="49" charset="0"/>
+              </a:rPr>
+              <a:t> is picking up configuration as well and in its configuration phase where it is referencing the other options.</a:t>
+            </a:r>
+          </a:p>
+          <a:p>
+            <a:r>
+              <a:rPr lang="en-US" sz="1800" dirty="0">
+                <a:solidFill>
+                  <a:srgbClr val="000000"/>
+                </a:solidFill>
+                <a:latin typeface="Cascadia Mono" panose="020B0609020000020004" pitchFamily="49" charset="0"/>
+              </a:rPr>
+              <a:t>So, this is not just an option created by an </a:t>
+            </a:r>
+            <a:r>
+              <a:rPr lang="en-US" sz="1800" dirty="0" err="1">
+                <a:solidFill>
+                  <a:srgbClr val="000000"/>
+                </a:solidFill>
+                <a:latin typeface="Cascadia Mono" panose="020B0609020000020004" pitchFamily="49" charset="0"/>
+              </a:rPr>
+              <a:t>IConfiguration</a:t>
+            </a:r>
+            <a:r>
+              <a:rPr lang="en-US" sz="1800" dirty="0">
+                <a:solidFill>
+                  <a:srgbClr val="000000"/>
+                </a:solidFill>
+                <a:latin typeface="Cascadia Mono" panose="020B0609020000020004" pitchFamily="49" charset="0"/>
+              </a:rPr>
+              <a:t>, it also requires some features specific from your DI container in so that it can resolve itself.</a:t>
+            </a:r>
+          </a:p>
+          <a:p>
+            <a:r>
+              <a:rPr lang="en-US" sz="1800" dirty="0">
+                <a:solidFill>
+                  <a:srgbClr val="000000"/>
+                </a:solidFill>
+                <a:latin typeface="Cascadia Mono" panose="020B0609020000020004" pitchFamily="49" charset="0"/>
+              </a:rPr>
+              <a:t>If you think this is an odd case out. We needed this for some health checks which depended upon the options of other options, but those had an additional configuration check which could only be resolved after data was injected via the pipeline.</a:t>
+            </a:r>
+          </a:p>
+          <a:p>
+            <a:r>
+              <a:rPr lang="en-US" sz="1800" dirty="0">
+                <a:solidFill>
+                  <a:srgbClr val="000000"/>
+                </a:solidFill>
+                <a:latin typeface="Cascadia Mono" panose="020B0609020000020004" pitchFamily="49" charset="0"/>
+              </a:rPr>
+              <a:t>We could have duplicated this logic in the in the final option. But it felt wrong as it was not the responsibility of the final options to correct one of its dependent options as this was also environment dependent.</a:t>
             </a:r>
           </a:p>
         </p:txBody>
@@ -4263,7 +4429,7 @@
     </p:spTree>
     <p:extLst>
       <p:ext uri="{BB962C8B-B14F-4D97-AF65-F5344CB8AC3E}">
-        <p14:creationId xmlns:p14="http://schemas.microsoft.com/office/powerpoint/2010/main" val="2262911009"/>
+        <p14:creationId xmlns:p14="http://schemas.microsoft.com/office/powerpoint/2010/main" val="1636999038"/>
       </p:ext>
     </p:extLst>
   </p:cSld>
@@ -4423,258 +4589,141 @@
           <a:lstStyle/>
           <a:p>
             <a:r>
-              <a:rPr lang="en-US" noProof="0" dirty="0"/>
-              <a:t>This time we use the </a:t>
-            </a:r>
-            <a:r>
-              <a:rPr lang="en-US" noProof="0" dirty="0" err="1"/>
-              <a:t>MyOptions</a:t>
-            </a:r>
-            <a:r>
-              <a:rPr lang="en-US" noProof="0" dirty="0"/>
-              <a:t> class again, but I’ve added all the flavors I could think of to demonstrate how this would behave. I had to add the console </a:t>
-            </a:r>
-            <a:r>
-              <a:rPr lang="en-US" noProof="0" dirty="0" err="1"/>
-              <a:t>writelines</a:t>
-            </a:r>
-            <a:r>
-              <a:rPr lang="en-US" noProof="0" dirty="0"/>
-              <a:t> so that it would immediately be printed when it was executed without losing ourselves in breakpoints.</a:t>
-            </a:r>
-          </a:p>
-          <a:p>
-            <a:endParaRPr lang="en-US" noProof="0" dirty="0"/>
-          </a:p>
-          <a:p>
-            <a:r>
-              <a:rPr lang="en-US" noProof="0" dirty="0"/>
-              <a:t>At startup you can clearly see we have three </a:t>
-            </a:r>
-            <a:r>
-              <a:rPr lang="en-US" noProof="0" dirty="0" err="1"/>
-              <a:t>uniqueidentifiers</a:t>
-            </a:r>
-            <a:r>
-              <a:rPr lang="en-US" noProof="0" dirty="0"/>
-              <a:t> pointing to the three configured options in this case.</a:t>
-            </a:r>
-          </a:p>
-          <a:p>
-            <a:r>
-              <a:rPr lang="en-US" noProof="0" dirty="0"/>
-              <a:t>Hit the order monitor endpoint </a:t>
-            </a:r>
-            <a:r>
-              <a:rPr lang="en-US" noProof="0" dirty="0">
-                <a:sym typeface="Wingdings" panose="05000000000000000000" pitchFamily="2" charset="2"/>
-              </a:rPr>
-              <a:t> this reveals that these options were configured during the startup.</a:t>
-            </a:r>
-            <a:endParaRPr lang="en-US" noProof="0" dirty="0"/>
-          </a:p>
-          <a:p>
-            <a:endParaRPr lang="en-US" noProof="0" dirty="0"/>
-          </a:p>
-          <a:p>
-            <a:r>
-              <a:rPr lang="en-US" noProof="0" dirty="0"/>
-              <a:t>Do the same for the snapshot endpoint </a:t>
-            </a:r>
-            <a:r>
-              <a:rPr lang="en-US" noProof="0" dirty="0">
-                <a:sym typeface="Wingdings" panose="05000000000000000000" pitchFamily="2" charset="2"/>
-              </a:rPr>
-              <a:t> this reveals that these options are always validated on the endpoint request as the documentation also suggested and that all configuration steps are done as well.</a:t>
-            </a:r>
-          </a:p>
-          <a:p>
-            <a:endParaRPr lang="en-US" noProof="0" dirty="0">
-              <a:sym typeface="Wingdings" panose="05000000000000000000" pitchFamily="2" charset="2"/>
+              <a:rPr lang="nl-BE" dirty="0"/>
+              <a:t>So lets wrap this up, we started by discussing IConfiguration, highlighting its shortcomings as well.</a:t>
+            </a:r>
+          </a:p>
+          <a:p>
+            <a:r>
+              <a:rPr lang="nl-BE" dirty="0"/>
+              <a:t>We demonstrated how you could create a custom provider if needed.</a:t>
+            </a:r>
+          </a:p>
+          <a:p>
+            <a:endParaRPr lang="nl-BE" dirty="0"/>
+          </a:p>
+          <a:p>
+            <a:r>
+              <a:rPr lang="nl-BE" dirty="0"/>
+              <a:t>We then moved on to binding the configuration to an object, which set the stage for introducing IOptions.</a:t>
+            </a:r>
+          </a:p>
+          <a:p>
+            <a:endParaRPr lang="nl-BE" dirty="0"/>
+          </a:p>
+          <a:p>
+            <a:r>
+              <a:rPr lang="en-US" b="0" i="0" dirty="0">
+                <a:solidFill>
+                  <a:srgbClr val="242424"/>
+                </a:solidFill>
+                <a:effectLst/>
+                <a:latin typeface="Segoe UI" panose="020B0502040204020203" pitchFamily="34" charset="0"/>
+              </a:rPr>
+              <a:t>We highlighted the benefits of using options and demonstrated the different types available.</a:t>
+            </a:r>
+          </a:p>
+          <a:p>
+            <a:r>
+              <a:rPr lang="en-US" b="0" i="0" dirty="0">
+                <a:solidFill>
+                  <a:srgbClr val="242424"/>
+                </a:solidFill>
+                <a:effectLst/>
+                <a:latin typeface="Segoe UI" panose="020B0502040204020203" pitchFamily="34" charset="0"/>
+              </a:rPr>
+              <a:t>We also covered how to validate them and briefly touched on preparing for an AOT build.</a:t>
+            </a:r>
+            <a:endParaRPr lang="nl-BE" b="0" i="0" dirty="0">
+              <a:solidFill>
+                <a:srgbClr val="242424"/>
+              </a:solidFill>
+              <a:effectLst/>
+              <a:latin typeface="Segoe UI" panose="020B0502040204020203" pitchFamily="34" charset="0"/>
             </a:endParaRPr>
           </a:p>
           <a:p>
-            <a:r>
-              <a:rPr lang="en-US" sz="1800" dirty="0">
-                <a:solidFill>
-                  <a:srgbClr val="000000"/>
-                </a:solidFill>
-                <a:latin typeface="Cascadia Mono" panose="020B0609020000020004" pitchFamily="49" charset="0"/>
-              </a:rPr>
-              <a:t>With all this combined knowledge we can now go for the final thing and this one is what made me fond of this implementation.</a:t>
-            </a:r>
-          </a:p>
-          <a:p>
-            <a:r>
-              <a:rPr lang="en-US" sz="1800" dirty="0">
-                <a:solidFill>
-                  <a:srgbClr val="000000"/>
-                </a:solidFill>
-                <a:latin typeface="Cascadia Mono" panose="020B0609020000020004" pitchFamily="49" charset="0"/>
-              </a:rPr>
-              <a:t>We will now load the previously configured monitored options and retrieve them into the </a:t>
-            </a:r>
-            <a:r>
-              <a:rPr lang="en-US" sz="1800" dirty="0" err="1">
-                <a:solidFill>
-                  <a:srgbClr val="000000"/>
-                </a:solidFill>
-                <a:latin typeface="Cascadia Mono" panose="020B0609020000020004" pitchFamily="49" charset="0"/>
-              </a:rPr>
-              <a:t>FinalOptions</a:t>
-            </a:r>
-            <a:r>
-              <a:rPr lang="en-US" sz="1800" dirty="0">
-                <a:solidFill>
-                  <a:srgbClr val="000000"/>
-                </a:solidFill>
-                <a:latin typeface="Cascadia Mono" panose="020B0609020000020004" pitchFamily="49" charset="0"/>
+            <a:endParaRPr lang="nl-BE" dirty="0"/>
+          </a:p>
+          <a:p>
+            <a:r>
+              <a:rPr lang="en-US" b="0" i="0" dirty="0">
+                <a:solidFill>
+                  <a:srgbClr val="242424"/>
+                </a:solidFill>
+                <a:effectLst/>
+                <a:latin typeface="Segoe UI" panose="020B0502040204020203" pitchFamily="34" charset="0"/>
+              </a:rPr>
+              <a:t>Finally, we ended with a configuration demo on the options to showcase the possibilities.</a:t>
+            </a:r>
+          </a:p>
+          <a:p>
+            <a:endParaRPr lang="en-US" b="0" i="0" dirty="0">
+              <a:solidFill>
+                <a:srgbClr val="242424"/>
+              </a:solidFill>
+              <a:effectLst/>
+              <a:latin typeface="Segoe UI" panose="020B0502040204020203" pitchFamily="34" charset="0"/>
+            </a:endParaRPr>
+          </a:p>
+          <a:p>
+            <a:r>
+              <a:rPr lang="en-US" b="0" i="0" dirty="0">
+                <a:solidFill>
+                  <a:srgbClr val="242424"/>
+                </a:solidFill>
+                <a:effectLst/>
+                <a:latin typeface="Segoe UI" panose="020B0502040204020203" pitchFamily="34" charset="0"/>
+              </a:rPr>
+              <a:t>This revealed that to fully benefit from </a:t>
+            </a:r>
+            <a:r>
+              <a:rPr lang="en-US" b="1" i="0" dirty="0" err="1">
+                <a:solidFill>
+                  <a:srgbClr val="242424"/>
+                </a:solidFill>
+                <a:effectLst/>
+                <a:latin typeface="Segoe UI" panose="020B0502040204020203" pitchFamily="34" charset="0"/>
+              </a:rPr>
+              <a:t>IOptions</a:t>
+            </a:r>
+            <a:r>
+              <a:rPr lang="en-US" b="0" i="0" dirty="0">
+                <a:solidFill>
+                  <a:srgbClr val="242424"/>
+                </a:solidFill>
+                <a:effectLst/>
+                <a:latin typeface="Segoe UI" panose="020B0502040204020203" pitchFamily="34" charset="0"/>
+              </a:rPr>
+              <a:t>, you also need to understand and utilize </a:t>
+            </a:r>
+            <a:r>
+              <a:rPr lang="en-US" b="1" i="0" dirty="0" err="1">
+                <a:solidFill>
+                  <a:srgbClr val="242424"/>
+                </a:solidFill>
+                <a:effectLst/>
+                <a:latin typeface="Segoe UI" panose="020B0502040204020203" pitchFamily="34" charset="0"/>
+              </a:rPr>
+              <a:t>IConfiguration</a:t>
+            </a:r>
+            <a:r>
+              <a:rPr lang="en-US" b="1" i="0" dirty="0">
+                <a:solidFill>
+                  <a:srgbClr val="242424"/>
+                </a:solidFill>
+                <a:effectLst/>
+                <a:latin typeface="Segoe UI" panose="020B0502040204020203" pitchFamily="34" charset="0"/>
               </a:rPr>
               <a:t>.</a:t>
             </a:r>
-          </a:p>
-          <a:p>
-            <a:endParaRPr lang="en-US" sz="1800" dirty="0">
+            <a:endParaRPr lang="nl-BE" b="0" i="0" dirty="0">
               <a:solidFill>
-                <a:srgbClr val="000000"/>
+                <a:srgbClr val="242424"/>
               </a:solidFill>
-              <a:latin typeface="Cascadia Mono" panose="020B0609020000020004" pitchFamily="49" charset="0"/>
+              <a:effectLst/>
+              <a:latin typeface="Segoe UI" panose="020B0502040204020203" pitchFamily="34" charset="0"/>
             </a:endParaRPr>
-          </a:p>
-          <a:p>
-            <a:endParaRPr lang="en-US" sz="1800" dirty="0">
-              <a:solidFill>
-                <a:srgbClr val="000000"/>
-              </a:solidFill>
-              <a:latin typeface="Cascadia Mono" panose="020B0609020000020004" pitchFamily="49" charset="0"/>
-            </a:endParaRPr>
-          </a:p>
-          <a:p>
-            <a:r>
-              <a:rPr lang="en-US" sz="1800" b="1" dirty="0">
-                <a:solidFill>
-                  <a:srgbClr val="000000"/>
-                </a:solidFill>
-                <a:latin typeface="Cascadia Mono" panose="020B0609020000020004" pitchFamily="49" charset="0"/>
-              </a:rPr>
-              <a:t>TODO: </a:t>
-            </a:r>
-            <a:r>
-              <a:rPr lang="en-US" sz="1800" dirty="0">
-                <a:solidFill>
-                  <a:srgbClr val="000000"/>
-                </a:solidFill>
-                <a:latin typeface="Cascadia Mono" panose="020B0609020000020004" pitchFamily="49" charset="0"/>
-              </a:rPr>
-              <a:t>Demonstrate a bad final options to show the load with a named (“bad”) and then the good one (“good”)</a:t>
-            </a:r>
-          </a:p>
-          <a:p>
-            <a:endParaRPr lang="en-US" sz="1800" dirty="0">
-              <a:solidFill>
-                <a:srgbClr val="000000"/>
-              </a:solidFill>
-              <a:latin typeface="Cascadia Mono" panose="020B0609020000020004" pitchFamily="49" charset="0"/>
-            </a:endParaRPr>
-          </a:p>
-          <a:p>
-            <a:endParaRPr lang="en-US" sz="1800" dirty="0">
-              <a:solidFill>
-                <a:srgbClr val="000000"/>
-              </a:solidFill>
-              <a:latin typeface="Cascadia Mono" panose="020B0609020000020004" pitchFamily="49" charset="0"/>
-            </a:endParaRPr>
-          </a:p>
-          <a:p>
-            <a:r>
-              <a:rPr lang="en-US" sz="1800" dirty="0">
-                <a:solidFill>
-                  <a:srgbClr val="000000"/>
-                </a:solidFill>
-                <a:latin typeface="Cascadia Mono" panose="020B0609020000020004" pitchFamily="49" charset="0"/>
-              </a:rPr>
-              <a:t>It is just a simple case where we create some options where each has a custom configure step, in this example they are all the same, but they could be different.</a:t>
-            </a:r>
-          </a:p>
-          <a:p>
-            <a:r>
-              <a:rPr lang="en-US" sz="1800" dirty="0">
-                <a:solidFill>
-                  <a:srgbClr val="000000"/>
-                </a:solidFill>
-                <a:latin typeface="Cascadia Mono" panose="020B0609020000020004" pitchFamily="49" charset="0"/>
-              </a:rPr>
-              <a:t>The </a:t>
-            </a:r>
-            <a:r>
-              <a:rPr lang="en-US" sz="1800" dirty="0" err="1">
-                <a:solidFill>
-                  <a:srgbClr val="000000"/>
-                </a:solidFill>
-                <a:latin typeface="Cascadia Mono" panose="020B0609020000020004" pitchFamily="49" charset="0"/>
-              </a:rPr>
-              <a:t>finaloptions</a:t>
-            </a:r>
-            <a:r>
-              <a:rPr lang="en-US" sz="1800" dirty="0">
-                <a:solidFill>
-                  <a:srgbClr val="000000"/>
-                </a:solidFill>
-                <a:latin typeface="Cascadia Mono" panose="020B0609020000020004" pitchFamily="49" charset="0"/>
-              </a:rPr>
-              <a:t> is picking up configuration as well and in its configuration phase where it is referencing the other options.</a:t>
-            </a:r>
-          </a:p>
-          <a:p>
-            <a:r>
-              <a:rPr lang="en-US" sz="1800" dirty="0">
-                <a:solidFill>
-                  <a:srgbClr val="000000"/>
-                </a:solidFill>
-                <a:latin typeface="Cascadia Mono" panose="020B0609020000020004" pitchFamily="49" charset="0"/>
-              </a:rPr>
-              <a:t>So, this is not just an option created by an </a:t>
-            </a:r>
-            <a:r>
-              <a:rPr lang="en-US" sz="1800" dirty="0" err="1">
-                <a:solidFill>
-                  <a:srgbClr val="000000"/>
-                </a:solidFill>
-                <a:latin typeface="Cascadia Mono" panose="020B0609020000020004" pitchFamily="49" charset="0"/>
-              </a:rPr>
-              <a:t>IConfiguration</a:t>
-            </a:r>
-            <a:r>
-              <a:rPr lang="en-US" sz="1800" dirty="0">
-                <a:solidFill>
-                  <a:srgbClr val="000000"/>
-                </a:solidFill>
-                <a:latin typeface="Cascadia Mono" panose="020B0609020000020004" pitchFamily="49" charset="0"/>
-              </a:rPr>
-              <a:t>, it also requires some features specific from your DI container in so that it can resolve itself.</a:t>
-            </a:r>
-          </a:p>
-          <a:p>
-            <a:r>
-              <a:rPr lang="en-US" sz="1800" dirty="0">
-                <a:solidFill>
-                  <a:srgbClr val="000000"/>
-                </a:solidFill>
-                <a:latin typeface="Cascadia Mono" panose="020B0609020000020004" pitchFamily="49" charset="0"/>
-              </a:rPr>
-              <a:t>If you think this is an odd case out. We needed this for some health checks which depended upon the options of other options, but those had an additional configuration check which could only be resolved after data was injected via the pipeline.</a:t>
-            </a:r>
-          </a:p>
-          <a:p>
-            <a:r>
-              <a:rPr lang="en-US" sz="1800" dirty="0">
-                <a:solidFill>
-                  <a:srgbClr val="000000"/>
-                </a:solidFill>
-                <a:latin typeface="Cascadia Mono" panose="020B0609020000020004" pitchFamily="49" charset="0"/>
-              </a:rPr>
-              <a:t>We could have duplicated this logic in the in the final option. But it felt wrong as it was not the responsibility of the final options to correct one of its dependent options as this was also environment dependent.</a:t>
-            </a:r>
           </a:p>
         </p:txBody>
       </p:sp>
@@ -4705,7 +4754,7 @@
     </p:spTree>
     <p:extLst>
       <p:ext uri="{BB962C8B-B14F-4D97-AF65-F5344CB8AC3E}">
-        <p14:creationId xmlns:p14="http://schemas.microsoft.com/office/powerpoint/2010/main" val="1636999038"/>
+        <p14:creationId xmlns:p14="http://schemas.microsoft.com/office/powerpoint/2010/main" val="4270673396"/>
       </p:ext>
     </p:extLst>
   </p:cSld>
@@ -4760,30 +4809,6 @@
           <a:lstStyle/>
           <a:p>
             <a:r>
-              <a:rPr lang="nl-BE" dirty="0"/>
-              <a:t>So lets wrap this up, we started by discussing IConfiguration, highlighting its shortcomings as well.</a:t>
-            </a:r>
-          </a:p>
-          <a:p>
-            <a:r>
-              <a:rPr lang="nl-BE" dirty="0"/>
-              <a:t>We demonstrated how you could create a custom provider if needed.</a:t>
-            </a:r>
-          </a:p>
-          <a:p>
-            <a:endParaRPr lang="nl-BE" dirty="0"/>
-          </a:p>
-          <a:p>
-            <a:r>
-              <a:rPr lang="nl-BE" dirty="0"/>
-              <a:t>We then moved on to binding the configuration to an object, which set the stage for introducing IOptions.</a:t>
-            </a:r>
-          </a:p>
-          <a:p>
-            <a:endParaRPr lang="nl-BE" dirty="0"/>
-          </a:p>
-          <a:p>
-            <a:r>
               <a:rPr lang="en-US" b="0" i="0" dirty="0">
                 <a:solidFill>
                   <a:srgbClr val="242424"/>
@@ -4791,7 +4816,7 @@
                 <a:effectLst/>
                 <a:latin typeface="Segoe UI" panose="020B0502040204020203" pitchFamily="34" charset="0"/>
               </a:rPr>
-              <a:t>We highlighted the benefits of using options and demonstrated the different types available.</a:t>
+              <a:t>Thank you for your attention. Now, let's open the floor for any questions you might have.</a:t>
             </a:r>
           </a:p>
           <a:p>
@@ -4803,98 +4828,9 @@
                 <a:effectLst/>
                 <a:latin typeface="Segoe UI" panose="020B0502040204020203" pitchFamily="34" charset="0"/>
               </a:rPr>
-              <a:t>We also covered how to validate them and briefly touched on preparing for an AOT build.</a:t>
-            </a:r>
-            <a:endParaRPr lang="nl-BE" b="0" i="0" dirty="0">
-              <a:solidFill>
-                <a:srgbClr val="242424"/>
-              </a:solidFill>
-              <a:effectLst/>
-              <a:latin typeface="Segoe UI" panose="020B0502040204020203" pitchFamily="34" charset="0"/>
-            </a:endParaRPr>
-          </a:p>
-          <a:p>
+              <a:t>If you would like to go through the slides or source code at your own pace, feel free to scan the QR code.</a:t>
+            </a:r>
             <a:endParaRPr lang="nl-BE" dirty="0"/>
-          </a:p>
-          <a:p>
-            <a:r>
-              <a:rPr lang="en-US" b="0" i="0" dirty="0">
-                <a:solidFill>
-                  <a:srgbClr val="242424"/>
-                </a:solidFill>
-                <a:effectLst/>
-                <a:latin typeface="Segoe UI" panose="020B0502040204020203" pitchFamily="34" charset="0"/>
-              </a:rPr>
-              <a:t>Finally, we ended with a configuration demo on the options to showcase the possibilities.</a:t>
-            </a:r>
-          </a:p>
-          <a:p>
-            <a:endParaRPr lang="en-US" b="0" i="0" dirty="0">
-              <a:solidFill>
-                <a:srgbClr val="242424"/>
-              </a:solidFill>
-              <a:effectLst/>
-              <a:latin typeface="Segoe UI" panose="020B0502040204020203" pitchFamily="34" charset="0"/>
-            </a:endParaRPr>
-          </a:p>
-          <a:p>
-            <a:r>
-              <a:rPr lang="en-US" b="0" i="0" dirty="0">
-                <a:solidFill>
-                  <a:srgbClr val="242424"/>
-                </a:solidFill>
-                <a:effectLst/>
-                <a:latin typeface="Segoe UI" panose="020B0502040204020203" pitchFamily="34" charset="0"/>
-              </a:rPr>
-              <a:t>This revealed that to fully benefit from </a:t>
-            </a:r>
-            <a:r>
-              <a:rPr lang="en-US" b="1" i="0" dirty="0" err="1">
-                <a:solidFill>
-                  <a:srgbClr val="242424"/>
-                </a:solidFill>
-                <a:effectLst/>
-                <a:latin typeface="Segoe UI" panose="020B0502040204020203" pitchFamily="34" charset="0"/>
-              </a:rPr>
-              <a:t>IOptions</a:t>
-            </a:r>
-            <a:r>
-              <a:rPr lang="en-US" b="0" i="0" dirty="0">
-                <a:solidFill>
-                  <a:srgbClr val="242424"/>
-                </a:solidFill>
-                <a:effectLst/>
-                <a:latin typeface="Segoe UI" panose="020B0502040204020203" pitchFamily="34" charset="0"/>
-              </a:rPr>
-              <a:t>, you also need to understand and utilize </a:t>
-            </a:r>
-            <a:r>
-              <a:rPr lang="en-US" b="1" i="0" dirty="0" err="1">
-                <a:solidFill>
-                  <a:srgbClr val="242424"/>
-                </a:solidFill>
-                <a:effectLst/>
-                <a:latin typeface="Segoe UI" panose="020B0502040204020203" pitchFamily="34" charset="0"/>
-              </a:rPr>
-              <a:t>IConfiguration</a:t>
-            </a:r>
-            <a:r>
-              <a:rPr lang="en-US" b="1" i="0" dirty="0">
-                <a:solidFill>
-                  <a:srgbClr val="242424"/>
-                </a:solidFill>
-                <a:effectLst/>
-                <a:latin typeface="Segoe UI" panose="020B0502040204020203" pitchFamily="34" charset="0"/>
-              </a:rPr>
-              <a:t>.</a:t>
-            </a:r>
-            <a:endParaRPr lang="nl-BE" b="0" i="0" dirty="0">
-              <a:solidFill>
-                <a:srgbClr val="242424"/>
-              </a:solidFill>
-              <a:effectLst/>
-              <a:latin typeface="Segoe UI" panose="020B0502040204020203" pitchFamily="34" charset="0"/>
-            </a:endParaRPr>
           </a:p>
         </p:txBody>
       </p:sp>
@@ -4917,113 +4853,6 @@
               <a:rPr lang="de-DE" smtClean="0"/>
               <a:pPr/>
               <a:t>21</a:t>
-            </a:fld>
-            <a:endParaRPr lang="de-DE" dirty="0"/>
-          </a:p>
-        </p:txBody>
-      </p:sp>
-    </p:spTree>
-    <p:extLst>
-      <p:ext uri="{BB962C8B-B14F-4D97-AF65-F5344CB8AC3E}">
-        <p14:creationId xmlns:p14="http://schemas.microsoft.com/office/powerpoint/2010/main" val="4270673396"/>
-      </p:ext>
-    </p:extLst>
-  </p:cSld>
-  <p:clrMapOvr>
-    <a:masterClrMapping/>
-  </p:clrMapOvr>
-</p:notes>
-</file>
-
-<file path=ppt/notesSlides/notesSlide22.xml><?xml version="1.0" encoding="utf-8"?>
-<p:notes xmlns:a="http://schemas.openxmlformats.org/drawingml/2006/main" xmlns:r="http://schemas.openxmlformats.org/officeDocument/2006/relationships" xmlns:p="http://schemas.openxmlformats.org/presentationml/2006/main">
-  <p:cSld>
-    <p:spTree>
-      <p:nvGrpSpPr>
-        <p:cNvPr id="1" name=""/>
-        <p:cNvGrpSpPr/>
-        <p:nvPr/>
-      </p:nvGrpSpPr>
-      <p:grpSpPr>
-        <a:xfrm>
-          <a:off x="0" y="0"/>
-          <a:ext cx="0" cy="0"/>
-          <a:chOff x="0" y="0"/>
-          <a:chExt cx="0" cy="0"/>
-        </a:xfrm>
-      </p:grpSpPr>
-      <p:sp>
-        <p:nvSpPr>
-          <p:cNvPr id="2" name="Slide Image Placeholder 1"/>
-          <p:cNvSpPr>
-            <a:spLocks noGrp="1" noRot="1" noChangeAspect="1"/>
-          </p:cNvSpPr>
-          <p:nvPr>
-            <p:ph type="sldImg"/>
-          </p:nvPr>
-        </p:nvSpPr>
-        <p:spPr/>
-      </p:sp>
-      <p:sp>
-        <p:nvSpPr>
-          <p:cNvPr id="3" name="Notes Placeholder 2"/>
-          <p:cNvSpPr>
-            <a:spLocks noGrp="1"/>
-          </p:cNvSpPr>
-          <p:nvPr>
-            <p:ph type="body" idx="1"/>
-          </p:nvPr>
-        </p:nvSpPr>
-        <p:spPr/>
-        <p:txBody>
-          <a:bodyPr/>
-          <a:lstStyle/>
-          <a:p>
-            <a:r>
-              <a:rPr lang="en-US" b="0" i="0" dirty="0">
-                <a:solidFill>
-                  <a:srgbClr val="242424"/>
-                </a:solidFill>
-                <a:effectLst/>
-                <a:latin typeface="Segoe UI" panose="020B0502040204020203" pitchFamily="34" charset="0"/>
-              </a:rPr>
-              <a:t>Thank you for your attention. Now, let's open the floor for any questions you might have.</a:t>
-            </a:r>
-          </a:p>
-          <a:p>
-            <a:r>
-              <a:rPr lang="en-US" b="0" i="0" dirty="0">
-                <a:solidFill>
-                  <a:srgbClr val="242424"/>
-                </a:solidFill>
-                <a:effectLst/>
-                <a:latin typeface="Segoe UI" panose="020B0502040204020203" pitchFamily="34" charset="0"/>
-              </a:rPr>
-              <a:t>If you would like to go through the slides or source code at your own pace, feel free to scan the QR code.</a:t>
-            </a:r>
-            <a:endParaRPr lang="nl-BE" dirty="0"/>
-          </a:p>
-        </p:txBody>
-      </p:sp>
-      <p:sp>
-        <p:nvSpPr>
-          <p:cNvPr id="4" name="Slide Number Placeholder 3"/>
-          <p:cNvSpPr>
-            <a:spLocks noGrp="1"/>
-          </p:cNvSpPr>
-          <p:nvPr>
-            <p:ph type="sldNum" sz="quarter" idx="5"/>
-          </p:nvPr>
-        </p:nvSpPr>
-        <p:spPr/>
-        <p:txBody>
-          <a:bodyPr/>
-          <a:lstStyle/>
-          <a:p>
-            <a:fld id="{D61B4C21-2AF8-4513-9A88-12DEBB551087}" type="slidenum">
-              <a:rPr lang="de-DE" smtClean="0"/>
-              <a:pPr/>
-              <a:t>22</a:t>
             </a:fld>
             <a:endParaRPr lang="de-DE" dirty="0"/>
           </a:p>
@@ -6374,13 +6203,125 @@
           <a:bodyPr/>
           <a:lstStyle/>
           <a:p>
+            <a:r>
+              <a:rPr lang="en-US" noProof="0" dirty="0"/>
+              <a:t>When an application created with host or web application starts up, it typically loads resources in the following order</a:t>
+            </a:r>
+          </a:p>
+          <a:p>
+            <a:pPr marL="171450" indent="-171450">
+              <a:buFont typeface="Arial" panose="020B0604020202020204" pitchFamily="34" charset="0"/>
+              <a:buChar char="•"/>
+            </a:pPr>
+            <a:r>
+              <a:rPr lang="en-US" noProof="0" dirty="0"/>
+              <a:t>DOTNET_ or ASPNETCORE_ environment variable (this is used to determine the environment)</a:t>
+            </a:r>
+          </a:p>
+          <a:p>
+            <a:pPr marL="171450" indent="-171450">
+              <a:buFont typeface="Arial" panose="020B0604020202020204" pitchFamily="34" charset="0"/>
+              <a:buChar char="•"/>
+            </a:pPr>
+            <a:r>
+              <a:rPr lang="en-US" noProof="0" dirty="0" err="1"/>
+              <a:t>appsettings.json</a:t>
+            </a:r>
+            <a:endParaRPr lang="en-US" noProof="0" dirty="0"/>
+          </a:p>
+          <a:p>
+            <a:pPr marL="171450" indent="-171450">
+              <a:buFont typeface="Arial" panose="020B0604020202020204" pitchFamily="34" charset="0"/>
+              <a:buChar char="•"/>
+            </a:pPr>
+            <a:r>
+              <a:rPr lang="en-US" noProof="0" dirty="0" err="1"/>
+              <a:t>appsettings</a:t>
+            </a:r>
+            <a:r>
+              <a:rPr lang="en-US" noProof="0" dirty="0"/>
+              <a:t>.{environment}.</a:t>
+            </a:r>
+            <a:r>
+              <a:rPr lang="en-US" noProof="0" dirty="0" err="1"/>
+              <a:t>json</a:t>
+            </a:r>
+            <a:endParaRPr lang="en-US" noProof="0" dirty="0"/>
+          </a:p>
+          <a:p>
+            <a:pPr marL="171450" indent="-171450">
+              <a:buFont typeface="Arial" panose="020B0604020202020204" pitchFamily="34" charset="0"/>
+              <a:buChar char="•"/>
+            </a:pPr>
+            <a:r>
+              <a:rPr lang="en-US" noProof="0" dirty="0" err="1"/>
+              <a:t>secrets.json</a:t>
+            </a:r>
+            <a:r>
+              <a:rPr lang="en-US" noProof="0" dirty="0"/>
+              <a:t> (if you are in dev)</a:t>
+            </a:r>
+          </a:p>
+          <a:p>
+            <a:pPr marL="171450" indent="-171450">
+              <a:buFont typeface="Arial" panose="020B0604020202020204" pitchFamily="34" charset="0"/>
+              <a:buChar char="•"/>
+            </a:pPr>
+            <a:r>
+              <a:rPr lang="en-US" noProof="0" dirty="0"/>
+              <a:t>Environment variables</a:t>
+            </a:r>
+          </a:p>
+          <a:p>
+            <a:pPr marL="171450" indent="-171450">
+              <a:buFont typeface="Arial" panose="020B0604020202020204" pitchFamily="34" charset="0"/>
+              <a:buChar char="•"/>
+            </a:pPr>
+            <a:r>
+              <a:rPr lang="en-US" noProof="0" dirty="0"/>
+              <a:t>Command line variables</a:t>
+            </a:r>
+          </a:p>
+          <a:p>
+            <a:pPr marL="171450" indent="-171450">
+              <a:buFont typeface="Arial" panose="020B0604020202020204" pitchFamily="34" charset="0"/>
+              <a:buChar char="•"/>
+            </a:pPr>
+            <a:endParaRPr lang="en-US" noProof="0" dirty="0"/>
+          </a:p>
+          <a:p>
+            <a:pPr marL="171450" indent="-171450">
+              <a:buFont typeface="Arial" panose="020B0604020202020204" pitchFamily="34" charset="0"/>
+              <a:buChar char="•"/>
+            </a:pPr>
+            <a:r>
+              <a:rPr lang="en-US" noProof="0" dirty="0"/>
+              <a:t>Custom providers, which could be coming from AWS Secret Manager or other sources.</a:t>
+            </a:r>
+          </a:p>
+          <a:p>
+            <a:pPr marL="171450" indent="-171450">
+              <a:buFont typeface="Arial" panose="020B0604020202020204" pitchFamily="34" charset="0"/>
+              <a:buChar char="•"/>
+            </a:pPr>
+            <a:endParaRPr lang="en-US" noProof="0" dirty="0"/>
+          </a:p>
+          <a:p>
             <a:pPr marL="0" indent="0">
               <a:buFont typeface="Arial" panose="020B0604020202020204" pitchFamily="34" charset="0"/>
               <a:buNone/>
             </a:pPr>
             <a:r>
               <a:rPr lang="en-US" noProof="0" dirty="0"/>
-              <a:t>I took a random project which I encountered in on of our projects.</a:t>
+              <a:t>When they are loaded, they load in order on how they were configured and parsed to a layered view which results in the </a:t>
+            </a:r>
+            <a:r>
+              <a:rPr lang="en-US" noProof="0" dirty="0" err="1"/>
+              <a:t>IConfiguration</a:t>
+            </a:r>
+            <a:r>
+              <a:rPr lang="en-US" noProof="0" dirty="0"/>
+              <a:t>.</a:t>
             </a:r>
           </a:p>
           <a:p>
@@ -6390,77 +6331,8 @@
             </a:pPr>
             <a:r>
               <a:rPr lang="en-US" noProof="0" dirty="0"/>
-              <a:t>I highlighted the parts which were done manually, and where the framework already provided a default implementation.</a:t>
-            </a:r>
-          </a:p>
-          <a:p>
-            <a:pPr marL="0" indent="0">
-              <a:buFont typeface="Arial" panose="020B0604020202020204" pitchFamily="34" charset="0"/>
-              <a:buNone/>
-            </a:pPr>
-            <a:endParaRPr lang="en-US" noProof="0" dirty="0"/>
-          </a:p>
-          <a:p>
-            <a:pPr marL="228600" indent="-228600">
-              <a:buFont typeface="+mj-lt"/>
-              <a:buAutoNum type="arabicPeriod"/>
-            </a:pPr>
-            <a:r>
-              <a:rPr lang="en-US" noProof="0" dirty="0"/>
-              <a:t>The </a:t>
-            </a:r>
-            <a:r>
-              <a:rPr lang="en-US" noProof="0" dirty="0" err="1"/>
-              <a:t>IConfiguration</a:t>
-            </a:r>
-            <a:r>
-              <a:rPr lang="en-US" noProof="0" dirty="0"/>
-              <a:t> is created separately =&gt; </a:t>
-            </a:r>
-            <a:r>
-              <a:rPr lang="en-US" dirty="0"/>
-              <a:t>Configuration (rule 18)</a:t>
-            </a:r>
-            <a:endParaRPr lang="nl-BE" dirty="0"/>
-          </a:p>
-          <a:p>
-            <a:pPr marL="228600" indent="-228600">
-              <a:buFont typeface="+mj-lt"/>
-              <a:buAutoNum type="arabicPeriod"/>
-            </a:pPr>
-            <a:r>
-              <a:rPr lang="en-US" noProof="0" dirty="0"/>
-              <a:t>The environment detection determination is not using the default mechanics =&gt; </a:t>
-            </a:r>
-            <a:r>
-              <a:rPr lang="en-US" dirty="0" err="1"/>
-              <a:t>GetEnvironmentVariable</a:t>
-            </a:r>
-            <a:r>
-              <a:rPr lang="en-US" dirty="0"/>
-              <a:t> (rule 63)</a:t>
-            </a:r>
-          </a:p>
-          <a:p>
-            <a:pPr marL="228600" indent="-228600">
-              <a:buFont typeface="+mj-lt"/>
-              <a:buAutoNum type="arabicPeriod"/>
-            </a:pPr>
-            <a:r>
-              <a:rPr lang="en-US" dirty="0"/>
-              <a:t>The custom </a:t>
-            </a:r>
-            <a:r>
-              <a:rPr lang="en-US" dirty="0" err="1"/>
-              <a:t>IConfiguration</a:t>
-            </a:r>
-            <a:r>
-              <a:rPr lang="en-US" dirty="0"/>
-              <a:t> is loaded twice in this case, rule 29 and rule 49</a:t>
-            </a:r>
-          </a:p>
-          <a:p>
-            <a:endParaRPr lang="en-US" dirty="0"/>
+              <a:t>There is no need to load all these things yourselves manually if you’ve applied it yourselves.</a:t>
+            </a:r>
           </a:p>
         </p:txBody>
       </p:sp>
@@ -6491,7 +6363,7 @@
     </p:spTree>
     <p:extLst>
       <p:ext uri="{BB962C8B-B14F-4D97-AF65-F5344CB8AC3E}">
-        <p14:creationId xmlns:p14="http://schemas.microsoft.com/office/powerpoint/2010/main" val="3899461956"/>
+        <p14:creationId xmlns:p14="http://schemas.microsoft.com/office/powerpoint/2010/main" val="2062240548"/>
       </p:ext>
     </p:extLst>
   </p:cSld>
@@ -6546,135 +6418,570 @@
           <a:lstStyle/>
           <a:p>
             <a:r>
-              <a:rPr lang="en-US" noProof="0" dirty="0"/>
-              <a:t>When an application created with host or web application starts up, it typically loads resources in the following order</a:t>
-            </a:r>
-          </a:p>
-          <a:p>
-            <a:pPr marL="171450" indent="-171450">
-              <a:buFont typeface="Arial" panose="020B0604020202020204" pitchFamily="34" charset="0"/>
-              <a:buChar char="•"/>
+              <a:rPr lang="nl-BE" b="1" dirty="0"/>
+              <a:t>ConfigurationExplorer</a:t>
+            </a:r>
+          </a:p>
+          <a:p>
+            <a:endParaRPr lang="nl-BE" dirty="0"/>
+          </a:p>
+          <a:p>
+            <a:r>
+              <a:rPr lang="nl-BE" b="1" dirty="0"/>
+              <a:t>DEV</a:t>
+            </a:r>
+          </a:p>
+          <a:p>
+            <a:r>
+              <a:rPr lang="nl-BE" dirty="0"/>
+              <a:t>/</a:t>
+            </a:r>
+            <a:r>
+              <a:rPr lang="nl-BE" sz="1800" dirty="0">
+                <a:solidFill>
+                  <a:srgbClr val="000000"/>
+                </a:solidFill>
+                <a:highlight>
+                  <a:srgbClr val="FFFFFF"/>
+                </a:highlight>
+                <a:latin typeface="Cascadia Mono" panose="020B0609020000020004" pitchFamily="49" charset="0"/>
+              </a:rPr>
+              <a:t>configuration </a:t>
+            </a:r>
+            <a:endParaRPr lang="en-US" sz="1800" dirty="0">
+              <a:solidFill>
+                <a:srgbClr val="000000"/>
+              </a:solidFill>
+              <a:latin typeface="Cascadia Mono" panose="020B0609020000020004" pitchFamily="49" charset="0"/>
+            </a:endParaRPr>
+          </a:p>
+          <a:p>
+            <a:endParaRPr lang="en-US" sz="1800" dirty="0">
+              <a:solidFill>
+                <a:srgbClr val="000000"/>
+              </a:solidFill>
+              <a:latin typeface="Cascadia Mono" panose="020B0609020000020004" pitchFamily="49" charset="0"/>
+            </a:endParaRPr>
+          </a:p>
+          <a:p>
+            <a:r>
+              <a:rPr lang="en-US" sz="1800" dirty="0">
+                <a:solidFill>
+                  <a:srgbClr val="000000"/>
+                </a:solidFill>
+                <a:latin typeface="Cascadia Mono" panose="020B0609020000020004" pitchFamily="49" charset="0"/>
+              </a:rPr>
+              <a:t>This endpoint writes out the entire content of the </a:t>
+            </a:r>
+            <a:r>
+              <a:rPr lang="en-US" sz="1800" dirty="0" err="1">
+                <a:solidFill>
+                  <a:srgbClr val="000000"/>
+                </a:solidFill>
+                <a:latin typeface="Cascadia Mono" panose="020B0609020000020004" pitchFamily="49" charset="0"/>
+              </a:rPr>
+              <a:t>IConfiguration</a:t>
+            </a:r>
+            <a:r>
+              <a:rPr lang="en-US" sz="1800" dirty="0">
+                <a:solidFill>
+                  <a:srgbClr val="000000"/>
+                </a:solidFill>
+                <a:latin typeface="Cascadia Mono" panose="020B0609020000020004" pitchFamily="49" charset="0"/>
+              </a:rPr>
+              <a:t>. But let’s take a look in particular to the </a:t>
+            </a:r>
+            <a:r>
+              <a:rPr lang="en-US" sz="1800" dirty="0" err="1">
+                <a:solidFill>
+                  <a:srgbClr val="000000"/>
+                </a:solidFill>
+                <a:latin typeface="Cascadia Mono" panose="020B0609020000020004" pitchFamily="49" charset="0"/>
+              </a:rPr>
+              <a:t>AppSettings</a:t>
+            </a:r>
+            <a:r>
+              <a:rPr lang="en-US" sz="1800" dirty="0">
+                <a:solidFill>
+                  <a:srgbClr val="000000"/>
+                </a:solidFill>
+                <a:latin typeface="Cascadia Mono" panose="020B0609020000020004" pitchFamily="49" charset="0"/>
+              </a:rPr>
+              <a:t> values.</a:t>
+            </a:r>
+          </a:p>
+          <a:p>
+            <a:r>
+              <a:rPr lang="en-US" sz="1800" dirty="0">
+                <a:solidFill>
+                  <a:srgbClr val="000000"/>
+                </a:solidFill>
+                <a:latin typeface="Cascadia Mono" panose="020B0609020000020004" pitchFamily="49" charset="0"/>
+              </a:rPr>
+              <a:t>I prepared these value to demonstrate the layering of the providers.</a:t>
+            </a:r>
+          </a:p>
+          <a:p>
+            <a:endParaRPr lang="en-US" sz="1800" dirty="0">
+              <a:solidFill>
+                <a:srgbClr val="000000"/>
+              </a:solidFill>
+              <a:latin typeface="Cascadia Mono" panose="020B0609020000020004" pitchFamily="49" charset="0"/>
+            </a:endParaRPr>
+          </a:p>
+          <a:p>
+            <a:pPr marL="342900" indent="-342900">
+              <a:buAutoNum type="arabicPeriod"/>
             </a:pPr>
             <a:r>
-              <a:rPr lang="en-US" noProof="0" dirty="0"/>
-              <a:t>DOTNET_ or ASPNETCORE_ environment variable (this is used to determine the environment)</a:t>
-            </a:r>
-          </a:p>
-          <a:p>
-            <a:pPr marL="171450" indent="-171450">
-              <a:buFont typeface="Arial" panose="020B0604020202020204" pitchFamily="34" charset="0"/>
-              <a:buChar char="•"/>
+              <a:rPr lang="en-US" sz="1800" dirty="0" err="1">
+                <a:solidFill>
+                  <a:srgbClr val="000000"/>
+                </a:solidFill>
+                <a:latin typeface="Cascadia Mono" panose="020B0609020000020004" pitchFamily="49" charset="0"/>
+              </a:rPr>
+              <a:t>LaunchSettings.json</a:t>
+            </a:r>
+            <a:r>
+              <a:rPr lang="en-US" sz="1800" dirty="0">
+                <a:solidFill>
+                  <a:srgbClr val="000000"/>
+                </a:solidFill>
+                <a:latin typeface="Cascadia Mono" panose="020B0609020000020004" pitchFamily="49" charset="0"/>
+              </a:rPr>
+              <a:t> </a:t>
+            </a:r>
+            <a:r>
+              <a:rPr lang="en-US" sz="1800" dirty="0">
+                <a:solidFill>
+                  <a:srgbClr val="000000"/>
+                </a:solidFill>
+                <a:latin typeface="Cascadia Mono" panose="020B0609020000020004" pitchFamily="49" charset="0"/>
+                <a:sym typeface="Wingdings" panose="05000000000000000000" pitchFamily="2" charset="2"/>
+              </a:rPr>
+              <a:t> ASPNETCORE_</a:t>
+            </a:r>
+          </a:p>
+          <a:p>
+            <a:pPr marL="342900" indent="-342900">
+              <a:buAutoNum type="arabicPeriod"/>
             </a:pPr>
             <a:r>
-              <a:rPr lang="en-US" noProof="0" dirty="0" err="1"/>
-              <a:t>appsettings.json</a:t>
-            </a:r>
-            <a:endParaRPr lang="en-US" noProof="0" dirty="0"/>
-          </a:p>
-          <a:p>
-            <a:pPr marL="171450" indent="-171450">
-              <a:buFont typeface="Arial" panose="020B0604020202020204" pitchFamily="34" charset="0"/>
-              <a:buChar char="•"/>
+              <a:rPr lang="en-US" sz="1800" dirty="0" err="1">
+                <a:solidFill>
+                  <a:srgbClr val="000000"/>
+                </a:solidFill>
+                <a:latin typeface="Cascadia Mono" panose="020B0609020000020004" pitchFamily="49" charset="0"/>
+                <a:sym typeface="Wingdings" panose="05000000000000000000" pitchFamily="2" charset="2"/>
+              </a:rPr>
+              <a:t>Appsettings.json</a:t>
+            </a:r>
+            <a:endParaRPr lang="en-US" sz="1800" dirty="0">
+              <a:solidFill>
+                <a:srgbClr val="000000"/>
+              </a:solidFill>
+              <a:latin typeface="Cascadia Mono" panose="020B0609020000020004" pitchFamily="49" charset="0"/>
+              <a:sym typeface="Wingdings" panose="05000000000000000000" pitchFamily="2" charset="2"/>
+            </a:endParaRPr>
+          </a:p>
+          <a:p>
+            <a:pPr marL="342900" indent="-342900">
+              <a:buAutoNum type="arabicPeriod"/>
             </a:pPr>
             <a:r>
-              <a:rPr lang="en-US" noProof="0" dirty="0" err="1"/>
-              <a:t>appsettings</a:t>
-            </a:r>
-            <a:r>
-              <a:rPr lang="en-US" noProof="0" dirty="0"/>
-              <a:t>.{environment}.</a:t>
-            </a:r>
-            <a:r>
-              <a:rPr lang="en-US" noProof="0" dirty="0" err="1"/>
-              <a:t>json</a:t>
-            </a:r>
-            <a:endParaRPr lang="en-US" noProof="0" dirty="0"/>
-          </a:p>
-          <a:p>
-            <a:pPr marL="171450" indent="-171450">
-              <a:buFont typeface="Arial" panose="020B0604020202020204" pitchFamily="34" charset="0"/>
-              <a:buChar char="•"/>
+              <a:rPr lang="en-US" sz="1800" dirty="0" err="1">
+                <a:solidFill>
+                  <a:srgbClr val="000000"/>
+                </a:solidFill>
+                <a:latin typeface="Cascadia Mono" panose="020B0609020000020004" pitchFamily="49" charset="0"/>
+                <a:sym typeface="Wingdings" panose="05000000000000000000" pitchFamily="2" charset="2"/>
+              </a:rPr>
+              <a:t>Appsettings.Development.json</a:t>
+            </a:r>
+            <a:endParaRPr lang="en-US" sz="1800" dirty="0">
+              <a:solidFill>
+                <a:srgbClr val="000000"/>
+              </a:solidFill>
+              <a:latin typeface="Cascadia Mono" panose="020B0609020000020004" pitchFamily="49" charset="0"/>
+              <a:sym typeface="Wingdings" panose="05000000000000000000" pitchFamily="2" charset="2"/>
+            </a:endParaRPr>
+          </a:p>
+          <a:p>
+            <a:pPr marL="342900" indent="-342900">
+              <a:buAutoNum type="arabicPeriod"/>
             </a:pPr>
             <a:r>
-              <a:rPr lang="en-US" noProof="0" dirty="0" err="1"/>
+              <a:rPr lang="en-US" sz="1800" dirty="0" err="1">
+                <a:solidFill>
+                  <a:srgbClr val="000000"/>
+                </a:solidFill>
+                <a:latin typeface="Cascadia Mono" panose="020B0609020000020004" pitchFamily="49" charset="0"/>
+                <a:sym typeface="Wingdings" panose="05000000000000000000" pitchFamily="2" charset="2"/>
+              </a:rPr>
+              <a:t>Secrets.json</a:t>
+            </a:r>
+            <a:r>
+              <a:rPr lang="en-US" sz="1800" dirty="0">
+                <a:solidFill>
+                  <a:srgbClr val="000000"/>
+                </a:solidFill>
+                <a:latin typeface="Cascadia Mono" panose="020B0609020000020004" pitchFamily="49" charset="0"/>
+                <a:sym typeface="Wingdings" panose="05000000000000000000" pitchFamily="2" charset="2"/>
+              </a:rPr>
+              <a:t> (highlight the importance of this file)</a:t>
+            </a:r>
+          </a:p>
+          <a:p>
+            <a:pPr marL="342900" indent="-342900">
+              <a:buAutoNum type="arabicPeriod"/>
+            </a:pPr>
+            <a:r>
+              <a:rPr lang="en-US" sz="1800" dirty="0">
+                <a:solidFill>
+                  <a:srgbClr val="000000"/>
+                </a:solidFill>
+                <a:latin typeface="Cascadia Mono" panose="020B0609020000020004" pitchFamily="49" charset="0"/>
+                <a:sym typeface="Wingdings" panose="05000000000000000000" pitchFamily="2" charset="2"/>
+              </a:rPr>
+              <a:t>Environment variables (simulated by the </a:t>
+            </a:r>
+            <a:r>
+              <a:rPr lang="en-US" sz="1800" dirty="0" err="1">
+                <a:solidFill>
+                  <a:srgbClr val="000000"/>
+                </a:solidFill>
+                <a:latin typeface="Cascadia Mono" panose="020B0609020000020004" pitchFamily="49" charset="0"/>
+                <a:sym typeface="Wingdings" panose="05000000000000000000" pitchFamily="2" charset="2"/>
+              </a:rPr>
+              <a:t>LaunchSettings.json</a:t>
+            </a:r>
+            <a:r>
+              <a:rPr lang="en-US" sz="1800" dirty="0">
+                <a:solidFill>
+                  <a:srgbClr val="000000"/>
+                </a:solidFill>
+                <a:latin typeface="Cascadia Mono" panose="020B0609020000020004" pitchFamily="49" charset="0"/>
+                <a:sym typeface="Wingdings" panose="05000000000000000000" pitchFamily="2" charset="2"/>
+              </a:rPr>
+              <a:t> </a:t>
+            </a:r>
+            <a:r>
+              <a:rPr lang="nl-BE" sz="1800" dirty="0">
+                <a:solidFill>
+                  <a:srgbClr val="2E75B6"/>
+                </a:solidFill>
+                <a:highlight>
+                  <a:srgbClr val="FFFFFF"/>
+                </a:highlight>
+                <a:latin typeface="Cascadia Mono" panose="020B0609020000020004" pitchFamily="49" charset="0"/>
+              </a:rPr>
+              <a:t>environmentVariables</a:t>
+            </a:r>
+            <a:r>
+              <a:rPr lang="en-US" sz="1800" dirty="0">
+                <a:solidFill>
+                  <a:srgbClr val="000000"/>
+                </a:solidFill>
+                <a:latin typeface="Cascadia Mono" panose="020B0609020000020004" pitchFamily="49" charset="0"/>
+                <a:sym typeface="Wingdings" panose="05000000000000000000" pitchFamily="2" charset="2"/>
+              </a:rPr>
+              <a:t>)</a:t>
+            </a:r>
+          </a:p>
+          <a:p>
+            <a:pPr marL="342900" indent="-342900">
+              <a:buAutoNum type="arabicPeriod"/>
+            </a:pPr>
+            <a:r>
+              <a:rPr lang="en-US" sz="1800" dirty="0">
+                <a:solidFill>
+                  <a:srgbClr val="000000"/>
+                </a:solidFill>
+                <a:latin typeface="Cascadia Mono" panose="020B0609020000020004" pitchFamily="49" charset="0"/>
+                <a:sym typeface="Wingdings" panose="05000000000000000000" pitchFamily="2" charset="2"/>
+              </a:rPr>
+              <a:t>Command line </a:t>
+            </a:r>
+            <a:r>
+              <a:rPr lang="en-US" sz="1800" dirty="0" err="1">
+                <a:solidFill>
+                  <a:srgbClr val="000000"/>
+                </a:solidFill>
+                <a:latin typeface="Cascadia Mono" panose="020B0609020000020004" pitchFamily="49" charset="0"/>
+                <a:sym typeface="Wingdings" panose="05000000000000000000" pitchFamily="2" charset="2"/>
+              </a:rPr>
+              <a:t>args</a:t>
+            </a:r>
+            <a:r>
+              <a:rPr lang="en-US" sz="1800" dirty="0">
+                <a:solidFill>
+                  <a:srgbClr val="000000"/>
+                </a:solidFill>
+                <a:latin typeface="Cascadia Mono" panose="020B0609020000020004" pitchFamily="49" charset="0"/>
+                <a:sym typeface="Wingdings" panose="05000000000000000000" pitchFamily="2" charset="2"/>
+              </a:rPr>
+              <a:t>  (simulated by the </a:t>
+            </a:r>
+            <a:r>
+              <a:rPr lang="en-US" sz="1800" dirty="0" err="1">
+                <a:solidFill>
+                  <a:srgbClr val="000000"/>
+                </a:solidFill>
+                <a:latin typeface="Cascadia Mono" panose="020B0609020000020004" pitchFamily="49" charset="0"/>
+                <a:sym typeface="Wingdings" panose="05000000000000000000" pitchFamily="2" charset="2"/>
+              </a:rPr>
+              <a:t>LaunchSettings.json</a:t>
+            </a:r>
+            <a:r>
+              <a:rPr lang="en-US" sz="1800" dirty="0">
+                <a:solidFill>
+                  <a:srgbClr val="000000"/>
+                </a:solidFill>
+                <a:latin typeface="Cascadia Mono" panose="020B0609020000020004" pitchFamily="49" charset="0"/>
+                <a:sym typeface="Wingdings" panose="05000000000000000000" pitchFamily="2" charset="2"/>
+              </a:rPr>
+              <a:t> </a:t>
+            </a:r>
+            <a:r>
+              <a:rPr lang="nl-BE" sz="1800" dirty="0">
+                <a:solidFill>
+                  <a:srgbClr val="2E75B6"/>
+                </a:solidFill>
+                <a:highlight>
+                  <a:srgbClr val="FFFFFF"/>
+                </a:highlight>
+                <a:latin typeface="Cascadia Mono" panose="020B0609020000020004" pitchFamily="49" charset="0"/>
+              </a:rPr>
+              <a:t>commandLineArgs</a:t>
+            </a:r>
+            <a:r>
+              <a:rPr lang="en-US" sz="1800" dirty="0">
+                <a:solidFill>
+                  <a:srgbClr val="000000"/>
+                </a:solidFill>
+                <a:latin typeface="Cascadia Mono" panose="020B0609020000020004" pitchFamily="49" charset="0"/>
+                <a:sym typeface="Wingdings" panose="05000000000000000000" pitchFamily="2" charset="2"/>
+              </a:rPr>
+              <a:t>)</a:t>
+            </a:r>
+          </a:p>
+          <a:p>
+            <a:pPr marL="342900" indent="-342900">
+              <a:buAutoNum type="arabicPeriod"/>
+            </a:pPr>
+            <a:r>
+              <a:rPr lang="en-US" sz="1800" dirty="0" err="1">
+                <a:solidFill>
+                  <a:srgbClr val="000000"/>
+                </a:solidFill>
+                <a:latin typeface="Cascadia Mono" panose="020B0609020000020004" pitchFamily="49" charset="0"/>
+                <a:sym typeface="Wingdings" panose="05000000000000000000" pitchFamily="2" charset="2"/>
+              </a:rPr>
+              <a:t>Program.cs</a:t>
+            </a:r>
+            <a:r>
+              <a:rPr lang="en-US" sz="1800" dirty="0">
+                <a:solidFill>
+                  <a:srgbClr val="000000"/>
+                </a:solidFill>
+                <a:latin typeface="Cascadia Mono" panose="020B0609020000020004" pitchFamily="49" charset="0"/>
+                <a:sym typeface="Wingdings" panose="05000000000000000000" pitchFamily="2" charset="2"/>
+              </a:rPr>
+              <a:t> (in memory dictionary)</a:t>
+            </a:r>
+            <a:endParaRPr lang="en-US" sz="1800" dirty="0">
+              <a:solidFill>
+                <a:srgbClr val="000000"/>
+              </a:solidFill>
+              <a:latin typeface="Cascadia Mono" panose="020B0609020000020004" pitchFamily="49" charset="0"/>
+            </a:endParaRPr>
+          </a:p>
+          <a:p>
+            <a:endParaRPr lang="en-US" sz="1800" b="1" dirty="0">
+              <a:solidFill>
+                <a:srgbClr val="000000"/>
+              </a:solidFill>
+              <a:latin typeface="Cascadia Mono" panose="020B0609020000020004" pitchFamily="49" charset="0"/>
+            </a:endParaRPr>
+          </a:p>
+          <a:p>
+            <a:r>
+              <a:rPr lang="en-US" sz="1800" b="1" dirty="0">
+                <a:solidFill>
+                  <a:srgbClr val="000000"/>
+                </a:solidFill>
+                <a:latin typeface="Cascadia Mono" panose="020B0609020000020004" pitchFamily="49" charset="0"/>
+              </a:rPr>
+              <a:t>PRD</a:t>
+            </a:r>
+          </a:p>
+          <a:p>
+            <a:endParaRPr lang="en-US" sz="1800" b="1" dirty="0">
+              <a:solidFill>
+                <a:srgbClr val="000000"/>
+              </a:solidFill>
+              <a:latin typeface="Cascadia Mono" panose="020B0609020000020004" pitchFamily="49" charset="0"/>
+            </a:endParaRPr>
+          </a:p>
+          <a:p>
+            <a:r>
+              <a:rPr lang="en-US" sz="1800" dirty="0">
+                <a:solidFill>
+                  <a:srgbClr val="000000"/>
+                </a:solidFill>
+                <a:latin typeface="Cascadia Mono" panose="020B0609020000020004" pitchFamily="49" charset="0"/>
+              </a:rPr>
+              <a:t>This startup is the same as the previous one, but we removed the </a:t>
+            </a:r>
+            <a:r>
+              <a:rPr lang="nl-BE" sz="1800" dirty="0">
+                <a:solidFill>
+                  <a:srgbClr val="2E75B6"/>
+                </a:solidFill>
+                <a:highlight>
+                  <a:srgbClr val="FFFFFF"/>
+                </a:highlight>
+                <a:latin typeface="Cascadia Mono" panose="020B0609020000020004" pitchFamily="49" charset="0"/>
+              </a:rPr>
+              <a:t>ASPNETCORE_ENVIRONMENT environment variable. Anyone any idea which environment you get then?</a:t>
+            </a:r>
+          </a:p>
+          <a:p>
+            <a:endParaRPr lang="en-US" sz="1800" dirty="0">
+              <a:solidFill>
+                <a:srgbClr val="000000"/>
+              </a:solidFill>
+              <a:latin typeface="Cascadia Mono" panose="020B0609020000020004" pitchFamily="49" charset="0"/>
+            </a:endParaRPr>
+          </a:p>
+          <a:p>
+            <a:r>
+              <a:rPr lang="en-US" sz="1800" dirty="0">
+                <a:solidFill>
+                  <a:srgbClr val="000000"/>
+                </a:solidFill>
+                <a:latin typeface="Cascadia Mono" panose="020B0609020000020004" pitchFamily="49" charset="0"/>
+              </a:rPr>
+              <a:t>You’ll get the Production environment even if the ASPNETCORE_ENVIRONMENT isn’t present.</a:t>
+            </a:r>
+          </a:p>
+          <a:p>
+            <a:r>
+              <a:rPr lang="en-US" sz="1800" dirty="0">
+                <a:solidFill>
+                  <a:srgbClr val="000000"/>
+                </a:solidFill>
+                <a:latin typeface="Cascadia Mono" panose="020B0609020000020004" pitchFamily="49" charset="0"/>
+              </a:rPr>
+              <a:t>But it also has another consequence, by default you will also lose the support for the </a:t>
+            </a:r>
+            <a:r>
+              <a:rPr lang="en-US" sz="1800" dirty="0" err="1">
+                <a:solidFill>
+                  <a:srgbClr val="000000"/>
+                </a:solidFill>
+                <a:latin typeface="Cascadia Mono" panose="020B0609020000020004" pitchFamily="49" charset="0"/>
+              </a:rPr>
               <a:t>secrets.json</a:t>
             </a:r>
             <a:r>
-              <a:rPr lang="en-US" noProof="0" dirty="0"/>
-              <a:t> (if you are in dev)</a:t>
-            </a:r>
-          </a:p>
-          <a:p>
-            <a:pPr marL="171450" indent="-171450">
-              <a:buFont typeface="Arial" panose="020B0604020202020204" pitchFamily="34" charset="0"/>
-              <a:buChar char="•"/>
-            </a:pPr>
-            <a:r>
-              <a:rPr lang="en-US" noProof="0" dirty="0"/>
-              <a:t>Environment variables</a:t>
-            </a:r>
-          </a:p>
-          <a:p>
-            <a:pPr marL="171450" indent="-171450">
-              <a:buFont typeface="Arial" panose="020B0604020202020204" pitchFamily="34" charset="0"/>
-              <a:buChar char="•"/>
-            </a:pPr>
-            <a:r>
-              <a:rPr lang="en-US" noProof="0" dirty="0"/>
-              <a:t>Command line variables</a:t>
-            </a:r>
-          </a:p>
-          <a:p>
-            <a:pPr marL="171450" indent="-171450">
-              <a:buFont typeface="Arial" panose="020B0604020202020204" pitchFamily="34" charset="0"/>
-              <a:buChar char="•"/>
-            </a:pPr>
-            <a:endParaRPr lang="en-US" noProof="0" dirty="0"/>
-          </a:p>
-          <a:p>
-            <a:pPr marL="171450" indent="-171450">
-              <a:buFont typeface="Arial" panose="020B0604020202020204" pitchFamily="34" charset="0"/>
-              <a:buChar char="•"/>
-            </a:pPr>
-            <a:r>
-              <a:rPr lang="en-US" noProof="0" dirty="0"/>
-              <a:t>Custom providers, which could be coming from AWS Secret Manager or other sources.</a:t>
-            </a:r>
-          </a:p>
-          <a:p>
-            <a:pPr marL="171450" indent="-171450">
-              <a:buFont typeface="Arial" panose="020B0604020202020204" pitchFamily="34" charset="0"/>
-              <a:buChar char="•"/>
-            </a:pPr>
-            <a:endParaRPr lang="en-US" noProof="0" dirty="0"/>
-          </a:p>
-          <a:p>
-            <a:pPr marL="0" indent="0">
-              <a:buFont typeface="Arial" panose="020B0604020202020204" pitchFamily="34" charset="0"/>
-              <a:buNone/>
-            </a:pPr>
-            <a:r>
-              <a:rPr lang="en-US" noProof="0" dirty="0"/>
-              <a:t>When they are loaded, they load in order on how they were configured and parsed to a layered view which results in the </a:t>
-            </a:r>
-            <a:r>
-              <a:rPr lang="en-US" noProof="0" dirty="0" err="1"/>
-              <a:t>IConfiguration</a:t>
-            </a:r>
-            <a:r>
-              <a:rPr lang="en-US" noProof="0" dirty="0"/>
-              <a:t>.</a:t>
-            </a:r>
-          </a:p>
-          <a:p>
-            <a:pPr marL="0" indent="0">
-              <a:buFont typeface="Arial" panose="020B0604020202020204" pitchFamily="34" charset="0"/>
-              <a:buNone/>
-            </a:pPr>
-            <a:r>
-              <a:rPr lang="en-US" noProof="0" dirty="0"/>
-              <a:t>There is no need to load all these things yourselves manually if you’ve applied it yourselves.</a:t>
-            </a:r>
+              <a:rPr lang="en-US" sz="1800" dirty="0">
+                <a:solidFill>
+                  <a:srgbClr val="000000"/>
+                </a:solidFill>
+                <a:latin typeface="Cascadia Mono" panose="020B0609020000020004" pitchFamily="49" charset="0"/>
+              </a:rPr>
+              <a:t> as this usage is only intended for local development.</a:t>
+            </a:r>
+          </a:p>
+          <a:p>
+            <a:endParaRPr lang="en-US" sz="1800" dirty="0">
+              <a:solidFill>
+                <a:srgbClr val="000000"/>
+              </a:solidFill>
+              <a:latin typeface="Cascadia Mono" panose="020B0609020000020004" pitchFamily="49" charset="0"/>
+            </a:endParaRPr>
+          </a:p>
+          <a:p>
+            <a:endParaRPr lang="en-US" sz="1800" dirty="0">
+              <a:solidFill>
+                <a:srgbClr val="000000"/>
+              </a:solidFill>
+              <a:latin typeface="Cascadia Mono" panose="020B0609020000020004" pitchFamily="49" charset="0"/>
+            </a:endParaRPr>
+          </a:p>
+          <a:p>
+            <a:r>
+              <a:rPr lang="en-US" dirty="0"/>
+              <a:t>/</a:t>
+            </a:r>
+            <a:r>
+              <a:rPr lang="nl-BE" sz="1800" dirty="0">
+                <a:solidFill>
+                  <a:srgbClr val="000000"/>
+                </a:solidFill>
+                <a:highlight>
+                  <a:srgbClr val="FFFFFF"/>
+                </a:highlight>
+                <a:latin typeface="Cascadia Mono" panose="020B0609020000020004" pitchFamily="49" charset="0"/>
+              </a:rPr>
+              <a:t>configuration-providers</a:t>
+            </a:r>
+            <a:endParaRPr lang="en-US" sz="1800" dirty="0">
+              <a:solidFill>
+                <a:srgbClr val="000000"/>
+              </a:solidFill>
+              <a:latin typeface="Cascadia Mono" panose="020B0609020000020004" pitchFamily="49" charset="0"/>
+            </a:endParaRPr>
+          </a:p>
+          <a:p>
+            <a:endParaRPr lang="en-US" sz="1800" dirty="0">
+              <a:solidFill>
+                <a:srgbClr val="000000"/>
+              </a:solidFill>
+              <a:latin typeface="Cascadia Mono" panose="020B0609020000020004" pitchFamily="49" charset="0"/>
+            </a:endParaRPr>
+          </a:p>
+          <a:p>
+            <a:r>
+              <a:rPr lang="en-US" sz="1800" dirty="0">
+                <a:solidFill>
+                  <a:srgbClr val="000000"/>
+                </a:solidFill>
+                <a:latin typeface="Cascadia Mono" panose="020B0609020000020004" pitchFamily="49" charset="0"/>
+              </a:rPr>
+              <a:t>Reveals the order of the currently loaded configuration providers, you can clearly see that some are added multiple times,</a:t>
+            </a:r>
+          </a:p>
+          <a:p>
+            <a:r>
+              <a:rPr lang="en-US" sz="1800" dirty="0">
+                <a:solidFill>
+                  <a:srgbClr val="000000"/>
+                </a:solidFill>
+                <a:latin typeface="Cascadia Mono" panose="020B0609020000020004" pitchFamily="49" charset="0"/>
+              </a:rPr>
+              <a:t>In dev mode you clearly see that </a:t>
+            </a:r>
+            <a:r>
+              <a:rPr lang="en-US" sz="1800" dirty="0" err="1">
+                <a:solidFill>
+                  <a:srgbClr val="000000"/>
+                </a:solidFill>
+                <a:latin typeface="Cascadia Mono" panose="020B0609020000020004" pitchFamily="49" charset="0"/>
+              </a:rPr>
+              <a:t>secrets.json</a:t>
+            </a:r>
+            <a:r>
+              <a:rPr lang="en-US" sz="1800" dirty="0">
+                <a:solidFill>
+                  <a:srgbClr val="000000"/>
+                </a:solidFill>
+                <a:latin typeface="Cascadia Mono" panose="020B0609020000020004" pitchFamily="49" charset="0"/>
+              </a:rPr>
+              <a:t> is loaded but when you switch to production its not loaded by default.</a:t>
+            </a:r>
+            <a:endParaRPr lang="en-US" dirty="0"/>
           </a:p>
         </p:txBody>
       </p:sp>
@@ -6705,7 +7012,7 @@
     </p:spTree>
     <p:extLst>
       <p:ext uri="{BB962C8B-B14F-4D97-AF65-F5344CB8AC3E}">
-        <p14:creationId xmlns:p14="http://schemas.microsoft.com/office/powerpoint/2010/main" val="2062240548"/>
+        <p14:creationId xmlns:p14="http://schemas.microsoft.com/office/powerpoint/2010/main" val="3304068986"/>
       </p:ext>
     </p:extLst>
   </p:cSld>
@@ -6759,570 +7066,91 @@
           <a:bodyPr/>
           <a:lstStyle/>
           <a:p>
-            <a:r>
-              <a:rPr lang="nl-BE" b="1" dirty="0"/>
-              <a:t>ConfigurationExplorer</a:t>
-            </a:r>
-          </a:p>
-          <a:p>
-            <a:endParaRPr lang="nl-BE" dirty="0"/>
-          </a:p>
-          <a:p>
-            <a:r>
-              <a:rPr lang="nl-BE" b="1" dirty="0"/>
-              <a:t>DEV</a:t>
-            </a:r>
-          </a:p>
-          <a:p>
-            <a:r>
-              <a:rPr lang="nl-BE" dirty="0"/>
-              <a:t>/</a:t>
-            </a:r>
-            <a:r>
-              <a:rPr lang="nl-BE" sz="1800" dirty="0">
-                <a:solidFill>
-                  <a:srgbClr val="000000"/>
-                </a:solidFill>
-                <a:highlight>
-                  <a:srgbClr val="FFFFFF"/>
-                </a:highlight>
-                <a:latin typeface="Cascadia Mono" panose="020B0609020000020004" pitchFamily="49" charset="0"/>
-              </a:rPr>
-              <a:t>configuration </a:t>
-            </a:r>
-            <a:endParaRPr lang="en-US" sz="1800" dirty="0">
-              <a:solidFill>
-                <a:srgbClr val="000000"/>
-              </a:solidFill>
-              <a:latin typeface="Cascadia Mono" panose="020B0609020000020004" pitchFamily="49" charset="0"/>
-            </a:endParaRPr>
-          </a:p>
-          <a:p>
-            <a:endParaRPr lang="en-US" sz="1800" dirty="0">
-              <a:solidFill>
-                <a:srgbClr val="000000"/>
-              </a:solidFill>
-              <a:latin typeface="Cascadia Mono" panose="020B0609020000020004" pitchFamily="49" charset="0"/>
-            </a:endParaRPr>
-          </a:p>
-          <a:p>
-            <a:r>
-              <a:rPr lang="en-US" sz="1800" dirty="0">
-                <a:solidFill>
-                  <a:srgbClr val="000000"/>
-                </a:solidFill>
-                <a:latin typeface="Cascadia Mono" panose="020B0609020000020004" pitchFamily="49" charset="0"/>
-              </a:rPr>
-              <a:t>This endpoint writes out the entire content of the </a:t>
-            </a:r>
-            <a:r>
-              <a:rPr lang="en-US" sz="1800" dirty="0" err="1">
-                <a:solidFill>
-                  <a:srgbClr val="000000"/>
-                </a:solidFill>
-                <a:latin typeface="Cascadia Mono" panose="020B0609020000020004" pitchFamily="49" charset="0"/>
-              </a:rPr>
-              <a:t>IConfiguration</a:t>
-            </a:r>
-            <a:r>
-              <a:rPr lang="en-US" sz="1800" dirty="0">
-                <a:solidFill>
-                  <a:srgbClr val="000000"/>
-                </a:solidFill>
-                <a:latin typeface="Cascadia Mono" panose="020B0609020000020004" pitchFamily="49" charset="0"/>
-              </a:rPr>
-              <a:t>. But let’s take a look in particular to the </a:t>
-            </a:r>
-            <a:r>
-              <a:rPr lang="en-US" sz="1800" dirty="0" err="1">
-                <a:solidFill>
-                  <a:srgbClr val="000000"/>
-                </a:solidFill>
-                <a:latin typeface="Cascadia Mono" panose="020B0609020000020004" pitchFamily="49" charset="0"/>
-              </a:rPr>
-              <a:t>AppSettings</a:t>
-            </a:r>
-            <a:r>
-              <a:rPr lang="en-US" sz="1800" dirty="0">
-                <a:solidFill>
-                  <a:srgbClr val="000000"/>
-                </a:solidFill>
-                <a:latin typeface="Cascadia Mono" panose="020B0609020000020004" pitchFamily="49" charset="0"/>
-              </a:rPr>
-              <a:t> values.</a:t>
-            </a:r>
-          </a:p>
-          <a:p>
-            <a:r>
-              <a:rPr lang="en-US" sz="1800" dirty="0">
-                <a:solidFill>
-                  <a:srgbClr val="000000"/>
-                </a:solidFill>
-                <a:latin typeface="Cascadia Mono" panose="020B0609020000020004" pitchFamily="49" charset="0"/>
-              </a:rPr>
-              <a:t>I prepared these value to demonstrate the layering of the providers.</a:t>
-            </a:r>
-          </a:p>
-          <a:p>
-            <a:endParaRPr lang="en-US" sz="1800" dirty="0">
-              <a:solidFill>
-                <a:srgbClr val="000000"/>
-              </a:solidFill>
-              <a:latin typeface="Cascadia Mono" panose="020B0609020000020004" pitchFamily="49" charset="0"/>
-            </a:endParaRPr>
-          </a:p>
-          <a:p>
-            <a:pPr marL="342900" indent="-342900">
-              <a:buAutoNum type="arabicPeriod"/>
+            <a:pPr marL="171450" indent="-171450">
+              <a:buFont typeface="Arial" panose="020B0604020202020204" pitchFamily="34" charset="0"/>
+              <a:buChar char="•"/>
             </a:pPr>
             <a:r>
-              <a:rPr lang="en-US" sz="1800" dirty="0" err="1">
-                <a:solidFill>
-                  <a:srgbClr val="000000"/>
-                </a:solidFill>
-                <a:latin typeface="Cascadia Mono" panose="020B0609020000020004" pitchFamily="49" charset="0"/>
-              </a:rPr>
-              <a:t>LaunchSettings.json</a:t>
-            </a:r>
-            <a:r>
-              <a:rPr lang="en-US" sz="1800" dirty="0">
-                <a:solidFill>
-                  <a:srgbClr val="000000"/>
-                </a:solidFill>
-                <a:latin typeface="Cascadia Mono" panose="020B0609020000020004" pitchFamily="49" charset="0"/>
-              </a:rPr>
-              <a:t> </a:t>
-            </a:r>
-            <a:r>
-              <a:rPr lang="en-US" sz="1800" dirty="0">
-                <a:solidFill>
-                  <a:srgbClr val="000000"/>
-                </a:solidFill>
-                <a:latin typeface="Cascadia Mono" panose="020B0609020000020004" pitchFamily="49" charset="0"/>
-                <a:sym typeface="Wingdings" panose="05000000000000000000" pitchFamily="2" charset="2"/>
-              </a:rPr>
-              <a:t> ASPNETCORE_</a:t>
-            </a:r>
-          </a:p>
-          <a:p>
-            <a:pPr marL="342900" indent="-342900">
-              <a:buAutoNum type="arabicPeriod"/>
+              <a:rPr lang="en-US" noProof="0" dirty="0"/>
+              <a:t>For the file-based providers, if they are changeable where they are deployed, they can allow a hot reload, thus without the need for you application to restart. Containers for instance could have read-only disks.</a:t>
+            </a:r>
+          </a:p>
+          <a:p>
+            <a:pPr marL="171450" indent="-171450">
+              <a:buFont typeface="Arial" panose="020B0604020202020204" pitchFamily="34" charset="0"/>
+              <a:buChar char="•"/>
             </a:pPr>
             <a:r>
-              <a:rPr lang="en-US" sz="1800" dirty="0" err="1">
-                <a:solidFill>
-                  <a:srgbClr val="000000"/>
-                </a:solidFill>
-                <a:latin typeface="Cascadia Mono" panose="020B0609020000020004" pitchFamily="49" charset="0"/>
-                <a:sym typeface="Wingdings" panose="05000000000000000000" pitchFamily="2" charset="2"/>
-              </a:rPr>
-              <a:t>Appsettings.json</a:t>
-            </a:r>
-            <a:endParaRPr lang="en-US" sz="1800" dirty="0">
-              <a:solidFill>
-                <a:srgbClr val="000000"/>
-              </a:solidFill>
-              <a:latin typeface="Cascadia Mono" panose="020B0609020000020004" pitchFamily="49" charset="0"/>
-              <a:sym typeface="Wingdings" panose="05000000000000000000" pitchFamily="2" charset="2"/>
-            </a:endParaRPr>
-          </a:p>
-          <a:p>
-            <a:pPr marL="342900" indent="-342900">
-              <a:buAutoNum type="arabicPeriod"/>
+              <a:rPr lang="en-US" noProof="0" dirty="0"/>
+              <a:t>Environment variables can target a specific prefix and load that part as a separate provider.</a:t>
+            </a:r>
+          </a:p>
+          <a:p>
+            <a:pPr marL="387450" lvl="1" indent="-171450">
+              <a:buFont typeface="Arial" panose="020B0604020202020204" pitchFamily="34" charset="0"/>
+              <a:buChar char="•"/>
             </a:pPr>
             <a:r>
-              <a:rPr lang="en-US" sz="1800" dirty="0" err="1">
-                <a:solidFill>
-                  <a:srgbClr val="000000"/>
-                </a:solidFill>
-                <a:latin typeface="Cascadia Mono" panose="020B0609020000020004" pitchFamily="49" charset="0"/>
-                <a:sym typeface="Wingdings" panose="05000000000000000000" pitchFamily="2" charset="2"/>
-              </a:rPr>
-              <a:t>Appsettings.Development.json</a:t>
-            </a:r>
-            <a:endParaRPr lang="en-US" sz="1800" dirty="0">
-              <a:solidFill>
-                <a:srgbClr val="000000"/>
-              </a:solidFill>
-              <a:latin typeface="Cascadia Mono" panose="020B0609020000020004" pitchFamily="49" charset="0"/>
-              <a:sym typeface="Wingdings" panose="05000000000000000000" pitchFamily="2" charset="2"/>
-            </a:endParaRPr>
-          </a:p>
-          <a:p>
-            <a:pPr marL="342900" indent="-342900">
-              <a:buAutoNum type="arabicPeriod"/>
+              <a:rPr lang="en-US" noProof="0" dirty="0"/>
+              <a:t>A double underscore will be translated to a colon. Giving it a way of participating in the hierarchical mapping.</a:t>
+            </a:r>
+          </a:p>
+          <a:p>
+            <a:pPr marL="171450" indent="-171450">
+              <a:buFont typeface="Arial" panose="020B0604020202020204" pitchFamily="34" charset="0"/>
+              <a:buChar char="•"/>
             </a:pPr>
             <a:r>
-              <a:rPr lang="en-US" sz="1800" dirty="0" err="1">
-                <a:solidFill>
-                  <a:srgbClr val="000000"/>
-                </a:solidFill>
-                <a:latin typeface="Cascadia Mono" panose="020B0609020000020004" pitchFamily="49" charset="0"/>
-                <a:sym typeface="Wingdings" panose="05000000000000000000" pitchFamily="2" charset="2"/>
-              </a:rPr>
-              <a:t>Secrets.json</a:t>
-            </a:r>
-            <a:r>
-              <a:rPr lang="en-US" sz="1800" dirty="0">
-                <a:solidFill>
-                  <a:srgbClr val="000000"/>
-                </a:solidFill>
-                <a:latin typeface="Cascadia Mono" panose="020B0609020000020004" pitchFamily="49" charset="0"/>
-                <a:sym typeface="Wingdings" panose="05000000000000000000" pitchFamily="2" charset="2"/>
-              </a:rPr>
-              <a:t> (highlight the importance of this file)</a:t>
-            </a:r>
-          </a:p>
-          <a:p>
-            <a:pPr marL="342900" indent="-342900">
-              <a:buAutoNum type="arabicPeriod"/>
+              <a:rPr lang="en-US" noProof="0" dirty="0"/>
+              <a:t>Key per file, targets a directory and each filename is a key and the content of it is then the value.</a:t>
+            </a:r>
+          </a:p>
+          <a:p>
+            <a:pPr marL="171450" indent="-171450">
+              <a:buFont typeface="Arial" panose="020B0604020202020204" pitchFamily="34" charset="0"/>
+              <a:buChar char="•"/>
             </a:pPr>
             <a:r>
-              <a:rPr lang="en-US" sz="1800" dirty="0">
-                <a:solidFill>
-                  <a:srgbClr val="000000"/>
-                </a:solidFill>
-                <a:latin typeface="Cascadia Mono" panose="020B0609020000020004" pitchFamily="49" charset="0"/>
-                <a:sym typeface="Wingdings" panose="05000000000000000000" pitchFamily="2" charset="2"/>
-              </a:rPr>
-              <a:t>Environment variables (simulated by the </a:t>
-            </a:r>
-            <a:r>
-              <a:rPr lang="en-US" sz="1800" dirty="0" err="1">
-                <a:solidFill>
-                  <a:srgbClr val="000000"/>
-                </a:solidFill>
-                <a:latin typeface="Cascadia Mono" panose="020B0609020000020004" pitchFamily="49" charset="0"/>
-                <a:sym typeface="Wingdings" panose="05000000000000000000" pitchFamily="2" charset="2"/>
-              </a:rPr>
-              <a:t>LaunchSettings.json</a:t>
-            </a:r>
-            <a:r>
-              <a:rPr lang="en-US" sz="1800" dirty="0">
-                <a:solidFill>
-                  <a:srgbClr val="000000"/>
-                </a:solidFill>
-                <a:latin typeface="Cascadia Mono" panose="020B0609020000020004" pitchFamily="49" charset="0"/>
-                <a:sym typeface="Wingdings" panose="05000000000000000000" pitchFamily="2" charset="2"/>
-              </a:rPr>
-              <a:t> </a:t>
-            </a:r>
-            <a:r>
-              <a:rPr lang="nl-BE" sz="1800" dirty="0">
-                <a:solidFill>
-                  <a:srgbClr val="2E75B6"/>
-                </a:solidFill>
-                <a:highlight>
-                  <a:srgbClr val="FFFFFF"/>
-                </a:highlight>
-                <a:latin typeface="Cascadia Mono" panose="020B0609020000020004" pitchFamily="49" charset="0"/>
-              </a:rPr>
-              <a:t>environmentVariables</a:t>
-            </a:r>
-            <a:r>
-              <a:rPr lang="en-US" sz="1800" dirty="0">
-                <a:solidFill>
-                  <a:srgbClr val="000000"/>
-                </a:solidFill>
-                <a:latin typeface="Cascadia Mono" panose="020B0609020000020004" pitchFamily="49" charset="0"/>
-                <a:sym typeface="Wingdings" panose="05000000000000000000" pitchFamily="2" charset="2"/>
-              </a:rPr>
-              <a:t>)</a:t>
-            </a:r>
-          </a:p>
-          <a:p>
-            <a:pPr marL="342900" indent="-342900">
-              <a:buAutoNum type="arabicPeriod"/>
+              <a:rPr lang="en-US" noProof="0" dirty="0"/>
+              <a:t>In memory provider, is a dictionary.</a:t>
+            </a:r>
+          </a:p>
+          <a:p>
+            <a:pPr marL="171450" indent="-171450">
+              <a:buFont typeface="Arial" panose="020B0604020202020204" pitchFamily="34" charset="0"/>
+              <a:buChar char="•"/>
             </a:pPr>
-            <a:r>
-              <a:rPr lang="en-US" sz="1800" dirty="0">
-                <a:solidFill>
-                  <a:srgbClr val="000000"/>
-                </a:solidFill>
-                <a:latin typeface="Cascadia Mono" panose="020B0609020000020004" pitchFamily="49" charset="0"/>
-                <a:sym typeface="Wingdings" panose="05000000000000000000" pitchFamily="2" charset="2"/>
-              </a:rPr>
-              <a:t>Command line </a:t>
-            </a:r>
-            <a:r>
-              <a:rPr lang="en-US" sz="1800" dirty="0" err="1">
-                <a:solidFill>
-                  <a:srgbClr val="000000"/>
-                </a:solidFill>
-                <a:latin typeface="Cascadia Mono" panose="020B0609020000020004" pitchFamily="49" charset="0"/>
-                <a:sym typeface="Wingdings" panose="05000000000000000000" pitchFamily="2" charset="2"/>
-              </a:rPr>
-              <a:t>args</a:t>
-            </a:r>
-            <a:r>
-              <a:rPr lang="en-US" sz="1800" dirty="0">
-                <a:solidFill>
-                  <a:srgbClr val="000000"/>
-                </a:solidFill>
-                <a:latin typeface="Cascadia Mono" panose="020B0609020000020004" pitchFamily="49" charset="0"/>
-                <a:sym typeface="Wingdings" panose="05000000000000000000" pitchFamily="2" charset="2"/>
-              </a:rPr>
-              <a:t>  (simulated by the </a:t>
-            </a:r>
-            <a:r>
-              <a:rPr lang="en-US" sz="1800" dirty="0" err="1">
-                <a:solidFill>
-                  <a:srgbClr val="000000"/>
-                </a:solidFill>
-                <a:latin typeface="Cascadia Mono" panose="020B0609020000020004" pitchFamily="49" charset="0"/>
-                <a:sym typeface="Wingdings" panose="05000000000000000000" pitchFamily="2" charset="2"/>
-              </a:rPr>
-              <a:t>LaunchSettings.json</a:t>
-            </a:r>
-            <a:r>
-              <a:rPr lang="en-US" sz="1800" dirty="0">
-                <a:solidFill>
-                  <a:srgbClr val="000000"/>
-                </a:solidFill>
-                <a:latin typeface="Cascadia Mono" panose="020B0609020000020004" pitchFamily="49" charset="0"/>
-                <a:sym typeface="Wingdings" panose="05000000000000000000" pitchFamily="2" charset="2"/>
-              </a:rPr>
-              <a:t> </a:t>
-            </a:r>
-            <a:r>
-              <a:rPr lang="nl-BE" sz="1800" dirty="0">
-                <a:solidFill>
-                  <a:srgbClr val="2E75B6"/>
-                </a:solidFill>
-                <a:highlight>
-                  <a:srgbClr val="FFFFFF"/>
-                </a:highlight>
-                <a:latin typeface="Cascadia Mono" panose="020B0609020000020004" pitchFamily="49" charset="0"/>
-              </a:rPr>
-              <a:t>commandLineArgs</a:t>
-            </a:r>
-            <a:r>
-              <a:rPr lang="en-US" sz="1800" dirty="0">
-                <a:solidFill>
-                  <a:srgbClr val="000000"/>
-                </a:solidFill>
-                <a:latin typeface="Cascadia Mono" panose="020B0609020000020004" pitchFamily="49" charset="0"/>
-                <a:sym typeface="Wingdings" panose="05000000000000000000" pitchFamily="2" charset="2"/>
-              </a:rPr>
-              <a:t>)</a:t>
-            </a:r>
-          </a:p>
-          <a:p>
-            <a:pPr marL="342900" indent="-342900">
-              <a:buAutoNum type="arabicPeriod"/>
+            <a:endParaRPr lang="en-US" noProof="0" dirty="0"/>
+          </a:p>
+          <a:p>
+            <a:pPr marL="171450" indent="-171450">
+              <a:buFont typeface="Arial" panose="020B0604020202020204" pitchFamily="34" charset="0"/>
+              <a:buChar char="•"/>
             </a:pPr>
             <a:r>
-              <a:rPr lang="en-US" sz="1800" dirty="0" err="1">
-                <a:solidFill>
-                  <a:srgbClr val="000000"/>
-                </a:solidFill>
-                <a:latin typeface="Cascadia Mono" panose="020B0609020000020004" pitchFamily="49" charset="0"/>
-                <a:sym typeface="Wingdings" panose="05000000000000000000" pitchFamily="2" charset="2"/>
-              </a:rPr>
-              <a:t>Program.cs</a:t>
-            </a:r>
-            <a:r>
-              <a:rPr lang="en-US" sz="1800" dirty="0">
-                <a:solidFill>
-                  <a:srgbClr val="000000"/>
-                </a:solidFill>
-                <a:latin typeface="Cascadia Mono" panose="020B0609020000020004" pitchFamily="49" charset="0"/>
-                <a:sym typeface="Wingdings" panose="05000000000000000000" pitchFamily="2" charset="2"/>
-              </a:rPr>
-              <a:t> (in memory dictionary)</a:t>
-            </a:r>
-            <a:endParaRPr lang="en-US" sz="1800" dirty="0">
-              <a:solidFill>
-                <a:srgbClr val="000000"/>
-              </a:solidFill>
-              <a:latin typeface="Cascadia Mono" panose="020B0609020000020004" pitchFamily="49" charset="0"/>
-            </a:endParaRPr>
-          </a:p>
-          <a:p>
-            <a:endParaRPr lang="en-US" sz="1800" b="1" dirty="0">
-              <a:solidFill>
-                <a:srgbClr val="000000"/>
-              </a:solidFill>
-              <a:latin typeface="Cascadia Mono" panose="020B0609020000020004" pitchFamily="49" charset="0"/>
-            </a:endParaRPr>
-          </a:p>
-          <a:p>
-            <a:r>
-              <a:rPr lang="en-US" sz="1800" b="1" dirty="0">
-                <a:solidFill>
-                  <a:srgbClr val="000000"/>
-                </a:solidFill>
-                <a:latin typeface="Cascadia Mono" panose="020B0609020000020004" pitchFamily="49" charset="0"/>
-              </a:rPr>
-              <a:t>PRD</a:t>
-            </a:r>
-          </a:p>
-          <a:p>
-            <a:endParaRPr lang="en-US" sz="1800" b="1" dirty="0">
-              <a:solidFill>
-                <a:srgbClr val="000000"/>
-              </a:solidFill>
-              <a:latin typeface="Cascadia Mono" panose="020B0609020000020004" pitchFamily="49" charset="0"/>
-            </a:endParaRPr>
-          </a:p>
-          <a:p>
-            <a:r>
-              <a:rPr lang="en-US" sz="1800" dirty="0">
-                <a:solidFill>
-                  <a:srgbClr val="000000"/>
-                </a:solidFill>
-                <a:latin typeface="Cascadia Mono" panose="020B0609020000020004" pitchFamily="49" charset="0"/>
-              </a:rPr>
-              <a:t>This startup is the same as the previous one, but we removed the </a:t>
-            </a:r>
-            <a:r>
-              <a:rPr lang="nl-BE" sz="1800" dirty="0">
-                <a:solidFill>
-                  <a:srgbClr val="2E75B6"/>
-                </a:solidFill>
-                <a:highlight>
-                  <a:srgbClr val="FFFFFF"/>
-                </a:highlight>
-                <a:latin typeface="Cascadia Mono" panose="020B0609020000020004" pitchFamily="49" charset="0"/>
-              </a:rPr>
-              <a:t>ASPNETCORE_ENVIRONMENT environment variable. Anyone any idea which environment you get then?</a:t>
-            </a:r>
-          </a:p>
-          <a:p>
-            <a:endParaRPr lang="en-US" sz="1800" dirty="0">
-              <a:solidFill>
-                <a:srgbClr val="000000"/>
-              </a:solidFill>
-              <a:latin typeface="Cascadia Mono" panose="020B0609020000020004" pitchFamily="49" charset="0"/>
-            </a:endParaRPr>
-          </a:p>
-          <a:p>
-            <a:r>
-              <a:rPr lang="en-US" sz="1800" dirty="0">
-                <a:solidFill>
-                  <a:srgbClr val="000000"/>
-                </a:solidFill>
-                <a:latin typeface="Cascadia Mono" panose="020B0609020000020004" pitchFamily="49" charset="0"/>
-              </a:rPr>
-              <a:t>You’ll get the Production environment even if the ASPNETCORE_ENVIRONMENT isn’t present.</a:t>
-            </a:r>
-          </a:p>
-          <a:p>
-            <a:r>
-              <a:rPr lang="en-US" sz="1800" dirty="0">
-                <a:solidFill>
-                  <a:srgbClr val="000000"/>
-                </a:solidFill>
-                <a:latin typeface="Cascadia Mono" panose="020B0609020000020004" pitchFamily="49" charset="0"/>
-              </a:rPr>
-              <a:t>But it also has another consequence, by default you will also lose the support for the </a:t>
-            </a:r>
-            <a:r>
-              <a:rPr lang="en-US" sz="1800" dirty="0" err="1">
-                <a:solidFill>
-                  <a:srgbClr val="000000"/>
-                </a:solidFill>
-                <a:latin typeface="Cascadia Mono" panose="020B0609020000020004" pitchFamily="49" charset="0"/>
-              </a:rPr>
-              <a:t>secrets.json</a:t>
-            </a:r>
-            <a:r>
-              <a:rPr lang="en-US" sz="1800" dirty="0">
-                <a:solidFill>
-                  <a:srgbClr val="000000"/>
-                </a:solidFill>
-                <a:latin typeface="Cascadia Mono" panose="020B0609020000020004" pitchFamily="49" charset="0"/>
-              </a:rPr>
-              <a:t> as this usage is only intended for local development.</a:t>
-            </a:r>
-          </a:p>
-          <a:p>
-            <a:endParaRPr lang="en-US" sz="1800" dirty="0">
-              <a:solidFill>
-                <a:srgbClr val="000000"/>
-              </a:solidFill>
-              <a:latin typeface="Cascadia Mono" panose="020B0609020000020004" pitchFamily="49" charset="0"/>
-            </a:endParaRPr>
-          </a:p>
-          <a:p>
-            <a:endParaRPr lang="en-US" sz="1800" dirty="0">
-              <a:solidFill>
-                <a:srgbClr val="000000"/>
-              </a:solidFill>
-              <a:latin typeface="Cascadia Mono" panose="020B0609020000020004" pitchFamily="49" charset="0"/>
-            </a:endParaRPr>
-          </a:p>
-          <a:p>
-            <a:r>
-              <a:rPr lang="en-US" dirty="0"/>
-              <a:t>/</a:t>
-            </a:r>
-            <a:r>
-              <a:rPr lang="nl-BE" sz="1800" dirty="0">
-                <a:solidFill>
-                  <a:srgbClr val="000000"/>
-                </a:solidFill>
-                <a:highlight>
-                  <a:srgbClr val="FFFFFF"/>
-                </a:highlight>
-                <a:latin typeface="Cascadia Mono" panose="020B0609020000020004" pitchFamily="49" charset="0"/>
-              </a:rPr>
-              <a:t>configuration-providers</a:t>
-            </a:r>
-            <a:endParaRPr lang="en-US" sz="1800" dirty="0">
-              <a:solidFill>
-                <a:srgbClr val="000000"/>
-              </a:solidFill>
-              <a:latin typeface="Cascadia Mono" panose="020B0609020000020004" pitchFamily="49" charset="0"/>
-            </a:endParaRPr>
-          </a:p>
-          <a:p>
-            <a:endParaRPr lang="en-US" sz="1800" dirty="0">
-              <a:solidFill>
-                <a:srgbClr val="000000"/>
-              </a:solidFill>
-              <a:latin typeface="Cascadia Mono" panose="020B0609020000020004" pitchFamily="49" charset="0"/>
-            </a:endParaRPr>
-          </a:p>
-          <a:p>
-            <a:r>
-              <a:rPr lang="en-US" sz="1800" dirty="0">
-                <a:solidFill>
-                  <a:srgbClr val="000000"/>
-                </a:solidFill>
-                <a:latin typeface="Cascadia Mono" panose="020B0609020000020004" pitchFamily="49" charset="0"/>
-              </a:rPr>
-              <a:t>Reveals the order of the currently loaded configuration providers, you can clearly see that some are added multiple times,</a:t>
-            </a:r>
-          </a:p>
-          <a:p>
-            <a:r>
-              <a:rPr lang="en-US" sz="1800" dirty="0">
-                <a:solidFill>
-                  <a:srgbClr val="000000"/>
-                </a:solidFill>
-                <a:latin typeface="Cascadia Mono" panose="020B0609020000020004" pitchFamily="49" charset="0"/>
-              </a:rPr>
-              <a:t>In dev mode you clearly see that </a:t>
-            </a:r>
-            <a:r>
-              <a:rPr lang="en-US" sz="1800" dirty="0" err="1">
-                <a:solidFill>
-                  <a:srgbClr val="000000"/>
-                </a:solidFill>
-                <a:latin typeface="Cascadia Mono" panose="020B0609020000020004" pitchFamily="49" charset="0"/>
-              </a:rPr>
-              <a:t>secrets.json</a:t>
-            </a:r>
-            <a:r>
-              <a:rPr lang="en-US" sz="1800" dirty="0">
-                <a:solidFill>
-                  <a:srgbClr val="000000"/>
-                </a:solidFill>
-                <a:latin typeface="Cascadia Mono" panose="020B0609020000020004" pitchFamily="49" charset="0"/>
-              </a:rPr>
-              <a:t> is loaded but when you switch to production its not loaded by default.</a:t>
-            </a:r>
+              <a:rPr lang="en-US" noProof="0" dirty="0"/>
+              <a:t>If the regular providers from Microsoft or third parties doesn’t suit your needs, a custom provider can always be added.</a:t>
+            </a:r>
+            <a:br>
+              <a:rPr lang="en-US" noProof="0" dirty="0"/>
+            </a:br>
+            <a:r>
+              <a:rPr lang="en-US" noProof="0" dirty="0"/>
+              <a:t>Reference the </a:t>
+            </a:r>
+            <a:r>
+              <a:rPr lang="en-US" noProof="0" dirty="0" err="1"/>
+              <a:t>yml</a:t>
+            </a:r>
+            <a:r>
+              <a:rPr lang="en-US" noProof="0" dirty="0"/>
+              <a:t> file in this case.</a:t>
+            </a:r>
+          </a:p>
+          <a:p>
+            <a:endParaRPr lang="en-US" noProof="0" dirty="0"/>
+          </a:p>
+          <a:p>
             <a:endParaRPr lang="en-US" dirty="0"/>
           </a:p>
         </p:txBody>
@@ -7354,7 +7182,7 @@
     </p:spTree>
     <p:extLst>
       <p:ext uri="{BB962C8B-B14F-4D97-AF65-F5344CB8AC3E}">
-        <p14:creationId xmlns:p14="http://schemas.microsoft.com/office/powerpoint/2010/main" val="3304068986"/>
+        <p14:creationId xmlns:p14="http://schemas.microsoft.com/office/powerpoint/2010/main" val="1632068480"/>
       </p:ext>
     </p:extLst>
   </p:cSld>
@@ -15389,7 +15217,7 @@
           <p:cNvPr id="2" name="Title 1">
             <a:extLst>
               <a:ext uri="{FF2B5EF4-FFF2-40B4-BE49-F238E27FC236}">
-                <a16:creationId xmlns:a16="http://schemas.microsoft.com/office/drawing/2014/main" id="{07C64B07-5638-5432-6A07-C5BD94E372EB}"/>
+                <a16:creationId xmlns:a16="http://schemas.microsoft.com/office/drawing/2014/main" id="{47FB5714-DB64-E571-5C47-76CAD8E954BC}"/>
               </a:ext>
             </a:extLst>
           </p:cNvPr>
@@ -15411,168 +15239,113 @@
             </a:r>
             <a:r>
               <a:rPr lang="nl-BE" dirty="0"/>
-              <a:t>: Provider </a:t>
-            </a:r>
-            <a:r>
-              <a:rPr lang="en-US" dirty="0"/>
-              <a:t>flavors</a:t>
-            </a:r>
-          </a:p>
-        </p:txBody>
-      </p:sp>
-      <p:sp>
-        <p:nvSpPr>
-          <p:cNvPr id="3" name="Content Placeholder 2">
+              <a:t>: </a:t>
+            </a:r>
+            <a:r>
+              <a:rPr lang="nl-BE" dirty="0" err="1"/>
+              <a:t>Custom</a:t>
+            </a:r>
+            <a:r>
+              <a:rPr lang="nl-BE" dirty="0"/>
+              <a:t> provider</a:t>
+            </a:r>
+            <a:endParaRPr lang="en-US" dirty="0"/>
+          </a:p>
+        </p:txBody>
+      </p:sp>
+      <p:pic>
+        <p:nvPicPr>
+          <p:cNvPr id="7" name="Content Placeholder 6" descr="A hand writing on a blue board&#10;&#10;Description automatically generated">
             <a:extLst>
               <a:ext uri="{FF2B5EF4-FFF2-40B4-BE49-F238E27FC236}">
-                <a16:creationId xmlns:a16="http://schemas.microsoft.com/office/drawing/2014/main" id="{5B44FE59-BF2B-5510-2841-36B4EC9C7ECA}"/>
-              </a:ext>
-            </a:extLst>
-          </p:cNvPr>
-          <p:cNvSpPr>
-            <a:spLocks noGrp="1"/>
-          </p:cNvSpPr>
-          <p:nvPr>
-            <p:ph idx="1"/>
-          </p:nvPr>
-        </p:nvSpPr>
-        <p:spPr/>
-        <p:txBody>
-          <a:bodyPr/>
-          <a:lstStyle/>
-          <a:p>
-            <a:pPr marL="171450" indent="-171450">
-              <a:buFont typeface="Arial" panose="020B0604020202020204" pitchFamily="34" charset="0"/>
-              <a:buChar char="•"/>
-            </a:pPr>
-            <a:r>
-              <a:rPr lang="nl-BE" sz="2000" dirty="0"/>
-              <a:t> </a:t>
-            </a:r>
-            <a:r>
-              <a:rPr lang="nl-BE" sz="2000" dirty="0" err="1"/>
-              <a:t>Each</a:t>
-            </a:r>
-            <a:r>
-              <a:rPr lang="nl-BE" sz="2000" dirty="0"/>
-              <a:t> provider is different</a:t>
-            </a:r>
-            <a:br>
-              <a:rPr lang="nl-BE" sz="2000" dirty="0"/>
-            </a:br>
-            <a:br>
-              <a:rPr lang="nl-BE" sz="2000" dirty="0"/>
-            </a:br>
-            <a:br>
-              <a:rPr lang="nl-BE" sz="2000" dirty="0"/>
-            </a:br>
-            <a:endParaRPr lang="nl-BE" sz="2000" dirty="0"/>
-          </a:p>
-          <a:p>
-            <a:pPr marL="171450" indent="-171450">
-              <a:buFont typeface="Arial" panose="020B0604020202020204" pitchFamily="34" charset="0"/>
-              <a:buChar char="•"/>
-            </a:pPr>
-            <a:r>
-              <a:rPr lang="nl-BE" sz="2000" dirty="0" err="1"/>
-              <a:t>Custom</a:t>
-            </a:r>
-            <a:r>
-              <a:rPr lang="nl-BE" sz="2000" dirty="0"/>
-              <a:t> providers</a:t>
-            </a:r>
-            <a:endParaRPr lang="en-US" sz="2000" dirty="0"/>
-          </a:p>
-        </p:txBody>
-      </p:sp>
-      <p:sp>
-        <p:nvSpPr>
-          <p:cNvPr id="4" name="Footer Placeholder 3">
-            <a:extLst>
-              <a:ext uri="{FF2B5EF4-FFF2-40B4-BE49-F238E27FC236}">
-                <a16:creationId xmlns:a16="http://schemas.microsoft.com/office/drawing/2014/main" id="{79F6E8EB-2243-CB96-E7A3-992EF02FC21D}"/>
-              </a:ext>
-            </a:extLst>
-          </p:cNvPr>
-          <p:cNvSpPr>
-            <a:spLocks noGrp="1"/>
-          </p:cNvSpPr>
-          <p:nvPr>
-            <p:ph type="ftr" sz="quarter" idx="11"/>
-          </p:nvPr>
-        </p:nvSpPr>
-        <p:spPr/>
-        <p:txBody>
-          <a:bodyPr/>
-          <a:lstStyle/>
-          <a:p>
-            <a:endParaRPr lang="de-DE" dirty="0"/>
-          </a:p>
-        </p:txBody>
-      </p:sp>
-      <p:sp>
-        <p:nvSpPr>
-          <p:cNvPr id="5" name="Slide Number Placeholder 4">
-            <a:extLst>
-              <a:ext uri="{FF2B5EF4-FFF2-40B4-BE49-F238E27FC236}">
-                <a16:creationId xmlns:a16="http://schemas.microsoft.com/office/drawing/2014/main" id="{4938727A-7B23-1403-8AD4-727B285D2026}"/>
-              </a:ext>
-            </a:extLst>
-          </p:cNvPr>
-          <p:cNvSpPr>
-            <a:spLocks noGrp="1"/>
-          </p:cNvSpPr>
-          <p:nvPr>
-            <p:ph type="sldNum" sz="quarter" idx="12"/>
-          </p:nvPr>
-        </p:nvSpPr>
-        <p:spPr/>
-        <p:txBody>
-          <a:bodyPr/>
-          <a:lstStyle/>
-          <a:p>
-            <a:fld id="{AE839375-43AA-4A5D-B991-4343C4570BCB}" type="slidenum">
-              <a:rPr lang="de-DE" smtClean="0"/>
-              <a:t>10</a:t>
-            </a:fld>
-            <a:endParaRPr lang="de-DE"/>
-          </a:p>
-        </p:txBody>
-      </p:sp>
-      <p:pic>
-        <p:nvPicPr>
-          <p:cNvPr id="9" name="Picture 8">
-            <a:extLst>
-              <a:ext uri="{FF2B5EF4-FFF2-40B4-BE49-F238E27FC236}">
-                <a16:creationId xmlns:a16="http://schemas.microsoft.com/office/drawing/2014/main" id="{45722927-9BEE-E265-05F3-5E07F41AB335}"/>
+                <a16:creationId xmlns:a16="http://schemas.microsoft.com/office/drawing/2014/main" id="{91EC149C-B91E-47E6-9971-6DA0F2F47D52}"/>
               </a:ext>
             </a:extLst>
           </p:cNvPr>
           <p:cNvPicPr>
-            <a:picLocks noChangeAspect="1"/>
+            <a:picLocks noGrp="1" noChangeAspect="1"/>
           </p:cNvPicPr>
-          <p:nvPr/>
+          <p:nvPr>
+            <p:ph idx="1"/>
+          </p:nvPr>
         </p:nvPicPr>
         <p:blipFill>
-          <a:blip r:embed="rId3"/>
+          <a:blip r:embed="rId3">
+            <a:extLst>
+              <a:ext uri="{28A0092B-C50C-407E-A947-70E740481C1C}">
+                <a14:useLocalDpi xmlns:a14="http://schemas.microsoft.com/office/drawing/2010/main" val="0"/>
+              </a:ext>
+            </a:extLst>
+          </a:blip>
           <a:stretch>
             <a:fillRect/>
           </a:stretch>
         </p:blipFill>
         <p:spPr>
           <a:xfrm>
-            <a:off x="929391" y="1364457"/>
-            <a:ext cx="7953352" cy="753911"/>
+            <a:off x="792162" y="971550"/>
+            <a:ext cx="7559676" cy="3779838"/>
           </a:xfrm>
-          <a:prstGeom prst="rect">
-            <a:avLst/>
-          </a:prstGeom>
         </p:spPr>
       </p:pic>
+      <p:sp>
+        <p:nvSpPr>
+          <p:cNvPr id="4" name="Footer Placeholder 3">
+            <a:extLst>
+              <a:ext uri="{FF2B5EF4-FFF2-40B4-BE49-F238E27FC236}">
+                <a16:creationId xmlns:a16="http://schemas.microsoft.com/office/drawing/2014/main" id="{7777AB3F-2C62-266F-8D7B-0BD18B6D3475}"/>
+              </a:ext>
+            </a:extLst>
+          </p:cNvPr>
+          <p:cNvSpPr>
+            <a:spLocks noGrp="1"/>
+          </p:cNvSpPr>
+          <p:nvPr>
+            <p:ph type="ftr" sz="quarter" idx="11"/>
+          </p:nvPr>
+        </p:nvSpPr>
+        <p:spPr/>
+        <p:txBody>
+          <a:bodyPr/>
+          <a:lstStyle/>
+          <a:p>
+            <a:endParaRPr lang="de-DE" dirty="0"/>
+          </a:p>
+        </p:txBody>
+      </p:sp>
+      <p:sp>
+        <p:nvSpPr>
+          <p:cNvPr id="5" name="Slide Number Placeholder 4">
+            <a:extLst>
+              <a:ext uri="{FF2B5EF4-FFF2-40B4-BE49-F238E27FC236}">
+                <a16:creationId xmlns:a16="http://schemas.microsoft.com/office/drawing/2014/main" id="{301D380F-53E5-8CFA-9D71-5B1B5B7168C9}"/>
+              </a:ext>
+            </a:extLst>
+          </p:cNvPr>
+          <p:cNvSpPr>
+            <a:spLocks noGrp="1"/>
+          </p:cNvSpPr>
+          <p:nvPr>
+            <p:ph type="sldNum" sz="quarter" idx="12"/>
+          </p:nvPr>
+        </p:nvSpPr>
+        <p:spPr/>
+        <p:txBody>
+          <a:bodyPr/>
+          <a:lstStyle/>
+          <a:p>
+            <a:fld id="{AE839375-43AA-4A5D-B991-4343C4570BCB}" type="slidenum">
+              <a:rPr lang="de-DE" smtClean="0"/>
+              <a:t>10</a:t>
+            </a:fld>
+            <a:endParaRPr lang="de-DE"/>
+          </a:p>
+        </p:txBody>
+      </p:sp>
     </p:spTree>
     <p:extLst>
       <p:ext uri="{BB962C8B-B14F-4D97-AF65-F5344CB8AC3E}">
-        <p14:creationId xmlns:p14="http://schemas.microsoft.com/office/powerpoint/2010/main" val="3128684272"/>
+        <p14:creationId xmlns:p14="http://schemas.microsoft.com/office/powerpoint/2010/main" val="2641500054"/>
       </p:ext>
     </p:extLst>
   </p:cSld>
@@ -15626,15 +15399,7 @@
             </a:r>
             <a:r>
               <a:rPr lang="nl-BE" dirty="0"/>
-              <a:t>: </a:t>
-            </a:r>
-            <a:r>
-              <a:rPr lang="nl-BE" dirty="0" err="1"/>
-              <a:t>Custom</a:t>
-            </a:r>
-            <a:r>
-              <a:rPr lang="nl-BE" dirty="0"/>
-              <a:t> provider</a:t>
+              <a:t>: Binding</a:t>
             </a:r>
             <a:endParaRPr lang="en-US" dirty="0"/>
           </a:p>
@@ -15732,7 +15497,7 @@
     </p:spTree>
     <p:extLst>
       <p:ext uri="{BB962C8B-B14F-4D97-AF65-F5344CB8AC3E}">
-        <p14:creationId xmlns:p14="http://schemas.microsoft.com/office/powerpoint/2010/main" val="2641500054"/>
+        <p14:creationId xmlns:p14="http://schemas.microsoft.com/office/powerpoint/2010/main" val="3930078168"/>
       </p:ext>
     </p:extLst>
   </p:cSld>
@@ -15764,7 +15529,7 @@
           <p:cNvPr id="2" name="Title 1">
             <a:extLst>
               <a:ext uri="{FF2B5EF4-FFF2-40B4-BE49-F238E27FC236}">
-                <a16:creationId xmlns:a16="http://schemas.microsoft.com/office/drawing/2014/main" id="{47FB5714-DB64-E571-5C47-76CAD8E954BC}"/>
+                <a16:creationId xmlns:a16="http://schemas.microsoft.com/office/drawing/2014/main" id="{358E4484-861E-6FB4-61B1-5B814ECA143E}"/>
               </a:ext>
             </a:extLst>
           </p:cNvPr>
@@ -15772,7 +15537,7 @@
             <a:spLocks noGrp="1"/>
           </p:cNvSpPr>
           <p:nvPr>
-            <p:ph type="title"/>
+            <p:ph type="ctrTitle"/>
           </p:nvPr>
         </p:nvSpPr>
         <p:spPr/>
@@ -15782,65 +15547,26 @@
           <a:p>
             <a:r>
               <a:rPr lang="nl-BE" dirty="0" err="1"/>
-              <a:t>IConfiguration</a:t>
-            </a:r>
-            <a:r>
-              <a:rPr lang="nl-BE" dirty="0"/>
-              <a:t>: Binding</a:t>
+              <a:t>IOptions</a:t>
             </a:r>
             <a:endParaRPr lang="en-US" dirty="0"/>
           </a:p>
         </p:txBody>
       </p:sp>
-      <p:pic>
-        <p:nvPicPr>
-          <p:cNvPr id="7" name="Content Placeholder 6" descr="A hand writing on a blue board&#10;&#10;Description automatically generated">
+      <p:sp>
+        <p:nvSpPr>
+          <p:cNvPr id="3" name="Subtitle 2">
             <a:extLst>
               <a:ext uri="{FF2B5EF4-FFF2-40B4-BE49-F238E27FC236}">
-                <a16:creationId xmlns:a16="http://schemas.microsoft.com/office/drawing/2014/main" id="{91EC149C-B91E-47E6-9971-6DA0F2F47D52}"/>
+                <a16:creationId xmlns:a16="http://schemas.microsoft.com/office/drawing/2014/main" id="{F1024924-E187-1E7A-0111-0FD31C971274}"/>
               </a:ext>
             </a:extLst>
           </p:cNvPr>
-          <p:cNvPicPr>
-            <a:picLocks noGrp="1" noChangeAspect="1"/>
-          </p:cNvPicPr>
-          <p:nvPr>
-            <p:ph idx="1"/>
-          </p:nvPr>
-        </p:nvPicPr>
-        <p:blipFill>
-          <a:blip r:embed="rId3">
-            <a:extLst>
-              <a:ext uri="{28A0092B-C50C-407E-A947-70E740481C1C}">
-                <a14:useLocalDpi xmlns:a14="http://schemas.microsoft.com/office/drawing/2010/main" val="0"/>
-              </a:ext>
-            </a:extLst>
-          </a:blip>
-          <a:stretch>
-            <a:fillRect/>
-          </a:stretch>
-        </p:blipFill>
-        <p:spPr>
-          <a:xfrm>
-            <a:off x="792162" y="971550"/>
-            <a:ext cx="7559676" cy="3779838"/>
-          </a:xfrm>
-        </p:spPr>
-      </p:pic>
-      <p:sp>
-        <p:nvSpPr>
-          <p:cNvPr id="4" name="Footer Placeholder 3">
-            <a:extLst>
-              <a:ext uri="{FF2B5EF4-FFF2-40B4-BE49-F238E27FC236}">
-                <a16:creationId xmlns:a16="http://schemas.microsoft.com/office/drawing/2014/main" id="{7777AB3F-2C62-266F-8D7B-0BD18B6D3475}"/>
-              </a:ext>
-            </a:extLst>
-          </p:cNvPr>
-          <p:cNvSpPr>
-            <a:spLocks noGrp="1"/>
-          </p:cNvSpPr>
-          <p:nvPr>
-            <p:ph type="ftr" sz="quarter" idx="11"/>
+          <p:cNvSpPr>
+            <a:spLocks noGrp="1"/>
+          </p:cNvSpPr>
+          <p:nvPr>
+            <p:ph type="subTitle" idx="1"/>
           </p:nvPr>
         </p:nvSpPr>
         <p:spPr/>
@@ -15848,43 +15574,40 @@
           <a:bodyPr/>
           <a:lstStyle/>
           <a:p>
-            <a:endParaRPr lang="de-DE" dirty="0"/>
-          </a:p>
-        </p:txBody>
-      </p:sp>
-      <p:sp>
-        <p:nvSpPr>
-          <p:cNvPr id="5" name="Slide Number Placeholder 4">
-            <a:extLst>
-              <a:ext uri="{FF2B5EF4-FFF2-40B4-BE49-F238E27FC236}">
-                <a16:creationId xmlns:a16="http://schemas.microsoft.com/office/drawing/2014/main" id="{301D380F-53E5-8CFA-9D71-5B1B5B7168C9}"/>
-              </a:ext>
-            </a:extLst>
-          </p:cNvPr>
-          <p:cNvSpPr>
-            <a:spLocks noGrp="1"/>
-          </p:cNvSpPr>
-          <p:nvPr>
-            <p:ph type="sldNum" sz="quarter" idx="12"/>
-          </p:nvPr>
-        </p:nvSpPr>
-        <p:spPr/>
-        <p:txBody>
-          <a:bodyPr/>
-          <a:lstStyle/>
-          <a:p>
-            <a:fld id="{AE839375-43AA-4A5D-B991-4343C4570BCB}" type="slidenum">
-              <a:rPr lang="de-DE" smtClean="0"/>
-              <a:t>12</a:t>
-            </a:fld>
-            <a:endParaRPr lang="de-DE"/>
+            <a:r>
+              <a:rPr lang="nl-BE" dirty="0"/>
+              <a:t>Concept</a:t>
+            </a:r>
+          </a:p>
+          <a:p>
+            <a:r>
+              <a:rPr lang="nl-BE" dirty="0"/>
+              <a:t>Types</a:t>
+            </a:r>
+          </a:p>
+          <a:p>
+            <a:r>
+              <a:rPr lang="nl-BE" dirty="0" err="1"/>
+              <a:t>Validation</a:t>
+            </a:r>
+            <a:endParaRPr lang="nl-BE" dirty="0"/>
+          </a:p>
+          <a:p>
+            <a:r>
+              <a:rPr lang="nl-BE" dirty="0" err="1"/>
+              <a:t>Configure</a:t>
+            </a:r>
+            <a:endParaRPr lang="nl-BE" dirty="0"/>
+          </a:p>
+          <a:p>
+            <a:endParaRPr lang="en-US" dirty="0"/>
           </a:p>
         </p:txBody>
       </p:sp>
     </p:spTree>
     <p:extLst>
       <p:ext uri="{BB962C8B-B14F-4D97-AF65-F5344CB8AC3E}">
-        <p14:creationId xmlns:p14="http://schemas.microsoft.com/office/powerpoint/2010/main" val="3930078168"/>
+        <p14:creationId xmlns:p14="http://schemas.microsoft.com/office/powerpoint/2010/main" val="2884413321"/>
       </p:ext>
     </p:extLst>
   </p:cSld>
@@ -15916,116 +15639,6 @@
           <p:cNvPr id="2" name="Title 1">
             <a:extLst>
               <a:ext uri="{FF2B5EF4-FFF2-40B4-BE49-F238E27FC236}">
-                <a16:creationId xmlns:a16="http://schemas.microsoft.com/office/drawing/2014/main" id="{358E4484-861E-6FB4-61B1-5B814ECA143E}"/>
-              </a:ext>
-            </a:extLst>
-          </p:cNvPr>
-          <p:cNvSpPr>
-            <a:spLocks noGrp="1"/>
-          </p:cNvSpPr>
-          <p:nvPr>
-            <p:ph type="ctrTitle"/>
-          </p:nvPr>
-        </p:nvSpPr>
-        <p:spPr/>
-        <p:txBody>
-          <a:bodyPr/>
-          <a:lstStyle/>
-          <a:p>
-            <a:r>
-              <a:rPr lang="nl-BE" dirty="0" err="1"/>
-              <a:t>IOptions</a:t>
-            </a:r>
-            <a:endParaRPr lang="en-US" dirty="0"/>
-          </a:p>
-        </p:txBody>
-      </p:sp>
-      <p:sp>
-        <p:nvSpPr>
-          <p:cNvPr id="3" name="Subtitle 2">
-            <a:extLst>
-              <a:ext uri="{FF2B5EF4-FFF2-40B4-BE49-F238E27FC236}">
-                <a16:creationId xmlns:a16="http://schemas.microsoft.com/office/drawing/2014/main" id="{F1024924-E187-1E7A-0111-0FD31C971274}"/>
-              </a:ext>
-            </a:extLst>
-          </p:cNvPr>
-          <p:cNvSpPr>
-            <a:spLocks noGrp="1"/>
-          </p:cNvSpPr>
-          <p:nvPr>
-            <p:ph type="subTitle" idx="1"/>
-          </p:nvPr>
-        </p:nvSpPr>
-        <p:spPr/>
-        <p:txBody>
-          <a:bodyPr/>
-          <a:lstStyle/>
-          <a:p>
-            <a:r>
-              <a:rPr lang="nl-BE" dirty="0"/>
-              <a:t>Concept</a:t>
-            </a:r>
-          </a:p>
-          <a:p>
-            <a:r>
-              <a:rPr lang="nl-BE" dirty="0"/>
-              <a:t>Types</a:t>
-            </a:r>
-          </a:p>
-          <a:p>
-            <a:r>
-              <a:rPr lang="nl-BE" dirty="0" err="1"/>
-              <a:t>Validation</a:t>
-            </a:r>
-            <a:endParaRPr lang="nl-BE" dirty="0"/>
-          </a:p>
-          <a:p>
-            <a:r>
-              <a:rPr lang="nl-BE" dirty="0" err="1"/>
-              <a:t>Configure</a:t>
-            </a:r>
-            <a:endParaRPr lang="nl-BE" dirty="0"/>
-          </a:p>
-          <a:p>
-            <a:endParaRPr lang="en-US" dirty="0"/>
-          </a:p>
-        </p:txBody>
-      </p:sp>
-    </p:spTree>
-    <p:extLst>
-      <p:ext uri="{BB962C8B-B14F-4D97-AF65-F5344CB8AC3E}">
-        <p14:creationId xmlns:p14="http://schemas.microsoft.com/office/powerpoint/2010/main" val="2884413321"/>
-      </p:ext>
-    </p:extLst>
-  </p:cSld>
-  <p:clrMapOvr>
-    <a:masterClrMapping/>
-  </p:clrMapOvr>
-</p:sld>
-</file>
-
-<file path=ppt/slides/slide14.xml><?xml version="1.0" encoding="utf-8"?>
-<p:sld xmlns:a="http://schemas.openxmlformats.org/drawingml/2006/main" xmlns:r="http://schemas.openxmlformats.org/officeDocument/2006/relationships" xmlns:p="http://schemas.openxmlformats.org/presentationml/2006/main">
-  <p:cSld>
-    <p:spTree>
-      <p:nvGrpSpPr>
-        <p:cNvPr id="1" name=""/>
-        <p:cNvGrpSpPr/>
-        <p:nvPr/>
-      </p:nvGrpSpPr>
-      <p:grpSpPr>
-        <a:xfrm>
-          <a:off x="0" y="0"/>
-          <a:ext cx="0" cy="0"/>
-          <a:chOff x="0" y="0"/>
-          <a:chExt cx="0" cy="0"/>
-        </a:xfrm>
-      </p:grpSpPr>
-      <p:sp>
-        <p:nvSpPr>
-          <p:cNvPr id="2" name="Title 1">
-            <a:extLst>
-              <a:ext uri="{FF2B5EF4-FFF2-40B4-BE49-F238E27FC236}">
                 <a16:creationId xmlns:a16="http://schemas.microsoft.com/office/drawing/2014/main" id="{9C18ABA1-B814-5378-943C-6745DFFADB56}"/>
               </a:ext>
             </a:extLst>
@@ -16281,7 +15894,7 @@
           <a:p>
             <a:fld id="{AE839375-43AA-4A5D-B991-4343C4570BCB}" type="slidenum">
               <a:rPr lang="de-DE" smtClean="0"/>
-              <a:t>14</a:t>
+              <a:t>13</a:t>
             </a:fld>
             <a:endParaRPr lang="de-DE"/>
           </a:p>
@@ -16300,7 +15913,7 @@
 </p:sld>
 </file>
 
-<file path=ppt/slides/slide15.xml><?xml version="1.0" encoding="utf-8"?>
+<file path=ppt/slides/slide14.xml><?xml version="1.0" encoding="utf-8"?>
 <p:sld xmlns:a="http://schemas.openxmlformats.org/drawingml/2006/main" xmlns:r="http://schemas.openxmlformats.org/officeDocument/2006/relationships" xmlns:p="http://schemas.openxmlformats.org/presentationml/2006/main">
   <p:cSld>
     <p:spTree>
@@ -16700,7 +16313,7 @@
           <a:p>
             <a:fld id="{AE839375-43AA-4A5D-B991-4343C4570BCB}" type="slidenum">
               <a:rPr lang="de-DE" smtClean="0"/>
-              <a:t>15</a:t>
+              <a:t>14</a:t>
             </a:fld>
             <a:endParaRPr lang="de-DE"/>
           </a:p>
@@ -17070,7 +16683,7 @@
 </p:sld>
 </file>
 
-<file path=ppt/slides/slide16.xml><?xml version="1.0" encoding="utf-8"?>
+<file path=ppt/slides/slide15.xml><?xml version="1.0" encoding="utf-8"?>
 <p:sld xmlns:a="http://schemas.openxmlformats.org/drawingml/2006/main" xmlns:r="http://schemas.openxmlformats.org/officeDocument/2006/relationships" xmlns:p="http://schemas.openxmlformats.org/presentationml/2006/main">
   <p:cSld>
     <p:spTree>
@@ -17199,7 +16812,7 @@
           <a:p>
             <a:fld id="{AE839375-43AA-4A5D-B991-4343C4570BCB}" type="slidenum">
               <a:rPr lang="de-DE" smtClean="0"/>
-              <a:t>16</a:t>
+              <a:t>15</a:t>
             </a:fld>
             <a:endParaRPr lang="de-DE"/>
           </a:p>
@@ -17209,6 +16822,217 @@
     <p:extLst>
       <p:ext uri="{BB962C8B-B14F-4D97-AF65-F5344CB8AC3E}">
         <p14:creationId xmlns:p14="http://schemas.microsoft.com/office/powerpoint/2010/main" val="1160594620"/>
+      </p:ext>
+    </p:extLst>
+  </p:cSld>
+  <p:clrMapOvr>
+    <a:masterClrMapping/>
+  </p:clrMapOvr>
+</p:sld>
+</file>
+
+<file path=ppt/slides/slide16.xml><?xml version="1.0" encoding="utf-8"?>
+<p:sld xmlns:a="http://schemas.openxmlformats.org/drawingml/2006/main" xmlns:r="http://schemas.openxmlformats.org/officeDocument/2006/relationships" xmlns:p="http://schemas.openxmlformats.org/presentationml/2006/main">
+  <p:cSld>
+    <p:spTree>
+      <p:nvGrpSpPr>
+        <p:cNvPr id="1" name=""/>
+        <p:cNvGrpSpPr/>
+        <p:nvPr/>
+      </p:nvGrpSpPr>
+      <p:grpSpPr>
+        <a:xfrm>
+          <a:off x="0" y="0"/>
+          <a:ext cx="0" cy="0"/>
+          <a:chOff x="0" y="0"/>
+          <a:chExt cx="0" cy="0"/>
+        </a:xfrm>
+      </p:grpSpPr>
+      <p:sp>
+        <p:nvSpPr>
+          <p:cNvPr id="2" name="Title 1">
+            <a:extLst>
+              <a:ext uri="{FF2B5EF4-FFF2-40B4-BE49-F238E27FC236}">
+                <a16:creationId xmlns:a16="http://schemas.microsoft.com/office/drawing/2014/main" id="{4CF03A19-1FE7-4779-4887-B171A5B8E495}"/>
+              </a:ext>
+            </a:extLst>
+          </p:cNvPr>
+          <p:cNvSpPr>
+            <a:spLocks noGrp="1"/>
+          </p:cNvSpPr>
+          <p:nvPr>
+            <p:ph type="title"/>
+          </p:nvPr>
+        </p:nvSpPr>
+        <p:spPr/>
+        <p:txBody>
+          <a:bodyPr/>
+          <a:lstStyle/>
+          <a:p>
+            <a:r>
+              <a:rPr lang="nl-BE" dirty="0" err="1"/>
+              <a:t>IOptions</a:t>
+            </a:r>
+            <a:r>
+              <a:rPr lang="nl-BE" dirty="0"/>
+              <a:t>: </a:t>
+            </a:r>
+            <a:r>
+              <a:rPr lang="nl-BE" dirty="0" err="1"/>
+              <a:t>Validation</a:t>
+            </a:r>
+            <a:endParaRPr lang="en-US" dirty="0"/>
+          </a:p>
+        </p:txBody>
+      </p:sp>
+      <p:sp>
+        <p:nvSpPr>
+          <p:cNvPr id="3" name="Content Placeholder 2">
+            <a:extLst>
+              <a:ext uri="{FF2B5EF4-FFF2-40B4-BE49-F238E27FC236}">
+                <a16:creationId xmlns:a16="http://schemas.microsoft.com/office/drawing/2014/main" id="{C734D553-432E-BA05-6BEB-7B5F02314FF3}"/>
+              </a:ext>
+            </a:extLst>
+          </p:cNvPr>
+          <p:cNvSpPr>
+            <a:spLocks noGrp="1"/>
+          </p:cNvSpPr>
+          <p:nvPr>
+            <p:ph idx="1"/>
+          </p:nvPr>
+        </p:nvSpPr>
+        <p:spPr/>
+        <p:txBody>
+          <a:bodyPr/>
+          <a:lstStyle/>
+          <a:p>
+            <a:pPr marL="171450" indent="-171450">
+              <a:buFont typeface="Arial" panose="020B0604020202020204" pitchFamily="34" charset="0"/>
+              <a:buChar char="•"/>
+            </a:pPr>
+            <a:r>
+              <a:rPr lang="nl-BE" sz="2000" dirty="0" err="1"/>
+              <a:t>Microsoft.Extensions.Options.DataAnnotations</a:t>
+            </a:r>
+            <a:endParaRPr lang="nl-BE" sz="2000" dirty="0"/>
+          </a:p>
+          <a:p>
+            <a:pPr marL="171450" indent="-171450">
+              <a:buFont typeface="Arial" panose="020B0604020202020204" pitchFamily="34" charset="0"/>
+              <a:buChar char="•"/>
+            </a:pPr>
+            <a:r>
+              <a:rPr lang="en-US" sz="2000" dirty="0"/>
+              <a:t>On first usage</a:t>
+            </a:r>
+          </a:p>
+          <a:p>
+            <a:pPr marL="171450" indent="-171450">
+              <a:buFont typeface="Arial" panose="020B0604020202020204" pitchFamily="34" charset="0"/>
+              <a:buChar char="•"/>
+            </a:pPr>
+            <a:r>
+              <a:rPr lang="en-US" sz="2000" dirty="0"/>
+              <a:t>On startup</a:t>
+            </a:r>
+          </a:p>
+          <a:p>
+            <a:pPr marL="171450" indent="-171450">
+              <a:buFont typeface="Arial" panose="020B0604020202020204" pitchFamily="34" charset="0"/>
+              <a:buChar char="•"/>
+            </a:pPr>
+            <a:r>
+              <a:rPr lang="en-US" sz="2000" dirty="0"/>
+              <a:t>Custom validation</a:t>
+            </a:r>
+          </a:p>
+          <a:p>
+            <a:pPr marL="171450" indent="-171450">
+              <a:buFont typeface="Arial" panose="020B0604020202020204" pitchFamily="34" charset="0"/>
+              <a:buChar char="•"/>
+            </a:pPr>
+            <a:r>
+              <a:rPr lang="en-US" sz="2000" dirty="0"/>
+              <a:t>Validation in a separate class</a:t>
+            </a:r>
+          </a:p>
+          <a:p>
+            <a:pPr marL="171450" indent="-171450">
+              <a:buFont typeface="Arial" panose="020B0604020202020204" pitchFamily="34" charset="0"/>
+              <a:buChar char="•"/>
+            </a:pPr>
+            <a:r>
+              <a:rPr lang="en-US" sz="2000" dirty="0"/>
+              <a:t>Source generated</a:t>
+            </a:r>
+          </a:p>
+          <a:p>
+            <a:pPr marL="171450" indent="-171450">
+              <a:buFont typeface="Arial" panose="020B0604020202020204" pitchFamily="34" charset="0"/>
+              <a:buChar char="•"/>
+            </a:pPr>
+            <a:endParaRPr lang="en-US" sz="2000" dirty="0"/>
+          </a:p>
+        </p:txBody>
+      </p:sp>
+      <p:sp>
+        <p:nvSpPr>
+          <p:cNvPr id="4" name="Footer Placeholder 3">
+            <a:extLst>
+              <a:ext uri="{FF2B5EF4-FFF2-40B4-BE49-F238E27FC236}">
+                <a16:creationId xmlns:a16="http://schemas.microsoft.com/office/drawing/2014/main" id="{A818705B-B1A5-12C7-816A-CDA53FFCFBD0}"/>
+              </a:ext>
+            </a:extLst>
+          </p:cNvPr>
+          <p:cNvSpPr>
+            <a:spLocks noGrp="1"/>
+          </p:cNvSpPr>
+          <p:nvPr>
+            <p:ph type="ftr" sz="quarter" idx="11"/>
+          </p:nvPr>
+        </p:nvSpPr>
+        <p:spPr/>
+        <p:txBody>
+          <a:bodyPr/>
+          <a:lstStyle/>
+          <a:p>
+            <a:endParaRPr lang="de-DE" dirty="0"/>
+          </a:p>
+        </p:txBody>
+      </p:sp>
+      <p:sp>
+        <p:nvSpPr>
+          <p:cNvPr id="5" name="Slide Number Placeholder 4">
+            <a:extLst>
+              <a:ext uri="{FF2B5EF4-FFF2-40B4-BE49-F238E27FC236}">
+                <a16:creationId xmlns:a16="http://schemas.microsoft.com/office/drawing/2014/main" id="{F84538FF-6576-01A4-940B-CBF1C43FECCA}"/>
+              </a:ext>
+            </a:extLst>
+          </p:cNvPr>
+          <p:cNvSpPr>
+            <a:spLocks noGrp="1"/>
+          </p:cNvSpPr>
+          <p:nvPr>
+            <p:ph type="sldNum" sz="quarter" idx="12"/>
+          </p:nvPr>
+        </p:nvSpPr>
+        <p:spPr/>
+        <p:txBody>
+          <a:bodyPr/>
+          <a:lstStyle/>
+          <a:p>
+            <a:fld id="{AE839375-43AA-4A5D-B991-4343C4570BCB}" type="slidenum">
+              <a:rPr lang="de-DE" smtClean="0"/>
+              <a:t>16</a:t>
+            </a:fld>
+            <a:endParaRPr lang="de-DE"/>
+          </a:p>
+        </p:txBody>
+      </p:sp>
+    </p:spTree>
+    <p:extLst>
+      <p:ext uri="{BB962C8B-B14F-4D97-AF65-F5344CB8AC3E}">
+        <p14:creationId xmlns:p14="http://schemas.microsoft.com/office/powerpoint/2010/main" val="3896217407"/>
       </p:ext>
     </p:extLst>
   </p:cSld>
@@ -17240,7 +17064,7 @@
           <p:cNvPr id="2" name="Title 1">
             <a:extLst>
               <a:ext uri="{FF2B5EF4-FFF2-40B4-BE49-F238E27FC236}">
-                <a16:creationId xmlns:a16="http://schemas.microsoft.com/office/drawing/2014/main" id="{4CF03A19-1FE7-4779-4887-B171A5B8E495}"/>
+                <a16:creationId xmlns:a16="http://schemas.microsoft.com/office/drawing/2014/main" id="{47FB5714-DB64-E571-5C47-76CAD8E954BC}"/>
               </a:ext>
             </a:extLst>
           </p:cNvPr>
@@ -17272,102 +17096,47 @@
           </a:p>
         </p:txBody>
       </p:sp>
-      <p:sp>
-        <p:nvSpPr>
-          <p:cNvPr id="3" name="Content Placeholder 2">
+      <p:pic>
+        <p:nvPicPr>
+          <p:cNvPr id="7" name="Content Placeholder 6" descr="A hand writing on a blue board&#10;&#10;Description automatically generated">
             <a:extLst>
               <a:ext uri="{FF2B5EF4-FFF2-40B4-BE49-F238E27FC236}">
-                <a16:creationId xmlns:a16="http://schemas.microsoft.com/office/drawing/2014/main" id="{C734D553-432E-BA05-6BEB-7B5F02314FF3}"/>
+                <a16:creationId xmlns:a16="http://schemas.microsoft.com/office/drawing/2014/main" id="{91EC149C-B91E-47E6-9971-6DA0F2F47D52}"/>
               </a:ext>
             </a:extLst>
           </p:cNvPr>
-          <p:cNvSpPr>
-            <a:spLocks noGrp="1"/>
-          </p:cNvSpPr>
+          <p:cNvPicPr>
+            <a:picLocks noGrp="1" noChangeAspect="1"/>
+          </p:cNvPicPr>
           <p:nvPr>
             <p:ph idx="1"/>
           </p:nvPr>
-        </p:nvSpPr>
-        <p:spPr/>
-        <p:txBody>
-          <a:bodyPr/>
-          <a:lstStyle/>
-          <a:p>
-            <a:pPr marL="171450" indent="-171450">
-              <a:buFont typeface="Arial" panose="020B0604020202020204" pitchFamily="34" charset="0"/>
-              <a:buChar char="•"/>
-            </a:pPr>
-            <a:r>
-              <a:rPr lang="nl-BE" sz="2000" dirty="0" err="1"/>
-              <a:t>Microsoft.Extensions.Options.DataAnnotations</a:t>
-            </a:r>
-            <a:endParaRPr lang="nl-BE" sz="2000" dirty="0"/>
-          </a:p>
-          <a:p>
-            <a:pPr marL="171450" indent="-171450">
-              <a:buFont typeface="Arial" panose="020B0604020202020204" pitchFamily="34" charset="0"/>
-              <a:buChar char="•"/>
-            </a:pPr>
-            <a:r>
-              <a:rPr lang="en-US" sz="2000" dirty="0"/>
-              <a:t>On first usage</a:t>
-            </a:r>
-          </a:p>
-          <a:p>
-            <a:pPr marL="171450" indent="-171450">
-              <a:buFont typeface="Arial" panose="020B0604020202020204" pitchFamily="34" charset="0"/>
-              <a:buChar char="•"/>
-            </a:pPr>
-            <a:r>
-              <a:rPr lang="en-US" sz="2000" dirty="0"/>
-              <a:t>On startup</a:t>
-            </a:r>
-          </a:p>
-          <a:p>
-            <a:pPr marL="171450" indent="-171450">
-              <a:buFont typeface="Arial" panose="020B0604020202020204" pitchFamily="34" charset="0"/>
-              <a:buChar char="•"/>
-            </a:pPr>
-            <a:r>
-              <a:rPr lang="en-US" sz="2000" dirty="0"/>
-              <a:t>Custom validation</a:t>
-            </a:r>
-          </a:p>
-          <a:p>
-            <a:pPr marL="171450" indent="-171450">
-              <a:buFont typeface="Arial" panose="020B0604020202020204" pitchFamily="34" charset="0"/>
-              <a:buChar char="•"/>
-            </a:pPr>
-            <a:r>
-              <a:rPr lang="en-US" sz="2000" dirty="0"/>
-              <a:t>Validation in a separate class</a:t>
-            </a:r>
-          </a:p>
-          <a:p>
-            <a:pPr marL="171450" indent="-171450">
-              <a:buFont typeface="Arial" panose="020B0604020202020204" pitchFamily="34" charset="0"/>
-              <a:buChar char="•"/>
-            </a:pPr>
-            <a:r>
-              <a:rPr lang="en-US" sz="2000" dirty="0"/>
-              <a:t>Source generated</a:t>
-            </a:r>
-          </a:p>
-          <a:p>
-            <a:pPr marL="171450" indent="-171450">
-              <a:buFont typeface="Arial" panose="020B0604020202020204" pitchFamily="34" charset="0"/>
-              <a:buChar char="•"/>
-            </a:pPr>
-            <a:endParaRPr lang="en-US" sz="2000" dirty="0"/>
-          </a:p>
-        </p:txBody>
-      </p:sp>
+        </p:nvPicPr>
+        <p:blipFill>
+          <a:blip r:embed="rId3">
+            <a:extLst>
+              <a:ext uri="{28A0092B-C50C-407E-A947-70E740481C1C}">
+                <a14:useLocalDpi xmlns:a14="http://schemas.microsoft.com/office/drawing/2010/main" val="0"/>
+              </a:ext>
+            </a:extLst>
+          </a:blip>
+          <a:stretch>
+            <a:fillRect/>
+          </a:stretch>
+        </p:blipFill>
+        <p:spPr>
+          <a:xfrm>
+            <a:off x="792162" y="971550"/>
+            <a:ext cx="7559676" cy="3779838"/>
+          </a:xfrm>
+        </p:spPr>
+      </p:pic>
       <p:sp>
         <p:nvSpPr>
           <p:cNvPr id="4" name="Footer Placeholder 3">
             <a:extLst>
               <a:ext uri="{FF2B5EF4-FFF2-40B4-BE49-F238E27FC236}">
-                <a16:creationId xmlns:a16="http://schemas.microsoft.com/office/drawing/2014/main" id="{A818705B-B1A5-12C7-816A-CDA53FFCFBD0}"/>
+                <a16:creationId xmlns:a16="http://schemas.microsoft.com/office/drawing/2014/main" id="{7777AB3F-2C62-266F-8D7B-0BD18B6D3475}"/>
               </a:ext>
             </a:extLst>
           </p:cNvPr>
@@ -17392,7 +17161,7 @@
           <p:cNvPr id="5" name="Slide Number Placeholder 4">
             <a:extLst>
               <a:ext uri="{FF2B5EF4-FFF2-40B4-BE49-F238E27FC236}">
-                <a16:creationId xmlns:a16="http://schemas.microsoft.com/office/drawing/2014/main" id="{F84538FF-6576-01A4-940B-CBF1C43FECCA}"/>
+                <a16:creationId xmlns:a16="http://schemas.microsoft.com/office/drawing/2014/main" id="{301D380F-53E5-8CFA-9D71-5B1B5B7168C9}"/>
               </a:ext>
             </a:extLst>
           </p:cNvPr>
@@ -17419,7 +17188,7 @@
     </p:spTree>
     <p:extLst>
       <p:ext uri="{BB962C8B-B14F-4D97-AF65-F5344CB8AC3E}">
-        <p14:creationId xmlns:p14="http://schemas.microsoft.com/office/powerpoint/2010/main" val="3896217407"/>
+        <p14:creationId xmlns:p14="http://schemas.microsoft.com/office/powerpoint/2010/main" val="732150789"/>
       </p:ext>
     </p:extLst>
   </p:cSld>
@@ -17451,7 +17220,7 @@
           <p:cNvPr id="2" name="Title 1">
             <a:extLst>
               <a:ext uri="{FF2B5EF4-FFF2-40B4-BE49-F238E27FC236}">
-                <a16:creationId xmlns:a16="http://schemas.microsoft.com/office/drawing/2014/main" id="{47FB5714-DB64-E571-5C47-76CAD8E954BC}"/>
+                <a16:creationId xmlns:a16="http://schemas.microsoft.com/office/drawing/2014/main" id="{2569934F-CBAC-CAB1-129A-379C3761D52B}"/>
               </a:ext>
             </a:extLst>
           </p:cNvPr>
@@ -17477,7 +17246,7 @@
             </a:r>
             <a:r>
               <a:rPr lang="nl-BE" dirty="0" err="1"/>
-              <a:t>Validation</a:t>
+              <a:t>Configure</a:t>
             </a:r>
             <a:endParaRPr lang="en-US" dirty="0"/>
           </a:p>
@@ -17485,10 +17254,10 @@
       </p:sp>
       <p:pic>
         <p:nvPicPr>
-          <p:cNvPr id="7" name="Content Placeholder 6" descr="A hand writing on a blue board&#10;&#10;Description automatically generated">
+          <p:cNvPr id="9" name="Content Placeholder 8" descr="A diagram of a service collection&#10;&#10;Description automatically generated">
             <a:extLst>
               <a:ext uri="{FF2B5EF4-FFF2-40B4-BE49-F238E27FC236}">
-                <a16:creationId xmlns:a16="http://schemas.microsoft.com/office/drawing/2014/main" id="{91EC149C-B91E-47E6-9971-6DA0F2F47D52}"/>
+                <a16:creationId xmlns:a16="http://schemas.microsoft.com/office/drawing/2014/main" id="{93EBFA8C-7308-8F7A-89EC-B6DBCB1BAADE}"/>
               </a:ext>
             </a:extLst>
           </p:cNvPr>
@@ -17513,8 +17282,8 @@
         </p:blipFill>
         <p:spPr>
           <a:xfrm>
-            <a:off x="792162" y="971550"/>
-            <a:ext cx="7559676" cy="3779838"/>
+            <a:off x="1740979" y="971550"/>
+            <a:ext cx="5662043" cy="3779838"/>
           </a:xfrm>
         </p:spPr>
       </p:pic>
@@ -17523,7 +17292,7 @@
           <p:cNvPr id="4" name="Footer Placeholder 3">
             <a:extLst>
               <a:ext uri="{FF2B5EF4-FFF2-40B4-BE49-F238E27FC236}">
-                <a16:creationId xmlns:a16="http://schemas.microsoft.com/office/drawing/2014/main" id="{7777AB3F-2C62-266F-8D7B-0BD18B6D3475}"/>
+                <a16:creationId xmlns:a16="http://schemas.microsoft.com/office/drawing/2014/main" id="{257E14A3-FE3D-F016-46C3-026278C2793E}"/>
               </a:ext>
             </a:extLst>
           </p:cNvPr>
@@ -17548,7 +17317,7 @@
           <p:cNvPr id="5" name="Slide Number Placeholder 4">
             <a:extLst>
               <a:ext uri="{FF2B5EF4-FFF2-40B4-BE49-F238E27FC236}">
-                <a16:creationId xmlns:a16="http://schemas.microsoft.com/office/drawing/2014/main" id="{301D380F-53E5-8CFA-9D71-5B1B5B7168C9}"/>
+                <a16:creationId xmlns:a16="http://schemas.microsoft.com/office/drawing/2014/main" id="{652A934E-7D7C-7BD2-B86B-3E853820F7F3}"/>
               </a:ext>
             </a:extLst>
           </p:cNvPr>
@@ -17575,7 +17344,7 @@
     </p:spTree>
     <p:extLst>
       <p:ext uri="{BB962C8B-B14F-4D97-AF65-F5344CB8AC3E}">
-        <p14:creationId xmlns:p14="http://schemas.microsoft.com/office/powerpoint/2010/main" val="732150789"/>
+        <p14:creationId xmlns:p14="http://schemas.microsoft.com/office/powerpoint/2010/main" val="3483802411"/>
       </p:ext>
     </p:extLst>
   </p:cSld>
@@ -17607,7 +17376,7 @@
           <p:cNvPr id="2" name="Title 1">
             <a:extLst>
               <a:ext uri="{FF2B5EF4-FFF2-40B4-BE49-F238E27FC236}">
-                <a16:creationId xmlns:a16="http://schemas.microsoft.com/office/drawing/2014/main" id="{2569934F-CBAC-CAB1-129A-379C3761D52B}"/>
+                <a16:creationId xmlns:a16="http://schemas.microsoft.com/office/drawing/2014/main" id="{47FB5714-DB64-E571-5C47-76CAD8E954BC}"/>
               </a:ext>
             </a:extLst>
           </p:cNvPr>
@@ -17641,10 +17410,10 @@
       </p:sp>
       <p:pic>
         <p:nvPicPr>
-          <p:cNvPr id="9" name="Content Placeholder 8" descr="A diagram of a service collection&#10;&#10;Description automatically generated">
+          <p:cNvPr id="7" name="Content Placeholder 6" descr="A hand writing on a blue board&#10;&#10;Description automatically generated">
             <a:extLst>
               <a:ext uri="{FF2B5EF4-FFF2-40B4-BE49-F238E27FC236}">
-                <a16:creationId xmlns:a16="http://schemas.microsoft.com/office/drawing/2014/main" id="{93EBFA8C-7308-8F7A-89EC-B6DBCB1BAADE}"/>
+                <a16:creationId xmlns:a16="http://schemas.microsoft.com/office/drawing/2014/main" id="{91EC149C-B91E-47E6-9971-6DA0F2F47D52}"/>
               </a:ext>
             </a:extLst>
           </p:cNvPr>
@@ -17669,8 +17438,8 @@
         </p:blipFill>
         <p:spPr>
           <a:xfrm>
-            <a:off x="1740979" y="971550"/>
-            <a:ext cx="5662043" cy="3779838"/>
+            <a:off x="792162" y="971550"/>
+            <a:ext cx="7559676" cy="3779838"/>
           </a:xfrm>
         </p:spPr>
       </p:pic>
@@ -17679,7 +17448,7 @@
           <p:cNvPr id="4" name="Footer Placeholder 3">
             <a:extLst>
               <a:ext uri="{FF2B5EF4-FFF2-40B4-BE49-F238E27FC236}">
-                <a16:creationId xmlns:a16="http://schemas.microsoft.com/office/drawing/2014/main" id="{257E14A3-FE3D-F016-46C3-026278C2793E}"/>
+                <a16:creationId xmlns:a16="http://schemas.microsoft.com/office/drawing/2014/main" id="{7777AB3F-2C62-266F-8D7B-0BD18B6D3475}"/>
               </a:ext>
             </a:extLst>
           </p:cNvPr>
@@ -17704,7 +17473,7 @@
           <p:cNvPr id="5" name="Slide Number Placeholder 4">
             <a:extLst>
               <a:ext uri="{FF2B5EF4-FFF2-40B4-BE49-F238E27FC236}">
-                <a16:creationId xmlns:a16="http://schemas.microsoft.com/office/drawing/2014/main" id="{652A934E-7D7C-7BD2-B86B-3E853820F7F3}"/>
+                <a16:creationId xmlns:a16="http://schemas.microsoft.com/office/drawing/2014/main" id="{301D380F-53E5-8CFA-9D71-5B1B5B7168C9}"/>
               </a:ext>
             </a:extLst>
           </p:cNvPr>
@@ -17731,7 +17500,7 @@
     </p:spTree>
     <p:extLst>
       <p:ext uri="{BB962C8B-B14F-4D97-AF65-F5344CB8AC3E}">
-        <p14:creationId xmlns:p14="http://schemas.microsoft.com/office/powerpoint/2010/main" val="3483802411"/>
+        <p14:creationId xmlns:p14="http://schemas.microsoft.com/office/powerpoint/2010/main" val="1573862312"/>
       </p:ext>
     </p:extLst>
   </p:cSld>
@@ -18070,7 +17839,7 @@
           <p:cNvPr id="2" name="Title 1">
             <a:extLst>
               <a:ext uri="{FF2B5EF4-FFF2-40B4-BE49-F238E27FC236}">
-                <a16:creationId xmlns:a16="http://schemas.microsoft.com/office/drawing/2014/main" id="{47FB5714-DB64-E571-5C47-76CAD8E954BC}"/>
+                <a16:creationId xmlns:a16="http://schemas.microsoft.com/office/drawing/2014/main" id="{6E92DEA5-C4D3-E11D-217E-B89007FA9C86}"/>
               </a:ext>
             </a:extLst>
           </p:cNvPr>
@@ -18087,62 +17856,110 @@
           <a:lstStyle/>
           <a:p>
             <a:r>
-              <a:rPr lang="nl-BE" dirty="0" err="1"/>
-              <a:t>IOptions</a:t>
-            </a:r>
-            <a:r>
               <a:rPr lang="nl-BE" dirty="0"/>
-              <a:t>: </a:t>
-            </a:r>
-            <a:r>
-              <a:rPr lang="nl-BE" dirty="0" err="1"/>
-              <a:t>Configure</a:t>
-            </a:r>
-            <a:endParaRPr lang="en-US" dirty="0"/>
-          </a:p>
-        </p:txBody>
-      </p:sp>
-      <p:pic>
-        <p:nvPicPr>
-          <p:cNvPr id="7" name="Content Placeholder 6" descr="A hand writing on a blue board&#10;&#10;Description automatically generated">
+              <a:t>Summary</a:t>
+            </a:r>
+          </a:p>
+        </p:txBody>
+      </p:sp>
+      <p:sp>
+        <p:nvSpPr>
+          <p:cNvPr id="3" name="Content Placeholder 2">
             <a:extLst>
               <a:ext uri="{FF2B5EF4-FFF2-40B4-BE49-F238E27FC236}">
-                <a16:creationId xmlns:a16="http://schemas.microsoft.com/office/drawing/2014/main" id="{91EC149C-B91E-47E6-9971-6DA0F2F47D52}"/>
+                <a16:creationId xmlns:a16="http://schemas.microsoft.com/office/drawing/2014/main" id="{F85DC6BB-3D68-88EB-CBC1-D36D4D95CB19}"/>
               </a:ext>
             </a:extLst>
           </p:cNvPr>
-          <p:cNvPicPr>
-            <a:picLocks noGrp="1" noChangeAspect="1"/>
-          </p:cNvPicPr>
+          <p:cNvSpPr>
+            <a:spLocks noGrp="1"/>
+          </p:cNvSpPr>
           <p:nvPr>
             <p:ph idx="1"/>
           </p:nvPr>
-        </p:nvPicPr>
-        <p:blipFill>
-          <a:blip r:embed="rId3">
-            <a:extLst>
-              <a:ext uri="{28A0092B-C50C-407E-A947-70E740481C1C}">
-                <a14:useLocalDpi xmlns:a14="http://schemas.microsoft.com/office/drawing/2010/main" val="0"/>
-              </a:ext>
-            </a:extLst>
-          </a:blip>
-          <a:stretch>
-            <a:fillRect/>
-          </a:stretch>
-        </p:blipFill>
-        <p:spPr>
-          <a:xfrm>
-            <a:off x="792162" y="971550"/>
-            <a:ext cx="7559676" cy="3779838"/>
-          </a:xfrm>
-        </p:spPr>
-      </p:pic>
+        </p:nvSpPr>
+        <p:spPr/>
+        <p:txBody>
+          <a:bodyPr/>
+          <a:lstStyle/>
+          <a:p>
+            <a:pPr marL="171450" indent="-171450">
+              <a:buFont typeface="Arial" panose="020B0604020202020204" pitchFamily="34" charset="0"/>
+              <a:buChar char="•"/>
+            </a:pPr>
+            <a:r>
+              <a:rPr lang="nl-BE" sz="2000" dirty="0"/>
+              <a:t>IConfiguration</a:t>
+            </a:r>
+          </a:p>
+          <a:p>
+            <a:pPr marL="351450" lvl="1" indent="-171450">
+              <a:buFont typeface="Arial" panose="020B0604020202020204" pitchFamily="34" charset="0"/>
+              <a:buChar char="•"/>
+            </a:pPr>
+            <a:r>
+              <a:rPr lang="nl-BE" sz="2000" dirty="0"/>
+              <a:t>Providers</a:t>
+            </a:r>
+          </a:p>
+          <a:p>
+            <a:pPr marL="351450" lvl="1" indent="-171450">
+              <a:buFont typeface="Arial" panose="020B0604020202020204" pitchFamily="34" charset="0"/>
+              <a:buChar char="•"/>
+            </a:pPr>
+            <a:r>
+              <a:rPr lang="nl-BE" sz="2000" dirty="0"/>
+              <a:t>Binding</a:t>
+            </a:r>
+          </a:p>
+          <a:p>
+            <a:pPr marL="171450" indent="-171450">
+              <a:buFont typeface="Arial" panose="020B0604020202020204" pitchFamily="34" charset="0"/>
+              <a:buChar char="•"/>
+            </a:pPr>
+            <a:r>
+              <a:rPr lang="nl-BE" sz="2000" dirty="0"/>
+              <a:t>IOptions</a:t>
+            </a:r>
+          </a:p>
+          <a:p>
+            <a:pPr marL="351450" lvl="1" indent="-171450">
+              <a:buFont typeface="Arial" panose="020B0604020202020204" pitchFamily="34" charset="0"/>
+              <a:buChar char="•"/>
+            </a:pPr>
+            <a:r>
+              <a:rPr lang="nl-BE" sz="2000" dirty="0"/>
+              <a:t>Types</a:t>
+            </a:r>
+          </a:p>
+          <a:p>
+            <a:pPr marL="351450" lvl="1" indent="-171450">
+              <a:buFont typeface="Arial" panose="020B0604020202020204" pitchFamily="34" charset="0"/>
+              <a:buChar char="•"/>
+            </a:pPr>
+            <a:r>
+              <a:rPr lang="nl-BE" sz="2000" dirty="0"/>
+              <a:t>Validation</a:t>
+            </a:r>
+          </a:p>
+          <a:p>
+            <a:pPr marL="351450" lvl="1" indent="-171450">
+              <a:buFont typeface="Arial" panose="020B0604020202020204" pitchFamily="34" charset="0"/>
+              <a:buChar char="•"/>
+            </a:pPr>
+            <a:r>
+              <a:rPr lang="nl-BE" sz="2000" dirty="0"/>
+              <a:t>Configuration</a:t>
+            </a:r>
+          </a:p>
+        </p:txBody>
+      </p:sp>
       <p:sp>
         <p:nvSpPr>
           <p:cNvPr id="4" name="Footer Placeholder 3">
             <a:extLst>
               <a:ext uri="{FF2B5EF4-FFF2-40B4-BE49-F238E27FC236}">
-                <a16:creationId xmlns:a16="http://schemas.microsoft.com/office/drawing/2014/main" id="{7777AB3F-2C62-266F-8D7B-0BD18B6D3475}"/>
+                <a16:creationId xmlns:a16="http://schemas.microsoft.com/office/drawing/2014/main" id="{1773DC00-731C-B5A2-AF7A-514E7239C8A0}"/>
               </a:ext>
             </a:extLst>
           </p:cNvPr>
@@ -18167,7 +17984,7 @@
           <p:cNvPr id="5" name="Slide Number Placeholder 4">
             <a:extLst>
               <a:ext uri="{FF2B5EF4-FFF2-40B4-BE49-F238E27FC236}">
-                <a16:creationId xmlns:a16="http://schemas.microsoft.com/office/drawing/2014/main" id="{301D380F-53E5-8CFA-9D71-5B1B5B7168C9}"/>
+                <a16:creationId xmlns:a16="http://schemas.microsoft.com/office/drawing/2014/main" id="{6F9BCDD9-04B6-0C99-9D5B-539F0DBD505B}"/>
               </a:ext>
             </a:extLst>
           </p:cNvPr>
@@ -18194,7 +18011,7 @@
     </p:spTree>
     <p:extLst>
       <p:ext uri="{BB962C8B-B14F-4D97-AF65-F5344CB8AC3E}">
-        <p14:creationId xmlns:p14="http://schemas.microsoft.com/office/powerpoint/2010/main" val="1573862312"/>
+        <p14:creationId xmlns:p14="http://schemas.microsoft.com/office/powerpoint/2010/main" val="2777728442"/>
       </p:ext>
     </p:extLst>
   </p:cSld>
@@ -18223,210 +18040,6 @@
       </p:grpSpPr>
       <p:sp>
         <p:nvSpPr>
-          <p:cNvPr id="2" name="Title 1">
-            <a:extLst>
-              <a:ext uri="{FF2B5EF4-FFF2-40B4-BE49-F238E27FC236}">
-                <a16:creationId xmlns:a16="http://schemas.microsoft.com/office/drawing/2014/main" id="{6E92DEA5-C4D3-E11D-217E-B89007FA9C86}"/>
-              </a:ext>
-            </a:extLst>
-          </p:cNvPr>
-          <p:cNvSpPr>
-            <a:spLocks noGrp="1"/>
-          </p:cNvSpPr>
-          <p:nvPr>
-            <p:ph type="title"/>
-          </p:nvPr>
-        </p:nvSpPr>
-        <p:spPr/>
-        <p:txBody>
-          <a:bodyPr/>
-          <a:lstStyle/>
-          <a:p>
-            <a:r>
-              <a:rPr lang="nl-BE" dirty="0"/>
-              <a:t>Summary</a:t>
-            </a:r>
-          </a:p>
-        </p:txBody>
-      </p:sp>
-      <p:sp>
-        <p:nvSpPr>
-          <p:cNvPr id="3" name="Content Placeholder 2">
-            <a:extLst>
-              <a:ext uri="{FF2B5EF4-FFF2-40B4-BE49-F238E27FC236}">
-                <a16:creationId xmlns:a16="http://schemas.microsoft.com/office/drawing/2014/main" id="{F85DC6BB-3D68-88EB-CBC1-D36D4D95CB19}"/>
-              </a:ext>
-            </a:extLst>
-          </p:cNvPr>
-          <p:cNvSpPr>
-            <a:spLocks noGrp="1"/>
-          </p:cNvSpPr>
-          <p:nvPr>
-            <p:ph idx="1"/>
-          </p:nvPr>
-        </p:nvSpPr>
-        <p:spPr/>
-        <p:txBody>
-          <a:bodyPr/>
-          <a:lstStyle/>
-          <a:p>
-            <a:pPr marL="171450" indent="-171450">
-              <a:buFont typeface="Arial" panose="020B0604020202020204" pitchFamily="34" charset="0"/>
-              <a:buChar char="•"/>
-            </a:pPr>
-            <a:r>
-              <a:rPr lang="nl-BE" sz="2000" dirty="0"/>
-              <a:t>IConfiguration</a:t>
-            </a:r>
-          </a:p>
-          <a:p>
-            <a:pPr marL="351450" lvl="1" indent="-171450">
-              <a:buFont typeface="Arial" panose="020B0604020202020204" pitchFamily="34" charset="0"/>
-              <a:buChar char="•"/>
-            </a:pPr>
-            <a:r>
-              <a:rPr lang="nl-BE" sz="2000" dirty="0"/>
-              <a:t>Providers</a:t>
-            </a:r>
-          </a:p>
-          <a:p>
-            <a:pPr marL="351450" lvl="1" indent="-171450">
-              <a:buFont typeface="Arial" panose="020B0604020202020204" pitchFamily="34" charset="0"/>
-              <a:buChar char="•"/>
-            </a:pPr>
-            <a:r>
-              <a:rPr lang="nl-BE" sz="2000" dirty="0"/>
-              <a:t>Binding</a:t>
-            </a:r>
-          </a:p>
-          <a:p>
-            <a:pPr marL="171450" indent="-171450">
-              <a:buFont typeface="Arial" panose="020B0604020202020204" pitchFamily="34" charset="0"/>
-              <a:buChar char="•"/>
-            </a:pPr>
-            <a:r>
-              <a:rPr lang="nl-BE" sz="2000" dirty="0"/>
-              <a:t>IOptions</a:t>
-            </a:r>
-          </a:p>
-          <a:p>
-            <a:pPr marL="351450" lvl="1" indent="-171450">
-              <a:buFont typeface="Arial" panose="020B0604020202020204" pitchFamily="34" charset="0"/>
-              <a:buChar char="•"/>
-            </a:pPr>
-            <a:r>
-              <a:rPr lang="nl-BE" sz="2000" dirty="0"/>
-              <a:t>Types</a:t>
-            </a:r>
-          </a:p>
-          <a:p>
-            <a:pPr marL="351450" lvl="1" indent="-171450">
-              <a:buFont typeface="Arial" panose="020B0604020202020204" pitchFamily="34" charset="0"/>
-              <a:buChar char="•"/>
-            </a:pPr>
-            <a:r>
-              <a:rPr lang="nl-BE" sz="2000" dirty="0"/>
-              <a:t>Validation</a:t>
-            </a:r>
-          </a:p>
-          <a:p>
-            <a:pPr marL="351450" lvl="1" indent="-171450">
-              <a:buFont typeface="Arial" panose="020B0604020202020204" pitchFamily="34" charset="0"/>
-              <a:buChar char="•"/>
-            </a:pPr>
-            <a:r>
-              <a:rPr lang="nl-BE" sz="2000" dirty="0"/>
-              <a:t>Configuration</a:t>
-            </a:r>
-          </a:p>
-        </p:txBody>
-      </p:sp>
-      <p:sp>
-        <p:nvSpPr>
-          <p:cNvPr id="4" name="Footer Placeholder 3">
-            <a:extLst>
-              <a:ext uri="{FF2B5EF4-FFF2-40B4-BE49-F238E27FC236}">
-                <a16:creationId xmlns:a16="http://schemas.microsoft.com/office/drawing/2014/main" id="{1773DC00-731C-B5A2-AF7A-514E7239C8A0}"/>
-              </a:ext>
-            </a:extLst>
-          </p:cNvPr>
-          <p:cNvSpPr>
-            <a:spLocks noGrp="1"/>
-          </p:cNvSpPr>
-          <p:nvPr>
-            <p:ph type="ftr" sz="quarter" idx="11"/>
-          </p:nvPr>
-        </p:nvSpPr>
-        <p:spPr/>
-        <p:txBody>
-          <a:bodyPr/>
-          <a:lstStyle/>
-          <a:p>
-            <a:endParaRPr lang="de-DE" dirty="0"/>
-          </a:p>
-        </p:txBody>
-      </p:sp>
-      <p:sp>
-        <p:nvSpPr>
-          <p:cNvPr id="5" name="Slide Number Placeholder 4">
-            <a:extLst>
-              <a:ext uri="{FF2B5EF4-FFF2-40B4-BE49-F238E27FC236}">
-                <a16:creationId xmlns:a16="http://schemas.microsoft.com/office/drawing/2014/main" id="{6F9BCDD9-04B6-0C99-9D5B-539F0DBD505B}"/>
-              </a:ext>
-            </a:extLst>
-          </p:cNvPr>
-          <p:cNvSpPr>
-            <a:spLocks noGrp="1"/>
-          </p:cNvSpPr>
-          <p:nvPr>
-            <p:ph type="sldNum" sz="quarter" idx="12"/>
-          </p:nvPr>
-        </p:nvSpPr>
-        <p:spPr/>
-        <p:txBody>
-          <a:bodyPr/>
-          <a:lstStyle/>
-          <a:p>
-            <a:fld id="{AE839375-43AA-4A5D-B991-4343C4570BCB}" type="slidenum">
-              <a:rPr lang="de-DE" smtClean="0"/>
-              <a:t>21</a:t>
-            </a:fld>
-            <a:endParaRPr lang="de-DE"/>
-          </a:p>
-        </p:txBody>
-      </p:sp>
-    </p:spTree>
-    <p:extLst>
-      <p:ext uri="{BB962C8B-B14F-4D97-AF65-F5344CB8AC3E}">
-        <p14:creationId xmlns:p14="http://schemas.microsoft.com/office/powerpoint/2010/main" val="2777728442"/>
-      </p:ext>
-    </p:extLst>
-  </p:cSld>
-  <p:clrMapOvr>
-    <a:masterClrMapping/>
-  </p:clrMapOvr>
-</p:sld>
-</file>
-
-<file path=ppt/slides/slide22.xml><?xml version="1.0" encoding="utf-8"?>
-<p:sld xmlns:a="http://schemas.openxmlformats.org/drawingml/2006/main" xmlns:r="http://schemas.openxmlformats.org/officeDocument/2006/relationships" xmlns:p="http://schemas.openxmlformats.org/presentationml/2006/main">
-  <p:cSld>
-    <p:spTree>
-      <p:nvGrpSpPr>
-        <p:cNvPr id="1" name=""/>
-        <p:cNvGrpSpPr/>
-        <p:nvPr/>
-      </p:nvGrpSpPr>
-      <p:grpSpPr>
-        <a:xfrm>
-          <a:off x="0" y="0"/>
-          <a:ext cx="0" cy="0"/>
-          <a:chOff x="0" y="0"/>
-          <a:chExt cx="0" cy="0"/>
-        </a:xfrm>
-      </p:grpSpPr>
-      <p:sp>
-        <p:nvSpPr>
           <p:cNvPr id="6" name="Title 5">
             <a:extLst>
               <a:ext uri="{FF2B5EF4-FFF2-40B4-BE49-F238E27FC236}">
@@ -18536,7 +18149,7 @@
           <a:p>
             <a:fld id="{AE839375-43AA-4A5D-B991-4343C4570BCB}" type="slidenum">
               <a:rPr lang="de-DE" smtClean="0"/>
-              <a:t>22</a:t>
+              <a:t>21</a:t>
             </a:fld>
             <a:endParaRPr lang="de-DE"/>
           </a:p>
@@ -19449,151 +19062,6 @@
           <p:cNvPr id="2" name="Title 1">
             <a:extLst>
               <a:ext uri="{FF2B5EF4-FFF2-40B4-BE49-F238E27FC236}">
-                <a16:creationId xmlns:a16="http://schemas.microsoft.com/office/drawing/2014/main" id="{A814C328-F33F-7AFC-0763-F45FCE1E7BB9}"/>
-              </a:ext>
-            </a:extLst>
-          </p:cNvPr>
-          <p:cNvSpPr>
-            <a:spLocks noGrp="1"/>
-          </p:cNvSpPr>
-          <p:nvPr>
-            <p:ph type="title"/>
-          </p:nvPr>
-        </p:nvSpPr>
-        <p:spPr/>
-        <p:txBody>
-          <a:bodyPr/>
-          <a:lstStyle/>
-          <a:p>
-            <a:r>
-              <a:rPr lang="en-US" dirty="0" err="1"/>
-              <a:t>IConfiguration</a:t>
-            </a:r>
-            <a:r>
-              <a:rPr lang="en-US" dirty="0"/>
-              <a:t>: Existing Example</a:t>
-            </a:r>
-          </a:p>
-        </p:txBody>
-      </p:sp>
-      <p:pic>
-        <p:nvPicPr>
-          <p:cNvPr id="7" name="Content Placeholder 6">
-            <a:extLst>
-              <a:ext uri="{FF2B5EF4-FFF2-40B4-BE49-F238E27FC236}">
-                <a16:creationId xmlns:a16="http://schemas.microsoft.com/office/drawing/2014/main" id="{EE217B33-6BA8-6747-B8B3-049DA3B81FD4}"/>
-              </a:ext>
-            </a:extLst>
-          </p:cNvPr>
-          <p:cNvPicPr>
-            <a:picLocks noGrp="1" noChangeAspect="1"/>
-          </p:cNvPicPr>
-          <p:nvPr>
-            <p:ph idx="1"/>
-          </p:nvPr>
-        </p:nvPicPr>
-        <p:blipFill>
-          <a:blip r:embed="rId3"/>
-          <a:stretch>
-            <a:fillRect/>
-          </a:stretch>
-        </p:blipFill>
-        <p:spPr>
-          <a:xfrm>
-            <a:off x="1999403" y="621034"/>
-            <a:ext cx="5145194" cy="4250567"/>
-          </a:xfrm>
-        </p:spPr>
-      </p:pic>
-      <p:sp>
-        <p:nvSpPr>
-          <p:cNvPr id="4" name="Footer Placeholder 3">
-            <a:extLst>
-              <a:ext uri="{FF2B5EF4-FFF2-40B4-BE49-F238E27FC236}">
-                <a16:creationId xmlns:a16="http://schemas.microsoft.com/office/drawing/2014/main" id="{6B0C6AA9-5B94-FB0B-6E8C-3DABB4BCB1E1}"/>
-              </a:ext>
-            </a:extLst>
-          </p:cNvPr>
-          <p:cNvSpPr>
-            <a:spLocks noGrp="1"/>
-          </p:cNvSpPr>
-          <p:nvPr>
-            <p:ph type="ftr" sz="quarter" idx="11"/>
-          </p:nvPr>
-        </p:nvSpPr>
-        <p:spPr/>
-        <p:txBody>
-          <a:bodyPr/>
-          <a:lstStyle/>
-          <a:p>
-            <a:endParaRPr lang="de-DE" dirty="0"/>
-          </a:p>
-        </p:txBody>
-      </p:sp>
-      <p:sp>
-        <p:nvSpPr>
-          <p:cNvPr id="5" name="Slide Number Placeholder 4">
-            <a:extLst>
-              <a:ext uri="{FF2B5EF4-FFF2-40B4-BE49-F238E27FC236}">
-                <a16:creationId xmlns:a16="http://schemas.microsoft.com/office/drawing/2014/main" id="{50372E6F-9607-F910-87CB-000CD4A8D264}"/>
-              </a:ext>
-            </a:extLst>
-          </p:cNvPr>
-          <p:cNvSpPr>
-            <a:spLocks noGrp="1"/>
-          </p:cNvSpPr>
-          <p:nvPr>
-            <p:ph type="sldNum" sz="quarter" idx="12"/>
-          </p:nvPr>
-        </p:nvSpPr>
-        <p:spPr/>
-        <p:txBody>
-          <a:bodyPr/>
-          <a:lstStyle/>
-          <a:p>
-            <a:fld id="{AE839375-43AA-4A5D-B991-4343C4570BCB}" type="slidenum">
-              <a:rPr lang="de-DE" smtClean="0"/>
-              <a:t>7</a:t>
-            </a:fld>
-            <a:endParaRPr lang="de-DE"/>
-          </a:p>
-        </p:txBody>
-      </p:sp>
-    </p:spTree>
-    <p:extLst>
-      <p:ext uri="{BB962C8B-B14F-4D97-AF65-F5344CB8AC3E}">
-        <p14:creationId xmlns:p14="http://schemas.microsoft.com/office/powerpoint/2010/main" val="2286813374"/>
-      </p:ext>
-    </p:extLst>
-  </p:cSld>
-  <p:clrMapOvr>
-    <a:masterClrMapping/>
-  </p:clrMapOvr>
-</p:sld>
-</file>
-
-<file path=ppt/slides/slide8.xml><?xml version="1.0" encoding="utf-8"?>
-<p:sld xmlns:a="http://schemas.openxmlformats.org/drawingml/2006/main" xmlns:r="http://schemas.openxmlformats.org/officeDocument/2006/relationships" xmlns:p="http://schemas.openxmlformats.org/presentationml/2006/main">
-  <p:cSld>
-    <p:spTree>
-      <p:nvGrpSpPr>
-        <p:cNvPr id="1" name=""/>
-        <p:cNvGrpSpPr/>
-        <p:nvPr/>
-      </p:nvGrpSpPr>
-      <p:grpSpPr>
-        <a:xfrm>
-          <a:off x="0" y="0"/>
-          <a:ext cx="0" cy="0"/>
-          <a:chOff x="0" y="0"/>
-          <a:chExt cx="0" cy="0"/>
-        </a:xfrm>
-      </p:grpSpPr>
-      <p:sp>
-        <p:nvSpPr>
-          <p:cNvPr id="2" name="Title 1">
-            <a:extLst>
-              <a:ext uri="{FF2B5EF4-FFF2-40B4-BE49-F238E27FC236}">
                 <a16:creationId xmlns:a16="http://schemas.microsoft.com/office/drawing/2014/main" id="{537D9197-111D-C649-8BC4-4B88CFC25437}"/>
               </a:ext>
             </a:extLst>
@@ -19670,7 +19138,7 @@
           <a:p>
             <a:fld id="{AE839375-43AA-4A5D-B991-4343C4570BCB}" type="slidenum">
               <a:rPr lang="de-DE" smtClean="0"/>
-              <a:t>8</a:t>
+              <a:t>7</a:t>
             </a:fld>
             <a:endParaRPr lang="de-DE"/>
           </a:p>
@@ -19724,7 +19192,7 @@
 </p:sld>
 </file>
 
-<file path=ppt/slides/slide9.xml><?xml version="1.0" encoding="utf-8"?>
+<file path=ppt/slides/slide8.xml><?xml version="1.0" encoding="utf-8"?>
 <p:sld xmlns:a="http://schemas.openxmlformats.org/drawingml/2006/main" xmlns:r="http://schemas.openxmlformats.org/officeDocument/2006/relationships" xmlns:p="http://schemas.openxmlformats.org/presentationml/2006/main">
   <p:cSld>
     <p:spTree>
@@ -19857,7 +19325,7 @@
           <a:p>
             <a:fld id="{AE839375-43AA-4A5D-B991-4343C4570BCB}" type="slidenum">
               <a:rPr lang="de-DE" smtClean="0"/>
-              <a:t>9</a:t>
+              <a:t>8</a:t>
             </a:fld>
             <a:endParaRPr lang="de-DE"/>
           </a:p>
@@ -19867,6 +19335,221 @@
     <p:extLst>
       <p:ext uri="{BB962C8B-B14F-4D97-AF65-F5344CB8AC3E}">
         <p14:creationId xmlns:p14="http://schemas.microsoft.com/office/powerpoint/2010/main" val="2176990555"/>
+      </p:ext>
+    </p:extLst>
+  </p:cSld>
+  <p:clrMapOvr>
+    <a:masterClrMapping/>
+  </p:clrMapOvr>
+</p:sld>
+</file>
+
+<file path=ppt/slides/slide9.xml><?xml version="1.0" encoding="utf-8"?>
+<p:sld xmlns:a="http://schemas.openxmlformats.org/drawingml/2006/main" xmlns:r="http://schemas.openxmlformats.org/officeDocument/2006/relationships" xmlns:p="http://schemas.openxmlformats.org/presentationml/2006/main">
+  <p:cSld>
+    <p:spTree>
+      <p:nvGrpSpPr>
+        <p:cNvPr id="1" name=""/>
+        <p:cNvGrpSpPr/>
+        <p:nvPr/>
+      </p:nvGrpSpPr>
+      <p:grpSpPr>
+        <a:xfrm>
+          <a:off x="0" y="0"/>
+          <a:ext cx="0" cy="0"/>
+          <a:chOff x="0" y="0"/>
+          <a:chExt cx="0" cy="0"/>
+        </a:xfrm>
+      </p:grpSpPr>
+      <p:sp>
+        <p:nvSpPr>
+          <p:cNvPr id="2" name="Title 1">
+            <a:extLst>
+              <a:ext uri="{FF2B5EF4-FFF2-40B4-BE49-F238E27FC236}">
+                <a16:creationId xmlns:a16="http://schemas.microsoft.com/office/drawing/2014/main" id="{07C64B07-5638-5432-6A07-C5BD94E372EB}"/>
+              </a:ext>
+            </a:extLst>
+          </p:cNvPr>
+          <p:cNvSpPr>
+            <a:spLocks noGrp="1"/>
+          </p:cNvSpPr>
+          <p:nvPr>
+            <p:ph type="title"/>
+          </p:nvPr>
+        </p:nvSpPr>
+        <p:spPr/>
+        <p:txBody>
+          <a:bodyPr/>
+          <a:lstStyle/>
+          <a:p>
+            <a:r>
+              <a:rPr lang="nl-BE" dirty="0" err="1"/>
+              <a:t>IConfiguration</a:t>
+            </a:r>
+            <a:r>
+              <a:rPr lang="nl-BE" dirty="0"/>
+              <a:t>: Provider </a:t>
+            </a:r>
+            <a:r>
+              <a:rPr lang="en-US" dirty="0"/>
+              <a:t>flavors</a:t>
+            </a:r>
+          </a:p>
+        </p:txBody>
+      </p:sp>
+      <p:sp>
+        <p:nvSpPr>
+          <p:cNvPr id="3" name="Content Placeholder 2">
+            <a:extLst>
+              <a:ext uri="{FF2B5EF4-FFF2-40B4-BE49-F238E27FC236}">
+                <a16:creationId xmlns:a16="http://schemas.microsoft.com/office/drawing/2014/main" id="{5B44FE59-BF2B-5510-2841-36B4EC9C7ECA}"/>
+              </a:ext>
+            </a:extLst>
+          </p:cNvPr>
+          <p:cNvSpPr>
+            <a:spLocks noGrp="1"/>
+          </p:cNvSpPr>
+          <p:nvPr>
+            <p:ph idx="1"/>
+          </p:nvPr>
+        </p:nvSpPr>
+        <p:spPr/>
+        <p:txBody>
+          <a:bodyPr/>
+          <a:lstStyle/>
+          <a:p>
+            <a:pPr marL="171450" indent="-171450">
+              <a:buFont typeface="Arial" panose="020B0604020202020204" pitchFamily="34" charset="0"/>
+              <a:buChar char="•"/>
+            </a:pPr>
+            <a:r>
+              <a:rPr lang="nl-BE" sz="2000" dirty="0"/>
+              <a:t> </a:t>
+            </a:r>
+            <a:r>
+              <a:rPr lang="nl-BE" sz="2000" dirty="0" err="1"/>
+              <a:t>Each</a:t>
+            </a:r>
+            <a:r>
+              <a:rPr lang="nl-BE" sz="2000" dirty="0"/>
+              <a:t> provider is different</a:t>
+            </a:r>
+            <a:br>
+              <a:rPr lang="nl-BE" sz="2000" dirty="0"/>
+            </a:br>
+            <a:br>
+              <a:rPr lang="nl-BE" sz="2000" dirty="0"/>
+            </a:br>
+            <a:br>
+              <a:rPr lang="nl-BE" sz="2000" dirty="0"/>
+            </a:br>
+            <a:endParaRPr lang="nl-BE" sz="2000" dirty="0"/>
+          </a:p>
+          <a:p>
+            <a:pPr marL="171450" indent="-171450">
+              <a:buFont typeface="Arial" panose="020B0604020202020204" pitchFamily="34" charset="0"/>
+              <a:buChar char="•"/>
+            </a:pPr>
+            <a:r>
+              <a:rPr lang="nl-BE" sz="2000" dirty="0" err="1"/>
+              <a:t>Custom</a:t>
+            </a:r>
+            <a:r>
+              <a:rPr lang="nl-BE" sz="2000" dirty="0"/>
+              <a:t> providers</a:t>
+            </a:r>
+            <a:endParaRPr lang="en-US" sz="2000" dirty="0"/>
+          </a:p>
+        </p:txBody>
+      </p:sp>
+      <p:sp>
+        <p:nvSpPr>
+          <p:cNvPr id="4" name="Footer Placeholder 3">
+            <a:extLst>
+              <a:ext uri="{FF2B5EF4-FFF2-40B4-BE49-F238E27FC236}">
+                <a16:creationId xmlns:a16="http://schemas.microsoft.com/office/drawing/2014/main" id="{79F6E8EB-2243-CB96-E7A3-992EF02FC21D}"/>
+              </a:ext>
+            </a:extLst>
+          </p:cNvPr>
+          <p:cNvSpPr>
+            <a:spLocks noGrp="1"/>
+          </p:cNvSpPr>
+          <p:nvPr>
+            <p:ph type="ftr" sz="quarter" idx="11"/>
+          </p:nvPr>
+        </p:nvSpPr>
+        <p:spPr/>
+        <p:txBody>
+          <a:bodyPr/>
+          <a:lstStyle/>
+          <a:p>
+            <a:endParaRPr lang="de-DE" dirty="0"/>
+          </a:p>
+        </p:txBody>
+      </p:sp>
+      <p:sp>
+        <p:nvSpPr>
+          <p:cNvPr id="5" name="Slide Number Placeholder 4">
+            <a:extLst>
+              <a:ext uri="{FF2B5EF4-FFF2-40B4-BE49-F238E27FC236}">
+                <a16:creationId xmlns:a16="http://schemas.microsoft.com/office/drawing/2014/main" id="{4938727A-7B23-1403-8AD4-727B285D2026}"/>
+              </a:ext>
+            </a:extLst>
+          </p:cNvPr>
+          <p:cNvSpPr>
+            <a:spLocks noGrp="1"/>
+          </p:cNvSpPr>
+          <p:nvPr>
+            <p:ph type="sldNum" sz="quarter" idx="12"/>
+          </p:nvPr>
+        </p:nvSpPr>
+        <p:spPr/>
+        <p:txBody>
+          <a:bodyPr/>
+          <a:lstStyle/>
+          <a:p>
+            <a:fld id="{AE839375-43AA-4A5D-B991-4343C4570BCB}" type="slidenum">
+              <a:rPr lang="de-DE" smtClean="0"/>
+              <a:t>9</a:t>
+            </a:fld>
+            <a:endParaRPr lang="de-DE"/>
+          </a:p>
+        </p:txBody>
+      </p:sp>
+      <p:pic>
+        <p:nvPicPr>
+          <p:cNvPr id="9" name="Picture 8">
+            <a:extLst>
+              <a:ext uri="{FF2B5EF4-FFF2-40B4-BE49-F238E27FC236}">
+                <a16:creationId xmlns:a16="http://schemas.microsoft.com/office/drawing/2014/main" id="{45722927-9BEE-E265-05F3-5E07F41AB335}"/>
+              </a:ext>
+            </a:extLst>
+          </p:cNvPr>
+          <p:cNvPicPr>
+            <a:picLocks noChangeAspect="1"/>
+          </p:cNvPicPr>
+          <p:nvPr/>
+        </p:nvPicPr>
+        <p:blipFill>
+          <a:blip r:embed="rId3"/>
+          <a:stretch>
+            <a:fillRect/>
+          </a:stretch>
+        </p:blipFill>
+        <p:spPr>
+          <a:xfrm>
+            <a:off x="929391" y="1364457"/>
+            <a:ext cx="7953352" cy="753911"/>
+          </a:xfrm>
+          <a:prstGeom prst="rect">
+            <a:avLst/>
+          </a:prstGeom>
+        </p:spPr>
+      </p:pic>
+    </p:spTree>
+    <p:extLst>
+      <p:ext uri="{BB962C8B-B14F-4D97-AF65-F5344CB8AC3E}">
+        <p14:creationId xmlns:p14="http://schemas.microsoft.com/office/powerpoint/2010/main" val="3128684272"/>
       </p:ext>
     </p:extLst>
   </p:cSld>
@@ -20753,6 +20436,15 @@
 </file>
 
 <file path=customXml/item1.xml><?xml version="1.0" encoding="utf-8"?>
+<?mso-contentType ?>
+<FormTemplates xmlns="http://schemas.microsoft.com/sharepoint/v3/contenttype/forms">
+  <Display>DocumentLibraryForm</Display>
+  <Edit>DocumentLibraryForm</Edit>
+  <New>DocumentLibraryForm</New>
+</FormTemplates>
+</file>
+
+<file path=customXml/item2.xml><?xml version="1.0" encoding="utf-8"?>
 <ct:contentTypeSchema xmlns:ct="http://schemas.microsoft.com/office/2006/metadata/contentType" xmlns:ma="http://schemas.microsoft.com/office/2006/metadata/properties/metaAttributes" ct:_="" ma:_="" ma:contentTypeName="Dokument" ma:contentTypeID="0x01010050460AE39A82AD4795A3565F3DAE5EA8" ma:contentTypeVersion="16" ma:contentTypeDescription="Ein neues Dokument erstellen." ma:contentTypeScope="" ma:versionID="ec82a9993c9b8a2201503eb30937bf4a">
   <xsd:schema xmlns:xsd="http://www.w3.org/2001/XMLSchema" xmlns:xs="http://www.w3.org/2001/XMLSchema" xmlns:p="http://schemas.microsoft.com/office/2006/metadata/properties" xmlns:ns2="e05445a8-2551-4a63-879e-01155c2c761e" xmlns:ns3="01e95462-78a7-41d4-9a93-e8d8dde53743" targetNamespace="http://schemas.microsoft.com/office/2006/metadata/properties" ma:root="true" ma:fieldsID="0382105114aa7af2a0cdb49a7fd70252" ns2:_="" ns3:_="">
     <xsd:import namespace="e05445a8-2551-4a63-879e-01155c2c761e"/>
@@ -20995,16 +20687,15 @@
 </ct:contentTypeSchema>
 </file>
 
-<file path=customXml/item2.xml><?xml version="1.0" encoding="utf-8"?>
-<?mso-contentType ?>
-<FormTemplates xmlns="http://schemas.microsoft.com/sharepoint/v3/contenttype/forms">
-  <Display>DocumentLibraryForm</Display>
-  <Edit>DocumentLibraryForm</Edit>
-  <New>DocumentLibraryForm</New>
-</FormTemplates>
+<file path=customXml/itemProps1.xml><?xml version="1.0" encoding="utf-8"?>
+<ds:datastoreItem xmlns:ds="http://schemas.openxmlformats.org/officeDocument/2006/customXml" ds:itemID="{DDA0BA8E-434D-48CF-8C42-C96ADE6F01B2}">
+  <ds:schemaRefs>
+    <ds:schemaRef ds:uri="http://schemas.microsoft.com/sharepoint/v3/contenttype/forms"/>
+  </ds:schemaRefs>
+</ds:datastoreItem>
 </file>
 
-<file path=customXml/itemProps1.xml><?xml version="1.0" encoding="utf-8"?>
+<file path=customXml/itemProps2.xml><?xml version="1.0" encoding="utf-8"?>
 <ds:datastoreItem xmlns:ds="http://schemas.openxmlformats.org/officeDocument/2006/customXml" ds:itemID="{0BB5088A-3ACC-49D2-A58D-F09F6B8954CE}">
   <ds:schemaRefs>
     <ds:schemaRef ds:uri="http://schemas.microsoft.com/office/2006/metadata/contentType"/>
@@ -21021,12 +20712,4 @@
     <ds:schemaRef ds:uri="http://schemas.microsoft.com/internal/obd"/>
   </ds:schemaRefs>
 </ds:datastoreItem>
-</file>
-
-<file path=customXml/itemProps2.xml><?xml version="1.0" encoding="utf-8"?>
-<ds:datastoreItem xmlns:ds="http://schemas.openxmlformats.org/officeDocument/2006/customXml" ds:itemID="{DDA0BA8E-434D-48CF-8C42-C96ADE6F01B2}">
-  <ds:schemaRefs>
-    <ds:schemaRef ds:uri="http://schemas.microsoft.com/sharepoint/v3/contenttype/forms"/>
-  </ds:schemaRefs>
-</ds:datastoreItem>
 </file>
--- a/slides/presentation.pptx
+++ b/slides/presentation.pptx
@@ -779,7 +779,7 @@
             </a:r>
             <a:r>
               <a:rPr lang="de-DE" dirty="0" err="1"/>
-              <a:t>Iconfigurations</a:t>
+              <a:t>IConfigurations</a:t>
             </a:r>
             <a:r>
               <a:rPr lang="de-DE" dirty="0"/>
@@ -5138,7 +5138,7 @@
             </a:r>
             <a:r>
               <a:rPr lang="en-US" noProof="0" dirty="0" err="1"/>
-              <a:t>Ioptions</a:t>
+              <a:t>IOptions</a:t>
             </a:r>
             <a:endParaRPr lang="en-US" noProof="0" dirty="0"/>
           </a:p>
@@ -5169,6 +5169,46 @@
             </a:r>
             <a:r>
               <a:rPr lang="de-DE" dirty="0"/>
+              <a:t>, </a:t>
+            </a:r>
+            <a:r>
+              <a:rPr lang="de-DE" dirty="0" err="1"/>
+              <a:t>some</a:t>
+            </a:r>
+            <a:r>
+              <a:rPr lang="de-DE" dirty="0"/>
+              <a:t> </a:t>
+            </a:r>
+            <a:r>
+              <a:rPr lang="de-DE" dirty="0" err="1"/>
+              <a:t>things</a:t>
+            </a:r>
+            <a:r>
+              <a:rPr lang="de-DE" dirty="0"/>
+              <a:t> will </a:t>
+            </a:r>
+            <a:r>
+              <a:rPr lang="de-DE" dirty="0" err="1"/>
+              <a:t>go</a:t>
+            </a:r>
+            <a:r>
+              <a:rPr lang="de-DE" dirty="0"/>
+              <a:t> a </a:t>
+            </a:r>
+            <a:r>
+              <a:rPr lang="de-DE" dirty="0" err="1"/>
+              <a:t>bit</a:t>
+            </a:r>
+            <a:r>
+              <a:rPr lang="de-DE" dirty="0"/>
+              <a:t> </a:t>
+            </a:r>
+            <a:r>
+              <a:rPr lang="de-DE" dirty="0" err="1"/>
+              <a:t>deeper</a:t>
+            </a:r>
+            <a:r>
+              <a:rPr lang="de-DE" dirty="0"/>
               <a:t>, but I will </a:t>
             </a:r>
             <a:r>
@@ -5289,11 +5329,11 @@
             </a:r>
             <a:r>
               <a:rPr lang="de-DE" dirty="0"/>
-              <a:t> end </a:t>
+              <a:t> end, </a:t>
             </a:r>
             <a:r>
               <a:rPr lang="de-DE" dirty="0" err="1"/>
-              <a:t>we</a:t>
+              <a:t>We</a:t>
             </a:r>
             <a:r>
               <a:rPr lang="de-DE" dirty="0"/>
@@ -5565,7 +5605,7 @@
             </a:r>
             <a:r>
               <a:rPr lang="de-DE" dirty="0" err="1"/>
-              <a:t>configuration</a:t>
+              <a:t>configurations</a:t>
             </a:r>
             <a:r>
               <a:rPr lang="de-DE" dirty="0"/>
@@ -5928,19 +5968,11 @@
             </a:r>
             <a:r>
               <a:rPr lang="en-US" noProof="0" dirty="0"/>
-              <a:t>, </a:t>
+              <a:t>, backoff times or event secrets like </a:t>
             </a:r>
             <a:r>
               <a:rPr lang="en-US" noProof="0" dirty="0" err="1"/>
-              <a:t>backof</a:t>
-            </a:r>
-            <a:r>
-              <a:rPr lang="en-US" noProof="0" dirty="0"/>
-              <a:t> times or event secrets like </a:t>
-            </a:r>
-            <a:r>
-              <a:rPr lang="en-US" noProof="0" dirty="0" err="1"/>
-              <a:t>connnectionstring</a:t>
+              <a:t>connnectionstrings</a:t>
             </a:r>
             <a:r>
               <a:rPr lang="en-US" noProof="0" dirty="0"/>
@@ -6043,7 +6075,7 @@
             </a:r>
             <a:r>
               <a:rPr lang="en-US" dirty="0"/>
-              <a:t> configuration is working with the Terraform configuration.</a:t>
+              <a:t> configuration is working with a Terraform configuration for the people who are working with a CI/CD pipeline.</a:t>
             </a:r>
           </a:p>
           <a:p>
@@ -6075,7 +6107,7 @@
           <a:p>
             <a:r>
               <a:rPr lang="en-US" dirty="0"/>
-              <a:t>If you recall </a:t>
+              <a:t>Do you recall </a:t>
             </a:r>
             <a:r>
               <a:rPr lang="en-US" dirty="0" err="1"/>
@@ -6091,13 +6123,27 @@
             </a:r>
             <a:r>
               <a:rPr lang="en-US" dirty="0"/>
-              <a:t> from the .NET framework, I’ve noticed in our organization, a lot of project configurations still approach it with this mindset.</a:t>
+              <a:t> from the .NET framework?</a:t>
             </a:r>
           </a:p>
           <a:p>
             <a:r>
               <a:rPr lang="en-US" dirty="0"/>
-              <a:t>For the ones who don’t remember it anymore, this was an XML based approach using the </a:t>
+              <a:t>I’ve noticed in our </a:t>
+            </a:r>
+            <a:r>
+              <a:rPr lang="en-US" dirty="0" err="1"/>
+              <a:t>organisation</a:t>
+            </a:r>
+            <a:r>
+              <a:rPr lang="en-US" dirty="0"/>
+              <a:t> a lot of project configurations still approach it with this mindset.</a:t>
+            </a:r>
+          </a:p>
+          <a:p>
+            <a:r>
+              <a:rPr lang="en-US" dirty="0"/>
+              <a:t>For the ones who don’t remember it anymore or know it, this was an XML based approach using the </a:t>
             </a:r>
             <a:r>
               <a:rPr lang="en-US" dirty="0" err="1"/>
@@ -6259,7 +6305,7 @@
             </a:r>
             <a:r>
               <a:rPr lang="en-US" noProof="0" dirty="0"/>
-              <a:t> (if you are in dev)</a:t>
+              <a:t> (if you are in development)</a:t>
             </a:r>
           </a:p>
           <a:p>
@@ -6331,8 +6377,27 @@
             </a:pPr>
             <a:r>
               <a:rPr lang="en-US" noProof="0" dirty="0"/>
-              <a:t>There is no need to load all these things yourselves manually if you’ve applied it yourselves.</a:t>
-            </a:r>
+              <a:t>There is no need to load all these things yourselves manually when you are using the defaults create methods.</a:t>
+            </a:r>
+          </a:p>
+          <a:p>
+            <a:pPr marL="0" indent="0">
+              <a:buFont typeface="Arial" panose="020B0604020202020204" pitchFamily="34" charset="0"/>
+              <a:buNone/>
+            </a:pPr>
+            <a:r>
+              <a:rPr lang="en-US" noProof="0" dirty="0"/>
+              <a:t>I saw this last thing on numerous projects initially where the entire configuration builder was created separately instead of using the default, if you do this will create issues especially when doing integration tests with a </a:t>
+            </a:r>
+            <a:r>
+              <a:rPr lang="en-US" noProof="0" dirty="0" err="1"/>
+              <a:t>testhost</a:t>
+            </a:r>
+            <a:r>
+              <a:rPr lang="en-US" noProof="0"/>
+              <a:t>.</a:t>
+            </a:r>
+            <a:endParaRPr lang="en-US" noProof="0" dirty="0"/>
           </a:p>
         </p:txBody>
       </p:sp>
@@ -20436,15 +20501,6 @@
 </file>
 
 <file path=customXml/item1.xml><?xml version="1.0" encoding="utf-8"?>
-<?mso-contentType ?>
-<FormTemplates xmlns="http://schemas.microsoft.com/sharepoint/v3/contenttype/forms">
-  <Display>DocumentLibraryForm</Display>
-  <Edit>DocumentLibraryForm</Edit>
-  <New>DocumentLibraryForm</New>
-</FormTemplates>
-</file>
-
-<file path=customXml/item2.xml><?xml version="1.0" encoding="utf-8"?>
 <ct:contentTypeSchema xmlns:ct="http://schemas.microsoft.com/office/2006/metadata/contentType" xmlns:ma="http://schemas.microsoft.com/office/2006/metadata/properties/metaAttributes" ct:_="" ma:_="" ma:contentTypeName="Dokument" ma:contentTypeID="0x01010050460AE39A82AD4795A3565F3DAE5EA8" ma:contentTypeVersion="16" ma:contentTypeDescription="Ein neues Dokument erstellen." ma:contentTypeScope="" ma:versionID="ec82a9993c9b8a2201503eb30937bf4a">
   <xsd:schema xmlns:xsd="http://www.w3.org/2001/XMLSchema" xmlns:xs="http://www.w3.org/2001/XMLSchema" xmlns:p="http://schemas.microsoft.com/office/2006/metadata/properties" xmlns:ns2="e05445a8-2551-4a63-879e-01155c2c761e" xmlns:ns3="01e95462-78a7-41d4-9a93-e8d8dde53743" targetNamespace="http://schemas.microsoft.com/office/2006/metadata/properties" ma:root="true" ma:fieldsID="0382105114aa7af2a0cdb49a7fd70252" ns2:_="" ns3:_="">
     <xsd:import namespace="e05445a8-2551-4a63-879e-01155c2c761e"/>
@@ -20687,15 +20743,16 @@
 </ct:contentTypeSchema>
 </file>
 
-<file path=customXml/itemProps1.xml><?xml version="1.0" encoding="utf-8"?>
-<ds:datastoreItem xmlns:ds="http://schemas.openxmlformats.org/officeDocument/2006/customXml" ds:itemID="{DDA0BA8E-434D-48CF-8C42-C96ADE6F01B2}">
-  <ds:schemaRefs>
-    <ds:schemaRef ds:uri="http://schemas.microsoft.com/sharepoint/v3/contenttype/forms"/>
-  </ds:schemaRefs>
-</ds:datastoreItem>
+<file path=customXml/item2.xml><?xml version="1.0" encoding="utf-8"?>
+<?mso-contentType ?>
+<FormTemplates xmlns="http://schemas.microsoft.com/sharepoint/v3/contenttype/forms">
+  <Display>DocumentLibraryForm</Display>
+  <Edit>DocumentLibraryForm</Edit>
+  <New>DocumentLibraryForm</New>
+</FormTemplates>
 </file>
 
-<file path=customXml/itemProps2.xml><?xml version="1.0" encoding="utf-8"?>
+<file path=customXml/itemProps1.xml><?xml version="1.0" encoding="utf-8"?>
 <ds:datastoreItem xmlns:ds="http://schemas.openxmlformats.org/officeDocument/2006/customXml" ds:itemID="{0BB5088A-3ACC-49D2-A58D-F09F6B8954CE}">
   <ds:schemaRefs>
     <ds:schemaRef ds:uri="http://schemas.microsoft.com/office/2006/metadata/contentType"/>
@@ -20712,4 +20769,12 @@
     <ds:schemaRef ds:uri="http://schemas.microsoft.com/internal/obd"/>
   </ds:schemaRefs>
 </ds:datastoreItem>
+</file>
+
+<file path=customXml/itemProps2.xml><?xml version="1.0" encoding="utf-8"?>
+<ds:datastoreItem xmlns:ds="http://schemas.openxmlformats.org/officeDocument/2006/customXml" ds:itemID="{DDA0BA8E-434D-48CF-8C42-C96ADE6F01B2}">
+  <ds:schemaRefs>
+    <ds:schemaRef ds:uri="http://schemas.microsoft.com/sharepoint/v3/contenttype/forms"/>
+  </ds:schemaRefs>
+</ds:datastoreItem>
 </file>
--- a/slides/presentation.pptx
+++ b/slides/presentation.pptx
@@ -278,7 +278,7 @@
           <a:p>
             <a:fld id="{37581487-DED7-4908-9A01-0A45EDCB1D6C}" type="datetimeFigureOut">
               <a:rPr lang="de-DE" sz="1100"/>
-              <a:t>18.11.2024</a:t>
+              <a:t>19.11.2024</a:t>
             </a:fld>
             <a:endParaRPr lang="de-DE" sz="1100"/>
           </a:p>
@@ -15170,51 +15170,12 @@
           <a:chExt cx="0" cy="0"/>
         </a:xfrm>
       </p:grpSpPr>
-      <p:sp>
-        <p:nvSpPr>
-          <p:cNvPr id="5" name="Titelbox"/>
-          <p:cNvSpPr>
-            <a:spLocks noGrp="1"/>
-          </p:cNvSpPr>
-          <p:nvPr>
-            <p:ph type="ctrTitle"/>
-          </p:nvPr>
-        </p:nvSpPr>
-        <p:spPr/>
-        <p:txBody>
-          <a:bodyPr/>
-          <a:lstStyle/>
-          <a:p>
-            <a:r>
-              <a:rPr lang="en-US" dirty="0"/>
-              <a:t>Say goodbye to </a:t>
-            </a:r>
-            <a:r>
-              <a:rPr lang="en-US" dirty="0" err="1"/>
-              <a:t>IConfiguration</a:t>
-            </a:r>
-            <a:r>
-              <a:rPr lang="en-US" dirty="0"/>
-              <a:t> and embrace the power of the </a:t>
-            </a:r>
-            <a:r>
-              <a:rPr lang="en-US" dirty="0" err="1"/>
-              <a:t>IOptions</a:t>
-            </a:r>
-            <a:r>
-              <a:rPr lang="en-US" dirty="0"/>
-              <a:t> pattern</a:t>
-            </a:r>
-            <a:endParaRPr lang="de-DE" dirty="0"/>
-          </a:p>
-        </p:txBody>
-      </p:sp>
       <p:pic>
         <p:nvPicPr>
-          <p:cNvPr id="4" name="Picture 3" descr="A close-up of a gear&#10;&#10;Description automatically generated">
+          <p:cNvPr id="7" name="Picture 6" descr="A purple card with text and a picture of a person">
             <a:extLst>
               <a:ext uri="{FF2B5EF4-FFF2-40B4-BE49-F238E27FC236}">
-                <a16:creationId xmlns:a16="http://schemas.microsoft.com/office/drawing/2014/main" id="{1DE0F556-2DD1-B0F5-D341-7BC6D5734DF8}"/>
+                <a16:creationId xmlns:a16="http://schemas.microsoft.com/office/drawing/2014/main" id="{1FB82FF1-8168-C0BE-DBFE-283A5472A554}"/>
               </a:ext>
             </a:extLst>
           </p:cNvPr>
@@ -15223,7 +15184,7 @@
           </p:cNvPicPr>
           <p:nvPr/>
         </p:nvPicPr>
-        <p:blipFill rotWithShape="1">
+        <p:blipFill>
           <a:blip r:embed="rId4">
             <a:extLst>
               <a:ext uri="{28A0092B-C50C-407E-A947-70E740481C1C}">
@@ -15231,13 +15192,14 @@
               </a:ext>
             </a:extLst>
           </a:blip>
-          <a:srcRect t="1" b="64645"/>
-          <a:stretch/>
+          <a:stretch>
+            <a:fillRect/>
+          </a:stretch>
         </p:blipFill>
         <p:spPr>
           <a:xfrm>
-            <a:off x="359999" y="2226158"/>
-            <a:ext cx="7093314" cy="2507821"/>
+            <a:off x="0" y="0"/>
+            <a:ext cx="9144000" cy="5143500"/>
           </a:xfrm>
           <a:prstGeom prst="rect">
             <a:avLst/>
@@ -20501,6 +20463,15 @@
 </file>
 
 <file path=customXml/item1.xml><?xml version="1.0" encoding="utf-8"?>
+<?mso-contentType ?>
+<FormTemplates xmlns="http://schemas.microsoft.com/sharepoint/v3/contenttype/forms">
+  <Display>DocumentLibraryForm</Display>
+  <Edit>DocumentLibraryForm</Edit>
+  <New>DocumentLibraryForm</New>
+</FormTemplates>
+</file>
+
+<file path=customXml/item2.xml><?xml version="1.0" encoding="utf-8"?>
 <ct:contentTypeSchema xmlns:ct="http://schemas.microsoft.com/office/2006/metadata/contentType" xmlns:ma="http://schemas.microsoft.com/office/2006/metadata/properties/metaAttributes" ct:_="" ma:_="" ma:contentTypeName="Dokument" ma:contentTypeID="0x01010050460AE39A82AD4795A3565F3DAE5EA8" ma:contentTypeVersion="16" ma:contentTypeDescription="Ein neues Dokument erstellen." ma:contentTypeScope="" ma:versionID="ec82a9993c9b8a2201503eb30937bf4a">
   <xsd:schema xmlns:xsd="http://www.w3.org/2001/XMLSchema" xmlns:xs="http://www.w3.org/2001/XMLSchema" xmlns:p="http://schemas.microsoft.com/office/2006/metadata/properties" xmlns:ns2="e05445a8-2551-4a63-879e-01155c2c761e" xmlns:ns3="01e95462-78a7-41d4-9a93-e8d8dde53743" targetNamespace="http://schemas.microsoft.com/office/2006/metadata/properties" ma:root="true" ma:fieldsID="0382105114aa7af2a0cdb49a7fd70252" ns2:_="" ns3:_="">
     <xsd:import namespace="e05445a8-2551-4a63-879e-01155c2c761e"/>
@@ -20743,16 +20714,15 @@
 </ct:contentTypeSchema>
 </file>
 
-<file path=customXml/item2.xml><?xml version="1.0" encoding="utf-8"?>
-<?mso-contentType ?>
-<FormTemplates xmlns="http://schemas.microsoft.com/sharepoint/v3/contenttype/forms">
-  <Display>DocumentLibraryForm</Display>
-  <Edit>DocumentLibraryForm</Edit>
-  <New>DocumentLibraryForm</New>
-</FormTemplates>
+<file path=customXml/itemProps1.xml><?xml version="1.0" encoding="utf-8"?>
+<ds:datastoreItem xmlns:ds="http://schemas.openxmlformats.org/officeDocument/2006/customXml" ds:itemID="{DDA0BA8E-434D-48CF-8C42-C96ADE6F01B2}">
+  <ds:schemaRefs>
+    <ds:schemaRef ds:uri="http://schemas.microsoft.com/sharepoint/v3/contenttype/forms"/>
+  </ds:schemaRefs>
+</ds:datastoreItem>
 </file>
 
-<file path=customXml/itemProps1.xml><?xml version="1.0" encoding="utf-8"?>
+<file path=customXml/itemProps2.xml><?xml version="1.0" encoding="utf-8"?>
 <ds:datastoreItem xmlns:ds="http://schemas.openxmlformats.org/officeDocument/2006/customXml" ds:itemID="{0BB5088A-3ACC-49D2-A58D-F09F6B8954CE}">
   <ds:schemaRefs>
     <ds:schemaRef ds:uri="http://schemas.microsoft.com/office/2006/metadata/contentType"/>
@@ -20769,12 +20739,4 @@
     <ds:schemaRef ds:uri="http://schemas.microsoft.com/internal/obd"/>
   </ds:schemaRefs>
 </ds:datastoreItem>
-</file>
-
-<file path=customXml/itemProps2.xml><?xml version="1.0" encoding="utf-8"?>
-<ds:datastoreItem xmlns:ds="http://schemas.openxmlformats.org/officeDocument/2006/customXml" ds:itemID="{DDA0BA8E-434D-48CF-8C42-C96ADE6F01B2}">
-  <ds:schemaRefs>
-    <ds:schemaRef ds:uri="http://schemas.microsoft.com/sharepoint/v3/contenttype/forms"/>
-  </ds:schemaRefs>
-</ds:datastoreItem>
 </file>
--- a/slides/presentation.pptx
+++ b/slides/presentation.pptx
@@ -34,7 +34,7 @@
     <p:sldId id="286" r:id="rId24"/>
   </p:sldIdLst>
   <p:sldSz cx="9144000" cy="5143500" type="screen16x9"/>
-  <p:notesSz cx="7099300" cy="10234613"/>
+  <p:notesSz cx="6858000" cy="9875838"/>
   <p:custDataLst>
     <p:tags r:id="rId27"/>
   </p:custDataLst>
@@ -180,12 +180,12 @@
     </p:ext>
     <p:ext uri="{2D200454-40CA-4A62-9FC3-DE9A4176ACB9}">
       <p15:notesGuideLst xmlns:p15="http://schemas.microsoft.com/office/powerpoint/2012/main">
-        <p15:guide id="1" orient="horz" pos="3224" userDrawn="1">
+        <p15:guide id="1" orient="horz" pos="3111" userDrawn="1">
           <p15:clr>
             <a:srgbClr val="A4A3A4"/>
           </p15:clr>
         </p15:guide>
-        <p15:guide id="2" pos="2236" userDrawn="1">
+        <p15:guide id="2" pos="2160" userDrawn="1">
           <p15:clr>
             <a:srgbClr val="A4A3A4"/>
           </p15:clr>
@@ -230,15 +230,15 @@
         </p:nvSpPr>
         <p:spPr>
           <a:xfrm>
-            <a:off x="0" y="0"/>
-            <a:ext cx="3076363" cy="511731"/>
+            <a:off x="1" y="3"/>
+            <a:ext cx="2971800" cy="493792"/>
           </a:xfrm>
           <a:prstGeom prst="rect">
             <a:avLst/>
           </a:prstGeom>
         </p:spPr>
         <p:txBody>
-          <a:bodyPr vert="horz" lIns="99048" tIns="49524" rIns="99048" bIns="49524" rtlCol="0"/>
+          <a:bodyPr vert="horz" lIns="95611" tIns="47806" rIns="95611" bIns="47806" rtlCol="0"/>
           <a:lstStyle>
             <a:lvl1pPr algn="l">
               <a:defRPr sz="1300"/>
@@ -261,15 +261,15 @@
         </p:nvSpPr>
         <p:spPr>
           <a:xfrm>
-            <a:off x="4021294" y="0"/>
-            <a:ext cx="3076363" cy="511731"/>
+            <a:off x="3884614" y="3"/>
+            <a:ext cx="2971800" cy="493792"/>
           </a:xfrm>
           <a:prstGeom prst="rect">
             <a:avLst/>
           </a:prstGeom>
         </p:spPr>
         <p:txBody>
-          <a:bodyPr vert="horz" lIns="99048" tIns="49524" rIns="99048" bIns="49524" rtlCol="0"/>
+          <a:bodyPr vert="horz" lIns="95611" tIns="47806" rIns="95611" bIns="47806" rtlCol="0"/>
           <a:lstStyle>
             <a:lvl1pPr algn="r">
               <a:defRPr sz="1300"/>
@@ -278,7 +278,7 @@
           <a:p>
             <a:fld id="{37581487-DED7-4908-9A01-0A45EDCB1D6C}" type="datetimeFigureOut">
               <a:rPr lang="de-DE" sz="1100"/>
-              <a:t>19.11.2024</a:t>
+              <a:t>20.11.2024</a:t>
             </a:fld>
             <a:endParaRPr lang="de-DE" sz="1100"/>
           </a:p>
@@ -296,15 +296,15 @@
         </p:nvSpPr>
         <p:spPr>
           <a:xfrm>
-            <a:off x="0" y="9721106"/>
-            <a:ext cx="3076363" cy="511731"/>
+            <a:off x="1" y="9380335"/>
+            <a:ext cx="2971800" cy="493792"/>
           </a:xfrm>
           <a:prstGeom prst="rect">
             <a:avLst/>
           </a:prstGeom>
         </p:spPr>
         <p:txBody>
-          <a:bodyPr vert="horz" lIns="99048" tIns="49524" rIns="99048" bIns="49524" rtlCol="0" anchor="b"/>
+          <a:bodyPr vert="horz" lIns="95611" tIns="47806" rIns="95611" bIns="47806" rtlCol="0" anchor="b"/>
           <a:lstStyle>
             <a:lvl1pPr algn="l">
               <a:defRPr sz="1300"/>
@@ -327,15 +327,15 @@
         </p:nvSpPr>
         <p:spPr>
           <a:xfrm>
-            <a:off x="4021294" y="9721106"/>
-            <a:ext cx="3076363" cy="511731"/>
+            <a:off x="3884614" y="9380335"/>
+            <a:ext cx="2971800" cy="493792"/>
           </a:xfrm>
           <a:prstGeom prst="rect">
             <a:avLst/>
           </a:prstGeom>
         </p:spPr>
         <p:txBody>
-          <a:bodyPr vert="horz" lIns="99048" tIns="49524" rIns="99048" bIns="49524" rtlCol="0" anchor="b"/>
+          <a:bodyPr vert="horz" lIns="95611" tIns="47806" rIns="95611" bIns="47806" rtlCol="0" anchor="b"/>
           <a:lstStyle>
             <a:lvl1pPr algn="r">
               <a:defRPr sz="1300"/>
@@ -386,7 +386,120 @@
       </p:grpSpPr>
       <p:sp>
         <p:nvSpPr>
-          <p:cNvPr id="4" name="Folienbildplatzhalter 3"/>
+          <p:cNvPr id="8" name="Slide Number Placeholder 7">
+            <a:extLst>
+              <a:ext uri="{FF2B5EF4-FFF2-40B4-BE49-F238E27FC236}">
+                <a16:creationId xmlns:a16="http://schemas.microsoft.com/office/drawing/2014/main" id="{F70E928D-8E77-6276-934D-D378F46A7AFC}"/>
+              </a:ext>
+            </a:extLst>
+          </p:cNvPr>
+          <p:cNvSpPr>
+            <a:spLocks noGrp="1"/>
+          </p:cNvSpPr>
+          <p:nvPr>
+            <p:ph type="sldNum" sz="quarter" idx="5"/>
+          </p:nvPr>
+        </p:nvSpPr>
+        <p:spPr>
+          <a:xfrm>
+            <a:off x="3884817" y="9381163"/>
+            <a:ext cx="2972119" cy="494675"/>
+          </a:xfrm>
+          <a:prstGeom prst="rect">
+            <a:avLst/>
+          </a:prstGeom>
+        </p:spPr>
+        <p:txBody>
+          <a:bodyPr vert="horz" lIns="88267" tIns="44134" rIns="88267" bIns="44134" rtlCol="0" anchor="b"/>
+          <a:lstStyle>
+            <a:lvl1pPr algn="r">
+              <a:defRPr sz="1200"/>
+            </a:lvl1pPr>
+          </a:lstStyle>
+          <a:p>
+            <a:fld id="{F2CAA8BB-88FD-437C-AAF8-B4CF0C75ED63}" type="slidenum">
+              <a:rPr lang="nl-BE" smtClean="0"/>
+              <a:t>‹#›</a:t>
+            </a:fld>
+            <a:endParaRPr lang="nl-BE"/>
+          </a:p>
+        </p:txBody>
+      </p:sp>
+      <p:sp>
+        <p:nvSpPr>
+          <p:cNvPr id="9" name="Notes Placeholder 8">
+            <a:extLst>
+              <a:ext uri="{FF2B5EF4-FFF2-40B4-BE49-F238E27FC236}">
+                <a16:creationId xmlns:a16="http://schemas.microsoft.com/office/drawing/2014/main" id="{492F1FEA-6241-833A-B997-027D5E60FDAF}"/>
+              </a:ext>
+            </a:extLst>
+          </p:cNvPr>
+          <p:cNvSpPr>
+            <a:spLocks noGrp="1"/>
+          </p:cNvSpPr>
+          <p:nvPr>
+            <p:ph type="body" sz="quarter" idx="3"/>
+          </p:nvPr>
+        </p:nvSpPr>
+        <p:spPr>
+          <a:xfrm>
+            <a:off x="686121" y="4752416"/>
+            <a:ext cx="5485761" cy="3888943"/>
+          </a:xfrm>
+          <a:prstGeom prst="rect">
+            <a:avLst/>
+          </a:prstGeom>
+        </p:spPr>
+        <p:txBody>
+          <a:bodyPr vert="horz" lIns="88267" tIns="44134" rIns="88267" bIns="44134" rtlCol="0"/>
+          <a:lstStyle/>
+          <a:p>
+            <a:pPr lvl="0"/>
+            <a:r>
+              <a:rPr lang="en-US"/>
+              <a:t>Click to edit Master text styles</a:t>
+            </a:r>
+          </a:p>
+          <a:p>
+            <a:pPr lvl="1"/>
+            <a:r>
+              <a:rPr lang="en-US"/>
+              <a:t>Second level</a:t>
+            </a:r>
+          </a:p>
+          <a:p>
+            <a:pPr lvl="2"/>
+            <a:r>
+              <a:rPr lang="en-US"/>
+              <a:t>Third level</a:t>
+            </a:r>
+          </a:p>
+          <a:p>
+            <a:pPr lvl="3"/>
+            <a:r>
+              <a:rPr lang="en-US"/>
+              <a:t>Fourth level</a:t>
+            </a:r>
+          </a:p>
+          <a:p>
+            <a:pPr lvl="4"/>
+            <a:r>
+              <a:rPr lang="en-US"/>
+              <a:t>Fifth level</a:t>
+            </a:r>
+            <a:endParaRPr lang="nl-BE"/>
+          </a:p>
+        </p:txBody>
+      </p:sp>
+      <p:sp>
+        <p:nvSpPr>
+          <p:cNvPr id="10" name="Slide Image Placeholder 9">
+            <a:extLst>
+              <a:ext uri="{FF2B5EF4-FFF2-40B4-BE49-F238E27FC236}">
+                <a16:creationId xmlns:a16="http://schemas.microsoft.com/office/drawing/2014/main" id="{FA9EBC56-DA8D-7F66-3F56-F67B496DC0DE}"/>
+              </a:ext>
+            </a:extLst>
+          </p:cNvPr>
           <p:cNvSpPr>
             <a:spLocks noGrp="1" noRot="1" noChangeAspect="1"/>
           </p:cNvSpPr>
@@ -396,8 +509,8 @@
         </p:nvSpPr>
         <p:spPr>
           <a:xfrm>
-            <a:off x="115888" y="403225"/>
-            <a:ext cx="6850062" cy="3854450"/>
+            <a:off x="466725" y="1235075"/>
+            <a:ext cx="5924550" cy="3332163"/>
           </a:xfrm>
           <a:prstGeom prst="rect">
             <a:avLst/>
@@ -405,110 +518,15 @@
           <a:noFill/>
           <a:ln w="12700">
             <a:solidFill>
-              <a:schemeClr val="tx1"/>
+              <a:prstClr val="black"/>
             </a:solidFill>
           </a:ln>
         </p:spPr>
         <p:txBody>
-          <a:bodyPr vert="horz" lIns="99048" tIns="49524" rIns="99048" bIns="49524" rtlCol="0" anchor="ctr"/>
-          <a:lstStyle/>
-          <a:p>
-            <a:endParaRPr lang="de-DE"/>
-          </a:p>
-        </p:txBody>
-      </p:sp>
-      <p:sp>
-        <p:nvSpPr>
-          <p:cNvPr id="5" name="Notizenplatzhalter 4"/>
-          <p:cNvSpPr>
-            <a:spLocks noGrp="1"/>
-          </p:cNvSpPr>
-          <p:nvPr>
-            <p:ph type="body" sz="quarter" idx="3"/>
-          </p:nvPr>
-        </p:nvSpPr>
-        <p:spPr>
-          <a:xfrm>
-            <a:off x="372667" y="4432312"/>
-            <a:ext cx="6335333" cy="5439657"/>
-          </a:xfrm>
-          <a:prstGeom prst="rect">
-            <a:avLst/>
-          </a:prstGeom>
-        </p:spPr>
-        <p:txBody>
-          <a:bodyPr vert="horz" lIns="0" tIns="0" rIns="0" bIns="0" rtlCol="0"/>
-          <a:lstStyle/>
-          <a:p>
-            <a:pPr lvl="0"/>
-            <a:r>
-              <a:rPr lang="de-DE" dirty="0"/>
-              <a:t>Textmasterformat bearbeiten</a:t>
-            </a:r>
-          </a:p>
-          <a:p>
-            <a:pPr lvl="1"/>
-            <a:r>
-              <a:rPr lang="de-DE" dirty="0"/>
-              <a:t>Zweite Ebene</a:t>
-            </a:r>
-          </a:p>
-          <a:p>
-            <a:pPr lvl="2"/>
-            <a:r>
-              <a:rPr lang="de-DE" dirty="0"/>
-              <a:t>Dritte Ebene</a:t>
-            </a:r>
-          </a:p>
-          <a:p>
-            <a:pPr lvl="3"/>
-            <a:r>
-              <a:rPr lang="de-DE" dirty="0"/>
-              <a:t>Vierte Ebene</a:t>
-            </a:r>
-          </a:p>
-          <a:p>
-            <a:pPr lvl="4"/>
-            <a:r>
-              <a:rPr lang="de-DE" dirty="0"/>
-              <a:t>Fünfte Ebene</a:t>
-            </a:r>
-          </a:p>
-        </p:txBody>
-      </p:sp>
-      <p:sp>
-        <p:nvSpPr>
-          <p:cNvPr id="7" name="Foliennummernplatzhalter 6"/>
-          <p:cNvSpPr>
-            <a:spLocks noGrp="1"/>
-          </p:cNvSpPr>
-          <p:nvPr>
-            <p:ph type="sldNum" sz="quarter" idx="5"/>
-          </p:nvPr>
-        </p:nvSpPr>
-        <p:spPr>
-          <a:xfrm>
-            <a:off x="4021294" y="9947545"/>
-            <a:ext cx="3076363" cy="282056"/>
-          </a:xfrm>
-          <a:prstGeom prst="rect">
-            <a:avLst/>
-          </a:prstGeom>
-        </p:spPr>
-        <p:txBody>
-          <a:bodyPr vert="horz" lIns="99048" tIns="49524" rIns="99048" bIns="49524" rtlCol="0" anchor="b"/>
-          <a:lstStyle>
-            <a:lvl1pPr algn="r">
-              <a:defRPr sz="1100"/>
-            </a:lvl1pPr>
-          </a:lstStyle>
-          <a:p>
-            <a:fld id="{D61B4C21-2AF8-4513-9A88-12DEBB551087}" type="slidenum">
-              <a:rPr lang="de-DE" smtClean="0"/>
-              <a:pPr/>
-              <a:t>‹#›</a:t>
-            </a:fld>
-            <a:endParaRPr lang="de-DE" dirty="0"/>
+          <a:bodyPr vert="horz" lIns="88267" tIns="44134" rIns="88267" bIns="44134" rtlCol="0" anchor="ctr"/>
+          <a:lstStyle/>
+          <a:p>
+            <a:endParaRPr lang="nl-BE"/>
           </a:p>
         </p:txBody>
       </p:sp>
@@ -665,9 +683,12 @@
         </p:nvSpPr>
         <p:spPr>
           <a:xfrm>
-            <a:off x="360363" y="360363"/>
-            <a:ext cx="6119812" cy="3443287"/>
-          </a:xfrm>
+            <a:off x="349250" y="346075"/>
+            <a:ext cx="5908675" cy="3324225"/>
+          </a:xfrm>
+          <a:prstGeom prst="rect">
+            <a:avLst/>
+          </a:prstGeom>
         </p:spPr>
       </p:sp>
       <p:sp>
@@ -680,7 +701,15 @@
             <p:ph type="body" idx="1"/>
           </p:nvPr>
         </p:nvSpPr>
-        <p:spPr/>
+        <p:spPr>
+          <a:xfrm>
+            <a:off x="360001" y="4276938"/>
+            <a:ext cx="6120000" cy="5248969"/>
+          </a:xfrm>
+          <a:prstGeom prst="rect">
+            <a:avLst/>
+          </a:prstGeom>
+        </p:spPr>
         <p:txBody>
           <a:bodyPr/>
           <a:lstStyle/>
@@ -846,7 +875,15 @@
             <p:ph type="sldNum" sz="quarter" idx="10"/>
           </p:nvPr>
         </p:nvSpPr>
-        <p:spPr/>
+        <p:spPr>
+          <a:xfrm>
+            <a:off x="3884614" y="9598832"/>
+            <a:ext cx="2971800" cy="272169"/>
+          </a:xfrm>
+          <a:prstGeom prst="rect">
+            <a:avLst/>
+          </a:prstGeom>
+        </p:spPr>
         <p:txBody>
           <a:bodyPr/>
           <a:lstStyle/>
@@ -900,7 +937,15 @@
             <p:ph type="sldImg"/>
           </p:nvPr>
         </p:nvSpPr>
-        <p:spPr/>
+        <p:spPr>
+          <a:xfrm>
+            <a:off x="115888" y="388938"/>
+            <a:ext cx="6608762" cy="3717925"/>
+          </a:xfrm>
+          <a:prstGeom prst="rect">
+            <a:avLst/>
+          </a:prstGeom>
+        </p:spPr>
       </p:sp>
       <p:sp>
         <p:nvSpPr>
@@ -912,20 +957,38 @@
             <p:ph type="body" idx="1"/>
           </p:nvPr>
         </p:nvSpPr>
-        <p:spPr/>
-        <p:txBody>
-          <a:bodyPr/>
-          <a:lstStyle/>
-          <a:p>
-            <a:r>
+        <p:spPr>
+          <a:xfrm>
+            <a:off x="360001" y="4276938"/>
+            <a:ext cx="6120000" cy="5248969"/>
+          </a:xfrm>
+          <a:prstGeom prst="rect">
+            <a:avLst/>
+          </a:prstGeom>
+        </p:spPr>
+        <p:txBody>
+          <a:bodyPr/>
+          <a:lstStyle/>
+          <a:p>
+            <a:r>
+              <a:rPr lang="en-US" b="1" noProof="0" dirty="0"/>
+              <a:t>Anyone who likes to reinvent the wheel?</a:t>
+            </a:r>
+            <a:br>
               <a:rPr lang="en-US" noProof="0" dirty="0"/>
-              <a:t>Demo time, I will highlight a piece of code I, which I got inspired by the idea of Andrew Lock.</a:t>
-            </a:r>
-          </a:p>
-          <a:p>
-            <a:r>
+            </a:br>
+            <a:br>
               <a:rPr lang="en-US" noProof="0" dirty="0"/>
-              <a:t>He suggested to only write the parts which matters for your situation, and he got a point why would you want to reinvent the wheel.</a:t>
+            </a:br>
+            <a:r>
+              <a:rPr lang="en-US" noProof="0" dirty="0"/>
+              <a:t>I will highlight a piece of code I, which I got inspired by the idea of Andrew Lock.</a:t>
+            </a:r>
+          </a:p>
+          <a:p>
+            <a:r>
+              <a:rPr lang="en-US" noProof="0" dirty="0"/>
+              <a:t>He suggested to only write the parts which matters for your situation, and he has a valid point.</a:t>
             </a:r>
           </a:p>
           <a:p>
@@ -940,7 +1003,7 @@
           <a:p>
             <a:r>
               <a:rPr lang="en-US" noProof="0" dirty="0"/>
-              <a:t>It will retrieve the information using the AWS CLI and SSO so that we don’t need to provide any password or store other sensitive data.</a:t>
+              <a:t>It will retrieve the information using the AWS CLI. I’ve mocked the outbound call for this demo out of precaution for WIFI and infrastructure issues on AWS out of my control.</a:t>
             </a:r>
           </a:p>
           <a:p>
@@ -949,370 +1012,163 @@
           <a:p>
             <a:r>
               <a:rPr lang="en-US" noProof="0" dirty="0"/>
-              <a:t>In the secrets manager I stored my value as a JSON string. This way I can read them out and load them as if it were a JSON file.</a:t>
-            </a:r>
-          </a:p>
-          <a:p>
-            <a:r>
-              <a:rPr lang="en-US" noProof="0" dirty="0"/>
-              <a:t>Now keep in mind that I wanted to recycle things, so the </a:t>
-            </a:r>
-            <a:r>
-              <a:rPr lang="nl-BE" sz="1800" b="1" dirty="0">
-                <a:solidFill>
-                  <a:srgbClr val="2B91AF"/>
-                </a:solidFill>
-                <a:highlight>
-                  <a:srgbClr val="FFFFFF"/>
-                </a:highlight>
-                <a:latin typeface="Cascadia Mono" panose="020B0609020000020004" pitchFamily="49" charset="0"/>
-              </a:rPr>
-              <a:t>AmazonSecretsManagerConfigurationProvider</a:t>
-            </a:r>
-            <a:r>
-              <a:rPr lang="nl-BE" sz="1800" dirty="0">
-                <a:solidFill>
-                  <a:srgbClr val="2B91AF"/>
-                </a:solidFill>
-                <a:highlight>
-                  <a:srgbClr val="FFFFFF"/>
-                </a:highlight>
-                <a:latin typeface="Cascadia Mono" panose="020B0609020000020004" pitchFamily="49" charset="0"/>
-              </a:rPr>
-              <a:t> is inheriting from the JsonConfigurationProvider this way I don’t need to write the custom hierachy flattening code to get from </a:t>
-            </a:r>
-          </a:p>
-          <a:p>
-            <a:endParaRPr lang="nl-BE" sz="1800" dirty="0">
-              <a:solidFill>
-                <a:srgbClr val="000000"/>
-              </a:solidFill>
-              <a:highlight>
-                <a:srgbClr val="FFFFFF"/>
-              </a:highlight>
-              <a:latin typeface="Cascadia Mono" panose="020B0609020000020004" pitchFamily="49" charset="0"/>
-            </a:endParaRPr>
-          </a:p>
-          <a:p>
-            <a:r>
-              <a:rPr lang="nl-BE" sz="1800" dirty="0">
-                <a:solidFill>
-                  <a:srgbClr val="000000"/>
-                </a:solidFill>
-                <a:highlight>
-                  <a:srgbClr val="FFFFFF"/>
-                </a:highlight>
-                <a:latin typeface="Cascadia Mono" panose="020B0609020000020004" pitchFamily="49" charset="0"/>
+              <a:t>In the secrets manager a JSON string is stored. This way I can read and load them as if it was a JSON file. Keep in mind that I wanted to recycle things, so the </a:t>
+            </a:r>
+            <a:r>
+              <a:rPr lang="nl-BE" dirty="0"/>
+              <a:t>AmazonSecretsManagerConfigurationProvider is inheriting from the JsonConfigurationProvider this way I don’t need to write the custom hierachy flattening code to get from </a:t>
+            </a:r>
+          </a:p>
+          <a:p>
+            <a:r>
+              <a:rPr lang="nl-BE" sz="850" dirty="0">
+                <a:latin typeface="Consolas" panose="020B0609020204030204" pitchFamily="49" charset="0"/>
               </a:rPr>
               <a:t>{</a:t>
             </a:r>
           </a:p>
           <a:p>
             <a:r>
-              <a:rPr lang="nl-BE" sz="1800" dirty="0">
-                <a:solidFill>
-                  <a:srgbClr val="000000"/>
-                </a:solidFill>
-                <a:highlight>
-                  <a:srgbClr val="FFFFFF"/>
-                </a:highlight>
-                <a:latin typeface="Cascadia Mono" panose="020B0609020000020004" pitchFamily="49" charset="0"/>
+              <a:rPr lang="nl-BE" sz="850" dirty="0">
+                <a:latin typeface="Consolas" panose="020B0609020204030204" pitchFamily="49" charset="0"/>
               </a:rPr>
-              <a:t>    </a:t>
-            </a:r>
-            <a:r>
-              <a:rPr lang="nl-BE" sz="1800" dirty="0">
-                <a:solidFill>
-                  <a:srgbClr val="2E75B6"/>
-                </a:solidFill>
-                <a:highlight>
-                  <a:srgbClr val="FFFFFF"/>
-                </a:highlight>
-                <a:latin typeface="Cascadia Mono" panose="020B0609020000020004" pitchFamily="49" charset="0"/>
+              <a:t>    "AppSettings": {</a:t>
+            </a:r>
+          </a:p>
+          <a:p>
+            <a:r>
+              <a:rPr lang="nl-BE" sz="850" dirty="0">
+                <a:latin typeface="Consolas" panose="020B0609020204030204" pitchFamily="49" charset="0"/>
               </a:rPr>
-              <a:t>"AppSettings"</a:t>
-            </a:r>
-            <a:r>
-              <a:rPr lang="nl-BE" sz="1800" dirty="0">
-                <a:solidFill>
-                  <a:srgbClr val="000000"/>
-                </a:solidFill>
-                <a:highlight>
-                  <a:srgbClr val="FFFFFF"/>
-                </a:highlight>
-                <a:latin typeface="Cascadia Mono" panose="020B0609020000020004" pitchFamily="49" charset="0"/>
-              </a:rPr>
-              <a:t>: {</a:t>
-            </a:r>
-          </a:p>
-          <a:p>
-            <a:r>
-              <a:rPr lang="nl-BE" sz="1800" dirty="0">
-                <a:solidFill>
-                  <a:srgbClr val="000000"/>
-                </a:solidFill>
-                <a:highlight>
-                  <a:srgbClr val="FFFFFF"/>
-                </a:highlight>
-                <a:latin typeface="Cascadia Mono" panose="020B0609020000020004" pitchFamily="49" charset="0"/>
-              </a:rPr>
-              <a:t>        </a:t>
-            </a:r>
-            <a:r>
-              <a:rPr lang="nl-BE" sz="1800" dirty="0">
-                <a:solidFill>
-                  <a:srgbClr val="2E75B6"/>
-                </a:solidFill>
-                <a:highlight>
-                  <a:srgbClr val="FFFFFF"/>
-                </a:highlight>
-                <a:latin typeface="Cascadia Mono" panose="020B0609020000020004" pitchFamily="49" charset="0"/>
-              </a:rPr>
-              <a:t>"Setting8"</a:t>
-            </a:r>
-            <a:r>
-              <a:rPr lang="nl-BE" sz="1800" dirty="0">
-                <a:solidFill>
-                  <a:srgbClr val="000000"/>
-                </a:solidFill>
-                <a:highlight>
-                  <a:srgbClr val="FFFFFF"/>
-                </a:highlight>
-                <a:latin typeface="Cascadia Mono" panose="020B0609020000020004" pitchFamily="49" charset="0"/>
-              </a:rPr>
-              <a:t>: </a:t>
-            </a:r>
-            <a:r>
-              <a:rPr lang="nl-BE" sz="1800" dirty="0">
-                <a:solidFill>
-                  <a:srgbClr val="A31515"/>
-                </a:solidFill>
-                <a:highlight>
-                  <a:srgbClr val="FFFFFF"/>
-                </a:highlight>
-                <a:latin typeface="Cascadia Mono" panose="020B0609020000020004" pitchFamily="49" charset="0"/>
-              </a:rPr>
-              <a:t>"SecretsManagerValue8"</a:t>
-            </a:r>
-            <a:endParaRPr lang="nl-BE" sz="1800" dirty="0">
-              <a:solidFill>
-                <a:srgbClr val="000000"/>
-              </a:solidFill>
-              <a:highlight>
-                <a:srgbClr val="FFFFFF"/>
-              </a:highlight>
-              <a:latin typeface="Cascadia Mono" panose="020B0609020000020004" pitchFamily="49" charset="0"/>
-            </a:endParaRPr>
-          </a:p>
-          <a:p>
-            <a:r>
-              <a:rPr lang="nl-BE" sz="1800" dirty="0">
-                <a:solidFill>
-                  <a:srgbClr val="000000"/>
-                </a:solidFill>
-                <a:highlight>
-                  <a:srgbClr val="FFFFFF"/>
-                </a:highlight>
-                <a:latin typeface="Cascadia Mono" panose="020B0609020000020004" pitchFamily="49" charset="0"/>
+              <a:t>        "Setting8": "SecretsManagerValue8"</a:t>
+            </a:r>
+          </a:p>
+          <a:p>
+            <a:r>
+              <a:rPr lang="nl-BE" sz="850" dirty="0">
+                <a:latin typeface="Consolas" panose="020B0609020204030204" pitchFamily="49" charset="0"/>
               </a:rPr>
               <a:t>    }</a:t>
             </a:r>
           </a:p>
           <a:p>
             <a:r>
-              <a:rPr lang="nl-BE" sz="1800" dirty="0">
-                <a:solidFill>
-                  <a:srgbClr val="000000"/>
-                </a:solidFill>
-                <a:highlight>
-                  <a:srgbClr val="FFFFFF"/>
-                </a:highlight>
-                <a:latin typeface="Cascadia Mono" panose="020B0609020000020004" pitchFamily="49" charset="0"/>
+              <a:rPr lang="nl-BE" sz="850" dirty="0">
+                <a:latin typeface="Consolas" panose="020B0609020204030204" pitchFamily="49" charset="0"/>
               </a:rPr>
               <a:t>}</a:t>
             </a:r>
           </a:p>
           <a:p>
-            <a:endParaRPr lang="nl-BE" sz="1800" noProof="0" dirty="0">
-              <a:solidFill>
-                <a:srgbClr val="000000"/>
-              </a:solidFill>
-              <a:highlight>
-                <a:srgbClr val="FFFFFF"/>
-              </a:highlight>
-              <a:latin typeface="Cascadia Mono" panose="020B0609020000020004" pitchFamily="49" charset="0"/>
-            </a:endParaRPr>
-          </a:p>
-          <a:p>
-            <a:r>
-              <a:rPr lang="nl-BE" sz="1800" noProof="0" dirty="0">
-                <a:solidFill>
-                  <a:srgbClr val="000000"/>
-                </a:solidFill>
-                <a:highlight>
-                  <a:srgbClr val="FFFFFF"/>
-                </a:highlight>
-                <a:latin typeface="Cascadia Mono" panose="020B0609020000020004" pitchFamily="49" charset="0"/>
+            <a:r>
+              <a:rPr lang="nl-BE" sz="850" dirty="0">
+                <a:latin typeface="Consolas" panose="020B0609020204030204" pitchFamily="49" charset="0"/>
               </a:rPr>
               <a:t>To AppSettings:Setting8 </a:t>
             </a:r>
             <a:r>
-              <a:rPr lang="nl-BE" sz="1800" noProof="0" dirty="0">
-                <a:solidFill>
-                  <a:srgbClr val="000000"/>
-                </a:solidFill>
-                <a:highlight>
-                  <a:srgbClr val="FFFFFF"/>
-                </a:highlight>
-                <a:latin typeface="Cascadia Mono" panose="020B0609020000020004" pitchFamily="49" charset="0"/>
+              <a:rPr lang="nl-BE" sz="850" dirty="0">
+                <a:latin typeface="Consolas" panose="020B0609020204030204" pitchFamily="49" charset="0"/>
                 <a:sym typeface="Wingdings" panose="05000000000000000000" pitchFamily="2" charset="2"/>
               </a:rPr>
               <a:t> </a:t>
             </a:r>
             <a:r>
-              <a:rPr lang="nl-BE" sz="1000" dirty="0">
-                <a:solidFill>
-                  <a:srgbClr val="A31515"/>
-                </a:solidFill>
-                <a:highlight>
-                  <a:srgbClr val="FFFFFF"/>
-                </a:highlight>
-                <a:latin typeface="Cascadia Mono" panose="020B0609020000020004" pitchFamily="49" charset="0"/>
+              <a:rPr lang="nl-BE" sz="850" dirty="0">
+                <a:latin typeface="Consolas" panose="020B0609020204030204" pitchFamily="49" charset="0"/>
               </a:rPr>
               <a:t>SecretsManagerValue8</a:t>
             </a:r>
-            <a:endParaRPr lang="en-US" noProof="0" dirty="0"/>
-          </a:p>
-          <a:p>
-            <a:endParaRPr lang="en-US" noProof="0" dirty="0"/>
-          </a:p>
-          <a:p>
+            <a:endParaRPr lang="en-US" sz="850" dirty="0">
+              <a:latin typeface="Consolas" panose="020B0609020204030204" pitchFamily="49" charset="0"/>
+            </a:endParaRPr>
+          </a:p>
+          <a:p>
+            <a:endParaRPr lang="en-US" dirty="0"/>
+          </a:p>
+          <a:p>
+            <a:r>
+              <a:rPr lang="en-US" dirty="0"/>
+              <a:t>The </a:t>
+            </a:r>
+            <a:r>
+              <a:rPr lang="en-US" dirty="0" err="1"/>
+              <a:t>GetSecret</a:t>
+            </a:r>
+            <a:r>
+              <a:rPr lang="en-US" dirty="0"/>
+              <a:t> Method is where the heavy lifting is done. We attach it to the Load method by overriding it. In case when a load exception occurs, we want to reload it a bit later running </a:t>
+            </a:r>
             <a:r>
               <a:rPr lang="en-US" noProof="0" dirty="0"/>
+              <a:t>the task </a:t>
+            </a:r>
+            <a:r>
+              <a:rPr lang="en-US" dirty="0"/>
+              <a:t>asynchronously.</a:t>
+            </a:r>
+          </a:p>
+          <a:p>
+            <a:r>
+              <a:rPr lang="en-US" dirty="0"/>
+              <a:t>This in turn will trigger the load and the </a:t>
+            </a:r>
+            <a:r>
+              <a:rPr lang="en-US" dirty="0" err="1"/>
+              <a:t>OnReload</a:t>
+            </a:r>
+            <a:r>
+              <a:rPr lang="en-US" dirty="0"/>
+              <a:t> method.</a:t>
+            </a:r>
+          </a:p>
+          <a:p>
+            <a:r>
+              <a:rPr lang="en-US" dirty="0"/>
               <a:t>The </a:t>
             </a:r>
             <a:r>
-              <a:rPr lang="en-US" noProof="0" dirty="0" err="1"/>
-              <a:t>GetSecret</a:t>
-            </a:r>
-            <a:r>
-              <a:rPr lang="en-US" noProof="0" dirty="0"/>
-              <a:t> Method is where the heavy lifting is done. We attach it to the Load method by overriding it. And in the case if a load exception happens and we want to try to reload it a bit later we run the task asynchronously.</a:t>
-            </a:r>
-          </a:p>
-          <a:p>
-            <a:r>
-              <a:rPr lang="en-US" noProof="0" dirty="0"/>
-              <a:t>This in turn will trigger the load and the </a:t>
-            </a:r>
-            <a:r>
-              <a:rPr lang="en-US" noProof="0" dirty="0" err="1"/>
+              <a:rPr lang="en-US" dirty="0" err="1"/>
               <a:t>OnReload</a:t>
             </a:r>
             <a:r>
-              <a:rPr lang="en-US" noProof="0" dirty="0"/>
-              <a:t> method.</a:t>
-            </a:r>
-          </a:p>
-          <a:p>
-            <a:r>
-              <a:rPr lang="en-US" noProof="0" dirty="0"/>
-              <a:t>The </a:t>
-            </a:r>
-            <a:r>
-              <a:rPr lang="en-US" noProof="0" dirty="0" err="1"/>
-              <a:t>OnReload</a:t>
-            </a:r>
-            <a:r>
-              <a:rPr lang="en-US" noProof="0" dirty="0"/>
+              <a:rPr lang="en-US" dirty="0"/>
               <a:t> method will inform the Configuration that this providers needs to be reloaded for the interested parties. But we will dig deeper on this matter a bit later.</a:t>
             </a:r>
           </a:p>
           <a:p>
-            <a:endParaRPr lang="en-US" noProof="0" dirty="0"/>
-          </a:p>
-          <a:p>
-            <a:r>
-              <a:rPr lang="en-US" noProof="0" dirty="0"/>
+            <a:endParaRPr lang="en-US" dirty="0"/>
+          </a:p>
+          <a:p>
+            <a:r>
+              <a:rPr lang="en-US" dirty="0"/>
               <a:t>Although the provider is doing the work, we need </a:t>
             </a:r>
             <a:r>
-              <a:rPr lang="nl-BE" noProof="0" dirty="0"/>
-              <a:t>a c</a:t>
-            </a:r>
-            <a:r>
-              <a:rPr lang="nl-BE" sz="1800" dirty="0">
-                <a:solidFill>
-                  <a:srgbClr val="2B91AF"/>
-                </a:solidFill>
-                <a:highlight>
-                  <a:srgbClr val="FFFFFF"/>
-                </a:highlight>
-                <a:latin typeface="Cascadia Mono" panose="020B0609020000020004" pitchFamily="49" charset="0"/>
-              </a:rPr>
-              <a:t>onfiguration source to add it to the Configuration manager in this case the AwsSecretsManagerConfigurationSource.</a:t>
-            </a:r>
-            <a:endParaRPr lang="en-US" sz="1800" noProof="0" dirty="0">
-              <a:solidFill>
-                <a:srgbClr val="2B91AF"/>
-              </a:solidFill>
-              <a:highlight>
-                <a:srgbClr val="FFFFFF"/>
-              </a:highlight>
-              <a:latin typeface="Cascadia Mono" panose="020B0609020000020004" pitchFamily="49" charset="0"/>
-            </a:endParaRPr>
-          </a:p>
-          <a:p>
-            <a:endParaRPr lang="en-US" sz="1800" noProof="0" dirty="0">
-              <a:solidFill>
-                <a:srgbClr val="2B91AF"/>
-              </a:solidFill>
-              <a:highlight>
-                <a:srgbClr val="FFFFFF"/>
-              </a:highlight>
-              <a:latin typeface="Cascadia Mono" panose="020B0609020000020004" pitchFamily="49" charset="0"/>
-            </a:endParaRPr>
-          </a:p>
-          <a:p>
-            <a:r>
-              <a:rPr lang="en-US" sz="1800" noProof="0" dirty="0">
-                <a:solidFill>
-                  <a:srgbClr val="2B91AF"/>
-                </a:solidFill>
-                <a:highlight>
-                  <a:srgbClr val="FFFFFF"/>
-                </a:highlight>
-                <a:latin typeface="Cascadia Mono" panose="020B0609020000020004" pitchFamily="49" charset="0"/>
-              </a:rPr>
+              <a:rPr lang="nl-BE" dirty="0"/>
+              <a:t>a configuration source to add it to the Configuration manager in this case the AwsSecretsManagerConfigurationSource.</a:t>
+            </a:r>
+            <a:endParaRPr lang="en-US" dirty="0"/>
+          </a:p>
+          <a:p>
+            <a:endParaRPr lang="en-US" dirty="0"/>
+          </a:p>
+          <a:p>
+            <a:r>
+              <a:rPr lang="en-US" dirty="0"/>
               <a:t>For the final part we introduce an extension method which then passes through the </a:t>
             </a:r>
             <a:r>
-              <a:rPr lang="nl-BE" sz="1800" dirty="0">
-                <a:solidFill>
-                  <a:srgbClr val="2B91AF"/>
-                </a:solidFill>
-                <a:highlight>
-                  <a:srgbClr val="FFFFFF"/>
-                </a:highlight>
-                <a:latin typeface="Cascadia Mono" panose="020B0609020000020004" pitchFamily="49" charset="0"/>
-              </a:rPr>
+              <a:rPr lang="nl-BE" dirty="0"/>
               <a:t>AwsSecretsManagerConfigurationSource we do this as the add needs to be done on the IConfigurationBuilder, this is inherited by the IConfigurationManager and implemented by the ConfigurationManager which is accessable via builder.Configuration.</a:t>
             </a:r>
           </a:p>
           <a:p>
             <a:r>
-              <a:rPr lang="nl-BE" sz="1800" noProof="0" dirty="0">
-                <a:solidFill>
-                  <a:srgbClr val="2B91AF"/>
-                </a:solidFill>
-                <a:highlight>
-                  <a:srgbClr val="FFFFFF"/>
-                </a:highlight>
-                <a:latin typeface="Cascadia Mono" panose="020B0609020000020004" pitchFamily="49" charset="0"/>
-              </a:rPr>
+              <a:rPr lang="nl-BE" dirty="0"/>
               <a:t>Builder.Configuration.Add() does also exists but this starts of with an IConfigurationManager and forces some additional steps you can skip safely by using an extension method like this.</a:t>
             </a:r>
-            <a:endParaRPr lang="en-US" noProof="0" dirty="0"/>
+            <a:endParaRPr lang="en-US" dirty="0"/>
           </a:p>
         </p:txBody>
       </p:sp>
@@ -1326,7 +1182,15 @@
             <p:ph type="sldNum" sz="quarter" idx="5"/>
           </p:nvPr>
         </p:nvSpPr>
-        <p:spPr/>
+        <p:spPr>
+          <a:xfrm>
+            <a:off x="3884614" y="9598832"/>
+            <a:ext cx="2971800" cy="272169"/>
+          </a:xfrm>
+          <a:prstGeom prst="rect">
+            <a:avLst/>
+          </a:prstGeom>
+        </p:spPr>
         <p:txBody>
           <a:bodyPr/>
           <a:lstStyle/>
@@ -1380,7 +1244,15 @@
             <p:ph type="sldImg"/>
           </p:nvPr>
         </p:nvSpPr>
-        <p:spPr/>
+        <p:spPr>
+          <a:xfrm>
+            <a:off x="115888" y="388938"/>
+            <a:ext cx="6608762" cy="3717925"/>
+          </a:xfrm>
+          <a:prstGeom prst="rect">
+            <a:avLst/>
+          </a:prstGeom>
+        </p:spPr>
       </p:sp>
       <p:sp>
         <p:nvSpPr>
@@ -1392,14 +1264,22 @@
             <p:ph type="body" idx="1"/>
           </p:nvPr>
         </p:nvSpPr>
-        <p:spPr/>
+        <p:spPr>
+          <a:xfrm>
+            <a:off x="360001" y="4276938"/>
+            <a:ext cx="6120000" cy="5248969"/>
+          </a:xfrm>
+          <a:prstGeom prst="rect">
+            <a:avLst/>
+          </a:prstGeom>
+        </p:spPr>
         <p:txBody>
           <a:bodyPr/>
           <a:lstStyle/>
           <a:p>
             <a:r>
               <a:rPr lang="en-US" noProof="0" dirty="0"/>
-              <a:t>All fine, we now have our flat hierarchical key value pairs. But how do we extract these value?</a:t>
+              <a:t>We have our flat hierarchical key value pairs. But how do we extract these values?</a:t>
             </a:r>
           </a:p>
           <a:p>
@@ -1407,15 +1287,15 @@
           </a:p>
           <a:p>
             <a:r>
-              <a:rPr lang="en-US" noProof="0" dirty="0"/>
+              <a:rPr lang="en-US" i="1" noProof="0" dirty="0"/>
               <a:t>The environment: show the </a:t>
             </a:r>
             <a:r>
-              <a:rPr lang="en-US" noProof="0" dirty="0" err="1"/>
+              <a:rPr lang="en-US" i="1" noProof="0" dirty="0" err="1"/>
               <a:t>launchsettings.json</a:t>
             </a:r>
             <a:r>
-              <a:rPr lang="en-US" noProof="0" dirty="0"/>
+              <a:rPr lang="en-US" i="1" noProof="0" dirty="0"/>
               <a:t> and highlight the environment variable.</a:t>
             </a:r>
           </a:p>
@@ -1440,284 +1320,120 @@
             <a:endParaRPr lang="en-US" noProof="0" dirty="0"/>
           </a:p>
           <a:p>
-            <a:pPr marL="171450" indent="-171450">
+            <a:pPr marL="165501" indent="-165501">
               <a:buFont typeface="Arial" panose="020B0604020202020204" pitchFamily="34" charset="0"/>
               <a:buChar char="•"/>
             </a:pPr>
             <a:r>
-              <a:rPr lang="en-US" noProof="0" dirty="0"/>
-              <a:t>/</a:t>
-            </a:r>
-            <a:r>
-              <a:rPr lang="en-US" sz="1800" dirty="0">
-                <a:solidFill>
-                  <a:srgbClr val="000000"/>
-                </a:solidFill>
-                <a:latin typeface="Cascadia Mono" panose="020B0609020000020004" pitchFamily="49" charset="0"/>
-              </a:rPr>
-              <a:t>config</a:t>
-            </a:r>
-            <a:r>
-              <a:rPr lang="en-US" sz="1800" noProof="0" dirty="0">
-                <a:solidFill>
-                  <a:srgbClr val="000000"/>
-                </a:solidFill>
-                <a:latin typeface="Cascadia Mono" panose="020B0609020000020004" pitchFamily="49" charset="0"/>
-              </a:rPr>
-              <a:t>/1</a:t>
+              <a:rPr lang="en-US" dirty="0"/>
+              <a:t>/config/1</a:t>
             </a:r>
             <a:br>
-              <a:rPr lang="en-US" sz="1800" noProof="0" dirty="0">
-                <a:solidFill>
-                  <a:srgbClr val="000000"/>
-                </a:solidFill>
-                <a:latin typeface="Cascadia Mono" panose="020B0609020000020004" pitchFamily="49" charset="0"/>
-              </a:rPr>
+              <a:rPr lang="en-US" dirty="0"/>
             </a:br>
             <a:r>
-              <a:rPr lang="en-US" sz="1800" noProof="0" dirty="0">
-                <a:solidFill>
-                  <a:srgbClr val="000000"/>
-                </a:solidFill>
-                <a:latin typeface="Cascadia Mono" panose="020B0609020000020004" pitchFamily="49" charset="0"/>
-              </a:rPr>
+              <a:rPr lang="en-US" dirty="0"/>
               <a:t>This is an optimistic way of configuring the object.</a:t>
             </a:r>
           </a:p>
           <a:p>
-            <a:pPr marL="171450" indent="-171450">
+            <a:pPr marL="165501" indent="-165501">
               <a:buFont typeface="Arial" panose="020B0604020202020204" pitchFamily="34" charset="0"/>
               <a:buChar char="•"/>
             </a:pPr>
             <a:r>
-              <a:rPr lang="en-US" sz="1800" dirty="0">
-                <a:solidFill>
-                  <a:srgbClr val="000000"/>
-                </a:solidFill>
-                <a:latin typeface="Cascadia Mono" panose="020B0609020000020004" pitchFamily="49" charset="0"/>
-              </a:rPr>
-              <a:t>/config</a:t>
-            </a:r>
-            <a:r>
-              <a:rPr lang="en-US" sz="1800" noProof="0" dirty="0">
-                <a:solidFill>
-                  <a:srgbClr val="000000"/>
-                </a:solidFill>
-                <a:latin typeface="Cascadia Mono" panose="020B0609020000020004" pitchFamily="49" charset="0"/>
-              </a:rPr>
-              <a:t>/2</a:t>
+              <a:rPr lang="en-US" dirty="0"/>
+              <a:t>/config/2</a:t>
             </a:r>
             <a:br>
-              <a:rPr lang="en-US" sz="1800" noProof="0" dirty="0">
-                <a:solidFill>
-                  <a:srgbClr val="000000"/>
-                </a:solidFill>
-                <a:latin typeface="Cascadia Mono" panose="020B0609020000020004" pitchFamily="49" charset="0"/>
-              </a:rPr>
+              <a:rPr lang="en-US" dirty="0"/>
             </a:br>
             <a:r>
-              <a:rPr lang="en-US" sz="1800" noProof="0" dirty="0">
-                <a:solidFill>
-                  <a:srgbClr val="000000"/>
-                </a:solidFill>
-                <a:latin typeface="Cascadia Mono" panose="020B0609020000020004" pitchFamily="49" charset="0"/>
-              </a:rPr>
+              <a:rPr lang="en-US" dirty="0"/>
               <a:t>This one deals with everything itself; each value is extracted as a nullable string and must be transformed and validated before it can be used</a:t>
             </a:r>
           </a:p>
           <a:p>
-            <a:pPr marL="171450" indent="-171450">
+            <a:pPr marL="165501" indent="-165501">
               <a:buFont typeface="Arial" panose="020B0604020202020204" pitchFamily="34" charset="0"/>
               <a:buChar char="•"/>
             </a:pPr>
             <a:r>
-              <a:rPr lang="en-US" sz="1800" noProof="0" dirty="0">
-                <a:solidFill>
-                  <a:srgbClr val="000000"/>
-                </a:solidFill>
-                <a:latin typeface="Cascadia Mono" panose="020B0609020000020004" pitchFamily="49" charset="0"/>
-              </a:rPr>
-              <a:t>/</a:t>
-            </a:r>
-            <a:r>
-              <a:rPr lang="en-US" sz="1800" dirty="0">
-                <a:solidFill>
-                  <a:srgbClr val="000000"/>
-                </a:solidFill>
-                <a:latin typeface="Cascadia Mono" panose="020B0609020000020004" pitchFamily="49" charset="0"/>
-              </a:rPr>
-              <a:t>config</a:t>
-            </a:r>
-            <a:r>
-              <a:rPr lang="en-US" sz="1800" noProof="0" dirty="0">
-                <a:solidFill>
-                  <a:srgbClr val="000000"/>
-                </a:solidFill>
-                <a:latin typeface="Cascadia Mono" panose="020B0609020000020004" pitchFamily="49" charset="0"/>
-              </a:rPr>
-              <a:t>/3</a:t>
+              <a:rPr lang="en-US" dirty="0"/>
+              <a:t>/config/3</a:t>
             </a:r>
             <a:br>
-              <a:rPr lang="en-US" sz="1800" noProof="0" dirty="0">
-                <a:solidFill>
-                  <a:srgbClr val="000000"/>
-                </a:solidFill>
-                <a:latin typeface="Cascadia Mono" panose="020B0609020000020004" pitchFamily="49" charset="0"/>
-              </a:rPr>
+              <a:rPr lang="en-US" dirty="0"/>
             </a:br>
             <a:r>
-              <a:rPr lang="en-US" sz="1800" noProof="0" dirty="0">
-                <a:solidFill>
-                  <a:srgbClr val="000000"/>
-                </a:solidFill>
-                <a:latin typeface="Cascadia Mono" panose="020B0609020000020004" pitchFamily="49" charset="0"/>
-              </a:rPr>
+              <a:rPr lang="en-US" dirty="0"/>
               <a:t>Already a bit more advanced as we are no longer responsible for the transformation from string to another datatype.</a:t>
             </a:r>
             <a:br>
-              <a:rPr lang="en-US" sz="1800" noProof="0" dirty="0">
-                <a:solidFill>
-                  <a:srgbClr val="000000"/>
-                </a:solidFill>
-                <a:latin typeface="Cascadia Mono" panose="020B0609020000020004" pitchFamily="49" charset="0"/>
-              </a:rPr>
+              <a:rPr lang="en-US" dirty="0"/>
             </a:br>
             <a:r>
-              <a:rPr lang="en-US" sz="1800" noProof="0" dirty="0">
-                <a:solidFill>
-                  <a:srgbClr val="000000"/>
-                </a:solidFill>
-                <a:latin typeface="Cascadia Mono" panose="020B0609020000020004" pitchFamily="49" charset="0"/>
-              </a:rPr>
-              <a:t>To make this work we need however to introduce the NuGet package “</a:t>
-            </a:r>
-            <a:r>
-              <a:rPr lang="en-US" sz="1800" noProof="0" dirty="0" err="1">
-                <a:solidFill>
-                  <a:srgbClr val="000000"/>
-                </a:solidFill>
-                <a:latin typeface="Cascadia Mono" panose="020B0609020000020004" pitchFamily="49" charset="0"/>
-              </a:rPr>
+              <a:rPr lang="en-US" dirty="0"/>
+              <a:t>To make this work we need the NuGet package “</a:t>
+            </a:r>
+            <a:r>
+              <a:rPr lang="en-US" b="1" dirty="0" err="1"/>
               <a:t>Microsoft.Extensions.Configuration.Binder</a:t>
             </a:r>
             <a:r>
-              <a:rPr lang="en-US" sz="1800" noProof="0" dirty="0">
-                <a:solidFill>
-                  <a:srgbClr val="000000"/>
-                </a:solidFill>
-                <a:latin typeface="Cascadia Mono" panose="020B0609020000020004" pitchFamily="49" charset="0"/>
-              </a:rPr>
+              <a:rPr lang="en-US" dirty="0"/>
               <a:t>”</a:t>
             </a:r>
           </a:p>
           <a:p>
-            <a:pPr marL="171450" indent="-171450">
+            <a:pPr marL="165501" indent="-165501">
               <a:buFont typeface="Arial" panose="020B0604020202020204" pitchFamily="34" charset="0"/>
               <a:buChar char="•"/>
             </a:pPr>
             <a:r>
-              <a:rPr lang="en-US" sz="1800" noProof="0" dirty="0">
-                <a:solidFill>
-                  <a:srgbClr val="000000"/>
-                </a:solidFill>
-                <a:latin typeface="Cascadia Mono" panose="020B0609020000020004" pitchFamily="49" charset="0"/>
-              </a:rPr>
+              <a:rPr lang="en-US" dirty="0"/>
               <a:t>/config/4</a:t>
             </a:r>
             <a:br>
-              <a:rPr lang="en-US" sz="1800" noProof="0" dirty="0">
-                <a:solidFill>
-                  <a:srgbClr val="000000"/>
-                </a:solidFill>
-                <a:latin typeface="Cascadia Mono" panose="020B0609020000020004" pitchFamily="49" charset="0"/>
-              </a:rPr>
+              <a:rPr lang="en-US" dirty="0"/>
             </a:br>
             <a:r>
-              <a:rPr lang="en-US" sz="1800" noProof="0" dirty="0">
-                <a:solidFill>
-                  <a:srgbClr val="000000"/>
-                </a:solidFill>
-                <a:latin typeface="Cascadia Mono" panose="020B0609020000020004" pitchFamily="49" charset="0"/>
-              </a:rPr>
+              <a:rPr lang="en-US" dirty="0"/>
               <a:t>Up the anti a bit again as now we only need to point to the JSON property who is representing our object.</a:t>
             </a:r>
             <a:br>
-              <a:rPr lang="en-US" sz="1800" noProof="0" dirty="0">
-                <a:solidFill>
-                  <a:srgbClr val="000000"/>
-                </a:solidFill>
-                <a:latin typeface="Cascadia Mono" panose="020B0609020000020004" pitchFamily="49" charset="0"/>
-              </a:rPr>
+              <a:rPr lang="en-US" dirty="0"/>
             </a:br>
             <a:r>
-              <a:rPr lang="en-US" sz="1800" noProof="0" dirty="0">
-                <a:solidFill>
-                  <a:srgbClr val="000000"/>
-                </a:solidFill>
-                <a:latin typeface="Cascadia Mono" panose="020B0609020000020004" pitchFamily="49" charset="0"/>
-              </a:rPr>
+              <a:rPr lang="en-US" dirty="0"/>
               <a:t>Advantage of this approach is that new values are automatically being picked up if they are added. Only the validation step still needs to occur.</a:t>
             </a:r>
             <a:br>
-              <a:rPr lang="en-US" sz="1800" noProof="0" dirty="0">
-                <a:solidFill>
-                  <a:srgbClr val="000000"/>
-                </a:solidFill>
-                <a:latin typeface="Cascadia Mono" panose="020B0609020000020004" pitchFamily="49" charset="0"/>
-              </a:rPr>
+              <a:rPr lang="en-US" dirty="0"/>
             </a:br>
             <a:r>
-              <a:rPr lang="en-US" sz="1800" noProof="0" dirty="0">
-                <a:solidFill>
-                  <a:srgbClr val="000000"/>
-                </a:solidFill>
-                <a:latin typeface="Cascadia Mono" panose="020B0609020000020004" pitchFamily="49" charset="0"/>
-              </a:rPr>
+              <a:rPr lang="en-US" dirty="0"/>
               <a:t>They must be at least public settable (Init, set or via the constructor)</a:t>
             </a:r>
           </a:p>
           <a:p>
-            <a:pPr marL="171450" indent="-171450">
+            <a:pPr marL="165501" indent="-165501">
               <a:buFont typeface="Arial" panose="020B0604020202020204" pitchFamily="34" charset="0"/>
               <a:buChar char="•"/>
             </a:pPr>
-            <a:endParaRPr lang="en-US" sz="1800" noProof="0" dirty="0">
-              <a:solidFill>
-                <a:srgbClr val="000000"/>
-              </a:solidFill>
-              <a:latin typeface="Cascadia Mono" panose="020B0609020000020004" pitchFamily="49" charset="0"/>
-            </a:endParaRPr>
-          </a:p>
-          <a:p>
-            <a:pPr marL="0" indent="0">
-              <a:buFont typeface="Arial" panose="020B0604020202020204" pitchFamily="34" charset="0"/>
-              <a:buNone/>
-            </a:pPr>
-            <a:r>
-              <a:rPr lang="en-US" sz="1800" noProof="0" dirty="0">
-                <a:solidFill>
-                  <a:srgbClr val="000000"/>
-                </a:solidFill>
-                <a:latin typeface="Cascadia Mono" panose="020B0609020000020004" pitchFamily="49" charset="0"/>
-              </a:rPr>
+            <a:endParaRPr lang="en-US" dirty="0"/>
+          </a:p>
+          <a:p>
+            <a:r>
+              <a:rPr lang="en-US" dirty="0"/>
               <a:t>I must be honest with these examples as they are biased, most of the time when I see </a:t>
             </a:r>
             <a:r>
-              <a:rPr lang="en-US" sz="1800" noProof="0" dirty="0" err="1">
-                <a:solidFill>
-                  <a:srgbClr val="000000"/>
-                </a:solidFill>
-                <a:latin typeface="Cascadia Mono" panose="020B0609020000020004" pitchFamily="49" charset="0"/>
-              </a:rPr>
+              <a:rPr lang="en-US" dirty="0" err="1"/>
               <a:t>IConfiguration</a:t>
             </a:r>
             <a:r>
-              <a:rPr lang="en-US" sz="1800" noProof="0" dirty="0">
-                <a:solidFill>
-                  <a:srgbClr val="000000"/>
-                </a:solidFill>
-                <a:latin typeface="Cascadia Mono" panose="020B0609020000020004" pitchFamily="49" charset="0"/>
-              </a:rPr>
+              <a:rPr lang="en-US" dirty="0"/>
               <a:t> being used and it is not with options they are rarely passed to an in between object, but directly to the service which needs to be configured. So actually a variation of the optimistic example 1.</a:t>
             </a:r>
           </a:p>
@@ -1733,7 +1449,15 @@
             <p:ph type="sldNum" sz="quarter" idx="5"/>
           </p:nvPr>
         </p:nvSpPr>
-        <p:spPr/>
+        <p:spPr>
+          <a:xfrm>
+            <a:off x="3884614" y="9598832"/>
+            <a:ext cx="2971800" cy="272169"/>
+          </a:xfrm>
+          <a:prstGeom prst="rect">
+            <a:avLst/>
+          </a:prstGeom>
+        </p:spPr>
         <p:txBody>
           <a:bodyPr/>
           <a:lstStyle/>
@@ -1787,7 +1511,15 @@
             <p:ph type="sldImg"/>
           </p:nvPr>
         </p:nvSpPr>
-        <p:spPr/>
+        <p:spPr>
+          <a:xfrm>
+            <a:off x="115888" y="388938"/>
+            <a:ext cx="6608762" cy="3717925"/>
+          </a:xfrm>
+          <a:prstGeom prst="rect">
+            <a:avLst/>
+          </a:prstGeom>
+        </p:spPr>
       </p:sp>
       <p:sp>
         <p:nvSpPr>
@@ -1799,7 +1531,15 @@
             <p:ph type="body" idx="1"/>
           </p:nvPr>
         </p:nvSpPr>
-        <p:spPr/>
+        <p:spPr>
+          <a:xfrm>
+            <a:off x="360001" y="4276938"/>
+            <a:ext cx="6120000" cy="5248969"/>
+          </a:xfrm>
+          <a:prstGeom prst="rect">
+            <a:avLst/>
+          </a:prstGeom>
+        </p:spPr>
         <p:txBody>
           <a:bodyPr/>
           <a:lstStyle/>
@@ -1851,7 +1591,15 @@
             <p:ph type="sldNum" sz="quarter" idx="5"/>
           </p:nvPr>
         </p:nvSpPr>
-        <p:spPr/>
+        <p:spPr>
+          <a:xfrm>
+            <a:off x="3884614" y="9598832"/>
+            <a:ext cx="2971800" cy="272169"/>
+          </a:xfrm>
+          <a:prstGeom prst="rect">
+            <a:avLst/>
+          </a:prstGeom>
+        </p:spPr>
         <p:txBody>
           <a:bodyPr/>
           <a:lstStyle/>
@@ -1905,7 +1653,15 @@
             <p:ph type="sldImg"/>
           </p:nvPr>
         </p:nvSpPr>
-        <p:spPr/>
+        <p:spPr>
+          <a:xfrm>
+            <a:off x="115888" y="388938"/>
+            <a:ext cx="6608762" cy="3717925"/>
+          </a:xfrm>
+          <a:prstGeom prst="rect">
+            <a:avLst/>
+          </a:prstGeom>
+        </p:spPr>
       </p:sp>
       <p:sp>
         <p:nvSpPr>
@@ -1917,7 +1673,15 @@
             <p:ph type="body" idx="1"/>
           </p:nvPr>
         </p:nvSpPr>
-        <p:spPr/>
+        <p:spPr>
+          <a:xfrm>
+            <a:off x="360001" y="4276938"/>
+            <a:ext cx="6120000" cy="5248969"/>
+          </a:xfrm>
+          <a:prstGeom prst="rect">
+            <a:avLst/>
+          </a:prstGeom>
+        </p:spPr>
         <p:txBody>
           <a:bodyPr/>
           <a:lstStyle/>
@@ -1947,7 +1711,7 @@
             </a:r>
           </a:p>
           <a:p>
-            <a:pPr marL="171450" indent="-171450">
+            <a:pPr marL="165501" indent="-165501">
               <a:buFont typeface="Arial" panose="020B0604020202020204" pitchFamily="34" charset="0"/>
               <a:buChar char="•"/>
             </a:pPr>
@@ -1957,7 +1721,7 @@
             </a:r>
           </a:p>
           <a:p>
-            <a:pPr marL="171450" indent="-171450">
+            <a:pPr marL="165501" indent="-165501">
               <a:buFont typeface="Arial" panose="020B0604020202020204" pitchFamily="34" charset="0"/>
               <a:buChar char="•"/>
             </a:pPr>
@@ -1967,10 +1731,6 @@
             </a:r>
           </a:p>
           <a:p>
-            <a:pPr marL="0" indent="0">
-              <a:buFont typeface="Arial" panose="020B0604020202020204" pitchFamily="34" charset="0"/>
-              <a:buNone/>
-            </a:pPr>
             <a:r>
               <a:rPr lang="en-US" noProof="0" dirty="0"/>
               <a:t>e.g.: Your database infrastructure doesn’t need to know anything about outgoing connections and vice versa.</a:t>
@@ -2011,7 +1771,7 @@
             </a:r>
             <a:r>
               <a:rPr lang="en-US" noProof="0" dirty="0"/>
-              <a:t> pattern. But this one will be revealed in the last demo when all the dots are getting connected and will result in an advanced configuration.</a:t>
+              <a:t> pattern. This will be in the last demo when all the dots are connected and will result in an advanced configuration.</a:t>
             </a:r>
           </a:p>
         </p:txBody>
@@ -2026,7 +1786,15 @@
             <p:ph type="sldNum" sz="quarter" idx="5"/>
           </p:nvPr>
         </p:nvSpPr>
-        <p:spPr/>
+        <p:spPr>
+          <a:xfrm>
+            <a:off x="3884614" y="9598832"/>
+            <a:ext cx="2971800" cy="272169"/>
+          </a:xfrm>
+          <a:prstGeom prst="rect">
+            <a:avLst/>
+          </a:prstGeom>
+        </p:spPr>
         <p:txBody>
           <a:bodyPr/>
           <a:lstStyle/>
@@ -2080,7 +1848,15 @@
             <p:ph type="sldImg"/>
           </p:nvPr>
         </p:nvSpPr>
-        <p:spPr/>
+        <p:spPr>
+          <a:xfrm>
+            <a:off x="115888" y="388938"/>
+            <a:ext cx="6608762" cy="3717925"/>
+          </a:xfrm>
+          <a:prstGeom prst="rect">
+            <a:avLst/>
+          </a:prstGeom>
+        </p:spPr>
       </p:sp>
       <p:sp>
         <p:nvSpPr>
@@ -2092,7 +1868,15 @@
             <p:ph type="body" idx="1"/>
           </p:nvPr>
         </p:nvSpPr>
-        <p:spPr/>
+        <p:spPr>
+          <a:xfrm>
+            <a:off x="360001" y="4276938"/>
+            <a:ext cx="6120000" cy="5248969"/>
+          </a:xfrm>
+          <a:prstGeom prst="rect">
+            <a:avLst/>
+          </a:prstGeom>
+        </p:spPr>
         <p:txBody>
           <a:bodyPr/>
           <a:lstStyle/>
@@ -2167,7 +1951,15 @@
           <a:p>
             <a:r>
               <a:rPr lang="en-US" noProof="0" dirty="0"/>
-              <a:t>Besides monitoring the configuration for changes, it also supports named options granting you the ability to reuse the option object for each different database, it comes as a singleton and support reload natively.</a:t>
+              <a:t>Besides monitoring the configuration for changes, it also supports named options granting you the ability to reuse the option object for each different database, it comes as a </a:t>
+            </a:r>
+            <a:r>
+              <a:rPr lang="en-US" b="1" noProof="0" dirty="0"/>
+              <a:t>singleton</a:t>
+            </a:r>
+            <a:r>
+              <a:rPr lang="en-US" noProof="0" dirty="0"/>
+              <a:t> and support reload natively.</a:t>
             </a:r>
           </a:p>
           <a:p>
@@ -2180,7 +1972,15 @@
             </a:r>
             <a:r>
               <a:rPr lang="en-US" noProof="0" dirty="0"/>
-              <a:t>&lt;T&gt; is on each request recreated using a scope, so this could come with a performance hit if it is in hot path construct. And because of it being scoped it cannot be used in a singleton.</a:t>
+              <a:t>&lt;T&gt; is on each request recreated using a </a:t>
+            </a:r>
+            <a:r>
+              <a:rPr lang="en-US" b="1" noProof="0" dirty="0"/>
+              <a:t>scope</a:t>
+            </a:r>
+            <a:r>
+              <a:rPr lang="en-US" noProof="0" dirty="0"/>
+              <a:t>, so this could come with a performance hit if it is in hot path construct. And because of it being scoped it cannot be used in a singleton.</a:t>
             </a:r>
           </a:p>
         </p:txBody>
@@ -2195,7 +1995,15 @@
             <p:ph type="sldNum" sz="quarter" idx="5"/>
           </p:nvPr>
         </p:nvSpPr>
-        <p:spPr/>
+        <p:spPr>
+          <a:xfrm>
+            <a:off x="3884614" y="9598832"/>
+            <a:ext cx="2971800" cy="272169"/>
+          </a:xfrm>
+          <a:prstGeom prst="rect">
+            <a:avLst/>
+          </a:prstGeom>
+        </p:spPr>
         <p:txBody>
           <a:bodyPr/>
           <a:lstStyle/>
@@ -2249,7 +2057,15 @@
             <p:ph type="sldImg"/>
           </p:nvPr>
         </p:nvSpPr>
-        <p:spPr/>
+        <p:spPr>
+          <a:xfrm>
+            <a:off x="115888" y="388938"/>
+            <a:ext cx="6608762" cy="3717925"/>
+          </a:xfrm>
+          <a:prstGeom prst="rect">
+            <a:avLst/>
+          </a:prstGeom>
+        </p:spPr>
       </p:sp>
       <p:sp>
         <p:nvSpPr>
@@ -2261,50 +2077,54 @@
             <p:ph type="body" idx="1"/>
           </p:nvPr>
         </p:nvSpPr>
-        <p:spPr/>
-        <p:txBody>
-          <a:bodyPr/>
-          <a:lstStyle/>
+        <p:spPr>
+          <a:xfrm>
+            <a:off x="360001" y="4276938"/>
+            <a:ext cx="6120000" cy="5248969"/>
+          </a:xfrm>
+          <a:prstGeom prst="rect">
+            <a:avLst/>
+          </a:prstGeom>
+        </p:spPr>
+        <p:txBody>
+          <a:bodyPr/>
+          <a:lstStyle/>
+          <a:p>
+            <a:r>
+              <a:rPr lang="en-US" dirty="0"/>
+              <a:t>The </a:t>
+            </a:r>
+            <a:r>
+              <a:rPr lang="nl-BE" b="1" dirty="0"/>
+              <a:t>MyOptions</a:t>
+            </a:r>
+            <a:r>
+              <a:rPr lang="en-US" dirty="0"/>
+              <a:t> class </a:t>
+            </a:r>
+            <a:r>
+              <a:rPr lang="en-US" noProof="0" dirty="0"/>
+              <a:t>is a very simple class, but it holds all the properties to visualize the differences between the different options types.</a:t>
+            </a:r>
+          </a:p>
+          <a:p>
+            <a:r>
+              <a:rPr lang="en-US" noProof="0" dirty="0"/>
+              <a:t>Each time a new options is created a new Id will be generated and otherwise the already existing one will be reused.</a:t>
+            </a:r>
+          </a:p>
+          <a:p>
+            <a:endParaRPr lang="en-US" noProof="0" dirty="0"/>
+          </a:p>
+          <a:p>
+            <a:endParaRPr lang="en-US" noProof="0" dirty="0"/>
+          </a:p>
           <a:p>
             <a:r>
               <a:rPr lang="en-US" noProof="0" dirty="0"/>
               <a:t>The </a:t>
             </a:r>
             <a:r>
-              <a:rPr lang="nl-BE" sz="1800" dirty="0">
-                <a:solidFill>
-                  <a:srgbClr val="0000FF"/>
-                </a:solidFill>
-                <a:highlight>
-                  <a:srgbClr val="FFFFFF"/>
-                </a:highlight>
-                <a:latin typeface="Cascadia Mono" panose="020B0609020000020004" pitchFamily="49" charset="0"/>
-              </a:rPr>
-              <a:t>MyOptions</a:t>
-            </a:r>
-            <a:r>
-              <a:rPr lang="en-US" noProof="0" dirty="0"/>
-              <a:t> class is a very simple class, but it holds all the properties to visualize the differences between the different options types.</a:t>
-            </a:r>
-          </a:p>
-          <a:p>
-            <a:r>
-              <a:rPr lang="en-US" noProof="0" dirty="0"/>
-              <a:t>Each time a new options is created a new Id will be generated and otherwise the already existing one will be reused.</a:t>
-            </a:r>
-          </a:p>
-          <a:p>
-            <a:endParaRPr lang="en-US" noProof="0" dirty="0"/>
-          </a:p>
-          <a:p>
-            <a:endParaRPr lang="en-US" noProof="0" dirty="0"/>
-          </a:p>
-          <a:p>
-            <a:r>
-              <a:rPr lang="en-US" noProof="0" dirty="0"/>
-              <a:t>In the </a:t>
-            </a:r>
-            <a:r>
               <a:rPr lang="en-US" noProof="0" dirty="0" err="1"/>
               <a:t>MapGet</a:t>
             </a:r>
@@ -2316,7 +2136,7 @@
           <a:p>
             <a:r>
               <a:rPr lang="en-US" noProof="0" dirty="0"/>
-              <a:t>When we launch the application all 3 of them are resolved each displaying their unique id. When you launch a new request, you see only the snapshot has a changed id.</a:t>
+              <a:t>When we launch the application all 3 of them are resolved each displaying their unique id. When a new request is launched only the snapshot has a changed id.</a:t>
             </a:r>
           </a:p>
           <a:p>
@@ -2345,7 +2165,15 @@
             <p:ph type="sldNum" sz="quarter" idx="5"/>
           </p:nvPr>
         </p:nvSpPr>
-        <p:spPr/>
+        <p:spPr>
+          <a:xfrm>
+            <a:off x="3884614" y="9598832"/>
+            <a:ext cx="2971800" cy="272169"/>
+          </a:xfrm>
+          <a:prstGeom prst="rect">
+            <a:avLst/>
+          </a:prstGeom>
+        </p:spPr>
         <p:txBody>
           <a:bodyPr/>
           <a:lstStyle/>
@@ -2399,7 +2227,15 @@
             <p:ph type="sldImg"/>
           </p:nvPr>
         </p:nvSpPr>
-        <p:spPr/>
+        <p:spPr>
+          <a:xfrm>
+            <a:off x="115888" y="388938"/>
+            <a:ext cx="6608762" cy="3717925"/>
+          </a:xfrm>
+          <a:prstGeom prst="rect">
+            <a:avLst/>
+          </a:prstGeom>
+        </p:spPr>
       </p:sp>
       <p:sp>
         <p:nvSpPr>
@@ -2411,15 +2247,60 @@
             <p:ph type="body" idx="1"/>
           </p:nvPr>
         </p:nvSpPr>
-        <p:spPr/>
+        <p:spPr>
+          <a:xfrm>
+            <a:off x="360001" y="4276938"/>
+            <a:ext cx="6120000" cy="5248969"/>
+          </a:xfrm>
+          <a:prstGeom prst="rect">
+            <a:avLst/>
+          </a:prstGeom>
+        </p:spPr>
         <p:txBody>
           <a:bodyPr/>
           <a:lstStyle/>
           <a:p>
             <a:r>
               <a:rPr lang="en-US" noProof="0" dirty="0"/>
-              <a:t>Just like with the configuration binding, validation can be added. In this case it’s easier to do it via data annotations. ********* Anyone familiar with it?  ************</a:t>
-            </a:r>
+              <a:t>Just like with the configuration binding, validation can be added. </a:t>
+            </a:r>
+            <a:br>
+              <a:rPr lang="en-US" noProof="0" dirty="0"/>
+            </a:br>
+            <a:r>
+              <a:rPr lang="en-US" b="1" dirty="0"/>
+              <a:t>Somebody who likes using </a:t>
+            </a:r>
+            <a:r>
+              <a:rPr lang="en-US" b="1" dirty="0" err="1"/>
+              <a:t>fluentvalidation</a:t>
+            </a:r>
+            <a:r>
+              <a:rPr lang="en-US" b="1" dirty="0"/>
+              <a:t>?</a:t>
+            </a:r>
+            <a:r>
+              <a:rPr lang="en-US" noProof="0" dirty="0"/>
+              <a:t> </a:t>
+            </a:r>
+            <a:br>
+              <a:rPr lang="en-US" noProof="0" dirty="0"/>
+            </a:br>
+            <a:r>
+              <a:rPr lang="en-US" b="1" dirty="0"/>
+              <a:t>Somebody who likes using data annotations?</a:t>
+            </a:r>
+            <a:br>
+              <a:rPr lang="en-US" noProof="0" dirty="0"/>
+            </a:br>
+            <a:br>
+              <a:rPr lang="en-US" noProof="0" dirty="0"/>
+            </a:br>
+            <a:r>
+              <a:rPr lang="en-US" noProof="0" dirty="0"/>
+              <a:t>In this case it’s easier to do it via data annotations, I investigated fluent and gave up for this.</a:t>
+            </a:r>
+            <a:endParaRPr lang="en-US" b="1" noProof="0" dirty="0"/>
           </a:p>
           <a:p>
             <a:r>
@@ -2433,222 +2314,120 @@
           <a:p>
             <a:r>
               <a:rPr lang="en-US" noProof="0" dirty="0"/>
-              <a:t>Just setting the options is not enough the </a:t>
-            </a:r>
-            <a:r>
-              <a:rPr lang="en-US" sz="1800" dirty="0" err="1">
-                <a:solidFill>
-                  <a:srgbClr val="000000"/>
-                </a:solidFill>
-                <a:latin typeface="Cascadia Mono" panose="020B0609020000020004" pitchFamily="49" charset="0"/>
-              </a:rPr>
+              <a:t>Just setting the options is not </a:t>
+            </a:r>
+            <a:r>
+              <a:rPr lang="en-US" dirty="0"/>
+              <a:t>enough the </a:t>
+            </a:r>
+            <a:r>
+              <a:rPr lang="en-US" dirty="0" err="1"/>
               <a:t>ValidateDataAnnotations</a:t>
             </a:r>
             <a:r>
-              <a:rPr lang="en-US" sz="1800" dirty="0">
-                <a:solidFill>
-                  <a:srgbClr val="000000"/>
-                </a:solidFill>
-                <a:latin typeface="Cascadia Mono" panose="020B0609020000020004" pitchFamily="49" charset="0"/>
-              </a:rPr>
+              <a:rPr lang="en-US" dirty="0"/>
               <a:t> must be set as well. This will not validate the option on startup, but at first usage.</a:t>
             </a:r>
           </a:p>
           <a:p>
-            <a:endParaRPr lang="en-US" sz="1800" dirty="0">
-              <a:solidFill>
-                <a:srgbClr val="000000"/>
-              </a:solidFill>
-              <a:latin typeface="Cascadia Mono" panose="020B0609020000020004" pitchFamily="49" charset="0"/>
-            </a:endParaRPr>
-          </a:p>
-          <a:p>
-            <a:r>
-              <a:rPr lang="en-US" sz="1800" dirty="0">
-                <a:solidFill>
-                  <a:srgbClr val="000000"/>
-                </a:solidFill>
-                <a:latin typeface="Cascadia Mono" panose="020B0609020000020004" pitchFamily="49" charset="0"/>
-              </a:rPr>
-              <a:t>If you want to have the options validated on startup and throwing a startup error rather than a runtime error add </a:t>
-            </a:r>
-            <a:r>
-              <a:rPr lang="en-US" sz="1800" dirty="0" err="1">
-                <a:solidFill>
-                  <a:srgbClr val="000000"/>
-                </a:solidFill>
-                <a:latin typeface="Cascadia Mono" panose="020B0609020000020004" pitchFamily="49" charset="0"/>
-              </a:rPr>
+            <a:endParaRPr lang="en-US" dirty="0"/>
+          </a:p>
+          <a:p>
+            <a:r>
+              <a:rPr lang="en-US" dirty="0"/>
+              <a:t>If you want to have the options validated on startup and throwing a </a:t>
+            </a:r>
+            <a:r>
+              <a:rPr lang="en-US" b="1" dirty="0"/>
+              <a:t>startup error </a:t>
+            </a:r>
+            <a:r>
+              <a:rPr lang="en-US" dirty="0"/>
+              <a:t>rather than a </a:t>
+            </a:r>
+            <a:r>
+              <a:rPr lang="en-US" b="1" dirty="0"/>
+              <a:t>runtime</a:t>
+            </a:r>
+            <a:r>
+              <a:rPr lang="en-US" dirty="0"/>
+              <a:t> error add </a:t>
+            </a:r>
+            <a:r>
+              <a:rPr lang="en-US" dirty="0" err="1"/>
               <a:t>ValidateOnStart</a:t>
             </a:r>
             <a:r>
-              <a:rPr lang="en-US" sz="1800" dirty="0">
-                <a:solidFill>
-                  <a:srgbClr val="000000"/>
-                </a:solidFill>
-                <a:latin typeface="Cascadia Mono" panose="020B0609020000020004" pitchFamily="49" charset="0"/>
-              </a:rPr>
+              <a:rPr lang="en-US" dirty="0"/>
               <a:t>. Since .NET8 there is a new </a:t>
             </a:r>
             <a:r>
-              <a:rPr lang="en-US" sz="1800" dirty="0" err="1">
-                <a:solidFill>
-                  <a:srgbClr val="000000"/>
-                </a:solidFill>
-                <a:latin typeface="Cascadia Mono" panose="020B0609020000020004" pitchFamily="49" charset="0"/>
-              </a:rPr>
+              <a:rPr lang="en-US" dirty="0" err="1"/>
               <a:t>AddOptionsWithValidateOnStart</a:t>
             </a:r>
             <a:r>
-              <a:rPr lang="en-US" sz="1800" dirty="0">
-                <a:solidFill>
-                  <a:srgbClr val="000000"/>
-                </a:solidFill>
-                <a:latin typeface="Cascadia Mono" panose="020B0609020000020004" pitchFamily="49" charset="0"/>
-              </a:rPr>
+              <a:rPr lang="en-US" dirty="0"/>
               <a:t> which register the option and validate it on startup. But it still needs the </a:t>
             </a:r>
             <a:r>
-              <a:rPr lang="nl-BE" sz="1800" dirty="0">
-                <a:solidFill>
-                  <a:srgbClr val="008000"/>
-                </a:solidFill>
-                <a:highlight>
-                  <a:srgbClr val="FFFFFF"/>
-                </a:highlight>
-                <a:latin typeface="Cascadia Mono" panose="020B0609020000020004" pitchFamily="49" charset="0"/>
-              </a:rPr>
+              <a:rPr lang="nl-BE" dirty="0"/>
               <a:t>ValidateDataAnnotations to be called as well.</a:t>
             </a:r>
-            <a:endParaRPr lang="en-US" sz="1800" dirty="0">
-              <a:solidFill>
-                <a:srgbClr val="000000"/>
-              </a:solidFill>
-              <a:latin typeface="Cascadia Mono" panose="020B0609020000020004" pitchFamily="49" charset="0"/>
-            </a:endParaRPr>
-          </a:p>
-          <a:p>
-            <a:endParaRPr lang="en-US" sz="1800" dirty="0">
-              <a:solidFill>
-                <a:srgbClr val="000000"/>
-              </a:solidFill>
-              <a:latin typeface="Cascadia Mono" panose="020B0609020000020004" pitchFamily="49" charset="0"/>
-            </a:endParaRPr>
-          </a:p>
-          <a:p>
-            <a:r>
-              <a:rPr lang="en-US" sz="1800" dirty="0">
-                <a:solidFill>
-                  <a:srgbClr val="000000"/>
-                </a:solidFill>
-                <a:latin typeface="Cascadia Mono" panose="020B0609020000020004" pitchFamily="49" charset="0"/>
-              </a:rPr>
+            <a:endParaRPr lang="en-US" dirty="0"/>
+          </a:p>
+          <a:p>
+            <a:endParaRPr lang="en-US" dirty="0"/>
+          </a:p>
+          <a:p>
+            <a:r>
+              <a:rPr lang="en-US" dirty="0"/>
               <a:t>When you have some advanced validation requirements you could use a custom validation, this can be done via a delegate or a dedicated class.</a:t>
             </a:r>
           </a:p>
           <a:p>
-            <a:endParaRPr lang="en-US" sz="1000" dirty="0">
-              <a:solidFill>
-                <a:srgbClr val="000000"/>
-              </a:solidFill>
-              <a:latin typeface="Cascadia Mono" panose="020B0609020000020004" pitchFamily="49" charset="0"/>
-            </a:endParaRPr>
-          </a:p>
-          <a:p>
-            <a:r>
-              <a:rPr lang="en-US" sz="1000" dirty="0">
-                <a:solidFill>
-                  <a:srgbClr val="000000"/>
-                </a:solidFill>
-                <a:latin typeface="Cascadia Mono" panose="020B0609020000020004" pitchFamily="49" charset="0"/>
-              </a:rPr>
-              <a:t>The last few years they’ve put a lot of effort in source generating things upfront this can be done for these validations as well. Reducing the need for reflection resolving the validations at design time.</a:t>
-            </a:r>
-          </a:p>
-          <a:p>
-            <a:r>
-              <a:rPr lang="en-US" sz="1000" dirty="0">
-                <a:solidFill>
-                  <a:srgbClr val="000000"/>
-                </a:solidFill>
-                <a:latin typeface="Cascadia Mono" panose="020B0609020000020004" pitchFamily="49" charset="0"/>
-              </a:rPr>
+            <a:r>
+              <a:rPr lang="en-US" dirty="0"/>
+              <a:t>The last few years they’ve put a lot of effort in source generating this can be done for these validations as well. Reducing the need for reflection resolving the validations at design time.</a:t>
+            </a:r>
+          </a:p>
+          <a:p>
+            <a:r>
+              <a:rPr lang="en-US" dirty="0"/>
               <a:t>It requires to register a partial class, and annotate it with the options validator attribute, then it needs to be registered as a singleton in the container and in the </a:t>
             </a:r>
             <a:r>
-              <a:rPr lang="en-US" sz="1000" dirty="0" err="1">
-                <a:solidFill>
-                  <a:srgbClr val="000000"/>
-                </a:solidFill>
-                <a:latin typeface="Cascadia Mono" panose="020B0609020000020004" pitchFamily="49" charset="0"/>
-              </a:rPr>
+              <a:rPr lang="en-US" dirty="0" err="1"/>
               <a:t>csproj</a:t>
             </a:r>
             <a:r>
-              <a:rPr lang="en-US" sz="1000" dirty="0">
-                <a:solidFill>
-                  <a:srgbClr val="000000"/>
-                </a:solidFill>
-                <a:latin typeface="Cascadia Mono" panose="020B0609020000020004" pitchFamily="49" charset="0"/>
-              </a:rPr>
-              <a:t> file must be set </a:t>
-            </a:r>
-            <a:r>
-              <a:rPr lang="en-US" b="0" i="0" dirty="0">
-                <a:solidFill>
-                  <a:srgbClr val="E6E6E6"/>
-                </a:solidFill>
-                <a:effectLst/>
-                <a:latin typeface="SFMono-Regular"/>
-              </a:rPr>
+              <a:rPr lang="en-US" dirty="0"/>
+              <a:t> file the element </a:t>
+            </a:r>
+            <a:r>
+              <a:rPr lang="en-US" b="1" dirty="0"/>
               <a:t>&lt;</a:t>
             </a:r>
             <a:r>
-              <a:rPr lang="en-US" b="0" i="0" dirty="0" err="1">
-                <a:solidFill>
-                  <a:srgbClr val="E6E6E6"/>
-                </a:solidFill>
-                <a:effectLst/>
-                <a:latin typeface="SFMono-Regular"/>
-              </a:rPr>
+              <a:rPr lang="en-US" b="1" dirty="0" err="1"/>
               <a:t>EnableConfigurationBindingGenerator</a:t>
             </a:r>
             <a:r>
-              <a:rPr lang="en-US" b="0" i="0" dirty="0">
-                <a:solidFill>
-                  <a:srgbClr val="E6E6E6"/>
-                </a:solidFill>
-                <a:effectLst/>
-                <a:latin typeface="SFMono-Regular"/>
-              </a:rPr>
+              <a:rPr lang="en-US" b="1" dirty="0"/>
               <a:t>&gt;true&lt;/</a:t>
             </a:r>
             <a:r>
-              <a:rPr lang="en-US" b="0" i="0" dirty="0" err="1">
-                <a:solidFill>
-                  <a:srgbClr val="E6E6E6"/>
-                </a:solidFill>
-                <a:effectLst/>
-                <a:latin typeface="SFMono-Regular"/>
-              </a:rPr>
+              <a:rPr lang="en-US" b="1" dirty="0" err="1"/>
               <a:t>EnableConfigurationBindingGenerator</a:t>
             </a:r>
             <a:r>
-              <a:rPr lang="en-US" b="0" i="0" dirty="0">
-                <a:solidFill>
-                  <a:srgbClr val="E6E6E6"/>
-                </a:solidFill>
-                <a:effectLst/>
-                <a:latin typeface="SFMono-Regular"/>
-              </a:rPr>
-              <a:t>&gt;</a:t>
-            </a:r>
-            <a:endParaRPr lang="en-US" sz="1000" dirty="0">
-              <a:solidFill>
-                <a:srgbClr val="000000"/>
-              </a:solidFill>
-              <a:latin typeface="Cascadia Mono" panose="020B0609020000020004" pitchFamily="49" charset="0"/>
-            </a:endParaRPr>
+              <a:rPr lang="en-US" b="1" dirty="0"/>
+              <a:t>&gt; </a:t>
+            </a:r>
+            <a:r>
+              <a:rPr lang="en-US" dirty="0"/>
+              <a:t>must be set.</a:t>
+            </a:r>
+            <a:endParaRPr lang="en-US" b="1" dirty="0"/>
           </a:p>
           <a:p>
             <a:endParaRPr lang="nl-BE" dirty="0"/>
@@ -2665,7 +2444,15 @@
             <p:ph type="sldNum" sz="quarter" idx="5"/>
           </p:nvPr>
         </p:nvSpPr>
-        <p:spPr/>
+        <p:spPr>
+          <a:xfrm>
+            <a:off x="3884614" y="9598832"/>
+            <a:ext cx="2971800" cy="272169"/>
+          </a:xfrm>
+          <a:prstGeom prst="rect">
+            <a:avLst/>
+          </a:prstGeom>
+        </p:spPr>
         <p:txBody>
           <a:bodyPr/>
           <a:lstStyle/>
@@ -2719,7 +2506,15 @@
             <p:ph type="sldImg"/>
           </p:nvPr>
         </p:nvSpPr>
-        <p:spPr/>
+        <p:spPr>
+          <a:xfrm>
+            <a:off x="115888" y="388938"/>
+            <a:ext cx="6608762" cy="3717925"/>
+          </a:xfrm>
+          <a:prstGeom prst="rect">
+            <a:avLst/>
+          </a:prstGeom>
+        </p:spPr>
       </p:sp>
       <p:sp>
         <p:nvSpPr>
@@ -2731,1161 +2526,460 @@
             <p:ph type="body" idx="1"/>
           </p:nvPr>
         </p:nvSpPr>
-        <p:spPr/>
-        <p:txBody>
-          <a:bodyPr/>
-          <a:lstStyle/>
-          <a:p>
-            <a:r>
-              <a:rPr lang="en-US" b="1" noProof="0" dirty="0"/>
+        <p:spPr>
+          <a:xfrm>
+            <a:off x="360001" y="4276938"/>
+            <a:ext cx="6120000" cy="5248969"/>
+          </a:xfrm>
+          <a:prstGeom prst="rect">
+            <a:avLst/>
+          </a:prstGeom>
+        </p:spPr>
+        <p:txBody>
+          <a:bodyPr/>
+          <a:lstStyle/>
+          <a:p>
+            <a:r>
+              <a:rPr lang="en-US" sz="800" b="1" dirty="0"/>
               <a:t>Are there people still using .NET6 or .NET7?</a:t>
             </a:r>
           </a:p>
           <a:p>
             <a:r>
-              <a:rPr lang="en-US" noProof="0" dirty="0"/>
-              <a:t>This demo will depend on the .NET8 syntax, you will see why I didn’t consider the previous LTS and STS versions.</a:t>
-            </a:r>
-          </a:p>
-          <a:p>
-            <a:endParaRPr lang="en-US" noProof="0" dirty="0"/>
-          </a:p>
-          <a:p>
-            <a:pPr marL="0" marR="0" lvl="0" indent="0" algn="l" defTabSz="914400" rtl="0" eaLnBrk="1" fontAlgn="auto" latinLnBrk="0" hangingPunct="1">
-              <a:lnSpc>
-                <a:spcPct val="100000"/>
-              </a:lnSpc>
-              <a:spcBef>
-                <a:spcPts val="0"/>
-              </a:spcBef>
-              <a:spcAft>
-                <a:spcPts val="0"/>
-              </a:spcAft>
-              <a:buClrTx/>
-              <a:buSzTx/>
-              <a:buFontTx/>
-              <a:buNone/>
-              <a:tabLst/>
+              <a:rPr lang="en-US" sz="800" dirty="0"/>
+              <a:t>This demo will depend on the .NET8 syntax, you will see why I didn’t consider the previous versions.</a:t>
+            </a:r>
+          </a:p>
+          <a:p>
+            <a:endParaRPr lang="en-US" sz="800" dirty="0"/>
+          </a:p>
+          <a:p>
+            <a:pPr defTabSz="882670">
               <a:defRPr/>
             </a:pPr>
             <a:r>
-              <a:rPr lang="en-US" noProof="0" dirty="0"/>
-              <a:t>For this demo I had to create multiple files just to avoid confusion and to be able to build this one up with the different flavors which are available.</a:t>
-            </a:r>
-          </a:p>
-          <a:p>
-            <a:r>
-              <a:rPr lang="en-US" noProof="0" dirty="0"/>
-              <a:t>We will start this one easy, with focusing first on the </a:t>
-            </a:r>
-            <a:r>
-              <a:rPr lang="en-US" noProof="0" dirty="0" err="1"/>
+              <a:rPr lang="en-US" sz="800" dirty="0"/>
+              <a:t>I had to create multiple files just to avoid confusion and to be able to build this one up with the different flavors which are available. We will start this one easy, with focusing first on the </a:t>
+            </a:r>
+            <a:r>
+              <a:rPr lang="en-US" sz="800" dirty="0" err="1"/>
               <a:t>MyOptions</a:t>
             </a:r>
             <a:r>
-              <a:rPr lang="en-US" noProof="0" dirty="0"/>
+              <a:rPr lang="en-US" sz="800" dirty="0"/>
               <a:t> class, it’s the same class as the previous demo but now it’s annotated.</a:t>
             </a:r>
           </a:p>
           <a:p>
-            <a:endParaRPr lang="en-US" noProof="0" dirty="0"/>
-          </a:p>
-          <a:p>
-            <a:pPr marL="228600" indent="-228600">
+            <a:pPr marL="220668" indent="-220668">
               <a:buFont typeface="+mj-lt"/>
               <a:buAutoNum type="arabicPeriod"/>
             </a:pPr>
-            <a:endParaRPr lang="en-US" noProof="0" dirty="0"/>
-          </a:p>
-          <a:p>
-            <a:pPr marL="228600" indent="-228600">
+            <a:endParaRPr lang="en-US" sz="800" dirty="0"/>
+          </a:p>
+          <a:p>
+            <a:pPr marL="220668" indent="-220668">
               <a:buFont typeface="+mj-lt"/>
               <a:buAutoNum type="arabicPeriod"/>
             </a:pPr>
             <a:r>
-              <a:rPr lang="en-US" noProof="0" dirty="0"/>
+              <a:rPr lang="en-US" sz="800" dirty="0"/>
               <a:t>When we spin the solution up as is, although annotated nothing odd happens.</a:t>
             </a:r>
           </a:p>
           <a:p>
-            <a:pPr marL="228600" indent="-228600">
+            <a:pPr marL="220668" indent="-220668">
               <a:buFont typeface="+mj-lt"/>
               <a:buAutoNum type="arabicPeriod"/>
             </a:pPr>
             <a:r>
-              <a:rPr lang="en-US" noProof="0" dirty="0"/>
+              <a:rPr lang="en-US" sz="800" dirty="0"/>
               <a:t>To enable the usage of the annotations, we must add the </a:t>
             </a:r>
             <a:r>
-              <a:rPr lang="nl-BE" sz="1800" dirty="0">
-                <a:solidFill>
-                  <a:srgbClr val="008000"/>
-                </a:solidFill>
-                <a:highlight>
-                  <a:srgbClr val="FFFFFF"/>
-                </a:highlight>
-                <a:latin typeface="Cascadia Mono" panose="020B0609020000020004" pitchFamily="49" charset="0"/>
-              </a:rPr>
+              <a:rPr lang="nl-BE" sz="800" dirty="0"/>
               <a:t>ValidateDataAnnotations.</a:t>
             </a:r>
             <a:br>
-              <a:rPr lang="nl-BE" sz="1800" dirty="0">
-                <a:solidFill>
-                  <a:srgbClr val="008000"/>
-                </a:solidFill>
-                <a:highlight>
-                  <a:srgbClr val="FFFFFF"/>
-                </a:highlight>
-                <a:latin typeface="Cascadia Mono" panose="020B0609020000020004" pitchFamily="49" charset="0"/>
-              </a:rPr>
+              <a:rPr lang="nl-BE" sz="800" dirty="0"/>
             </a:br>
             <a:r>
-              <a:rPr lang="nl-BE" sz="1800" dirty="0">
-                <a:solidFill>
-                  <a:srgbClr val="008000"/>
-                </a:solidFill>
-                <a:highlight>
-                  <a:srgbClr val="FFFFFF"/>
-                </a:highlight>
-                <a:latin typeface="Cascadia Mono" panose="020B0609020000020004" pitchFamily="49" charset="0"/>
-              </a:rPr>
+              <a:rPr lang="nl-BE" sz="800" dirty="0"/>
               <a:t>This can give us runtime errors which I personally like to avoid as much as possible.</a:t>
             </a:r>
           </a:p>
           <a:p>
-            <a:pPr marL="228600" indent="-228600">
+            <a:pPr marL="220668" indent="-220668">
               <a:buFont typeface="+mj-lt"/>
               <a:buAutoNum type="arabicPeriod"/>
             </a:pPr>
             <a:r>
-              <a:rPr lang="nl-BE" sz="1800" dirty="0">
-                <a:solidFill>
-                  <a:srgbClr val="008000"/>
-                </a:solidFill>
-                <a:highlight>
-                  <a:srgbClr val="FFFFFF"/>
-                </a:highlight>
-                <a:latin typeface="Cascadia Mono" panose="020B0609020000020004" pitchFamily="49" charset="0"/>
-              </a:rPr>
-              <a:t>When we also enable </a:t>
-            </a:r>
-            <a:r>
-              <a:rPr lang="nl-BE" sz="1800" dirty="0">
-                <a:solidFill>
-                  <a:srgbClr val="000000"/>
-                </a:solidFill>
-                <a:highlight>
-                  <a:srgbClr val="FFFFFF"/>
-                </a:highlight>
-                <a:latin typeface="Cascadia Mono" panose="020B0609020000020004" pitchFamily="49" charset="0"/>
-              </a:rPr>
-              <a:t>ValidateOnStart we get this functionality as well.</a:t>
+              <a:rPr lang="nl-BE" sz="800" dirty="0"/>
+              <a:t>When we also enable ValidateOnStart we get this functionality as well.</a:t>
             </a:r>
             <a:br>
-              <a:rPr lang="nl-BE" sz="1800" dirty="0">
-                <a:solidFill>
-                  <a:srgbClr val="000000"/>
-                </a:solidFill>
-                <a:highlight>
-                  <a:srgbClr val="FFFFFF"/>
-                </a:highlight>
-                <a:latin typeface="Cascadia Mono" panose="020B0609020000020004" pitchFamily="49" charset="0"/>
-              </a:rPr>
+              <a:rPr lang="nl-BE" sz="800" dirty="0"/>
             </a:br>
             <a:r>
-              <a:rPr lang="nl-BE" sz="1800" dirty="0">
-                <a:solidFill>
-                  <a:srgbClr val="000000"/>
-                </a:solidFill>
-                <a:highlight>
-                  <a:srgbClr val="FFFFFF"/>
-                </a:highlight>
-                <a:latin typeface="Cascadia Mono" panose="020B0609020000020004" pitchFamily="49" charset="0"/>
-              </a:rPr>
-              <a:t>You could also use the commented syntax below which does the same thing and it still needs the </a:t>
-            </a:r>
-            <a:r>
-              <a:rPr lang="nl-BE" sz="1800" dirty="0">
-                <a:solidFill>
-                  <a:srgbClr val="008000"/>
-                </a:solidFill>
-                <a:highlight>
-                  <a:srgbClr val="FFFFFF"/>
-                </a:highlight>
-                <a:latin typeface="Cascadia Mono" panose="020B0609020000020004" pitchFamily="49" charset="0"/>
-              </a:rPr>
-              <a:t>ValidateDataAnnotations.</a:t>
+              <a:rPr lang="nl-BE" sz="800" dirty="0"/>
+              <a:t>You could also use the commented syntax below which does the same thing and it still needs the ValidateDataAnnotations.</a:t>
             </a:r>
             <a:br>
-              <a:rPr lang="nl-BE" sz="1800" dirty="0">
-                <a:solidFill>
-                  <a:srgbClr val="008000"/>
-                </a:solidFill>
-                <a:highlight>
-                  <a:srgbClr val="FFFFFF"/>
-                </a:highlight>
-                <a:latin typeface="Cascadia Mono" panose="020B0609020000020004" pitchFamily="49" charset="0"/>
-              </a:rPr>
+              <a:rPr lang="nl-BE" sz="800" dirty="0"/>
             </a:br>
+            <a:r>
+              <a:rPr lang="nl-BE" sz="800" b="1" dirty="0"/>
+              <a:t>You like this?</a:t>
+            </a:r>
             <a:br>
-              <a:rPr lang="nl-BE" sz="1800" dirty="0">
-                <a:solidFill>
-                  <a:srgbClr val="008000"/>
-                </a:solidFill>
-                <a:highlight>
-                  <a:srgbClr val="FFFFFF"/>
-                </a:highlight>
-                <a:latin typeface="Cascadia Mono" panose="020B0609020000020004" pitchFamily="49" charset="0"/>
-              </a:rPr>
+              <a:rPr lang="nl-BE" sz="800" b="1" dirty="0"/>
             </a:br>
             <a:r>
-              <a:rPr lang="nl-BE" sz="1800" b="1" dirty="0">
-                <a:solidFill>
-                  <a:srgbClr val="008000"/>
-                </a:solidFill>
-                <a:highlight>
-                  <a:srgbClr val="FFFFFF"/>
-                </a:highlight>
-                <a:latin typeface="Cascadia Mono" panose="020B0609020000020004" pitchFamily="49" charset="0"/>
-              </a:rPr>
-              <a:t>You like this?</a:t>
-            </a:r>
-            <a:br>
-              <a:rPr lang="nl-BE" sz="1800" b="1" dirty="0">
-                <a:solidFill>
-                  <a:srgbClr val="008000"/>
-                </a:solidFill>
-                <a:highlight>
-                  <a:srgbClr val="FFFFFF"/>
-                </a:highlight>
-                <a:latin typeface="Cascadia Mono" panose="020B0609020000020004" pitchFamily="49" charset="0"/>
-              </a:rPr>
-            </a:br>
-            <a:r>
-              <a:rPr lang="nl-BE" sz="1800" b="1" dirty="0">
-                <a:solidFill>
-                  <a:srgbClr val="008000"/>
-                </a:solidFill>
-                <a:highlight>
-                  <a:srgbClr val="FFFFFF"/>
-                </a:highlight>
-                <a:latin typeface="Cascadia Mono" panose="020B0609020000020004" pitchFamily="49" charset="0"/>
-              </a:rPr>
+              <a:rPr lang="nl-BE" sz="800" b="1" dirty="0"/>
               <a:t>Anyone already started using the baked in source generation functionalities which came available in the latest releases?</a:t>
             </a:r>
-          </a:p>
-          <a:p>
-            <a:pPr marL="228600" indent="-228600">
+            <a:endParaRPr lang="nl-BE" sz="800" dirty="0"/>
+          </a:p>
+          <a:p>
+            <a:pPr marL="220668" indent="-220668">
               <a:buFont typeface="+mj-lt"/>
               <a:buAutoNum type="arabicPeriod"/>
             </a:pPr>
-            <a:endParaRPr lang="nl-BE" sz="1800" dirty="0">
-              <a:solidFill>
-                <a:srgbClr val="008000"/>
-              </a:solidFill>
-              <a:highlight>
-                <a:srgbClr val="FFFFFF"/>
-              </a:highlight>
-              <a:latin typeface="Cascadia Mono" panose="020B0609020000020004" pitchFamily="49" charset="0"/>
-            </a:endParaRPr>
-          </a:p>
-          <a:p>
-            <a:pPr marL="228600" indent="-228600">
+            <a:r>
+              <a:rPr lang="nl-BE" sz="800" dirty="0"/>
+              <a:t>We can source generate these validation and reduce reflection expensive reflection calls.</a:t>
+            </a:r>
+            <a:br>
+              <a:rPr lang="nl-BE" sz="800" dirty="0"/>
+            </a:br>
+            <a:r>
+              <a:rPr lang="nl-BE" sz="800" dirty="0"/>
+              <a:t>Create a </a:t>
+            </a:r>
+            <a:r>
+              <a:rPr lang="nl-BE" sz="800" b="1" dirty="0"/>
+              <a:t>public partial class </a:t>
+            </a:r>
+            <a:r>
+              <a:rPr lang="nl-BE" sz="800" dirty="0"/>
+              <a:t>and let it inherith the IValidateOptions interface and point it to the MyOptions in this case. Also decorate it with the [OptionsValidator]</a:t>
+            </a:r>
+          </a:p>
+          <a:p>
+            <a:pPr marL="220668" indent="-220668">
               <a:buFont typeface="+mj-lt"/>
               <a:buAutoNum type="arabicPeriod"/>
             </a:pPr>
             <a:r>
-              <a:rPr lang="nl-BE" sz="1800" dirty="0">
-                <a:solidFill>
-                  <a:srgbClr val="008000"/>
-                </a:solidFill>
-                <a:highlight>
-                  <a:srgbClr val="FFFFFF"/>
-                </a:highlight>
-                <a:latin typeface="Cascadia Mono" panose="020B0609020000020004" pitchFamily="49" charset="0"/>
-              </a:rPr>
-              <a:t>We can source generate these validation and reduce reflection expensive reflection calls.</a:t>
-            </a:r>
-            <a:br>
-              <a:rPr lang="nl-BE" sz="1800" dirty="0">
-                <a:solidFill>
-                  <a:srgbClr val="008000"/>
-                </a:solidFill>
-                <a:highlight>
-                  <a:srgbClr val="FFFFFF"/>
-                </a:highlight>
-                <a:latin typeface="Cascadia Mono" panose="020B0609020000020004" pitchFamily="49" charset="0"/>
-              </a:rPr>
-            </a:br>
-            <a:r>
-              <a:rPr lang="nl-BE" sz="1800" dirty="0">
-                <a:solidFill>
-                  <a:srgbClr val="008000"/>
-                </a:solidFill>
-                <a:highlight>
-                  <a:srgbClr val="FFFFFF"/>
-                </a:highlight>
-                <a:latin typeface="Cascadia Mono" panose="020B0609020000020004" pitchFamily="49" charset="0"/>
-              </a:rPr>
-              <a:t>Create a public partial class and let it inherith the </a:t>
-            </a:r>
-            <a:r>
-              <a:rPr lang="nl-BE" sz="1800" dirty="0">
-                <a:solidFill>
-                  <a:srgbClr val="2B91AF"/>
-                </a:solidFill>
-                <a:highlight>
-                  <a:srgbClr val="FFFFFF"/>
-                </a:highlight>
-                <a:latin typeface="Cascadia Mono" panose="020B0609020000020004" pitchFamily="49" charset="0"/>
-              </a:rPr>
-              <a:t>IValidateOptions interface and point it to the MyOptions in this case. Also decorate it with the [OptionsValidator]</a:t>
-            </a:r>
-          </a:p>
-          <a:p>
-            <a:pPr marL="228600" indent="-228600">
+              <a:rPr lang="nl-BE" sz="800" dirty="0"/>
+              <a:t>This class must be added as a singleton to your di container in order to be able to be used.</a:t>
+            </a:r>
+          </a:p>
+          <a:p>
+            <a:pPr marL="220668" indent="-220668">
               <a:buFont typeface="+mj-lt"/>
               <a:buAutoNum type="arabicPeriod"/>
             </a:pPr>
             <a:r>
-              <a:rPr lang="nl-BE" sz="1800" dirty="0">
-                <a:solidFill>
-                  <a:srgbClr val="2B91AF"/>
-                </a:solidFill>
-                <a:highlight>
-                  <a:srgbClr val="FFFFFF"/>
-                </a:highlight>
-                <a:latin typeface="Cascadia Mono" panose="020B0609020000020004" pitchFamily="49" charset="0"/>
-              </a:rPr>
-              <a:t>This class must be added as a singleton to your di container in order to be able to be used.</a:t>
-            </a:r>
-          </a:p>
-          <a:p>
-            <a:pPr marL="228600" indent="-228600">
+              <a:rPr lang="nl-BE" sz="800" dirty="0"/>
+              <a:t>Once you apply this validator class you don’t longer need the </a:t>
+            </a:r>
+            <a:r>
+              <a:rPr lang="nl-BE" sz="800" b="1" dirty="0"/>
+              <a:t>ValidateDataAnnotations</a:t>
+            </a:r>
+            <a:r>
+              <a:rPr lang="nl-BE" sz="800" dirty="0"/>
+              <a:t>. It will happen now automatically.</a:t>
+            </a:r>
+            <a:br>
+              <a:rPr lang="nl-BE" sz="800" dirty="0"/>
+            </a:br>
+            <a:r>
+              <a:rPr lang="nl-BE" sz="800" b="1" dirty="0"/>
+              <a:t>Do you want some more?</a:t>
+            </a:r>
+          </a:p>
+          <a:p>
+            <a:pPr marL="220668" indent="-220668">
               <a:buFont typeface="+mj-lt"/>
               <a:buAutoNum type="arabicPeriod"/>
             </a:pPr>
             <a:r>
-              <a:rPr lang="nl-BE" sz="1800" dirty="0">
-                <a:solidFill>
-                  <a:srgbClr val="2B91AF"/>
-                </a:solidFill>
-                <a:highlight>
-                  <a:srgbClr val="FFFFFF"/>
-                </a:highlight>
-                <a:latin typeface="Cascadia Mono" panose="020B0609020000020004" pitchFamily="49" charset="0"/>
-              </a:rPr>
-              <a:t>Once you apply this validator class you don’t longer need the </a:t>
-            </a:r>
-            <a:r>
-              <a:rPr lang="nl-BE" sz="1800" dirty="0">
-                <a:solidFill>
-                  <a:srgbClr val="008000"/>
-                </a:solidFill>
-                <a:highlight>
-                  <a:srgbClr val="FFFFFF"/>
-                </a:highlight>
-                <a:latin typeface="Cascadia Mono" panose="020B0609020000020004" pitchFamily="49" charset="0"/>
-              </a:rPr>
-              <a:t>ValidateDataAnnotations. It will happen now automatically.</a:t>
+              <a:rPr lang="nl-BE" sz="800" dirty="0"/>
+              <a:t>We can also source generate the binding, this removes the reflection from the configuration to the options object.</a:t>
             </a:r>
             <a:br>
-              <a:rPr lang="nl-BE" sz="1800" dirty="0">
-                <a:solidFill>
-                  <a:srgbClr val="008000"/>
-                </a:solidFill>
-                <a:highlight>
-                  <a:srgbClr val="FFFFFF"/>
-                </a:highlight>
-                <a:latin typeface="Cascadia Mono" panose="020B0609020000020004" pitchFamily="49" charset="0"/>
-              </a:rPr>
+              <a:rPr lang="nl-BE" sz="800" dirty="0"/>
             </a:br>
+            <a:r>
+              <a:rPr lang="nl-BE" sz="800" dirty="0"/>
+              <a:t>In the csproj file enable the property EnableConfigurationBindingGenerator when you now look at the program.cs file you will see an icon appearing. When you hover over it is indicating that this is an intercepted call.</a:t>
+            </a:r>
             <a:br>
-              <a:rPr lang="nl-BE" sz="1800" dirty="0">
-                <a:solidFill>
-                  <a:srgbClr val="008000"/>
-                </a:solidFill>
-                <a:highlight>
-                  <a:srgbClr val="FFFFFF"/>
-                </a:highlight>
-                <a:latin typeface="Cascadia Mono" panose="020B0609020000020004" pitchFamily="49" charset="0"/>
-              </a:rPr>
+              <a:rPr lang="nl-BE" sz="800" dirty="0"/>
             </a:br>
             <a:r>
-              <a:rPr lang="nl-BE" sz="1800" b="1" dirty="0">
-                <a:solidFill>
-                  <a:srgbClr val="008000"/>
-                </a:solidFill>
-                <a:highlight>
-                  <a:srgbClr val="FFFFFF"/>
-                </a:highlight>
-                <a:latin typeface="Cascadia Mono" panose="020B0609020000020004" pitchFamily="49" charset="0"/>
-              </a:rPr>
-              <a:t>Do you want some more?</a:t>
+              <a:rPr lang="nl-BE" sz="800" dirty="0"/>
+              <a:t>We now have the binding and the validation source generated. This brings us quite close to an AOT point.</a:t>
             </a:r>
             <a:br>
-              <a:rPr lang="nl-BE" sz="1800" b="1" dirty="0">
-                <a:solidFill>
-                  <a:srgbClr val="008000"/>
-                </a:solidFill>
-                <a:highlight>
-                  <a:srgbClr val="FFFFFF"/>
-                </a:highlight>
-                <a:latin typeface="Cascadia Mono" panose="020B0609020000020004" pitchFamily="49" charset="0"/>
-              </a:rPr>
+              <a:rPr lang="nl-BE" sz="800" dirty="0"/>
             </a:br>
-            <a:endParaRPr lang="nl-BE" sz="1800" b="1" dirty="0">
-              <a:solidFill>
-                <a:srgbClr val="008000"/>
-              </a:solidFill>
-              <a:highlight>
-                <a:srgbClr val="FFFFFF"/>
-              </a:highlight>
-              <a:latin typeface="Cascadia Mono" panose="020B0609020000020004" pitchFamily="49" charset="0"/>
-            </a:endParaRPr>
-          </a:p>
-          <a:p>
-            <a:pPr marL="228600" indent="-228600">
+            <a:r>
+              <a:rPr lang="nl-BE" sz="800" b="1" dirty="0"/>
+              <a:t>Anyone already toyed with this? I will show you how you get this working on AOT</a:t>
+            </a:r>
+            <a:endParaRPr lang="nl-BE" sz="800" dirty="0"/>
+          </a:p>
+          <a:p>
+            <a:pPr marL="220668" indent="-220668">
               <a:buFont typeface="+mj-lt"/>
               <a:buAutoNum type="arabicPeriod"/>
             </a:pPr>
             <a:r>
-              <a:rPr lang="nl-BE" sz="1800" b="0" dirty="0">
-                <a:solidFill>
-                  <a:srgbClr val="008000"/>
-                </a:solidFill>
-                <a:highlight>
-                  <a:srgbClr val="FFFFFF"/>
-                </a:highlight>
-                <a:latin typeface="Cascadia Mono" panose="020B0609020000020004" pitchFamily="49" charset="0"/>
-              </a:rPr>
-              <a:t>We can also source generate the binding, this removes the reflection from going from the configuration to the options object.</a:t>
+              <a:rPr lang="nl-BE" sz="800" dirty="0"/>
+              <a:t>If you are using controllers you’re lucky the documentation is right, if you are using minimal apis like this demo you are not.</a:t>
             </a:r>
             <a:br>
-              <a:rPr lang="nl-BE" sz="1800" b="0" dirty="0">
-                <a:solidFill>
-                  <a:srgbClr val="008000"/>
-                </a:solidFill>
-                <a:highlight>
-                  <a:srgbClr val="FFFFFF"/>
-                </a:highlight>
-                <a:latin typeface="Cascadia Mono" panose="020B0609020000020004" pitchFamily="49" charset="0"/>
-              </a:rPr>
+              <a:rPr lang="nl-BE" sz="800" dirty="0"/>
             </a:br>
             <a:r>
-              <a:rPr lang="nl-BE" sz="1800" b="0" dirty="0">
-                <a:solidFill>
-                  <a:srgbClr val="008000"/>
-                </a:solidFill>
-                <a:highlight>
-                  <a:srgbClr val="FFFFFF"/>
-                </a:highlight>
-                <a:latin typeface="Cascadia Mono" panose="020B0609020000020004" pitchFamily="49" charset="0"/>
-              </a:rPr>
-              <a:t>In the csproj file enable the property </a:t>
-            </a:r>
-            <a:r>
-              <a:rPr lang="nl-BE" sz="1800" b="1" dirty="0">
-                <a:solidFill>
-                  <a:srgbClr val="A31515"/>
-                </a:solidFill>
-                <a:highlight>
-                  <a:srgbClr val="FFFFFF"/>
-                </a:highlight>
-                <a:latin typeface="Cascadia Mono" panose="020B0609020000020004" pitchFamily="49" charset="0"/>
-              </a:rPr>
-              <a:t>EnableConfigurationBindingGenerator</a:t>
-            </a:r>
-            <a:r>
-              <a:rPr lang="nl-BE" sz="1800" b="0" dirty="0">
-                <a:solidFill>
-                  <a:srgbClr val="A31515"/>
-                </a:solidFill>
-                <a:highlight>
-                  <a:srgbClr val="FFFFFF"/>
-                </a:highlight>
-                <a:latin typeface="Cascadia Mono" panose="020B0609020000020004" pitchFamily="49" charset="0"/>
-              </a:rPr>
-              <a:t> when you now look back at the program.cs file you will see an icon appearing.</a:t>
+              <a:rPr lang="nl-BE" sz="800" dirty="0"/>
+              <a:t>Enable the property PublishAot in the csproj</a:t>
             </a:r>
             <a:br>
-              <a:rPr lang="nl-BE" sz="1800" b="0" dirty="0">
-                <a:solidFill>
-                  <a:srgbClr val="A31515"/>
-                </a:solidFill>
-                <a:highlight>
-                  <a:srgbClr val="FFFFFF"/>
-                </a:highlight>
-                <a:latin typeface="Cascadia Mono" panose="020B0609020000020004" pitchFamily="49" charset="0"/>
-              </a:rPr>
+              <a:rPr lang="nl-BE" sz="800" dirty="0"/>
             </a:br>
             <a:r>
-              <a:rPr lang="nl-BE" sz="1800" b="0" dirty="0">
-                <a:solidFill>
-                  <a:srgbClr val="A31515"/>
-                </a:solidFill>
-                <a:highlight>
-                  <a:srgbClr val="FFFFFF"/>
-                </a:highlight>
-                <a:latin typeface="Cascadia Mono" panose="020B0609020000020004" pitchFamily="49" charset="0"/>
-              </a:rPr>
-              <a:t>When you hover over it is indicating that this is an intercepted call.</a:t>
-            </a:r>
-            <a:br>
-              <a:rPr lang="nl-BE" sz="1800" b="0" dirty="0">
-                <a:solidFill>
-                  <a:srgbClr val="A31515"/>
-                </a:solidFill>
-                <a:highlight>
-                  <a:srgbClr val="FFFFFF"/>
-                </a:highlight>
-                <a:latin typeface="Cascadia Mono" panose="020B0609020000020004" pitchFamily="49" charset="0"/>
-              </a:rPr>
-            </a:br>
-            <a:r>
-              <a:rPr lang="nl-BE" sz="1800" b="0" dirty="0">
-                <a:solidFill>
-                  <a:srgbClr val="A31515"/>
-                </a:solidFill>
-                <a:highlight>
-                  <a:srgbClr val="FFFFFF"/>
-                </a:highlight>
-                <a:latin typeface="Cascadia Mono" panose="020B0609020000020004" pitchFamily="49" charset="0"/>
-              </a:rPr>
-              <a:t>We now have the binding and the validation source generated. This brings us quite close to an AOT point.</a:t>
-            </a:r>
-            <a:br>
-              <a:rPr lang="nl-BE" sz="1800" b="0" dirty="0">
-                <a:solidFill>
-                  <a:srgbClr val="A31515"/>
-                </a:solidFill>
-                <a:highlight>
-                  <a:srgbClr val="FFFFFF"/>
-                </a:highlight>
-                <a:latin typeface="Cascadia Mono" panose="020B0609020000020004" pitchFamily="49" charset="0"/>
-              </a:rPr>
-            </a:br>
-            <a:br>
-              <a:rPr lang="nl-BE" sz="1800" b="0" dirty="0">
-                <a:solidFill>
-                  <a:srgbClr val="A31515"/>
-                </a:solidFill>
-                <a:highlight>
-                  <a:srgbClr val="FFFFFF"/>
-                </a:highlight>
-                <a:latin typeface="Cascadia Mono" panose="020B0609020000020004" pitchFamily="49" charset="0"/>
-              </a:rPr>
-            </a:br>
-            <a:r>
-              <a:rPr lang="nl-BE" sz="1800" b="1" dirty="0">
-                <a:solidFill>
-                  <a:srgbClr val="A31515"/>
-                </a:solidFill>
-                <a:highlight>
-                  <a:srgbClr val="FFFFFF"/>
-                </a:highlight>
-                <a:latin typeface="Cascadia Mono" panose="020B0609020000020004" pitchFamily="49" charset="0"/>
-              </a:rPr>
-              <a:t>Anyone already toyed with this? I will show you how you get this working on AOT</a:t>
-            </a:r>
-            <a:br>
-              <a:rPr lang="nl-BE" sz="1800" b="0" dirty="0">
-                <a:solidFill>
-                  <a:srgbClr val="A31515"/>
-                </a:solidFill>
-                <a:highlight>
-                  <a:srgbClr val="FFFFFF"/>
-                </a:highlight>
-                <a:latin typeface="Cascadia Mono" panose="020B0609020000020004" pitchFamily="49" charset="0"/>
-              </a:rPr>
-            </a:br>
-            <a:endParaRPr lang="nl-BE" sz="1800" b="0" dirty="0">
-              <a:solidFill>
-                <a:srgbClr val="A31515"/>
-              </a:solidFill>
-              <a:highlight>
-                <a:srgbClr val="FFFFFF"/>
-              </a:highlight>
-              <a:latin typeface="Cascadia Mono" panose="020B0609020000020004" pitchFamily="49" charset="0"/>
-            </a:endParaRPr>
-          </a:p>
-          <a:p>
-            <a:pPr marL="228600" indent="-228600">
+              <a:rPr lang="nl-BE" sz="800" dirty="0"/>
+              <a:t>The intercepted call is now also appearing at this location as well. When he open this call we need to search for the </a:t>
+            </a:r>
+            <a:r>
+              <a:rPr lang="nl-BE" sz="800" b="1" dirty="0"/>
+              <a:t>IOptions&lt;JsonOptions&gt;</a:t>
+            </a:r>
+            <a:r>
+              <a:rPr lang="nl-BE" sz="800" dirty="0"/>
+              <a:t>, if not provided the fall back is used which uses reflection. </a:t>
+            </a:r>
+            <a:r>
+              <a:rPr lang="nl-BE" sz="800" b="1" dirty="0"/>
+              <a:t>This will not work with AOT</a:t>
+            </a:r>
+          </a:p>
+          <a:p>
+            <a:pPr marL="220668" indent="-220668">
               <a:buFont typeface="+mj-lt"/>
               <a:buAutoNum type="arabicPeriod"/>
             </a:pPr>
             <a:r>
-              <a:rPr lang="nl-BE" sz="1800" dirty="0">
-                <a:solidFill>
-                  <a:srgbClr val="A31515"/>
-                </a:solidFill>
-                <a:highlight>
-                  <a:srgbClr val="FFFFFF"/>
-                </a:highlight>
-                <a:latin typeface="Cascadia Mono" panose="020B0609020000020004" pitchFamily="49" charset="0"/>
-              </a:rPr>
-              <a:t>If you are using controllers you’re in luck if the documentation is right, if you are using minimal apis like this demo not so much.</a:t>
-            </a:r>
-            <a:br>
-              <a:rPr lang="nl-BE" sz="1800" dirty="0">
-                <a:solidFill>
-                  <a:srgbClr val="A31515"/>
-                </a:solidFill>
-                <a:highlight>
-                  <a:srgbClr val="FFFFFF"/>
-                </a:highlight>
-                <a:latin typeface="Cascadia Mono" panose="020B0609020000020004" pitchFamily="49" charset="0"/>
-              </a:rPr>
-            </a:br>
-            <a:r>
-              <a:rPr lang="nl-BE" sz="1800" dirty="0">
-                <a:solidFill>
-                  <a:srgbClr val="A31515"/>
-                </a:solidFill>
-                <a:highlight>
-                  <a:srgbClr val="FFFFFF"/>
-                </a:highlight>
-                <a:latin typeface="Cascadia Mono" panose="020B0609020000020004" pitchFamily="49" charset="0"/>
-              </a:rPr>
-              <a:t>Enable the property </a:t>
-            </a:r>
-            <a:r>
-              <a:rPr lang="nl-BE" sz="1800" b="1" dirty="0">
-                <a:solidFill>
-                  <a:srgbClr val="008000"/>
-                </a:solidFill>
-                <a:highlight>
-                  <a:srgbClr val="FFFFFF"/>
-                </a:highlight>
-                <a:latin typeface="Cascadia Mono" panose="020B0609020000020004" pitchFamily="49" charset="0"/>
-              </a:rPr>
-              <a:t>PublishAot</a:t>
-            </a:r>
-            <a:r>
-              <a:rPr lang="nl-BE" sz="1800" dirty="0">
-                <a:solidFill>
-                  <a:srgbClr val="008000"/>
-                </a:solidFill>
-                <a:highlight>
-                  <a:srgbClr val="FFFFFF"/>
-                </a:highlight>
-                <a:latin typeface="Cascadia Mono" panose="020B0609020000020004" pitchFamily="49" charset="0"/>
-              </a:rPr>
-              <a:t> in the csproj</a:t>
-            </a:r>
-            <a:br>
-              <a:rPr lang="nl-BE" sz="1800" dirty="0">
-                <a:solidFill>
-                  <a:srgbClr val="008000"/>
-                </a:solidFill>
-                <a:highlight>
-                  <a:srgbClr val="FFFFFF"/>
-                </a:highlight>
-                <a:latin typeface="Cascadia Mono" panose="020B0609020000020004" pitchFamily="49" charset="0"/>
-              </a:rPr>
-            </a:br>
-            <a:r>
-              <a:rPr lang="nl-BE" sz="1800" dirty="0">
-                <a:solidFill>
-                  <a:srgbClr val="008000"/>
-                </a:solidFill>
-                <a:highlight>
-                  <a:srgbClr val="FFFFFF"/>
-                </a:highlight>
-                <a:latin typeface="Cascadia Mono" panose="020B0609020000020004" pitchFamily="49" charset="0"/>
-              </a:rPr>
-              <a:t>The intercepted call is now also appearing at this location as well.</a:t>
-            </a:r>
-            <a:br>
-              <a:rPr lang="nl-BE" sz="1800" dirty="0">
-                <a:solidFill>
-                  <a:srgbClr val="008000"/>
-                </a:solidFill>
-                <a:highlight>
-                  <a:srgbClr val="FFFFFF"/>
-                </a:highlight>
-                <a:latin typeface="Cascadia Mono" panose="020B0609020000020004" pitchFamily="49" charset="0"/>
-              </a:rPr>
-            </a:br>
-            <a:r>
-              <a:rPr lang="nl-BE" sz="1800" dirty="0">
-                <a:solidFill>
-                  <a:srgbClr val="008000"/>
-                </a:solidFill>
-                <a:highlight>
-                  <a:srgbClr val="FFFFFF"/>
-                </a:highlight>
-                <a:latin typeface="Cascadia Mono" panose="020B0609020000020004" pitchFamily="49" charset="0"/>
-              </a:rPr>
-              <a:t>We’ll go into this one and we search for the </a:t>
-            </a:r>
-            <a:r>
-              <a:rPr lang="nl-BE" sz="1800" b="1" dirty="0">
-                <a:solidFill>
-                  <a:srgbClr val="2B91AF"/>
-                </a:solidFill>
-                <a:highlight>
-                  <a:srgbClr val="FFFFFF"/>
-                </a:highlight>
-                <a:latin typeface="Cascadia Mono" panose="020B0609020000020004" pitchFamily="49" charset="0"/>
-              </a:rPr>
-              <a:t>IOptions</a:t>
-            </a:r>
-            <a:r>
-              <a:rPr lang="nl-BE" sz="1800" b="1" dirty="0">
-                <a:solidFill>
-                  <a:srgbClr val="D86AC2"/>
-                </a:solidFill>
-                <a:highlight>
-                  <a:srgbClr val="FFFFFF"/>
-                </a:highlight>
-                <a:latin typeface="Cascadia Mono" panose="020B0609020000020004" pitchFamily="49" charset="0"/>
-              </a:rPr>
-              <a:t>&lt;</a:t>
-            </a:r>
-            <a:r>
-              <a:rPr lang="nl-BE" sz="1800" b="1" dirty="0">
-                <a:solidFill>
-                  <a:srgbClr val="2B91AF"/>
-                </a:solidFill>
-                <a:highlight>
-                  <a:srgbClr val="FFFFFF"/>
-                </a:highlight>
-                <a:latin typeface="Cascadia Mono" panose="020B0609020000020004" pitchFamily="49" charset="0"/>
-              </a:rPr>
-              <a:t>JsonOptions</a:t>
-            </a:r>
-            <a:r>
-              <a:rPr lang="nl-BE" sz="1800" b="1" dirty="0">
-                <a:solidFill>
-                  <a:srgbClr val="D86AC2"/>
-                </a:solidFill>
-                <a:highlight>
-                  <a:srgbClr val="FFFFFF"/>
-                </a:highlight>
-                <a:latin typeface="Cascadia Mono" panose="020B0609020000020004" pitchFamily="49" charset="0"/>
-              </a:rPr>
-              <a:t>&gt;</a:t>
-            </a:r>
-            <a:r>
-              <a:rPr lang="nl-BE" sz="1800" b="0" dirty="0">
-                <a:solidFill>
-                  <a:srgbClr val="D86AC2"/>
-                </a:solidFill>
-                <a:highlight>
-                  <a:srgbClr val="FFFFFF"/>
-                </a:highlight>
-                <a:latin typeface="Cascadia Mono" panose="020B0609020000020004" pitchFamily="49" charset="0"/>
-              </a:rPr>
-              <a:t>, if not provided the fall back is used which uses reflection.</a:t>
-            </a:r>
-          </a:p>
-          <a:p>
-            <a:pPr marL="228600" indent="-228600">
+              <a:rPr lang="nl-BE" sz="800" dirty="0"/>
+              <a:t>To resolve this a custom JsonSerializerContext must be used where we then can point to the MyOptions.</a:t>
+            </a:r>
+          </a:p>
+          <a:p>
+            <a:pPr marL="220668" indent="-220668">
               <a:buFont typeface="+mj-lt"/>
               <a:buAutoNum type="arabicPeriod"/>
             </a:pPr>
             <a:r>
-              <a:rPr lang="nl-BE" sz="1800" b="0" dirty="0">
-                <a:solidFill>
-                  <a:srgbClr val="D86AC2"/>
-                </a:solidFill>
-                <a:highlight>
-                  <a:srgbClr val="FFFFFF"/>
-                </a:highlight>
-                <a:latin typeface="Cascadia Mono" panose="020B0609020000020004" pitchFamily="49" charset="0"/>
-              </a:rPr>
-              <a:t>To resolve this a custom </a:t>
-            </a:r>
-            <a:r>
-              <a:rPr lang="nl-BE" sz="1800" dirty="0">
-                <a:solidFill>
-                  <a:srgbClr val="2B91AF"/>
-                </a:solidFill>
-                <a:highlight>
-                  <a:srgbClr val="FFFFFF"/>
-                </a:highlight>
-                <a:latin typeface="Cascadia Mono" panose="020B0609020000020004" pitchFamily="49" charset="0"/>
-              </a:rPr>
-              <a:t>JsonSerializerContext</a:t>
-            </a:r>
-            <a:r>
-              <a:rPr lang="nl-BE" sz="1800" b="0" dirty="0">
-                <a:solidFill>
-                  <a:srgbClr val="D86AC2"/>
-                </a:solidFill>
-                <a:highlight>
-                  <a:srgbClr val="FFFFFF"/>
-                </a:highlight>
-                <a:latin typeface="Cascadia Mono" panose="020B0609020000020004" pitchFamily="49" charset="0"/>
-              </a:rPr>
-              <a:t> must be used where we then can point to the MyOptions.</a:t>
-            </a:r>
-          </a:p>
-          <a:p>
-            <a:pPr marL="228600" indent="-228600">
+              <a:rPr lang="nl-BE" sz="800" dirty="0"/>
+              <a:t>Now we can add it to the default json serializer using the TypeInfoResolver and add the newly created context to it.</a:t>
+            </a:r>
+          </a:p>
+          <a:p>
+            <a:pPr marL="220668" indent="-220668">
               <a:buFont typeface="+mj-lt"/>
               <a:buAutoNum type="arabicPeriod"/>
             </a:pPr>
             <a:r>
-              <a:rPr lang="nl-BE" sz="1800" b="0" dirty="0">
-                <a:solidFill>
-                  <a:srgbClr val="D86AC2"/>
-                </a:solidFill>
-                <a:highlight>
-                  <a:srgbClr val="FFFFFF"/>
-                </a:highlight>
-                <a:latin typeface="Cascadia Mono" panose="020B0609020000020004" pitchFamily="49" charset="0"/>
-              </a:rPr>
-              <a:t>Now we can add it to the default json serializer using the </a:t>
-            </a:r>
-            <a:r>
-              <a:rPr lang="nl-BE" sz="1800" dirty="0">
-                <a:solidFill>
-                  <a:srgbClr val="008000"/>
-                </a:solidFill>
-                <a:highlight>
-                  <a:srgbClr val="FFFFFF"/>
-                </a:highlight>
-                <a:latin typeface="Cascadia Mono" panose="020B0609020000020004" pitchFamily="49" charset="0"/>
-              </a:rPr>
-              <a:t>TypeInfoResolver</a:t>
-            </a:r>
-            <a:r>
-              <a:rPr lang="nl-BE" sz="1800" b="0" dirty="0">
-                <a:solidFill>
-                  <a:srgbClr val="008000"/>
-                </a:solidFill>
-                <a:highlight>
-                  <a:srgbClr val="FFFFFF"/>
-                </a:highlight>
-                <a:latin typeface="Cascadia Mono" panose="020B0609020000020004" pitchFamily="49" charset="0"/>
-              </a:rPr>
-              <a:t> and add the newly created context to it.</a:t>
-            </a:r>
-          </a:p>
-          <a:p>
-            <a:pPr marL="228600" indent="-228600">
+              <a:rPr lang="nl-BE" sz="800" i="1" dirty="0"/>
+              <a:t>I will open a terminal now and create the AOT build using dotnet publish</a:t>
+            </a:r>
+            <a:br>
+              <a:rPr lang="nl-BE" sz="800" i="1" dirty="0"/>
+            </a:br>
+            <a:r>
+              <a:rPr lang="nl-BE" sz="800" i="1" dirty="0"/>
+              <a:t>If you’ve never done this before you must enable the .NET desktop development under the workloads, it will not work otherwise</a:t>
+            </a:r>
+            <a:br>
+              <a:rPr lang="nl-BE" sz="800" i="1" dirty="0"/>
+            </a:br>
+            <a:r>
+              <a:rPr lang="nl-BE" sz="800" i="1" dirty="0"/>
+              <a:t>dotnet publish</a:t>
+            </a:r>
+          </a:p>
+          <a:p>
+            <a:pPr marL="220668" indent="-220668">
               <a:buFont typeface="+mj-lt"/>
               <a:buAutoNum type="arabicPeriod"/>
             </a:pPr>
             <a:r>
-              <a:rPr lang="nl-BE" sz="1800" b="0" dirty="0">
-                <a:solidFill>
-                  <a:srgbClr val="008000"/>
-                </a:solidFill>
-                <a:highlight>
-                  <a:srgbClr val="FFFFFF"/>
-                </a:highlight>
-                <a:latin typeface="Cascadia Mono" panose="020B0609020000020004" pitchFamily="49" charset="0"/>
-              </a:rPr>
-              <a:t>I will open a terminal now and create the AOT build using dotnet publish</a:t>
-            </a:r>
-            <a:br>
-              <a:rPr lang="nl-BE" sz="1800" b="0" dirty="0">
-                <a:solidFill>
-                  <a:srgbClr val="008000"/>
-                </a:solidFill>
-                <a:highlight>
-                  <a:srgbClr val="FFFFFF"/>
-                </a:highlight>
-                <a:latin typeface="Cascadia Mono" panose="020B0609020000020004" pitchFamily="49" charset="0"/>
-              </a:rPr>
-            </a:br>
-            <a:r>
-              <a:rPr lang="nl-BE" sz="1800" b="0" dirty="0">
-                <a:solidFill>
-                  <a:srgbClr val="008000"/>
-                </a:solidFill>
-                <a:highlight>
-                  <a:srgbClr val="FFFFFF"/>
-                </a:highlight>
-                <a:latin typeface="Cascadia Mono" panose="020B0609020000020004" pitchFamily="49" charset="0"/>
-              </a:rPr>
-              <a:t>If you’ve never done this before you must enable the .NET desktop development under the workloads, it will not work otherwise</a:t>
-            </a:r>
-            <a:br>
-              <a:rPr lang="nl-BE" sz="1800" b="0" dirty="0">
-                <a:solidFill>
-                  <a:srgbClr val="008000"/>
-                </a:solidFill>
-                <a:highlight>
-                  <a:srgbClr val="FFFFFF"/>
-                </a:highlight>
-                <a:latin typeface="Cascadia Mono" panose="020B0609020000020004" pitchFamily="49" charset="0"/>
-              </a:rPr>
-            </a:br>
-            <a:br>
-              <a:rPr lang="nl-BE" sz="1800" b="0" dirty="0">
-                <a:solidFill>
-                  <a:srgbClr val="008000"/>
-                </a:solidFill>
-                <a:highlight>
-                  <a:srgbClr val="FFFFFF"/>
-                </a:highlight>
-                <a:latin typeface="Cascadia Mono" panose="020B0609020000020004" pitchFamily="49" charset="0"/>
-              </a:rPr>
-            </a:br>
-            <a:r>
-              <a:rPr lang="nl-BE" sz="1800" b="0" dirty="0">
-                <a:solidFill>
-                  <a:srgbClr val="008000"/>
-                </a:solidFill>
-                <a:highlight>
-                  <a:srgbClr val="FFFFFF"/>
-                </a:highlight>
-                <a:latin typeface="Cascadia Mono" panose="020B0609020000020004" pitchFamily="49" charset="0"/>
-              </a:rPr>
-              <a:t>dotnet publish</a:t>
-            </a:r>
-          </a:p>
-          <a:p>
-            <a:pPr marL="228600" indent="-228600">
+              <a:rPr lang="nl-BE" sz="800" i="1" dirty="0"/>
+              <a:t>Go to the AOT folder and start it: dotnet .\OptionValidation.dll --urls https://localhost:7030</a:t>
+            </a:r>
+          </a:p>
+          <a:p>
+            <a:pPr marL="220668" indent="-220668">
               <a:buFont typeface="+mj-lt"/>
               <a:buAutoNum type="arabicPeriod"/>
             </a:pPr>
             <a:r>
-              <a:rPr lang="nl-BE" sz="1800" b="0" dirty="0">
-                <a:solidFill>
-                  <a:srgbClr val="008000"/>
-                </a:solidFill>
-                <a:highlight>
-                  <a:srgbClr val="FFFFFF"/>
-                </a:highlight>
-                <a:latin typeface="Cascadia Mono" panose="020B0609020000020004" pitchFamily="49" charset="0"/>
-              </a:rPr>
-              <a:t>Go to the AOT folder and start it: dotnet .\OptionValidation.dll --urls https://localhost:7030</a:t>
-            </a:r>
-          </a:p>
-          <a:p>
-            <a:pPr marL="228600" indent="-228600">
+              <a:rPr lang="nl-BE" sz="800" i="1" dirty="0"/>
+              <a:t>Go to the release folder and start it: dotnet .\OptionValidation.dll --urls https://localhost:7030</a:t>
+            </a:r>
+          </a:p>
+          <a:p>
+            <a:pPr marL="220668" indent="-220668">
               <a:buFont typeface="+mj-lt"/>
               <a:buAutoNum type="arabicPeriod"/>
             </a:pPr>
             <a:r>
-              <a:rPr lang="nl-BE" sz="1800" b="0" dirty="0">
-                <a:solidFill>
-                  <a:srgbClr val="008000"/>
-                </a:solidFill>
-                <a:highlight>
-                  <a:srgbClr val="FFFFFF"/>
-                </a:highlight>
-                <a:latin typeface="Cascadia Mono" panose="020B0609020000020004" pitchFamily="49" charset="0"/>
-              </a:rPr>
-              <a:t>Go to the release folder and start it: dotnet .\OptionValidation.dll --urls https://localhost:7030</a:t>
-            </a:r>
-            <a:endParaRPr lang="nl-BE" sz="1800" b="1" dirty="0">
-              <a:solidFill>
-                <a:srgbClr val="008000"/>
-              </a:solidFill>
-              <a:highlight>
-                <a:srgbClr val="FFFFFF"/>
-              </a:highlight>
-              <a:latin typeface="Cascadia Mono" panose="020B0609020000020004" pitchFamily="49" charset="0"/>
-            </a:endParaRPr>
-          </a:p>
-          <a:p>
-            <a:endParaRPr lang="en-US" sz="1800" b="1" noProof="0" dirty="0">
-              <a:solidFill>
-                <a:srgbClr val="000000"/>
-              </a:solidFill>
-              <a:latin typeface="Cascadia Mono" panose="020B0609020000020004" pitchFamily="49" charset="0"/>
-            </a:endParaRPr>
-          </a:p>
-          <a:p>
-            <a:r>
-              <a:rPr lang="en-US" sz="1800" b="0" noProof="0" dirty="0">
-                <a:solidFill>
-                  <a:srgbClr val="000000"/>
-                </a:solidFill>
-                <a:latin typeface="Cascadia Mono" panose="020B0609020000020004" pitchFamily="49" charset="0"/>
-              </a:rPr>
+              <a:rPr lang="en-US" sz="800" dirty="0"/>
               <a:t>If you lost me this code will become available on my </a:t>
             </a:r>
             <a:r>
-              <a:rPr lang="en-US" sz="1800" b="0" noProof="0" dirty="0" err="1">
-                <a:solidFill>
-                  <a:srgbClr val="000000"/>
-                </a:solidFill>
-                <a:latin typeface="Cascadia Mono" panose="020B0609020000020004" pitchFamily="49" charset="0"/>
-              </a:rPr>
+              <a:rPr lang="en-US" sz="800" dirty="0" err="1"/>
               <a:t>github</a:t>
             </a:r>
             <a:r>
-              <a:rPr lang="en-US" sz="1800" b="0" noProof="0" dirty="0">
-                <a:solidFill>
-                  <a:srgbClr val="000000"/>
-                </a:solidFill>
-                <a:latin typeface="Cascadia Mono" panose="020B0609020000020004" pitchFamily="49" charset="0"/>
-              </a:rPr>
+              <a:rPr lang="en-US" sz="800" dirty="0"/>
               <a:t> so don’t worry about it.</a:t>
             </a:r>
           </a:p>
           <a:p>
-            <a:r>
-              <a:rPr lang="en-US" sz="1800" b="0" noProof="0" dirty="0">
-                <a:solidFill>
-                  <a:srgbClr val="000000"/>
-                </a:solidFill>
-                <a:latin typeface="Cascadia Mono" panose="020B0609020000020004" pitchFamily="49" charset="0"/>
-              </a:rPr>
+            <a:pPr marL="220668" indent="-220668">
+              <a:buFont typeface="+mj-lt"/>
+              <a:buAutoNum type="arabicPeriod"/>
+            </a:pPr>
+            <a:r>
+              <a:rPr lang="en-US" sz="800" dirty="0"/>
               <a:t>This concludes the optimization of the validation with the source generation part. But this code also has another angle.</a:t>
             </a:r>
           </a:p>
           <a:p>
-            <a:endParaRPr lang="en-US" sz="1800" b="0" noProof="0" dirty="0">
-              <a:solidFill>
-                <a:srgbClr val="000000"/>
-              </a:solidFill>
-              <a:latin typeface="Cascadia Mono" panose="020B0609020000020004" pitchFamily="49" charset="0"/>
-            </a:endParaRPr>
-          </a:p>
-          <a:p>
-            <a:r>
-              <a:rPr lang="en-US" sz="1800" b="0" noProof="0" dirty="0">
-                <a:solidFill>
-                  <a:srgbClr val="000000"/>
-                </a:solidFill>
-                <a:latin typeface="Cascadia Mono" panose="020B0609020000020004" pitchFamily="49" charset="0"/>
-              </a:rPr>
+            <a:pPr marL="220668" indent="-220668">
+              <a:buFont typeface="+mj-lt"/>
+              <a:buAutoNum type="arabicPeriod"/>
+            </a:pPr>
+            <a:r>
+              <a:rPr lang="en-US" sz="800" dirty="0"/>
               <a:t>First demonstrate the first 3 with the default value, then show the named options and reveal the “” case.</a:t>
             </a:r>
           </a:p>
           <a:p>
-            <a:endParaRPr lang="en-US" sz="1800" b="0" noProof="0" dirty="0">
-              <a:solidFill>
-                <a:srgbClr val="000000"/>
-              </a:solidFill>
-              <a:latin typeface="Cascadia Mono" panose="020B0609020000020004" pitchFamily="49" charset="0"/>
-            </a:endParaRPr>
-          </a:p>
-          <a:p>
-            <a:r>
-              <a:rPr lang="en-US" sz="1800" b="1" noProof="0" dirty="0">
-                <a:solidFill>
-                  <a:srgbClr val="000000"/>
-                </a:solidFill>
-                <a:latin typeface="Cascadia Mono" panose="020B0609020000020004" pitchFamily="49" charset="0"/>
-              </a:rPr>
+            <a:pPr marL="220668" indent="-220668">
+              <a:buFont typeface="+mj-lt"/>
+              <a:buAutoNum type="arabicPeriod"/>
+            </a:pPr>
+            <a:r>
+              <a:rPr lang="en-US" sz="800" b="1" dirty="0"/>
               <a:t>Does anyone know what will happen when we launch the Get(“X”) call?</a:t>
             </a:r>
           </a:p>
           <a:p>
-            <a:endParaRPr lang="en-US" sz="1800" b="1" noProof="0" dirty="0">
-              <a:solidFill>
-                <a:srgbClr val="000000"/>
-              </a:solidFill>
-              <a:latin typeface="Cascadia Mono" panose="020B0609020000020004" pitchFamily="49" charset="0"/>
-            </a:endParaRPr>
-          </a:p>
-          <a:p>
-            <a:r>
-              <a:rPr lang="en-US" sz="1800" noProof="0" dirty="0"/>
-              <a:t>For the validation pay attention that this will also be applied for the unnamed and named options.</a:t>
-            </a:r>
-          </a:p>
-          <a:p>
-            <a:r>
-              <a:rPr lang="en-US" sz="1800" noProof="0" dirty="0"/>
+            <a:pPr marL="220668" indent="-220668">
+              <a:buFont typeface="+mj-lt"/>
+              <a:buAutoNum type="arabicPeriod"/>
+            </a:pPr>
+            <a:r>
+              <a:rPr lang="en-US" sz="800" dirty="0"/>
+              <a:t>For the validation pay attention as it will also be applied for the unnamed and named options.</a:t>
+            </a:r>
+          </a:p>
+          <a:p>
+            <a:pPr marL="220668" indent="-220668">
+              <a:buFont typeface="+mj-lt"/>
+              <a:buAutoNum type="arabicPeriod"/>
+            </a:pPr>
+            <a:r>
+              <a:rPr lang="en-US" sz="800" dirty="0"/>
               <a:t>Meaning if you register only named options but when you request an </a:t>
             </a:r>
             <a:r>
-              <a:rPr lang="en-US" sz="1800" noProof="0" dirty="0" err="1"/>
+              <a:rPr lang="en-US" sz="800" dirty="0" err="1"/>
               <a:t>IOption</a:t>
             </a:r>
             <a:r>
-              <a:rPr lang="en-US" sz="1800" noProof="0" dirty="0"/>
+              <a:rPr lang="en-US" sz="800" dirty="0"/>
               <a:t>&lt;T&gt; it will resolve a default options and apply the validation upon. If this validation can’t pass by default, then you will still face a runtime failure.</a:t>
             </a:r>
           </a:p>
           <a:p>
-            <a:endParaRPr lang="en-US" sz="1800" b="1" noProof="0" dirty="0">
-              <a:solidFill>
-                <a:srgbClr val="000000"/>
-              </a:solidFill>
-              <a:latin typeface="Cascadia Mono" panose="020B0609020000020004" pitchFamily="49" charset="0"/>
-            </a:endParaRPr>
-          </a:p>
-          <a:p>
-            <a:pPr marL="0" marR="0" lvl="0" indent="0" algn="l" defTabSz="914400" rtl="0" eaLnBrk="1" fontAlgn="auto" latinLnBrk="0" hangingPunct="1">
-              <a:lnSpc>
-                <a:spcPct val="100000"/>
-              </a:lnSpc>
-              <a:spcBef>
-                <a:spcPts val="0"/>
-              </a:spcBef>
-              <a:spcAft>
-                <a:spcPts val="0"/>
-              </a:spcAft>
-              <a:buClrTx/>
-              <a:buSzTx/>
-              <a:buFontTx/>
-              <a:buNone/>
-              <a:tabLst/>
+            <a:pPr marL="220668" indent="-220668">
+              <a:buFont typeface="+mj-lt"/>
+              <a:buAutoNum type="arabicPeriod"/>
+            </a:pPr>
+            <a:endParaRPr lang="en-US" sz="800" dirty="0"/>
+          </a:p>
+          <a:p>
+            <a:pPr marL="220668" indent="-220668">
+              <a:buFont typeface="+mj-lt"/>
+              <a:buAutoNum type="arabicPeriod"/>
               <a:defRPr/>
             </a:pPr>
             <a:r>
-              <a:rPr lang="en-US" sz="1800" b="1" noProof="0" dirty="0">
-                <a:solidFill>
-                  <a:srgbClr val="000000"/>
-                </a:solidFill>
-                <a:latin typeface="Cascadia Mono" panose="020B0609020000020004" pitchFamily="49" charset="0"/>
-              </a:rPr>
+              <a:rPr lang="en-US" sz="800" dirty="0"/>
               <a:t>Does anyone know what will happen when we launch the Get(“”) call?</a:t>
             </a:r>
           </a:p>
           <a:p>
-            <a:r>
-              <a:rPr lang="en-US" sz="1800" b="0" noProof="0" dirty="0">
-                <a:solidFill>
-                  <a:srgbClr val="000000"/>
-                </a:solidFill>
-                <a:latin typeface="Cascadia Mono" panose="020B0609020000020004" pitchFamily="49" charset="0"/>
-              </a:rPr>
+            <a:pPr marL="220668" indent="-220668">
+              <a:buFont typeface="+mj-lt"/>
+              <a:buAutoNum type="arabicPeriod"/>
+            </a:pPr>
+            <a:r>
+              <a:rPr lang="en-US" sz="800" dirty="0"/>
               <a:t>Now make the </a:t>
             </a:r>
             <a:r>
-              <a:rPr lang="en-US" sz="1800" b="0" noProof="0" dirty="0" err="1">
-                <a:solidFill>
-                  <a:srgbClr val="000000"/>
-                </a:solidFill>
-                <a:latin typeface="Cascadia Mono" panose="020B0609020000020004" pitchFamily="49" charset="0"/>
-              </a:rPr>
+              <a:rPr lang="en-US" sz="800" dirty="0" err="1"/>
               <a:t>AddOptions</a:t>
             </a:r>
             <a:r>
-              <a:rPr lang="en-US" sz="1800" b="0" noProof="0" dirty="0">
-                <a:solidFill>
-                  <a:srgbClr val="000000"/>
-                </a:solidFill>
-                <a:latin typeface="Cascadia Mono" panose="020B0609020000020004" pitchFamily="49" charset="0"/>
-              </a:rPr>
+              <a:rPr lang="en-US" sz="800" dirty="0"/>
               <a:t> a named “X” and show the difference highlighting a thing which still needs some attention although you configured validation on startup.</a:t>
             </a:r>
           </a:p>
           <a:p>
-            <a:endParaRPr lang="en-US" sz="1800" noProof="0" dirty="0"/>
-          </a:p>
-          <a:p>
-            <a:r>
-              <a:rPr lang="en-US" sz="1800" noProof="0" dirty="0"/>
+            <a:pPr marL="220668" indent="-220668">
+              <a:buFont typeface="+mj-lt"/>
+              <a:buAutoNum type="arabicPeriod"/>
+            </a:pPr>
+            <a:endParaRPr lang="en-US" sz="800" dirty="0"/>
+          </a:p>
+          <a:p>
+            <a:pPr marL="220668" indent="-220668">
+              <a:buFont typeface="+mj-lt"/>
+              <a:buAutoNum type="arabicPeriod"/>
+            </a:pPr>
+            <a:r>
+              <a:rPr lang="en-US" sz="800" dirty="0"/>
               <a:t>When validation is set at startup time you will have the guarantee that the startup configuration was valid at that point in time for the registered options.</a:t>
             </a:r>
           </a:p>
           <a:p>
-            <a:r>
-              <a:rPr lang="en-US" sz="1800" noProof="0" dirty="0"/>
+            <a:pPr marL="220668" indent="-220668">
+              <a:buFont typeface="+mj-lt"/>
+              <a:buAutoNum type="arabicPeriod"/>
+            </a:pPr>
+            <a:r>
+              <a:rPr lang="en-US" sz="800" dirty="0"/>
               <a:t>Pay attention though if you would register named options only and request an unnamed it will try to honor the request and return a default option, if this can’t pass validation a runtime error will happen.</a:t>
             </a:r>
-            <a:endParaRPr lang="en-US" sz="1800" b="0" noProof="0" dirty="0">
-              <a:solidFill>
-                <a:srgbClr val="000000"/>
-              </a:solidFill>
-              <a:latin typeface="Cascadia Mono" panose="020B0609020000020004" pitchFamily="49" charset="0"/>
-            </a:endParaRPr>
-          </a:p>
-          <a:p>
-            <a:endParaRPr lang="en-US" b="0" noProof="0" dirty="0"/>
+            <a:br>
+              <a:rPr lang="en-US" sz="800" dirty="0"/>
+            </a:br>
+            <a:r>
+              <a:rPr lang="en-US" sz="800" dirty="0"/>
+              <a:t>This also applies for a monitored change and a snapshot.</a:t>
+            </a:r>
+          </a:p>
+          <a:p>
+            <a:endParaRPr lang="en-US" sz="800" dirty="0"/>
           </a:p>
         </p:txBody>
       </p:sp>
@@ -3899,7 +2993,15 @@
             <p:ph type="sldNum" sz="quarter" idx="5"/>
           </p:nvPr>
         </p:nvSpPr>
-        <p:spPr/>
+        <p:spPr>
+          <a:xfrm>
+            <a:off x="3884614" y="9598832"/>
+            <a:ext cx="2971800" cy="272169"/>
+          </a:xfrm>
+          <a:prstGeom prst="rect">
+            <a:avLst/>
+          </a:prstGeom>
+        </p:spPr>
         <p:txBody>
           <a:bodyPr/>
           <a:lstStyle/>
@@ -3953,7 +3055,15 @@
             <p:ph type="sldImg"/>
           </p:nvPr>
         </p:nvSpPr>
-        <p:spPr/>
+        <p:spPr>
+          <a:xfrm>
+            <a:off x="115888" y="388938"/>
+            <a:ext cx="6608762" cy="3717925"/>
+          </a:xfrm>
+          <a:prstGeom prst="rect">
+            <a:avLst/>
+          </a:prstGeom>
+        </p:spPr>
       </p:sp>
       <p:sp>
         <p:nvSpPr>
@@ -3965,7 +3075,15 @@
             <p:ph type="body" idx="1"/>
           </p:nvPr>
         </p:nvSpPr>
-        <p:spPr/>
+        <p:spPr>
+          <a:xfrm>
+            <a:off x="360001" y="4276938"/>
+            <a:ext cx="6120000" cy="5248969"/>
+          </a:xfrm>
+          <a:prstGeom prst="rect">
+            <a:avLst/>
+          </a:prstGeom>
+        </p:spPr>
         <p:txBody>
           <a:bodyPr/>
           <a:lstStyle/>
@@ -4026,16 +3144,11 @@
           <a:p>
             <a:r>
               <a:rPr lang="en-US" noProof="0" dirty="0"/>
-              <a:t>The same applies for the post configure.</a:t>
-            </a:r>
-          </a:p>
-          <a:p>
-            <a:endParaRPr lang="en-US" noProof="0" dirty="0"/>
-          </a:p>
-          <a:p>
-            <a:r>
-              <a:rPr lang="en-US" noProof="0" dirty="0"/>
-              <a:t>All the configure steps are done before the validation takes places, so if there is a common thing that will make your configuration valid this can be applied upfront.</a:t>
+              <a:t>The same applies for the post configure</a:t>
+            </a:r>
+            <a:r>
+              <a:rPr lang="en-US" dirty="0"/>
+              <a:t> which only commences when all configure steps have been done.</a:t>
             </a:r>
           </a:p>
           <a:p>
@@ -4063,6 +3176,18 @@
               <a:t> and Configure step, there is a distinct difference between named and unnamed, meaning if you configure one named it will only be applied for the named one. An unnamed one is only targeted by the one added without name.</a:t>
             </a:r>
           </a:p>
+          <a:p>
+            <a:endParaRPr lang="en-US" noProof="0" dirty="0"/>
+          </a:p>
+          <a:p>
+            <a:r>
+              <a:rPr lang="en-US" noProof="0" dirty="0"/>
+              <a:t>When all the configure steps are done only then the validation takes places, so if there is a common thing that will make your configuration valid this can be applied upfront.</a:t>
+            </a:r>
+          </a:p>
+          <a:p>
+            <a:endParaRPr lang="en-US" noProof="0" dirty="0"/>
+          </a:p>
         </p:txBody>
       </p:sp>
       <p:sp>
@@ -4075,7 +3200,15 @@
             <p:ph type="sldNum" sz="quarter" idx="5"/>
           </p:nvPr>
         </p:nvSpPr>
-        <p:spPr/>
+        <p:spPr>
+          <a:xfrm>
+            <a:off x="3884614" y="9598832"/>
+            <a:ext cx="2971800" cy="272169"/>
+          </a:xfrm>
+          <a:prstGeom prst="rect">
+            <a:avLst/>
+          </a:prstGeom>
+        </p:spPr>
         <p:txBody>
           <a:bodyPr/>
           <a:lstStyle/>
@@ -4129,7 +3262,15 @@
             <p:ph type="sldImg"/>
           </p:nvPr>
         </p:nvSpPr>
-        <p:spPr/>
+        <p:spPr>
+          <a:xfrm>
+            <a:off x="115888" y="388938"/>
+            <a:ext cx="6608762" cy="3717925"/>
+          </a:xfrm>
+          <a:prstGeom prst="rect">
+            <a:avLst/>
+          </a:prstGeom>
+        </p:spPr>
       </p:sp>
       <p:sp>
         <p:nvSpPr>
@@ -4141,7 +3282,15 @@
             <p:ph type="body" idx="1"/>
           </p:nvPr>
         </p:nvSpPr>
-        <p:spPr/>
+        <p:spPr>
+          <a:xfrm>
+            <a:off x="360001" y="4276938"/>
+            <a:ext cx="6120000" cy="5248969"/>
+          </a:xfrm>
+          <a:prstGeom prst="rect">
+            <a:avLst/>
+          </a:prstGeom>
+        </p:spPr>
         <p:txBody>
           <a:bodyPr/>
           <a:lstStyle/>
@@ -4186,8 +3335,8 @@
           </a:p>
           <a:p>
             <a:r>
-              <a:rPr lang="en-US" noProof="0" dirty="0"/>
-              <a:t>Hit the order monitor endpoint </a:t>
+              <a:rPr lang="en-US" b="1" noProof="0" dirty="0"/>
+              <a:t>Hit the monitor endpoint </a:t>
             </a:r>
             <a:r>
               <a:rPr lang="en-US" noProof="0" dirty="0">
@@ -4198,12 +3347,9 @@
             <a:endParaRPr lang="en-US" noProof="0" dirty="0"/>
           </a:p>
           <a:p>
-            <a:endParaRPr lang="en-US" noProof="0" dirty="0"/>
-          </a:p>
-          <a:p>
-            <a:r>
-              <a:rPr lang="en-US" noProof="0" dirty="0"/>
-              <a:t>Do the same for the snapshot endpoint </a:t>
+            <a:r>
+              <a:rPr lang="en-US" b="1" noProof="0" dirty="0"/>
+              <a:t>Hit the snapshot endpoint </a:t>
             </a:r>
             <a:r>
               <a:rPr lang="en-US" noProof="0" dirty="0">
@@ -4213,193 +3359,96 @@
             </a:r>
           </a:p>
           <a:p>
-            <a:endParaRPr lang="en-US" noProof="0" dirty="0">
+            <a:endParaRPr lang="en-US" dirty="0">
               <a:sym typeface="Wingdings" panose="05000000000000000000" pitchFamily="2" charset="2"/>
             </a:endParaRPr>
           </a:p>
           <a:p>
             <a:r>
-              <a:rPr lang="en-US" sz="1800" dirty="0">
-                <a:solidFill>
-                  <a:srgbClr val="000000"/>
-                </a:solidFill>
-                <a:latin typeface="Cascadia Mono" panose="020B0609020000020004" pitchFamily="49" charset="0"/>
-              </a:rPr>
+              <a:rPr lang="en-US" dirty="0"/>
               <a:t>With all this combined knowledge we can now go for the final thing and this one is what made me fond of this implementation.</a:t>
             </a:r>
           </a:p>
           <a:p>
             <a:r>
-              <a:rPr lang="en-US" sz="1800" dirty="0">
-                <a:solidFill>
-                  <a:srgbClr val="000000"/>
-                </a:solidFill>
-                <a:latin typeface="Cascadia Mono" panose="020B0609020000020004" pitchFamily="49" charset="0"/>
-              </a:rPr>
+              <a:rPr lang="en-US" dirty="0"/>
               <a:t>We will now load the previously configured monitored options and retrieve them into the </a:t>
             </a:r>
             <a:r>
-              <a:rPr lang="en-US" sz="1800" dirty="0" err="1">
-                <a:solidFill>
-                  <a:srgbClr val="000000"/>
-                </a:solidFill>
-                <a:latin typeface="Cascadia Mono" panose="020B0609020000020004" pitchFamily="49" charset="0"/>
-              </a:rPr>
+              <a:rPr lang="en-US" dirty="0" err="1"/>
               <a:t>FinalOptions</a:t>
             </a:r>
             <a:r>
-              <a:rPr lang="en-US" sz="1800" dirty="0">
-                <a:solidFill>
-                  <a:srgbClr val="000000"/>
-                </a:solidFill>
-                <a:latin typeface="Cascadia Mono" panose="020B0609020000020004" pitchFamily="49" charset="0"/>
-              </a:rPr>
+              <a:rPr lang="en-US" dirty="0"/>
               <a:t>.</a:t>
             </a:r>
           </a:p>
           <a:p>
-            <a:endParaRPr lang="en-US" sz="1800" dirty="0">
-              <a:solidFill>
-                <a:srgbClr val="000000"/>
-              </a:solidFill>
-              <a:latin typeface="Cascadia Mono" panose="020B0609020000020004" pitchFamily="49" charset="0"/>
-            </a:endParaRPr>
-          </a:p>
-          <a:p>
-            <a:endParaRPr lang="en-US" sz="1800" dirty="0">
-              <a:solidFill>
-                <a:srgbClr val="000000"/>
-              </a:solidFill>
-              <a:latin typeface="Cascadia Mono" panose="020B0609020000020004" pitchFamily="49" charset="0"/>
-            </a:endParaRPr>
-          </a:p>
-          <a:p>
-            <a:r>
-              <a:rPr lang="en-US" sz="1800" b="1" dirty="0">
-                <a:solidFill>
-                  <a:srgbClr val="000000"/>
-                </a:solidFill>
-                <a:latin typeface="Cascadia Mono" panose="020B0609020000020004" pitchFamily="49" charset="0"/>
-              </a:rPr>
-              <a:t>TODO: </a:t>
-            </a:r>
-            <a:r>
-              <a:rPr lang="en-US" sz="1800" dirty="0">
-                <a:solidFill>
-                  <a:srgbClr val="000000"/>
-                </a:solidFill>
-                <a:latin typeface="Cascadia Mono" panose="020B0609020000020004" pitchFamily="49" charset="0"/>
-              </a:rPr>
-              <a:t>Demonstrate a bad final options to show the load with a named (“bad”) and then the good one (“good”)</a:t>
-            </a:r>
-          </a:p>
-          <a:p>
-            <a:endParaRPr lang="en-US" sz="1800" dirty="0">
-              <a:solidFill>
-                <a:srgbClr val="000000"/>
-              </a:solidFill>
-              <a:latin typeface="Cascadia Mono" panose="020B0609020000020004" pitchFamily="49" charset="0"/>
-            </a:endParaRPr>
-          </a:p>
-          <a:p>
-            <a:endParaRPr lang="en-US" sz="1800" dirty="0">
-              <a:solidFill>
-                <a:srgbClr val="000000"/>
-              </a:solidFill>
-              <a:latin typeface="Cascadia Mono" panose="020B0609020000020004" pitchFamily="49" charset="0"/>
-            </a:endParaRPr>
-          </a:p>
-          <a:p>
-            <a:r>
-              <a:rPr lang="en-US" sz="1800" dirty="0">
-                <a:solidFill>
-                  <a:srgbClr val="000000"/>
-                </a:solidFill>
-                <a:latin typeface="Cascadia Mono" panose="020B0609020000020004" pitchFamily="49" charset="0"/>
-              </a:rPr>
-              <a:t>It is just a simple case where we create some options where each has a custom configure step, in this example they are all the same, but they could be different.</a:t>
-            </a:r>
-          </a:p>
-          <a:p>
-            <a:r>
-              <a:rPr lang="en-US" sz="1800" dirty="0">
-                <a:solidFill>
-                  <a:srgbClr val="000000"/>
-                </a:solidFill>
-                <a:latin typeface="Cascadia Mono" panose="020B0609020000020004" pitchFamily="49" charset="0"/>
-              </a:rPr>
+            <a:endParaRPr lang="en-US" dirty="0"/>
+          </a:p>
+          <a:p>
+            <a:r>
+              <a:rPr lang="en-US" dirty="0"/>
               <a:t>The </a:t>
             </a:r>
             <a:r>
-              <a:rPr lang="en-US" sz="1800" dirty="0" err="1">
-                <a:solidFill>
-                  <a:srgbClr val="000000"/>
-                </a:solidFill>
-                <a:latin typeface="Cascadia Mono" panose="020B0609020000020004" pitchFamily="49" charset="0"/>
-              </a:rPr>
+              <a:rPr lang="en-US" dirty="0" err="1"/>
               <a:t>finaloptions</a:t>
             </a:r>
             <a:r>
-              <a:rPr lang="en-US" sz="1800" dirty="0">
-                <a:solidFill>
-                  <a:srgbClr val="000000"/>
-                </a:solidFill>
-                <a:latin typeface="Cascadia Mono" panose="020B0609020000020004" pitchFamily="49" charset="0"/>
-              </a:rPr>
+              <a:rPr lang="en-US" dirty="0"/>
               <a:t> is picking up configuration as well and in its configuration phase where it is referencing the other options.</a:t>
             </a:r>
           </a:p>
           <a:p>
             <a:r>
-              <a:rPr lang="en-US" sz="1800" dirty="0">
-                <a:solidFill>
-                  <a:srgbClr val="000000"/>
-                </a:solidFill>
-                <a:latin typeface="Cascadia Mono" panose="020B0609020000020004" pitchFamily="49" charset="0"/>
-              </a:rPr>
+              <a:rPr lang="en-US" dirty="0"/>
               <a:t>So, this is not just an option created by an </a:t>
             </a:r>
             <a:r>
-              <a:rPr lang="en-US" sz="1800" dirty="0" err="1">
-                <a:solidFill>
-                  <a:srgbClr val="000000"/>
-                </a:solidFill>
-                <a:latin typeface="Cascadia Mono" panose="020B0609020000020004" pitchFamily="49" charset="0"/>
-              </a:rPr>
+              <a:rPr lang="en-US" dirty="0" err="1"/>
               <a:t>IConfiguration</a:t>
             </a:r>
             <a:r>
-              <a:rPr lang="en-US" sz="1800" dirty="0">
-                <a:solidFill>
-                  <a:srgbClr val="000000"/>
-                </a:solidFill>
-                <a:latin typeface="Cascadia Mono" panose="020B0609020000020004" pitchFamily="49" charset="0"/>
-              </a:rPr>
+              <a:rPr lang="en-US" dirty="0"/>
               <a:t>, it also requires some features specific from your DI container in so that it can resolve itself.</a:t>
             </a:r>
           </a:p>
           <a:p>
             <a:r>
-              <a:rPr lang="en-US" sz="1800" dirty="0">
-                <a:solidFill>
-                  <a:srgbClr val="000000"/>
-                </a:solidFill>
-                <a:latin typeface="Cascadia Mono" panose="020B0609020000020004" pitchFamily="49" charset="0"/>
-              </a:rPr>
-              <a:t>If you think this is an odd case out. We needed this for some health checks which depended upon the options of other options, but those had an additional configuration check which could only be resolved after data was injected via the pipeline.</a:t>
-            </a:r>
-          </a:p>
-          <a:p>
-            <a:r>
-              <a:rPr lang="en-US" sz="1800" dirty="0">
-                <a:solidFill>
-                  <a:srgbClr val="000000"/>
-                </a:solidFill>
-                <a:latin typeface="Cascadia Mono" panose="020B0609020000020004" pitchFamily="49" charset="0"/>
-              </a:rPr>
+              <a:rPr lang="en-US" dirty="0"/>
+              <a:t>If you think this is an odd case out. </a:t>
+            </a:r>
+            <a:r>
+              <a:rPr lang="en-US" b="1" dirty="0"/>
+              <a:t>We needed this for some health checks</a:t>
+            </a:r>
+            <a:r>
+              <a:rPr lang="en-US" dirty="0"/>
+              <a:t> which depended upon the options of other options, but those had an additional configuration check which could only be resolved after data was injected via the pipeline.</a:t>
+            </a:r>
+          </a:p>
+          <a:p>
+            <a:r>
+              <a:rPr lang="en-US" dirty="0"/>
               <a:t>We could have duplicated this logic in the in the final option. But it felt wrong as it was not the responsibility of the final options to correct one of its dependent options as this was also environment dependent.</a:t>
             </a:r>
           </a:p>
+          <a:p>
+            <a:endParaRPr lang="en-US" dirty="0"/>
+          </a:p>
+          <a:p>
+            <a:r>
+              <a:rPr lang="en-US" dirty="0"/>
+              <a:t>Demonstrate a bad final options to show the load with a named (“bad”) and then the good one (“”)</a:t>
+            </a:r>
+          </a:p>
+          <a:p>
+            <a:endParaRPr lang="en-US" dirty="0"/>
+          </a:p>
+          <a:p>
+            <a:endParaRPr lang="en-US" dirty="0"/>
+          </a:p>
         </p:txBody>
       </p:sp>
       <p:sp>
@@ -4412,7 +3461,15 @@
             <p:ph type="sldNum" sz="quarter" idx="5"/>
           </p:nvPr>
         </p:nvSpPr>
-        <p:spPr/>
+        <p:spPr>
+          <a:xfrm>
+            <a:off x="3884614" y="9598832"/>
+            <a:ext cx="2971800" cy="272169"/>
+          </a:xfrm>
+          <a:prstGeom prst="rect">
+            <a:avLst/>
+          </a:prstGeom>
+        </p:spPr>
         <p:txBody>
           <a:bodyPr/>
           <a:lstStyle/>
@@ -4466,7 +3523,15 @@
             <p:ph type="sldImg"/>
           </p:nvPr>
         </p:nvSpPr>
-        <p:spPr/>
+        <p:spPr>
+          <a:xfrm>
+            <a:off x="115888" y="388938"/>
+            <a:ext cx="6608762" cy="3717925"/>
+          </a:xfrm>
+          <a:prstGeom prst="rect">
+            <a:avLst/>
+          </a:prstGeom>
+        </p:spPr>
       </p:sp>
       <p:sp>
         <p:nvSpPr>
@@ -4478,7 +3543,15 @@
             <p:ph type="body" idx="1"/>
           </p:nvPr>
         </p:nvSpPr>
-        <p:spPr/>
+        <p:spPr>
+          <a:xfrm>
+            <a:off x="360001" y="4276938"/>
+            <a:ext cx="6120000" cy="5248969"/>
+          </a:xfrm>
+          <a:prstGeom prst="rect">
+            <a:avLst/>
+          </a:prstGeom>
+        </p:spPr>
         <p:txBody>
           <a:bodyPr/>
           <a:lstStyle/>
@@ -4497,13 +3570,8 @@
           <a:p>
             <a:r>
               <a:rPr lang="nl-BE" dirty="0"/>
-              <a:t>I guess that is enough about me, if you would like to know more catch me after the session and have </a:t>
-            </a:r>
-            <a:r>
-              <a:rPr lang="nl-BE"/>
-              <a:t>a chat or find me on linkedon.</a:t>
-            </a:r>
-            <a:endParaRPr lang="nl-BE" dirty="0"/>
+              <a:t>I guess that is enough about me, if you would like to know more catch me after the session and have a chat or find me on LinkedIn.</a:t>
+            </a:r>
           </a:p>
         </p:txBody>
       </p:sp>
@@ -4517,7 +3585,15 @@
             <p:ph type="sldNum" sz="quarter" idx="5"/>
           </p:nvPr>
         </p:nvSpPr>
-        <p:spPr/>
+        <p:spPr>
+          <a:xfrm>
+            <a:off x="3884614" y="9598832"/>
+            <a:ext cx="2971800" cy="272169"/>
+          </a:xfrm>
+          <a:prstGeom prst="rect">
+            <a:avLst/>
+          </a:prstGeom>
+        </p:spPr>
         <p:txBody>
           <a:bodyPr/>
           <a:lstStyle/>
@@ -4571,7 +3647,15 @@
             <p:ph type="sldImg"/>
           </p:nvPr>
         </p:nvSpPr>
-        <p:spPr/>
+        <p:spPr>
+          <a:xfrm>
+            <a:off x="115888" y="388938"/>
+            <a:ext cx="6608762" cy="3717925"/>
+          </a:xfrm>
+          <a:prstGeom prst="rect">
+            <a:avLst/>
+          </a:prstGeom>
+        </p:spPr>
       </p:sp>
       <p:sp>
         <p:nvSpPr>
@@ -4583,7 +3667,15 @@
             <p:ph type="body" idx="1"/>
           </p:nvPr>
         </p:nvSpPr>
-        <p:spPr/>
+        <p:spPr>
+          <a:xfrm>
+            <a:off x="360001" y="4276938"/>
+            <a:ext cx="6120000" cy="5248969"/>
+          </a:xfrm>
+          <a:prstGeom prst="rect">
+            <a:avLst/>
+          </a:prstGeom>
+        </p:spPr>
         <p:txBody>
           <a:bodyPr/>
           <a:lstStyle/>
@@ -4737,7 +3829,15 @@
             <p:ph type="sldNum" sz="quarter" idx="5"/>
           </p:nvPr>
         </p:nvSpPr>
-        <p:spPr/>
+        <p:spPr>
+          <a:xfrm>
+            <a:off x="3884614" y="9598832"/>
+            <a:ext cx="2971800" cy="272169"/>
+          </a:xfrm>
+          <a:prstGeom prst="rect">
+            <a:avLst/>
+          </a:prstGeom>
+        </p:spPr>
         <p:txBody>
           <a:bodyPr/>
           <a:lstStyle/>
@@ -4791,7 +3891,15 @@
             <p:ph type="sldImg"/>
           </p:nvPr>
         </p:nvSpPr>
-        <p:spPr/>
+        <p:spPr>
+          <a:xfrm>
+            <a:off x="115888" y="388938"/>
+            <a:ext cx="6608762" cy="3717925"/>
+          </a:xfrm>
+          <a:prstGeom prst="rect">
+            <a:avLst/>
+          </a:prstGeom>
+        </p:spPr>
       </p:sp>
       <p:sp>
         <p:nvSpPr>
@@ -4803,7 +3911,15 @@
             <p:ph type="body" idx="1"/>
           </p:nvPr>
         </p:nvSpPr>
-        <p:spPr/>
+        <p:spPr>
+          <a:xfrm>
+            <a:off x="360001" y="4276938"/>
+            <a:ext cx="6120000" cy="5248969"/>
+          </a:xfrm>
+          <a:prstGeom prst="rect">
+            <a:avLst/>
+          </a:prstGeom>
+        </p:spPr>
         <p:txBody>
           <a:bodyPr/>
           <a:lstStyle/>
@@ -4844,7 +3960,15 @@
             <p:ph type="sldNum" sz="quarter" idx="5"/>
           </p:nvPr>
         </p:nvSpPr>
-        <p:spPr/>
+        <p:spPr>
+          <a:xfrm>
+            <a:off x="3884614" y="9598832"/>
+            <a:ext cx="2971800" cy="272169"/>
+          </a:xfrm>
+          <a:prstGeom prst="rect">
+            <a:avLst/>
+          </a:prstGeom>
+        </p:spPr>
         <p:txBody>
           <a:bodyPr/>
           <a:lstStyle/>
@@ -4898,7 +4022,15 @@
             <p:ph type="sldImg"/>
           </p:nvPr>
         </p:nvSpPr>
-        <p:spPr/>
+        <p:spPr>
+          <a:xfrm>
+            <a:off x="115888" y="388938"/>
+            <a:ext cx="6608762" cy="3717925"/>
+          </a:xfrm>
+          <a:prstGeom prst="rect">
+            <a:avLst/>
+          </a:prstGeom>
+        </p:spPr>
       </p:sp>
       <p:sp>
         <p:nvSpPr>
@@ -4910,107 +4042,86 @@
             <p:ph type="body" idx="1"/>
           </p:nvPr>
         </p:nvSpPr>
-        <p:spPr/>
-        <p:txBody>
-          <a:bodyPr/>
-          <a:lstStyle/>
-          <a:p>
-            <a:r>
-              <a:rPr lang="en-US" sz="1800" dirty="0">
-                <a:effectLst/>
-                <a:latin typeface="Tahoma" panose="020B0604030504040204" pitchFamily="34" charset="0"/>
-                <a:ea typeface="Tahoma" panose="020B0604030504040204" pitchFamily="34" charset="0"/>
-                <a:cs typeface="Times New Roman" panose="02020603050405020304" pitchFamily="18" charset="0"/>
-              </a:rPr>
+        <p:spPr>
+          <a:xfrm>
+            <a:off x="360001" y="4276938"/>
+            <a:ext cx="6120000" cy="5248969"/>
+          </a:xfrm>
+          <a:prstGeom prst="rect">
+            <a:avLst/>
+          </a:prstGeom>
+        </p:spPr>
+        <p:txBody>
+          <a:bodyPr/>
+          <a:lstStyle/>
+          <a:p>
+            <a:r>
+              <a:rPr lang="en-US" dirty="0"/>
               <a:t>Before we begin, please raise your hand if you have worked with</a:t>
             </a:r>
           </a:p>
           <a:p>
-            <a:pPr marL="285750" indent="-285750">
+            <a:pPr marL="275834" indent="-275834">
               <a:buFont typeface="Arial" panose="020B0604020202020204" pitchFamily="34" charset="0"/>
               <a:buChar char="•"/>
             </a:pPr>
             <a:r>
-              <a:rPr lang="en-US" sz="1800" dirty="0" err="1">
-                <a:effectLst/>
-                <a:latin typeface="Tahoma" panose="020B0604030504040204" pitchFamily="34" charset="0"/>
-                <a:ea typeface="Tahoma" panose="020B0604030504040204" pitchFamily="34" charset="0"/>
-                <a:cs typeface="Times New Roman" panose="02020603050405020304" pitchFamily="18" charset="0"/>
-              </a:rPr>
-              <a:t>IConfiguration</a:t>
-            </a:r>
-            <a:endParaRPr lang="en-US" sz="1800" dirty="0">
-              <a:effectLst/>
-              <a:latin typeface="Tahoma" panose="020B0604030504040204" pitchFamily="34" charset="0"/>
-              <a:ea typeface="Tahoma" panose="020B0604030504040204" pitchFamily="34" charset="0"/>
-              <a:cs typeface="Times New Roman" panose="02020603050405020304" pitchFamily="18" charset="0"/>
-            </a:endParaRPr>
-          </a:p>
-          <a:p>
-            <a:pPr marL="285750" indent="-285750">
+              <a:rPr lang="en-US" dirty="0"/>
+              <a:t>DI Containers</a:t>
+            </a:r>
+          </a:p>
+          <a:p>
+            <a:pPr marL="275834" indent="-275834">
               <a:buFont typeface="Arial" panose="020B0604020202020204" pitchFamily="34" charset="0"/>
               <a:buChar char="•"/>
             </a:pPr>
             <a:r>
-              <a:rPr lang="en-US" sz="1800" dirty="0" err="1">
-                <a:effectLst/>
-                <a:latin typeface="Tahoma" panose="020B0604030504040204" pitchFamily="34" charset="0"/>
-                <a:ea typeface="Tahoma" panose="020B0604030504040204" pitchFamily="34" charset="0"/>
-                <a:cs typeface="Times New Roman" panose="02020603050405020304" pitchFamily="18" charset="0"/>
-              </a:rPr>
-              <a:t>IOptions</a:t>
-            </a:r>
-            <a:endParaRPr lang="en-US" sz="1800" dirty="0">
-              <a:effectLst/>
-              <a:latin typeface="Tahoma" panose="020B0604030504040204" pitchFamily="34" charset="0"/>
-              <a:ea typeface="Tahoma" panose="020B0604030504040204" pitchFamily="34" charset="0"/>
-              <a:cs typeface="Times New Roman" panose="02020603050405020304" pitchFamily="18" charset="0"/>
-            </a:endParaRPr>
-          </a:p>
-          <a:p>
-            <a:pPr marL="285750" indent="-285750">
+              <a:rPr lang="en-US" dirty="0" err="1"/>
+              <a:t>IConfiguration</a:t>
+            </a:r>
+            <a:endParaRPr lang="en-US" dirty="0"/>
+          </a:p>
+          <a:p>
+            <a:pPr marL="275834" indent="-275834">
               <a:buFont typeface="Arial" panose="020B0604020202020204" pitchFamily="34" charset="0"/>
               <a:buChar char="•"/>
             </a:pPr>
             <a:r>
-              <a:rPr lang="en-US" sz="1800" dirty="0">
-                <a:effectLst/>
-                <a:latin typeface="Tahoma" panose="020B0604030504040204" pitchFamily="34" charset="0"/>
-                <a:ea typeface="Tahoma" panose="020B0604030504040204" pitchFamily="34" charset="0"/>
-                <a:cs typeface="Times New Roman" panose="02020603050405020304" pitchFamily="18" charset="0"/>
-              </a:rPr>
-              <a:t>Both</a:t>
-            </a:r>
-          </a:p>
-          <a:p>
-            <a:pPr marL="501750" lvl="1" indent="-285750">
+              <a:rPr lang="en-US" dirty="0" err="1"/>
+              <a:t>IOptions</a:t>
+            </a:r>
+            <a:endParaRPr lang="en-US" dirty="0"/>
+          </a:p>
+          <a:p>
+            <a:pPr marL="275834" indent="-275834">
               <a:buFont typeface="Arial" panose="020B0604020202020204" pitchFamily="34" charset="0"/>
               <a:buChar char="•"/>
             </a:pPr>
             <a:r>
+              <a:rPr lang="en-US" dirty="0"/>
+              <a:t>Both</a:t>
+            </a:r>
+          </a:p>
+          <a:p>
+            <a:pPr marL="484339" lvl="1" indent="-275834">
+              <a:buFont typeface="Arial" panose="020B0604020202020204" pitchFamily="34" charset="0"/>
+              <a:buChar char="•"/>
+            </a:pPr>
+            <a:r>
               <a:rPr lang="nl-BE" dirty="0"/>
               <a:t>If many raise just mention that I can’t promise they learn a lot of knew things but I will try at least confirm the existing knowledge</a:t>
             </a:r>
           </a:p>
           <a:p>
-            <a:pPr marL="216000" lvl="1" indent="0">
-              <a:buFont typeface="Arial" panose="020B0604020202020204" pitchFamily="34" charset="0"/>
+            <a:pPr marL="208505" lvl="1" indent="0">
               <a:buNone/>
             </a:pPr>
             <a:endParaRPr lang="nl-BE" dirty="0"/>
           </a:p>
           <a:p>
-            <a:pPr marL="216000" lvl="1" indent="0">
-              <a:buFont typeface="Arial" panose="020B0604020202020204" pitchFamily="34" charset="0"/>
+            <a:pPr marL="208505" lvl="1" indent="0">
               <a:buNone/>
             </a:pPr>
-            <a:endParaRPr lang="nl-BE" dirty="0"/>
-          </a:p>
-          <a:p>
-            <a:pPr marL="216000" lvl="1" indent="0">
-              <a:buFont typeface="Arial" panose="020B0604020202020204" pitchFamily="34" charset="0"/>
-              <a:buNone/>
-            </a:pPr>
             <a:r>
               <a:rPr lang="nl-BE" dirty="0"/>
               <a:t>If you don’t understand a thing or have a question please don’t wait until the end as the session will continuously build upon further. So if I lose me you’ll most likely be lost for the remainder of the session.</a:t>
@@ -5028,7 +4139,15 @@
             <p:ph type="sldNum" sz="quarter" idx="5"/>
           </p:nvPr>
         </p:nvSpPr>
-        <p:spPr/>
+        <p:spPr>
+          <a:xfrm>
+            <a:off x="3884614" y="9598832"/>
+            <a:ext cx="2971800" cy="272169"/>
+          </a:xfrm>
+          <a:prstGeom prst="rect">
+            <a:avLst/>
+          </a:prstGeom>
+        </p:spPr>
         <p:txBody>
           <a:bodyPr/>
           <a:lstStyle/>
@@ -5082,7 +4201,15 @@
             <p:ph type="sldImg"/>
           </p:nvPr>
         </p:nvSpPr>
-        <p:spPr/>
+        <p:spPr>
+          <a:xfrm>
+            <a:off x="115888" y="388938"/>
+            <a:ext cx="6608762" cy="3717925"/>
+          </a:xfrm>
+          <a:prstGeom prst="rect">
+            <a:avLst/>
+          </a:prstGeom>
+        </p:spPr>
       </p:sp>
       <p:sp>
         <p:nvSpPr>
@@ -5094,7 +4221,15 @@
             <p:ph type="body" idx="1"/>
           </p:nvPr>
         </p:nvSpPr>
-        <p:spPr/>
+        <p:spPr>
+          <a:xfrm>
+            <a:off x="360001" y="4276938"/>
+            <a:ext cx="6120000" cy="5248969"/>
+          </a:xfrm>
+          <a:prstGeom prst="rect">
+            <a:avLst/>
+          </a:prstGeom>
+        </p:spPr>
         <p:txBody>
           <a:bodyPr/>
           <a:lstStyle/>
@@ -5503,7 +4638,37 @@
             </a:r>
             <a:r>
               <a:rPr lang="de-DE" dirty="0" err="1"/>
-              <a:t>that</a:t>
+              <a:t>this</a:t>
+            </a:r>
+            <a:r>
+              <a:rPr lang="de-DE" dirty="0"/>
+              <a:t> was in </a:t>
+            </a:r>
+            <a:r>
+              <a:rPr lang="de-DE" dirty="0" err="1"/>
+              <a:t>there</a:t>
+            </a:r>
+            <a:r>
+              <a:rPr lang="de-DE" dirty="0"/>
+              <a:t> all </a:t>
+            </a:r>
+            <a:r>
+              <a:rPr lang="de-DE" dirty="0" err="1"/>
+              <a:t>along</a:t>
+            </a:r>
+            <a:r>
+              <a:rPr lang="de-DE" dirty="0"/>
+              <a:t>.</a:t>
+            </a:r>
+          </a:p>
+          <a:p>
+            <a:r>
+              <a:rPr lang="de-DE" dirty="0"/>
+              <a:t>But </a:t>
+            </a:r>
+            <a:r>
+              <a:rPr lang="de-DE" dirty="0" err="1"/>
+              <a:t>it</a:t>
             </a:r>
             <a:r>
               <a:rPr lang="de-DE" dirty="0"/>
@@ -5511,15 +4676,7 @@
             </a:r>
             <a:r>
               <a:rPr lang="de-DE" dirty="0" err="1"/>
-              <a:t>this</a:t>
-            </a:r>
-            <a:r>
-              <a:rPr lang="de-DE" dirty="0"/>
-              <a:t> was in </a:t>
-            </a:r>
-            <a:r>
-              <a:rPr lang="de-DE" dirty="0" err="1"/>
-              <a:t>there</a:t>
+              <a:t>helped</a:t>
             </a:r>
             <a:r>
               <a:rPr lang="de-DE" dirty="0"/>
@@ -5527,7 +4684,7 @@
             </a:r>
             <a:r>
               <a:rPr lang="de-DE" dirty="0" err="1"/>
-              <a:t>for</a:t>
+              <a:t>our</a:t>
             </a:r>
             <a:r>
               <a:rPr lang="de-DE" dirty="0"/>
@@ -5535,15 +4692,87 @@
             </a:r>
             <a:r>
               <a:rPr lang="de-DE" dirty="0" err="1"/>
-              <a:t>free</a:t>
+              <a:t>team</a:t>
             </a:r>
             <a:r>
               <a:rPr lang="de-DE" dirty="0"/>
-              <a:t> all </a:t>
+              <a:t> </a:t>
             </a:r>
             <a:r>
               <a:rPr lang="de-DE" dirty="0" err="1"/>
-              <a:t>along</a:t>
+              <a:t>solving</a:t>
+            </a:r>
+            <a:r>
+              <a:rPr lang="de-DE" dirty="0"/>
+              <a:t> </a:t>
+            </a:r>
+            <a:r>
+              <a:rPr lang="de-DE" dirty="0" err="1"/>
+              <a:t>complex</a:t>
+            </a:r>
+            <a:r>
+              <a:rPr lang="de-DE" dirty="0"/>
+              <a:t> </a:t>
+            </a:r>
+            <a:r>
+              <a:rPr lang="de-DE" dirty="0" err="1"/>
+              <a:t>configurations</a:t>
+            </a:r>
+            <a:r>
+              <a:rPr lang="de-DE" dirty="0"/>
+              <a:t> in an easy </a:t>
+            </a:r>
+            <a:r>
+              <a:rPr lang="de-DE" dirty="0" err="1"/>
+              <a:t>to</a:t>
+            </a:r>
+            <a:r>
+              <a:rPr lang="de-DE" dirty="0"/>
+              <a:t> </a:t>
+            </a:r>
+            <a:r>
+              <a:rPr lang="de-DE" dirty="0" err="1"/>
+              <a:t>grasph</a:t>
+            </a:r>
+            <a:r>
+              <a:rPr lang="de-DE" dirty="0"/>
+              <a:t> </a:t>
+            </a:r>
+            <a:r>
+              <a:rPr lang="de-DE" dirty="0" err="1"/>
+              <a:t>fashion</a:t>
+            </a:r>
+            <a:r>
+              <a:rPr lang="de-DE" dirty="0"/>
+              <a:t> and </a:t>
+            </a:r>
+            <a:r>
+              <a:rPr lang="de-DE" dirty="0" err="1"/>
+              <a:t>adhering</a:t>
+            </a:r>
+            <a:r>
+              <a:rPr lang="de-DE" dirty="0"/>
+              <a:t> </a:t>
+            </a:r>
+            <a:r>
+              <a:rPr lang="de-DE" dirty="0" err="1"/>
+              <a:t>to</a:t>
+            </a:r>
+            <a:r>
+              <a:rPr lang="de-DE" dirty="0"/>
+              <a:t> </a:t>
+            </a:r>
+            <a:r>
+              <a:rPr lang="de-DE" dirty="0" err="1"/>
+              <a:t>the</a:t>
+            </a:r>
+            <a:r>
+              <a:rPr lang="de-DE" dirty="0"/>
+              <a:t> DRY </a:t>
+            </a:r>
+            <a:r>
+              <a:rPr lang="de-DE" dirty="0" err="1"/>
+              <a:t>principles</a:t>
             </a:r>
             <a:r>
               <a:rPr lang="de-DE" dirty="0"/>
@@ -5551,193 +4780,75 @@
             </a:r>
           </a:p>
           <a:p>
-            <a:r>
-              <a:rPr lang="de-DE" dirty="0"/>
-              <a:t>But </a:t>
-            </a:r>
-            <a:r>
-              <a:rPr lang="de-DE" dirty="0" err="1"/>
-              <a:t>it</a:t>
-            </a:r>
-            <a:r>
-              <a:rPr lang="de-DE" dirty="0"/>
+            <a:endParaRPr lang="de-DE" dirty="0"/>
+          </a:p>
+          <a:p>
+            <a:r>
+              <a:rPr lang="de-DE" b="1" dirty="0"/>
+              <a:t>I </a:t>
+            </a:r>
+            <a:r>
+              <a:rPr lang="de-DE" b="1" dirty="0" err="1"/>
+              <a:t>got</a:t>
+            </a:r>
+            <a:r>
+              <a:rPr lang="de-DE" b="1" dirty="0"/>
               <a:t> </a:t>
             </a:r>
             <a:r>
-              <a:rPr lang="de-DE" dirty="0" err="1"/>
-              <a:t>helped</a:t>
-            </a:r>
-            <a:r>
-              <a:rPr lang="de-DE" dirty="0"/>
+              <a:rPr lang="de-DE" b="1" dirty="0" err="1"/>
+              <a:t>your</a:t>
+            </a:r>
+            <a:r>
+              <a:rPr lang="de-DE" b="1" dirty="0"/>
               <a:t> </a:t>
             </a:r>
             <a:r>
-              <a:rPr lang="de-DE" dirty="0" err="1"/>
-              <a:t>our</a:t>
-            </a:r>
-            <a:r>
-              <a:rPr lang="de-DE" dirty="0"/>
+              <a:rPr lang="de-DE" b="1" dirty="0" err="1"/>
+              <a:t>attention</a:t>
+            </a:r>
+            <a:r>
+              <a:rPr lang="de-DE" b="1" dirty="0"/>
               <a:t> </a:t>
             </a:r>
             <a:r>
-              <a:rPr lang="de-DE" dirty="0" err="1"/>
-              <a:t>team</a:t>
-            </a:r>
-            <a:r>
-              <a:rPr lang="de-DE" dirty="0"/>
+              <a:rPr lang="de-DE" b="1" dirty="0" err="1"/>
+              <a:t>with</a:t>
+            </a:r>
+            <a:r>
+              <a:rPr lang="de-DE" b="1" dirty="0"/>
               <a:t> </a:t>
             </a:r>
             <a:r>
-              <a:rPr lang="de-DE" dirty="0" err="1"/>
-              <a:t>solving</a:t>
-            </a:r>
-            <a:r>
-              <a:rPr lang="de-DE" dirty="0"/>
+              <a:rPr lang="de-DE" b="1" dirty="0" err="1"/>
+              <a:t>this</a:t>
+            </a:r>
+            <a:r>
+              <a:rPr lang="de-DE" b="1" dirty="0"/>
               <a:t> </a:t>
             </a:r>
             <a:r>
-              <a:rPr lang="de-DE" dirty="0" err="1"/>
-              <a:t>complex</a:t>
-            </a:r>
-            <a:r>
-              <a:rPr lang="de-DE" dirty="0"/>
-              <a:t> </a:t>
-            </a:r>
-            <a:r>
-              <a:rPr lang="de-DE" dirty="0" err="1"/>
-              <a:t>configurations</a:t>
-            </a:r>
-            <a:r>
-              <a:rPr lang="de-DE" dirty="0"/>
-              <a:t> in an easy </a:t>
-            </a:r>
-            <a:r>
-              <a:rPr lang="de-DE" dirty="0" err="1"/>
-              <a:t>to</a:t>
-            </a:r>
-            <a:r>
-              <a:rPr lang="de-DE" dirty="0"/>
-              <a:t> </a:t>
-            </a:r>
-            <a:r>
-              <a:rPr lang="de-DE" dirty="0" err="1"/>
-              <a:t>grasph</a:t>
-            </a:r>
-            <a:r>
-              <a:rPr lang="de-DE" dirty="0"/>
-              <a:t> </a:t>
-            </a:r>
-            <a:r>
-              <a:rPr lang="de-DE" dirty="0" err="1"/>
-              <a:t>fashion</a:t>
-            </a:r>
-            <a:r>
-              <a:rPr lang="de-DE" dirty="0"/>
-              <a:t> and </a:t>
-            </a:r>
-            <a:r>
-              <a:rPr lang="de-DE" dirty="0" err="1"/>
-              <a:t>adhering</a:t>
-            </a:r>
-            <a:r>
-              <a:rPr lang="de-DE" dirty="0"/>
-              <a:t> </a:t>
-            </a:r>
-            <a:r>
-              <a:rPr lang="de-DE" dirty="0" err="1"/>
-              <a:t>to</a:t>
-            </a:r>
-            <a:r>
-              <a:rPr lang="de-DE" dirty="0"/>
-              <a:t> </a:t>
-            </a:r>
-            <a:r>
-              <a:rPr lang="de-DE" dirty="0" err="1"/>
-              <a:t>the</a:t>
-            </a:r>
-            <a:r>
-              <a:rPr lang="de-DE" dirty="0"/>
-              <a:t> DRY </a:t>
-            </a:r>
-            <a:r>
-              <a:rPr lang="de-DE" dirty="0" err="1"/>
-              <a:t>principles</a:t>
-            </a:r>
-            <a:r>
-              <a:rPr lang="de-DE" dirty="0"/>
-              <a:t>.</a:t>
-            </a:r>
-          </a:p>
-          <a:p>
-            <a:endParaRPr lang="de-DE" dirty="0"/>
-          </a:p>
-          <a:p>
-            <a:r>
-              <a:rPr lang="de-DE" dirty="0"/>
-              <a:t>I </a:t>
-            </a:r>
-            <a:r>
-              <a:rPr lang="de-DE" dirty="0" err="1"/>
-              <a:t>got</a:t>
-            </a:r>
-            <a:r>
-              <a:rPr lang="de-DE" dirty="0"/>
-              <a:t> </a:t>
-            </a:r>
-            <a:r>
-              <a:rPr lang="de-DE" dirty="0" err="1"/>
-              <a:t>your</a:t>
-            </a:r>
-            <a:r>
-              <a:rPr lang="de-DE" dirty="0"/>
-              <a:t> </a:t>
-            </a:r>
-            <a:r>
-              <a:rPr lang="de-DE" dirty="0" err="1"/>
-              <a:t>attention</a:t>
-            </a:r>
-            <a:r>
-              <a:rPr lang="de-DE" dirty="0"/>
-              <a:t> </a:t>
-            </a:r>
-            <a:r>
-              <a:rPr lang="de-DE" dirty="0" err="1"/>
-              <a:t>with</a:t>
-            </a:r>
-            <a:r>
-              <a:rPr lang="de-DE" dirty="0"/>
-              <a:t> </a:t>
-            </a:r>
-            <a:r>
-              <a:rPr lang="de-DE" dirty="0" err="1"/>
-              <a:t>this</a:t>
-            </a:r>
-            <a:r>
-              <a:rPr lang="de-DE" dirty="0"/>
-              <a:t> </a:t>
-            </a:r>
-            <a:r>
-              <a:rPr lang="de-DE" dirty="0" err="1"/>
+              <a:rPr lang="de-DE" b="1" dirty="0" err="1"/>
               <a:t>statement</a:t>
             </a:r>
             <a:r>
-              <a:rPr lang="de-DE" dirty="0"/>
+              <a:rPr lang="de-DE" b="1" dirty="0"/>
               <a:t> I </a:t>
             </a:r>
             <a:r>
-              <a:rPr lang="de-DE" dirty="0" err="1"/>
+              <a:rPr lang="de-DE" b="1" dirty="0" err="1"/>
               <a:t>hope</a:t>
             </a:r>
             <a:r>
-              <a:rPr lang="de-DE" dirty="0"/>
+              <a:rPr lang="de-DE" b="1" dirty="0"/>
               <a:t>? </a:t>
             </a:r>
             <a:r>
-              <a:rPr lang="de-DE" dirty="0" err="1"/>
+              <a:rPr lang="de-DE" b="1" dirty="0" err="1"/>
               <a:t>yes</a:t>
             </a:r>
             <a:r>
-              <a:rPr lang="de-DE" dirty="0"/>
+              <a:rPr lang="de-DE" b="1" dirty="0"/>
               <a:t>?</a:t>
             </a:r>
           </a:p>
@@ -5756,7 +4867,15 @@
             <p:ph type="sldNum" sz="quarter" idx="5"/>
           </p:nvPr>
         </p:nvSpPr>
-        <p:spPr/>
+        <p:spPr>
+          <a:xfrm>
+            <a:off x="3884614" y="9598832"/>
+            <a:ext cx="2971800" cy="272169"/>
+          </a:xfrm>
+          <a:prstGeom prst="rect">
+            <a:avLst/>
+          </a:prstGeom>
+        </p:spPr>
         <p:txBody>
           <a:bodyPr/>
           <a:lstStyle/>
@@ -5810,7 +4929,15 @@
             <p:ph type="sldImg"/>
           </p:nvPr>
         </p:nvSpPr>
-        <p:spPr/>
+        <p:spPr>
+          <a:xfrm>
+            <a:off x="115888" y="388938"/>
+            <a:ext cx="6608762" cy="3717925"/>
+          </a:xfrm>
+          <a:prstGeom prst="rect">
+            <a:avLst/>
+          </a:prstGeom>
+        </p:spPr>
       </p:sp>
       <p:sp>
         <p:nvSpPr>
@@ -5822,7 +4949,15 @@
             <p:ph type="body" idx="1"/>
           </p:nvPr>
         </p:nvSpPr>
-        <p:spPr/>
+        <p:spPr>
+          <a:xfrm>
+            <a:off x="360001" y="4276938"/>
+            <a:ext cx="6120000" cy="5248969"/>
+          </a:xfrm>
+          <a:prstGeom prst="rect">
+            <a:avLst/>
+          </a:prstGeom>
+        </p:spPr>
         <p:txBody>
           <a:bodyPr/>
           <a:lstStyle/>
@@ -5862,7 +4997,15 @@
             <p:ph type="sldNum" sz="quarter" idx="5"/>
           </p:nvPr>
         </p:nvSpPr>
-        <p:spPr/>
+        <p:spPr>
+          <a:xfrm>
+            <a:off x="3884614" y="9598832"/>
+            <a:ext cx="2971800" cy="272169"/>
+          </a:xfrm>
+          <a:prstGeom prst="rect">
+            <a:avLst/>
+          </a:prstGeom>
+        </p:spPr>
         <p:txBody>
           <a:bodyPr/>
           <a:lstStyle/>
@@ -5916,7 +5059,15 @@
             <p:ph type="sldImg"/>
           </p:nvPr>
         </p:nvSpPr>
-        <p:spPr/>
+        <p:spPr>
+          <a:xfrm>
+            <a:off x="115888" y="388938"/>
+            <a:ext cx="6608762" cy="3717925"/>
+          </a:xfrm>
+          <a:prstGeom prst="rect">
+            <a:avLst/>
+          </a:prstGeom>
+        </p:spPr>
       </p:sp>
       <p:sp>
         <p:nvSpPr>
@@ -5928,7 +5079,15 @@
             <p:ph type="body" idx="1"/>
           </p:nvPr>
         </p:nvSpPr>
-        <p:spPr/>
+        <p:spPr>
+          <a:xfrm>
+            <a:off x="360001" y="4276938"/>
+            <a:ext cx="6120000" cy="5248969"/>
+          </a:xfrm>
+          <a:prstGeom prst="rect">
+            <a:avLst/>
+          </a:prstGeom>
+        </p:spPr>
         <p:txBody>
           <a:bodyPr/>
           <a:lstStyle/>
@@ -5946,18 +5105,10 @@
             <a:endParaRPr lang="en-US" noProof="0" dirty="0"/>
           </a:p>
           <a:p>
-            <a:r>
-              <a:rPr lang="en-US" noProof="0" dirty="0"/>
-              <a:t>Settings</a:t>
-            </a:r>
-          </a:p>
-          <a:p>
-            <a:r>
-              <a:rPr lang="en-US" noProof="0" dirty="0"/>
-              <a:t>---------</a:t>
-            </a:r>
-          </a:p>
-          <a:p>
+            <a:pPr marL="171450" indent="-171450">
+              <a:buFont typeface="Arial" panose="020B0604020202020204" pitchFamily="34" charset="0"/>
+              <a:buChar char="•"/>
+            </a:pPr>
             <a:r>
               <a:rPr lang="en-US" noProof="0" dirty="0"/>
               <a:t>It could be settings which you use to configure timeouts, </a:t>
@@ -5968,7 +5119,14 @@
             </a:r>
             <a:r>
               <a:rPr lang="en-US" noProof="0" dirty="0"/>
-              <a:t>, backoff times or event secrets like </a:t>
+              <a:t>, backoff times or</a:t>
+            </a:r>
+            <a:br>
+              <a:rPr lang="en-US" noProof="0" dirty="0"/>
+            </a:br>
+            <a:r>
+              <a:rPr lang="en-US" noProof="0" dirty="0"/>
+              <a:t>even secrets like </a:t>
             </a:r>
             <a:r>
               <a:rPr lang="en-US" noProof="0" dirty="0" err="1"/>
@@ -5984,34 +5142,29 @@
             </a:r>
             <a:r>
               <a:rPr lang="en-US" noProof="0" dirty="0"/>
-              <a:t> keys.</a:t>
-            </a:r>
-          </a:p>
-          <a:p>
+              <a:t> keys</a:t>
+            </a:r>
+            <a:r>
+              <a:rPr lang="en-US" dirty="0"/>
+              <a:t> t</a:t>
+            </a:r>
+            <a:r>
+              <a:rPr lang="en-US" noProof="0" dirty="0" err="1"/>
+              <a:t>hese</a:t>
+            </a:r>
             <a:r>
               <a:rPr lang="en-US" noProof="0" dirty="0"/>
-              <a:t>But these should be treated with extra caution so that these aren’t visualized for everyone who is able to pull your repository.</a:t>
-            </a:r>
-          </a:p>
-          <a:p>
-            <a:endParaRPr lang="en-US" noProof="0" dirty="0"/>
-          </a:p>
-          <a:p>
+              <a:t> should be treated with extra caution so that these aren’t visualized for everyone who is able to pull your repository.</a:t>
+            </a:r>
+          </a:p>
+          <a:p>
+            <a:pPr marL="171450" indent="-171450">
+              <a:buFont typeface="Arial" panose="020B0604020202020204" pitchFamily="34" charset="0"/>
+              <a:buChar char="•"/>
+            </a:pPr>
             <a:r>
               <a:rPr lang="en-US" noProof="0" dirty="0"/>
-              <a:t>Read only, view</a:t>
-            </a:r>
-          </a:p>
-          <a:p>
-            <a:r>
-              <a:rPr lang="en-US" noProof="0" dirty="0"/>
-              <a:t>-----------------</a:t>
-            </a:r>
-          </a:p>
-          <a:p>
-            <a:r>
-              <a:rPr lang="en-US" noProof="0" dirty="0"/>
-              <a:t>The data coming from this source should be treated as being a </a:t>
+              <a:t>Data coming from this source must be treated as being a </a:t>
             </a:r>
             <a:r>
               <a:rPr lang="en-US" noProof="0" dirty="0" err="1"/>
@@ -6023,48 +5176,17 @@
             </a:r>
           </a:p>
           <a:p>
-            <a:endParaRPr lang="en-US" noProof="0" dirty="0"/>
-          </a:p>
-          <a:p>
-            <a:pPr marL="0" marR="0" lvl="0" indent="0" algn="l" defTabSz="914400" rtl="0" eaLnBrk="1" fontAlgn="auto" latinLnBrk="0" hangingPunct="1">
-              <a:lnSpc>
-                <a:spcPct val="100000"/>
-              </a:lnSpc>
-              <a:spcBef>
-                <a:spcPts val="0"/>
-              </a:spcBef>
-              <a:spcAft>
-                <a:spcPts val="0"/>
-              </a:spcAft>
-              <a:buClrTx/>
-              <a:buSzTx/>
-              <a:buFontTx/>
-              <a:buNone/>
-              <a:tabLst/>
-              <a:defRPr/>
+            <a:pPr marL="171450" indent="-171450">
+              <a:buFont typeface="Arial" panose="020B0604020202020204" pitchFamily="34" charset="0"/>
+              <a:buChar char="•"/>
             </a:pPr>
-            <a:r>
-              <a:rPr lang="en-US" noProof="0" dirty="0"/>
-              <a:t>When applied, </a:t>
-            </a:r>
-            <a:r>
-              <a:rPr lang="en-US" dirty="0"/>
-              <a:t>Static / Dynamic</a:t>
-            </a:r>
-          </a:p>
-          <a:p>
-            <a:r>
-              <a:rPr lang="en-US" noProof="0" dirty="0"/>
-              <a:t>----------------</a:t>
-            </a:r>
-          </a:p>
-          <a:p>
             <a:r>
               <a:rPr lang="en-US" dirty="0"/>
               <a:t>A lot of the configuration is historically applied at compile time.</a:t>
             </a:r>
-          </a:p>
-          <a:p>
+            <a:br>
+              <a:rPr lang="en-US" dirty="0"/>
+            </a:br>
             <a:r>
               <a:rPr lang="en-US" dirty="0"/>
               <a:t>Each environment has its own baked in configuration at compile time, this resembles a bit like how the </a:t>
@@ -6077,17 +5199,19 @@
               <a:rPr lang="en-US" dirty="0"/>
               <a:t> configuration is working with a Terraform configuration for the people who are working with a CI/CD pipeline.</a:t>
             </a:r>
-          </a:p>
-          <a:p>
-            <a:endParaRPr lang="en-US" dirty="0"/>
-          </a:p>
-          <a:p>
+            <a:br>
+              <a:rPr lang="en-US" dirty="0"/>
+            </a:br>
+            <a:br>
+              <a:rPr lang="en-US" dirty="0"/>
+            </a:br>
             <a:r>
               <a:rPr lang="en-US" dirty="0"/>
               <a:t>This doesn’t mean however that this configuration can’t respond to changes unless it is reloaded. Some configuration providers do allow it to be reloaded with new data at runtime. Which could make it a candidate for a simple feature toggles approach.</a:t>
             </a:r>
-          </a:p>
-          <a:p>
+            <a:br>
+              <a:rPr lang="en-US" dirty="0"/>
+            </a:br>
             <a:r>
               <a:rPr lang="en-US" dirty="0"/>
               <a:t>Although suites like </a:t>
@@ -6098,49 +5222,47 @@
             </a:r>
             <a:r>
               <a:rPr lang="en-US" dirty="0"/>
-              <a:t>, Unleash are more advanced, I’m just mentioning it as it could be simplified to just a configuration section.</a:t>
-            </a:r>
-          </a:p>
-          <a:p>
-            <a:endParaRPr lang="en-US" dirty="0"/>
-          </a:p>
-          <a:p>
-            <a:r>
+              <a:t>, Unleash are more advanced, I’m just mentioning it as it could be simplified to just a configuration section, it isn't rocket science.</a:t>
+            </a:r>
+            <a:br>
               <a:rPr lang="en-US" dirty="0"/>
-              <a:t>Do you recall </a:t>
-            </a:r>
-            <a:r>
-              <a:rPr lang="en-US" dirty="0" err="1"/>
+            </a:br>
+            <a:br>
+              <a:rPr lang="en-US" dirty="0"/>
+            </a:br>
+            <a:r>
+              <a:rPr lang="en-US" b="1" dirty="0"/>
+              <a:t>Are there persons who used to work with </a:t>
+            </a:r>
+            <a:r>
+              <a:rPr lang="en-US" b="1" dirty="0" err="1"/>
               <a:t>web.config</a:t>
             </a:r>
             <a:r>
+              <a:rPr lang="en-US" b="1" dirty="0"/>
+              <a:t> or </a:t>
+            </a:r>
+            <a:r>
+              <a:rPr lang="en-US" b="1" dirty="0" err="1"/>
+              <a:t>app.config</a:t>
+            </a:r>
+            <a:r>
+              <a:rPr lang="en-US" b="1" dirty="0"/>
+              <a:t>?</a:t>
+            </a:r>
+            <a:br>
+              <a:rPr lang="en-US" b="1" dirty="0"/>
+            </a:br>
+            <a:br>
+              <a:rPr lang="en-US" b="1" dirty="0"/>
+            </a:br>
+            <a:r>
               <a:rPr lang="en-US" dirty="0"/>
-              <a:t> or </a:t>
-            </a:r>
-            <a:r>
-              <a:rPr lang="en-US" dirty="0" err="1"/>
-              <a:t>app.config</a:t>
-            </a:r>
-            <a:r>
+              <a:t>I’ve noticed in our organization a lot of project configurations still approach it with this mindset.</a:t>
+            </a:r>
+            <a:br>
               <a:rPr lang="en-US" dirty="0"/>
-              <a:t> from the .NET framework?</a:t>
-            </a:r>
-          </a:p>
-          <a:p>
-            <a:r>
-              <a:rPr lang="en-US" dirty="0"/>
-              <a:t>I’ve noticed in our </a:t>
-            </a:r>
-            <a:r>
-              <a:rPr lang="en-US" dirty="0" err="1"/>
-              <a:t>organisation</a:t>
-            </a:r>
-            <a:r>
-              <a:rPr lang="en-US" dirty="0"/>
-              <a:t> a lot of project configurations still approach it with this mindset.</a:t>
-            </a:r>
-          </a:p>
-          <a:p>
+            </a:br>
             <a:r>
               <a:rPr lang="en-US" dirty="0"/>
               <a:t>For the ones who don’t remember it anymore or know it, this was an XML based approach using the </a:t>
@@ -6153,19 +5275,14 @@
               <a:rPr lang="en-US" dirty="0"/>
               <a:t>.</a:t>
             </a:r>
-          </a:p>
-          <a:p>
+            <a:br>
+              <a:rPr lang="en-US" dirty="0"/>
+            </a:br>
             <a:r>
               <a:rPr lang="en-US" dirty="0"/>
               <a:t>There was no possibility to do an easy transformation of your configuration to an object. There were tools like Slow Cheetah for transformations. But they were very hard to test and learn.</a:t>
             </a:r>
           </a:p>
-          <a:p>
-            <a:endParaRPr lang="en-US" dirty="0"/>
-          </a:p>
-          <a:p>
-            <a:endParaRPr lang="en-US" noProof="1"/>
-          </a:p>
         </p:txBody>
       </p:sp>
       <p:sp>
@@ -6178,7 +5295,15 @@
             <p:ph type="sldNum" sz="quarter" idx="5"/>
           </p:nvPr>
         </p:nvSpPr>
-        <p:spPr/>
+        <p:spPr>
+          <a:xfrm>
+            <a:off x="3884614" y="9598832"/>
+            <a:ext cx="2971800" cy="272169"/>
+          </a:xfrm>
+          <a:prstGeom prst="rect">
+            <a:avLst/>
+          </a:prstGeom>
+        </p:spPr>
         <p:txBody>
           <a:bodyPr/>
           <a:lstStyle/>
@@ -6232,7 +5357,15 @@
             <p:ph type="sldImg"/>
           </p:nvPr>
         </p:nvSpPr>
-        <p:spPr/>
+        <p:spPr>
+          <a:xfrm>
+            <a:off x="115888" y="388938"/>
+            <a:ext cx="6608762" cy="3717925"/>
+          </a:xfrm>
+          <a:prstGeom prst="rect">
+            <a:avLst/>
+          </a:prstGeom>
+        </p:spPr>
       </p:sp>
       <p:sp>
         <p:nvSpPr>
@@ -6244,7 +5377,15 @@
             <p:ph type="body" idx="1"/>
           </p:nvPr>
         </p:nvSpPr>
-        <p:spPr/>
+        <p:spPr>
+          <a:xfrm>
+            <a:off x="360001" y="4276938"/>
+            <a:ext cx="6120000" cy="5248969"/>
+          </a:xfrm>
+          <a:prstGeom prst="rect">
+            <a:avLst/>
+          </a:prstGeom>
+        </p:spPr>
         <p:txBody>
           <a:bodyPr/>
           <a:lstStyle/>
@@ -6255,7 +5396,7 @@
             </a:r>
           </a:p>
           <a:p>
-            <a:pPr marL="171450" indent="-171450">
+            <a:pPr marL="165501" indent="-165501">
               <a:buFont typeface="Arial" panose="020B0604020202020204" pitchFamily="34" charset="0"/>
               <a:buChar char="•"/>
             </a:pPr>
@@ -6265,7 +5406,7 @@
             </a:r>
           </a:p>
           <a:p>
-            <a:pPr marL="171450" indent="-171450">
+            <a:pPr marL="165501" indent="-165501">
               <a:buFont typeface="Arial" panose="020B0604020202020204" pitchFamily="34" charset="0"/>
               <a:buChar char="•"/>
             </a:pPr>
@@ -6276,7 +5417,7 @@
             <a:endParaRPr lang="en-US" noProof="0" dirty="0"/>
           </a:p>
           <a:p>
-            <a:pPr marL="171450" indent="-171450">
+            <a:pPr marL="165501" indent="-165501">
               <a:buFont typeface="Arial" panose="020B0604020202020204" pitchFamily="34" charset="0"/>
               <a:buChar char="•"/>
             </a:pPr>
@@ -6295,7 +5436,7 @@
             <a:endParaRPr lang="en-US" noProof="0" dirty="0"/>
           </a:p>
           <a:p>
-            <a:pPr marL="171450" indent="-171450">
+            <a:pPr marL="165501" indent="-165501">
               <a:buFont typeface="Arial" panose="020B0604020202020204" pitchFamily="34" charset="0"/>
               <a:buChar char="•"/>
             </a:pPr>
@@ -6309,7 +5450,7 @@
             </a:r>
           </a:p>
           <a:p>
-            <a:pPr marL="171450" indent="-171450">
+            <a:pPr marL="165501" indent="-165501">
               <a:buFont typeface="Arial" panose="020B0604020202020204" pitchFamily="34" charset="0"/>
               <a:buChar char="•"/>
             </a:pPr>
@@ -6319,7 +5460,7 @@
             </a:r>
           </a:p>
           <a:p>
-            <a:pPr marL="171450" indent="-171450">
+            <a:pPr marL="165501" indent="-165501">
               <a:buFont typeface="Arial" panose="020B0604020202020204" pitchFamily="34" charset="0"/>
               <a:buChar char="•"/>
             </a:pPr>
@@ -6329,14 +5470,14 @@
             </a:r>
           </a:p>
           <a:p>
-            <a:pPr marL="171450" indent="-171450">
+            <a:pPr marL="165501" indent="-165501">
               <a:buFont typeface="Arial" panose="020B0604020202020204" pitchFamily="34" charset="0"/>
               <a:buChar char="•"/>
             </a:pPr>
             <a:endParaRPr lang="en-US" noProof="0" dirty="0"/>
           </a:p>
           <a:p>
-            <a:pPr marL="171450" indent="-171450">
+            <a:pPr marL="165501" indent="-165501">
               <a:buFont typeface="Arial" panose="020B0604020202020204" pitchFamily="34" charset="0"/>
               <a:buChar char="•"/>
             </a:pPr>
@@ -6346,20 +5487,24 @@
             </a:r>
           </a:p>
           <a:p>
-            <a:pPr marL="171450" indent="-171450">
+            <a:pPr marL="165501" indent="-165501">
               <a:buFont typeface="Arial" panose="020B0604020202020204" pitchFamily="34" charset="0"/>
               <a:buChar char="•"/>
             </a:pPr>
             <a:endParaRPr lang="en-US" noProof="0" dirty="0"/>
           </a:p>
           <a:p>
-            <a:pPr marL="0" indent="0">
-              <a:buFont typeface="Arial" panose="020B0604020202020204" pitchFamily="34" charset="0"/>
-              <a:buNone/>
-            </a:pPr>
             <a:r>
               <a:rPr lang="en-US" noProof="0" dirty="0"/>
-              <a:t>When they are loaded, they load in order on how they were configured and parsed to a layered view which results in the </a:t>
+              <a:t>When they are loaded, they load in order on how they were configured and parsed to a </a:t>
+            </a:r>
+            <a:r>
+              <a:rPr lang="en-US" b="1" noProof="0" dirty="0"/>
+              <a:t>layered view </a:t>
+            </a:r>
+            <a:r>
+              <a:rPr lang="en-US" noProof="0" dirty="0"/>
+              <a:t>which results in the </a:t>
             </a:r>
             <a:r>
               <a:rPr lang="en-US" noProof="0" dirty="0" err="1"/>
@@ -6371,33 +5516,26 @@
             </a:r>
           </a:p>
           <a:p>
-            <a:pPr marL="0" indent="0">
-              <a:buFont typeface="Arial" panose="020B0604020202020204" pitchFamily="34" charset="0"/>
-              <a:buNone/>
-            </a:pPr>
             <a:r>
               <a:rPr lang="en-US" noProof="0" dirty="0"/>
-              <a:t>There is no need to load all these things yourselves manually when you are using the defaults create methods.</a:t>
-            </a:r>
-          </a:p>
-          <a:p>
-            <a:pPr marL="0" indent="0">
-              <a:buFont typeface="Arial" panose="020B0604020202020204" pitchFamily="34" charset="0"/>
-              <a:buNone/>
-            </a:pPr>
+              <a:t>There is no need to load all these things yourselves manually in a separate </a:t>
+            </a:r>
+            <a:r>
+              <a:rPr lang="en-US" noProof="0" dirty="0" err="1"/>
+              <a:t>configurationbuilder</a:t>
+            </a:r>
             <a:r>
               <a:rPr lang="en-US" noProof="0" dirty="0"/>
-              <a:t>I saw this last thing on numerous projects initially where the entire configuration builder was created separately instead of using the default, if you do this will create issues especially when doing integration tests with a </a:t>
+              <a:t>. When you are using the defaults create methods. If you would do this, it will create issues especially when doing integration tests with a </a:t>
             </a:r>
             <a:r>
               <a:rPr lang="en-US" noProof="0" dirty="0" err="1"/>
               <a:t>testhost</a:t>
             </a:r>
             <a:r>
-              <a:rPr lang="en-US" noProof="0"/>
+              <a:rPr lang="en-US" noProof="0" dirty="0"/>
               <a:t>.</a:t>
             </a:r>
-            <a:endParaRPr lang="en-US" noProof="0" dirty="0"/>
           </a:p>
         </p:txBody>
       </p:sp>
@@ -6411,7 +5549,15 @@
             <p:ph type="sldNum" sz="quarter" idx="5"/>
           </p:nvPr>
         </p:nvSpPr>
-        <p:spPr/>
+        <p:spPr>
+          <a:xfrm>
+            <a:off x="3884614" y="9598832"/>
+            <a:ext cx="2971800" cy="272169"/>
+          </a:xfrm>
+          <a:prstGeom prst="rect">
+            <a:avLst/>
+          </a:prstGeom>
+        </p:spPr>
         <p:txBody>
           <a:bodyPr/>
           <a:lstStyle/>
@@ -6465,7 +5611,15 @@
             <p:ph type="sldImg"/>
           </p:nvPr>
         </p:nvSpPr>
-        <p:spPr/>
+        <p:spPr>
+          <a:xfrm>
+            <a:off x="115888" y="388938"/>
+            <a:ext cx="6608762" cy="3717925"/>
+          </a:xfrm>
+          <a:prstGeom prst="rect">
+            <a:avLst/>
+          </a:prstGeom>
+        </p:spPr>
       </p:sp>
       <p:sp>
         <p:nvSpPr>
@@ -6477,576 +5631,409 @@
             <p:ph type="body" idx="1"/>
           </p:nvPr>
         </p:nvSpPr>
-        <p:spPr/>
-        <p:txBody>
-          <a:bodyPr/>
-          <a:lstStyle/>
-          <a:p>
-            <a:r>
-              <a:rPr lang="nl-BE" b="1" dirty="0"/>
+        <p:spPr>
+          <a:xfrm>
+            <a:off x="360001" y="4276938"/>
+            <a:ext cx="6120000" cy="5248969"/>
+          </a:xfrm>
+          <a:prstGeom prst="rect">
+            <a:avLst/>
+          </a:prstGeom>
+        </p:spPr>
+        <p:txBody>
+          <a:bodyPr/>
+          <a:lstStyle/>
+          <a:p>
+            <a:pPr>
+              <a:buFont typeface="Arial" panose="020B0604020202020204" pitchFamily="34" charset="0"/>
+            </a:pPr>
+            <a:r>
+              <a:rPr lang="nl-BE" dirty="0"/>
               <a:t>ConfigurationExplorer</a:t>
             </a:r>
           </a:p>
           <a:p>
+            <a:pPr>
+              <a:buFont typeface="Arial" panose="020B0604020202020204" pitchFamily="34" charset="0"/>
+            </a:pPr>
             <a:endParaRPr lang="nl-BE" dirty="0"/>
           </a:p>
           <a:p>
+            <a:pPr>
+              <a:buFont typeface="Arial" panose="020B0604020202020204" pitchFamily="34" charset="0"/>
+            </a:pPr>
             <a:r>
               <a:rPr lang="nl-BE" b="1" dirty="0"/>
               <a:t>DEV</a:t>
             </a:r>
           </a:p>
           <a:p>
+            <a:pPr>
+              <a:buFont typeface="Arial" panose="020B0604020202020204" pitchFamily="34" charset="0"/>
+            </a:pPr>
             <a:r>
               <a:rPr lang="nl-BE" dirty="0"/>
-              <a:t>/</a:t>
-            </a:r>
-            <a:r>
-              <a:rPr lang="nl-BE" sz="1800" dirty="0">
-                <a:solidFill>
-                  <a:srgbClr val="000000"/>
-                </a:solidFill>
-                <a:highlight>
-                  <a:srgbClr val="FFFFFF"/>
-                </a:highlight>
-                <a:latin typeface="Cascadia Mono" panose="020B0609020000020004" pitchFamily="49" charset="0"/>
-              </a:rPr>
-              <a:t>configuration </a:t>
-            </a:r>
-            <a:endParaRPr lang="en-US" sz="1800" dirty="0">
-              <a:solidFill>
-                <a:srgbClr val="000000"/>
-              </a:solidFill>
-              <a:latin typeface="Cascadia Mono" panose="020B0609020000020004" pitchFamily="49" charset="0"/>
-            </a:endParaRPr>
-          </a:p>
-          <a:p>
-            <a:endParaRPr lang="en-US" sz="1800" dirty="0">
-              <a:solidFill>
-                <a:srgbClr val="000000"/>
-              </a:solidFill>
-              <a:latin typeface="Cascadia Mono" panose="020B0609020000020004" pitchFamily="49" charset="0"/>
-            </a:endParaRPr>
-          </a:p>
-          <a:p>
-            <a:r>
-              <a:rPr lang="en-US" sz="1800" dirty="0">
-                <a:solidFill>
-                  <a:srgbClr val="000000"/>
-                </a:solidFill>
-                <a:latin typeface="Cascadia Mono" panose="020B0609020000020004" pitchFamily="49" charset="0"/>
-              </a:rPr>
+              <a:t>/configuration </a:t>
+            </a:r>
+            <a:endParaRPr lang="en-US" dirty="0"/>
+          </a:p>
+          <a:p>
+            <a:pPr>
+              <a:buFont typeface="Arial" panose="020B0604020202020204" pitchFamily="34" charset="0"/>
+            </a:pPr>
+            <a:endParaRPr lang="en-US" dirty="0"/>
+          </a:p>
+          <a:p>
+            <a:pPr>
+              <a:buFont typeface="Arial" panose="020B0604020202020204" pitchFamily="34" charset="0"/>
+            </a:pPr>
+            <a:r>
+              <a:rPr lang="en-US" dirty="0"/>
               <a:t>This endpoint writes out the entire content of the </a:t>
             </a:r>
             <a:r>
-              <a:rPr lang="en-US" sz="1800" dirty="0" err="1">
-                <a:solidFill>
-                  <a:srgbClr val="000000"/>
-                </a:solidFill>
-                <a:latin typeface="Cascadia Mono" panose="020B0609020000020004" pitchFamily="49" charset="0"/>
-              </a:rPr>
+              <a:rPr lang="en-US" dirty="0" err="1"/>
               <a:t>IConfiguration</a:t>
             </a:r>
             <a:r>
-              <a:rPr lang="en-US" sz="1800" dirty="0">
-                <a:solidFill>
-                  <a:srgbClr val="000000"/>
-                </a:solidFill>
-                <a:latin typeface="Cascadia Mono" panose="020B0609020000020004" pitchFamily="49" charset="0"/>
-              </a:rPr>
+              <a:rPr lang="en-US" dirty="0"/>
               <a:t>. But let’s take a look in particular to the </a:t>
             </a:r>
             <a:r>
-              <a:rPr lang="en-US" sz="1800" dirty="0" err="1">
-                <a:solidFill>
-                  <a:srgbClr val="000000"/>
-                </a:solidFill>
-                <a:latin typeface="Cascadia Mono" panose="020B0609020000020004" pitchFamily="49" charset="0"/>
-              </a:rPr>
+              <a:rPr lang="en-US" dirty="0" err="1"/>
               <a:t>AppSettings</a:t>
             </a:r>
             <a:r>
-              <a:rPr lang="en-US" sz="1800" dirty="0">
-                <a:solidFill>
-                  <a:srgbClr val="000000"/>
-                </a:solidFill>
-                <a:latin typeface="Cascadia Mono" panose="020B0609020000020004" pitchFamily="49" charset="0"/>
-              </a:rPr>
+              <a:rPr lang="en-US" dirty="0"/>
               <a:t> values.</a:t>
             </a:r>
           </a:p>
           <a:p>
-            <a:r>
-              <a:rPr lang="en-US" sz="1800" dirty="0">
-                <a:solidFill>
-                  <a:srgbClr val="000000"/>
-                </a:solidFill>
-                <a:latin typeface="Cascadia Mono" panose="020B0609020000020004" pitchFamily="49" charset="0"/>
-              </a:rPr>
-              <a:t>I prepared these value to demonstrate the layering of the providers.</a:t>
-            </a:r>
-          </a:p>
-          <a:p>
-            <a:endParaRPr lang="en-US" sz="1800" dirty="0">
-              <a:solidFill>
-                <a:srgbClr val="000000"/>
-              </a:solidFill>
-              <a:latin typeface="Cascadia Mono" panose="020B0609020000020004" pitchFamily="49" charset="0"/>
-            </a:endParaRPr>
-          </a:p>
-          <a:p>
-            <a:pPr marL="342900" indent="-342900">
+            <a:pPr>
+              <a:buFont typeface="Arial" panose="020B0604020202020204" pitchFamily="34" charset="0"/>
+            </a:pPr>
+            <a:r>
+              <a:rPr lang="en-US" dirty="0"/>
+              <a:t>I prepared these value to </a:t>
+            </a:r>
+            <a:r>
+              <a:rPr lang="en-US" b="1" dirty="0"/>
+              <a:t>demonstrate the layering </a:t>
+            </a:r>
+            <a:r>
+              <a:rPr lang="en-US" dirty="0"/>
+              <a:t>of the providers.</a:t>
+            </a:r>
+          </a:p>
+          <a:p>
+            <a:pPr>
+              <a:buFont typeface="Arial" panose="020B0604020202020204" pitchFamily="34" charset="0"/>
+            </a:pPr>
+            <a:endParaRPr lang="en-US" dirty="0"/>
+          </a:p>
+          <a:p>
+            <a:pPr marL="331001" indent="-331001">
+              <a:buFont typeface="Arial" panose="020B0604020202020204" pitchFamily="34" charset="0"/>
               <a:buAutoNum type="arabicPeriod"/>
             </a:pPr>
             <a:r>
-              <a:rPr lang="en-US" sz="1800" dirty="0" err="1">
-                <a:solidFill>
-                  <a:srgbClr val="000000"/>
-                </a:solidFill>
-                <a:latin typeface="Cascadia Mono" panose="020B0609020000020004" pitchFamily="49" charset="0"/>
-              </a:rPr>
+              <a:rPr lang="en-US" dirty="0" err="1"/>
               <a:t>LaunchSettings.json</a:t>
             </a:r>
             <a:r>
-              <a:rPr lang="en-US" sz="1800" dirty="0">
-                <a:solidFill>
-                  <a:srgbClr val="000000"/>
-                </a:solidFill>
-                <a:latin typeface="Cascadia Mono" panose="020B0609020000020004" pitchFamily="49" charset="0"/>
-              </a:rPr>
+              <a:rPr lang="en-US" dirty="0"/>
               <a:t> </a:t>
             </a:r>
             <a:r>
-              <a:rPr lang="en-US" sz="1800" dirty="0">
-                <a:solidFill>
-                  <a:srgbClr val="000000"/>
-                </a:solidFill>
-                <a:latin typeface="Cascadia Mono" panose="020B0609020000020004" pitchFamily="49" charset="0"/>
+              <a:rPr lang="en-US" dirty="0">
                 <a:sym typeface="Wingdings" panose="05000000000000000000" pitchFamily="2" charset="2"/>
               </a:rPr>
               <a:t> ASPNETCORE_</a:t>
             </a:r>
           </a:p>
           <a:p>
-            <a:pPr marL="342900" indent="-342900">
+            <a:pPr marL="331001" indent="-331001">
+              <a:buFont typeface="Arial" panose="020B0604020202020204" pitchFamily="34" charset="0"/>
               <a:buAutoNum type="arabicPeriod"/>
             </a:pPr>
             <a:r>
-              <a:rPr lang="en-US" sz="1800" dirty="0" err="1">
-                <a:solidFill>
-                  <a:srgbClr val="000000"/>
-                </a:solidFill>
-                <a:latin typeface="Cascadia Mono" panose="020B0609020000020004" pitchFamily="49" charset="0"/>
+              <a:rPr lang="en-US" dirty="0" err="1">
                 <a:sym typeface="Wingdings" panose="05000000000000000000" pitchFamily="2" charset="2"/>
               </a:rPr>
               <a:t>Appsettings.json</a:t>
             </a:r>
-            <a:endParaRPr lang="en-US" sz="1800" dirty="0">
-              <a:solidFill>
-                <a:srgbClr val="000000"/>
-              </a:solidFill>
-              <a:latin typeface="Cascadia Mono" panose="020B0609020000020004" pitchFamily="49" charset="0"/>
+            <a:endParaRPr lang="en-US" dirty="0">
               <a:sym typeface="Wingdings" panose="05000000000000000000" pitchFamily="2" charset="2"/>
             </a:endParaRPr>
           </a:p>
           <a:p>
-            <a:pPr marL="342900" indent="-342900">
+            <a:pPr marL="331001" indent="-331001">
+              <a:buFont typeface="Arial" panose="020B0604020202020204" pitchFamily="34" charset="0"/>
               <a:buAutoNum type="arabicPeriod"/>
             </a:pPr>
             <a:r>
-              <a:rPr lang="en-US" sz="1800" dirty="0" err="1">
-                <a:solidFill>
-                  <a:srgbClr val="000000"/>
-                </a:solidFill>
-                <a:latin typeface="Cascadia Mono" panose="020B0609020000020004" pitchFamily="49" charset="0"/>
+              <a:rPr lang="en-US" dirty="0" err="1">
                 <a:sym typeface="Wingdings" panose="05000000000000000000" pitchFamily="2" charset="2"/>
               </a:rPr>
               <a:t>Appsettings.Development.json</a:t>
             </a:r>
-            <a:endParaRPr lang="en-US" sz="1800" dirty="0">
-              <a:solidFill>
-                <a:srgbClr val="000000"/>
-              </a:solidFill>
-              <a:latin typeface="Cascadia Mono" panose="020B0609020000020004" pitchFamily="49" charset="0"/>
+            <a:endParaRPr lang="en-US" dirty="0">
               <a:sym typeface="Wingdings" panose="05000000000000000000" pitchFamily="2" charset="2"/>
             </a:endParaRPr>
           </a:p>
           <a:p>
-            <a:pPr marL="342900" indent="-342900">
+            <a:pPr marL="331001" indent="-331001">
+              <a:buFont typeface="Arial" panose="020B0604020202020204" pitchFamily="34" charset="0"/>
               <a:buAutoNum type="arabicPeriod"/>
             </a:pPr>
             <a:r>
-              <a:rPr lang="en-US" sz="1800" dirty="0" err="1">
-                <a:solidFill>
-                  <a:srgbClr val="000000"/>
-                </a:solidFill>
-                <a:latin typeface="Cascadia Mono" panose="020B0609020000020004" pitchFamily="49" charset="0"/>
+              <a:rPr lang="en-US" dirty="0" err="1">
                 <a:sym typeface="Wingdings" panose="05000000000000000000" pitchFamily="2" charset="2"/>
               </a:rPr>
               <a:t>Secrets.json</a:t>
             </a:r>
             <a:r>
-              <a:rPr lang="en-US" sz="1800" dirty="0">
-                <a:solidFill>
-                  <a:srgbClr val="000000"/>
-                </a:solidFill>
-                <a:latin typeface="Cascadia Mono" panose="020B0609020000020004" pitchFamily="49" charset="0"/>
+              <a:rPr lang="en-US" dirty="0">
                 <a:sym typeface="Wingdings" panose="05000000000000000000" pitchFamily="2" charset="2"/>
               </a:rPr>
               <a:t> (highlight the importance of this file)</a:t>
             </a:r>
           </a:p>
           <a:p>
-            <a:pPr marL="342900" indent="-342900">
+            <a:pPr marL="331001" indent="-331001">
+              <a:buFont typeface="Arial" panose="020B0604020202020204" pitchFamily="34" charset="0"/>
               <a:buAutoNum type="arabicPeriod"/>
             </a:pPr>
             <a:r>
-              <a:rPr lang="en-US" sz="1800" dirty="0">
-                <a:solidFill>
-                  <a:srgbClr val="000000"/>
-                </a:solidFill>
-                <a:latin typeface="Cascadia Mono" panose="020B0609020000020004" pitchFamily="49" charset="0"/>
+              <a:rPr lang="en-US" dirty="0">
                 <a:sym typeface="Wingdings" panose="05000000000000000000" pitchFamily="2" charset="2"/>
               </a:rPr>
               <a:t>Environment variables (simulated by the </a:t>
             </a:r>
             <a:r>
-              <a:rPr lang="en-US" sz="1800" dirty="0" err="1">
-                <a:solidFill>
-                  <a:srgbClr val="000000"/>
-                </a:solidFill>
-                <a:latin typeface="Cascadia Mono" panose="020B0609020000020004" pitchFamily="49" charset="0"/>
+              <a:rPr lang="en-US" dirty="0" err="1">
                 <a:sym typeface="Wingdings" panose="05000000000000000000" pitchFamily="2" charset="2"/>
               </a:rPr>
               <a:t>LaunchSettings.json</a:t>
             </a:r>
             <a:r>
-              <a:rPr lang="en-US" sz="1800" dirty="0">
-                <a:solidFill>
-                  <a:srgbClr val="000000"/>
-                </a:solidFill>
-                <a:latin typeface="Cascadia Mono" panose="020B0609020000020004" pitchFamily="49" charset="0"/>
+              <a:rPr lang="en-US" dirty="0">
                 <a:sym typeface="Wingdings" panose="05000000000000000000" pitchFamily="2" charset="2"/>
               </a:rPr>
               <a:t> </a:t>
             </a:r>
             <a:r>
-              <a:rPr lang="nl-BE" sz="1800" dirty="0">
-                <a:solidFill>
-                  <a:srgbClr val="2E75B6"/>
-                </a:solidFill>
-                <a:highlight>
-                  <a:srgbClr val="FFFFFF"/>
-                </a:highlight>
-                <a:latin typeface="Cascadia Mono" panose="020B0609020000020004" pitchFamily="49" charset="0"/>
-              </a:rPr>
+              <a:rPr lang="nl-BE" dirty="0"/>
               <a:t>environmentVariables</a:t>
             </a:r>
             <a:r>
-              <a:rPr lang="en-US" sz="1800" dirty="0">
-                <a:solidFill>
-                  <a:srgbClr val="000000"/>
-                </a:solidFill>
-                <a:latin typeface="Cascadia Mono" panose="020B0609020000020004" pitchFamily="49" charset="0"/>
+              <a:rPr lang="en-US" dirty="0">
                 <a:sym typeface="Wingdings" panose="05000000000000000000" pitchFamily="2" charset="2"/>
               </a:rPr>
               <a:t>)</a:t>
             </a:r>
           </a:p>
           <a:p>
-            <a:pPr marL="342900" indent="-342900">
+            <a:pPr marL="331001" indent="-331001">
+              <a:buFont typeface="Arial" panose="020B0604020202020204" pitchFamily="34" charset="0"/>
               <a:buAutoNum type="arabicPeriod"/>
             </a:pPr>
             <a:r>
-              <a:rPr lang="en-US" sz="1800" dirty="0">
-                <a:solidFill>
-                  <a:srgbClr val="000000"/>
-                </a:solidFill>
-                <a:latin typeface="Cascadia Mono" panose="020B0609020000020004" pitchFamily="49" charset="0"/>
+              <a:rPr lang="en-US" dirty="0">
                 <a:sym typeface="Wingdings" panose="05000000000000000000" pitchFamily="2" charset="2"/>
               </a:rPr>
               <a:t>Command line </a:t>
             </a:r>
             <a:r>
-              <a:rPr lang="en-US" sz="1800" dirty="0" err="1">
-                <a:solidFill>
-                  <a:srgbClr val="000000"/>
-                </a:solidFill>
-                <a:latin typeface="Cascadia Mono" panose="020B0609020000020004" pitchFamily="49" charset="0"/>
+              <a:rPr lang="en-US" dirty="0" err="1">
                 <a:sym typeface="Wingdings" panose="05000000000000000000" pitchFamily="2" charset="2"/>
               </a:rPr>
               <a:t>args</a:t>
             </a:r>
             <a:r>
-              <a:rPr lang="en-US" sz="1800" dirty="0">
-                <a:solidFill>
-                  <a:srgbClr val="000000"/>
-                </a:solidFill>
-                <a:latin typeface="Cascadia Mono" panose="020B0609020000020004" pitchFamily="49" charset="0"/>
+              <a:rPr lang="en-US" dirty="0">
                 <a:sym typeface="Wingdings" panose="05000000000000000000" pitchFamily="2" charset="2"/>
               </a:rPr>
               <a:t>  (simulated by the </a:t>
             </a:r>
             <a:r>
-              <a:rPr lang="en-US" sz="1800" dirty="0" err="1">
-                <a:solidFill>
-                  <a:srgbClr val="000000"/>
-                </a:solidFill>
-                <a:latin typeface="Cascadia Mono" panose="020B0609020000020004" pitchFamily="49" charset="0"/>
+              <a:rPr lang="en-US" dirty="0" err="1">
                 <a:sym typeface="Wingdings" panose="05000000000000000000" pitchFamily="2" charset="2"/>
               </a:rPr>
               <a:t>LaunchSettings.json</a:t>
             </a:r>
             <a:r>
-              <a:rPr lang="en-US" sz="1800" dirty="0">
-                <a:solidFill>
-                  <a:srgbClr val="000000"/>
-                </a:solidFill>
-                <a:latin typeface="Cascadia Mono" panose="020B0609020000020004" pitchFamily="49" charset="0"/>
+              <a:rPr lang="en-US" dirty="0">
                 <a:sym typeface="Wingdings" panose="05000000000000000000" pitchFamily="2" charset="2"/>
               </a:rPr>
               <a:t> </a:t>
             </a:r>
             <a:r>
-              <a:rPr lang="nl-BE" sz="1800" dirty="0">
-                <a:solidFill>
-                  <a:srgbClr val="2E75B6"/>
-                </a:solidFill>
-                <a:highlight>
-                  <a:srgbClr val="FFFFFF"/>
-                </a:highlight>
-                <a:latin typeface="Cascadia Mono" panose="020B0609020000020004" pitchFamily="49" charset="0"/>
-              </a:rPr>
+              <a:rPr lang="nl-BE" dirty="0"/>
               <a:t>commandLineArgs</a:t>
             </a:r>
             <a:r>
-              <a:rPr lang="en-US" sz="1800" dirty="0">
-                <a:solidFill>
-                  <a:srgbClr val="000000"/>
-                </a:solidFill>
-                <a:latin typeface="Cascadia Mono" panose="020B0609020000020004" pitchFamily="49" charset="0"/>
+              <a:rPr lang="en-US" dirty="0">
                 <a:sym typeface="Wingdings" panose="05000000000000000000" pitchFamily="2" charset="2"/>
               </a:rPr>
               <a:t>)</a:t>
             </a:r>
           </a:p>
           <a:p>
-            <a:pPr marL="342900" indent="-342900">
+            <a:pPr marL="331001" indent="-331001">
+              <a:buFont typeface="Arial" panose="020B0604020202020204" pitchFamily="34" charset="0"/>
               <a:buAutoNum type="arabicPeriod"/>
             </a:pPr>
             <a:r>
-              <a:rPr lang="en-US" sz="1800" dirty="0" err="1">
-                <a:solidFill>
-                  <a:srgbClr val="000000"/>
-                </a:solidFill>
-                <a:latin typeface="Cascadia Mono" panose="020B0609020000020004" pitchFamily="49" charset="0"/>
+              <a:rPr lang="en-US" dirty="0" err="1">
                 <a:sym typeface="Wingdings" panose="05000000000000000000" pitchFamily="2" charset="2"/>
               </a:rPr>
               <a:t>Program.cs</a:t>
             </a:r>
             <a:r>
-              <a:rPr lang="en-US" sz="1800" dirty="0">
-                <a:solidFill>
-                  <a:srgbClr val="000000"/>
-                </a:solidFill>
-                <a:latin typeface="Cascadia Mono" panose="020B0609020000020004" pitchFamily="49" charset="0"/>
+              <a:rPr lang="en-US" dirty="0">
                 <a:sym typeface="Wingdings" panose="05000000000000000000" pitchFamily="2" charset="2"/>
               </a:rPr>
               <a:t> (in memory dictionary)</a:t>
             </a:r>
-            <a:endParaRPr lang="en-US" sz="1800" dirty="0">
-              <a:solidFill>
-                <a:srgbClr val="000000"/>
-              </a:solidFill>
-              <a:latin typeface="Cascadia Mono" panose="020B0609020000020004" pitchFamily="49" charset="0"/>
-            </a:endParaRPr>
-          </a:p>
-          <a:p>
-            <a:endParaRPr lang="en-US" sz="1800" b="1" dirty="0">
-              <a:solidFill>
-                <a:srgbClr val="000000"/>
-              </a:solidFill>
-              <a:latin typeface="Cascadia Mono" panose="020B0609020000020004" pitchFamily="49" charset="0"/>
-            </a:endParaRPr>
-          </a:p>
-          <a:p>
-            <a:r>
-              <a:rPr lang="en-US" sz="1800" b="1" dirty="0">
-                <a:solidFill>
-                  <a:srgbClr val="000000"/>
-                </a:solidFill>
-                <a:latin typeface="Cascadia Mono" panose="020B0609020000020004" pitchFamily="49" charset="0"/>
-              </a:rPr>
-              <a:t>PRD</a:t>
-            </a:r>
-          </a:p>
-          <a:p>
-            <a:endParaRPr lang="en-US" sz="1800" b="1" dirty="0">
-              <a:solidFill>
-                <a:srgbClr val="000000"/>
-              </a:solidFill>
-              <a:latin typeface="Cascadia Mono" panose="020B0609020000020004" pitchFamily="49" charset="0"/>
-            </a:endParaRPr>
-          </a:p>
-          <a:p>
-            <a:r>
-              <a:rPr lang="en-US" sz="1800" dirty="0">
-                <a:solidFill>
-                  <a:srgbClr val="000000"/>
-                </a:solidFill>
-                <a:latin typeface="Cascadia Mono" panose="020B0609020000020004" pitchFamily="49" charset="0"/>
-              </a:rPr>
+            <a:endParaRPr lang="en-US" dirty="0"/>
+          </a:p>
+          <a:p>
+            <a:pPr>
+              <a:buFont typeface="Arial" panose="020B0604020202020204" pitchFamily="34" charset="0"/>
+            </a:pPr>
+            <a:endParaRPr lang="en-US" dirty="0"/>
+          </a:p>
+          <a:p>
+            <a:pPr>
+              <a:buFont typeface="Arial" panose="020B0604020202020204" pitchFamily="34" charset="0"/>
+            </a:pPr>
+            <a:r>
+              <a:rPr lang="en-US" b="1" dirty="0"/>
+              <a:t>Other</a:t>
+            </a:r>
+            <a:endParaRPr lang="en-US" dirty="0"/>
+          </a:p>
+          <a:p>
+            <a:pPr>
+              <a:buFont typeface="Arial" panose="020B0604020202020204" pitchFamily="34" charset="0"/>
+            </a:pPr>
+            <a:r>
+              <a:rPr lang="en-US" dirty="0"/>
               <a:t>This startup is the same as the previous one, but we removed the </a:t>
             </a:r>
             <a:r>
-              <a:rPr lang="nl-BE" sz="1800" dirty="0">
-                <a:solidFill>
-                  <a:srgbClr val="2E75B6"/>
-                </a:solidFill>
-                <a:highlight>
-                  <a:srgbClr val="FFFFFF"/>
-                </a:highlight>
-                <a:latin typeface="Cascadia Mono" panose="020B0609020000020004" pitchFamily="49" charset="0"/>
-              </a:rPr>
-              <a:t>ASPNETCORE_ENVIRONMENT environment variable. Anyone any idea which environment you get then?</a:t>
-            </a:r>
-          </a:p>
-          <a:p>
-            <a:endParaRPr lang="en-US" sz="1800" dirty="0">
-              <a:solidFill>
-                <a:srgbClr val="000000"/>
-              </a:solidFill>
-              <a:latin typeface="Cascadia Mono" panose="020B0609020000020004" pitchFamily="49" charset="0"/>
-            </a:endParaRPr>
-          </a:p>
-          <a:p>
-            <a:r>
-              <a:rPr lang="en-US" sz="1800" dirty="0">
-                <a:solidFill>
-                  <a:srgbClr val="000000"/>
-                </a:solidFill>
-                <a:latin typeface="Cascadia Mono" panose="020B0609020000020004" pitchFamily="49" charset="0"/>
-              </a:rPr>
+              <a:rPr lang="nl-BE" dirty="0"/>
+              <a:t>ASPNETCORE_ENVIRONMENT environment variable. </a:t>
+            </a:r>
+            <a:r>
+              <a:rPr lang="nl-BE" b="1" dirty="0"/>
+              <a:t>Anyone any idea which environment you get then?</a:t>
+            </a:r>
+          </a:p>
+          <a:p>
+            <a:pPr>
+              <a:buFont typeface="Arial" panose="020B0604020202020204" pitchFamily="34" charset="0"/>
+            </a:pPr>
+            <a:endParaRPr lang="en-US" dirty="0"/>
+          </a:p>
+          <a:p>
+            <a:pPr>
+              <a:buFont typeface="Arial" panose="020B0604020202020204" pitchFamily="34" charset="0"/>
+            </a:pPr>
+            <a:r>
+              <a:rPr lang="en-US" dirty="0"/>
               <a:t>You’ll get the Production environment even if the ASPNETCORE_ENVIRONMENT isn’t present.</a:t>
             </a:r>
           </a:p>
           <a:p>
-            <a:r>
-              <a:rPr lang="en-US" sz="1800" dirty="0">
-                <a:solidFill>
-                  <a:srgbClr val="000000"/>
-                </a:solidFill>
-                <a:latin typeface="Cascadia Mono" panose="020B0609020000020004" pitchFamily="49" charset="0"/>
-              </a:rPr>
-              <a:t>But it also has another consequence, by default you will also lose the support for the </a:t>
-            </a:r>
-            <a:r>
-              <a:rPr lang="en-US" sz="1800" dirty="0" err="1">
-                <a:solidFill>
-                  <a:srgbClr val="000000"/>
-                </a:solidFill>
-                <a:latin typeface="Cascadia Mono" panose="020B0609020000020004" pitchFamily="49" charset="0"/>
-              </a:rPr>
+            <a:pPr>
+              <a:buFont typeface="Arial" panose="020B0604020202020204" pitchFamily="34" charset="0"/>
+            </a:pPr>
+            <a:r>
+              <a:rPr lang="en-US" dirty="0"/>
+              <a:t>But it also has another consequence, by default you will </a:t>
+            </a:r>
+            <a:r>
+              <a:rPr lang="en-US" b="1" dirty="0"/>
+              <a:t>lose the support for the </a:t>
+            </a:r>
+            <a:r>
+              <a:rPr lang="en-US" b="1" dirty="0" err="1"/>
               <a:t>secrets.json</a:t>
             </a:r>
             <a:r>
-              <a:rPr lang="en-US" sz="1800" dirty="0">
-                <a:solidFill>
-                  <a:srgbClr val="000000"/>
-                </a:solidFill>
-                <a:latin typeface="Cascadia Mono" panose="020B0609020000020004" pitchFamily="49" charset="0"/>
-              </a:rPr>
+              <a:rPr lang="en-US" dirty="0"/>
               <a:t> as this usage is only intended for local development.</a:t>
             </a:r>
           </a:p>
           <a:p>
-            <a:endParaRPr lang="en-US" sz="1800" dirty="0">
-              <a:solidFill>
-                <a:srgbClr val="000000"/>
-              </a:solidFill>
-              <a:latin typeface="Cascadia Mono" panose="020B0609020000020004" pitchFamily="49" charset="0"/>
-            </a:endParaRPr>
-          </a:p>
-          <a:p>
-            <a:endParaRPr lang="en-US" sz="1800" dirty="0">
-              <a:solidFill>
-                <a:srgbClr val="000000"/>
-              </a:solidFill>
-              <a:latin typeface="Cascadia Mono" panose="020B0609020000020004" pitchFamily="49" charset="0"/>
-            </a:endParaRPr>
-          </a:p>
-          <a:p>
+            <a:pPr>
+              <a:buFont typeface="Arial" panose="020B0604020202020204" pitchFamily="34" charset="0"/>
+            </a:pPr>
+            <a:endParaRPr lang="en-US" dirty="0"/>
+          </a:p>
+          <a:p>
+            <a:pPr>
+              <a:buFont typeface="Arial" panose="020B0604020202020204" pitchFamily="34" charset="0"/>
+            </a:pPr>
             <a:r>
               <a:rPr lang="en-US" dirty="0"/>
               <a:t>/</a:t>
             </a:r>
             <a:r>
-              <a:rPr lang="nl-BE" sz="1800" dirty="0">
-                <a:solidFill>
-                  <a:srgbClr val="000000"/>
-                </a:solidFill>
-                <a:highlight>
-                  <a:srgbClr val="FFFFFF"/>
-                </a:highlight>
-                <a:latin typeface="Cascadia Mono" panose="020B0609020000020004" pitchFamily="49" charset="0"/>
-              </a:rPr>
+              <a:rPr lang="nl-BE" dirty="0"/>
               <a:t>configuration-providers</a:t>
             </a:r>
-            <a:endParaRPr lang="en-US" sz="1800" dirty="0">
-              <a:solidFill>
-                <a:srgbClr val="000000"/>
-              </a:solidFill>
-              <a:latin typeface="Cascadia Mono" panose="020B0609020000020004" pitchFamily="49" charset="0"/>
-            </a:endParaRPr>
-          </a:p>
-          <a:p>
-            <a:endParaRPr lang="en-US" sz="1800" dirty="0">
-              <a:solidFill>
-                <a:srgbClr val="000000"/>
-              </a:solidFill>
-              <a:latin typeface="Cascadia Mono" panose="020B0609020000020004" pitchFamily="49" charset="0"/>
-            </a:endParaRPr>
-          </a:p>
-          <a:p>
-            <a:r>
-              <a:rPr lang="en-US" sz="1800" dirty="0">
-                <a:solidFill>
-                  <a:srgbClr val="000000"/>
-                </a:solidFill>
-                <a:latin typeface="Cascadia Mono" panose="020B0609020000020004" pitchFamily="49" charset="0"/>
-              </a:rPr>
+            <a:endParaRPr lang="en-US" dirty="0"/>
+          </a:p>
+          <a:p>
+            <a:pPr>
+              <a:buFont typeface="Arial" panose="020B0604020202020204" pitchFamily="34" charset="0"/>
+            </a:pPr>
+            <a:endParaRPr lang="en-US" dirty="0"/>
+          </a:p>
+          <a:p>
+            <a:pPr>
+              <a:buFont typeface="Arial" panose="020B0604020202020204" pitchFamily="34" charset="0"/>
+            </a:pPr>
+            <a:r>
+              <a:rPr lang="en-US" dirty="0"/>
               <a:t>Reveals the order of the currently loaded configuration providers, you can clearly see that some are added multiple times,</a:t>
             </a:r>
           </a:p>
           <a:p>
-            <a:r>
-              <a:rPr lang="en-US" sz="1800" dirty="0">
-                <a:solidFill>
-                  <a:srgbClr val="000000"/>
-                </a:solidFill>
-                <a:latin typeface="Cascadia Mono" panose="020B0609020000020004" pitchFamily="49" charset="0"/>
-              </a:rPr>
-              <a:t>In dev mode you clearly see that </a:t>
-            </a:r>
-            <a:r>
-              <a:rPr lang="en-US" sz="1800" dirty="0" err="1">
-                <a:solidFill>
-                  <a:srgbClr val="000000"/>
-                </a:solidFill>
-                <a:latin typeface="Cascadia Mono" panose="020B0609020000020004" pitchFamily="49" charset="0"/>
-              </a:rPr>
+            <a:pPr>
+              <a:buFont typeface="Arial" panose="020B0604020202020204" pitchFamily="34" charset="0"/>
+            </a:pPr>
+            <a:r>
+              <a:rPr lang="en-US" dirty="0"/>
+              <a:t>In </a:t>
+            </a:r>
+            <a:r>
+              <a:rPr lang="en-US" b="1" dirty="0"/>
+              <a:t>dev</a:t>
+            </a:r>
+            <a:r>
+              <a:rPr lang="en-US" dirty="0"/>
+              <a:t> mode you clearly see that </a:t>
+            </a:r>
+            <a:r>
+              <a:rPr lang="en-US" dirty="0" err="1"/>
               <a:t>secrets.json</a:t>
             </a:r>
             <a:r>
-              <a:rPr lang="en-US" sz="1800" dirty="0">
-                <a:solidFill>
-                  <a:srgbClr val="000000"/>
-                </a:solidFill>
-                <a:latin typeface="Cascadia Mono" panose="020B0609020000020004" pitchFamily="49" charset="0"/>
-              </a:rPr>
-              <a:t> is loaded but when you switch to production its not loaded by default.</a:t>
-            </a:r>
-            <a:endParaRPr lang="en-US" dirty="0"/>
+              <a:rPr lang="en-US" dirty="0"/>
+              <a:t> is loaded but when you switch to </a:t>
+            </a:r>
+            <a:r>
+              <a:rPr lang="en-US" b="1" dirty="0"/>
+              <a:t>production</a:t>
+            </a:r>
+            <a:r>
+              <a:rPr lang="en-US" dirty="0"/>
+              <a:t> its not loaded.</a:t>
+            </a:r>
           </a:p>
         </p:txBody>
       </p:sp>
@@ -7060,7 +6047,15 @@
             <p:ph type="sldNum" sz="quarter" idx="5"/>
           </p:nvPr>
         </p:nvSpPr>
-        <p:spPr/>
+        <p:spPr>
+          <a:xfrm>
+            <a:off x="3884614" y="9598832"/>
+            <a:ext cx="2971800" cy="272169"/>
+          </a:xfrm>
+          <a:prstGeom prst="rect">
+            <a:avLst/>
+          </a:prstGeom>
+        </p:spPr>
         <p:txBody>
           <a:bodyPr/>
           <a:lstStyle/>
@@ -7114,7 +6109,15 @@
             <p:ph type="sldImg"/>
           </p:nvPr>
         </p:nvSpPr>
-        <p:spPr/>
+        <p:spPr>
+          <a:xfrm>
+            <a:off x="115888" y="388938"/>
+            <a:ext cx="6608762" cy="3717925"/>
+          </a:xfrm>
+          <a:prstGeom prst="rect">
+            <a:avLst/>
+          </a:prstGeom>
+        </p:spPr>
       </p:sp>
       <p:sp>
         <p:nvSpPr>
@@ -7126,22 +6129,38 @@
             <p:ph type="body" idx="1"/>
           </p:nvPr>
         </p:nvSpPr>
-        <p:spPr/>
-        <p:txBody>
-          <a:bodyPr/>
-          <a:lstStyle/>
-          <a:p>
-            <a:pPr marL="171450" indent="-171450">
+        <p:spPr>
+          <a:xfrm>
+            <a:off x="360001" y="4276938"/>
+            <a:ext cx="6120000" cy="5248969"/>
+          </a:xfrm>
+          <a:prstGeom prst="rect">
+            <a:avLst/>
+          </a:prstGeom>
+        </p:spPr>
+        <p:txBody>
+          <a:bodyPr/>
+          <a:lstStyle/>
+          <a:p>
+            <a:pPr marL="165501" indent="-165501">
               <a:buFont typeface="Arial" panose="020B0604020202020204" pitchFamily="34" charset="0"/>
               <a:buChar char="•"/>
             </a:pPr>
             <a:r>
               <a:rPr lang="en-US" noProof="0" dirty="0"/>
-              <a:t>For the file-based providers, if they are changeable where they are deployed, they can allow a hot reload, thus without the need for you application to restart. Containers for instance could have read-only disks.</a:t>
-            </a:r>
-          </a:p>
-          <a:p>
-            <a:pPr marL="171450" indent="-171450">
+              <a:t>For the file-based providers, if they are </a:t>
+            </a:r>
+            <a:r>
+              <a:rPr lang="en-US" b="1" noProof="0" dirty="0"/>
+              <a:t>changeable</a:t>
+            </a:r>
+            <a:r>
+              <a:rPr lang="en-US" noProof="0" dirty="0"/>
+              <a:t> where they are deployed, they can allow a hot reload, thus without the need for you application to restart. Containers for instance could have read-only disks.</a:t>
+            </a:r>
+          </a:p>
+          <a:p>
+            <a:pPr marL="165501" indent="-165501">
               <a:buFont typeface="Arial" panose="020B0604020202020204" pitchFamily="34" charset="0"/>
               <a:buChar char="•"/>
             </a:pPr>
@@ -7151,7 +6170,7 @@
             </a:r>
           </a:p>
           <a:p>
-            <a:pPr marL="387450" lvl="1" indent="-171450">
+            <a:pPr marL="374005" lvl="1" indent="-165501">
               <a:buFont typeface="Arial" panose="020B0604020202020204" pitchFamily="34" charset="0"/>
               <a:buChar char="•"/>
             </a:pPr>
@@ -7161,7 +6180,7 @@
             </a:r>
           </a:p>
           <a:p>
-            <a:pPr marL="171450" indent="-171450">
+            <a:pPr marL="165501" indent="-165501">
               <a:buFont typeface="Arial" panose="020B0604020202020204" pitchFamily="34" charset="0"/>
               <a:buChar char="•"/>
             </a:pPr>
@@ -7171,7 +6190,7 @@
             </a:r>
           </a:p>
           <a:p>
-            <a:pPr marL="171450" indent="-171450">
+            <a:pPr marL="165501" indent="-165501">
               <a:buFont typeface="Arial" panose="020B0604020202020204" pitchFamily="34" charset="0"/>
               <a:buChar char="•"/>
             </a:pPr>
@@ -7181,20 +6200,28 @@
             </a:r>
           </a:p>
           <a:p>
-            <a:pPr marL="171450" indent="-171450">
+            <a:pPr marL="165501" indent="-165501">
               <a:buFont typeface="Arial" panose="020B0604020202020204" pitchFamily="34" charset="0"/>
               <a:buChar char="•"/>
             </a:pPr>
             <a:endParaRPr lang="en-US" noProof="0" dirty="0"/>
           </a:p>
           <a:p>
-            <a:pPr marL="171450" indent="-171450">
+            <a:pPr marL="165501" indent="-165501">
               <a:buFont typeface="Arial" panose="020B0604020202020204" pitchFamily="34" charset="0"/>
               <a:buChar char="•"/>
             </a:pPr>
             <a:r>
               <a:rPr lang="en-US" noProof="0" dirty="0"/>
-              <a:t>If the regular providers from Microsoft or third parties doesn’t suit your needs, a custom provider can always be added.</a:t>
+              <a:t>If the </a:t>
+            </a:r>
+            <a:r>
+              <a:rPr lang="en-US" b="1" noProof="0" dirty="0"/>
+              <a:t>regular providers from Microsoft or third parties</a:t>
+            </a:r>
+            <a:r>
+              <a:rPr lang="en-US" noProof="0" dirty="0"/>
+              <a:t> doesn’t suit your needs, a custom provider can always be added.</a:t>
             </a:r>
             <a:br>
               <a:rPr lang="en-US" noProof="0" dirty="0"/>
@@ -7230,7 +6257,15 @@
             <p:ph type="sldNum" sz="quarter" idx="5"/>
           </p:nvPr>
         </p:nvSpPr>
-        <p:spPr/>
+        <p:spPr>
+          <a:xfrm>
+            <a:off x="3884614" y="9598832"/>
+            <a:ext cx="2971800" cy="272169"/>
+          </a:xfrm>
+          <a:prstGeom prst="rect">
+            <a:avLst/>
+          </a:prstGeom>
+        </p:spPr>
         <p:txBody>
           <a:bodyPr/>
           <a:lstStyle/>

--- a/slides/presentation.pptx
+++ b/slides/presentation.pptx
@@ -34,7 +34,7 @@
     <p:sldId id="286" r:id="rId24"/>
   </p:sldIdLst>
   <p:sldSz cx="9144000" cy="5143500" type="screen16x9"/>
-  <p:notesSz cx="6858000" cy="9875838"/>
+  <p:notesSz cx="6858000" cy="9874250"/>
   <p:custDataLst>
     <p:tags r:id="rId27"/>
   </p:custDataLst>
@@ -180,7 +180,7 @@
     </p:ext>
     <p:ext uri="{2D200454-40CA-4A62-9FC3-DE9A4176ACB9}">
       <p15:notesGuideLst xmlns:p15="http://schemas.microsoft.com/office/powerpoint/2012/main">
-        <p15:guide id="1" orient="horz" pos="3111" userDrawn="1">
+        <p15:guide id="1" orient="horz" pos="3110" userDrawn="1">
           <p15:clr>
             <a:srgbClr val="A4A3A4"/>
           </p15:clr>
@@ -231,7 +231,7 @@
         <p:spPr>
           <a:xfrm>
             <a:off x="1" y="3"/>
-            <a:ext cx="2971800" cy="493792"/>
+            <a:ext cx="2971800" cy="493713"/>
           </a:xfrm>
           <a:prstGeom prst="rect">
             <a:avLst/>
@@ -262,7 +262,7 @@
         <p:spPr>
           <a:xfrm>
             <a:off x="3884614" y="3"/>
-            <a:ext cx="2971800" cy="493792"/>
+            <a:ext cx="2971800" cy="493713"/>
           </a:xfrm>
           <a:prstGeom prst="rect">
             <a:avLst/>
@@ -278,7 +278,7 @@
           <a:p>
             <a:fld id="{37581487-DED7-4908-9A01-0A45EDCB1D6C}" type="datetimeFigureOut">
               <a:rPr lang="de-DE" sz="1100"/>
-              <a:t>20.11.2024</a:t>
+              <a:t>22.11.2024</a:t>
             </a:fld>
             <a:endParaRPr lang="de-DE" sz="1100"/>
           </a:p>
@@ -296,8 +296,8 @@
         </p:nvSpPr>
         <p:spPr>
           <a:xfrm>
-            <a:off x="1" y="9380335"/>
-            <a:ext cx="2971800" cy="493792"/>
+            <a:off x="1" y="9378826"/>
+            <a:ext cx="2971800" cy="493713"/>
           </a:xfrm>
           <a:prstGeom prst="rect">
             <a:avLst/>
@@ -327,8 +327,8 @@
         </p:nvSpPr>
         <p:spPr>
           <a:xfrm>
-            <a:off x="3884614" y="9380335"/>
-            <a:ext cx="2971800" cy="493792"/>
+            <a:off x="3884614" y="9378826"/>
+            <a:ext cx="2971800" cy="493713"/>
           </a:xfrm>
           <a:prstGeom prst="rect">
             <a:avLst/>
@@ -402,8 +402,8 @@
         </p:nvSpPr>
         <p:spPr>
           <a:xfrm>
-            <a:off x="3884817" y="9381163"/>
-            <a:ext cx="2972119" cy="494675"/>
+            <a:off x="3884818" y="9379655"/>
+            <a:ext cx="2972119" cy="494595"/>
           </a:xfrm>
           <a:prstGeom prst="rect">
             <a:avLst/>
@@ -443,8 +443,8 @@
         </p:nvSpPr>
         <p:spPr>
           <a:xfrm>
-            <a:off x="686121" y="4752416"/>
-            <a:ext cx="5485761" cy="3888943"/>
+            <a:off x="686122" y="4751652"/>
+            <a:ext cx="5485761" cy="3888318"/>
           </a:xfrm>
           <a:prstGeom prst="rect">
             <a:avLst/>
@@ -703,8 +703,8 @@
         </p:nvSpPr>
         <p:spPr>
           <a:xfrm>
-            <a:off x="360001" y="4276938"/>
-            <a:ext cx="6120000" cy="5248969"/>
+            <a:off x="360001" y="4276251"/>
+            <a:ext cx="6120000" cy="5248125"/>
           </a:xfrm>
           <a:prstGeom prst="rect">
             <a:avLst/>
@@ -877,8 +877,8 @@
         </p:nvSpPr>
         <p:spPr>
           <a:xfrm>
-            <a:off x="3884614" y="9598832"/>
-            <a:ext cx="2971800" cy="272169"/>
+            <a:off x="3884614" y="9597289"/>
+            <a:ext cx="2971800" cy="272125"/>
           </a:xfrm>
           <a:prstGeom prst="rect">
             <a:avLst/>
@@ -959,8 +959,8 @@
         </p:nvSpPr>
         <p:spPr>
           <a:xfrm>
-            <a:off x="360001" y="4276938"/>
-            <a:ext cx="6120000" cy="5248969"/>
+            <a:off x="360001" y="4276251"/>
+            <a:ext cx="6120000" cy="5248125"/>
           </a:xfrm>
           <a:prstGeom prst="rect">
             <a:avLst/>
@@ -1184,8 +1184,8 @@
         </p:nvSpPr>
         <p:spPr>
           <a:xfrm>
-            <a:off x="3884614" y="9598832"/>
-            <a:ext cx="2971800" cy="272169"/>
+            <a:off x="3884614" y="9597289"/>
+            <a:ext cx="2971800" cy="272125"/>
           </a:xfrm>
           <a:prstGeom prst="rect">
             <a:avLst/>
@@ -1266,8 +1266,8 @@
         </p:nvSpPr>
         <p:spPr>
           <a:xfrm>
-            <a:off x="360001" y="4276938"/>
-            <a:ext cx="6120000" cy="5248969"/>
+            <a:off x="360001" y="4276251"/>
+            <a:ext cx="6120000" cy="5248125"/>
           </a:xfrm>
           <a:prstGeom prst="rect">
             <a:avLst/>
@@ -1451,8 +1451,8 @@
         </p:nvSpPr>
         <p:spPr>
           <a:xfrm>
-            <a:off x="3884614" y="9598832"/>
-            <a:ext cx="2971800" cy="272169"/>
+            <a:off x="3884614" y="9597289"/>
+            <a:ext cx="2971800" cy="272125"/>
           </a:xfrm>
           <a:prstGeom prst="rect">
             <a:avLst/>
@@ -1533,8 +1533,8 @@
         </p:nvSpPr>
         <p:spPr>
           <a:xfrm>
-            <a:off x="360001" y="4276938"/>
-            <a:ext cx="6120000" cy="5248969"/>
+            <a:off x="360001" y="4276251"/>
+            <a:ext cx="6120000" cy="5248125"/>
           </a:xfrm>
           <a:prstGeom prst="rect">
             <a:avLst/>
@@ -1593,8 +1593,8 @@
         </p:nvSpPr>
         <p:spPr>
           <a:xfrm>
-            <a:off x="3884614" y="9598832"/>
-            <a:ext cx="2971800" cy="272169"/>
+            <a:off x="3884614" y="9597289"/>
+            <a:ext cx="2971800" cy="272125"/>
           </a:xfrm>
           <a:prstGeom prst="rect">
             <a:avLst/>
@@ -1675,8 +1675,8 @@
         </p:nvSpPr>
         <p:spPr>
           <a:xfrm>
-            <a:off x="360001" y="4276938"/>
-            <a:ext cx="6120000" cy="5248969"/>
+            <a:off x="360001" y="4276251"/>
+            <a:ext cx="6120000" cy="5248125"/>
           </a:xfrm>
           <a:prstGeom prst="rect">
             <a:avLst/>
@@ -1788,8 +1788,8 @@
         </p:nvSpPr>
         <p:spPr>
           <a:xfrm>
-            <a:off x="3884614" y="9598832"/>
-            <a:ext cx="2971800" cy="272169"/>
+            <a:off x="3884614" y="9597289"/>
+            <a:ext cx="2971800" cy="272125"/>
           </a:xfrm>
           <a:prstGeom prst="rect">
             <a:avLst/>
@@ -1870,8 +1870,8 @@
         </p:nvSpPr>
         <p:spPr>
           <a:xfrm>
-            <a:off x="360001" y="4276938"/>
-            <a:ext cx="6120000" cy="5248969"/>
+            <a:off x="360001" y="4276251"/>
+            <a:ext cx="6120000" cy="5248125"/>
           </a:xfrm>
           <a:prstGeom prst="rect">
             <a:avLst/>
@@ -1997,8 +1997,8 @@
         </p:nvSpPr>
         <p:spPr>
           <a:xfrm>
-            <a:off x="3884614" y="9598832"/>
-            <a:ext cx="2971800" cy="272169"/>
+            <a:off x="3884614" y="9597289"/>
+            <a:ext cx="2971800" cy="272125"/>
           </a:xfrm>
           <a:prstGeom prst="rect">
             <a:avLst/>
@@ -2079,8 +2079,8 @@
         </p:nvSpPr>
         <p:spPr>
           <a:xfrm>
-            <a:off x="360001" y="4276938"/>
-            <a:ext cx="6120000" cy="5248969"/>
+            <a:off x="360001" y="4276251"/>
+            <a:ext cx="6120000" cy="5248125"/>
           </a:xfrm>
           <a:prstGeom prst="rect">
             <a:avLst/>
@@ -2167,8 +2167,8 @@
         </p:nvSpPr>
         <p:spPr>
           <a:xfrm>
-            <a:off x="3884614" y="9598832"/>
-            <a:ext cx="2971800" cy="272169"/>
+            <a:off x="3884614" y="9597289"/>
+            <a:ext cx="2971800" cy="272125"/>
           </a:xfrm>
           <a:prstGeom prst="rect">
             <a:avLst/>
@@ -2249,8 +2249,8 @@
         </p:nvSpPr>
         <p:spPr>
           <a:xfrm>
-            <a:off x="360001" y="4276938"/>
-            <a:ext cx="6120000" cy="5248969"/>
+            <a:off x="360001" y="4276251"/>
+            <a:ext cx="6120000" cy="5248125"/>
           </a:xfrm>
           <a:prstGeom prst="rect">
             <a:avLst/>
@@ -2446,8 +2446,8 @@
         </p:nvSpPr>
         <p:spPr>
           <a:xfrm>
-            <a:off x="3884614" y="9598832"/>
-            <a:ext cx="2971800" cy="272169"/>
+            <a:off x="3884614" y="9597289"/>
+            <a:ext cx="2971800" cy="272125"/>
           </a:xfrm>
           <a:prstGeom prst="rect">
             <a:avLst/>
@@ -2528,8 +2528,8 @@
         </p:nvSpPr>
         <p:spPr>
           <a:xfrm>
-            <a:off x="360001" y="4276938"/>
-            <a:ext cx="6120000" cy="5248969"/>
+            <a:off x="360001" y="4276251"/>
+            <a:ext cx="6120000" cy="5248125"/>
           </a:xfrm>
           <a:prstGeom prst="rect">
             <a:avLst/>
@@ -2995,8 +2995,8 @@
         </p:nvSpPr>
         <p:spPr>
           <a:xfrm>
-            <a:off x="3884614" y="9598832"/>
-            <a:ext cx="2971800" cy="272169"/>
+            <a:off x="3884614" y="9597289"/>
+            <a:ext cx="2971800" cy="272125"/>
           </a:xfrm>
           <a:prstGeom prst="rect">
             <a:avLst/>
@@ -3077,8 +3077,8 @@
         </p:nvSpPr>
         <p:spPr>
           <a:xfrm>
-            <a:off x="360001" y="4276938"/>
-            <a:ext cx="6120000" cy="5248969"/>
+            <a:off x="360001" y="4276251"/>
+            <a:ext cx="6120000" cy="5248125"/>
           </a:xfrm>
           <a:prstGeom prst="rect">
             <a:avLst/>
@@ -3202,8 +3202,8 @@
         </p:nvSpPr>
         <p:spPr>
           <a:xfrm>
-            <a:off x="3884614" y="9598832"/>
-            <a:ext cx="2971800" cy="272169"/>
+            <a:off x="3884614" y="9597289"/>
+            <a:ext cx="2971800" cy="272125"/>
           </a:xfrm>
           <a:prstGeom prst="rect">
             <a:avLst/>
@@ -3284,8 +3284,8 @@
         </p:nvSpPr>
         <p:spPr>
           <a:xfrm>
-            <a:off x="360001" y="4276938"/>
-            <a:ext cx="6120000" cy="5248969"/>
+            <a:off x="360001" y="4276251"/>
+            <a:ext cx="6120000" cy="5248125"/>
           </a:xfrm>
           <a:prstGeom prst="rect">
             <a:avLst/>
@@ -3463,8 +3463,8 @@
         </p:nvSpPr>
         <p:spPr>
           <a:xfrm>
-            <a:off x="3884614" y="9598832"/>
-            <a:ext cx="2971800" cy="272169"/>
+            <a:off x="3884614" y="9597289"/>
+            <a:ext cx="2971800" cy="272125"/>
           </a:xfrm>
           <a:prstGeom prst="rect">
             <a:avLst/>
@@ -3545,8 +3545,8 @@
         </p:nvSpPr>
         <p:spPr>
           <a:xfrm>
-            <a:off x="360001" y="4276938"/>
-            <a:ext cx="6120000" cy="5248969"/>
+            <a:off x="360001" y="4276251"/>
+            <a:ext cx="6120000" cy="5248125"/>
           </a:xfrm>
           <a:prstGeom prst="rect">
             <a:avLst/>
@@ -3587,8 +3587,8 @@
         </p:nvSpPr>
         <p:spPr>
           <a:xfrm>
-            <a:off x="3884614" y="9598832"/>
-            <a:ext cx="2971800" cy="272169"/>
+            <a:off x="3884614" y="9597289"/>
+            <a:ext cx="2971800" cy="272125"/>
           </a:xfrm>
           <a:prstGeom prst="rect">
             <a:avLst/>
@@ -3669,8 +3669,8 @@
         </p:nvSpPr>
         <p:spPr>
           <a:xfrm>
-            <a:off x="360001" y="4276938"/>
-            <a:ext cx="6120000" cy="5248969"/>
+            <a:off x="360001" y="4276251"/>
+            <a:ext cx="6120000" cy="5248125"/>
           </a:xfrm>
           <a:prstGeom prst="rect">
             <a:avLst/>
@@ -3831,8 +3831,8 @@
         </p:nvSpPr>
         <p:spPr>
           <a:xfrm>
-            <a:off x="3884614" y="9598832"/>
-            <a:ext cx="2971800" cy="272169"/>
+            <a:off x="3884614" y="9597289"/>
+            <a:ext cx="2971800" cy="272125"/>
           </a:xfrm>
           <a:prstGeom prst="rect">
             <a:avLst/>
@@ -3913,8 +3913,8 @@
         </p:nvSpPr>
         <p:spPr>
           <a:xfrm>
-            <a:off x="360001" y="4276938"/>
-            <a:ext cx="6120000" cy="5248969"/>
+            <a:off x="360001" y="4276251"/>
+            <a:ext cx="6120000" cy="5248125"/>
           </a:xfrm>
           <a:prstGeom prst="rect">
             <a:avLst/>
@@ -3962,8 +3962,8 @@
         </p:nvSpPr>
         <p:spPr>
           <a:xfrm>
-            <a:off x="3884614" y="9598832"/>
-            <a:ext cx="2971800" cy="272169"/>
+            <a:off x="3884614" y="9597289"/>
+            <a:ext cx="2971800" cy="272125"/>
           </a:xfrm>
           <a:prstGeom prst="rect">
             <a:avLst/>
@@ -4044,8 +4044,8 @@
         </p:nvSpPr>
         <p:spPr>
           <a:xfrm>
-            <a:off x="360001" y="4276938"/>
-            <a:ext cx="6120000" cy="5248969"/>
+            <a:off x="360001" y="4276251"/>
+            <a:ext cx="6120000" cy="5248125"/>
           </a:xfrm>
           <a:prstGeom prst="rect">
             <a:avLst/>
@@ -4141,8 +4141,8 @@
         </p:nvSpPr>
         <p:spPr>
           <a:xfrm>
-            <a:off x="3884614" y="9598832"/>
-            <a:ext cx="2971800" cy="272169"/>
+            <a:off x="3884614" y="9597289"/>
+            <a:ext cx="2971800" cy="272125"/>
           </a:xfrm>
           <a:prstGeom prst="rect">
             <a:avLst/>
@@ -4223,8 +4223,8 @@
         </p:nvSpPr>
         <p:spPr>
           <a:xfrm>
-            <a:off x="360001" y="4276938"/>
-            <a:ext cx="6120000" cy="5248969"/>
+            <a:off x="360001" y="4276251"/>
+            <a:ext cx="6120000" cy="5248125"/>
           </a:xfrm>
           <a:prstGeom prst="rect">
             <a:avLst/>
@@ -4869,8 +4869,8 @@
         </p:nvSpPr>
         <p:spPr>
           <a:xfrm>
-            <a:off x="3884614" y="9598832"/>
-            <a:ext cx="2971800" cy="272169"/>
+            <a:off x="3884614" y="9597289"/>
+            <a:ext cx="2971800" cy="272125"/>
           </a:xfrm>
           <a:prstGeom prst="rect">
             <a:avLst/>
@@ -4951,8 +4951,8 @@
         </p:nvSpPr>
         <p:spPr>
           <a:xfrm>
-            <a:off x="360001" y="4276938"/>
-            <a:ext cx="6120000" cy="5248969"/>
+            <a:off x="360001" y="4276251"/>
+            <a:ext cx="6120000" cy="5248125"/>
           </a:xfrm>
           <a:prstGeom prst="rect">
             <a:avLst/>
@@ -4999,8 +4999,8 @@
         </p:nvSpPr>
         <p:spPr>
           <a:xfrm>
-            <a:off x="3884614" y="9598832"/>
-            <a:ext cx="2971800" cy="272169"/>
+            <a:off x="3884614" y="9597289"/>
+            <a:ext cx="2971800" cy="272125"/>
           </a:xfrm>
           <a:prstGeom prst="rect">
             <a:avLst/>
@@ -5081,8 +5081,8 @@
         </p:nvSpPr>
         <p:spPr>
           <a:xfrm>
-            <a:off x="360001" y="4276938"/>
-            <a:ext cx="6120000" cy="5248969"/>
+            <a:off x="360001" y="4276251"/>
+            <a:ext cx="6120000" cy="5248125"/>
           </a:xfrm>
           <a:prstGeom prst="rect">
             <a:avLst/>
@@ -5297,8 +5297,8 @@
         </p:nvSpPr>
         <p:spPr>
           <a:xfrm>
-            <a:off x="3884614" y="9598832"/>
-            <a:ext cx="2971800" cy="272169"/>
+            <a:off x="3884614" y="9597289"/>
+            <a:ext cx="2971800" cy="272125"/>
           </a:xfrm>
           <a:prstGeom prst="rect">
             <a:avLst/>
@@ -5379,8 +5379,8 @@
         </p:nvSpPr>
         <p:spPr>
           <a:xfrm>
-            <a:off x="360001" y="4276938"/>
-            <a:ext cx="6120000" cy="5248969"/>
+            <a:off x="360001" y="4276251"/>
+            <a:ext cx="6120000" cy="5248125"/>
           </a:xfrm>
           <a:prstGeom prst="rect">
             <a:avLst/>
@@ -5551,8 +5551,8 @@
         </p:nvSpPr>
         <p:spPr>
           <a:xfrm>
-            <a:off x="3884614" y="9598832"/>
-            <a:ext cx="2971800" cy="272169"/>
+            <a:off x="3884614" y="9597289"/>
+            <a:ext cx="2971800" cy="272125"/>
           </a:xfrm>
           <a:prstGeom prst="rect">
             <a:avLst/>
@@ -5633,8 +5633,8 @@
         </p:nvSpPr>
         <p:spPr>
           <a:xfrm>
-            <a:off x="360001" y="4276938"/>
-            <a:ext cx="6120000" cy="5248969"/>
+            <a:off x="360001" y="4276251"/>
+            <a:ext cx="6120000" cy="5248125"/>
           </a:xfrm>
           <a:prstGeom prst="rect">
             <a:avLst/>
@@ -6049,8 +6049,8 @@
         </p:nvSpPr>
         <p:spPr>
           <a:xfrm>
-            <a:off x="3884614" y="9598832"/>
-            <a:ext cx="2971800" cy="272169"/>
+            <a:off x="3884614" y="9597289"/>
+            <a:ext cx="2971800" cy="272125"/>
           </a:xfrm>
           <a:prstGeom prst="rect">
             <a:avLst/>
@@ -6131,8 +6131,8 @@
         </p:nvSpPr>
         <p:spPr>
           <a:xfrm>
-            <a:off x="360001" y="4276938"/>
-            <a:ext cx="6120000" cy="5248969"/>
+            <a:off x="360001" y="4276251"/>
+            <a:ext cx="6120000" cy="5248125"/>
           </a:xfrm>
           <a:prstGeom prst="rect">
             <a:avLst/>
@@ -6259,8 +6259,8 @@
         </p:nvSpPr>
         <p:spPr>
           <a:xfrm>
-            <a:off x="3884614" y="9598832"/>
-            <a:ext cx="2971800" cy="272169"/>
+            <a:off x="3884614" y="9597289"/>
+            <a:ext cx="2971800" cy="272125"/>
           </a:xfrm>
           <a:prstGeom prst="rect">
             <a:avLst/>
@@ -19498,15 +19498,6 @@
 </file>
 
 <file path=customXml/item1.xml><?xml version="1.0" encoding="utf-8"?>
-<?mso-contentType ?>
-<FormTemplates xmlns="http://schemas.microsoft.com/sharepoint/v3/contenttype/forms">
-  <Display>DocumentLibraryForm</Display>
-  <Edit>DocumentLibraryForm</Edit>
-  <New>DocumentLibraryForm</New>
-</FormTemplates>
-</file>
-
-<file path=customXml/item2.xml><?xml version="1.0" encoding="utf-8"?>
 <ct:contentTypeSchema xmlns:ct="http://schemas.microsoft.com/office/2006/metadata/contentType" xmlns:ma="http://schemas.microsoft.com/office/2006/metadata/properties/metaAttributes" ct:_="" ma:_="" ma:contentTypeName="Dokument" ma:contentTypeID="0x01010050460AE39A82AD4795A3565F3DAE5EA8" ma:contentTypeVersion="16" ma:contentTypeDescription="Ein neues Dokument erstellen." ma:contentTypeScope="" ma:versionID="ec82a9993c9b8a2201503eb30937bf4a">
   <xsd:schema xmlns:xsd="http://www.w3.org/2001/XMLSchema" xmlns:xs="http://www.w3.org/2001/XMLSchema" xmlns:p="http://schemas.microsoft.com/office/2006/metadata/properties" xmlns:ns2="e05445a8-2551-4a63-879e-01155c2c761e" xmlns:ns3="01e95462-78a7-41d4-9a93-e8d8dde53743" targetNamespace="http://schemas.microsoft.com/office/2006/metadata/properties" ma:root="true" ma:fieldsID="0382105114aa7af2a0cdb49a7fd70252" ns2:_="" ns3:_="">
     <xsd:import namespace="e05445a8-2551-4a63-879e-01155c2c761e"/>
@@ -19749,15 +19740,16 @@
 </ct:contentTypeSchema>
 </file>
 
-<file path=customXml/itemProps1.xml><?xml version="1.0" encoding="utf-8"?>
-<ds:datastoreItem xmlns:ds="http://schemas.openxmlformats.org/officeDocument/2006/customXml" ds:itemID="{DDA0BA8E-434D-48CF-8C42-C96ADE6F01B2}">
-  <ds:schemaRefs>
-    <ds:schemaRef ds:uri="http://schemas.microsoft.com/sharepoint/v3/contenttype/forms"/>
-  </ds:schemaRefs>
-</ds:datastoreItem>
+<file path=customXml/item2.xml><?xml version="1.0" encoding="utf-8"?>
+<?mso-contentType ?>
+<FormTemplates xmlns="http://schemas.microsoft.com/sharepoint/v3/contenttype/forms">
+  <Display>DocumentLibraryForm</Display>
+  <Edit>DocumentLibraryForm</Edit>
+  <New>DocumentLibraryForm</New>
+</FormTemplates>
 </file>
 
-<file path=customXml/itemProps2.xml><?xml version="1.0" encoding="utf-8"?>
+<file path=customXml/itemProps1.xml><?xml version="1.0" encoding="utf-8"?>
 <ds:datastoreItem xmlns:ds="http://schemas.openxmlformats.org/officeDocument/2006/customXml" ds:itemID="{0BB5088A-3ACC-49D2-A58D-F09F6B8954CE}">
   <ds:schemaRefs>
     <ds:schemaRef ds:uri="http://schemas.microsoft.com/office/2006/metadata/contentType"/>
@@ -19774,4 +19766,12 @@
     <ds:schemaRef ds:uri="http://schemas.microsoft.com/internal/obd"/>
   </ds:schemaRefs>
 </ds:datastoreItem>
+</file>
+
+<file path=customXml/itemProps2.xml><?xml version="1.0" encoding="utf-8"?>
+<ds:datastoreItem xmlns:ds="http://schemas.openxmlformats.org/officeDocument/2006/customXml" ds:itemID="{DDA0BA8E-434D-48CF-8C42-C96ADE6F01B2}">
+  <ds:schemaRefs>
+    <ds:schemaRef ds:uri="http://schemas.microsoft.com/sharepoint/v3/contenttype/forms"/>
+  </ds:schemaRefs>
+</ds:datastoreItem>
 </file>
--- a/slides/presentation.pptx
+++ b/slides/presentation.pptx
@@ -11,7 +11,7 @@
     <p:handoutMasterId r:id="rId26"/>
   </p:handoutMasterIdLst>
   <p:sldIdLst>
-    <p:sldId id="257" r:id="rId4"/>
+    <p:sldId id="287" r:id="rId4"/>
     <p:sldId id="283" r:id="rId5"/>
     <p:sldId id="284" r:id="rId6"/>
     <p:sldId id="261" r:id="rId7"/>
@@ -278,7 +278,7 @@
           <a:p>
             <a:fld id="{37581487-DED7-4908-9A01-0A45EDCB1D6C}" type="datetimeFigureOut">
               <a:rPr lang="de-DE" sz="1100"/>
-              <a:t>22.11.2024</a:t>
+              <a:t>03.02.2025</a:t>
             </a:fld>
             <a:endParaRPr lang="de-DE" sz="1100"/>
           </a:p>
@@ -673,7 +673,7 @@
       </p:grpSpPr>
       <p:sp>
         <p:nvSpPr>
-          <p:cNvPr id="3" name="Folienbildplatzhalter 2"/>
+          <p:cNvPr id="2" name="Slide Image Placeholder 1"/>
           <p:cNvSpPr>
             <a:spLocks noGrp="1" noRot="1" noChangeAspect="1"/>
           </p:cNvSpPr>
@@ -681,19 +681,11 @@
             <p:ph type="sldImg"/>
           </p:nvPr>
         </p:nvSpPr>
-        <p:spPr>
-          <a:xfrm>
-            <a:off x="349250" y="346075"/>
-            <a:ext cx="5908675" cy="3324225"/>
-          </a:xfrm>
-          <a:prstGeom prst="rect">
-            <a:avLst/>
-          </a:prstGeom>
-        </p:spPr>
-      </p:sp>
-      <p:sp>
-        <p:nvSpPr>
-          <p:cNvPr id="5" name="Notizenplatzhalter 4"/>
+        <p:spPr/>
+      </p:sp>
+      <p:sp>
+        <p:nvSpPr>
+          <p:cNvPr id="3" name="Notes Placeholder 2"/>
           <p:cNvSpPr>
             <a:spLocks noGrp="1"/>
           </p:cNvSpPr>
@@ -701,206 +693,45 @@
             <p:ph type="body" idx="1"/>
           </p:nvPr>
         </p:nvSpPr>
-        <p:spPr>
-          <a:xfrm>
-            <a:off x="360001" y="4276251"/>
-            <a:ext cx="6120000" cy="5248125"/>
-          </a:xfrm>
-          <a:prstGeom prst="rect">
-            <a:avLst/>
-          </a:prstGeom>
-        </p:spPr>
-        <p:txBody>
-          <a:bodyPr/>
-          <a:lstStyle/>
-          <a:p>
-            <a:r>
-              <a:rPr lang="de-DE" dirty="0"/>
-              <a:t>Hi all, nice </a:t>
-            </a:r>
-            <a:r>
-              <a:rPr lang="de-DE" dirty="0" err="1"/>
-              <a:t>to</a:t>
-            </a:r>
-            <a:r>
-              <a:rPr lang="de-DE" dirty="0"/>
-              <a:t> </a:t>
-            </a:r>
-            <a:r>
-              <a:rPr lang="de-DE" dirty="0" err="1"/>
-              <a:t>see</a:t>
-            </a:r>
-            <a:r>
-              <a:rPr lang="de-DE" dirty="0"/>
-              <a:t> </a:t>
-            </a:r>
-            <a:r>
-              <a:rPr lang="de-DE" dirty="0" err="1"/>
-              <a:t>you</a:t>
-            </a:r>
-            <a:r>
-              <a:rPr lang="de-DE" dirty="0"/>
-              <a:t> </a:t>
-            </a:r>
-            <a:r>
-              <a:rPr lang="de-DE" dirty="0" err="1"/>
-              <a:t>coming</a:t>
-            </a:r>
-            <a:r>
-              <a:rPr lang="de-DE" dirty="0"/>
-              <a:t> </a:t>
-            </a:r>
-            <a:r>
-              <a:rPr lang="de-DE" dirty="0" err="1"/>
-              <a:t>up</a:t>
-            </a:r>
-            <a:r>
-              <a:rPr lang="de-DE" dirty="0"/>
-              <a:t> </a:t>
-            </a:r>
-            <a:r>
-              <a:rPr lang="de-DE" dirty="0" err="1"/>
-              <a:t>for</a:t>
-            </a:r>
-            <a:r>
-              <a:rPr lang="de-DE" dirty="0"/>
-              <a:t> </a:t>
-            </a:r>
-            <a:r>
-              <a:rPr lang="de-DE" dirty="0" err="1"/>
-              <a:t>this</a:t>
-            </a:r>
-            <a:r>
-              <a:rPr lang="de-DE" dirty="0"/>
-              <a:t> </a:t>
-            </a:r>
-            <a:r>
-              <a:rPr lang="de-DE" dirty="0" err="1"/>
-              <a:t>session</a:t>
-            </a:r>
-            <a:r>
-              <a:rPr lang="de-DE" dirty="0"/>
-              <a:t> </a:t>
-            </a:r>
-            <a:r>
-              <a:rPr lang="de-DE" dirty="0" err="1"/>
-              <a:t>about</a:t>
-            </a:r>
-            <a:r>
-              <a:rPr lang="de-DE" dirty="0"/>
-              <a:t> </a:t>
-            </a:r>
-            <a:r>
-              <a:rPr lang="de-DE" dirty="0" err="1"/>
-              <a:t>saying</a:t>
-            </a:r>
-            <a:r>
-              <a:rPr lang="de-DE" dirty="0"/>
-              <a:t> goodbye </a:t>
-            </a:r>
-            <a:r>
-              <a:rPr lang="de-DE" dirty="0" err="1"/>
-              <a:t>to</a:t>
-            </a:r>
-            <a:r>
-              <a:rPr lang="de-DE" dirty="0"/>
-              <a:t> </a:t>
-            </a:r>
-            <a:r>
-              <a:rPr lang="de-DE" dirty="0" err="1"/>
-              <a:t>IConfigurations</a:t>
-            </a:r>
-            <a:r>
-              <a:rPr lang="de-DE" dirty="0"/>
-              <a:t> and </a:t>
-            </a:r>
-            <a:r>
-              <a:rPr lang="de-DE" dirty="0" err="1"/>
-              <a:t>embrace</a:t>
-            </a:r>
-            <a:r>
-              <a:rPr lang="de-DE" dirty="0"/>
-              <a:t> </a:t>
-            </a:r>
-            <a:r>
-              <a:rPr lang="de-DE" dirty="0" err="1"/>
-              <a:t>the</a:t>
-            </a:r>
-            <a:r>
-              <a:rPr lang="de-DE" dirty="0"/>
-              <a:t> power </a:t>
-            </a:r>
-            <a:r>
-              <a:rPr lang="de-DE" dirty="0" err="1"/>
-              <a:t>of</a:t>
-            </a:r>
-            <a:r>
-              <a:rPr lang="de-DE" dirty="0"/>
-              <a:t> </a:t>
-            </a:r>
-            <a:r>
-              <a:rPr lang="de-DE" dirty="0" err="1"/>
-              <a:t>the</a:t>
-            </a:r>
-            <a:r>
-              <a:rPr lang="de-DE" dirty="0"/>
-              <a:t> </a:t>
-            </a:r>
-            <a:r>
-              <a:rPr lang="de-DE" dirty="0" err="1"/>
-              <a:t>IOptions</a:t>
-            </a:r>
-            <a:r>
-              <a:rPr lang="de-DE" dirty="0"/>
-              <a:t> </a:t>
-            </a:r>
-            <a:r>
-              <a:rPr lang="de-DE" dirty="0" err="1"/>
-              <a:t>pattern</a:t>
-            </a:r>
-            <a:r>
-              <a:rPr lang="de-DE" dirty="0"/>
-              <a:t>.</a:t>
-            </a:r>
-          </a:p>
-        </p:txBody>
-      </p:sp>
-      <p:sp>
-        <p:nvSpPr>
-          <p:cNvPr id="2" name="Foliennummernplatzhalter 1"/>
-          <p:cNvSpPr>
-            <a:spLocks noGrp="1"/>
-          </p:cNvSpPr>
-          <p:nvPr>
-            <p:ph type="sldNum" sz="quarter" idx="10"/>
-          </p:nvPr>
-        </p:nvSpPr>
-        <p:spPr>
-          <a:xfrm>
-            <a:off x="3884614" y="9597289"/>
-            <a:ext cx="2971800" cy="272125"/>
-          </a:xfrm>
-          <a:prstGeom prst="rect">
-            <a:avLst/>
-          </a:prstGeom>
-        </p:spPr>
-        <p:txBody>
-          <a:bodyPr/>
-          <a:lstStyle/>
-          <a:p>
-            <a:fld id="{D61B4C21-2AF8-4513-9A88-12DEBB551087}" type="slidenum">
-              <a:rPr lang="de-DE" smtClean="0"/>
-              <a:pPr/>
+        <p:spPr/>
+        <p:txBody>
+          <a:bodyPr/>
+          <a:lstStyle/>
+          <a:p>
+            <a:r>
+              <a:rPr lang="nl-BE" dirty="0"/>
+              <a:t>Hi all, nice to see you coming up for this session about saying goodbye to IConfiguration and embracthe the power of the Ioptions pattern.</a:t>
+            </a:r>
+          </a:p>
+        </p:txBody>
+      </p:sp>
+      <p:sp>
+        <p:nvSpPr>
+          <p:cNvPr id="4" name="Slide Number Placeholder 3"/>
+          <p:cNvSpPr>
+            <a:spLocks noGrp="1"/>
+          </p:cNvSpPr>
+          <p:nvPr>
+            <p:ph type="sldNum" sz="quarter" idx="5"/>
+          </p:nvPr>
+        </p:nvSpPr>
+        <p:spPr/>
+        <p:txBody>
+          <a:bodyPr/>
+          <a:lstStyle/>
+          <a:p>
+            <a:fld id="{F2CAA8BB-88FD-437C-AAF8-B4CF0C75ED63}" type="slidenum">
+              <a:rPr lang="nl-BE" smtClean="0"/>
               <a:t>1</a:t>
             </a:fld>
-            <a:endParaRPr lang="de-DE" dirty="0"/>
+            <a:endParaRPr lang="nl-BE"/>
           </a:p>
         </p:txBody>
       </p:sp>
     </p:spTree>
     <p:extLst>
       <p:ext uri="{BB962C8B-B14F-4D97-AF65-F5344CB8AC3E}">
-        <p14:creationId xmlns:p14="http://schemas.microsoft.com/office/powerpoint/2010/main" val="1291651397"/>
+        <p14:creationId xmlns:p14="http://schemas.microsoft.com/office/powerpoint/2010/main" val="3370172376"/>
       </p:ext>
     </p:extLst>
   </p:cSld>
@@ -14190,7 +14021,7 @@
 
 <file path=ppt/slides/slide1.xml><?xml version="1.0" encoding="utf-8"?>
 <p:sld xmlns:a="http://schemas.openxmlformats.org/drawingml/2006/main" xmlns:r="http://schemas.openxmlformats.org/officeDocument/2006/relationships" xmlns:p="http://schemas.openxmlformats.org/presentationml/2006/main">
-  <p:cSld name="v_1615">
+  <p:cSld>
     <p:spTree>
       <p:nvGrpSpPr>
         <p:cNvPr id="1" name=""/>
@@ -14207,47 +14038,120 @@
       </p:grpSpPr>
       <p:pic>
         <p:nvPicPr>
-          <p:cNvPr id="7" name="Picture 6" descr="A purple card with text and a picture of a person">
+          <p:cNvPr id="7" name="Picture Placeholder 6" descr="A person standing in front of a group of people">
             <a:extLst>
               <a:ext uri="{FF2B5EF4-FFF2-40B4-BE49-F238E27FC236}">
-                <a16:creationId xmlns:a16="http://schemas.microsoft.com/office/drawing/2014/main" id="{1FB82FF1-8168-C0BE-DBFE-283A5472A554}"/>
+                <a16:creationId xmlns:a16="http://schemas.microsoft.com/office/drawing/2014/main" id="{92B06A54-C12A-7A8F-1ABD-EDEA3B1B0271}"/>
               </a:ext>
             </a:extLst>
           </p:cNvPr>
           <p:cNvPicPr>
-            <a:picLocks noChangeAspect="1"/>
+            <a:picLocks noGrp="1" noChangeAspect="1"/>
           </p:cNvPicPr>
-          <p:nvPr/>
+          <p:nvPr>
+            <p:ph type="pic" sz="quarter" idx="12"/>
+          </p:nvPr>
         </p:nvPicPr>
         <p:blipFill>
-          <a:blip r:embed="rId4">
+          <a:blip r:embed="rId3">
             <a:extLst>
               <a:ext uri="{28A0092B-C50C-407E-A947-70E740481C1C}">
                 <a14:useLocalDpi xmlns:a14="http://schemas.microsoft.com/office/drawing/2010/main" val="0"/>
               </a:ext>
             </a:extLst>
           </a:blip>
+          <a:srcRect t="7799" b="7799"/>
           <a:stretch>
             <a:fillRect/>
           </a:stretch>
         </p:blipFill>
-        <p:spPr>
-          <a:xfrm>
-            <a:off x="0" y="0"/>
-            <a:ext cx="9144000" cy="5143500"/>
-          </a:xfrm>
-          <a:prstGeom prst="rect">
-            <a:avLst/>
-          </a:prstGeom>
-        </p:spPr>
+        <p:spPr/>
       </p:pic>
+      <p:sp>
+        <p:nvSpPr>
+          <p:cNvPr id="3" name="Title 2">
+            <a:extLst>
+              <a:ext uri="{FF2B5EF4-FFF2-40B4-BE49-F238E27FC236}">
+                <a16:creationId xmlns:a16="http://schemas.microsoft.com/office/drawing/2014/main" id="{808A5082-0613-9E70-4D5C-BA7773350FBA}"/>
+              </a:ext>
+            </a:extLst>
+          </p:cNvPr>
+          <p:cNvSpPr>
+            <a:spLocks noGrp="1"/>
+          </p:cNvSpPr>
+          <p:nvPr>
+            <p:ph type="ctrTitle"/>
+          </p:nvPr>
+        </p:nvSpPr>
+        <p:spPr/>
+        <p:txBody>
+          <a:bodyPr/>
+          <a:lstStyle/>
+          <a:p>
+            <a:r>
+              <a:rPr lang="nl-BE" dirty="0"/>
+              <a:t>Say goodbye to IConfiguration and embrace the power of the IOptions pattern</a:t>
+            </a:r>
+          </a:p>
+        </p:txBody>
+      </p:sp>
+      <p:sp>
+        <p:nvSpPr>
+          <p:cNvPr id="4" name="Subtitle 3">
+            <a:extLst>
+              <a:ext uri="{FF2B5EF4-FFF2-40B4-BE49-F238E27FC236}">
+                <a16:creationId xmlns:a16="http://schemas.microsoft.com/office/drawing/2014/main" id="{60020598-D33B-6193-CA7D-8E401B532F9D}"/>
+              </a:ext>
+            </a:extLst>
+          </p:cNvPr>
+          <p:cNvSpPr>
+            <a:spLocks noGrp="1"/>
+          </p:cNvSpPr>
+          <p:nvPr>
+            <p:ph type="subTitle" idx="1"/>
+          </p:nvPr>
+        </p:nvSpPr>
+        <p:spPr/>
+        <p:txBody>
+          <a:bodyPr/>
+          <a:lstStyle/>
+          <a:p>
+            <a:r>
+              <a:rPr lang="nl-BE" dirty="0"/>
+              <a:t>Pieter Samyn</a:t>
+            </a:r>
+          </a:p>
+        </p:txBody>
+      </p:sp>
+      <p:sp>
+        <p:nvSpPr>
+          <p:cNvPr id="5" name="Picture Placeholder 4">
+            <a:extLst>
+              <a:ext uri="{FF2B5EF4-FFF2-40B4-BE49-F238E27FC236}">
+                <a16:creationId xmlns:a16="http://schemas.microsoft.com/office/drawing/2014/main" id="{4041F546-9384-7F21-526E-31DA04F382C5}"/>
+              </a:ext>
+            </a:extLst>
+          </p:cNvPr>
+          <p:cNvSpPr>
+            <a:spLocks noGrp="1"/>
+          </p:cNvSpPr>
+          <p:nvPr>
+            <p:ph type="pic" sz="quarter" idx="13"/>
+          </p:nvPr>
+        </p:nvSpPr>
+        <p:spPr/>
+        <p:txBody>
+          <a:bodyPr/>
+          <a:lstStyle/>
+          <a:p>
+            <a:endParaRPr lang="nl-BE"/>
+          </a:p>
+        </p:txBody>
+      </p:sp>
     </p:spTree>
-    <p:custDataLst>
-      <p:tags r:id="rId1"/>
-    </p:custDataLst>
     <p:extLst>
       <p:ext uri="{BB962C8B-B14F-4D97-AF65-F5344CB8AC3E}">
-        <p14:creationId xmlns:p14="http://schemas.microsoft.com/office/powerpoint/2010/main" val="1800626840"/>
+        <p14:creationId xmlns:p14="http://schemas.microsoft.com/office/powerpoint/2010/main" val="700333554"/>
       </p:ext>
     </p:extLst>
   </p:cSld>
@@ -18627,13 +18531,6 @@
   <p:tag name="SLIDO_PRESENTATION_ID" val="00000000-0000-0000-0000-000000000000"/>
   <p:tag name="SLIDO_EVENT_UUID" val="0638bfdd-f174-49eb-957e-8b0e1a6745a2"/>
   <p:tag name="SLIDO_EVENT_SECTION_UUID" val="e5d91fc0-4a58-4803-8c35-c2ea8e1d3ee2"/>
-</p:tagLst>
-</file>
-
-<file path=ppt/tags/tag2.xml><?xml version="1.0" encoding="utf-8"?>
-<p:tagLst xmlns:a="http://schemas.openxmlformats.org/drawingml/2006/main" xmlns:r="http://schemas.openxmlformats.org/officeDocument/2006/relationships" xmlns:p="http://schemas.openxmlformats.org/presentationml/2006/main">
-  <p:tag name="TWNOCDCHECK" val="-1"/>
-  <p:tag name="SLIDENAME" val="v_1615"/>
 </p:tagLst>
 </file>
 
@@ -19498,6 +19395,15 @@
 </file>
 
 <file path=customXml/item1.xml><?xml version="1.0" encoding="utf-8"?>
+<?mso-contentType ?>
+<FormTemplates xmlns="http://schemas.microsoft.com/sharepoint/v3/contenttype/forms">
+  <Display>DocumentLibraryForm</Display>
+  <Edit>DocumentLibraryForm</Edit>
+  <New>DocumentLibraryForm</New>
+</FormTemplates>
+</file>
+
+<file path=customXml/item2.xml><?xml version="1.0" encoding="utf-8"?>
 <ct:contentTypeSchema xmlns:ct="http://schemas.microsoft.com/office/2006/metadata/contentType" xmlns:ma="http://schemas.microsoft.com/office/2006/metadata/properties/metaAttributes" ct:_="" ma:_="" ma:contentTypeName="Dokument" ma:contentTypeID="0x01010050460AE39A82AD4795A3565F3DAE5EA8" ma:contentTypeVersion="16" ma:contentTypeDescription="Ein neues Dokument erstellen." ma:contentTypeScope="" ma:versionID="ec82a9993c9b8a2201503eb30937bf4a">
   <xsd:schema xmlns:xsd="http://www.w3.org/2001/XMLSchema" xmlns:xs="http://www.w3.org/2001/XMLSchema" xmlns:p="http://schemas.microsoft.com/office/2006/metadata/properties" xmlns:ns2="e05445a8-2551-4a63-879e-01155c2c761e" xmlns:ns3="01e95462-78a7-41d4-9a93-e8d8dde53743" targetNamespace="http://schemas.microsoft.com/office/2006/metadata/properties" ma:root="true" ma:fieldsID="0382105114aa7af2a0cdb49a7fd70252" ns2:_="" ns3:_="">
     <xsd:import namespace="e05445a8-2551-4a63-879e-01155c2c761e"/>
@@ -19740,16 +19646,15 @@
 </ct:contentTypeSchema>
 </file>
 
-<file path=customXml/item2.xml><?xml version="1.0" encoding="utf-8"?>
-<?mso-contentType ?>
-<FormTemplates xmlns="http://schemas.microsoft.com/sharepoint/v3/contenttype/forms">
-  <Display>DocumentLibraryForm</Display>
-  <Edit>DocumentLibraryForm</Edit>
-  <New>DocumentLibraryForm</New>
-</FormTemplates>
+<file path=customXml/itemProps1.xml><?xml version="1.0" encoding="utf-8"?>
+<ds:datastoreItem xmlns:ds="http://schemas.openxmlformats.org/officeDocument/2006/customXml" ds:itemID="{DDA0BA8E-434D-48CF-8C42-C96ADE6F01B2}">
+  <ds:schemaRefs>
+    <ds:schemaRef ds:uri="http://schemas.microsoft.com/sharepoint/v3/contenttype/forms"/>
+  </ds:schemaRefs>
+</ds:datastoreItem>
 </file>
 
-<file path=customXml/itemProps1.xml><?xml version="1.0" encoding="utf-8"?>
+<file path=customXml/itemProps2.xml><?xml version="1.0" encoding="utf-8"?>
 <ds:datastoreItem xmlns:ds="http://schemas.openxmlformats.org/officeDocument/2006/customXml" ds:itemID="{0BB5088A-3ACC-49D2-A58D-F09F6B8954CE}">
   <ds:schemaRefs>
     <ds:schemaRef ds:uri="http://schemas.microsoft.com/office/2006/metadata/contentType"/>
@@ -19766,12 +19671,4 @@
     <ds:schemaRef ds:uri="http://schemas.microsoft.com/internal/obd"/>
   </ds:schemaRefs>
 </ds:datastoreItem>
-</file>
-
-<file path=customXml/itemProps2.xml><?xml version="1.0" encoding="utf-8"?>
-<ds:datastoreItem xmlns:ds="http://schemas.openxmlformats.org/officeDocument/2006/customXml" ds:itemID="{DDA0BA8E-434D-48CF-8C42-C96ADE6F01B2}">
-  <ds:schemaRefs>
-    <ds:schemaRef ds:uri="http://schemas.microsoft.com/sharepoint/v3/contenttype/forms"/>
-  </ds:schemaRefs>
-</ds:datastoreItem>
 </file>
--- a/slides/presentation.pptx
+++ b/slides/presentation.pptx
@@ -5,10 +5,10 @@
     <p:sldMasterId id="2147483648" r:id="rId3"/>
   </p:sldMasterIdLst>
   <p:notesMasterIdLst>
-    <p:notesMasterId r:id="rId25"/>
+    <p:notesMasterId r:id="rId26"/>
   </p:notesMasterIdLst>
   <p:handoutMasterIdLst>
-    <p:handoutMasterId r:id="rId26"/>
+    <p:handoutMasterId r:id="rId27"/>
   </p:handoutMasterIdLst>
   <p:sldIdLst>
     <p:sldId id="287" r:id="rId4"/>
@@ -31,12 +31,13 @@
     <p:sldId id="277" r:id="rId21"/>
     <p:sldId id="278" r:id="rId22"/>
     <p:sldId id="285" r:id="rId23"/>
-    <p:sldId id="286" r:id="rId24"/>
+    <p:sldId id="288" r:id="rId24"/>
+    <p:sldId id="286" r:id="rId25"/>
   </p:sldIdLst>
   <p:sldSz cx="9144000" cy="5143500" type="screen16x9"/>
   <p:notesSz cx="6858000" cy="9874250"/>
   <p:custDataLst>
-    <p:tags r:id="rId27"/>
+    <p:tags r:id="rId28"/>
   </p:custDataLst>
   <p:defaultTextStyle>
     <a:defPPr>
@@ -278,7 +279,7 @@
           <a:p>
             <a:fld id="{37581487-DED7-4908-9A01-0A45EDCB1D6C}" type="datetimeFigureOut">
               <a:rPr lang="de-DE" sz="1100"/>
-              <a:t>03.02.2025</a:t>
+              <a:t>23.02.2025</a:t>
             </a:fld>
             <a:endParaRPr lang="de-DE" sz="1100"/>
           </a:p>
@@ -700,7 +701,7 @@
           <a:p>
             <a:r>
               <a:rPr lang="nl-BE" dirty="0"/>
-              <a:t>Hi all, nice to see you coming up for this session about saying goodbye to IConfiguration and embracthe the power of the Ioptions pattern.</a:t>
+              <a:t>Hi all, nice to see you joinig for this session about saying goodbye to IConfiguration and embrace the power of the IOptions pattern.</a:t>
             </a:r>
           </a:p>
         </p:txBody>
@@ -2370,21 +2371,6 @@
           <a:bodyPr/>
           <a:lstStyle/>
           <a:p>
-            <a:r>
-              <a:rPr lang="en-US" sz="800" b="1" dirty="0"/>
-              <a:t>Are there people still using .NET6 or .NET7?</a:t>
-            </a:r>
-          </a:p>
-          <a:p>
-            <a:r>
-              <a:rPr lang="en-US" sz="800" dirty="0"/>
-              <a:t>This demo will depend on the .NET8 syntax, you will see why I didn’t consider the previous versions.</a:t>
-            </a:r>
-          </a:p>
-          <a:p>
-            <a:endParaRPr lang="en-US" sz="800" dirty="0"/>
-          </a:p>
-          <a:p>
             <a:pPr defTabSz="882670">
               <a:defRPr/>
             </a:pPr>
@@ -3756,6 +3742,227 @@
           <a:lstStyle/>
           <a:p>
             <a:r>
+              <a:rPr lang="en-US" dirty="0"/>
+              <a:t>I still wanted to show a small example where the combination with </a:t>
+            </a:r>
+            <a:r>
+              <a:rPr lang="en-US" dirty="0" err="1"/>
+              <a:t>IConfiguration</a:t>
+            </a:r>
+            <a:r>
+              <a:rPr lang="en-US" dirty="0"/>
+              <a:t>, </a:t>
+            </a:r>
+            <a:r>
+              <a:rPr lang="en-US" dirty="0" err="1"/>
+              <a:t>IOptions</a:t>
+            </a:r>
+            <a:r>
+              <a:rPr lang="en-US" dirty="0"/>
+              <a:t> and Dependency Injection is doing some magic when it gets combined.</a:t>
+            </a:r>
+          </a:p>
+          <a:p>
+            <a:endParaRPr lang="en-US" dirty="0"/>
+          </a:p>
+          <a:p>
+            <a:r>
+              <a:rPr lang="en-US" dirty="0"/>
+              <a:t>The example simulates a third-party client which we need to use. The only way we can use it is by using a factory with some settings, they were even so nice of providing an example on how you should use it</a:t>
+            </a:r>
+          </a:p>
+          <a:p>
+            <a:r>
+              <a:rPr lang="en-US" dirty="0"/>
+              <a:t>However, if I would need the interface for example not in my startup project without using DI it would become messy, especially as the third-party also gave a strong suggestion of using their client as a singleton.</a:t>
+            </a:r>
+          </a:p>
+          <a:p>
+            <a:r>
+              <a:rPr lang="en-US" dirty="0"/>
+              <a:t>Although the code works, it feels like a sacrifice in the current example state.</a:t>
+            </a:r>
+          </a:p>
+          <a:p>
+            <a:endParaRPr lang="en-US" dirty="0"/>
+          </a:p>
+          <a:p>
+            <a:r>
+              <a:rPr lang="en-US"/>
+              <a:t>To </a:t>
+            </a:r>
+            <a:r>
+              <a:rPr lang="en-US" dirty="0"/>
+              <a:t>address it we would need to create a simple options class which we then can bind.</a:t>
+            </a:r>
+          </a:p>
+          <a:p>
+            <a:r>
+              <a:rPr lang="en-US" dirty="0"/>
+              <a:t>Once this is created, we can consume it using an </a:t>
+            </a:r>
+            <a:r>
+              <a:rPr lang="en-US" dirty="0" err="1"/>
+              <a:t>AddSingletion</a:t>
+            </a:r>
+            <a:r>
+              <a:rPr lang="en-US" dirty="0"/>
+              <a:t> method with the </a:t>
+            </a:r>
+            <a:r>
+              <a:rPr lang="en-US" dirty="0" err="1"/>
+              <a:t>serviceprovider</a:t>
+            </a:r>
+            <a:r>
+              <a:rPr lang="en-US" dirty="0"/>
+              <a:t>.</a:t>
+            </a:r>
+          </a:p>
+          <a:p>
+            <a:r>
+              <a:rPr lang="en-US" dirty="0"/>
+              <a:t>Inside this method we can then create client via the factory and consume the options.</a:t>
+            </a:r>
+          </a:p>
+          <a:p>
+            <a:r>
+              <a:rPr lang="en-US" dirty="0"/>
+              <a:t>The advantage of this little detour, is that we now can request the </a:t>
+            </a:r>
+            <a:r>
+              <a:rPr lang="en-US" dirty="0" err="1"/>
+              <a:t>INonDiClient</a:t>
+            </a:r>
+            <a:r>
+              <a:rPr lang="en-US" dirty="0"/>
+              <a:t> from the DI container, and by doing so it allows us to consume it wherever this interface should be known inside the project. The configuration can be loaded from any </a:t>
+            </a:r>
+            <a:r>
+              <a:rPr lang="en-US" dirty="0" err="1"/>
+              <a:t>serviceprovider</a:t>
+            </a:r>
+            <a:r>
+              <a:rPr lang="en-US" dirty="0"/>
+              <a:t> only at the time when needed.</a:t>
+            </a:r>
+          </a:p>
+          <a:p>
+            <a:endParaRPr lang="en-US" dirty="0"/>
+          </a:p>
+          <a:p>
+            <a:endParaRPr lang="en-US" dirty="0"/>
+          </a:p>
+          <a:p>
+            <a:endParaRPr lang="en-US" dirty="0"/>
+          </a:p>
+        </p:txBody>
+      </p:sp>
+      <p:sp>
+        <p:nvSpPr>
+          <p:cNvPr id="4" name="Slide Number Placeholder 3"/>
+          <p:cNvSpPr>
+            <a:spLocks noGrp="1"/>
+          </p:cNvSpPr>
+          <p:nvPr>
+            <p:ph type="sldNum" sz="quarter" idx="5"/>
+          </p:nvPr>
+        </p:nvSpPr>
+        <p:spPr>
+          <a:xfrm>
+            <a:off x="3884614" y="9597289"/>
+            <a:ext cx="2971800" cy="272125"/>
+          </a:xfrm>
+          <a:prstGeom prst="rect">
+            <a:avLst/>
+          </a:prstGeom>
+        </p:spPr>
+        <p:txBody>
+          <a:bodyPr/>
+          <a:lstStyle/>
+          <a:p>
+            <a:fld id="{D61B4C21-2AF8-4513-9A88-12DEBB551087}" type="slidenum">
+              <a:rPr lang="de-DE" smtClean="0"/>
+              <a:pPr/>
+              <a:t>21</a:t>
+            </a:fld>
+            <a:endParaRPr lang="de-DE" dirty="0"/>
+          </a:p>
+        </p:txBody>
+      </p:sp>
+    </p:spTree>
+    <p:extLst>
+      <p:ext uri="{BB962C8B-B14F-4D97-AF65-F5344CB8AC3E}">
+        <p14:creationId xmlns:p14="http://schemas.microsoft.com/office/powerpoint/2010/main" val="1714846204"/>
+      </p:ext>
+    </p:extLst>
+  </p:cSld>
+  <p:clrMapOvr>
+    <a:masterClrMapping/>
+  </p:clrMapOvr>
+</p:notes>
+</file>
+
+<file path=ppt/notesSlides/notesSlide22.xml><?xml version="1.0" encoding="utf-8"?>
+<p:notes xmlns:a="http://schemas.openxmlformats.org/drawingml/2006/main" xmlns:r="http://schemas.openxmlformats.org/officeDocument/2006/relationships" xmlns:p="http://schemas.openxmlformats.org/presentationml/2006/main">
+  <p:cSld>
+    <p:spTree>
+      <p:nvGrpSpPr>
+        <p:cNvPr id="1" name=""/>
+        <p:cNvGrpSpPr/>
+        <p:nvPr/>
+      </p:nvGrpSpPr>
+      <p:grpSpPr>
+        <a:xfrm>
+          <a:off x="0" y="0"/>
+          <a:ext cx="0" cy="0"/>
+          <a:chOff x="0" y="0"/>
+          <a:chExt cx="0" cy="0"/>
+        </a:xfrm>
+      </p:grpSpPr>
+      <p:sp>
+        <p:nvSpPr>
+          <p:cNvPr id="2" name="Slide Image Placeholder 1"/>
+          <p:cNvSpPr>
+            <a:spLocks noGrp="1" noRot="1" noChangeAspect="1"/>
+          </p:cNvSpPr>
+          <p:nvPr>
+            <p:ph type="sldImg"/>
+          </p:nvPr>
+        </p:nvSpPr>
+        <p:spPr>
+          <a:xfrm>
+            <a:off x="115888" y="388938"/>
+            <a:ext cx="6608762" cy="3717925"/>
+          </a:xfrm>
+          <a:prstGeom prst="rect">
+            <a:avLst/>
+          </a:prstGeom>
+        </p:spPr>
+      </p:sp>
+      <p:sp>
+        <p:nvSpPr>
+          <p:cNvPr id="3" name="Notes Placeholder 2"/>
+          <p:cNvSpPr>
+            <a:spLocks noGrp="1"/>
+          </p:cNvSpPr>
+          <p:nvPr>
+            <p:ph type="body" idx="1"/>
+          </p:nvPr>
+        </p:nvSpPr>
+        <p:spPr>
+          <a:xfrm>
+            <a:off x="360001" y="4276251"/>
+            <a:ext cx="6120000" cy="5248125"/>
+          </a:xfrm>
+          <a:prstGeom prst="rect">
+            <a:avLst/>
+          </a:prstGeom>
+        </p:spPr>
+        <p:txBody>
+          <a:bodyPr/>
+          <a:lstStyle/>
+          <a:p>
+            <a:r>
               <a:rPr lang="en-US" b="0" i="0" dirty="0">
                 <a:solidFill>
                   <a:srgbClr val="242424"/>
@@ -3807,7 +4014,7 @@
             <a:fld id="{D61B4C21-2AF8-4513-9A88-12DEBB551087}" type="slidenum">
               <a:rPr lang="de-DE" smtClean="0"/>
               <a:pPr/>
-              <a:t>21</a:t>
+              <a:t>22</a:t>
             </a:fld>
             <a:endParaRPr lang="de-DE" dirty="0"/>
           </a:p>
@@ -3897,16 +4104,6 @@
               <a:buChar char="•"/>
             </a:pPr>
             <a:r>
-              <a:rPr lang="en-US" dirty="0"/>
-              <a:t>DI Containers</a:t>
-            </a:r>
-          </a:p>
-          <a:p>
-            <a:pPr marL="275834" indent="-275834">
-              <a:buFont typeface="Arial" panose="020B0604020202020204" pitchFamily="34" charset="0"/>
-              <a:buChar char="•"/>
-            </a:pPr>
-            <a:r>
               <a:rPr lang="en-US" dirty="0" err="1"/>
               <a:t>IConfiguration</a:t>
             </a:r>
@@ -4608,6 +4805,31 @@
             <a:r>
               <a:rPr lang="de-DE" dirty="0"/>
               <a:t>.</a:t>
+            </a:r>
+          </a:p>
+          <a:p>
+            <a:endParaRPr lang="de-DE" dirty="0"/>
+          </a:p>
+          <a:p>
+            <a:r>
+              <a:rPr lang="en-US" b="0" i="0" dirty="0">
+                <a:solidFill>
+                  <a:srgbClr val="242424"/>
+                </a:solidFill>
+                <a:effectLst/>
+                <a:latin typeface="Segoe UI" panose="020B0502040204020203" pitchFamily="34" charset="0"/>
+              </a:rPr>
+              <a:t>In short, we needed to perform a specific action on an option value. Initially, it was proposed to copy and paste this action. </a:t>
+            </a:r>
+            <a:r>
+              <a:rPr lang="en-US" b="0" i="0">
+                <a:solidFill>
+                  <a:srgbClr val="242424"/>
+                </a:solidFill>
+                <a:effectLst/>
+                <a:latin typeface="Segoe UI" panose="020B0502040204020203" pitchFamily="34" charset="0"/>
+              </a:rPr>
+              <a:t>Although this approach would have worked, I didn't like the idea of having duplicated code.</a:t>
             </a:r>
           </a:p>
           <a:p>
@@ -17006,10 +17228,10 @@
       </p:grpSpPr>
       <p:sp>
         <p:nvSpPr>
-          <p:cNvPr id="6" name="Title 5">
+          <p:cNvPr id="2" name="Title 1">
             <a:extLst>
               <a:ext uri="{FF2B5EF4-FFF2-40B4-BE49-F238E27FC236}">
-                <a16:creationId xmlns:a16="http://schemas.microsoft.com/office/drawing/2014/main" id="{5E4EE174-04A0-F71B-9BE9-2D09BDBB3973}"/>
+                <a16:creationId xmlns:a16="http://schemas.microsoft.com/office/drawing/2014/main" id="{47FB5714-DB64-E571-5C47-76CAD8E954BC}"/>
               </a:ext>
             </a:extLst>
           </p:cNvPr>
@@ -17027,17 +17249,18 @@
           <a:p>
             <a:r>
               <a:rPr lang="nl-BE" dirty="0"/>
-              <a:t>Q&amp;A</a:t>
-            </a:r>
+              <a:t>Examples</a:t>
+            </a:r>
+            <a:endParaRPr lang="en-US" dirty="0"/>
           </a:p>
         </p:txBody>
       </p:sp>
       <p:pic>
         <p:nvPicPr>
-          <p:cNvPr id="11" name="Content Placeholder 10" descr="A qr code on a white background&#10;&#10;Description automatically generated">
+          <p:cNvPr id="7" name="Content Placeholder 6" descr="A hand writing on a blue board&#10;&#10;Description automatically generated">
             <a:extLst>
               <a:ext uri="{FF2B5EF4-FFF2-40B4-BE49-F238E27FC236}">
-                <a16:creationId xmlns:a16="http://schemas.microsoft.com/office/drawing/2014/main" id="{F50A4979-65CD-8ED3-0A1E-94665F9AB7D4}"/>
+                <a16:creationId xmlns:a16="http://schemas.microsoft.com/office/drawing/2014/main" id="{91EC149C-B91E-47E6-9971-6DA0F2F47D52}"/>
               </a:ext>
             </a:extLst>
           </p:cNvPr>
@@ -17045,7 +17268,7 @@
             <a:picLocks noGrp="1" noChangeAspect="1"/>
           </p:cNvPicPr>
           <p:nvPr>
-            <p:ph idx="13"/>
+            <p:ph idx="1"/>
           </p:nvPr>
         </p:nvPicPr>
         <p:blipFill>
@@ -17062,6 +17285,153 @@
         </p:blipFill>
         <p:spPr>
           <a:xfrm>
+            <a:off x="792162" y="971550"/>
+            <a:ext cx="7559676" cy="3779838"/>
+          </a:xfrm>
+        </p:spPr>
+      </p:pic>
+      <p:sp>
+        <p:nvSpPr>
+          <p:cNvPr id="4" name="Footer Placeholder 3">
+            <a:extLst>
+              <a:ext uri="{FF2B5EF4-FFF2-40B4-BE49-F238E27FC236}">
+                <a16:creationId xmlns:a16="http://schemas.microsoft.com/office/drawing/2014/main" id="{7777AB3F-2C62-266F-8D7B-0BD18B6D3475}"/>
+              </a:ext>
+            </a:extLst>
+          </p:cNvPr>
+          <p:cNvSpPr>
+            <a:spLocks noGrp="1"/>
+          </p:cNvSpPr>
+          <p:nvPr>
+            <p:ph type="ftr" sz="quarter" idx="11"/>
+          </p:nvPr>
+        </p:nvSpPr>
+        <p:spPr/>
+        <p:txBody>
+          <a:bodyPr/>
+          <a:lstStyle/>
+          <a:p>
+            <a:endParaRPr lang="de-DE" dirty="0"/>
+          </a:p>
+        </p:txBody>
+      </p:sp>
+      <p:sp>
+        <p:nvSpPr>
+          <p:cNvPr id="5" name="Slide Number Placeholder 4">
+            <a:extLst>
+              <a:ext uri="{FF2B5EF4-FFF2-40B4-BE49-F238E27FC236}">
+                <a16:creationId xmlns:a16="http://schemas.microsoft.com/office/drawing/2014/main" id="{301D380F-53E5-8CFA-9D71-5B1B5B7168C9}"/>
+              </a:ext>
+            </a:extLst>
+          </p:cNvPr>
+          <p:cNvSpPr>
+            <a:spLocks noGrp="1"/>
+          </p:cNvSpPr>
+          <p:nvPr>
+            <p:ph type="sldNum" sz="quarter" idx="12"/>
+          </p:nvPr>
+        </p:nvSpPr>
+        <p:spPr/>
+        <p:txBody>
+          <a:bodyPr/>
+          <a:lstStyle/>
+          <a:p>
+            <a:fld id="{AE839375-43AA-4A5D-B991-4343C4570BCB}" type="slidenum">
+              <a:rPr lang="de-DE" smtClean="0"/>
+              <a:t>21</a:t>
+            </a:fld>
+            <a:endParaRPr lang="de-DE"/>
+          </a:p>
+        </p:txBody>
+      </p:sp>
+    </p:spTree>
+    <p:extLst>
+      <p:ext uri="{BB962C8B-B14F-4D97-AF65-F5344CB8AC3E}">
+        <p14:creationId xmlns:p14="http://schemas.microsoft.com/office/powerpoint/2010/main" val="2341458334"/>
+      </p:ext>
+    </p:extLst>
+  </p:cSld>
+  <p:clrMapOvr>
+    <a:masterClrMapping/>
+  </p:clrMapOvr>
+</p:sld>
+</file>
+
+<file path=ppt/slides/slide22.xml><?xml version="1.0" encoding="utf-8"?>
+<p:sld xmlns:a="http://schemas.openxmlformats.org/drawingml/2006/main" xmlns:r="http://schemas.openxmlformats.org/officeDocument/2006/relationships" xmlns:p="http://schemas.openxmlformats.org/presentationml/2006/main">
+  <p:cSld>
+    <p:spTree>
+      <p:nvGrpSpPr>
+        <p:cNvPr id="1" name=""/>
+        <p:cNvGrpSpPr/>
+        <p:nvPr/>
+      </p:nvGrpSpPr>
+      <p:grpSpPr>
+        <a:xfrm>
+          <a:off x="0" y="0"/>
+          <a:ext cx="0" cy="0"/>
+          <a:chOff x="0" y="0"/>
+          <a:chExt cx="0" cy="0"/>
+        </a:xfrm>
+      </p:grpSpPr>
+      <p:sp>
+        <p:nvSpPr>
+          <p:cNvPr id="6" name="Title 5">
+            <a:extLst>
+              <a:ext uri="{FF2B5EF4-FFF2-40B4-BE49-F238E27FC236}">
+                <a16:creationId xmlns:a16="http://schemas.microsoft.com/office/drawing/2014/main" id="{5E4EE174-04A0-F71B-9BE9-2D09BDBB3973}"/>
+              </a:ext>
+            </a:extLst>
+          </p:cNvPr>
+          <p:cNvSpPr>
+            <a:spLocks noGrp="1"/>
+          </p:cNvSpPr>
+          <p:nvPr>
+            <p:ph type="title"/>
+          </p:nvPr>
+        </p:nvSpPr>
+        <p:spPr/>
+        <p:txBody>
+          <a:bodyPr/>
+          <a:lstStyle/>
+          <a:p>
+            <a:r>
+              <a:rPr lang="nl-BE" dirty="0"/>
+              <a:t>Q&amp;A</a:t>
+            </a:r>
+          </a:p>
+        </p:txBody>
+      </p:sp>
+      <p:pic>
+        <p:nvPicPr>
+          <p:cNvPr id="11" name="Content Placeholder 10" descr="A qr code on a white background&#10;&#10;Description automatically generated">
+            <a:extLst>
+              <a:ext uri="{FF2B5EF4-FFF2-40B4-BE49-F238E27FC236}">
+                <a16:creationId xmlns:a16="http://schemas.microsoft.com/office/drawing/2014/main" id="{F50A4979-65CD-8ED3-0A1E-94665F9AB7D4}"/>
+              </a:ext>
+            </a:extLst>
+          </p:cNvPr>
+          <p:cNvPicPr>
+            <a:picLocks noGrp="1" noChangeAspect="1"/>
+          </p:cNvPicPr>
+          <p:nvPr>
+            <p:ph idx="13"/>
+          </p:nvPr>
+        </p:nvPicPr>
+        <p:blipFill>
+          <a:blip r:embed="rId3">
+            <a:extLst>
+              <a:ext uri="{28A0092B-C50C-407E-A947-70E740481C1C}">
+                <a14:useLocalDpi xmlns:a14="http://schemas.microsoft.com/office/drawing/2010/main" val="0"/>
+              </a:ext>
+            </a:extLst>
+          </a:blip>
+          <a:stretch>
+            <a:fillRect/>
+          </a:stretch>
+        </p:blipFill>
+        <p:spPr>
+          <a:xfrm>
             <a:off x="4721902" y="861102"/>
             <a:ext cx="4062463" cy="4062463"/>
           </a:xfrm>
@@ -17115,7 +17485,7 @@
           <a:p>
             <a:fld id="{AE839375-43AA-4A5D-B991-4343C4570BCB}" type="slidenum">
               <a:rPr lang="de-DE" smtClean="0"/>
-              <a:t>21</a:t>
+              <a:t>22</a:t>
             </a:fld>
             <a:endParaRPr lang="de-DE"/>
           </a:p>

--- a/slides/presentation.pptx
+++ b/slides/presentation.pptx
@@ -5,13 +5,13 @@
     <p:sldMasterId id="2147483648" r:id="rId3"/>
   </p:sldMasterIdLst>
   <p:notesMasterIdLst>
-    <p:notesMasterId r:id="rId25"/>
+    <p:notesMasterId r:id="rId26"/>
   </p:notesMasterIdLst>
   <p:handoutMasterIdLst>
-    <p:handoutMasterId r:id="rId26"/>
+    <p:handoutMasterId r:id="rId27"/>
   </p:handoutMasterIdLst>
   <p:sldIdLst>
-    <p:sldId id="257" r:id="rId4"/>
+    <p:sldId id="287" r:id="rId4"/>
     <p:sldId id="283" r:id="rId5"/>
     <p:sldId id="284" r:id="rId6"/>
     <p:sldId id="261" r:id="rId7"/>
@@ -31,12 +31,13 @@
     <p:sldId id="277" r:id="rId21"/>
     <p:sldId id="278" r:id="rId22"/>
     <p:sldId id="285" r:id="rId23"/>
-    <p:sldId id="286" r:id="rId24"/>
+    <p:sldId id="288" r:id="rId24"/>
+    <p:sldId id="286" r:id="rId25"/>
   </p:sldIdLst>
   <p:sldSz cx="9144000" cy="5143500" type="screen16x9"/>
   <p:notesSz cx="6858000" cy="9874250"/>
   <p:custDataLst>
-    <p:tags r:id="rId27"/>
+    <p:tags r:id="rId28"/>
   </p:custDataLst>
   <p:defaultTextStyle>
     <a:defPPr>
@@ -278,7 +279,7 @@
           <a:p>
             <a:fld id="{37581487-DED7-4908-9A01-0A45EDCB1D6C}" type="datetimeFigureOut">
               <a:rPr lang="de-DE" sz="1100"/>
-              <a:t>22.11.2024</a:t>
+              <a:t>23.02.2025</a:t>
             </a:fld>
             <a:endParaRPr lang="de-DE" sz="1100"/>
           </a:p>
@@ -673,7 +674,7 @@
       </p:grpSpPr>
       <p:sp>
         <p:nvSpPr>
-          <p:cNvPr id="3" name="Folienbildplatzhalter 2"/>
+          <p:cNvPr id="2" name="Slide Image Placeholder 1"/>
           <p:cNvSpPr>
             <a:spLocks noGrp="1" noRot="1" noChangeAspect="1"/>
           </p:cNvSpPr>
@@ -681,19 +682,11 @@
             <p:ph type="sldImg"/>
           </p:nvPr>
         </p:nvSpPr>
-        <p:spPr>
-          <a:xfrm>
-            <a:off x="349250" y="346075"/>
-            <a:ext cx="5908675" cy="3324225"/>
-          </a:xfrm>
-          <a:prstGeom prst="rect">
-            <a:avLst/>
-          </a:prstGeom>
-        </p:spPr>
-      </p:sp>
-      <p:sp>
-        <p:nvSpPr>
-          <p:cNvPr id="5" name="Notizenplatzhalter 4"/>
+        <p:spPr/>
+      </p:sp>
+      <p:sp>
+        <p:nvSpPr>
+          <p:cNvPr id="3" name="Notes Placeholder 2"/>
           <p:cNvSpPr>
             <a:spLocks noGrp="1"/>
           </p:cNvSpPr>
@@ -701,206 +694,45 @@
             <p:ph type="body" idx="1"/>
           </p:nvPr>
         </p:nvSpPr>
-        <p:spPr>
-          <a:xfrm>
-            <a:off x="360001" y="4276251"/>
-            <a:ext cx="6120000" cy="5248125"/>
-          </a:xfrm>
-          <a:prstGeom prst="rect">
-            <a:avLst/>
-          </a:prstGeom>
-        </p:spPr>
-        <p:txBody>
-          <a:bodyPr/>
-          <a:lstStyle/>
-          <a:p>
-            <a:r>
-              <a:rPr lang="de-DE" dirty="0"/>
-              <a:t>Hi all, nice </a:t>
-            </a:r>
-            <a:r>
-              <a:rPr lang="de-DE" dirty="0" err="1"/>
-              <a:t>to</a:t>
-            </a:r>
-            <a:r>
-              <a:rPr lang="de-DE" dirty="0"/>
-              <a:t> </a:t>
-            </a:r>
-            <a:r>
-              <a:rPr lang="de-DE" dirty="0" err="1"/>
-              <a:t>see</a:t>
-            </a:r>
-            <a:r>
-              <a:rPr lang="de-DE" dirty="0"/>
-              <a:t> </a:t>
-            </a:r>
-            <a:r>
-              <a:rPr lang="de-DE" dirty="0" err="1"/>
-              <a:t>you</a:t>
-            </a:r>
-            <a:r>
-              <a:rPr lang="de-DE" dirty="0"/>
-              <a:t> </a:t>
-            </a:r>
-            <a:r>
-              <a:rPr lang="de-DE" dirty="0" err="1"/>
-              <a:t>coming</a:t>
-            </a:r>
-            <a:r>
-              <a:rPr lang="de-DE" dirty="0"/>
-              <a:t> </a:t>
-            </a:r>
-            <a:r>
-              <a:rPr lang="de-DE" dirty="0" err="1"/>
-              <a:t>up</a:t>
-            </a:r>
-            <a:r>
-              <a:rPr lang="de-DE" dirty="0"/>
-              <a:t> </a:t>
-            </a:r>
-            <a:r>
-              <a:rPr lang="de-DE" dirty="0" err="1"/>
-              <a:t>for</a:t>
-            </a:r>
-            <a:r>
-              <a:rPr lang="de-DE" dirty="0"/>
-              <a:t> </a:t>
-            </a:r>
-            <a:r>
-              <a:rPr lang="de-DE" dirty="0" err="1"/>
-              <a:t>this</a:t>
-            </a:r>
-            <a:r>
-              <a:rPr lang="de-DE" dirty="0"/>
-              <a:t> </a:t>
-            </a:r>
-            <a:r>
-              <a:rPr lang="de-DE" dirty="0" err="1"/>
-              <a:t>session</a:t>
-            </a:r>
-            <a:r>
-              <a:rPr lang="de-DE" dirty="0"/>
-              <a:t> </a:t>
-            </a:r>
-            <a:r>
-              <a:rPr lang="de-DE" dirty="0" err="1"/>
-              <a:t>about</a:t>
-            </a:r>
-            <a:r>
-              <a:rPr lang="de-DE" dirty="0"/>
-              <a:t> </a:t>
-            </a:r>
-            <a:r>
-              <a:rPr lang="de-DE" dirty="0" err="1"/>
-              <a:t>saying</a:t>
-            </a:r>
-            <a:r>
-              <a:rPr lang="de-DE" dirty="0"/>
-              <a:t> goodbye </a:t>
-            </a:r>
-            <a:r>
-              <a:rPr lang="de-DE" dirty="0" err="1"/>
-              <a:t>to</a:t>
-            </a:r>
-            <a:r>
-              <a:rPr lang="de-DE" dirty="0"/>
-              <a:t> </a:t>
-            </a:r>
-            <a:r>
-              <a:rPr lang="de-DE" dirty="0" err="1"/>
-              <a:t>IConfigurations</a:t>
-            </a:r>
-            <a:r>
-              <a:rPr lang="de-DE" dirty="0"/>
-              <a:t> and </a:t>
-            </a:r>
-            <a:r>
-              <a:rPr lang="de-DE" dirty="0" err="1"/>
-              <a:t>embrace</a:t>
-            </a:r>
-            <a:r>
-              <a:rPr lang="de-DE" dirty="0"/>
-              <a:t> </a:t>
-            </a:r>
-            <a:r>
-              <a:rPr lang="de-DE" dirty="0" err="1"/>
-              <a:t>the</a:t>
-            </a:r>
-            <a:r>
-              <a:rPr lang="de-DE" dirty="0"/>
-              <a:t> power </a:t>
-            </a:r>
-            <a:r>
-              <a:rPr lang="de-DE" dirty="0" err="1"/>
-              <a:t>of</a:t>
-            </a:r>
-            <a:r>
-              <a:rPr lang="de-DE" dirty="0"/>
-              <a:t> </a:t>
-            </a:r>
-            <a:r>
-              <a:rPr lang="de-DE" dirty="0" err="1"/>
-              <a:t>the</a:t>
-            </a:r>
-            <a:r>
-              <a:rPr lang="de-DE" dirty="0"/>
-              <a:t> </a:t>
-            </a:r>
-            <a:r>
-              <a:rPr lang="de-DE" dirty="0" err="1"/>
-              <a:t>IOptions</a:t>
-            </a:r>
-            <a:r>
-              <a:rPr lang="de-DE" dirty="0"/>
-              <a:t> </a:t>
-            </a:r>
-            <a:r>
-              <a:rPr lang="de-DE" dirty="0" err="1"/>
-              <a:t>pattern</a:t>
-            </a:r>
-            <a:r>
-              <a:rPr lang="de-DE" dirty="0"/>
-              <a:t>.</a:t>
-            </a:r>
-          </a:p>
-        </p:txBody>
-      </p:sp>
-      <p:sp>
-        <p:nvSpPr>
-          <p:cNvPr id="2" name="Foliennummernplatzhalter 1"/>
-          <p:cNvSpPr>
-            <a:spLocks noGrp="1"/>
-          </p:cNvSpPr>
-          <p:nvPr>
-            <p:ph type="sldNum" sz="quarter" idx="10"/>
-          </p:nvPr>
-        </p:nvSpPr>
-        <p:spPr>
-          <a:xfrm>
-            <a:off x="3884614" y="9597289"/>
-            <a:ext cx="2971800" cy="272125"/>
-          </a:xfrm>
-          <a:prstGeom prst="rect">
-            <a:avLst/>
-          </a:prstGeom>
-        </p:spPr>
-        <p:txBody>
-          <a:bodyPr/>
-          <a:lstStyle/>
-          <a:p>
-            <a:fld id="{D61B4C21-2AF8-4513-9A88-12DEBB551087}" type="slidenum">
-              <a:rPr lang="de-DE" smtClean="0"/>
-              <a:pPr/>
+        <p:spPr/>
+        <p:txBody>
+          <a:bodyPr/>
+          <a:lstStyle/>
+          <a:p>
+            <a:r>
+              <a:rPr lang="nl-BE" dirty="0"/>
+              <a:t>Hi all, nice to see you joinig for this session about saying goodbye to IConfiguration and embrace the power of the IOptions pattern.</a:t>
+            </a:r>
+          </a:p>
+        </p:txBody>
+      </p:sp>
+      <p:sp>
+        <p:nvSpPr>
+          <p:cNvPr id="4" name="Slide Number Placeholder 3"/>
+          <p:cNvSpPr>
+            <a:spLocks noGrp="1"/>
+          </p:cNvSpPr>
+          <p:nvPr>
+            <p:ph type="sldNum" sz="quarter" idx="5"/>
+          </p:nvPr>
+        </p:nvSpPr>
+        <p:spPr/>
+        <p:txBody>
+          <a:bodyPr/>
+          <a:lstStyle/>
+          <a:p>
+            <a:fld id="{F2CAA8BB-88FD-437C-AAF8-B4CF0C75ED63}" type="slidenum">
+              <a:rPr lang="nl-BE" smtClean="0"/>
               <a:t>1</a:t>
             </a:fld>
-            <a:endParaRPr lang="de-DE" dirty="0"/>
+            <a:endParaRPr lang="nl-BE"/>
           </a:p>
         </p:txBody>
       </p:sp>
     </p:spTree>
     <p:extLst>
       <p:ext uri="{BB962C8B-B14F-4D97-AF65-F5344CB8AC3E}">
-        <p14:creationId xmlns:p14="http://schemas.microsoft.com/office/powerpoint/2010/main" val="1291651397"/>
+        <p14:creationId xmlns:p14="http://schemas.microsoft.com/office/powerpoint/2010/main" val="3370172376"/>
       </p:ext>
     </p:extLst>
   </p:cSld>
@@ -2539,21 +2371,6 @@
           <a:bodyPr/>
           <a:lstStyle/>
           <a:p>
-            <a:r>
-              <a:rPr lang="en-US" sz="800" b="1" dirty="0"/>
-              <a:t>Are there people still using .NET6 or .NET7?</a:t>
-            </a:r>
-          </a:p>
-          <a:p>
-            <a:r>
-              <a:rPr lang="en-US" sz="800" dirty="0"/>
-              <a:t>This demo will depend on the .NET8 syntax, you will see why I didn’t consider the previous versions.</a:t>
-            </a:r>
-          </a:p>
-          <a:p>
-            <a:endParaRPr lang="en-US" sz="800" dirty="0"/>
-          </a:p>
-          <a:p>
             <a:pPr defTabSz="882670">
               <a:defRPr/>
             </a:pPr>
@@ -3925,6 +3742,227 @@
           <a:lstStyle/>
           <a:p>
             <a:r>
+              <a:rPr lang="en-US" dirty="0"/>
+              <a:t>I still wanted to show a small example where the combination with </a:t>
+            </a:r>
+            <a:r>
+              <a:rPr lang="en-US" dirty="0" err="1"/>
+              <a:t>IConfiguration</a:t>
+            </a:r>
+            <a:r>
+              <a:rPr lang="en-US" dirty="0"/>
+              <a:t>, </a:t>
+            </a:r>
+            <a:r>
+              <a:rPr lang="en-US" dirty="0" err="1"/>
+              <a:t>IOptions</a:t>
+            </a:r>
+            <a:r>
+              <a:rPr lang="en-US" dirty="0"/>
+              <a:t> and Dependency Injection is doing some magic when it gets combined.</a:t>
+            </a:r>
+          </a:p>
+          <a:p>
+            <a:endParaRPr lang="en-US" dirty="0"/>
+          </a:p>
+          <a:p>
+            <a:r>
+              <a:rPr lang="en-US" dirty="0"/>
+              <a:t>The example simulates a third-party client which we need to use. The only way we can use it is by using a factory with some settings, they were even so nice of providing an example on how you should use it</a:t>
+            </a:r>
+          </a:p>
+          <a:p>
+            <a:r>
+              <a:rPr lang="en-US" dirty="0"/>
+              <a:t>However, if I would need the interface for example not in my startup project without using DI it would become messy, especially as the third-party also gave a strong suggestion of using their client as a singleton.</a:t>
+            </a:r>
+          </a:p>
+          <a:p>
+            <a:r>
+              <a:rPr lang="en-US" dirty="0"/>
+              <a:t>Although the code works, it feels like a sacrifice in the current example state.</a:t>
+            </a:r>
+          </a:p>
+          <a:p>
+            <a:endParaRPr lang="en-US" dirty="0"/>
+          </a:p>
+          <a:p>
+            <a:r>
+              <a:rPr lang="en-US"/>
+              <a:t>To </a:t>
+            </a:r>
+            <a:r>
+              <a:rPr lang="en-US" dirty="0"/>
+              <a:t>address it we would need to create a simple options class which we then can bind.</a:t>
+            </a:r>
+          </a:p>
+          <a:p>
+            <a:r>
+              <a:rPr lang="en-US" dirty="0"/>
+              <a:t>Once this is created, we can consume it using an </a:t>
+            </a:r>
+            <a:r>
+              <a:rPr lang="en-US" dirty="0" err="1"/>
+              <a:t>AddSingletion</a:t>
+            </a:r>
+            <a:r>
+              <a:rPr lang="en-US" dirty="0"/>
+              <a:t> method with the </a:t>
+            </a:r>
+            <a:r>
+              <a:rPr lang="en-US" dirty="0" err="1"/>
+              <a:t>serviceprovider</a:t>
+            </a:r>
+            <a:r>
+              <a:rPr lang="en-US" dirty="0"/>
+              <a:t>.</a:t>
+            </a:r>
+          </a:p>
+          <a:p>
+            <a:r>
+              <a:rPr lang="en-US" dirty="0"/>
+              <a:t>Inside this method we can then create client via the factory and consume the options.</a:t>
+            </a:r>
+          </a:p>
+          <a:p>
+            <a:r>
+              <a:rPr lang="en-US" dirty="0"/>
+              <a:t>The advantage of this little detour, is that we now can request the </a:t>
+            </a:r>
+            <a:r>
+              <a:rPr lang="en-US" dirty="0" err="1"/>
+              <a:t>INonDiClient</a:t>
+            </a:r>
+            <a:r>
+              <a:rPr lang="en-US" dirty="0"/>
+              <a:t> from the DI container, and by doing so it allows us to consume it wherever this interface should be known inside the project. The configuration can be loaded from any </a:t>
+            </a:r>
+            <a:r>
+              <a:rPr lang="en-US" dirty="0" err="1"/>
+              <a:t>serviceprovider</a:t>
+            </a:r>
+            <a:r>
+              <a:rPr lang="en-US" dirty="0"/>
+              <a:t> only at the time when needed.</a:t>
+            </a:r>
+          </a:p>
+          <a:p>
+            <a:endParaRPr lang="en-US" dirty="0"/>
+          </a:p>
+          <a:p>
+            <a:endParaRPr lang="en-US" dirty="0"/>
+          </a:p>
+          <a:p>
+            <a:endParaRPr lang="en-US" dirty="0"/>
+          </a:p>
+        </p:txBody>
+      </p:sp>
+      <p:sp>
+        <p:nvSpPr>
+          <p:cNvPr id="4" name="Slide Number Placeholder 3"/>
+          <p:cNvSpPr>
+            <a:spLocks noGrp="1"/>
+          </p:cNvSpPr>
+          <p:nvPr>
+            <p:ph type="sldNum" sz="quarter" idx="5"/>
+          </p:nvPr>
+        </p:nvSpPr>
+        <p:spPr>
+          <a:xfrm>
+            <a:off x="3884614" y="9597289"/>
+            <a:ext cx="2971800" cy="272125"/>
+          </a:xfrm>
+          <a:prstGeom prst="rect">
+            <a:avLst/>
+          </a:prstGeom>
+        </p:spPr>
+        <p:txBody>
+          <a:bodyPr/>
+          <a:lstStyle/>
+          <a:p>
+            <a:fld id="{D61B4C21-2AF8-4513-9A88-12DEBB551087}" type="slidenum">
+              <a:rPr lang="de-DE" smtClean="0"/>
+              <a:pPr/>
+              <a:t>21</a:t>
+            </a:fld>
+            <a:endParaRPr lang="de-DE" dirty="0"/>
+          </a:p>
+        </p:txBody>
+      </p:sp>
+    </p:spTree>
+    <p:extLst>
+      <p:ext uri="{BB962C8B-B14F-4D97-AF65-F5344CB8AC3E}">
+        <p14:creationId xmlns:p14="http://schemas.microsoft.com/office/powerpoint/2010/main" val="1714846204"/>
+      </p:ext>
+    </p:extLst>
+  </p:cSld>
+  <p:clrMapOvr>
+    <a:masterClrMapping/>
+  </p:clrMapOvr>
+</p:notes>
+</file>
+
+<file path=ppt/notesSlides/notesSlide22.xml><?xml version="1.0" encoding="utf-8"?>
+<p:notes xmlns:a="http://schemas.openxmlformats.org/drawingml/2006/main" xmlns:r="http://schemas.openxmlformats.org/officeDocument/2006/relationships" xmlns:p="http://schemas.openxmlformats.org/presentationml/2006/main">
+  <p:cSld>
+    <p:spTree>
+      <p:nvGrpSpPr>
+        <p:cNvPr id="1" name=""/>
+        <p:cNvGrpSpPr/>
+        <p:nvPr/>
+      </p:nvGrpSpPr>
+      <p:grpSpPr>
+        <a:xfrm>
+          <a:off x="0" y="0"/>
+          <a:ext cx="0" cy="0"/>
+          <a:chOff x="0" y="0"/>
+          <a:chExt cx="0" cy="0"/>
+        </a:xfrm>
+      </p:grpSpPr>
+      <p:sp>
+        <p:nvSpPr>
+          <p:cNvPr id="2" name="Slide Image Placeholder 1"/>
+          <p:cNvSpPr>
+            <a:spLocks noGrp="1" noRot="1" noChangeAspect="1"/>
+          </p:cNvSpPr>
+          <p:nvPr>
+            <p:ph type="sldImg"/>
+          </p:nvPr>
+        </p:nvSpPr>
+        <p:spPr>
+          <a:xfrm>
+            <a:off x="115888" y="388938"/>
+            <a:ext cx="6608762" cy="3717925"/>
+          </a:xfrm>
+          <a:prstGeom prst="rect">
+            <a:avLst/>
+          </a:prstGeom>
+        </p:spPr>
+      </p:sp>
+      <p:sp>
+        <p:nvSpPr>
+          <p:cNvPr id="3" name="Notes Placeholder 2"/>
+          <p:cNvSpPr>
+            <a:spLocks noGrp="1"/>
+          </p:cNvSpPr>
+          <p:nvPr>
+            <p:ph type="body" idx="1"/>
+          </p:nvPr>
+        </p:nvSpPr>
+        <p:spPr>
+          <a:xfrm>
+            <a:off x="360001" y="4276251"/>
+            <a:ext cx="6120000" cy="5248125"/>
+          </a:xfrm>
+          <a:prstGeom prst="rect">
+            <a:avLst/>
+          </a:prstGeom>
+        </p:spPr>
+        <p:txBody>
+          <a:bodyPr/>
+          <a:lstStyle/>
+          <a:p>
+            <a:r>
               <a:rPr lang="en-US" b="0" i="0" dirty="0">
                 <a:solidFill>
                   <a:srgbClr val="242424"/>
@@ -3976,7 +4014,7 @@
             <a:fld id="{D61B4C21-2AF8-4513-9A88-12DEBB551087}" type="slidenum">
               <a:rPr lang="de-DE" smtClean="0"/>
               <a:pPr/>
-              <a:t>21</a:t>
+              <a:t>22</a:t>
             </a:fld>
             <a:endParaRPr lang="de-DE" dirty="0"/>
           </a:p>
@@ -4066,16 +4104,6 @@
               <a:buChar char="•"/>
             </a:pPr>
             <a:r>
-              <a:rPr lang="en-US" dirty="0"/>
-              <a:t>DI Containers</a:t>
-            </a:r>
-          </a:p>
-          <a:p>
-            <a:pPr marL="275834" indent="-275834">
-              <a:buFont typeface="Arial" panose="020B0604020202020204" pitchFamily="34" charset="0"/>
-              <a:buChar char="•"/>
-            </a:pPr>
-            <a:r>
               <a:rPr lang="en-US" dirty="0" err="1"/>
               <a:t>IConfiguration</a:t>
             </a:r>
@@ -4777,6 +4805,31 @@
             <a:r>
               <a:rPr lang="de-DE" dirty="0"/>
               <a:t>.</a:t>
+            </a:r>
+          </a:p>
+          <a:p>
+            <a:endParaRPr lang="de-DE" dirty="0"/>
+          </a:p>
+          <a:p>
+            <a:r>
+              <a:rPr lang="en-US" b="0" i="0" dirty="0">
+                <a:solidFill>
+                  <a:srgbClr val="242424"/>
+                </a:solidFill>
+                <a:effectLst/>
+                <a:latin typeface="Segoe UI" panose="020B0502040204020203" pitchFamily="34" charset="0"/>
+              </a:rPr>
+              <a:t>In short, we needed to perform a specific action on an option value. Initially, it was proposed to copy and paste this action. </a:t>
+            </a:r>
+            <a:r>
+              <a:rPr lang="en-US" b="0" i="0">
+                <a:solidFill>
+                  <a:srgbClr val="242424"/>
+                </a:solidFill>
+                <a:effectLst/>
+                <a:latin typeface="Segoe UI" panose="020B0502040204020203" pitchFamily="34" charset="0"/>
+              </a:rPr>
+              <a:t>Although this approach would have worked, I didn't like the idea of having duplicated code.</a:t>
             </a:r>
           </a:p>
           <a:p>
@@ -14190,7 +14243,7 @@
 
 <file path=ppt/slides/slide1.xml><?xml version="1.0" encoding="utf-8"?>
 <p:sld xmlns:a="http://schemas.openxmlformats.org/drawingml/2006/main" xmlns:r="http://schemas.openxmlformats.org/officeDocument/2006/relationships" xmlns:p="http://schemas.openxmlformats.org/presentationml/2006/main">
-  <p:cSld name="v_1615">
+  <p:cSld>
     <p:spTree>
       <p:nvGrpSpPr>
         <p:cNvPr id="1" name=""/>
@@ -14207,47 +14260,120 @@
       </p:grpSpPr>
       <p:pic>
         <p:nvPicPr>
-          <p:cNvPr id="7" name="Picture 6" descr="A purple card with text and a picture of a person">
+          <p:cNvPr id="7" name="Picture Placeholder 6" descr="A person standing in front of a group of people">
             <a:extLst>
               <a:ext uri="{FF2B5EF4-FFF2-40B4-BE49-F238E27FC236}">
-                <a16:creationId xmlns:a16="http://schemas.microsoft.com/office/drawing/2014/main" id="{1FB82FF1-8168-C0BE-DBFE-283A5472A554}"/>
+                <a16:creationId xmlns:a16="http://schemas.microsoft.com/office/drawing/2014/main" id="{92B06A54-C12A-7A8F-1ABD-EDEA3B1B0271}"/>
               </a:ext>
             </a:extLst>
           </p:cNvPr>
           <p:cNvPicPr>
-            <a:picLocks noChangeAspect="1"/>
+            <a:picLocks noGrp="1" noChangeAspect="1"/>
           </p:cNvPicPr>
-          <p:nvPr/>
+          <p:nvPr>
+            <p:ph type="pic" sz="quarter" idx="12"/>
+          </p:nvPr>
         </p:nvPicPr>
         <p:blipFill>
-          <a:blip r:embed="rId4">
+          <a:blip r:embed="rId3">
             <a:extLst>
               <a:ext uri="{28A0092B-C50C-407E-A947-70E740481C1C}">
                 <a14:useLocalDpi xmlns:a14="http://schemas.microsoft.com/office/drawing/2010/main" val="0"/>
               </a:ext>
             </a:extLst>
           </a:blip>
+          <a:srcRect t="7799" b="7799"/>
           <a:stretch>
             <a:fillRect/>
           </a:stretch>
         </p:blipFill>
-        <p:spPr>
-          <a:xfrm>
-            <a:off x="0" y="0"/>
-            <a:ext cx="9144000" cy="5143500"/>
-          </a:xfrm>
-          <a:prstGeom prst="rect">
-            <a:avLst/>
-          </a:prstGeom>
-        </p:spPr>
+        <p:spPr/>
       </p:pic>
+      <p:sp>
+        <p:nvSpPr>
+          <p:cNvPr id="3" name="Title 2">
+            <a:extLst>
+              <a:ext uri="{FF2B5EF4-FFF2-40B4-BE49-F238E27FC236}">
+                <a16:creationId xmlns:a16="http://schemas.microsoft.com/office/drawing/2014/main" id="{808A5082-0613-9E70-4D5C-BA7773350FBA}"/>
+              </a:ext>
+            </a:extLst>
+          </p:cNvPr>
+          <p:cNvSpPr>
+            <a:spLocks noGrp="1"/>
+          </p:cNvSpPr>
+          <p:nvPr>
+            <p:ph type="ctrTitle"/>
+          </p:nvPr>
+        </p:nvSpPr>
+        <p:spPr/>
+        <p:txBody>
+          <a:bodyPr/>
+          <a:lstStyle/>
+          <a:p>
+            <a:r>
+              <a:rPr lang="nl-BE" dirty="0"/>
+              <a:t>Say goodbye to IConfiguration and embrace the power of the IOptions pattern</a:t>
+            </a:r>
+          </a:p>
+        </p:txBody>
+      </p:sp>
+      <p:sp>
+        <p:nvSpPr>
+          <p:cNvPr id="4" name="Subtitle 3">
+            <a:extLst>
+              <a:ext uri="{FF2B5EF4-FFF2-40B4-BE49-F238E27FC236}">
+                <a16:creationId xmlns:a16="http://schemas.microsoft.com/office/drawing/2014/main" id="{60020598-D33B-6193-CA7D-8E401B532F9D}"/>
+              </a:ext>
+            </a:extLst>
+          </p:cNvPr>
+          <p:cNvSpPr>
+            <a:spLocks noGrp="1"/>
+          </p:cNvSpPr>
+          <p:nvPr>
+            <p:ph type="subTitle" idx="1"/>
+          </p:nvPr>
+        </p:nvSpPr>
+        <p:spPr/>
+        <p:txBody>
+          <a:bodyPr/>
+          <a:lstStyle/>
+          <a:p>
+            <a:r>
+              <a:rPr lang="nl-BE" dirty="0"/>
+              <a:t>Pieter Samyn</a:t>
+            </a:r>
+          </a:p>
+        </p:txBody>
+      </p:sp>
+      <p:sp>
+        <p:nvSpPr>
+          <p:cNvPr id="5" name="Picture Placeholder 4">
+            <a:extLst>
+              <a:ext uri="{FF2B5EF4-FFF2-40B4-BE49-F238E27FC236}">
+                <a16:creationId xmlns:a16="http://schemas.microsoft.com/office/drawing/2014/main" id="{4041F546-9384-7F21-526E-31DA04F382C5}"/>
+              </a:ext>
+            </a:extLst>
+          </p:cNvPr>
+          <p:cNvSpPr>
+            <a:spLocks noGrp="1"/>
+          </p:cNvSpPr>
+          <p:nvPr>
+            <p:ph type="pic" sz="quarter" idx="13"/>
+          </p:nvPr>
+        </p:nvSpPr>
+        <p:spPr/>
+        <p:txBody>
+          <a:bodyPr/>
+          <a:lstStyle/>
+          <a:p>
+            <a:endParaRPr lang="nl-BE"/>
+          </a:p>
+        </p:txBody>
+      </p:sp>
     </p:spTree>
-    <p:custDataLst>
-      <p:tags r:id="rId1"/>
-    </p:custDataLst>
     <p:extLst>
       <p:ext uri="{BB962C8B-B14F-4D97-AF65-F5344CB8AC3E}">
-        <p14:creationId xmlns:p14="http://schemas.microsoft.com/office/powerpoint/2010/main" val="1800626840"/>
+        <p14:creationId xmlns:p14="http://schemas.microsoft.com/office/powerpoint/2010/main" val="700333554"/>
       </p:ext>
     </p:extLst>
   </p:cSld>
@@ -17102,10 +17228,10 @@
       </p:grpSpPr>
       <p:sp>
         <p:nvSpPr>
-          <p:cNvPr id="6" name="Title 5">
+          <p:cNvPr id="2" name="Title 1">
             <a:extLst>
               <a:ext uri="{FF2B5EF4-FFF2-40B4-BE49-F238E27FC236}">
-                <a16:creationId xmlns:a16="http://schemas.microsoft.com/office/drawing/2014/main" id="{5E4EE174-04A0-F71B-9BE9-2D09BDBB3973}"/>
+                <a16:creationId xmlns:a16="http://schemas.microsoft.com/office/drawing/2014/main" id="{47FB5714-DB64-E571-5C47-76CAD8E954BC}"/>
               </a:ext>
             </a:extLst>
           </p:cNvPr>
@@ -17123,17 +17249,18 @@
           <a:p>
             <a:r>
               <a:rPr lang="nl-BE" dirty="0"/>
-              <a:t>Q&amp;A</a:t>
-            </a:r>
+              <a:t>Examples</a:t>
+            </a:r>
+            <a:endParaRPr lang="en-US" dirty="0"/>
           </a:p>
         </p:txBody>
       </p:sp>
       <p:pic>
         <p:nvPicPr>
-          <p:cNvPr id="11" name="Content Placeholder 10" descr="A qr code on a white background&#10;&#10;Description automatically generated">
+          <p:cNvPr id="7" name="Content Placeholder 6" descr="A hand writing on a blue board&#10;&#10;Description automatically generated">
             <a:extLst>
               <a:ext uri="{FF2B5EF4-FFF2-40B4-BE49-F238E27FC236}">
-                <a16:creationId xmlns:a16="http://schemas.microsoft.com/office/drawing/2014/main" id="{F50A4979-65CD-8ED3-0A1E-94665F9AB7D4}"/>
+                <a16:creationId xmlns:a16="http://schemas.microsoft.com/office/drawing/2014/main" id="{91EC149C-B91E-47E6-9971-6DA0F2F47D52}"/>
               </a:ext>
             </a:extLst>
           </p:cNvPr>
@@ -17141,7 +17268,7 @@
             <a:picLocks noGrp="1" noChangeAspect="1"/>
           </p:cNvPicPr>
           <p:nvPr>
-            <p:ph idx="13"/>
+            <p:ph idx="1"/>
           </p:nvPr>
         </p:nvPicPr>
         <p:blipFill>
@@ -17158,6 +17285,153 @@
         </p:blipFill>
         <p:spPr>
           <a:xfrm>
+            <a:off x="792162" y="971550"/>
+            <a:ext cx="7559676" cy="3779838"/>
+          </a:xfrm>
+        </p:spPr>
+      </p:pic>
+      <p:sp>
+        <p:nvSpPr>
+          <p:cNvPr id="4" name="Footer Placeholder 3">
+            <a:extLst>
+              <a:ext uri="{FF2B5EF4-FFF2-40B4-BE49-F238E27FC236}">
+                <a16:creationId xmlns:a16="http://schemas.microsoft.com/office/drawing/2014/main" id="{7777AB3F-2C62-266F-8D7B-0BD18B6D3475}"/>
+              </a:ext>
+            </a:extLst>
+          </p:cNvPr>
+          <p:cNvSpPr>
+            <a:spLocks noGrp="1"/>
+          </p:cNvSpPr>
+          <p:nvPr>
+            <p:ph type="ftr" sz="quarter" idx="11"/>
+          </p:nvPr>
+        </p:nvSpPr>
+        <p:spPr/>
+        <p:txBody>
+          <a:bodyPr/>
+          <a:lstStyle/>
+          <a:p>
+            <a:endParaRPr lang="de-DE" dirty="0"/>
+          </a:p>
+        </p:txBody>
+      </p:sp>
+      <p:sp>
+        <p:nvSpPr>
+          <p:cNvPr id="5" name="Slide Number Placeholder 4">
+            <a:extLst>
+              <a:ext uri="{FF2B5EF4-FFF2-40B4-BE49-F238E27FC236}">
+                <a16:creationId xmlns:a16="http://schemas.microsoft.com/office/drawing/2014/main" id="{301D380F-53E5-8CFA-9D71-5B1B5B7168C9}"/>
+              </a:ext>
+            </a:extLst>
+          </p:cNvPr>
+          <p:cNvSpPr>
+            <a:spLocks noGrp="1"/>
+          </p:cNvSpPr>
+          <p:nvPr>
+            <p:ph type="sldNum" sz="quarter" idx="12"/>
+          </p:nvPr>
+        </p:nvSpPr>
+        <p:spPr/>
+        <p:txBody>
+          <a:bodyPr/>
+          <a:lstStyle/>
+          <a:p>
+            <a:fld id="{AE839375-43AA-4A5D-B991-4343C4570BCB}" type="slidenum">
+              <a:rPr lang="de-DE" smtClean="0"/>
+              <a:t>21</a:t>
+            </a:fld>
+            <a:endParaRPr lang="de-DE"/>
+          </a:p>
+        </p:txBody>
+      </p:sp>
+    </p:spTree>
+    <p:extLst>
+      <p:ext uri="{BB962C8B-B14F-4D97-AF65-F5344CB8AC3E}">
+        <p14:creationId xmlns:p14="http://schemas.microsoft.com/office/powerpoint/2010/main" val="2341458334"/>
+      </p:ext>
+    </p:extLst>
+  </p:cSld>
+  <p:clrMapOvr>
+    <a:masterClrMapping/>
+  </p:clrMapOvr>
+</p:sld>
+</file>
+
+<file path=ppt/slides/slide22.xml><?xml version="1.0" encoding="utf-8"?>
+<p:sld xmlns:a="http://schemas.openxmlformats.org/drawingml/2006/main" xmlns:r="http://schemas.openxmlformats.org/officeDocument/2006/relationships" xmlns:p="http://schemas.openxmlformats.org/presentationml/2006/main">
+  <p:cSld>
+    <p:spTree>
+      <p:nvGrpSpPr>
+        <p:cNvPr id="1" name=""/>
+        <p:cNvGrpSpPr/>
+        <p:nvPr/>
+      </p:nvGrpSpPr>
+      <p:grpSpPr>
+        <a:xfrm>
+          <a:off x="0" y="0"/>
+          <a:ext cx="0" cy="0"/>
+          <a:chOff x="0" y="0"/>
+          <a:chExt cx="0" cy="0"/>
+        </a:xfrm>
+      </p:grpSpPr>
+      <p:sp>
+        <p:nvSpPr>
+          <p:cNvPr id="6" name="Title 5">
+            <a:extLst>
+              <a:ext uri="{FF2B5EF4-FFF2-40B4-BE49-F238E27FC236}">
+                <a16:creationId xmlns:a16="http://schemas.microsoft.com/office/drawing/2014/main" id="{5E4EE174-04A0-F71B-9BE9-2D09BDBB3973}"/>
+              </a:ext>
+            </a:extLst>
+          </p:cNvPr>
+          <p:cNvSpPr>
+            <a:spLocks noGrp="1"/>
+          </p:cNvSpPr>
+          <p:nvPr>
+            <p:ph type="title"/>
+          </p:nvPr>
+        </p:nvSpPr>
+        <p:spPr/>
+        <p:txBody>
+          <a:bodyPr/>
+          <a:lstStyle/>
+          <a:p>
+            <a:r>
+              <a:rPr lang="nl-BE" dirty="0"/>
+              <a:t>Q&amp;A</a:t>
+            </a:r>
+          </a:p>
+        </p:txBody>
+      </p:sp>
+      <p:pic>
+        <p:nvPicPr>
+          <p:cNvPr id="11" name="Content Placeholder 10" descr="A qr code on a white background&#10;&#10;Description automatically generated">
+            <a:extLst>
+              <a:ext uri="{FF2B5EF4-FFF2-40B4-BE49-F238E27FC236}">
+                <a16:creationId xmlns:a16="http://schemas.microsoft.com/office/drawing/2014/main" id="{F50A4979-65CD-8ED3-0A1E-94665F9AB7D4}"/>
+              </a:ext>
+            </a:extLst>
+          </p:cNvPr>
+          <p:cNvPicPr>
+            <a:picLocks noGrp="1" noChangeAspect="1"/>
+          </p:cNvPicPr>
+          <p:nvPr>
+            <p:ph idx="13"/>
+          </p:nvPr>
+        </p:nvPicPr>
+        <p:blipFill>
+          <a:blip r:embed="rId3">
+            <a:extLst>
+              <a:ext uri="{28A0092B-C50C-407E-A947-70E740481C1C}">
+                <a14:useLocalDpi xmlns:a14="http://schemas.microsoft.com/office/drawing/2010/main" val="0"/>
+              </a:ext>
+            </a:extLst>
+          </a:blip>
+          <a:stretch>
+            <a:fillRect/>
+          </a:stretch>
+        </p:blipFill>
+        <p:spPr>
+          <a:xfrm>
             <a:off x="4721902" y="861102"/>
             <a:ext cx="4062463" cy="4062463"/>
           </a:xfrm>
@@ -17211,7 +17485,7 @@
           <a:p>
             <a:fld id="{AE839375-43AA-4A5D-B991-4343C4570BCB}" type="slidenum">
               <a:rPr lang="de-DE" smtClean="0"/>
-              <a:t>21</a:t>
+              <a:t>22</a:t>
             </a:fld>
             <a:endParaRPr lang="de-DE"/>
           </a:p>
@@ -18627,13 +18901,6 @@
   <p:tag name="SLIDO_PRESENTATION_ID" val="00000000-0000-0000-0000-000000000000"/>
   <p:tag name="SLIDO_EVENT_UUID" val="0638bfdd-f174-49eb-957e-8b0e1a6745a2"/>
   <p:tag name="SLIDO_EVENT_SECTION_UUID" val="e5d91fc0-4a58-4803-8c35-c2ea8e1d3ee2"/>
-</p:tagLst>
-</file>
-
-<file path=ppt/tags/tag2.xml><?xml version="1.0" encoding="utf-8"?>
-<p:tagLst xmlns:a="http://schemas.openxmlformats.org/drawingml/2006/main" xmlns:r="http://schemas.openxmlformats.org/officeDocument/2006/relationships" xmlns:p="http://schemas.openxmlformats.org/presentationml/2006/main">
-  <p:tag name="TWNOCDCHECK" val="-1"/>
-  <p:tag name="SLIDENAME" val="v_1615"/>
 </p:tagLst>
 </file>
 
@@ -19498,6 +19765,15 @@
 </file>
 
 <file path=customXml/item1.xml><?xml version="1.0" encoding="utf-8"?>
+<?mso-contentType ?>
+<FormTemplates xmlns="http://schemas.microsoft.com/sharepoint/v3/contenttype/forms">
+  <Display>DocumentLibraryForm</Display>
+  <Edit>DocumentLibraryForm</Edit>
+  <New>DocumentLibraryForm</New>
+</FormTemplates>
+</file>
+
+<file path=customXml/item2.xml><?xml version="1.0" encoding="utf-8"?>
 <ct:contentTypeSchema xmlns:ct="http://schemas.microsoft.com/office/2006/metadata/contentType" xmlns:ma="http://schemas.microsoft.com/office/2006/metadata/properties/metaAttributes" ct:_="" ma:_="" ma:contentTypeName="Dokument" ma:contentTypeID="0x01010050460AE39A82AD4795A3565F3DAE5EA8" ma:contentTypeVersion="16" ma:contentTypeDescription="Ein neues Dokument erstellen." ma:contentTypeScope="" ma:versionID="ec82a9993c9b8a2201503eb30937bf4a">
   <xsd:schema xmlns:xsd="http://www.w3.org/2001/XMLSchema" xmlns:xs="http://www.w3.org/2001/XMLSchema" xmlns:p="http://schemas.microsoft.com/office/2006/metadata/properties" xmlns:ns2="e05445a8-2551-4a63-879e-01155c2c761e" xmlns:ns3="01e95462-78a7-41d4-9a93-e8d8dde53743" targetNamespace="http://schemas.microsoft.com/office/2006/metadata/properties" ma:root="true" ma:fieldsID="0382105114aa7af2a0cdb49a7fd70252" ns2:_="" ns3:_="">
     <xsd:import namespace="e05445a8-2551-4a63-879e-01155c2c761e"/>
@@ -19740,16 +20016,15 @@
 </ct:contentTypeSchema>
 </file>
 
-<file path=customXml/item2.xml><?xml version="1.0" encoding="utf-8"?>
-<?mso-contentType ?>
-<FormTemplates xmlns="http://schemas.microsoft.com/sharepoint/v3/contenttype/forms">
-  <Display>DocumentLibraryForm</Display>
-  <Edit>DocumentLibraryForm</Edit>
-  <New>DocumentLibraryForm</New>
-</FormTemplates>
+<file path=customXml/itemProps1.xml><?xml version="1.0" encoding="utf-8"?>
+<ds:datastoreItem xmlns:ds="http://schemas.openxmlformats.org/officeDocument/2006/customXml" ds:itemID="{DDA0BA8E-434D-48CF-8C42-C96ADE6F01B2}">
+  <ds:schemaRefs>
+    <ds:schemaRef ds:uri="http://schemas.microsoft.com/sharepoint/v3/contenttype/forms"/>
+  </ds:schemaRefs>
+</ds:datastoreItem>
 </file>
 
-<file path=customXml/itemProps1.xml><?xml version="1.0" encoding="utf-8"?>
+<file path=customXml/itemProps2.xml><?xml version="1.0" encoding="utf-8"?>
 <ds:datastoreItem xmlns:ds="http://schemas.openxmlformats.org/officeDocument/2006/customXml" ds:itemID="{0BB5088A-3ACC-49D2-A58D-F09F6B8954CE}">
   <ds:schemaRefs>
     <ds:schemaRef ds:uri="http://schemas.microsoft.com/office/2006/metadata/contentType"/>
@@ -19766,12 +20041,4 @@
     <ds:schemaRef ds:uri="http://schemas.microsoft.com/internal/obd"/>
   </ds:schemaRefs>
 </ds:datastoreItem>
-</file>
-
-<file path=customXml/itemProps2.xml><?xml version="1.0" encoding="utf-8"?>
-<ds:datastoreItem xmlns:ds="http://schemas.openxmlformats.org/officeDocument/2006/customXml" ds:itemID="{DDA0BA8E-434D-48CF-8C42-C96ADE6F01B2}">
-  <ds:schemaRefs>
-    <ds:schemaRef ds:uri="http://schemas.microsoft.com/sharepoint/v3/contenttype/forms"/>
-  </ds:schemaRefs>
-</ds:datastoreItem>
 </file>
--- a/slides/presentation.pptx
+++ b/slides/presentation.pptx
@@ -5,15 +5,15 @@
     <p:sldMasterId id="2147483648" r:id="rId3"/>
   </p:sldMasterIdLst>
   <p:notesMasterIdLst>
-    <p:notesMasterId r:id="rId26"/>
+    <p:notesMasterId r:id="rId25"/>
   </p:notesMasterIdLst>
   <p:handoutMasterIdLst>
-    <p:handoutMasterId r:id="rId27"/>
+    <p:handoutMasterId r:id="rId26"/>
   </p:handoutMasterIdLst>
   <p:sldIdLst>
-    <p:sldId id="287" r:id="rId4"/>
-    <p:sldId id="283" r:id="rId5"/>
-    <p:sldId id="284" r:id="rId6"/>
+    <p:sldId id="289" r:id="rId4"/>
+    <p:sldId id="290" r:id="rId5"/>
+    <p:sldId id="283" r:id="rId6"/>
     <p:sldId id="261" r:id="rId7"/>
     <p:sldId id="260" r:id="rId8"/>
     <p:sldId id="266" r:id="rId9"/>
@@ -30,14 +30,13 @@
     <p:sldId id="276" r:id="rId20"/>
     <p:sldId id="277" r:id="rId21"/>
     <p:sldId id="278" r:id="rId22"/>
-    <p:sldId id="285" r:id="rId23"/>
-    <p:sldId id="288" r:id="rId24"/>
-    <p:sldId id="286" r:id="rId25"/>
+    <p:sldId id="288" r:id="rId23"/>
+    <p:sldId id="286" r:id="rId24"/>
   </p:sldIdLst>
   <p:sldSz cx="9144000" cy="5143500" type="screen16x9"/>
   <p:notesSz cx="6858000" cy="9874250"/>
   <p:custDataLst>
-    <p:tags r:id="rId28"/>
+    <p:tags r:id="rId27"/>
   </p:custDataLst>
   <p:defaultTextStyle>
     <a:defPPr>
@@ -279,7 +278,7 @@
           <a:p>
             <a:fld id="{37581487-DED7-4908-9A01-0A45EDCB1D6C}" type="datetimeFigureOut">
               <a:rPr lang="de-DE" sz="1100"/>
-              <a:t>23.02.2025</a:t>
+              <a:t>14.05.2025</a:t>
             </a:fld>
             <a:endParaRPr lang="de-DE" sz="1100"/>
           </a:p>
@@ -699,9 +698,49 @@
           <a:bodyPr/>
           <a:lstStyle/>
           <a:p>
+            <a:pPr marL="0" marR="0" lvl="0" indent="0" algn="l" defTabSz="914400" rtl="0" eaLnBrk="1" fontAlgn="auto" latinLnBrk="0" hangingPunct="1">
+              <a:lnSpc>
+                <a:spcPct val="100000"/>
+              </a:lnSpc>
+              <a:spcBef>
+                <a:spcPts val="0"/>
+              </a:spcBef>
+              <a:spcAft>
+                <a:spcPts val="0"/>
+              </a:spcAft>
+              <a:buClrTx/>
+              <a:buSzTx/>
+              <a:buFontTx/>
+              <a:buNone/>
+              <a:tabLst/>
+              <a:defRPr/>
+            </a:pPr>
             <a:r>
               <a:rPr lang="nl-BE" dirty="0"/>
-              <a:t>Hi all, nice to see you joinig for this session about saying goodbye to IConfiguration and embrace the power of the IOptions pattern.</a:t>
+              <a:t>Hey leuk om jullie te zien op mijn sessie.</a:t>
+            </a:r>
+          </a:p>
+          <a:p>
+            <a:pPr marL="0" marR="0" lvl="0" indent="0" algn="l" defTabSz="914400" rtl="0" eaLnBrk="1" fontAlgn="auto" latinLnBrk="0" hangingPunct="1">
+              <a:lnSpc>
+                <a:spcPct val="100000"/>
+              </a:lnSpc>
+              <a:spcBef>
+                <a:spcPts val="0"/>
+              </a:spcBef>
+              <a:spcAft>
+                <a:spcPts val="0"/>
+              </a:spcAft>
+              <a:buClrTx/>
+              <a:buSzTx/>
+              <a:buFontTx/>
+              <a:buNone/>
+              <a:tabLst/>
+              <a:defRPr/>
+            </a:pPr>
+            <a:r>
+              <a:rPr lang="nl-BE" dirty="0"/>
+              <a:t>Ik weet dat het vanavond ook Eurovisie songfestival is, wees gerust, ik zal niet zingen.</a:t>
             </a:r>
           </a:p>
         </p:txBody>
@@ -732,7 +771,7 @@
     </p:spTree>
     <p:extLst>
       <p:ext uri="{BB962C8B-B14F-4D97-AF65-F5344CB8AC3E}">
-        <p14:creationId xmlns:p14="http://schemas.microsoft.com/office/powerpoint/2010/main" val="3370172376"/>
+        <p14:creationId xmlns:p14="http://schemas.microsoft.com/office/powerpoint/2010/main" val="3515268969"/>
       </p:ext>
     </p:extLst>
   </p:cSld>
@@ -803,204 +842,151 @@
           <a:lstStyle/>
           <a:p>
             <a:r>
-              <a:rPr lang="en-US" b="1" noProof="0" dirty="0"/>
-              <a:t>Anyone who likes to reinvent the wheel?</a:t>
-            </a:r>
-            <a:br>
-              <a:rPr lang="en-US" noProof="0" dirty="0"/>
-            </a:br>
-            <a:br>
-              <a:rPr lang="en-US" noProof="0" dirty="0"/>
-            </a:br>
-            <a:r>
-              <a:rPr lang="en-US" noProof="0" dirty="0"/>
-              <a:t>I will highlight a piece of code I, which I got inspired by the idea of Andrew Lock.</a:t>
-            </a:r>
-          </a:p>
-          <a:p>
-            <a:r>
-              <a:rPr lang="en-US" noProof="0" dirty="0"/>
-              <a:t>He suggested to only write the parts which matters for your situation, and he has a valid point.</a:t>
-            </a:r>
-          </a:p>
-          <a:p>
-            <a:endParaRPr lang="en-US" noProof="0" dirty="0"/>
-          </a:p>
-          <a:p>
-            <a:r>
-              <a:rPr lang="en-US" noProof="0" dirty="0"/>
-              <a:t>For this custom provider I created a secret manager on AWS.</a:t>
-            </a:r>
-          </a:p>
-          <a:p>
-            <a:r>
-              <a:rPr lang="en-US" noProof="0" dirty="0"/>
-              <a:t>It will retrieve the information using the AWS CLI. I’ve mocked the outbound call for this demo out of precaution for WIFI and infrastructure issues on AWS out of my control.</a:t>
-            </a:r>
-          </a:p>
-          <a:p>
-            <a:endParaRPr lang="en-US" noProof="0" dirty="0"/>
-          </a:p>
-          <a:p>
-            <a:r>
-              <a:rPr lang="en-US" noProof="0" dirty="0"/>
-              <a:t>In the secrets manager a JSON string is stored. This way I can read and load them as if it was a JSON file. Keep in mind that I wanted to recycle things, so the </a:t>
-            </a:r>
-            <a:r>
-              <a:rPr lang="nl-BE" dirty="0"/>
-              <a:t>AmazonSecretsManagerConfigurationProvider is inheriting from the JsonConfigurationProvider this way I don’t need to write the custom hierachy flattening code to get from </a:t>
-            </a:r>
-          </a:p>
-          <a:p>
-            <a:r>
-              <a:rPr lang="nl-BE" sz="850" dirty="0">
-                <a:latin typeface="Consolas" panose="020B0609020204030204" pitchFamily="49" charset="0"/>
-              </a:rPr>
+              <a:rPr lang="nl-BE" b="1" noProof="0" dirty="0"/>
+              <a:t>Iemand die graag het wiel heruitvind?</a:t>
+            </a:r>
+          </a:p>
+          <a:p>
+            <a:endParaRPr lang="nl-BE" b="0" noProof="0" dirty="0"/>
+          </a:p>
+          <a:p>
+            <a:r>
+              <a:rPr lang="nl-BE" b="0" noProof="0" dirty="0"/>
+              <a:t>Ik zal een stuk code tonen, waarvan ik mijn inspiratie gehaald hebt door een post van Andrew Lock.</a:t>
+            </a:r>
+          </a:p>
+          <a:p>
+            <a:r>
+              <a:rPr lang="nl-BE" b="0" noProof="0" dirty="0"/>
+              <a:t>Hij raade aan om enkel maar de stukken te schrijven die je echt zelf moet schrijven en die van toepassing zijn in jou scenario.</a:t>
+            </a:r>
+          </a:p>
+          <a:p>
+            <a:r>
+              <a:rPr lang="nl-BE" b="0" noProof="0" dirty="0"/>
+              <a:t>Ik vind dat hij hier een sterk punt aanhaalde.</a:t>
+            </a:r>
+          </a:p>
+          <a:p>
+            <a:endParaRPr lang="nl-BE" b="0" noProof="0" dirty="0"/>
+          </a:p>
+          <a:p>
+            <a:r>
+              <a:rPr lang="nl-BE" b="0" noProof="0" dirty="0"/>
+              <a:t>Voor de custom zal ik tonen hoe je eenvoudig met een secret manager van AWS kan connecteren en deze te gebruiken als een configuration provider.</a:t>
+            </a:r>
+          </a:p>
+          <a:p>
+            <a:r>
+              <a:rPr lang="nl-BE" b="0" noProof="0" dirty="0"/>
+              <a:t>Spoiler gezien ik weet hoe betrouwbaar wifi is eens je remote gaat werkt dit stukje met een interceptor call. Ik wou gewoon eerlijk zijn. Maar dit is wel gebaseerd op code dat we in productie draaien.</a:t>
+            </a:r>
+          </a:p>
+          <a:p>
+            <a:endParaRPr lang="nl-BE" b="0" noProof="0" dirty="0"/>
+          </a:p>
+          <a:p>
+            <a:r>
+              <a:rPr lang="nl-BE" b="0" noProof="0" dirty="0"/>
+              <a:t>De secret manager bewaard een JSON string, op deze manier kan ik deze lezen en laden als een JSON file. Hou in je achterhoofd dat ik dingen wil hergebruiken.</a:t>
+            </a:r>
+          </a:p>
+          <a:p>
+            <a:r>
+              <a:rPr lang="nl-BE" b="0" noProof="0" dirty="0"/>
+              <a:t>Dus de AmazonSecretsManagerConfigurationProvider inherits van de JsonConfigurationProvider. Hierdoor hoef ik enkel maar de essentie te schrijven namelijk hoe we aan die JSON string raken. De rest is voor de provider, die hierarchical flattening is zo mijn probleem niet meer.</a:t>
+            </a:r>
+          </a:p>
+          <a:p>
+            <a:r>
+              <a:rPr lang="nl-BE" b="0" noProof="0" dirty="0"/>
+              <a:t> </a:t>
+            </a:r>
+          </a:p>
+          <a:p>
+            <a:r>
+              <a:rPr lang="nl-BE" b="0" noProof="0" dirty="0"/>
               <a:t>{</a:t>
             </a:r>
           </a:p>
           <a:p>
             <a:r>
-              <a:rPr lang="nl-BE" sz="850" dirty="0">
-                <a:latin typeface="Consolas" panose="020B0609020204030204" pitchFamily="49" charset="0"/>
-              </a:rPr>
+              <a:rPr lang="nl-BE" b="0" noProof="0" dirty="0"/>
               <a:t>    "AppSettings": {</a:t>
             </a:r>
           </a:p>
           <a:p>
             <a:r>
-              <a:rPr lang="nl-BE" sz="850" dirty="0">
-                <a:latin typeface="Consolas" panose="020B0609020204030204" pitchFamily="49" charset="0"/>
-              </a:rPr>
+              <a:rPr lang="nl-BE" b="0" noProof="0" dirty="0"/>
               <a:t>        "Setting8": "SecretsManagerValue8"</a:t>
             </a:r>
           </a:p>
           <a:p>
             <a:r>
-              <a:rPr lang="nl-BE" sz="850" dirty="0">
-                <a:latin typeface="Consolas" panose="020B0609020204030204" pitchFamily="49" charset="0"/>
-              </a:rPr>
+              <a:rPr lang="nl-BE" b="0" noProof="0" dirty="0"/>
               <a:t>    }</a:t>
             </a:r>
           </a:p>
           <a:p>
             <a:r>
-              <a:rPr lang="nl-BE" sz="850" dirty="0">
-                <a:latin typeface="Consolas" panose="020B0609020204030204" pitchFamily="49" charset="0"/>
-              </a:rPr>
+              <a:rPr lang="nl-BE" b="0" noProof="0" dirty="0"/>
               <a:t>}</a:t>
             </a:r>
           </a:p>
           <a:p>
-            <a:r>
-              <a:rPr lang="nl-BE" sz="850" dirty="0">
-                <a:latin typeface="Consolas" panose="020B0609020204030204" pitchFamily="49" charset="0"/>
-              </a:rPr>
-              <a:t>To AppSettings:Setting8 </a:t>
-            </a:r>
-            <a:r>
-              <a:rPr lang="nl-BE" sz="850" dirty="0">
-                <a:latin typeface="Consolas" panose="020B0609020204030204" pitchFamily="49" charset="0"/>
-                <a:sym typeface="Wingdings" panose="05000000000000000000" pitchFamily="2" charset="2"/>
-              </a:rPr>
-              <a:t> </a:t>
-            </a:r>
-            <a:r>
-              <a:rPr lang="nl-BE" sz="850" dirty="0">
-                <a:latin typeface="Consolas" panose="020B0609020204030204" pitchFamily="49" charset="0"/>
-              </a:rPr>
-              <a:t>SecretsManagerValue8</a:t>
-            </a:r>
-            <a:endParaRPr lang="en-US" sz="850" dirty="0">
-              <a:latin typeface="Consolas" panose="020B0609020204030204" pitchFamily="49" charset="0"/>
-            </a:endParaRPr>
-          </a:p>
-          <a:p>
-            <a:endParaRPr lang="en-US" dirty="0"/>
-          </a:p>
-          <a:p>
-            <a:r>
-              <a:rPr lang="en-US" dirty="0"/>
-              <a:t>The </a:t>
-            </a:r>
-            <a:r>
-              <a:rPr lang="en-US" dirty="0" err="1"/>
-              <a:t>GetSecret</a:t>
-            </a:r>
-            <a:r>
-              <a:rPr lang="en-US" dirty="0"/>
-              <a:t> Method is where the heavy lifting is done. We attach it to the Load method by overriding it. In case when a load exception occurs, we want to reload it a bit later running </a:t>
-            </a:r>
-            <a:r>
-              <a:rPr lang="en-US" noProof="0" dirty="0"/>
-              <a:t>the task </a:t>
-            </a:r>
-            <a:r>
-              <a:rPr lang="en-US" dirty="0"/>
-              <a:t>asynchronously.</a:t>
-            </a:r>
-          </a:p>
-          <a:p>
-            <a:r>
-              <a:rPr lang="en-US" dirty="0"/>
-              <a:t>This in turn will trigger the load and the </a:t>
-            </a:r>
-            <a:r>
-              <a:rPr lang="en-US" dirty="0" err="1"/>
-              <a:t>OnReload</a:t>
-            </a:r>
-            <a:r>
-              <a:rPr lang="en-US" dirty="0"/>
-              <a:t> method.</a:t>
-            </a:r>
-          </a:p>
-          <a:p>
-            <a:r>
-              <a:rPr lang="en-US" dirty="0"/>
-              <a:t>The </a:t>
-            </a:r>
-            <a:r>
-              <a:rPr lang="en-US" dirty="0" err="1"/>
-              <a:t>OnReload</a:t>
-            </a:r>
-            <a:r>
-              <a:rPr lang="en-US" dirty="0"/>
-              <a:t> method will inform the Configuration that this providers needs to be reloaded for the interested parties. But we will dig deeper on this matter a bit later.</a:t>
-            </a:r>
-          </a:p>
-          <a:p>
-            <a:endParaRPr lang="en-US" dirty="0"/>
-          </a:p>
-          <a:p>
-            <a:r>
-              <a:rPr lang="en-US" dirty="0"/>
-              <a:t>Although the provider is doing the work, we need </a:t>
-            </a:r>
-            <a:r>
-              <a:rPr lang="nl-BE" dirty="0"/>
-              <a:t>a configuration source to add it to the Configuration manager in this case the AwsSecretsManagerConfigurationSource.</a:t>
-            </a:r>
-            <a:endParaRPr lang="en-US" dirty="0"/>
-          </a:p>
-          <a:p>
-            <a:endParaRPr lang="en-US" dirty="0"/>
-          </a:p>
-          <a:p>
-            <a:r>
-              <a:rPr lang="en-US" dirty="0"/>
-              <a:t>For the final part we introduce an extension method which then passes through the </a:t>
-            </a:r>
-            <a:r>
-              <a:rPr lang="nl-BE" dirty="0"/>
-              <a:t>AwsSecretsManagerConfigurationSource we do this as the add needs to be done on the IConfigurationBuilder, this is inherited by the IConfigurationManager and implemented by the ConfigurationManager which is accessable via builder.Configuration.</a:t>
-            </a:r>
-          </a:p>
-          <a:p>
-            <a:r>
-              <a:rPr lang="nl-BE" dirty="0"/>
-              <a:t>Builder.Configuration.Add() does also exists but this starts of with an IConfigurationManager and forces some additional steps you can skip safely by using an extension method like this.</a:t>
-            </a:r>
-            <a:endParaRPr lang="en-US" dirty="0"/>
+            <a:endParaRPr lang="nl-BE" b="0" noProof="0" dirty="0"/>
+          </a:p>
+          <a:p>
+            <a:r>
+              <a:rPr lang="nl-BE" b="0" noProof="0" dirty="0"/>
+              <a:t>To AppSettings:Setting8 -&gt; SecretsManagerValue8</a:t>
+            </a:r>
+          </a:p>
+          <a:p>
+            <a:endParaRPr lang="nl-BE" b="0" noProof="0" dirty="0"/>
+          </a:p>
+          <a:p>
+            <a:r>
+              <a:rPr lang="nl-BE" b="0" noProof="0" dirty="0"/>
+              <a:t>De GetSecret Method is waar het werk gebeurd. Deze koppelen we aan de Load method door deze de overschrijven. Als er zich een fout voordoet, willen we dit later asynchroon nog eens opnieuw proberen.</a:t>
+            </a:r>
+          </a:p>
+          <a:p>
+            <a:r>
+              <a:rPr lang="nl-BE" b="0" noProof="0" dirty="0"/>
+              <a:t>Dit zal dan op zijn beurt de OnReload method triggeren.</a:t>
+            </a:r>
+          </a:p>
+          <a:p>
+            <a:r>
+              <a:rPr lang="nl-BE" b="0" noProof="0" dirty="0"/>
+              <a:t>De OnReload method gaat dan de Configuration provider informeren dat de partijen die dit wensen een nieuwe configuratie kunnen ophalen. Maar later meer over dit.</a:t>
+            </a:r>
+          </a:p>
+          <a:p>
+            <a:endParaRPr lang="nl-BE" b="0" noProof="0" dirty="0"/>
+          </a:p>
+          <a:p>
+            <a:r>
+              <a:rPr lang="nl-BE" b="0" noProof="0" dirty="0"/>
+              <a:t>Ook al doet de provider het werk, we hebben nood aan een configuration source om deze aan de configuration manager te kunnen koppelen. In dit geval AwsSecretsManagerConfigurationSource.</a:t>
+            </a:r>
+          </a:p>
+          <a:p>
+            <a:endParaRPr lang="nl-BE" b="0" noProof="0" dirty="0"/>
+          </a:p>
+          <a:p>
+            <a:r>
+              <a:rPr lang="nl-BE" b="0" noProof="0" dirty="0"/>
+              <a:t>Als laatste introduceren we een extension method die dan de AwsSecretsManagerConfigurationSource doorgeeft, dit is het eenvoudigste te doen op de IConfigurationBuilder, deze erft van de IConfigurationManager die geïmplementeerd is door de ConfigurationManger die op zijn beurt toegankelijk is via de builder.Configuration.</a:t>
+            </a:r>
+          </a:p>
+          <a:p>
+            <a:r>
+              <a:rPr lang="nl-BE" b="0" noProof="0" dirty="0"/>
+              <a:t>Je zou ook de Builder.Configuration.Add() method kunnen gebruiken maar deze kan je dwingen om een paar onnodige transformaties te doen die je niet nodig hebt.</a:t>
+            </a:r>
+            <a:endParaRPr lang="en-US" b="0" dirty="0"/>
           </a:p>
         </p:txBody>
       </p:sp>
@@ -1110,164 +1096,130 @@
           <a:lstStyle/>
           <a:p>
             <a:r>
-              <a:rPr lang="en-US" noProof="0" dirty="0"/>
-              <a:t>We have our flat hierarchical key value pairs. But how do we extract these values?</a:t>
-            </a:r>
-          </a:p>
-          <a:p>
-            <a:endParaRPr lang="en-US" noProof="0" dirty="0"/>
-          </a:p>
-          <a:p>
-            <a:r>
-              <a:rPr lang="en-US" i="1" noProof="0" dirty="0"/>
-              <a:t>The environment: show the </a:t>
-            </a:r>
-            <a:r>
-              <a:rPr lang="en-US" i="1" noProof="0" dirty="0" err="1"/>
-              <a:t>launchsettings.json</a:t>
-            </a:r>
-            <a:r>
-              <a:rPr lang="en-US" i="1" noProof="0" dirty="0"/>
-              <a:t> and highlight the environment variable.</a:t>
-            </a:r>
-          </a:p>
-          <a:p>
-            <a:endParaRPr lang="en-US" noProof="0" dirty="0"/>
-          </a:p>
-          <a:p>
-            <a:r>
-              <a:rPr lang="en-US" noProof="0" dirty="0"/>
-              <a:t>These are the ways I’ve noticed currently in use with an </a:t>
-            </a:r>
-            <a:r>
-              <a:rPr lang="en-US" noProof="0" dirty="0" err="1"/>
-              <a:t>IConfiguration</a:t>
-            </a:r>
-            <a:r>
-              <a:rPr lang="en-US" noProof="0" dirty="0"/>
-              <a:t>:</a:t>
-            </a:r>
-          </a:p>
-          <a:p>
-            <a:endParaRPr lang="en-US" noProof="0" dirty="0"/>
-          </a:p>
-          <a:p>
-            <a:pPr marL="165501" indent="-165501">
-              <a:buFont typeface="Arial" panose="020B0604020202020204" pitchFamily="34" charset="0"/>
-              <a:buChar char="•"/>
-            </a:pPr>
-            <a:r>
-              <a:rPr lang="en-US" dirty="0"/>
+              <a:rPr lang="nl-BE" dirty="0"/>
+              <a:t>Ok we hebben nu die platte hierarchy met key value pairs. Maar hoe werken we er nu mee?</a:t>
+            </a:r>
+          </a:p>
+          <a:p>
+            <a:endParaRPr lang="nl-BE" dirty="0"/>
+          </a:p>
+          <a:p>
+            <a:r>
+              <a:rPr lang="nl-BE" b="1" dirty="0"/>
+              <a:t>The environment: show the launchsettings.json and highlight the environment variable.</a:t>
+            </a:r>
+          </a:p>
+          <a:p>
+            <a:endParaRPr lang="nl-BE" dirty="0"/>
+          </a:p>
+          <a:p>
+            <a:r>
+              <a:rPr lang="nl-BE" dirty="0"/>
+              <a:t>De volgende voorbeelden zijn een evolutie van hoe ik zelf en in mijn team gewerkt hebben met configuratie.</a:t>
+            </a:r>
+          </a:p>
+          <a:p>
+            <a:endParaRPr lang="nl-BE" dirty="0"/>
+          </a:p>
+          <a:p>
+            <a:r>
+              <a:rPr lang="nl-BE" dirty="0"/>
               <a:t>/config/1</a:t>
             </a:r>
-            <a:br>
-              <a:rPr lang="en-US" dirty="0"/>
-            </a:br>
-            <a:r>
-              <a:rPr lang="en-US" dirty="0"/>
-              <a:t>This is an optimistic way of configuring the object.</a:t>
-            </a:r>
-          </a:p>
-          <a:p>
-            <a:pPr marL="165501" indent="-165501">
-              <a:buFont typeface="Arial" panose="020B0604020202020204" pitchFamily="34" charset="0"/>
-              <a:buChar char="•"/>
-            </a:pPr>
-            <a:r>
-              <a:rPr lang="en-US" dirty="0"/>
+          </a:p>
+          <a:p>
+            <a:r>
+              <a:rPr lang="nl-BE" dirty="0"/>
+              <a:t>Dit is een zeer optimistiche manier van werken, als je alleen werkt aan een project kan je dit wel doen.</a:t>
+            </a:r>
+          </a:p>
+          <a:p>
+            <a:r>
+              <a:rPr lang="nl-BE" dirty="0"/>
               <a:t>/config/2</a:t>
             </a:r>
-            <a:br>
-              <a:rPr lang="en-US" dirty="0"/>
-            </a:br>
-            <a:r>
-              <a:rPr lang="en-US" dirty="0"/>
-              <a:t>This one deals with everything itself; each value is extracted as a nullable string and must be transformed and validated before it can be used</a:t>
-            </a:r>
-          </a:p>
-          <a:p>
-            <a:pPr marL="165501" indent="-165501">
-              <a:buFont typeface="Arial" panose="020B0604020202020204" pitchFamily="34" charset="0"/>
-              <a:buChar char="•"/>
-            </a:pPr>
-            <a:r>
-              <a:rPr lang="en-US" dirty="0"/>
+          </a:p>
+          <a:p>
+            <a:r>
+              <a:rPr lang="nl-BE" dirty="0"/>
+              <a:t>Vanzodra er mee komt werken aan je project ga je al vlug merken dat je nood gaat hebben aan validatie. In dit voorbeeld wordt alles afgehandeld in deze method.</a:t>
+            </a:r>
+          </a:p>
+          <a:p>
+            <a:r>
+              <a:rPr lang="nl-BE" dirty="0"/>
               <a:t>/config/3</a:t>
             </a:r>
-            <a:br>
-              <a:rPr lang="en-US" dirty="0"/>
-            </a:br>
-            <a:r>
-              <a:rPr lang="en-US" dirty="0"/>
-              <a:t>Already a bit more advanced as we are no longer responsible for the transformation from string to another datatype.</a:t>
-            </a:r>
-            <a:br>
-              <a:rPr lang="en-US" dirty="0"/>
-            </a:br>
-            <a:r>
-              <a:rPr lang="en-US" dirty="0"/>
-              <a:t>To make this work we need the NuGet package “</a:t>
-            </a:r>
-            <a:r>
-              <a:rPr lang="en-US" b="1" dirty="0" err="1"/>
+          </a:p>
+          <a:p>
+            <a:r>
+              <a:rPr lang="nl-BE" dirty="0"/>
+              <a:t>Bepaalde stappen kan je echter vereenvoudigen door te werken met GetValue zo hoef je bepaalde boiler plate code niet telkens opnieuw te schrijven.</a:t>
+            </a:r>
+          </a:p>
+          <a:p>
+            <a:r>
+              <a:rPr lang="nl-BE" dirty="0"/>
+              <a:t>Hiervoor heb je wel de NuGet package “</a:t>
+            </a:r>
+            <a:r>
+              <a:rPr lang="nl-BE" b="1" dirty="0"/>
               <a:t>Microsoft.Extensions.Configuration.Binder</a:t>
             </a:r>
             <a:r>
-              <a:rPr lang="en-US" dirty="0"/>
-              <a:t>”</a:t>
-            </a:r>
-          </a:p>
-          <a:p>
-            <a:pPr marL="165501" indent="-165501">
-              <a:buFont typeface="Arial" panose="020B0604020202020204" pitchFamily="34" charset="0"/>
-              <a:buChar char="•"/>
-            </a:pPr>
-            <a:r>
-              <a:rPr lang="en-US" dirty="0"/>
+              <a:rPr lang="nl-BE" dirty="0"/>
+              <a:t>” nodig. Maar deze zit tegenwoordig terug native in de SDK.</a:t>
+            </a:r>
+          </a:p>
+          <a:p>
+            <a:r>
+              <a:rPr lang="nl-BE" dirty="0"/>
               <a:t>/config/4</a:t>
             </a:r>
-            <a:br>
-              <a:rPr lang="en-US" dirty="0"/>
-            </a:br>
-            <a:r>
-              <a:rPr lang="en-US" dirty="0"/>
-              <a:t>Up the anti a bit again as now we only need to point to the JSON property who is representing our object.</a:t>
-            </a:r>
-            <a:br>
-              <a:rPr lang="en-US" dirty="0"/>
-            </a:br>
-            <a:r>
-              <a:rPr lang="en-US" dirty="0"/>
-              <a:t>Advantage of this approach is that new values are automatically being picked up if they are added. Only the validation step still needs to occur.</a:t>
-            </a:r>
-            <a:br>
-              <a:rPr lang="en-US" dirty="0"/>
-            </a:br>
-            <a:r>
-              <a:rPr lang="en-US" dirty="0"/>
-              <a:t>They must be at least public settable (Init, set or via the constructor)</a:t>
-            </a:r>
-          </a:p>
-          <a:p>
-            <a:pPr marL="165501" indent="-165501">
-              <a:buFont typeface="Arial" panose="020B0604020202020204" pitchFamily="34" charset="0"/>
-              <a:buChar char="•"/>
-            </a:pPr>
+          </a:p>
+          <a:p>
+            <a:r>
+              <a:rPr lang="nl-BE" dirty="0"/>
+              <a:t>In het laatste voorbeeld gaan we nog een stapje verder en verwijzen we naar het pad die ons object vertegenwoordigd.</a:t>
+            </a:r>
+          </a:p>
+          <a:p>
+            <a:r>
+              <a:rPr lang="nl-BE" dirty="0"/>
+              <a:t>Voordeel hiervan is als er nieuwe properties bijkomen de binding automatisch gebeurd met je object als je ook deze natuurlijk voorziet van die property.</a:t>
+            </a:r>
+          </a:p>
+          <a:p>
+            <a:r>
+              <a:rPr lang="nl-BE" dirty="0"/>
+              <a:t>Enkel de validatie moet nog gebeuren en hier merkt je wel dat er een compromie gesloten moet worden met de nullable types bv.</a:t>
+            </a:r>
+          </a:p>
+          <a:p>
+            <a:r>
+              <a:rPr lang="nl-BE" dirty="0"/>
+              <a:t>Ook moeten de properties publiek geconfigureerd worden dit </a:t>
+            </a:r>
+            <a:r>
+              <a:rPr lang="nl-BE" b="1" dirty="0"/>
+              <a:t>via init, set of constructor.</a:t>
+            </a:r>
+          </a:p>
+          <a:p>
+            <a:endParaRPr lang="nl-BE" dirty="0"/>
+          </a:p>
+          <a:p>
+            <a:r>
+              <a:rPr lang="nl-BE" dirty="0"/>
+              <a:t>Zijn er mensen die dit doen?</a:t>
+            </a:r>
+          </a:p>
+          <a:p>
+            <a:r>
+              <a:rPr lang="nl-BE" dirty="0"/>
+              <a:t>Bij ons op het werk gebeurd het ook maar meestal is het een variatie van de eerste optie.</a:t>
+            </a:r>
             <a:endParaRPr lang="en-US" dirty="0"/>
-          </a:p>
-          <a:p>
-            <a:r>
-              <a:rPr lang="en-US" dirty="0"/>
-              <a:t>I must be honest with these examples as they are biased, most of the time when I see </a:t>
-            </a:r>
-            <a:r>
-              <a:rPr lang="en-US" dirty="0" err="1"/>
-              <a:t>IConfiguration</a:t>
-            </a:r>
-            <a:r>
-              <a:rPr lang="en-US" dirty="0"/>
-              <a:t> being used and it is not with options they are rarely passed to an in between object, but directly to the service which needs to be configured. So actually a variation of the optimistic example 1.</a:t>
-            </a:r>
           </a:p>
         </p:txBody>
       </p:sp>
@@ -1377,39 +1329,36 @@
           <a:lstStyle/>
           <a:p>
             <a:r>
-              <a:rPr lang="en-US" noProof="0" dirty="0"/>
-              <a:t>With the base set for </a:t>
-            </a:r>
-            <a:r>
-              <a:rPr lang="en-US" noProof="0" dirty="0" err="1"/>
-              <a:t>IConfiguration</a:t>
-            </a:r>
-            <a:r>
-              <a:rPr lang="en-US" noProof="0" dirty="0"/>
-              <a:t> we can now start at looking for </a:t>
-            </a:r>
-            <a:r>
-              <a:rPr lang="en-US" noProof="0" dirty="0" err="1"/>
-              <a:t>IOptions</a:t>
-            </a:r>
-            <a:r>
-              <a:rPr lang="en-US" noProof="0" dirty="0"/>
-              <a:t>.</a:t>
-            </a:r>
-          </a:p>
-          <a:p>
-            <a:r>
-              <a:rPr lang="en-US" noProof="0" dirty="0"/>
-              <a:t>You could create options without an </a:t>
-            </a:r>
-            <a:r>
-              <a:rPr lang="en-US" noProof="0" dirty="0" err="1"/>
-              <a:t>IConfiguration</a:t>
-            </a:r>
-            <a:r>
-              <a:rPr lang="en-US" noProof="0" dirty="0"/>
-              <a:t> off course. But I rarely encounter those situations.</a:t>
-            </a:r>
+              <a:rPr lang="nl-BE" noProof="0" dirty="0"/>
+              <a:t>Met de basis van IConfiguration uitgelegd te hebben heb nu ik wel een opstapje naar het IOptions patroon.</a:t>
+            </a:r>
+          </a:p>
+          <a:p>
+            <a:r>
+              <a:rPr lang="nl-BE" noProof="0" dirty="0"/>
+              <a:t>Je kan een option maken zonder IConfiguration maar ik zie het zelfden, en eens je weet dat er iets native hier gebruik van maakt, kan je hier op inspelen zelfst.</a:t>
+            </a:r>
+          </a:p>
+          <a:p>
+            <a:endParaRPr lang="nl-BE" noProof="0" dirty="0"/>
+          </a:p>
+          <a:p>
+            <a:r>
+              <a:rPr lang="nl-BE" noProof="0" dirty="0"/>
+              <a:t>Options gaan we ook in 4 stukken demonstreren: Concept, Types, Validatie &amp; Configuratie.</a:t>
+            </a:r>
+          </a:p>
+          <a:p>
+            <a:endParaRPr lang="nl-BE" noProof="0" dirty="0"/>
+          </a:p>
+          <a:p>
+            <a:r>
+              <a:rPr lang="nl-BE" b="1" noProof="0" dirty="0"/>
+              <a:t>Iedereen nog mee?</a:t>
+            </a:r>
+          </a:p>
+          <a:p>
+            <a:endParaRPr lang="nl-BE" noProof="0" dirty="0"/>
           </a:p>
         </p:txBody>
       </p:sp>
@@ -1519,92 +1468,98 @@
           <a:lstStyle/>
           <a:p>
             <a:r>
-              <a:rPr lang="en-US" noProof="0" dirty="0" err="1"/>
+              <a:rPr lang="nl-BE" noProof="0" dirty="0"/>
               <a:t>IOptions</a:t>
             </a:r>
-            <a:endParaRPr lang="en-US" noProof="0" dirty="0"/>
-          </a:p>
-          <a:p>
-            <a:endParaRPr lang="en-US" noProof="0" dirty="0"/>
-          </a:p>
-          <a:p>
-            <a:r>
-              <a:rPr lang="en-US" noProof="0" dirty="0"/>
-              <a:t>With this pattern you can avoid that you need to make your entire solution aware about your configuration and as a bonus you get a strong typed class for accessing your configuration.</a:t>
-            </a:r>
-          </a:p>
-          <a:p>
-            <a:endParaRPr lang="en-US" noProof="0" dirty="0"/>
-          </a:p>
-          <a:p>
-            <a:r>
-              <a:rPr lang="en-US" noProof="0" dirty="0"/>
-              <a:t>It makes a clear separation between different parts of your application and thereby it offers you 2 important software principles</a:t>
-            </a:r>
-          </a:p>
-          <a:p>
-            <a:pPr marL="165501" indent="-165501">
+          </a:p>
+          <a:p>
+            <a:endParaRPr lang="nl-BE" noProof="0" dirty="0"/>
+          </a:p>
+          <a:p>
+            <a:r>
+              <a:rPr lang="nl-BE" noProof="0" dirty="0"/>
+              <a:t>Met dit patroon kan je ervoor zorgen dat niet heel je implementatie alle configuratie parameter moet kennen en als bonus krijg je er nog </a:t>
+            </a:r>
+            <a:r>
+              <a:rPr lang="nl-BE" b="1" noProof="0" dirty="0"/>
+              <a:t>een strong typed klasse </a:t>
+            </a:r>
+            <a:r>
+              <a:rPr lang="nl-BE" noProof="0" dirty="0"/>
+              <a:t>voor terug.</a:t>
+            </a:r>
+          </a:p>
+          <a:p>
+            <a:endParaRPr lang="nl-BE" noProof="0" dirty="0"/>
+          </a:p>
+          <a:p>
+            <a:r>
+              <a:rPr lang="nl-BE" noProof="0" dirty="0"/>
+              <a:t>Het zorgt voor een duidelijke scheiding voor de verschillende zaken in je applicatie die niets met elkaar moeten te maken hebben en daardoor helpt het je met de SOLID principes onrechtstreeks.</a:t>
+            </a:r>
+          </a:p>
+          <a:p>
+            <a:r>
+              <a:rPr lang="nl-BE" noProof="0" dirty="0"/>
+              <a:t>Want door deze toe passen krijg je</a:t>
+            </a:r>
+          </a:p>
+          <a:p>
+            <a:endParaRPr lang="nl-BE" noProof="0" dirty="0"/>
+          </a:p>
+          <a:p>
+            <a:pPr marL="171450" indent="-171450">
               <a:buFont typeface="Arial" panose="020B0604020202020204" pitchFamily="34" charset="0"/>
               <a:buChar char="•"/>
             </a:pPr>
             <a:r>
-              <a:rPr lang="en-US" noProof="0" dirty="0"/>
+              <a:rPr lang="nl-BE" noProof="0" dirty="0"/>
               <a:t>Interface Segregation Principle (ISP)</a:t>
             </a:r>
           </a:p>
           <a:p>
-            <a:pPr marL="165501" indent="-165501">
+            <a:pPr marL="171450" indent="-171450">
               <a:buFont typeface="Arial" panose="020B0604020202020204" pitchFamily="34" charset="0"/>
               <a:buChar char="•"/>
             </a:pPr>
             <a:r>
-              <a:rPr lang="en-US" noProof="0" dirty="0"/>
+              <a:rPr lang="nl-BE" noProof="0" dirty="0"/>
               <a:t>Separation of Concerns</a:t>
             </a:r>
           </a:p>
           <a:p>
-            <a:r>
-              <a:rPr lang="en-US" noProof="0" dirty="0"/>
-              <a:t>e.g.: Your database infrastructure doesn’t need to know anything about outgoing connections and vice versa.</a:t>
-            </a:r>
-          </a:p>
-          <a:p>
-            <a:r>
-              <a:rPr lang="en-US" noProof="0" dirty="0"/>
-              <a:t>If you would have multiple different databases, you can also separate it on their name.</a:t>
-            </a:r>
-          </a:p>
-          <a:p>
-            <a:r>
-              <a:rPr lang="en-US" noProof="0" dirty="0"/>
-              <a:t>Each piece of your application only receives the options it need to do its work.</a:t>
-            </a:r>
-          </a:p>
-          <a:p>
+            <a:endParaRPr lang="nl-BE" noProof="0" dirty="0"/>
+          </a:p>
+          <a:p>
+            <a:r>
+              <a:rPr lang="nl-BE" noProof="0" dirty="0"/>
+              <a:t>Bv.: je database infrastructuur hoeft niets te weten van andere uitgaande verbindigen of omgekeerd. Tevens als je meerdere verschillende databases hebt, kan je deze scheiden daar de optie een naam te geven.</a:t>
+            </a:r>
+          </a:p>
+          <a:p>
+            <a:r>
+              <a:rPr lang="nl-BE" noProof="0" dirty="0"/>
+              <a:t>Elk stukje van je applicatie ontvangt wat het nodig heeft om zijn werk te kunnen doen.</a:t>
+            </a:r>
+          </a:p>
+          <a:p>
+            <a:endParaRPr lang="nl-BE" noProof="0" dirty="0"/>
+          </a:p>
+          <a:p>
+            <a:r>
+              <a:rPr lang="nl-BE" noProof="0" dirty="0"/>
+              <a:t>Er is ook een native manier om validatie te doen.</a:t>
+            </a:r>
+          </a:p>
+          <a:p>
+            <a:endParaRPr lang="nl-BE" noProof="0" dirty="0"/>
+          </a:p>
+          <a:p>
+            <a:r>
+              <a:rPr lang="nl-BE" noProof="0" dirty="0"/>
+              <a:t>En de integratie met de DI container is superkrachtig. Het is tevens door deze functionaliteit dat ik verkocht ben geraakt aan dit patroon. Ik zal dit in de laatste demo aantonen waar dan ook alle stukjes die we nu behandelen toepassen in een toch voor een demo zijnde een geadvanceerdere configuratie.</a:t>
+            </a:r>
             <a:endParaRPr lang="en-US" noProof="0" dirty="0"/>
-          </a:p>
-          <a:p>
-            <a:r>
-              <a:rPr lang="en-US" noProof="0" dirty="0"/>
-              <a:t>There is a build in mechanism to validate your configuration data.</a:t>
-            </a:r>
-          </a:p>
-          <a:p>
-            <a:endParaRPr lang="en-US" noProof="0" dirty="0"/>
-          </a:p>
-          <a:p>
-            <a:r>
-              <a:rPr lang="en-US" noProof="0" dirty="0"/>
-              <a:t>And the DI integration for resolving configurational dependencies, it is this small feature which made me love the </a:t>
-            </a:r>
-            <a:r>
-              <a:rPr lang="en-US" noProof="0" dirty="0" err="1"/>
-              <a:t>IOptions</a:t>
-            </a:r>
-            <a:r>
-              <a:rPr lang="en-US" noProof="0" dirty="0"/>
-              <a:t> pattern. This will be in the last demo when all the dots are connected and will result in an advanced configuration.</a:t>
-            </a:r>
           </a:p>
         </p:txBody>
       </p:sp>
@@ -1714,105 +1669,53 @@
           <a:lstStyle/>
           <a:p>
             <a:r>
-              <a:rPr lang="en-US" noProof="0" dirty="0"/>
-              <a:t>If you are reading information about the </a:t>
-            </a:r>
-            <a:r>
-              <a:rPr lang="en-US" noProof="0" dirty="0" err="1"/>
-              <a:t>IOptions</a:t>
-            </a:r>
-            <a:r>
-              <a:rPr lang="en-US" noProof="0" dirty="0"/>
-              <a:t> pattern you could be overwhelmed by the different flavors. When your request it into your services.</a:t>
-            </a:r>
-          </a:p>
-          <a:p>
-            <a:r>
-              <a:rPr lang="en-US" noProof="0" dirty="0"/>
-              <a:t>The reason for these choices is so you could choose the best lifetime semantics which fit for your needs.</a:t>
-            </a:r>
-          </a:p>
-          <a:p>
-            <a:endParaRPr lang="en-US" noProof="0" dirty="0"/>
-          </a:p>
-          <a:p>
-            <a:r>
-              <a:rPr lang="en-US" noProof="0" dirty="0"/>
-              <a:t>The easiest one to grasp if you’re coming from an </a:t>
-            </a:r>
-            <a:r>
-              <a:rPr lang="en-US" noProof="0" dirty="0" err="1"/>
-              <a:t>IConfiguration</a:t>
-            </a:r>
-            <a:r>
-              <a:rPr lang="en-US" noProof="0" dirty="0"/>
-              <a:t> background is the </a:t>
-            </a:r>
-            <a:r>
-              <a:rPr lang="en-US" noProof="0" dirty="0" err="1"/>
-              <a:t>IOptions</a:t>
-            </a:r>
-            <a:r>
-              <a:rPr lang="en-US" noProof="0" dirty="0"/>
-              <a:t>&lt;T&gt;</a:t>
-            </a:r>
-          </a:p>
-          <a:p>
-            <a:r>
-              <a:rPr lang="en-US" noProof="0" dirty="0"/>
-              <a:t>Once it is loaded it will never change until the application is reloaded. There can also only be one if it for the entire application if you would define it again it would just overwrite the previously configured one.</a:t>
-            </a:r>
-          </a:p>
-          <a:p>
-            <a:endParaRPr lang="en-US" noProof="0" dirty="0"/>
-          </a:p>
-          <a:p>
-            <a:r>
-              <a:rPr lang="en-US" noProof="0" dirty="0"/>
-              <a:t>If you have multiple different database connections, you could opt for creating an abstract base Option class and then let each configuration inherit from it. This means you’ll have for each database a custom object. This is not always desired or needed. Another option is to opt for an </a:t>
-            </a:r>
-            <a:r>
-              <a:rPr lang="en-US" noProof="0" dirty="0" err="1"/>
-              <a:t>IOptionsMonitor</a:t>
-            </a:r>
-            <a:r>
-              <a:rPr lang="en-US" noProof="0" dirty="0"/>
-              <a:t>&lt;T&gt;.</a:t>
-            </a:r>
-          </a:p>
-          <a:p>
-            <a:r>
-              <a:rPr lang="en-US" noProof="0" dirty="0"/>
-              <a:t>Besides monitoring the configuration for changes, it also supports named options granting you the ability to reuse the option object for each different database, it comes as a </a:t>
-            </a:r>
-            <a:r>
-              <a:rPr lang="en-US" b="1" noProof="0" dirty="0"/>
-              <a:t>singleton</a:t>
-            </a:r>
-            <a:r>
-              <a:rPr lang="en-US" noProof="0" dirty="0"/>
-              <a:t> and support reload natively.</a:t>
-            </a:r>
-          </a:p>
-          <a:p>
-            <a:endParaRPr lang="en-US" noProof="0" dirty="0"/>
-          </a:p>
-          <a:p>
-            <a:r>
-              <a:rPr lang="en-US" noProof="0" dirty="0" err="1"/>
-              <a:t>IOptionsSnapshot</a:t>
-            </a:r>
-            <a:r>
-              <a:rPr lang="en-US" noProof="0" dirty="0"/>
-              <a:t>&lt;T&gt; is on each request recreated using a </a:t>
-            </a:r>
-            <a:r>
-              <a:rPr lang="en-US" b="1" noProof="0" dirty="0"/>
-              <a:t>scope</a:t>
-            </a:r>
-            <a:r>
-              <a:rPr lang="en-US" noProof="0" dirty="0"/>
-              <a:t>, so this could come with a performance hit if it is in hot path construct. And because of it being scoped it cannot be used in a singleton.</a:t>
+              <a:rPr lang="nl-BE" noProof="0" dirty="0"/>
+              <a:t>Als je voor het eerst start met IOptions zou je kunnen overweldigd raken door de verschillende implementaties. Weet dat dit gewoon heel afhankelijk is van de service waarin je ze toepast.</a:t>
+            </a:r>
+          </a:p>
+          <a:p>
+            <a:r>
+              <a:rPr lang="nl-BE" noProof="0" dirty="0"/>
+              <a:t>En dat ze juist zoals met de DI containers te maken hebben met de lifetime die ze elk hebben. Het is aan jou dan om de juiste voor je case te kiezen.</a:t>
+            </a:r>
+          </a:p>
+          <a:p>
+            <a:endParaRPr lang="nl-BE" noProof="0" dirty="0"/>
+          </a:p>
+          <a:p>
+            <a:r>
+              <a:rPr lang="nl-BE" noProof="0" dirty="0"/>
+              <a:t>Maar als je het niet zeker weet zou ik eerst starten met de default IOptions&lt;T&gt;</a:t>
+            </a:r>
+          </a:p>
+          <a:p>
+            <a:r>
+              <a:rPr lang="nl-BE" noProof="0" dirty="0"/>
+              <a:t>Eens deze ingeladen is kan deze niet meer wijzigen totdat de applicatie opnieuw opgestart is. Er kan tevens maar 1 zijn voor je volledige applicatie, moest je hem nog eens registreren dan zal deze gewoon de vorige overschrijven.</a:t>
+            </a:r>
+          </a:p>
+          <a:p>
+            <a:endParaRPr lang="nl-BE" noProof="0" dirty="0"/>
+          </a:p>
+          <a:p>
+            <a:r>
+              <a:rPr lang="nl-BE" noProof="0" dirty="0"/>
+              <a:t>Als je meerdere database connecties hebt, kan je kiezen om een abstracte klasse te maken en dan via inheritance per database een specifieke option te voorzien. Been there done that.</a:t>
+            </a:r>
+          </a:p>
+          <a:p>
+            <a:r>
+              <a:rPr lang="nl-BE" noProof="0" dirty="0"/>
+              <a:t>Je kan echter ook kiezen om ze een naam te geven tijdens het toevoegen in de DI container, als je werkt met een name moet je wel op zijn minst opteren voor een IOptionsMonitor&lt;T&gt; deze komt ook met een hot reload functionaliteit als deze gekoppeld is geweest met een IConfiguration. De lifetime van de IOptionsMonitor mag je wel vergelijken met die van een singleton totdat een hot reload een wijziging afdwingt.</a:t>
+            </a:r>
+          </a:p>
+          <a:p>
+            <a:endParaRPr lang="nl-BE" noProof="0" dirty="0"/>
+          </a:p>
+          <a:p>
+            <a:r>
+              <a:rPr lang="nl-BE" noProof="0" dirty="0"/>
+              <a:t>Als laatste heb je IOptionsSnapshot&lt;T&gt; deze wordt voor iedere request opnieuw aangemaakt en heeft de lifetime van een scope. Dus hou er rekening mee als dit in een hotpath zit dat deze ook iedere keer opnieuw aangemaakt, geconfigureerd en gevalideerd wordt. Dus dit kan wel een dure zaak worden, maar als je het nodig hebt dan is deze er.</a:t>
             </a:r>
           </a:p>
         </p:txBody>
@@ -1923,67 +1826,59 @@
           <a:lstStyle/>
           <a:p>
             <a:r>
-              <a:rPr lang="en-US" dirty="0"/>
-              <a:t>The </a:t>
-            </a:r>
-            <a:r>
-              <a:rPr lang="nl-BE" b="1" dirty="0"/>
+              <a:rPr lang="nl-BE" noProof="0" dirty="0"/>
+              <a:t>De </a:t>
+            </a:r>
+            <a:r>
+              <a:rPr lang="nl-BE" b="1" noProof="0" dirty="0"/>
               <a:t>MyOptions</a:t>
             </a:r>
             <a:r>
-              <a:rPr lang="en-US" dirty="0"/>
-              <a:t> class </a:t>
-            </a:r>
-            <a:r>
-              <a:rPr lang="en-US" noProof="0" dirty="0"/>
-              <a:t>is a very simple class, but it holds all the properties to visualize the differences between the different options types.</a:t>
-            </a:r>
-          </a:p>
-          <a:p>
-            <a:r>
-              <a:rPr lang="en-US" noProof="0" dirty="0"/>
-              <a:t>Each time a new options is created a new Id will be generated and otherwise the already existing one will be reused.</a:t>
-            </a:r>
-          </a:p>
-          <a:p>
-            <a:endParaRPr lang="en-US" noProof="0" dirty="0"/>
-          </a:p>
-          <a:p>
-            <a:endParaRPr lang="en-US" noProof="0" dirty="0"/>
-          </a:p>
-          <a:p>
-            <a:r>
-              <a:rPr lang="en-US" noProof="0" dirty="0"/>
-              <a:t>The </a:t>
-            </a:r>
-            <a:r>
-              <a:rPr lang="en-US" noProof="0" dirty="0" err="1"/>
-              <a:t>MapGet</a:t>
-            </a:r>
-            <a:r>
-              <a:rPr lang="en-US" noProof="0" dirty="0"/>
-              <a:t> endpoint has 3 different option implementations.</a:t>
-            </a:r>
-          </a:p>
-          <a:p>
-            <a:r>
-              <a:rPr lang="en-US" noProof="0" dirty="0"/>
-              <a:t>When we launch the application all 3 of them are resolved each displaying their unique id. When a new request is launched only the snapshot has a changed id.</a:t>
-            </a:r>
-          </a:p>
-          <a:p>
-            <a:r>
-              <a:rPr lang="en-US" noProof="0" dirty="0"/>
-              <a:t>Since this is in the </a:t>
-            </a:r>
-            <a:r>
-              <a:rPr lang="en-US" noProof="0" dirty="0" err="1"/>
-              <a:t>appsettings</a:t>
-            </a:r>
-            <a:r>
-              <a:rPr lang="en-US" noProof="0" dirty="0"/>
-              <a:t> file, if we update the configuration, we will see that also the monitor will change its id now as the file is reloaded.</a:t>
-            </a:r>
+              <a:rPr lang="nl-BE" noProof="0" dirty="0"/>
+              <a:t> klasse is een eenvoudige klasse, maar bevat alle eigenschappen om de verschillen tussen de 3 types te visualizeren.</a:t>
+            </a:r>
+          </a:p>
+          <a:p>
+            <a:r>
+              <a:rPr lang="nl-BE" noProof="0" dirty="0"/>
+              <a:t>Elke keer een nieuwe option gecreeerd wordt zal er een nieuwe id gegenereerd worden, en als dit niet nodig is zal de bestaande hergebruikt worden.</a:t>
+            </a:r>
+          </a:p>
+          <a:p>
+            <a:endParaRPr lang="nl-BE" noProof="0" dirty="0"/>
+          </a:p>
+          <a:p>
+            <a:r>
+              <a:rPr lang="nl-BE" noProof="0" dirty="0"/>
+              <a:t>De options worden geconfigureerd door de AddOptions&lt;T&gt; call aan te roepen en deze dan te binden aan de configuration. Dit binden is de lijm tussen beide implementaties</a:t>
+            </a:r>
+          </a:p>
+          <a:p>
+            <a:endParaRPr lang="nl-BE" noProof="0" dirty="0"/>
+          </a:p>
+          <a:p>
+            <a:r>
+              <a:rPr lang="nl-BE" noProof="0" dirty="0"/>
+              <a:t>De MapGet endpoint heeft 3 verschillende optie implementaties.</a:t>
+            </a:r>
+          </a:p>
+          <a:p>
+            <a:r>
+              <a:rPr lang="nl-BE" noProof="0" dirty="0"/>
+              <a:t>Wanneer we de applicatie opstarten worden alle 3 geresolved en tonen ze elke hun unieke id. Als we de aanvraag nog eens doen zie je dat de snapshot gewijzigd is.</a:t>
+            </a:r>
+          </a:p>
+          <a:p>
+            <a:endParaRPr lang="nl-BE" noProof="0" dirty="0"/>
+          </a:p>
+          <a:p>
+            <a:r>
+              <a:rPr lang="nl-BE" noProof="0" dirty="0"/>
+              <a:t>Als we de appsettings file nu wijzigen zie je dat ook de monitor id gewijzigd wordt.</a:t>
+            </a:r>
+          </a:p>
+          <a:p>
+            <a:endParaRPr lang="nl-BE" noProof="0" dirty="0"/>
           </a:p>
         </p:txBody>
       </p:sp>
@@ -2093,176 +1988,232 @@
           <a:lstStyle/>
           <a:p>
             <a:r>
-              <a:rPr lang="en-US" noProof="0" dirty="0"/>
-              <a:t>Just like with the configuration binding, validation can be added. </a:t>
-            </a:r>
-            <a:br>
-              <a:rPr lang="en-US" noProof="0" dirty="0"/>
-            </a:br>
-            <a:r>
-              <a:rPr lang="en-US" b="1" dirty="0"/>
-              <a:t>Somebody who likes using </a:t>
-            </a:r>
-            <a:r>
-              <a:rPr lang="en-US" b="1" dirty="0" err="1"/>
-              <a:t>fluentvalidation</a:t>
-            </a:r>
-            <a:r>
-              <a:rPr lang="en-US" b="1" dirty="0"/>
-              <a:t>?</a:t>
-            </a:r>
-            <a:r>
-              <a:rPr lang="en-US" noProof="0" dirty="0"/>
-              <a:t> </a:t>
-            </a:r>
-            <a:br>
-              <a:rPr lang="en-US" noProof="0" dirty="0"/>
-            </a:br>
-            <a:r>
-              <a:rPr lang="en-US" b="1" dirty="0"/>
-              <a:t>Somebody who likes using data annotations?</a:t>
-            </a:r>
-            <a:br>
-              <a:rPr lang="en-US" noProof="0" dirty="0"/>
-            </a:br>
-            <a:br>
-              <a:rPr lang="en-US" noProof="0" dirty="0"/>
-            </a:br>
-            <a:r>
-              <a:rPr lang="en-US" noProof="0" dirty="0"/>
-              <a:t>In this case it’s easier to do it via data annotations, I investigated fluent and gave up for this.</a:t>
-            </a:r>
-            <a:endParaRPr lang="en-US" b="1" noProof="0" dirty="0"/>
-          </a:p>
-          <a:p>
-            <a:r>
-              <a:rPr lang="en-US" noProof="0" dirty="0"/>
-              <a:t>By annotating the properties via attributes, we can instruct the rules for loading the options.</a:t>
-            </a:r>
-          </a:p>
-          <a:p>
-            <a:endParaRPr lang="en-US" noProof="0" dirty="0"/>
-          </a:p>
-          <a:p>
-            <a:r>
-              <a:rPr lang="en-US" noProof="0" dirty="0"/>
-              <a:t>Just setting the options is not </a:t>
-            </a:r>
-            <a:r>
-              <a:rPr lang="en-US" dirty="0"/>
-              <a:t>enough the </a:t>
-            </a:r>
-            <a:r>
-              <a:rPr lang="en-US" dirty="0" err="1"/>
+              <a:rPr lang="nl-BE" noProof="0" dirty="0"/>
+              <a:t>Herinner je nog de configuratie validatie, dit kunnen we ook doen met IOptions.</a:t>
+            </a:r>
+          </a:p>
+          <a:p>
+            <a:pPr marL="171450" indent="-171450">
+              <a:buFont typeface="Arial" panose="020B0604020202020204" pitchFamily="34" charset="0"/>
+              <a:buChar char="•"/>
+            </a:pPr>
+            <a:r>
+              <a:rPr lang="nl-BE" b="1" noProof="0" dirty="0"/>
+              <a:t>Iemand fan van FluentValidations?</a:t>
+            </a:r>
+          </a:p>
+          <a:p>
+            <a:pPr marL="171450" indent="-171450">
+              <a:buFont typeface="Arial" panose="020B0604020202020204" pitchFamily="34" charset="0"/>
+              <a:buChar char="•"/>
+            </a:pPr>
+            <a:r>
+              <a:rPr lang="nl-BE" b="1" noProof="0" dirty="0"/>
+              <a:t>Iemand fan van DataAnnotations?</a:t>
+            </a:r>
+          </a:p>
+          <a:p>
+            <a:pPr marL="0" indent="0">
+              <a:buFont typeface="Arial" panose="020B0604020202020204" pitchFamily="34" charset="0"/>
+              <a:buNone/>
+            </a:pPr>
+            <a:r>
+              <a:rPr lang="nl-BE" b="0" noProof="0" dirty="0"/>
+              <a:t>In dit geval kies je het beste voor DataAnnotations, ik heb fluent geprobeerd als alternatief maar het voelde zeer hacky aan.</a:t>
+            </a:r>
+          </a:p>
+          <a:p>
+            <a:pPr marL="0" indent="0">
+              <a:buFont typeface="Arial" panose="020B0604020202020204" pitchFamily="34" charset="0"/>
+              <a:buNone/>
+            </a:pPr>
+            <a:r>
+              <a:rPr lang="nl-BE" b="0" noProof="0" dirty="0"/>
+              <a:t>Dus voor options raad ik DataAnnotations aan, deze kunnen via attributen op de properties ingeladen worden.</a:t>
+            </a:r>
+          </a:p>
+          <a:p>
+            <a:pPr marL="0" indent="0">
+              <a:buFont typeface="Arial" panose="020B0604020202020204" pitchFamily="34" charset="0"/>
+              <a:buNone/>
+            </a:pPr>
+            <a:endParaRPr lang="nl-BE" b="0" noProof="0" dirty="0"/>
+          </a:p>
+          <a:p>
+            <a:pPr marL="0" indent="0">
+              <a:buFont typeface="Arial" panose="020B0604020202020204" pitchFamily="34" charset="0"/>
+              <a:buNone/>
+            </a:pPr>
+            <a:r>
+              <a:rPr lang="nl-BE" b="0" noProof="0" dirty="0"/>
+              <a:t>Gewoon de attributen zetten echter is niet genoeg ValidateDataAnnotations moet ook gezet worden. Dit zal niet de optie valideren tijdens het starten maar tijdens het eerste gebruik.</a:t>
+            </a:r>
+          </a:p>
+          <a:p>
+            <a:pPr marL="0" indent="0">
+              <a:buFont typeface="Arial" panose="020B0604020202020204" pitchFamily="34" charset="0"/>
+              <a:buNone/>
+            </a:pPr>
+            <a:endParaRPr lang="nl-BE" b="0" noProof="0" dirty="0"/>
+          </a:p>
+          <a:p>
+            <a:pPr marL="0" indent="0">
+              <a:buFont typeface="Arial" panose="020B0604020202020204" pitchFamily="34" charset="0"/>
+              <a:buNone/>
+            </a:pPr>
+            <a:r>
+              <a:rPr lang="nl-BE" b="0" noProof="0" dirty="0"/>
+              <a:t>Als je de validatie liever bij het starten hebt zodat een validatie een </a:t>
+            </a:r>
+            <a:r>
+              <a:rPr lang="nl-BE" b="1" noProof="0" dirty="0"/>
+              <a:t>startup</a:t>
+            </a:r>
+            <a:r>
+              <a:rPr lang="nl-BE" b="0" noProof="0" dirty="0"/>
+              <a:t> error geeft in plaats van een </a:t>
+            </a:r>
+            <a:r>
+              <a:rPr lang="nl-BE" b="1" noProof="0" dirty="0"/>
+              <a:t>runtime</a:t>
+            </a:r>
+            <a:r>
+              <a:rPr lang="nl-BE" b="0" noProof="0" dirty="0"/>
+              <a:t> error dien je add </a:t>
+            </a:r>
+            <a:r>
+              <a:rPr lang="nl-BE" b="1" noProof="0" dirty="0"/>
+              <a:t>ValidateOnStart</a:t>
+            </a:r>
+            <a:r>
+              <a:rPr lang="nl-BE" b="0" noProof="0" dirty="0"/>
+              <a:t> toe te voegen. Sinds .NET8 is er een nieuwe method </a:t>
+            </a:r>
+            <a:r>
+              <a:rPr lang="nl-BE" b="1" noProof="0" dirty="0"/>
+              <a:t>AddOptionsWithValidateOnStart</a:t>
+            </a:r>
+            <a:r>
+              <a:rPr lang="nl-BE" b="0" noProof="0" dirty="0"/>
+              <a:t> deze registreert de optie en doet het valideren voor je tijdens de startup. Maar je hebt echter nog steeds de </a:t>
+            </a:r>
+            <a:r>
+              <a:rPr lang="nl-BE" b="1" noProof="0" dirty="0"/>
               <a:t>ValidateDataAnnotations</a:t>
             </a:r>
             <a:r>
-              <a:rPr lang="en-US" dirty="0"/>
-              <a:t> must be set as well. This will not validate the option on startup, but at first usage.</a:t>
-            </a:r>
-          </a:p>
-          <a:p>
-            <a:endParaRPr lang="en-US" dirty="0"/>
-          </a:p>
-          <a:p>
-            <a:r>
-              <a:rPr lang="en-US" dirty="0"/>
-              <a:t>If you want to have the options validated on startup and throwing a </a:t>
-            </a:r>
-            <a:r>
-              <a:rPr lang="en-US" b="1" dirty="0"/>
-              <a:t>startup error </a:t>
-            </a:r>
-            <a:r>
-              <a:rPr lang="en-US" dirty="0"/>
-              <a:t>rather than a </a:t>
-            </a:r>
-            <a:r>
-              <a:rPr lang="en-US" b="1" dirty="0"/>
-              <a:t>runtime</a:t>
-            </a:r>
-            <a:r>
-              <a:rPr lang="en-US" dirty="0"/>
-              <a:t> error add </a:t>
-            </a:r>
-            <a:r>
-              <a:rPr lang="en-US" dirty="0" err="1"/>
-              <a:t>ValidateOnStart</a:t>
-            </a:r>
-            <a:r>
-              <a:rPr lang="en-US" dirty="0"/>
-              <a:t>. Since .NET8 there is a new </a:t>
-            </a:r>
-            <a:r>
-              <a:rPr lang="en-US" dirty="0" err="1"/>
-              <a:t>AddOptionsWithValidateOnStart</a:t>
-            </a:r>
-            <a:r>
-              <a:rPr lang="en-US" dirty="0"/>
-              <a:t> which register the option and validate it on startup. But it still needs the </a:t>
-            </a:r>
-            <a:r>
-              <a:rPr lang="nl-BE" dirty="0"/>
-              <a:t>ValidateDataAnnotations to be called as well.</a:t>
-            </a:r>
-            <a:endParaRPr lang="en-US" dirty="0"/>
-          </a:p>
-          <a:p>
-            <a:endParaRPr lang="en-US" dirty="0"/>
-          </a:p>
-          <a:p>
-            <a:r>
-              <a:rPr lang="en-US" dirty="0"/>
-              <a:t>When you have some advanced validation requirements you could use a custom validation, this can be done via a delegate or a dedicated class.</a:t>
-            </a:r>
-          </a:p>
-          <a:p>
-            <a:r>
-              <a:rPr lang="en-US" dirty="0"/>
-              <a:t>The last few years they’ve put a lot of effort in source generating this can be done for these validations as well. Reducing the need for reflection resolving the validations at design time.</a:t>
-            </a:r>
-          </a:p>
-          <a:p>
-            <a:r>
-              <a:rPr lang="en-US" dirty="0"/>
-              <a:t>It requires to register a partial class, and annotate it with the options validator attribute, then it needs to be registered as a singleton in the container and in the </a:t>
-            </a:r>
-            <a:r>
-              <a:rPr lang="en-US" dirty="0" err="1"/>
-              <a:t>csproj</a:t>
-            </a:r>
-            <a:r>
-              <a:rPr lang="en-US" dirty="0"/>
-              <a:t> file the element </a:t>
-            </a:r>
-            <a:r>
-              <a:rPr lang="en-US" b="1" dirty="0"/>
-              <a:t>&lt;</a:t>
-            </a:r>
-            <a:r>
-              <a:rPr lang="en-US" b="1" dirty="0" err="1"/>
-              <a:t>EnableConfigurationBindingGenerator</a:t>
-            </a:r>
-            <a:r>
-              <a:rPr lang="en-US" b="1" dirty="0"/>
-              <a:t>&gt;true&lt;/</a:t>
-            </a:r>
-            <a:r>
-              <a:rPr lang="en-US" b="1" dirty="0" err="1"/>
-              <a:t>EnableConfigurationBindingGenerator</a:t>
-            </a:r>
-            <a:r>
-              <a:rPr lang="en-US" b="1" dirty="0"/>
-              <a:t>&gt; </a:t>
-            </a:r>
-            <a:r>
-              <a:rPr lang="en-US" dirty="0"/>
-              <a:t>must be set.</a:t>
-            </a:r>
-            <a:endParaRPr lang="en-US" b="1" dirty="0"/>
-          </a:p>
-          <a:p>
-            <a:endParaRPr lang="nl-BE" dirty="0"/>
+              <a:rPr lang="nl-BE" b="0" noProof="0" dirty="0"/>
+              <a:t> nodig.</a:t>
+            </a:r>
+          </a:p>
+          <a:p>
+            <a:pPr marL="0" indent="0">
+              <a:buFont typeface="Arial" panose="020B0604020202020204" pitchFamily="34" charset="0"/>
+              <a:buNone/>
+            </a:pPr>
+            <a:endParaRPr lang="nl-BE" b="0" noProof="0" dirty="0"/>
+          </a:p>
+          <a:p>
+            <a:pPr marL="0" indent="0">
+              <a:buFont typeface="Arial" panose="020B0604020202020204" pitchFamily="34" charset="0"/>
+              <a:buNone/>
+            </a:pPr>
+            <a:r>
+              <a:rPr lang="nl-BE" b="0" noProof="0" dirty="0"/>
+              <a:t>Wanneer je validatie regels geavanceerder zijn dan de standaard opties kan je altijd via een delegate of een aparte klasse een custom validatie introduceren.</a:t>
+            </a:r>
+          </a:p>
+          <a:p>
+            <a:pPr marL="0" indent="0">
+              <a:buFont typeface="Arial" panose="020B0604020202020204" pitchFamily="34" charset="0"/>
+              <a:buNone/>
+            </a:pPr>
+            <a:r>
+              <a:rPr lang="nl-BE" b="0" noProof="0" dirty="0"/>
+              <a:t>Dan moet deze wel nog geregistreerd worden als een singleton anders heb je gewoon een mooie klasse gemaakt die niet gebruikt zal worden.</a:t>
+            </a:r>
+          </a:p>
+          <a:p>
+            <a:pPr marL="0" indent="0">
+              <a:buFont typeface="Arial" panose="020B0604020202020204" pitchFamily="34" charset="0"/>
+              <a:buNone/>
+            </a:pPr>
+            <a:endParaRPr lang="nl-BE" b="0" noProof="0" dirty="0"/>
+          </a:p>
+          <a:p>
+            <a:pPr marL="0" indent="0">
+              <a:buFont typeface="Arial" panose="020B0604020202020204" pitchFamily="34" charset="0"/>
+              <a:buNone/>
+            </a:pPr>
+            <a:r>
+              <a:rPr lang="nl-BE" b="0" noProof="0" dirty="0"/>
+              <a:t>De laatste jaren heeft Microsoft veel energie gestoken in het source generaten van reflection based calls.</a:t>
+            </a:r>
+          </a:p>
+          <a:p>
+            <a:pPr marL="0" indent="0">
+              <a:buFont typeface="Arial" panose="020B0604020202020204" pitchFamily="34" charset="0"/>
+              <a:buNone/>
+            </a:pPr>
+            <a:r>
+              <a:rPr lang="nl-BE" b="0" noProof="0" dirty="0"/>
+              <a:t>Als je al een aparte klasse voorzien had kan je deze voorzien van het partial keyword en annoteer het met de validator attribute.</a:t>
+            </a:r>
+          </a:p>
+          <a:p>
+            <a:pPr marL="0" indent="0">
+              <a:buFont typeface="Arial" panose="020B0604020202020204" pitchFamily="34" charset="0"/>
+              <a:buNone/>
+            </a:pPr>
+            <a:r>
+              <a:rPr lang="nl-BE" b="0" noProof="0" dirty="0"/>
+              <a:t>Als validatie zo ingesteld is </a:t>
+            </a:r>
+            <a:r>
+              <a:rPr lang="nl-BE" b="0" noProof="0"/>
+              <a:t>dan hoeft </a:t>
+            </a:r>
+            <a:r>
+              <a:rPr lang="nl-BE" b="0" noProof="0" dirty="0"/>
+              <a:t>de ValidateDataAnnotations niet meer expliciet gezet worden.</a:t>
+            </a:r>
+          </a:p>
+          <a:p>
+            <a:pPr marL="0" indent="0">
+              <a:buFont typeface="Arial" panose="020B0604020202020204" pitchFamily="34" charset="0"/>
+              <a:buNone/>
+            </a:pPr>
+            <a:endParaRPr lang="nl-BE" b="0" noProof="0" dirty="0"/>
+          </a:p>
+          <a:p>
+            <a:pPr marL="0" indent="0">
+              <a:buFont typeface="Arial" panose="020B0604020202020204" pitchFamily="34" charset="0"/>
+              <a:buNone/>
+            </a:pPr>
+            <a:r>
+              <a:rPr lang="nl-BE" b="0" noProof="0" dirty="0"/>
+              <a:t>Als we dan toch bezig zijn met het source generaten van deze calls kan je ook in de csproj file</a:t>
+            </a:r>
+          </a:p>
+          <a:p>
+            <a:pPr marL="0" indent="0">
+              <a:buFont typeface="Arial" panose="020B0604020202020204" pitchFamily="34" charset="0"/>
+              <a:buNone/>
+            </a:pPr>
+            <a:r>
+              <a:rPr lang="nl-BE" b="1" noProof="0" dirty="0"/>
+              <a:t>&lt;EnableConfigurationBindingGenerator&gt;true&lt;/EnableConfigurationBindingGenerator&gt;.</a:t>
+            </a:r>
+          </a:p>
+          <a:p>
+            <a:pPr marL="0" indent="0">
+              <a:buFont typeface="Arial" panose="020B0604020202020204" pitchFamily="34" charset="0"/>
+              <a:buNone/>
+            </a:pPr>
+            <a:r>
+              <a:rPr lang="nl-BE" b="0" noProof="0" dirty="0"/>
+              <a:t>Dit laatste is niet nodig voor validatie maar het zorgt ervoor dat de binding ook via source generation gedaan wordt.</a:t>
+            </a:r>
           </a:p>
         </p:txBody>
       </p:sp>
@@ -2371,432 +2322,1019 @@
           <a:bodyPr/>
           <a:lstStyle/>
           <a:p>
-            <a:pPr defTabSz="882670">
-              <a:defRPr/>
-            </a:pPr>
-            <a:r>
-              <a:rPr lang="en-US" sz="800" dirty="0"/>
-              <a:t>I had to create multiple files just to avoid confusion and to be able to build this one up with the different flavors which are available. We will start this one easy, with focusing first on the </a:t>
-            </a:r>
-            <a:r>
-              <a:rPr lang="en-US" sz="800" dirty="0" err="1"/>
+            <a:pPr algn="l"/>
+            <a:r>
+              <a:rPr lang="nl-BE" sz="1400" b="0" i="0" dirty="0">
+                <a:solidFill>
+                  <a:srgbClr val="424242"/>
+                </a:solidFill>
+                <a:effectLst/>
+                <a:latin typeface="Segoe Sans"/>
+              </a:rPr>
+              <a:t>Ik heb meerdere bestanden moeten aanmaken om verwarring te vermijden en om dit stap voor stap op te bouwen met de verschillende smaken die beschikbaar zijn. We beginnen eenvoudig, met de focus op de </a:t>
+            </a:r>
+            <a:r>
+              <a:rPr lang="nl-BE" sz="1400" b="0" i="1" dirty="0">
+                <a:solidFill>
+                  <a:srgbClr val="424242"/>
+                </a:solidFill>
+                <a:effectLst/>
+                <a:latin typeface="Segoe Sans"/>
+              </a:rPr>
               <a:t>MyOptions</a:t>
             </a:r>
             <a:r>
-              <a:rPr lang="en-US" sz="800" dirty="0"/>
-              <a:t> class, it’s the same class as the previous demo but now it’s annotated.</a:t>
-            </a:r>
-          </a:p>
-          <a:p>
-            <a:pPr marL="220668" indent="-220668">
+              <a:rPr lang="nl-BE" sz="1400" b="0" i="0" dirty="0">
+                <a:solidFill>
+                  <a:srgbClr val="424242"/>
+                </a:solidFill>
+                <a:effectLst/>
+                <a:latin typeface="Segoe Sans"/>
+              </a:rPr>
+              <a:t>-klasse. Dit is dezelfde klasse als in de vorige demo, maar nu met annotaties.</a:t>
+            </a:r>
+          </a:p>
+          <a:p>
+            <a:pPr algn="l"/>
+            <a:endParaRPr lang="nl-BE" sz="1400" b="0" i="0" dirty="0">
+              <a:solidFill>
+                <a:srgbClr val="424242"/>
+              </a:solidFill>
+              <a:effectLst/>
+              <a:latin typeface="Segoe Sans"/>
+            </a:endParaRPr>
+          </a:p>
+          <a:p>
+            <a:pPr algn="l">
               <a:buFont typeface="+mj-lt"/>
               <a:buAutoNum type="arabicPeriod"/>
             </a:pPr>
-            <a:endParaRPr lang="en-US" sz="800" dirty="0"/>
-          </a:p>
-          <a:p>
-            <a:pPr marL="220668" indent="-220668">
+            <a:r>
+              <a:rPr lang="nl-BE" sz="1400" b="0" i="0" dirty="0">
+                <a:solidFill>
+                  <a:srgbClr val="424242"/>
+                </a:solidFill>
+                <a:effectLst/>
+                <a:latin typeface="Segoe Sans"/>
+              </a:rPr>
+              <a:t> Als we de oplossing opstarten zoals ze nu is, gebeurt er niets bijzonders, ondanks de annotaties.</a:t>
+            </a:r>
+          </a:p>
+          <a:p>
+            <a:pPr algn="l">
               <a:buFont typeface="+mj-lt"/>
               <a:buAutoNum type="arabicPeriod"/>
             </a:pPr>
             <a:r>
-              <a:rPr lang="en-US" sz="800" dirty="0"/>
-              <a:t>When we spin the solution up as is, although annotated nothing odd happens.</a:t>
-            </a:r>
-          </a:p>
-          <a:p>
-            <a:pPr marL="220668" indent="-220668">
+              <a:rPr lang="nl-BE" sz="1400" b="0" i="0" dirty="0">
+                <a:solidFill>
+                  <a:srgbClr val="424242"/>
+                </a:solidFill>
+                <a:effectLst/>
+                <a:latin typeface="Segoe Sans"/>
+              </a:rPr>
+              <a:t> Om de annotaties effectief te gebruiken, moeten we </a:t>
+            </a:r>
+            <a:r>
+              <a:rPr lang="nl-BE" sz="1400" b="1" i="0" dirty="0">
+                <a:solidFill>
+                  <a:srgbClr val="424242"/>
+                </a:solidFill>
+                <a:effectLst/>
+                <a:latin typeface="Segoe Sans"/>
+              </a:rPr>
+              <a:t>ValidateDataAnnotations</a:t>
+            </a:r>
+            <a:r>
+              <a:rPr lang="nl-BE" sz="1400" b="0" i="0" dirty="0">
+                <a:solidFill>
+                  <a:srgbClr val="424242"/>
+                </a:solidFill>
+                <a:effectLst/>
+                <a:latin typeface="Segoe Sans"/>
+              </a:rPr>
+              <a:t> toevoegen.</a:t>
+            </a:r>
+            <a:br>
+              <a:rPr lang="nl-BE" sz="1400" b="0" i="0" dirty="0">
+                <a:solidFill>
+                  <a:srgbClr val="424242"/>
+                </a:solidFill>
+                <a:effectLst/>
+                <a:latin typeface="Segoe Sans"/>
+              </a:rPr>
+            </a:br>
+            <a:r>
+              <a:rPr lang="nl-BE" sz="1400" b="0" i="0" dirty="0">
+                <a:solidFill>
+                  <a:srgbClr val="424242"/>
+                </a:solidFill>
+                <a:effectLst/>
+                <a:latin typeface="Segoe Sans"/>
+              </a:rPr>
+              <a:t>Dit kan runtime-fouten opleveren, iets wat ik persoonlijk liever vermijd.</a:t>
+            </a:r>
+          </a:p>
+          <a:p>
+            <a:pPr algn="l">
               <a:buFont typeface="+mj-lt"/>
               <a:buAutoNum type="arabicPeriod"/>
             </a:pPr>
             <a:r>
-              <a:rPr lang="en-US" sz="800" dirty="0"/>
-              <a:t>To enable the usage of the annotations, we must add the </a:t>
-            </a:r>
-            <a:r>
-              <a:rPr lang="nl-BE" sz="800" dirty="0"/>
-              <a:t>ValidateDataAnnotations.</a:t>
+              <a:rPr lang="nl-BE" sz="1400" b="0" i="0" dirty="0">
+                <a:solidFill>
+                  <a:srgbClr val="424242"/>
+                </a:solidFill>
+                <a:effectLst/>
+                <a:latin typeface="Segoe Sans"/>
+              </a:rPr>
+              <a:t> Als we ook </a:t>
+            </a:r>
+            <a:r>
+              <a:rPr lang="nl-BE" sz="1400" b="1" i="0" dirty="0">
+                <a:solidFill>
+                  <a:srgbClr val="424242"/>
+                </a:solidFill>
+                <a:effectLst/>
+                <a:latin typeface="Segoe Sans"/>
+              </a:rPr>
+              <a:t>ValidateOnStart</a:t>
+            </a:r>
+            <a:r>
+              <a:rPr lang="nl-BE" sz="1400" b="0" i="0" dirty="0">
+                <a:solidFill>
+                  <a:srgbClr val="424242"/>
+                </a:solidFill>
+                <a:effectLst/>
+                <a:latin typeface="Segoe Sans"/>
+              </a:rPr>
+              <a:t> inschakelen, krijgen we die functionaliteit erbij.</a:t>
             </a:r>
             <a:br>
-              <a:rPr lang="nl-BE" sz="800" dirty="0"/>
+              <a:rPr lang="nl-BE" sz="1400" b="0" i="0" dirty="0">
+                <a:solidFill>
+                  <a:srgbClr val="424242"/>
+                </a:solidFill>
+                <a:effectLst/>
+                <a:latin typeface="Segoe Sans"/>
+              </a:rPr>
             </a:br>
             <a:r>
-              <a:rPr lang="nl-BE" sz="800" dirty="0"/>
-              <a:t>This can give us runtime errors which I personally like to avoid as much as possible.</a:t>
-            </a:r>
-          </a:p>
-          <a:p>
-            <a:pPr marL="220668" indent="-220668">
+              <a:rPr lang="nl-BE" sz="1400" b="0" i="0" dirty="0">
+                <a:solidFill>
+                  <a:srgbClr val="424242"/>
+                </a:solidFill>
+                <a:effectLst/>
+                <a:latin typeface="Segoe Sans"/>
+              </a:rPr>
+              <a:t>Je kunt ook de uit-gecommentarieerde syntax hieronder gebruiken, die doet hetzelfde, maar heeft nog steeds ValidateDataAnnotations nodig.</a:t>
+            </a:r>
+            <a:br>
+              <a:rPr lang="nl-BE" sz="1400" b="0" i="0" dirty="0">
+                <a:solidFill>
+                  <a:srgbClr val="424242"/>
+                </a:solidFill>
+                <a:effectLst/>
+                <a:latin typeface="Segoe Sans"/>
+              </a:rPr>
+            </a:br>
+            <a:br>
+              <a:rPr lang="nl-BE" sz="1400" b="0" i="0" dirty="0">
+                <a:solidFill>
+                  <a:srgbClr val="424242"/>
+                </a:solidFill>
+                <a:effectLst/>
+                <a:latin typeface="Segoe Sans"/>
+              </a:rPr>
+            </a:br>
+            <a:r>
+              <a:rPr lang="nl-BE" sz="1400" b="1" i="0" dirty="0">
+                <a:solidFill>
+                  <a:srgbClr val="424242"/>
+                </a:solidFill>
+                <a:effectLst/>
+                <a:latin typeface="Segoe Sans"/>
+              </a:rPr>
+              <a:t>Vinden jullie dit handig?</a:t>
+            </a:r>
+            <a:br>
+              <a:rPr lang="nl-BE" sz="1400" b="1" i="0" dirty="0">
+                <a:solidFill>
+                  <a:srgbClr val="424242"/>
+                </a:solidFill>
+                <a:effectLst/>
+                <a:latin typeface="Segoe Sans"/>
+              </a:rPr>
+            </a:br>
+            <a:r>
+              <a:rPr lang="nl-BE" sz="1400" b="1" i="0" dirty="0">
+                <a:solidFill>
+                  <a:srgbClr val="424242"/>
+                </a:solidFill>
+                <a:effectLst/>
+                <a:latin typeface="Segoe Sans"/>
+              </a:rPr>
+              <a:t>Heeft iemand al gespeeld met de ingebouwde source generation functionaliteiten uit de laatste releases?</a:t>
+            </a:r>
+            <a:br>
+              <a:rPr lang="nl-BE" sz="1400" b="1" i="0" dirty="0">
+                <a:solidFill>
+                  <a:srgbClr val="424242"/>
+                </a:solidFill>
+                <a:effectLst/>
+                <a:latin typeface="Segoe Sans"/>
+              </a:rPr>
+            </a:br>
+            <a:endParaRPr lang="nl-BE" sz="1400" b="1" i="0" dirty="0">
+              <a:solidFill>
+                <a:srgbClr val="424242"/>
+              </a:solidFill>
+              <a:effectLst/>
+              <a:latin typeface="Segoe Sans"/>
+            </a:endParaRPr>
+          </a:p>
+          <a:p>
+            <a:pPr algn="l">
               <a:buFont typeface="+mj-lt"/>
               <a:buAutoNum type="arabicPeriod"/>
             </a:pPr>
             <a:r>
-              <a:rPr lang="nl-BE" sz="800" dirty="0"/>
-              <a:t>When we also enable ValidateOnStart we get this functionality as well.</a:t>
+              <a:rPr lang="nl-BE" sz="1400" b="0" i="0" dirty="0">
+                <a:solidFill>
+                  <a:srgbClr val="424242"/>
+                </a:solidFill>
+                <a:effectLst/>
+                <a:latin typeface="Segoe Sans"/>
+              </a:rPr>
+              <a:t> We kunnen de validatie ook laten genereren via source generation, wat dure reflectie-aanroepen vermindert.</a:t>
             </a:r>
             <a:br>
-              <a:rPr lang="nl-BE" sz="800" dirty="0"/>
+              <a:rPr lang="nl-BE" sz="1400" b="0" i="0" dirty="0">
+                <a:solidFill>
+                  <a:srgbClr val="424242"/>
+                </a:solidFill>
+                <a:effectLst/>
+                <a:latin typeface="Segoe Sans"/>
+              </a:rPr>
             </a:br>
             <a:r>
-              <a:rPr lang="nl-BE" sz="800" dirty="0"/>
-              <a:t>You could also use the commented syntax below which does the same thing and it still needs the ValidateDataAnnotations.</a:t>
-            </a:r>
-            <a:br>
-              <a:rPr lang="nl-BE" sz="800" dirty="0"/>
-            </a:br>
-            <a:r>
-              <a:rPr lang="nl-BE" sz="800" b="1" dirty="0"/>
-              <a:t>You like this?</a:t>
-            </a:r>
-            <a:br>
-              <a:rPr lang="nl-BE" sz="800" b="1" dirty="0"/>
-            </a:br>
-            <a:r>
-              <a:rPr lang="nl-BE" sz="800" b="1" dirty="0"/>
-              <a:t>Anyone already started using the baked in source generation functionalities which came available in the latest releases?</a:t>
-            </a:r>
-            <a:endParaRPr lang="nl-BE" sz="800" dirty="0"/>
-          </a:p>
-          <a:p>
-            <a:pPr marL="220668" indent="-220668">
+              <a:rPr lang="nl-BE" sz="1400" b="0" i="0" dirty="0">
+                <a:solidFill>
+                  <a:srgbClr val="424242"/>
+                </a:solidFill>
+                <a:effectLst/>
+                <a:latin typeface="Segoe Sans"/>
+              </a:rPr>
+              <a:t>Maak een </a:t>
+            </a:r>
+            <a:r>
+              <a:rPr lang="nl-BE" sz="1400" b="1" i="0" dirty="0">
+                <a:solidFill>
+                  <a:srgbClr val="424242"/>
+                </a:solidFill>
+                <a:effectLst/>
+                <a:latin typeface="Segoe Sans"/>
+              </a:rPr>
+              <a:t>public partial class </a:t>
+            </a:r>
+            <a:r>
+              <a:rPr lang="nl-BE" sz="1400" b="0" i="0" dirty="0">
+                <a:solidFill>
+                  <a:srgbClr val="424242"/>
+                </a:solidFill>
+                <a:effectLst/>
+                <a:latin typeface="Segoe Sans"/>
+              </a:rPr>
+              <a:t>die </a:t>
+            </a:r>
+            <a:r>
+              <a:rPr lang="nl-BE" sz="1400" b="0" i="1" dirty="0">
+                <a:solidFill>
+                  <a:srgbClr val="424242"/>
+                </a:solidFill>
+                <a:effectLst/>
+                <a:latin typeface="Segoe Sans"/>
+              </a:rPr>
+              <a:t>IValidateOptions </a:t>
+            </a:r>
+            <a:r>
+              <a:rPr lang="nl-BE" sz="1400" b="0" i="0" dirty="0">
+                <a:solidFill>
+                  <a:srgbClr val="424242"/>
+                </a:solidFill>
+                <a:effectLst/>
+                <a:latin typeface="Segoe Sans"/>
+              </a:rPr>
+              <a:t>implementeert en verwijs naar MyOptions. Vergeet niet de klasse te decoreren met [OptionsValidator].</a:t>
+            </a:r>
+          </a:p>
+          <a:p>
+            <a:pPr algn="l">
               <a:buFont typeface="+mj-lt"/>
               <a:buAutoNum type="arabicPeriod"/>
             </a:pPr>
             <a:r>
-              <a:rPr lang="nl-BE" sz="800" dirty="0"/>
-              <a:t>We can source generate these validation and reduce reflection expensive reflection calls.</a:t>
-            </a:r>
-            <a:br>
-              <a:rPr lang="nl-BE" sz="800" dirty="0"/>
-            </a:br>
-            <a:r>
-              <a:rPr lang="nl-BE" sz="800" dirty="0"/>
-              <a:t>Create a </a:t>
-            </a:r>
-            <a:r>
-              <a:rPr lang="nl-BE" sz="800" b="1" dirty="0"/>
-              <a:t>public partial class </a:t>
-            </a:r>
-            <a:r>
-              <a:rPr lang="nl-BE" sz="800" dirty="0"/>
-              <a:t>and let it inherith the IValidateOptions interface and point it to the MyOptions in this case. Also decorate it with the [OptionsValidator]</a:t>
-            </a:r>
-          </a:p>
-          <a:p>
-            <a:pPr marL="220668" indent="-220668">
+              <a:rPr lang="nl-BE" sz="1400" b="0" i="0" dirty="0">
+                <a:solidFill>
+                  <a:srgbClr val="424242"/>
+                </a:solidFill>
+                <a:effectLst/>
+                <a:latin typeface="Segoe Sans"/>
+              </a:rPr>
+              <a:t> Deze klasse moet als singleton worden toegevoegd aan de DI-container om gebruikt te kunnen worden.</a:t>
+            </a:r>
+          </a:p>
+          <a:p>
+            <a:pPr algn="l">
               <a:buFont typeface="+mj-lt"/>
               <a:buAutoNum type="arabicPeriod"/>
             </a:pPr>
             <a:r>
-              <a:rPr lang="nl-BE" sz="800" dirty="0"/>
-              <a:t>This class must be added as a singleton to your di container in order to be able to be used.</a:t>
-            </a:r>
-          </a:p>
-          <a:p>
-            <a:pPr marL="220668" indent="-220668">
+              <a:rPr lang="nl-BE" sz="1400" b="0" i="0" dirty="0">
+                <a:solidFill>
+                  <a:srgbClr val="424242"/>
+                </a:solidFill>
+                <a:effectLst/>
+                <a:latin typeface="Segoe Sans"/>
+              </a:rPr>
+              <a:t> Zodra je deze validator toepast, is </a:t>
+            </a:r>
+            <a:r>
+              <a:rPr lang="nl-BE" sz="1400" b="0" i="1" dirty="0">
+                <a:solidFill>
+                  <a:srgbClr val="424242"/>
+                </a:solidFill>
+                <a:effectLst/>
+                <a:latin typeface="Segoe Sans"/>
+              </a:rPr>
+              <a:t>ValidateDataAnnotations</a:t>
+            </a:r>
+            <a:r>
+              <a:rPr lang="nl-BE" sz="1400" b="0" i="0" dirty="0">
+                <a:solidFill>
+                  <a:srgbClr val="424242"/>
+                </a:solidFill>
+                <a:effectLst/>
+                <a:latin typeface="Segoe Sans"/>
+              </a:rPr>
+              <a:t> niet meer nodig. De validatie gebeurt nu automatisch.</a:t>
+            </a:r>
+            <a:br>
+              <a:rPr lang="nl-BE" sz="1400" b="0" i="0" dirty="0">
+                <a:solidFill>
+                  <a:srgbClr val="424242"/>
+                </a:solidFill>
+                <a:effectLst/>
+                <a:latin typeface="Segoe Sans"/>
+              </a:rPr>
+            </a:br>
+            <a:br>
+              <a:rPr lang="nl-BE" sz="1400" b="0" i="0" dirty="0">
+                <a:solidFill>
+                  <a:srgbClr val="424242"/>
+                </a:solidFill>
+                <a:effectLst/>
+                <a:latin typeface="Segoe Sans"/>
+              </a:rPr>
+            </a:br>
+            <a:r>
+              <a:rPr lang="nl-BE" sz="1400" b="1" i="0" dirty="0">
+                <a:solidFill>
+                  <a:srgbClr val="424242"/>
+                </a:solidFill>
+                <a:effectLst/>
+                <a:latin typeface="Segoe Sans"/>
+              </a:rPr>
+              <a:t>Zin in meer?</a:t>
+            </a:r>
+            <a:br>
+              <a:rPr lang="nl-BE" sz="1400" b="0" i="0" dirty="0">
+                <a:solidFill>
+                  <a:srgbClr val="424242"/>
+                </a:solidFill>
+                <a:effectLst/>
+                <a:latin typeface="Segoe Sans"/>
+              </a:rPr>
+            </a:br>
+            <a:endParaRPr lang="nl-BE" sz="1400" b="0" i="0" dirty="0">
+              <a:solidFill>
+                <a:srgbClr val="424242"/>
+              </a:solidFill>
+              <a:effectLst/>
+              <a:latin typeface="Segoe Sans"/>
+            </a:endParaRPr>
+          </a:p>
+          <a:p>
+            <a:pPr algn="l">
               <a:buFont typeface="+mj-lt"/>
               <a:buAutoNum type="arabicPeriod"/>
             </a:pPr>
             <a:r>
-              <a:rPr lang="nl-BE" sz="800" dirty="0"/>
-              <a:t>Once you apply this validator class you don’t longer need the </a:t>
-            </a:r>
-            <a:r>
-              <a:rPr lang="nl-BE" sz="800" b="1" dirty="0"/>
-              <a:t>ValidateDataAnnotations</a:t>
-            </a:r>
-            <a:r>
-              <a:rPr lang="nl-BE" sz="800" dirty="0"/>
-              <a:t>. It will happen now automatically.</a:t>
+              <a:rPr lang="nl-BE" sz="1400" b="0" i="0" dirty="0">
+                <a:solidFill>
+                  <a:srgbClr val="424242"/>
+                </a:solidFill>
+                <a:effectLst/>
+                <a:latin typeface="Segoe Sans"/>
+              </a:rPr>
+              <a:t> We kunnen ook de binding laten genereren via source generation. Dit haalt de reflectie weg tussen de configuratie en het options-object.</a:t>
             </a:r>
             <a:br>
-              <a:rPr lang="nl-BE" sz="800" dirty="0"/>
+              <a:rPr lang="nl-BE" sz="1400" b="0" i="0" dirty="0">
+                <a:solidFill>
+                  <a:srgbClr val="424242"/>
+                </a:solidFill>
+                <a:effectLst/>
+                <a:latin typeface="Segoe Sans"/>
+              </a:rPr>
             </a:br>
             <a:r>
-              <a:rPr lang="nl-BE" sz="800" b="1" dirty="0"/>
-              <a:t>Do you want some more?</a:t>
-            </a:r>
-          </a:p>
-          <a:p>
-            <a:pPr marL="220668" indent="-220668">
+              <a:rPr lang="nl-BE" sz="1400" b="0" i="0" dirty="0">
+                <a:solidFill>
+                  <a:srgbClr val="424242"/>
+                </a:solidFill>
+                <a:effectLst/>
+                <a:latin typeface="Segoe Sans"/>
+              </a:rPr>
+              <a:t>Zet in het .csproj-bestand de property EnableConfigurationBindingGenerator aan.</a:t>
+            </a:r>
+            <a:br>
+              <a:rPr lang="nl-BE" sz="1400" b="0" i="0" dirty="0">
+                <a:solidFill>
+                  <a:srgbClr val="424242"/>
+                </a:solidFill>
+                <a:effectLst/>
+                <a:latin typeface="Segoe Sans"/>
+              </a:rPr>
+            </a:br>
+            <a:r>
+              <a:rPr lang="nl-BE" sz="1400" b="0" i="0" dirty="0">
+                <a:solidFill>
+                  <a:srgbClr val="424242"/>
+                </a:solidFill>
+                <a:effectLst/>
+                <a:latin typeface="Segoe Sans"/>
+              </a:rPr>
+              <a:t>Als je nu naar Program.cs kijkt, zie je een icoontje verschijnen. Als je erover hovert, zie je dat het om een intercepted call gaat.</a:t>
+            </a:r>
+            <a:br>
+              <a:rPr lang="nl-BE" sz="1400" b="0" i="0" dirty="0">
+                <a:solidFill>
+                  <a:srgbClr val="424242"/>
+                </a:solidFill>
+                <a:effectLst/>
+                <a:latin typeface="Segoe Sans"/>
+              </a:rPr>
+            </a:br>
+            <a:r>
+              <a:rPr lang="nl-BE" sz="1400" b="0" i="0" dirty="0">
+                <a:solidFill>
+                  <a:srgbClr val="424242"/>
+                </a:solidFill>
+                <a:effectLst/>
+                <a:latin typeface="Segoe Sans"/>
+              </a:rPr>
+              <a:t>We hebben nu zowel de binding als de validatie via source generation. We zitten nu al dicht bij AOT.</a:t>
+            </a:r>
+            <a:br>
+              <a:rPr lang="nl-BE" sz="1400" b="0" i="0" dirty="0">
+                <a:solidFill>
+                  <a:srgbClr val="424242"/>
+                </a:solidFill>
+                <a:effectLst/>
+                <a:latin typeface="Segoe Sans"/>
+              </a:rPr>
+            </a:br>
+            <a:r>
+              <a:rPr lang="nl-BE" sz="1400" b="1" i="0" dirty="0">
+                <a:solidFill>
+                  <a:srgbClr val="424242"/>
+                </a:solidFill>
+                <a:effectLst/>
+                <a:latin typeface="Segoe Sans"/>
+              </a:rPr>
+              <a:t>Heeft iemand hier al mee geëxperimenteerd? Ik laat straks zien hoe je dit werkend krijgt met AOT.</a:t>
+            </a:r>
+          </a:p>
+          <a:p>
+            <a:pPr algn="l">
               <a:buFont typeface="+mj-lt"/>
               <a:buAutoNum type="arabicPeriod"/>
             </a:pPr>
             <a:r>
-              <a:rPr lang="nl-BE" sz="800" dirty="0"/>
-              <a:t>We can also source generate the binding, this removes the reflection from the configuration to the options object.</a:t>
+              <a:rPr lang="nl-BE" sz="1400" b="0" i="0" dirty="0">
+                <a:solidFill>
+                  <a:srgbClr val="424242"/>
+                </a:solidFill>
+                <a:effectLst/>
+                <a:latin typeface="Segoe Sans"/>
+              </a:rPr>
+              <a:t> Als je controllers gebruikt, heb je geluk: de documentatie klopt.</a:t>
             </a:r>
             <a:br>
-              <a:rPr lang="nl-BE" sz="800" dirty="0"/>
+              <a:rPr lang="nl-BE" sz="1400" b="0" i="0" dirty="0">
+                <a:solidFill>
+                  <a:srgbClr val="424242"/>
+                </a:solidFill>
+                <a:effectLst/>
+                <a:latin typeface="Segoe Sans"/>
+              </a:rPr>
             </a:br>
             <a:r>
-              <a:rPr lang="nl-BE" sz="800" dirty="0"/>
-              <a:t>In the csproj file enable the property EnableConfigurationBindingGenerator when you now look at the program.cs file you will see an icon appearing. When you hover over it is indicating that this is an intercepted call.</a:t>
+              <a:rPr lang="nl-BE" sz="1400" b="0" i="0" dirty="0">
+                <a:solidFill>
+                  <a:srgbClr val="424242"/>
+                </a:solidFill>
+                <a:effectLst/>
+                <a:latin typeface="Segoe Sans"/>
+              </a:rPr>
+              <a:t>Gebruik je echter minimal APIs zoals in deze demo, dan niet.</a:t>
             </a:r>
             <a:br>
-              <a:rPr lang="nl-BE" sz="800" dirty="0"/>
+              <a:rPr lang="nl-BE" sz="1400" b="0" i="0" dirty="0">
+                <a:solidFill>
+                  <a:srgbClr val="424242"/>
+                </a:solidFill>
+                <a:effectLst/>
+                <a:latin typeface="Segoe Sans"/>
+              </a:rPr>
             </a:br>
             <a:r>
-              <a:rPr lang="nl-BE" sz="800" dirty="0"/>
-              <a:t>We now have the binding and the validation source generated. This brings us quite close to an AOT point.</a:t>
+              <a:rPr lang="nl-BE" sz="1400" b="0" i="0" dirty="0">
+                <a:solidFill>
+                  <a:srgbClr val="424242"/>
+                </a:solidFill>
+                <a:effectLst/>
+                <a:latin typeface="Segoe Sans"/>
+              </a:rPr>
+              <a:t>Zet de property </a:t>
+            </a:r>
+            <a:r>
+              <a:rPr lang="nl-BE" sz="1400" b="1" i="0" dirty="0">
+                <a:solidFill>
+                  <a:srgbClr val="424242"/>
+                </a:solidFill>
+                <a:effectLst/>
+                <a:latin typeface="Segoe Sans"/>
+              </a:rPr>
+              <a:t>PublishAot</a:t>
+            </a:r>
+            <a:r>
+              <a:rPr lang="nl-BE" sz="1400" b="0" i="0" dirty="0">
+                <a:solidFill>
+                  <a:srgbClr val="424242"/>
+                </a:solidFill>
+                <a:effectLst/>
+                <a:latin typeface="Segoe Sans"/>
+              </a:rPr>
+              <a:t> aan in het .csproj-bestand.</a:t>
             </a:r>
             <a:br>
-              <a:rPr lang="nl-BE" sz="800" dirty="0"/>
+              <a:rPr lang="nl-BE" sz="1400" b="0" i="0" dirty="0">
+                <a:solidFill>
+                  <a:srgbClr val="424242"/>
+                </a:solidFill>
+                <a:effectLst/>
+                <a:latin typeface="Segoe Sans"/>
+              </a:rPr>
             </a:br>
             <a:r>
-              <a:rPr lang="nl-BE" sz="800" b="1" dirty="0"/>
-              <a:t>Anyone already toyed with this? I will show you how you get this working on AOT</a:t>
-            </a:r>
-            <a:endParaRPr lang="nl-BE" sz="800" dirty="0"/>
-          </a:p>
-          <a:p>
-            <a:pPr marL="220668" indent="-220668">
+              <a:rPr lang="nl-BE" sz="1400" b="0" i="0" dirty="0">
+                <a:solidFill>
+                  <a:srgbClr val="424242"/>
+                </a:solidFill>
+                <a:effectLst/>
+                <a:latin typeface="Segoe Sans"/>
+              </a:rPr>
+              <a:t>De intercepted call verschijnt nu ook hier. Open deze call en zoek naar</a:t>
+            </a:r>
+            <a:r>
+              <a:rPr lang="nl-BE" sz="1400" b="1" i="0" dirty="0">
+                <a:solidFill>
+                  <a:srgbClr val="424242"/>
+                </a:solidFill>
+                <a:effectLst/>
+                <a:latin typeface="Segoe Sans"/>
+              </a:rPr>
+              <a:t> IOptions&lt;JsonOptions&gt;.</a:t>
+            </a:r>
+            <a:br>
+              <a:rPr lang="nl-BE" sz="1400" b="0" i="0" dirty="0">
+                <a:solidFill>
+                  <a:srgbClr val="424242"/>
+                </a:solidFill>
+                <a:effectLst/>
+                <a:latin typeface="Segoe Sans"/>
+              </a:rPr>
+            </a:br>
+            <a:r>
+              <a:rPr lang="nl-BE" sz="1400" b="0" i="0" dirty="0">
+                <a:solidFill>
+                  <a:srgbClr val="424242"/>
+                </a:solidFill>
+                <a:effectLst/>
+                <a:latin typeface="Segoe Sans"/>
+              </a:rPr>
+              <a:t>Als die niet wordt meegegeven, wordt de fallback gebruikt — en die gebruikt reflectie. </a:t>
+            </a:r>
+            <a:r>
+              <a:rPr lang="nl-BE" sz="1400" b="1" i="0" dirty="0">
+                <a:solidFill>
+                  <a:srgbClr val="424242"/>
+                </a:solidFill>
+                <a:effectLst/>
+                <a:latin typeface="Segoe Sans"/>
+              </a:rPr>
+              <a:t>Dat werkt niet met AOT.</a:t>
+            </a:r>
+          </a:p>
+          <a:p>
+            <a:pPr algn="l">
               <a:buFont typeface="+mj-lt"/>
               <a:buAutoNum type="arabicPeriod"/>
             </a:pPr>
             <a:r>
-              <a:rPr lang="nl-BE" sz="800" dirty="0"/>
-              <a:t>If you are using controllers you’re lucky the documentation is right, if you are using minimal apis like this demo you are not.</a:t>
-            </a:r>
-            <a:br>
-              <a:rPr lang="nl-BE" sz="800" dirty="0"/>
-            </a:br>
-            <a:r>
-              <a:rPr lang="nl-BE" sz="800" dirty="0"/>
-              <a:t>Enable the property PublishAot in the csproj</a:t>
-            </a:r>
-            <a:br>
-              <a:rPr lang="nl-BE" sz="800" dirty="0"/>
-            </a:br>
-            <a:r>
-              <a:rPr lang="nl-BE" sz="800" dirty="0"/>
-              <a:t>The intercepted call is now also appearing at this location as well. When he open this call we need to search for the </a:t>
-            </a:r>
-            <a:r>
-              <a:rPr lang="nl-BE" sz="800" b="1" dirty="0"/>
-              <a:t>IOptions&lt;JsonOptions&gt;</a:t>
-            </a:r>
-            <a:r>
-              <a:rPr lang="nl-BE" sz="800" dirty="0"/>
-              <a:t>, if not provided the fall back is used which uses reflection. </a:t>
-            </a:r>
-            <a:r>
-              <a:rPr lang="nl-BE" sz="800" b="1" dirty="0"/>
-              <a:t>This will not work with AOT</a:t>
-            </a:r>
-          </a:p>
-          <a:p>
-            <a:pPr marL="220668" indent="-220668">
+              <a:rPr lang="nl-BE" sz="1400" b="0" i="0" dirty="0">
+                <a:solidFill>
+                  <a:srgbClr val="424242"/>
+                </a:solidFill>
+                <a:effectLst/>
+                <a:latin typeface="Segoe Sans"/>
+              </a:rPr>
+              <a:t> Om dit op te lossen, moet je een custom JsonSerializerContext gebruiken waarin je verwijst naar MyOptions.</a:t>
+            </a:r>
+          </a:p>
+          <a:p>
+            <a:pPr algn="l">
               <a:buFont typeface="+mj-lt"/>
               <a:buAutoNum type="arabicPeriod"/>
             </a:pPr>
             <a:r>
-              <a:rPr lang="nl-BE" sz="800" dirty="0"/>
-              <a:t>To resolve this a custom JsonSerializerContext must be used where we then can point to the MyOptions.</a:t>
-            </a:r>
-          </a:p>
-          <a:p>
-            <a:pPr marL="220668" indent="-220668">
+              <a:rPr lang="nl-BE" sz="1400" b="0" i="0" dirty="0">
+                <a:solidFill>
+                  <a:srgbClr val="424242"/>
+                </a:solidFill>
+                <a:effectLst/>
+                <a:latin typeface="Segoe Sans"/>
+              </a:rPr>
+              <a:t> Voeg deze context toe aan de standaard JSON-serializer via TypeInfoResolver.</a:t>
+            </a:r>
+          </a:p>
+          <a:p>
+            <a:pPr algn="l">
               <a:buFont typeface="+mj-lt"/>
               <a:buAutoNum type="arabicPeriod"/>
             </a:pPr>
             <a:r>
-              <a:rPr lang="nl-BE" sz="800" dirty="0"/>
-              <a:t>Now we can add it to the default json serializer using the TypeInfoResolver and add the newly created context to it.</a:t>
-            </a:r>
-          </a:p>
-          <a:p>
-            <a:pPr marL="220668" indent="-220668">
+              <a:rPr lang="nl-BE" sz="1400" b="0" i="0" dirty="0">
+                <a:solidFill>
+                  <a:srgbClr val="424242"/>
+                </a:solidFill>
+                <a:effectLst/>
+                <a:latin typeface="Segoe Sans"/>
+              </a:rPr>
+              <a:t> Ik open nu een terminal en maak een AOT-build met dotnet publish.</a:t>
+            </a:r>
+            <a:br>
+              <a:rPr lang="nl-BE" sz="1400" b="0" i="0" dirty="0">
+                <a:solidFill>
+                  <a:srgbClr val="424242"/>
+                </a:solidFill>
+                <a:effectLst/>
+                <a:latin typeface="Segoe Sans"/>
+              </a:rPr>
+            </a:br>
+            <a:r>
+              <a:rPr lang="nl-BE" sz="1400" b="0" i="0" dirty="0">
+                <a:solidFill>
+                  <a:srgbClr val="424242"/>
+                </a:solidFill>
+                <a:effectLst/>
+                <a:latin typeface="Segoe Sans"/>
+              </a:rPr>
+              <a:t>Als je dit nog nooit gedaan hebt, moet je eerst de workload </a:t>
+            </a:r>
+            <a:r>
+              <a:rPr lang="nl-BE" sz="1400" b="1" i="0" dirty="0">
+                <a:solidFill>
+                  <a:srgbClr val="424242"/>
+                </a:solidFill>
+                <a:effectLst/>
+                <a:latin typeface="Segoe Sans"/>
+              </a:rPr>
+              <a:t>.NET desktop development </a:t>
+            </a:r>
+            <a:r>
+              <a:rPr lang="nl-BE" sz="1400" b="0" i="0" dirty="0">
+                <a:solidFill>
+                  <a:srgbClr val="424242"/>
+                </a:solidFill>
+                <a:effectLst/>
+                <a:latin typeface="Segoe Sans"/>
+              </a:rPr>
+              <a:t>inschakelen, anders werkt het niet.</a:t>
+            </a:r>
+          </a:p>
+          <a:p>
+            <a:pPr algn="l">
               <a:buFont typeface="+mj-lt"/>
               <a:buAutoNum type="arabicPeriod"/>
             </a:pPr>
             <a:r>
-              <a:rPr lang="nl-BE" sz="800" i="1" dirty="0"/>
-              <a:t>I will open a terminal now and create the AOT build using dotnet publish</a:t>
-            </a:r>
-            <a:br>
-              <a:rPr lang="nl-BE" sz="800" i="1" dirty="0"/>
-            </a:br>
-            <a:r>
-              <a:rPr lang="nl-BE" sz="800" i="1" dirty="0"/>
-              <a:t>If you’ve never done this before you must enable the .NET desktop development under the workloads, it will not work otherwise</a:t>
-            </a:r>
-            <a:br>
-              <a:rPr lang="nl-BE" sz="800" i="1" dirty="0"/>
-            </a:br>
-            <a:r>
-              <a:rPr lang="nl-BE" sz="800" i="1" dirty="0"/>
-              <a:t>dotnet publish</a:t>
-            </a:r>
-          </a:p>
-          <a:p>
-            <a:pPr marL="220668" indent="-220668">
+              <a:rPr lang="nl-BE" sz="1400" b="0" i="0" dirty="0">
+                <a:solidFill>
+                  <a:srgbClr val="424242"/>
+                </a:solidFill>
+                <a:effectLst/>
+                <a:latin typeface="Segoe Sans"/>
+              </a:rPr>
+              <a:t> Ga naar de AOT-map en start de app: </a:t>
+            </a:r>
+            <a:r>
+              <a:rPr lang="nl-BE" sz="1400" b="1" i="0" dirty="0">
+                <a:solidFill>
+                  <a:srgbClr val="424242"/>
+                </a:solidFill>
+                <a:effectLst/>
+                <a:latin typeface="Segoe Sans"/>
+              </a:rPr>
+              <a:t>dotnet .\OptionValidation.dll --urls https://localhost:7030</a:t>
+            </a:r>
+          </a:p>
+          <a:p>
+            <a:pPr algn="l">
               <a:buFont typeface="+mj-lt"/>
               <a:buAutoNum type="arabicPeriod"/>
             </a:pPr>
             <a:r>
-              <a:rPr lang="nl-BE" sz="800" i="1" dirty="0"/>
-              <a:t>Go to the AOT folder and start it: dotnet .\OptionValidation.dll --urls https://localhost:7030</a:t>
-            </a:r>
-          </a:p>
-          <a:p>
-            <a:pPr marL="220668" indent="-220668">
+              <a:rPr lang="nl-BE" sz="1400" b="0" i="0" dirty="0">
+                <a:solidFill>
+                  <a:srgbClr val="424242"/>
+                </a:solidFill>
+                <a:effectLst/>
+                <a:latin typeface="Segoe Sans"/>
+              </a:rPr>
+              <a:t> Ga naar de release-map en start hem daar ook: </a:t>
+            </a:r>
+            <a:r>
+              <a:rPr lang="nl-BE" sz="1400" b="1" i="0" dirty="0">
+                <a:solidFill>
+                  <a:srgbClr val="424242"/>
+                </a:solidFill>
+                <a:effectLst/>
+                <a:latin typeface="Segoe Sans"/>
+              </a:rPr>
+              <a:t>dotnet .\OptionValidation.dll --urls https://localhost:7030</a:t>
+            </a:r>
+          </a:p>
+          <a:p>
+            <a:pPr algn="l">
               <a:buFont typeface="+mj-lt"/>
               <a:buAutoNum type="arabicPeriod"/>
             </a:pPr>
             <a:r>
-              <a:rPr lang="nl-BE" sz="800" i="1" dirty="0"/>
-              <a:t>Go to the release folder and start it: dotnet .\OptionValidation.dll --urls https://localhost:7030</a:t>
-            </a:r>
-          </a:p>
-          <a:p>
-            <a:pPr marL="220668" indent="-220668">
+              <a:rPr lang="nl-BE" sz="1400" b="0" i="0" dirty="0">
+                <a:solidFill>
+                  <a:srgbClr val="424242"/>
+                </a:solidFill>
+                <a:effectLst/>
+                <a:latin typeface="Segoe Sans"/>
+              </a:rPr>
+              <a:t> Als je me kwijt bent: geen zorgen, de code komt op mijn GitHub.</a:t>
+            </a:r>
+          </a:p>
+          <a:p>
+            <a:pPr algn="l">
               <a:buFont typeface="+mj-lt"/>
               <a:buAutoNum type="arabicPeriod"/>
             </a:pPr>
             <a:r>
-              <a:rPr lang="en-US" sz="800" dirty="0"/>
-              <a:t>If you lost me this code will become available on my </a:t>
-            </a:r>
-            <a:r>
-              <a:rPr lang="en-US" sz="800" dirty="0" err="1"/>
-              <a:t>github</a:t>
-            </a:r>
-            <a:r>
-              <a:rPr lang="en-US" sz="800" dirty="0"/>
-              <a:t> so don’t worry about it.</a:t>
-            </a:r>
-          </a:p>
-          <a:p>
-            <a:pPr marL="220668" indent="-220668">
+              <a:rPr lang="nl-BE" sz="1400" b="0" i="0" dirty="0">
+                <a:solidFill>
+                  <a:srgbClr val="424242"/>
+                </a:solidFill>
+                <a:effectLst/>
+                <a:latin typeface="Segoe Sans"/>
+              </a:rPr>
+              <a:t> Hiermee is het optimaliseren van validatie via source generation afgerond. Maar deze code heeft nog een andere invalshoek.</a:t>
+            </a:r>
+          </a:p>
+          <a:p>
+            <a:pPr algn="l">
               <a:buFont typeface="+mj-lt"/>
               <a:buAutoNum type="arabicPeriod"/>
             </a:pPr>
             <a:r>
-              <a:rPr lang="en-US" sz="800" dirty="0"/>
-              <a:t>This concludes the optimization of the validation with the source generation part. But this code also has another angle.</a:t>
-            </a:r>
-          </a:p>
-          <a:p>
-            <a:pPr marL="220668" indent="-220668">
+              <a:rPr lang="nl-BE" sz="1400" b="0" i="0" dirty="0">
+                <a:solidFill>
+                  <a:srgbClr val="424242"/>
+                </a:solidFill>
+                <a:effectLst/>
+                <a:latin typeface="Segoe Sans"/>
+              </a:rPr>
+              <a:t> Toon eerst de eerste drie met de standaardwaarde, daarna de named options en laat dan de lege string (“”) zien.</a:t>
+            </a:r>
+          </a:p>
+          <a:p>
+            <a:pPr algn="l">
               <a:buFont typeface="+mj-lt"/>
               <a:buAutoNum type="arabicPeriod"/>
             </a:pPr>
             <a:r>
-              <a:rPr lang="en-US" sz="800" dirty="0"/>
-              <a:t>First demonstrate the first 3 with the default value, then show the named options and reveal the “” case.</a:t>
-            </a:r>
-          </a:p>
-          <a:p>
-            <a:pPr marL="220668" indent="-220668">
+              <a:rPr lang="nl-BE" sz="1400" b="0" i="0" dirty="0">
+                <a:solidFill>
+                  <a:srgbClr val="424242"/>
+                </a:solidFill>
+                <a:effectLst/>
+                <a:latin typeface="Segoe Sans"/>
+              </a:rPr>
+              <a:t> </a:t>
+            </a:r>
+            <a:r>
+              <a:rPr lang="nl-BE" sz="1400" b="1" i="0" dirty="0">
+                <a:solidFill>
+                  <a:srgbClr val="424242"/>
+                </a:solidFill>
+                <a:effectLst/>
+                <a:latin typeface="Segoe Sans"/>
+              </a:rPr>
+              <a:t>Weet iemand wat er gebeurt als we Get("X") aanroepen?</a:t>
+            </a:r>
+          </a:p>
+          <a:p>
+            <a:pPr algn="l">
               <a:buFont typeface="+mj-lt"/>
               <a:buAutoNum type="arabicPeriod"/>
             </a:pPr>
             <a:r>
-              <a:rPr lang="en-US" sz="800" b="1" dirty="0"/>
-              <a:t>Does anyone know what will happen when we launch the Get(“X”) call?</a:t>
-            </a:r>
-          </a:p>
-          <a:p>
-            <a:pPr marL="220668" indent="-220668">
+              <a:rPr lang="nl-BE" sz="1400" b="0" i="0" dirty="0">
+                <a:solidFill>
+                  <a:srgbClr val="424242"/>
+                </a:solidFill>
+                <a:effectLst/>
+                <a:latin typeface="Segoe Sans"/>
+              </a:rPr>
+              <a:t> Let goed op bij de validatie: die wordt toegepast op zowel de unnamed als de named options.</a:t>
+            </a:r>
+          </a:p>
+          <a:p>
+            <a:pPr algn="l">
               <a:buFont typeface="+mj-lt"/>
               <a:buAutoNum type="arabicPeriod"/>
             </a:pPr>
             <a:r>
-              <a:rPr lang="en-US" sz="800" dirty="0"/>
-              <a:t>For the validation pay attention as it will also be applied for the unnamed and named options.</a:t>
-            </a:r>
-          </a:p>
-          <a:p>
-            <a:pPr marL="220668" indent="-220668">
+              <a:rPr lang="nl-BE" sz="1400" b="0" i="0" dirty="0">
+                <a:solidFill>
+                  <a:srgbClr val="424242"/>
+                </a:solidFill>
+                <a:effectLst/>
+                <a:latin typeface="Segoe Sans"/>
+              </a:rPr>
+              <a:t> Dus als je alleen named options registreert, maar een IOptions&lt;T&gt; opvraagt, dan wordt een default optie geresolved en gevalideerd.</a:t>
+            </a:r>
+            <a:br>
+              <a:rPr lang="nl-BE" sz="1400" b="0" i="0" dirty="0">
+                <a:solidFill>
+                  <a:srgbClr val="424242"/>
+                </a:solidFill>
+                <a:effectLst/>
+                <a:latin typeface="Segoe Sans"/>
+              </a:rPr>
+            </a:br>
+            <a:r>
+              <a:rPr lang="nl-BE" sz="1400" b="0" i="0" dirty="0">
+                <a:solidFill>
+                  <a:srgbClr val="424242"/>
+                </a:solidFill>
+                <a:effectLst/>
+                <a:latin typeface="Segoe Sans"/>
+              </a:rPr>
+              <a:t>Als die standaardoptie niet door de validatie komt, krijg je alsnog een runtime-fout.</a:t>
+            </a:r>
+          </a:p>
+          <a:p>
+            <a:pPr algn="l">
               <a:buFont typeface="+mj-lt"/>
               <a:buAutoNum type="arabicPeriod"/>
             </a:pPr>
             <a:r>
-              <a:rPr lang="en-US" sz="800" dirty="0"/>
-              <a:t>Meaning if you register only named options but when you request an </a:t>
-            </a:r>
-            <a:r>
-              <a:rPr lang="en-US" sz="800" dirty="0" err="1"/>
-              <a:t>IOption</a:t>
-            </a:r>
-            <a:r>
-              <a:rPr lang="en-US" sz="800" dirty="0"/>
-              <a:t>&lt;T&gt; it will resolve a default options and apply the validation upon. If this validation can’t pass by default, then you will still face a runtime failure.</a:t>
-            </a:r>
-          </a:p>
-          <a:p>
-            <a:pPr marL="220668" indent="-220668">
+              <a:rPr lang="nl-BE" sz="1400" b="1" i="0" dirty="0">
+                <a:solidFill>
+                  <a:srgbClr val="424242"/>
+                </a:solidFill>
+                <a:effectLst/>
+                <a:latin typeface="Segoe Sans"/>
+              </a:rPr>
+              <a:t> Wat denken jullie dat er gebeurt bij Get("")?</a:t>
+            </a:r>
+          </a:p>
+          <a:p>
+            <a:pPr algn="l">
               <a:buFont typeface="+mj-lt"/>
               <a:buAutoNum type="arabicPeriod"/>
             </a:pPr>
-            <a:endParaRPr lang="en-US" sz="800" dirty="0"/>
-          </a:p>
-          <a:p>
-            <a:pPr marL="220668" indent="-220668">
-              <a:buFont typeface="+mj-lt"/>
-              <a:buAutoNum type="arabicPeriod"/>
-              <a:defRPr/>
-            </a:pPr>
-            <a:r>
-              <a:rPr lang="en-US" sz="800" dirty="0"/>
-              <a:t>Does anyone know what will happen when we launch the Get(“”) call?</a:t>
-            </a:r>
-          </a:p>
-          <a:p>
-            <a:pPr marL="220668" indent="-220668">
+            <a:r>
+              <a:rPr lang="nl-BE" sz="1400" b="0" i="0" dirty="0">
+                <a:solidFill>
+                  <a:srgbClr val="424242"/>
+                </a:solidFill>
+                <a:effectLst/>
+                <a:latin typeface="Segoe Sans"/>
+              </a:rPr>
+              <a:t> Maak nu AddOptions een named “X” en toon het verschil.</a:t>
+            </a:r>
+            <a:br>
+              <a:rPr lang="nl-BE" sz="1400" b="0" i="0" dirty="0">
+                <a:solidFill>
+                  <a:srgbClr val="424242"/>
+                </a:solidFill>
+                <a:effectLst/>
+                <a:latin typeface="Segoe Sans"/>
+              </a:rPr>
+            </a:br>
+            <a:r>
+              <a:rPr lang="nl-BE" sz="1400" b="0" i="0" dirty="0">
+                <a:solidFill>
+                  <a:srgbClr val="424242"/>
+                </a:solidFill>
+                <a:effectLst/>
+                <a:latin typeface="Segoe Sans"/>
+              </a:rPr>
+              <a:t>Dit benadrukt iets dat nog aandacht nodig heeft, ook al heb je validatie bij startup geconfigureerd.</a:t>
+            </a:r>
+          </a:p>
+          <a:p>
+            <a:pPr algn="l">
               <a:buFont typeface="+mj-lt"/>
               <a:buAutoNum type="arabicPeriod"/>
             </a:pPr>
             <a:r>
-              <a:rPr lang="en-US" sz="800" dirty="0"/>
-              <a:t>Now make the </a:t>
-            </a:r>
-            <a:r>
-              <a:rPr lang="en-US" sz="800" dirty="0" err="1"/>
-              <a:t>AddOptions</a:t>
-            </a:r>
-            <a:r>
-              <a:rPr lang="en-US" sz="800" dirty="0"/>
-              <a:t> a named “X” and show the difference highlighting a thing which still needs some attention although you configured validation on startup.</a:t>
-            </a:r>
-          </a:p>
-          <a:p>
-            <a:pPr marL="220668" indent="-220668">
+              <a:rPr lang="nl-BE" sz="1400" b="0" i="0" dirty="0">
+                <a:solidFill>
+                  <a:srgbClr val="424242"/>
+                </a:solidFill>
+                <a:effectLst/>
+                <a:latin typeface="Segoe Sans"/>
+              </a:rPr>
+              <a:t> Als validatie bij startup is ingesteld, heb je de garantie dat de configuratie op dat moment geldig was voor de geregistreerde opties.</a:t>
+            </a:r>
+          </a:p>
+          <a:p>
+            <a:pPr algn="l">
               <a:buFont typeface="+mj-lt"/>
               <a:buAutoNum type="arabicPeriod"/>
             </a:pPr>
-            <a:endParaRPr lang="en-US" sz="800" dirty="0"/>
-          </a:p>
-          <a:p>
-            <a:pPr marL="220668" indent="-220668">
-              <a:buFont typeface="+mj-lt"/>
-              <a:buAutoNum type="arabicPeriod"/>
-            </a:pPr>
-            <a:r>
-              <a:rPr lang="en-US" sz="800" dirty="0"/>
-              <a:t>When validation is set at startup time you will have the guarantee that the startup configuration was valid at that point in time for the registered options.</a:t>
-            </a:r>
-          </a:p>
-          <a:p>
-            <a:pPr marL="220668" indent="-220668">
-              <a:buFont typeface="+mj-lt"/>
-              <a:buAutoNum type="arabicPeriod"/>
-            </a:pPr>
-            <a:r>
-              <a:rPr lang="en-US" sz="800" dirty="0"/>
-              <a:t>Pay attention though if you would register named options only and request an unnamed it will try to honor the request and return a default option, if this can’t pass validation a runtime error will happen.</a:t>
+            <a:r>
+              <a:rPr lang="nl-BE" sz="1400" b="0" i="0" dirty="0">
+                <a:solidFill>
+                  <a:srgbClr val="424242"/>
+                </a:solidFill>
+                <a:effectLst/>
+                <a:latin typeface="Segoe Sans"/>
+              </a:rPr>
+              <a:t> Let wel: als je alleen named options registreert en een unnamed opvraagt, probeert het systeem die alsnog te leveren.</a:t>
             </a:r>
             <a:br>
-              <a:rPr lang="en-US" sz="800" dirty="0"/>
+              <a:rPr lang="nl-BE" sz="1400" b="0" i="0" dirty="0">
+                <a:solidFill>
+                  <a:srgbClr val="424242"/>
+                </a:solidFill>
+                <a:effectLst/>
+                <a:latin typeface="Segoe Sans"/>
+              </a:rPr>
             </a:br>
             <a:r>
-              <a:rPr lang="en-US" sz="800" dirty="0"/>
-              <a:t>This also applies for a monitored change and a snapshot.</a:t>
-            </a:r>
-          </a:p>
-          <a:p>
-            <a:endParaRPr lang="en-US" sz="800" dirty="0"/>
+              <a:rPr lang="nl-BE" sz="1400" b="0" i="0" dirty="0">
+                <a:solidFill>
+                  <a:srgbClr val="424242"/>
+                </a:solidFill>
+                <a:effectLst/>
+                <a:latin typeface="Segoe Sans"/>
+              </a:rPr>
+              <a:t>Als die niet door de validatie komt, krijg je een runtime-fout.</a:t>
+            </a:r>
+            <a:br>
+              <a:rPr lang="nl-BE" sz="1400" b="0" i="0" dirty="0">
+                <a:solidFill>
+                  <a:srgbClr val="424242"/>
+                </a:solidFill>
+                <a:effectLst/>
+                <a:latin typeface="Segoe Sans"/>
+              </a:rPr>
+            </a:br>
+            <a:r>
+              <a:rPr lang="nl-BE" sz="1400" b="0" i="0" dirty="0">
+                <a:solidFill>
+                  <a:srgbClr val="424242"/>
+                </a:solidFill>
+                <a:effectLst/>
+                <a:latin typeface="Segoe Sans"/>
+              </a:rPr>
+              <a:t>Dit geldt ook voor monitored changes en snapshots.</a:t>
+            </a:r>
+          </a:p>
+          <a:p>
+            <a:endParaRPr lang="nl-BE" sz="800" noProof="0" dirty="0"/>
           </a:p>
         </p:txBody>
       </p:sp>
@@ -2905,105 +3443,249 @@
           <a:bodyPr/>
           <a:lstStyle/>
           <a:p>
-            <a:r>
-              <a:rPr lang="en-US" noProof="0" dirty="0"/>
-              <a:t>We arrived at the last part Configure, make no mistakes this is the hardest one to get all the ins &amp; outs </a:t>
-            </a:r>
-          </a:p>
-          <a:p>
-            <a:r>
-              <a:rPr lang="en-US" noProof="0" dirty="0"/>
-              <a:t>but when it comes to specialized configuration this last step is where you can do magic with options.</a:t>
-            </a:r>
-          </a:p>
-          <a:p>
-            <a:endParaRPr lang="en-US" noProof="0" dirty="0"/>
-          </a:p>
-          <a:p>
-            <a:r>
-              <a:rPr lang="en-US" noProof="0" dirty="0"/>
-              <a:t>The execution order can be a though one if you would start combining the different executions, but if you do, you will most likely have your reasons but pay attention order matters in this case.</a:t>
-            </a:r>
-          </a:p>
-          <a:p>
-            <a:endParaRPr lang="en-US" noProof="0" dirty="0"/>
-          </a:p>
-          <a:p>
-            <a:r>
-              <a:rPr lang="en-US" noProof="0" dirty="0"/>
-              <a:t>All the configure steps, </a:t>
-            </a:r>
-            <a:r>
-              <a:rPr lang="en-US" b="1" i="1" noProof="0" dirty="0"/>
-              <a:t>Configure, </a:t>
-            </a:r>
-            <a:r>
-              <a:rPr lang="en-US" b="1" i="1" noProof="0" dirty="0" err="1"/>
-              <a:t>ConfigureAll</a:t>
-            </a:r>
-            <a:r>
-              <a:rPr lang="en-US" b="1" i="1" noProof="0" dirty="0"/>
-              <a:t>&lt;T&gt; &amp; Configure&lt;T</a:t>
-            </a:r>
-            <a:r>
-              <a:rPr lang="en-US" b="0" i="1" noProof="0" dirty="0"/>
-              <a:t>&gt;</a:t>
-            </a:r>
-            <a:r>
-              <a:rPr lang="en-US" b="0" noProof="0" dirty="0"/>
-              <a:t>,</a:t>
-            </a:r>
-            <a:r>
-              <a:rPr lang="en-US" noProof="0" dirty="0"/>
-              <a:t> no matter where they are, are executed before the post configure step in the order they were added.</a:t>
-            </a:r>
-          </a:p>
-          <a:p>
-            <a:r>
-              <a:rPr lang="en-US" noProof="0" dirty="0"/>
-              <a:t>The same applies for the post configure</a:t>
-            </a:r>
-            <a:r>
-              <a:rPr lang="en-US" dirty="0"/>
-              <a:t> which only commences when all configure steps have been done.</a:t>
-            </a:r>
-          </a:p>
-          <a:p>
-            <a:endParaRPr lang="en-US" noProof="0" dirty="0"/>
-          </a:p>
-          <a:p>
-            <a:r>
-              <a:rPr lang="en-US" noProof="0" dirty="0"/>
-              <a:t>For the </a:t>
-            </a:r>
-            <a:r>
-              <a:rPr lang="en-US" noProof="0" dirty="0" err="1"/>
-              <a:t>IServiceCollection</a:t>
-            </a:r>
-            <a:r>
-              <a:rPr lang="en-US" noProof="0" dirty="0"/>
-              <a:t> </a:t>
-            </a:r>
-            <a:r>
-              <a:rPr lang="en-US" noProof="0" dirty="0" err="1"/>
-              <a:t>PostConfigure</a:t>
-            </a:r>
-            <a:r>
-              <a:rPr lang="en-US" noProof="0" dirty="0"/>
-              <a:t> and Configure step, there is a distinct difference between named and unnamed, meaning if you configure one named it will only be applied for the named one. An unnamed one is only targeted by the one added without name.</a:t>
-            </a:r>
-          </a:p>
-          <a:p>
-            <a:endParaRPr lang="en-US" noProof="0" dirty="0"/>
-          </a:p>
-          <a:p>
-            <a:r>
-              <a:rPr lang="en-US" noProof="0" dirty="0"/>
-              <a:t>When all the configure steps are done only then the validation takes places, so if there is a common thing that will make your configuration valid this can be applied upfront.</a:t>
-            </a:r>
-          </a:p>
-          <a:p>
-            <a:endParaRPr lang="en-US" noProof="0" dirty="0"/>
+            <a:pPr algn="l"/>
+            <a:r>
+              <a:rPr lang="nl-BE" b="0" i="0" dirty="0">
+                <a:solidFill>
+                  <a:srgbClr val="424242"/>
+                </a:solidFill>
+                <a:effectLst/>
+                <a:latin typeface="Segoe Sans"/>
+              </a:rPr>
+              <a:t>We zijn aangekomen bij het laatste deel: </a:t>
+            </a:r>
+            <a:r>
+              <a:rPr lang="nl-BE" b="1" i="0" dirty="0">
+                <a:solidFill>
+                  <a:srgbClr val="424242"/>
+                </a:solidFill>
+                <a:effectLst/>
+                <a:latin typeface="Segoe Sans"/>
+              </a:rPr>
+              <a:t>Configure</a:t>
+            </a:r>
+            <a:r>
+              <a:rPr lang="nl-BE" b="0" i="0" dirty="0">
+                <a:solidFill>
+                  <a:srgbClr val="424242"/>
+                </a:solidFill>
+                <a:effectLst/>
+                <a:latin typeface="Segoe Sans"/>
+              </a:rPr>
+              <a:t>.</a:t>
+            </a:r>
+            <a:br>
+              <a:rPr lang="nl-BE" b="0" i="0" dirty="0">
+                <a:solidFill>
+                  <a:srgbClr val="424242"/>
+                </a:solidFill>
+                <a:effectLst/>
+                <a:latin typeface="Segoe Sans"/>
+              </a:rPr>
+            </a:br>
+            <a:r>
+              <a:rPr lang="nl-BE" b="0" i="0" dirty="0">
+                <a:solidFill>
+                  <a:srgbClr val="424242"/>
+                </a:solidFill>
+                <a:effectLst/>
+                <a:latin typeface="Segoe Sans"/>
+              </a:rPr>
+              <a:t>Vergis je niet — dit is het moeilijkste stuk om onder de knie te krijgen.</a:t>
+            </a:r>
+          </a:p>
+          <a:p>
+            <a:pPr algn="l"/>
+            <a:br>
+              <a:rPr lang="nl-BE" b="0" i="0" dirty="0">
+                <a:solidFill>
+                  <a:srgbClr val="424242"/>
+                </a:solidFill>
+                <a:effectLst/>
+                <a:latin typeface="Segoe Sans"/>
+              </a:rPr>
+            </a:br>
+            <a:r>
+              <a:rPr lang="nl-BE" b="0" i="0" dirty="0">
+                <a:solidFill>
+                  <a:srgbClr val="424242"/>
+                </a:solidFill>
+                <a:effectLst/>
+                <a:latin typeface="Segoe Sans"/>
+              </a:rPr>
+              <a:t>Maar als het gaat om gespecialiseerde configuratie, dan is dit het moment waarop je echt magie kunt doen met options.</a:t>
+            </a:r>
+          </a:p>
+          <a:p>
+            <a:pPr algn="l"/>
+            <a:r>
+              <a:rPr lang="nl-BE" b="0" i="0" dirty="0">
+                <a:solidFill>
+                  <a:srgbClr val="424242"/>
+                </a:solidFill>
+                <a:effectLst/>
+                <a:latin typeface="Segoe Sans"/>
+              </a:rPr>
+              <a:t>De uitvoeringsvolgorde kan lastig zijn, zeker als je verschillende configuratiestappen begint te combineren.</a:t>
+            </a:r>
+          </a:p>
+          <a:p>
+            <a:pPr algn="l"/>
+            <a:br>
+              <a:rPr lang="nl-BE" b="0" i="0" dirty="0">
+                <a:solidFill>
+                  <a:srgbClr val="424242"/>
+                </a:solidFill>
+                <a:effectLst/>
+                <a:latin typeface="Segoe Sans"/>
+              </a:rPr>
+            </a:br>
+            <a:r>
+              <a:rPr lang="nl-BE" b="0" i="0" dirty="0">
+                <a:solidFill>
+                  <a:srgbClr val="424242"/>
+                </a:solidFill>
+                <a:effectLst/>
+                <a:latin typeface="Segoe Sans"/>
+              </a:rPr>
+              <a:t>Maar als je dat doet, heb je daar waarschijnlijk goede redenen voor. Let dan wel goed op: de volgorde is hier echt belangrijk.</a:t>
+            </a:r>
+          </a:p>
+          <a:p>
+            <a:pPr algn="l"/>
+            <a:r>
+              <a:rPr lang="nl-BE" b="0" i="0" dirty="0">
+                <a:solidFill>
+                  <a:srgbClr val="424242"/>
+                </a:solidFill>
+                <a:effectLst/>
+                <a:latin typeface="Segoe Sans"/>
+              </a:rPr>
+              <a:t>Alle Configure-stappen — dus Configure, ConfigureAll&lt;T&gt; en Configure&lt;T&gt; — worden uitgevoerd voordat de PostConfigure-stap begint.</a:t>
+            </a:r>
+          </a:p>
+          <a:p>
+            <a:pPr algn="l"/>
+            <a:r>
+              <a:rPr lang="nl-BE" b="0" i="0" dirty="0">
+                <a:solidFill>
+                  <a:srgbClr val="424242"/>
+                </a:solidFill>
+                <a:effectLst/>
+                <a:latin typeface="Segoe Sans"/>
+              </a:rPr>
+              <a:t>En dat gebeurt in de volgorde waarin je ze hebt toegevoegd.</a:t>
+            </a:r>
+          </a:p>
+          <a:p>
+            <a:pPr algn="l"/>
+            <a:r>
+              <a:rPr lang="nl-BE" b="0" i="0" dirty="0">
+                <a:solidFill>
+                  <a:srgbClr val="424242"/>
+                </a:solidFill>
+                <a:effectLst/>
+                <a:latin typeface="Segoe Sans"/>
+              </a:rPr>
+              <a:t>Hetzelfde geldt voor PostConfigure: die wordt pas uitgevoerd nadat alle Configure-stappen zijn afgerond.</a:t>
+            </a:r>
+          </a:p>
+          <a:p>
+            <a:pPr algn="l"/>
+            <a:endParaRPr lang="nl-BE" b="0" i="0" dirty="0">
+              <a:solidFill>
+                <a:srgbClr val="424242"/>
+              </a:solidFill>
+              <a:effectLst/>
+              <a:latin typeface="Segoe Sans"/>
+            </a:endParaRPr>
+          </a:p>
+          <a:p>
+            <a:pPr algn="l"/>
+            <a:r>
+              <a:rPr lang="nl-BE" b="0" i="0" dirty="0">
+                <a:solidFill>
+                  <a:srgbClr val="424242"/>
+                </a:solidFill>
+                <a:effectLst/>
+                <a:latin typeface="Segoe Sans"/>
+              </a:rPr>
+              <a:t>Voor de IServiceCollection zijn er ook belangrijke verschillen tussen named en unnamed configuraties:</a:t>
+            </a:r>
+          </a:p>
+          <a:p>
+            <a:pPr marL="171450" indent="-171450" algn="l">
+              <a:buFont typeface="Arial" panose="020B0604020202020204" pitchFamily="34" charset="0"/>
+              <a:buChar char="•"/>
+            </a:pPr>
+            <a:r>
+              <a:rPr lang="nl-BE" b="0" i="0" dirty="0">
+                <a:solidFill>
+                  <a:srgbClr val="424242"/>
+                </a:solidFill>
+                <a:effectLst/>
+                <a:latin typeface="Segoe Sans"/>
+              </a:rPr>
+              <a:t>Als je een named configuratie toevoegt, wordt die alleen toegepast op die specifieke naam.</a:t>
+            </a:r>
+          </a:p>
+          <a:p>
+            <a:pPr marL="171450" indent="-171450" algn="l">
+              <a:buFont typeface="Arial" panose="020B0604020202020204" pitchFamily="34" charset="0"/>
+              <a:buChar char="•"/>
+            </a:pPr>
+            <a:r>
+              <a:rPr lang="nl-BE" b="0" i="0" dirty="0">
+                <a:solidFill>
+                  <a:srgbClr val="424242"/>
+                </a:solidFill>
+                <a:effectLst/>
+                <a:latin typeface="Segoe Sans"/>
+              </a:rPr>
+              <a:t>Een unnamed configuratie wordt alleen toegepast op opties zonder naam.</a:t>
+            </a:r>
+          </a:p>
+          <a:p>
+            <a:pPr algn="l"/>
+            <a:endParaRPr lang="nl-BE" b="0" i="0" dirty="0">
+              <a:solidFill>
+                <a:srgbClr val="424242"/>
+              </a:solidFill>
+              <a:effectLst/>
+              <a:latin typeface="Segoe Sans"/>
+            </a:endParaRPr>
+          </a:p>
+          <a:p>
+            <a:pPr algn="l"/>
+            <a:r>
+              <a:rPr lang="nl-BE" b="0" i="0" dirty="0">
+                <a:solidFill>
+                  <a:srgbClr val="424242"/>
+                </a:solidFill>
+                <a:effectLst/>
+                <a:latin typeface="Segoe Sans"/>
+              </a:rPr>
+              <a:t>Pas nadat alle Configure-stappen zijn uitgevoerd, wordt de validatie toegepast.</a:t>
+            </a:r>
+            <a:br>
+              <a:rPr lang="nl-BE" b="0" i="0" dirty="0">
+                <a:solidFill>
+                  <a:srgbClr val="424242"/>
+                </a:solidFill>
+                <a:effectLst/>
+                <a:latin typeface="Segoe Sans"/>
+              </a:rPr>
+            </a:br>
+            <a:r>
+              <a:rPr lang="nl-BE" b="0" i="0" dirty="0">
+                <a:solidFill>
+                  <a:srgbClr val="424242"/>
+                </a:solidFill>
+                <a:effectLst/>
+                <a:latin typeface="Segoe Sans"/>
+              </a:rPr>
+              <a:t>Dus als er iets is dat je configuratie geldig maakt, kun je dat best al in een vroege Configure-stap doen.</a:t>
+            </a:r>
           </a:p>
         </p:txBody>
       </p:sp>
@@ -3112,159 +3794,421 @@
           <a:bodyPr/>
           <a:lstStyle/>
           <a:p>
-            <a:r>
-              <a:rPr lang="en-US" noProof="0" dirty="0"/>
-              <a:t>This time we use the </a:t>
-            </a:r>
-            <a:r>
-              <a:rPr lang="en-US" noProof="0" dirty="0" err="1"/>
-              <a:t>MyOptions</a:t>
-            </a:r>
-            <a:r>
-              <a:rPr lang="en-US" noProof="0" dirty="0"/>
-              <a:t> class again, but I’ve added all the flavors I could think of to demonstrate how this would behave. I had to add the console </a:t>
-            </a:r>
-            <a:r>
-              <a:rPr lang="en-US" noProof="0" dirty="0" err="1"/>
-              <a:t>writelines</a:t>
-            </a:r>
-            <a:r>
-              <a:rPr lang="en-US" noProof="0" dirty="0"/>
-              <a:t> so that it would immediately be printed when it was executed without losing ourselves in breakpoints.</a:t>
-            </a:r>
-          </a:p>
-          <a:p>
-            <a:endParaRPr lang="en-US" noProof="0" dirty="0"/>
-          </a:p>
-          <a:p>
-            <a:r>
-              <a:rPr lang="en-US" noProof="0" dirty="0"/>
-              <a:t>At startup you can clearly see we have three </a:t>
-            </a:r>
-            <a:r>
-              <a:rPr lang="en-US" noProof="0" dirty="0" err="1"/>
-              <a:t>uniqueidentifiers</a:t>
-            </a:r>
-            <a:r>
-              <a:rPr lang="en-US" noProof="0" dirty="0"/>
-              <a:t> pointing to the three configured options in this case.</a:t>
-            </a:r>
-          </a:p>
-          <a:p>
+            <a:pPr algn="l"/>
+            <a:r>
+              <a:rPr lang="nl-BE" b="0" i="0" dirty="0">
+                <a:solidFill>
+                  <a:srgbClr val="424242"/>
+                </a:solidFill>
+                <a:effectLst/>
+                <a:latin typeface="Segoe Sans"/>
+              </a:rPr>
+              <a:t>Deze keer gebruiken we opnieuw de MyOptions-klasse, maar ik heb alle varianten toegevoegd die ik kon bedenken om te laten zien hoe dit zich gedraagt.</a:t>
+            </a:r>
+            <a:br>
+              <a:rPr lang="nl-BE" b="0" i="0" dirty="0">
+                <a:solidFill>
+                  <a:srgbClr val="424242"/>
+                </a:solidFill>
+                <a:effectLst/>
+                <a:latin typeface="Segoe Sans"/>
+              </a:rPr>
+            </a:br>
+            <a:r>
+              <a:rPr lang="nl-BE" b="0" i="0" dirty="0">
+                <a:solidFill>
+                  <a:srgbClr val="424242"/>
+                </a:solidFill>
+                <a:effectLst/>
+                <a:latin typeface="Segoe Sans"/>
+              </a:rPr>
+              <a:t>Ik heb Console.WriteLine toegevoegd zodat je meteen kunt zien wanneer iets wordt uitgevoerd, zonder dat we verdwalen in breakpoints.</a:t>
+            </a:r>
+          </a:p>
+          <a:p>
+            <a:pPr algn="l"/>
+            <a:endParaRPr lang="nl-BE" b="0" i="0" dirty="0">
+              <a:solidFill>
+                <a:srgbClr val="424242"/>
+              </a:solidFill>
+              <a:effectLst/>
+              <a:latin typeface="Segoe Sans"/>
+            </a:endParaRPr>
+          </a:p>
+          <a:p>
+            <a:pPr algn="l"/>
+            <a:r>
+              <a:rPr lang="nl-BE" b="0" i="0" dirty="0">
+                <a:solidFill>
+                  <a:srgbClr val="424242"/>
+                </a:solidFill>
+                <a:effectLst/>
+                <a:latin typeface="Segoe Sans"/>
+              </a:rPr>
+              <a:t>Bij het opstarten zie je duidelijk dat we drie unieke identifiers hebben die verwijzen naar de drie geconfigureerde opties in dit voorbeeld.</a:t>
+            </a:r>
+          </a:p>
+          <a:p>
+            <a:pPr algn="l">
+              <a:buFont typeface="Arial" panose="020B0604020202020204" pitchFamily="34" charset="0"/>
+              <a:buNone/>
+            </a:pPr>
             <a:r>
               <a:rPr lang="en-US" b="1" noProof="0" dirty="0"/>
               <a:t>Hit the monitor endpoint </a:t>
             </a:r>
             <a:r>
-              <a:rPr lang="en-US" noProof="0" dirty="0">
-                <a:sym typeface="Wingdings" panose="05000000000000000000" pitchFamily="2" charset="2"/>
-              </a:rPr>
-              <a:t> this reveals that these options were configured during the startup.</a:t>
-            </a:r>
-            <a:endParaRPr lang="en-US" noProof="0" dirty="0"/>
-          </a:p>
-          <a:p>
+              <a:rPr lang="nl-BE" b="0" i="0" dirty="0">
+                <a:solidFill>
+                  <a:srgbClr val="424242"/>
+                </a:solidFill>
+                <a:effectLst/>
+                <a:latin typeface="Segoe Sans"/>
+              </a:rPr>
+              <a:t>→ dit toont aan dat deze opties tijdens de startup zijn geconfigureerd.</a:t>
+            </a:r>
+          </a:p>
+          <a:p>
+            <a:pPr algn="l">
+              <a:buFont typeface="Arial" panose="020B0604020202020204" pitchFamily="34" charset="0"/>
+              <a:buNone/>
+            </a:pPr>
             <a:r>
               <a:rPr lang="en-US" b="1" noProof="0" dirty="0"/>
               <a:t>Hit the snapshot endpoint </a:t>
             </a:r>
             <a:r>
-              <a:rPr lang="en-US" noProof="0" dirty="0">
-                <a:sym typeface="Wingdings" panose="05000000000000000000" pitchFamily="2" charset="2"/>
-              </a:rPr>
-              <a:t> this reveals that these options are always validated on the endpoint request as the documentation also suggested and that all configuration steps are done as well.</a:t>
-            </a:r>
-          </a:p>
-          <a:p>
-            <a:endParaRPr lang="en-US" dirty="0">
-              <a:sym typeface="Wingdings" panose="05000000000000000000" pitchFamily="2" charset="2"/>
+              <a:rPr lang="nl-BE" b="0" i="0" dirty="0">
+                <a:solidFill>
+                  <a:srgbClr val="424242"/>
+                </a:solidFill>
+                <a:effectLst/>
+                <a:latin typeface="Segoe Sans"/>
+              </a:rPr>
+              <a:t>→ dit toont aan dat deze opties bij elke request opnieuw gevalideerd worden, zoals ook in de documentatie staat. Alle configuratiestappen worden dan opnieuw uitgevoerd.</a:t>
+            </a:r>
+          </a:p>
+          <a:p>
+            <a:pPr algn="l">
+              <a:buFont typeface="Arial" panose="020B0604020202020204" pitchFamily="34" charset="0"/>
+              <a:buNone/>
+            </a:pPr>
+            <a:endParaRPr lang="nl-BE" b="0" i="0" dirty="0">
+              <a:solidFill>
+                <a:srgbClr val="424242"/>
+              </a:solidFill>
+              <a:effectLst/>
+              <a:latin typeface="Segoe Sans"/>
             </a:endParaRPr>
           </a:p>
           <a:p>
-            <a:r>
-              <a:rPr lang="en-US" dirty="0"/>
-              <a:t>With all this combined knowledge we can now go for the final thing and this one is what made me fond of this implementation.</a:t>
-            </a:r>
-          </a:p>
-          <a:p>
-            <a:r>
-              <a:rPr lang="en-US" dirty="0"/>
-              <a:t>We will now load the previously configured monitored options and retrieve them into the </a:t>
-            </a:r>
-            <a:r>
-              <a:rPr lang="en-US" dirty="0" err="1"/>
-              <a:t>FinalOptions</a:t>
-            </a:r>
-            <a:r>
-              <a:rPr lang="en-US" dirty="0"/>
+            <a:pPr algn="l"/>
+            <a:r>
+              <a:rPr lang="nl-BE" b="0" i="0" dirty="0">
+                <a:solidFill>
+                  <a:srgbClr val="424242"/>
+                </a:solidFill>
+                <a:effectLst/>
+                <a:latin typeface="Segoe Sans"/>
+              </a:rPr>
+              <a:t>Met deze kennis kunnen we nu naar het </a:t>
+            </a:r>
+            <a:r>
+              <a:rPr lang="nl-BE" b="1" i="0" dirty="0">
+                <a:solidFill>
+                  <a:srgbClr val="424242"/>
+                </a:solidFill>
+                <a:effectLst/>
+                <a:latin typeface="Segoe Sans"/>
+              </a:rPr>
+              <a:t>laatste onderdeel</a:t>
+            </a:r>
+            <a:r>
+              <a:rPr lang="nl-BE" b="0" i="0" dirty="0">
+                <a:solidFill>
+                  <a:srgbClr val="424242"/>
+                </a:solidFill>
+                <a:effectLst/>
+                <a:latin typeface="Segoe Sans"/>
+              </a:rPr>
+              <a:t>, en dit is wat mij persoonlijk enthousiast maakte over deze aanpak.</a:t>
+            </a:r>
+          </a:p>
+          <a:p>
+            <a:pPr algn="l"/>
+            <a:r>
+              <a:rPr lang="nl-BE" b="0" i="0" dirty="0">
+                <a:solidFill>
+                  <a:srgbClr val="424242"/>
+                </a:solidFill>
+                <a:effectLst/>
+                <a:latin typeface="Segoe Sans"/>
+              </a:rPr>
+              <a:t>We gaan nu de eerder geconfigureerde </a:t>
+            </a:r>
+            <a:r>
+              <a:rPr lang="nl-BE" b="1" i="0" dirty="0">
+                <a:solidFill>
+                  <a:srgbClr val="424242"/>
+                </a:solidFill>
+                <a:effectLst/>
+                <a:latin typeface="Segoe Sans"/>
+              </a:rPr>
+              <a:t>monitored options </a:t>
+            </a:r>
+            <a:r>
+              <a:rPr lang="nl-BE" b="0" i="0" dirty="0">
+                <a:solidFill>
+                  <a:srgbClr val="424242"/>
+                </a:solidFill>
+                <a:effectLst/>
+                <a:latin typeface="Segoe Sans"/>
+              </a:rPr>
+              <a:t>laden en deze gebruiken in de FinalOptions.</a:t>
+            </a:r>
+          </a:p>
+          <a:p>
+            <a:pPr algn="l"/>
+            <a:r>
+              <a:rPr lang="nl-BE" b="0" i="0" dirty="0">
+                <a:solidFill>
+                  <a:srgbClr val="424242"/>
+                </a:solidFill>
+                <a:effectLst/>
+                <a:latin typeface="Segoe Sans"/>
+              </a:rPr>
+              <a:t>De FinalOptions haalt ook configuratie op, maar doet dit in zijn eigen configuratiefase, waarbij het </a:t>
+            </a:r>
+            <a:r>
+              <a:rPr lang="nl-BE" b="1" i="0" dirty="0">
+                <a:solidFill>
+                  <a:srgbClr val="424242"/>
+                </a:solidFill>
+                <a:effectLst/>
+                <a:latin typeface="Segoe Sans"/>
+              </a:rPr>
+              <a:t>verwijst naar andere opties</a:t>
+            </a:r>
+            <a:r>
+              <a:rPr lang="nl-BE" b="0" i="0" dirty="0">
+                <a:solidFill>
+                  <a:srgbClr val="424242"/>
+                </a:solidFill>
+                <a:effectLst/>
+                <a:latin typeface="Segoe Sans"/>
+              </a:rPr>
               <a:t>.</a:t>
             </a:r>
-          </a:p>
-          <a:p>
-            <a:endParaRPr lang="en-US" dirty="0"/>
-          </a:p>
-          <a:p>
-            <a:r>
-              <a:rPr lang="en-US" dirty="0"/>
-              <a:t>The </a:t>
-            </a:r>
-            <a:r>
-              <a:rPr lang="en-US" dirty="0" err="1"/>
-              <a:t>finaloptions</a:t>
-            </a:r>
-            <a:r>
-              <a:rPr lang="en-US" dirty="0"/>
-              <a:t> is picking up configuration as well and in its configuration phase where it is referencing the other options.</a:t>
-            </a:r>
-          </a:p>
-          <a:p>
-            <a:r>
-              <a:rPr lang="en-US" dirty="0"/>
-              <a:t>So, this is not just an option created by an </a:t>
-            </a:r>
-            <a:r>
-              <a:rPr lang="en-US" dirty="0" err="1"/>
-              <a:t>IConfiguration</a:t>
-            </a:r>
-            <a:r>
-              <a:rPr lang="en-US" dirty="0"/>
-              <a:t>, it also requires some features specific from your DI container in so that it can resolve itself.</a:t>
-            </a:r>
-          </a:p>
-          <a:p>
-            <a:r>
-              <a:rPr lang="en-US" dirty="0"/>
-              <a:t>If you think this is an odd case out. </a:t>
-            </a:r>
-            <a:r>
-              <a:rPr lang="en-US" b="1" dirty="0"/>
-              <a:t>We needed this for some health checks</a:t>
-            </a:r>
-            <a:r>
-              <a:rPr lang="en-US" dirty="0"/>
-              <a:t> which depended upon the options of other options, but those had an additional configuration check which could only be resolved after data was injected via the pipeline.</a:t>
-            </a:r>
-          </a:p>
-          <a:p>
-            <a:r>
-              <a:rPr lang="en-US" dirty="0"/>
-              <a:t>We could have duplicated this logic in the in the final option. But it felt wrong as it was not the responsibility of the final options to correct one of its dependent options as this was also environment dependent.</a:t>
-            </a:r>
-          </a:p>
-          <a:p>
-            <a:endParaRPr lang="en-US" dirty="0"/>
-          </a:p>
-          <a:p>
-            <a:r>
-              <a:rPr lang="en-US" dirty="0"/>
-              <a:t>Demonstrate a bad final options to show the load with a named (“bad”) and then the good one (“”)</a:t>
-            </a:r>
-          </a:p>
-          <a:p>
-            <a:endParaRPr lang="en-US" dirty="0"/>
-          </a:p>
-          <a:p>
-            <a:endParaRPr lang="en-US" dirty="0"/>
+            <a:br>
+              <a:rPr lang="nl-BE" b="0" i="0" dirty="0">
+                <a:solidFill>
+                  <a:srgbClr val="424242"/>
+                </a:solidFill>
+                <a:effectLst/>
+                <a:latin typeface="Segoe Sans"/>
+              </a:rPr>
+            </a:br>
+            <a:r>
+              <a:rPr lang="nl-BE" b="0" i="0" dirty="0">
+                <a:solidFill>
+                  <a:srgbClr val="424242"/>
+                </a:solidFill>
+                <a:effectLst/>
+                <a:latin typeface="Segoe Sans"/>
+              </a:rPr>
+              <a:t>Dit is dus niet zomaar een optie die via IConfiguration wordt opgebouwd — het vereist ook specifieke functionaliteit van de DI-container om zichzelf correct te kunnen resolven.</a:t>
+            </a:r>
+          </a:p>
+          <a:p>
+            <a:pPr algn="l"/>
+            <a:r>
+              <a:rPr lang="nl-BE" b="0" i="0" dirty="0">
+                <a:solidFill>
+                  <a:srgbClr val="424242"/>
+                </a:solidFill>
+                <a:effectLst/>
+                <a:latin typeface="Segoe Sans"/>
+              </a:rPr>
+              <a:t>Denk je dat dit een uitzonderlijk geval is?</a:t>
+            </a:r>
+          </a:p>
+          <a:p>
+            <a:pPr algn="l"/>
+            <a:br>
+              <a:rPr lang="nl-BE" b="0" i="0" dirty="0">
+                <a:solidFill>
+                  <a:srgbClr val="424242"/>
+                </a:solidFill>
+                <a:effectLst/>
+                <a:latin typeface="Segoe Sans"/>
+              </a:rPr>
+            </a:br>
+            <a:r>
+              <a:rPr lang="nl-BE" b="0" i="0" dirty="0">
+                <a:solidFill>
+                  <a:srgbClr val="424242"/>
+                </a:solidFill>
+                <a:effectLst/>
+                <a:latin typeface="Segoe Sans"/>
+              </a:rPr>
+              <a:t>Wij hadden dit nodig voor bepaalde </a:t>
+            </a:r>
+            <a:r>
+              <a:rPr lang="nl-BE" b="1" i="0" dirty="0">
+                <a:solidFill>
+                  <a:srgbClr val="424242"/>
+                </a:solidFill>
+                <a:effectLst/>
+                <a:latin typeface="Segoe Sans"/>
+              </a:rPr>
+              <a:t>health checks </a:t>
+            </a:r>
+            <a:r>
+              <a:rPr lang="nl-BE" b="0" i="0" dirty="0">
+                <a:solidFill>
+                  <a:srgbClr val="424242"/>
+                </a:solidFill>
+                <a:effectLst/>
+                <a:latin typeface="Segoe Sans"/>
+              </a:rPr>
+              <a:t>die afhankelijk waren van opties van andere opties.</a:t>
+            </a:r>
+            <a:br>
+              <a:rPr lang="nl-BE" b="0" i="0" dirty="0">
+                <a:solidFill>
+                  <a:srgbClr val="424242"/>
+                </a:solidFill>
+                <a:effectLst/>
+                <a:latin typeface="Segoe Sans"/>
+              </a:rPr>
+            </a:br>
+            <a:r>
+              <a:rPr lang="nl-BE" b="0" i="0" dirty="0">
+                <a:solidFill>
+                  <a:srgbClr val="424242"/>
+                </a:solidFill>
+                <a:effectLst/>
+                <a:latin typeface="Segoe Sans"/>
+              </a:rPr>
+              <a:t>Maar die andere opties hadden een extra validatiestap die pas kon worden uitgevoerd </a:t>
+            </a:r>
+            <a:r>
+              <a:rPr lang="nl-BE" b="1" i="0" dirty="0">
+                <a:solidFill>
+                  <a:srgbClr val="424242"/>
+                </a:solidFill>
+                <a:effectLst/>
+                <a:latin typeface="Segoe Sans"/>
+              </a:rPr>
+              <a:t>nadat</a:t>
+            </a:r>
+            <a:r>
+              <a:rPr lang="nl-BE" b="0" i="0" dirty="0">
+                <a:solidFill>
+                  <a:srgbClr val="424242"/>
+                </a:solidFill>
+                <a:effectLst/>
+                <a:latin typeface="Segoe Sans"/>
+              </a:rPr>
+              <a:t> er data via de pipeline was geïnjecteerd.</a:t>
+            </a:r>
+          </a:p>
+          <a:p>
+            <a:pPr algn="l"/>
+            <a:r>
+              <a:rPr lang="nl-BE" b="0" i="0" dirty="0">
+                <a:solidFill>
+                  <a:srgbClr val="424242"/>
+                </a:solidFill>
+                <a:effectLst/>
+                <a:latin typeface="Segoe Sans"/>
+              </a:rPr>
+              <a:t>We hadden die logica kunnen dupliceren in de FinalOptions, maar dat voelde niet juist.</a:t>
+            </a:r>
+            <a:br>
+              <a:rPr lang="nl-BE" b="0" i="0" dirty="0">
+                <a:solidFill>
+                  <a:srgbClr val="424242"/>
+                </a:solidFill>
+                <a:effectLst/>
+                <a:latin typeface="Segoe Sans"/>
+              </a:rPr>
+            </a:br>
+            <a:r>
+              <a:rPr lang="nl-BE" b="0" i="0" dirty="0">
+                <a:solidFill>
+                  <a:srgbClr val="424242"/>
+                </a:solidFill>
+                <a:effectLst/>
+                <a:latin typeface="Segoe Sans"/>
+              </a:rPr>
+              <a:t>Het is namelijk </a:t>
+            </a:r>
+            <a:r>
+              <a:rPr lang="nl-BE" b="1" i="0" dirty="0">
+                <a:solidFill>
+                  <a:srgbClr val="424242"/>
+                </a:solidFill>
+                <a:effectLst/>
+                <a:latin typeface="Segoe Sans"/>
+              </a:rPr>
+              <a:t>niet de verantwoordelijkheid</a:t>
+            </a:r>
+            <a:r>
+              <a:rPr lang="nl-BE" b="0" i="0" dirty="0">
+                <a:solidFill>
+                  <a:srgbClr val="424242"/>
+                </a:solidFill>
+                <a:effectLst/>
+                <a:latin typeface="Segoe Sans"/>
+              </a:rPr>
+              <a:t> van de FinalOptions om een afhankelijke optie te corrigeren — zeker niet als die correctheid ook nog eens afhankelijk is van de omgeving.</a:t>
+            </a:r>
+          </a:p>
+          <a:p>
+            <a:pPr algn="l"/>
+            <a:r>
+              <a:rPr lang="nl-BE" b="0" i="0" dirty="0">
+                <a:solidFill>
+                  <a:srgbClr val="424242"/>
+                </a:solidFill>
+                <a:effectLst/>
+                <a:latin typeface="Segoe Sans"/>
+              </a:rPr>
+              <a:t>Tot slot:</a:t>
+            </a:r>
+          </a:p>
+          <a:p>
+            <a:pPr marL="171450" indent="-171450" algn="l">
+              <a:buFont typeface="Arial" panose="020B0604020202020204" pitchFamily="34" charset="0"/>
+              <a:buChar char="•"/>
+            </a:pPr>
+            <a:r>
+              <a:rPr lang="nl-BE" b="0" i="0" dirty="0">
+                <a:solidFill>
+                  <a:srgbClr val="424242"/>
+                </a:solidFill>
+                <a:effectLst/>
+                <a:latin typeface="Segoe Sans"/>
+              </a:rPr>
+              <a:t>Toon een “foute” FinalOptions door te laden met een named optie (“bad”)</a:t>
+            </a:r>
+          </a:p>
+          <a:p>
+            <a:pPr marL="171450" indent="-171450" algn="l">
+              <a:buFont typeface="Arial" panose="020B0604020202020204" pitchFamily="34" charset="0"/>
+              <a:buChar char="•"/>
+            </a:pPr>
+            <a:r>
+              <a:rPr lang="nl-BE" b="0" i="0" dirty="0">
+                <a:solidFill>
+                  <a:srgbClr val="424242"/>
+                </a:solidFill>
+                <a:effectLst/>
+                <a:latin typeface="Segoe Sans"/>
+              </a:rPr>
+              <a:t>En daarna de goede met de naamloze (“”)</a:t>
+            </a:r>
           </a:p>
         </p:txBody>
       </p:sp>
@@ -3340,15 +4284,7 @@
             <p:ph type="sldImg"/>
           </p:nvPr>
         </p:nvSpPr>
-        <p:spPr>
-          <a:xfrm>
-            <a:off x="115888" y="388938"/>
-            <a:ext cx="6608762" cy="3717925"/>
-          </a:xfrm>
-          <a:prstGeom prst="rect">
-            <a:avLst/>
-          </a:prstGeom>
-        </p:spPr>
+        <p:spPr/>
       </p:sp>
       <p:sp>
         <p:nvSpPr>
@@ -3360,34 +4296,38 @@
             <p:ph type="body" idx="1"/>
           </p:nvPr>
         </p:nvSpPr>
-        <p:spPr>
-          <a:xfrm>
-            <a:off x="360001" y="4276251"/>
-            <a:ext cx="6120000" cy="5248125"/>
-          </a:xfrm>
-          <a:prstGeom prst="rect">
-            <a:avLst/>
-          </a:prstGeom>
-        </p:spPr>
+        <p:spPr/>
         <p:txBody>
           <a:bodyPr/>
           <a:lstStyle/>
           <a:p>
             <a:r>
               <a:rPr lang="nl-BE" dirty="0"/>
-              <a:t>My name is Pieter Samyn. I’m a technology lead at ZF in Belgium.</a:t>
-            </a:r>
+              <a:t>Om te beginnen gaan we eerst polsen naar de kennis in de zaal over IConfiguration, IOptions en jullie ervaring ermee. Ik zal jullie even de tijd geven om vrijwillig mee te doen, de data is en op het scherm zien we het live resultaat.</a:t>
+            </a:r>
+          </a:p>
+          <a:p>
+            <a:endParaRPr lang="nl-BE" dirty="0"/>
           </a:p>
           <a:p>
             <a:r>
               <a:rPr lang="nl-BE" dirty="0"/>
-              <a:t>My main focus is backend development with the AWS stack. I try to do my best to keep up with the evolutions and I’m always on the lookout for increasing the performance and maintainabilty of our projects.</a:t>
-            </a:r>
+              <a:t>Voor de mensen die geen idee hebben waar ik het zal over hebben dat is niet erg, we gaan starten met de basics en ik zal jullie gids zijn onderweg.</a:t>
+            </a:r>
+          </a:p>
+          <a:p>
+            <a:endParaRPr lang="nl-BE" dirty="0"/>
           </a:p>
           <a:p>
             <a:r>
               <a:rPr lang="nl-BE" dirty="0"/>
-              <a:t>I guess that is enough about me, if you would like to know more catch me after the session and have a chat or find me on LinkedIn.</a:t>
+              <a:t>Ik ben vereerd dat ik het komende uur van jullie krijg om mijn verhaal te vertellen.</a:t>
+            </a:r>
+          </a:p>
+          <a:p>
+            <a:r>
+              <a:rPr lang="nl-BE" dirty="0"/>
+              <a:t>Ik reken op jullie Nederlandse assertiviteit als een bepaald stuk meer toelichting dient te krijgen, onderbreek me. Zo gaan we samen door deze sessie zonder elkaar te verliezen.</a:t>
             </a:r>
           </a:p>
         </p:txBody>
@@ -3402,32 +4342,23 @@
             <p:ph type="sldNum" sz="quarter" idx="5"/>
           </p:nvPr>
         </p:nvSpPr>
-        <p:spPr>
-          <a:xfrm>
-            <a:off x="3884614" y="9597289"/>
-            <a:ext cx="2971800" cy="272125"/>
-          </a:xfrm>
-          <a:prstGeom prst="rect">
-            <a:avLst/>
-          </a:prstGeom>
-        </p:spPr>
+        <p:spPr/>
         <p:txBody>
           <a:bodyPr/>
           <a:lstStyle/>
           <a:p>
-            <a:fld id="{D61B4C21-2AF8-4513-9A88-12DEBB551087}" type="slidenum">
-              <a:rPr lang="de-DE" smtClean="0"/>
-              <a:pPr/>
+            <a:fld id="{F2CAA8BB-88FD-437C-AAF8-B4CF0C75ED63}" type="slidenum">
+              <a:rPr lang="nl-BE" smtClean="0"/>
               <a:t>2</a:t>
             </a:fld>
-            <a:endParaRPr lang="de-DE" dirty="0"/>
+            <a:endParaRPr lang="nl-BE"/>
           </a:p>
         </p:txBody>
       </p:sp>
     </p:spTree>
     <p:extLst>
       <p:ext uri="{BB962C8B-B14F-4D97-AF65-F5344CB8AC3E}">
-        <p14:creationId xmlns:p14="http://schemas.microsoft.com/office/powerpoint/2010/main" val="3195256844"/>
+        <p14:creationId xmlns:p14="http://schemas.microsoft.com/office/powerpoint/2010/main" val="3826272342"/>
       </p:ext>
     </p:extLst>
   </p:cSld>
@@ -3497,142 +4428,213 @@
           <a:bodyPr/>
           <a:lstStyle/>
           <a:p>
-            <a:r>
-              <a:rPr lang="nl-BE" dirty="0"/>
-              <a:t>So lets wrap this up, we started by discussing IConfiguration, highlighting its shortcomings as well.</a:t>
-            </a:r>
-          </a:p>
-          <a:p>
-            <a:r>
-              <a:rPr lang="nl-BE" dirty="0"/>
-              <a:t>We demonstrated how you could create a custom provider if needed.</a:t>
-            </a:r>
-          </a:p>
-          <a:p>
-            <a:endParaRPr lang="nl-BE" dirty="0"/>
-          </a:p>
-          <a:p>
-            <a:r>
-              <a:rPr lang="nl-BE" dirty="0"/>
-              <a:t>We then moved on to binding the configuration to an object, which set the stage for introducing IOptions.</a:t>
-            </a:r>
-          </a:p>
-          <a:p>
-            <a:endParaRPr lang="nl-BE" dirty="0"/>
-          </a:p>
-          <a:p>
-            <a:r>
-              <a:rPr lang="en-US" b="0" i="0" dirty="0">
-                <a:solidFill>
-                  <a:srgbClr val="242424"/>
-                </a:solidFill>
-                <a:effectLst/>
-                <a:latin typeface="Segoe UI" panose="020B0502040204020203" pitchFamily="34" charset="0"/>
-              </a:rPr>
-              <a:t>We highlighted the benefits of using options and demonstrated the different types available.</a:t>
-            </a:r>
-          </a:p>
-          <a:p>
-            <a:r>
-              <a:rPr lang="en-US" b="0" i="0" dirty="0">
-                <a:solidFill>
-                  <a:srgbClr val="242424"/>
-                </a:solidFill>
-                <a:effectLst/>
-                <a:latin typeface="Segoe UI" panose="020B0502040204020203" pitchFamily="34" charset="0"/>
-              </a:rPr>
-              <a:t>We also covered how to validate them and briefly touched on preparing for an AOT build.</a:t>
-            </a:r>
+            <a:pPr algn="l"/>
+            <a:r>
+              <a:rPr lang="nl-BE" b="0" i="0" dirty="0">
+                <a:solidFill>
+                  <a:srgbClr val="424242"/>
+                </a:solidFill>
+                <a:effectLst/>
+                <a:latin typeface="Segoe Sans"/>
+              </a:rPr>
+              <a:t>Ik wil graag nog een paar voorbeelden tonen waarin de combinatie van IConfiguration, IOptions en Dependency Injection magie laat zien wanneer je ze samenbrengt.</a:t>
+            </a:r>
+          </a:p>
+          <a:p>
+            <a:pPr algn="l"/>
             <a:endParaRPr lang="nl-BE" b="0" i="0" dirty="0">
               <a:solidFill>
-                <a:srgbClr val="242424"/>
+                <a:srgbClr val="424242"/>
               </a:solidFill>
               <a:effectLst/>
-              <a:latin typeface="Segoe UI" panose="020B0502040204020203" pitchFamily="34" charset="0"/>
+              <a:latin typeface="Segoe Sans"/>
             </a:endParaRPr>
           </a:p>
           <a:p>
-            <a:endParaRPr lang="nl-BE" dirty="0"/>
-          </a:p>
-          <a:p>
-            <a:r>
-              <a:rPr lang="en-US" b="0" i="0" dirty="0">
-                <a:solidFill>
-                  <a:srgbClr val="242424"/>
-                </a:solidFill>
-                <a:effectLst/>
-                <a:latin typeface="Segoe UI" panose="020B0502040204020203" pitchFamily="34" charset="0"/>
-              </a:rPr>
-              <a:t>Finally, we ended with a configuration demo on the options to showcase the possibilities.</a:t>
-            </a:r>
-          </a:p>
-          <a:p>
-            <a:endParaRPr lang="en-US" b="0" i="0" dirty="0">
-              <a:solidFill>
-                <a:srgbClr val="242424"/>
-              </a:solidFill>
-              <a:effectLst/>
-              <a:latin typeface="Segoe UI" panose="020B0502040204020203" pitchFamily="34" charset="0"/>
-            </a:endParaRPr>
-          </a:p>
-          <a:p>
-            <a:r>
-              <a:rPr lang="en-US" b="0" i="0" dirty="0">
-                <a:solidFill>
-                  <a:srgbClr val="242424"/>
-                </a:solidFill>
-                <a:effectLst/>
-                <a:latin typeface="Segoe UI" panose="020B0502040204020203" pitchFamily="34" charset="0"/>
-              </a:rPr>
-              <a:t>This revealed that to fully benefit from </a:t>
-            </a:r>
-            <a:r>
-              <a:rPr lang="en-US" b="1" i="0" dirty="0" err="1">
-                <a:solidFill>
-                  <a:srgbClr val="242424"/>
-                </a:solidFill>
-                <a:effectLst/>
-                <a:latin typeface="Segoe UI" panose="020B0502040204020203" pitchFamily="34" charset="0"/>
-              </a:rPr>
-              <a:t>IOptions</a:t>
-            </a:r>
-            <a:r>
-              <a:rPr lang="en-US" b="0" i="0" dirty="0">
-                <a:solidFill>
-                  <a:srgbClr val="242424"/>
-                </a:solidFill>
-                <a:effectLst/>
-                <a:latin typeface="Segoe UI" panose="020B0502040204020203" pitchFamily="34" charset="0"/>
-              </a:rPr>
-              <a:t>, you also need to understand and utilize </a:t>
-            </a:r>
-            <a:r>
-              <a:rPr lang="en-US" b="1" i="0" dirty="0" err="1">
-                <a:solidFill>
-                  <a:srgbClr val="242424"/>
-                </a:solidFill>
-                <a:effectLst/>
-                <a:latin typeface="Segoe UI" panose="020B0502040204020203" pitchFamily="34" charset="0"/>
-              </a:rPr>
-              <a:t>IConfiguration</a:t>
-            </a:r>
-            <a:r>
-              <a:rPr lang="en-US" b="1" i="0" dirty="0">
-                <a:solidFill>
-                  <a:srgbClr val="242424"/>
-                </a:solidFill>
-                <a:effectLst/>
-                <a:latin typeface="Segoe UI" panose="020B0502040204020203" pitchFamily="34" charset="0"/>
-              </a:rPr>
-              <a:t>.</a:t>
-            </a:r>
-            <a:endParaRPr lang="nl-BE" b="0" i="0" dirty="0">
-              <a:solidFill>
-                <a:srgbClr val="242424"/>
-              </a:solidFill>
-              <a:effectLst/>
-              <a:latin typeface="Segoe UI" panose="020B0502040204020203" pitchFamily="34" charset="0"/>
-            </a:endParaRPr>
+            <a:pPr algn="l"/>
+            <a:r>
+              <a:rPr lang="nl-BE" b="0" i="0" dirty="0">
+                <a:solidFill>
+                  <a:srgbClr val="424242"/>
+                </a:solidFill>
+                <a:effectLst/>
+                <a:latin typeface="Segoe Sans"/>
+              </a:rPr>
+              <a:t>In dit voorbeeld simuleren we een third-party client die we moeten gebruiken.</a:t>
+            </a:r>
+            <a:br>
+              <a:rPr lang="nl-BE" b="0" i="0" dirty="0">
+                <a:solidFill>
+                  <a:srgbClr val="424242"/>
+                </a:solidFill>
+                <a:effectLst/>
+                <a:latin typeface="Segoe Sans"/>
+              </a:rPr>
+            </a:br>
+            <a:r>
+              <a:rPr lang="nl-BE" b="0" i="0" dirty="0">
+                <a:solidFill>
+                  <a:srgbClr val="424242"/>
+                </a:solidFill>
+                <a:effectLst/>
+                <a:latin typeface="Segoe Sans"/>
+              </a:rPr>
+              <a:t>De enige manier waarop we die kunnen gebruiken, is via een factory met bepaalde instellingen.</a:t>
+            </a:r>
+            <a:br>
+              <a:rPr lang="nl-BE" b="0" i="0" dirty="0">
+                <a:solidFill>
+                  <a:srgbClr val="424242"/>
+                </a:solidFill>
+                <a:effectLst/>
+                <a:latin typeface="Segoe Sans"/>
+              </a:rPr>
+            </a:br>
+            <a:r>
+              <a:rPr lang="nl-BE" b="0" i="0" dirty="0">
+                <a:solidFill>
+                  <a:srgbClr val="424242"/>
+                </a:solidFill>
+                <a:effectLst/>
+                <a:latin typeface="Segoe Sans"/>
+              </a:rPr>
+              <a:t>Gelukkig hebben ze een voorbeeld meegeleverd van hoe je hun client zou moeten gebruiken.</a:t>
+            </a:r>
+          </a:p>
+          <a:p>
+            <a:pPr algn="l"/>
+            <a:r>
+              <a:rPr lang="nl-BE" b="0" i="0" dirty="0">
+                <a:solidFill>
+                  <a:srgbClr val="424242"/>
+                </a:solidFill>
+                <a:effectLst/>
+                <a:latin typeface="Segoe Sans"/>
+              </a:rPr>
+              <a:t>Maar stel dat ik deze interface nodig heb in een ander project dan mijn startup-project, zonder gebruik te maken van DI, dan wordt het al snel rommelig.</a:t>
+            </a:r>
+            <a:br>
+              <a:rPr lang="nl-BE" b="0" i="0" dirty="0">
+                <a:solidFill>
+                  <a:srgbClr val="424242"/>
+                </a:solidFill>
+                <a:effectLst/>
+                <a:latin typeface="Segoe Sans"/>
+              </a:rPr>
+            </a:br>
+            <a:r>
+              <a:rPr lang="nl-BE" b="0" i="0" dirty="0">
+                <a:solidFill>
+                  <a:srgbClr val="424242"/>
+                </a:solidFill>
+                <a:effectLst/>
+                <a:latin typeface="Segoe Sans"/>
+              </a:rPr>
+              <a:t>Zeker omdat de third-party ook sterk aanraadt om hun client als singleton te gebruiken.</a:t>
+            </a:r>
+          </a:p>
+          <a:p>
+            <a:pPr algn="l"/>
+            <a:r>
+              <a:rPr lang="nl-BE" b="0" i="0" dirty="0">
+                <a:solidFill>
+                  <a:srgbClr val="424242"/>
+                </a:solidFill>
+                <a:effectLst/>
+                <a:latin typeface="Segoe Sans"/>
+              </a:rPr>
+              <a:t>Hoewel de code werkt zoals het nu is, voelt het toch als een compromis.</a:t>
+            </a:r>
+          </a:p>
+          <a:p>
+            <a:pPr algn="l"/>
+            <a:r>
+              <a:rPr lang="nl-BE" b="0" i="0" dirty="0">
+                <a:solidFill>
+                  <a:srgbClr val="424242"/>
+                </a:solidFill>
+                <a:effectLst/>
+                <a:latin typeface="Segoe Sans"/>
+              </a:rPr>
+              <a:t>Om dit netjes op te lossen, maken we eerst een eenvoudige options-klasse die we kunnen binden aan de configuratie.</a:t>
+            </a:r>
+          </a:p>
+          <a:p>
+            <a:pPr algn="l"/>
+            <a:r>
+              <a:rPr lang="nl-BE" b="0" i="0" dirty="0">
+                <a:solidFill>
+                  <a:srgbClr val="424242"/>
+                </a:solidFill>
+                <a:effectLst/>
+                <a:latin typeface="Segoe Sans"/>
+              </a:rPr>
+              <a:t>Zodra die klasse er is, kunnen we die gebruiken in een AddSingleton-methode waarbij we de ServiceProvider gebruiken.</a:t>
+            </a:r>
+            <a:br>
+              <a:rPr lang="nl-BE" b="0" i="0" dirty="0">
+                <a:solidFill>
+                  <a:srgbClr val="424242"/>
+                </a:solidFill>
+                <a:effectLst/>
+                <a:latin typeface="Segoe Sans"/>
+              </a:rPr>
+            </a:br>
+            <a:r>
+              <a:rPr lang="nl-BE" b="0" i="0" dirty="0">
+                <a:solidFill>
+                  <a:srgbClr val="424242"/>
+                </a:solidFill>
+                <a:effectLst/>
+                <a:latin typeface="Segoe Sans"/>
+              </a:rPr>
+              <a:t>Binnen die methode maken we dan de client aan via de factory en gebruiken we de gebonden opties.</a:t>
+            </a:r>
+          </a:p>
+          <a:p>
+            <a:pPr algn="l"/>
+            <a:r>
+              <a:rPr lang="nl-BE" b="0" i="0" dirty="0">
+                <a:solidFill>
+                  <a:srgbClr val="424242"/>
+                </a:solidFill>
+                <a:effectLst/>
+                <a:latin typeface="Segoe Sans"/>
+              </a:rPr>
+              <a:t>Het voordeel van deze kleine omweg is dat we nu de INonDiClient gewoon kunnen opvragen via de DI-container.</a:t>
+            </a:r>
+            <a:br>
+              <a:rPr lang="nl-BE" b="0" i="0" dirty="0">
+                <a:solidFill>
+                  <a:srgbClr val="424242"/>
+                </a:solidFill>
+                <a:effectLst/>
+                <a:latin typeface="Segoe Sans"/>
+              </a:rPr>
+            </a:br>
+            <a:r>
+              <a:rPr lang="nl-BE" b="0" i="0" dirty="0">
+                <a:solidFill>
+                  <a:srgbClr val="424242"/>
+                </a:solidFill>
+                <a:effectLst/>
+                <a:latin typeface="Segoe Sans"/>
+              </a:rPr>
+              <a:t>En dat betekent dat we deze client overal in het project kunnen gebruiken waar deze interface bekend is.</a:t>
+            </a:r>
+          </a:p>
+          <a:p>
+            <a:pPr algn="l"/>
+            <a:r>
+              <a:rPr lang="nl-BE" b="0" i="0" dirty="0">
+                <a:solidFill>
+                  <a:srgbClr val="424242"/>
+                </a:solidFill>
+                <a:effectLst/>
+                <a:latin typeface="Segoe Sans"/>
+              </a:rPr>
+              <a:t>De configuratie wordt dan alleen geladen op het moment dat het nodig is, en dat kan vanuit elke ServiceProvider.</a:t>
+            </a:r>
           </a:p>
         </p:txBody>
       </p:sp>
@@ -3671,7 +4673,7 @@
     </p:spTree>
     <p:extLst>
       <p:ext uri="{BB962C8B-B14F-4D97-AF65-F5344CB8AC3E}">
-        <p14:creationId xmlns:p14="http://schemas.microsoft.com/office/powerpoint/2010/main" val="4270673396"/>
+        <p14:creationId xmlns:p14="http://schemas.microsoft.com/office/powerpoint/2010/main" val="1714846204"/>
       </p:ext>
     </p:extLst>
   </p:cSld>
@@ -3742,118 +4744,567 @@
           <a:lstStyle/>
           <a:p>
             <a:r>
-              <a:rPr lang="en-US" dirty="0"/>
-              <a:t>I still wanted to show a small example where the combination with </a:t>
-            </a:r>
-            <a:r>
-              <a:rPr lang="en-US" dirty="0" err="1"/>
-              <a:t>IConfiguration</a:t>
-            </a:r>
-            <a:r>
-              <a:rPr lang="en-US" dirty="0"/>
+              <a:rPr lang="en-US" b="0" i="0" dirty="0">
+                <a:solidFill>
+                  <a:srgbClr val="242424"/>
+                </a:solidFill>
+                <a:effectLst/>
+                <a:latin typeface="Segoe UI" panose="020B0502040204020203" pitchFamily="34" charset="0"/>
+              </a:rPr>
+              <a:t>Dank </a:t>
+            </a:r>
+            <a:r>
+              <a:rPr lang="en-US" b="0" i="0" dirty="0" err="1">
+                <a:solidFill>
+                  <a:srgbClr val="242424"/>
+                </a:solidFill>
+                <a:effectLst/>
+                <a:latin typeface="Segoe UI" panose="020B0502040204020203" pitchFamily="34" charset="0"/>
+              </a:rPr>
+              <a:t>voor</a:t>
+            </a:r>
+            <a:r>
+              <a:rPr lang="en-US" b="0" i="0" dirty="0">
+                <a:solidFill>
+                  <a:srgbClr val="242424"/>
+                </a:solidFill>
+                <a:effectLst/>
+                <a:latin typeface="Segoe UI" panose="020B0502040204020203" pitchFamily="34" charset="0"/>
+              </a:rPr>
+              <a:t> </a:t>
+            </a:r>
+            <a:r>
+              <a:rPr lang="en-US" b="0" i="0" dirty="0" err="1">
+                <a:solidFill>
+                  <a:srgbClr val="242424"/>
+                </a:solidFill>
+                <a:effectLst/>
+                <a:latin typeface="Segoe UI" panose="020B0502040204020203" pitchFamily="34" charset="0"/>
+              </a:rPr>
+              <a:t>jullie</a:t>
+            </a:r>
+            <a:r>
+              <a:rPr lang="en-US" b="0" i="0" dirty="0">
+                <a:solidFill>
+                  <a:srgbClr val="242424"/>
+                </a:solidFill>
+                <a:effectLst/>
+                <a:latin typeface="Segoe UI" panose="020B0502040204020203" pitchFamily="34" charset="0"/>
+              </a:rPr>
+              <a:t> </a:t>
+            </a:r>
+            <a:r>
+              <a:rPr lang="en-US" b="0" i="0" dirty="0" err="1">
+                <a:solidFill>
+                  <a:srgbClr val="242424"/>
+                </a:solidFill>
+                <a:effectLst/>
+                <a:latin typeface="Segoe UI" panose="020B0502040204020203" pitchFamily="34" charset="0"/>
+              </a:rPr>
+              <a:t>aandacht</a:t>
+            </a:r>
+            <a:r>
+              <a:rPr lang="en-US" b="0" i="0" dirty="0">
+                <a:solidFill>
+                  <a:srgbClr val="242424"/>
+                </a:solidFill>
+                <a:effectLst/>
+                <a:latin typeface="Segoe UI" panose="020B0502040204020203" pitchFamily="34" charset="0"/>
+              </a:rPr>
               <a:t>, </a:t>
             </a:r>
             <a:r>
-              <a:rPr lang="en-US" dirty="0" err="1"/>
-              <a:t>IOptions</a:t>
-            </a:r>
-            <a:r>
-              <a:rPr lang="en-US" dirty="0"/>
-              <a:t> and Dependency Injection is doing some magic when it gets combined.</a:t>
-            </a:r>
-          </a:p>
-          <a:p>
-            <a:endParaRPr lang="en-US" dirty="0"/>
-          </a:p>
-          <a:p>
-            <a:r>
-              <a:rPr lang="en-US" dirty="0"/>
-              <a:t>The example simulates a third-party client which we need to use. The only way we can use it is by using a factory with some settings, they were even so nice of providing an example on how you should use it</a:t>
-            </a:r>
-          </a:p>
-          <a:p>
-            <a:r>
-              <a:rPr lang="en-US" dirty="0"/>
-              <a:t>However, if I would need the interface for example not in my startup project without using DI it would become messy, especially as the third-party also gave a strong suggestion of using their client as a singleton.</a:t>
-            </a:r>
-          </a:p>
-          <a:p>
-            <a:r>
-              <a:rPr lang="en-US" dirty="0"/>
-              <a:t>Although the code works, it feels like a sacrifice in the current example state.</a:t>
-            </a:r>
-          </a:p>
-          <a:p>
-            <a:endParaRPr lang="en-US" dirty="0"/>
-          </a:p>
-          <a:p>
-            <a:r>
-              <a:rPr lang="en-US"/>
-              <a:t>To </a:t>
-            </a:r>
-            <a:r>
-              <a:rPr lang="en-US" dirty="0"/>
-              <a:t>address it we would need to create a simple options class which we then can bind.</a:t>
-            </a:r>
-          </a:p>
-          <a:p>
-            <a:r>
-              <a:rPr lang="en-US" dirty="0"/>
-              <a:t>Once this is created, we can consume it using an </a:t>
-            </a:r>
-            <a:r>
-              <a:rPr lang="en-US" dirty="0" err="1"/>
-              <a:t>AddSingletion</a:t>
-            </a:r>
-            <a:r>
-              <a:rPr lang="en-US" dirty="0"/>
-              <a:t> method with the </a:t>
-            </a:r>
-            <a:r>
-              <a:rPr lang="en-US" dirty="0" err="1"/>
-              <a:t>serviceprovider</a:t>
-            </a:r>
-            <a:r>
-              <a:rPr lang="en-US" dirty="0"/>
+              <a:rPr lang="en-US" b="0" i="0" dirty="0" err="1">
+                <a:solidFill>
+                  <a:srgbClr val="242424"/>
+                </a:solidFill>
+                <a:effectLst/>
+                <a:latin typeface="Segoe UI" panose="020B0502040204020203" pitchFamily="34" charset="0"/>
+              </a:rPr>
+              <a:t>hier</a:t>
+            </a:r>
+            <a:r>
+              <a:rPr lang="en-US" b="0" i="0" dirty="0">
+                <a:solidFill>
+                  <a:srgbClr val="242424"/>
+                </a:solidFill>
+                <a:effectLst/>
+                <a:latin typeface="Segoe UI" panose="020B0502040204020203" pitchFamily="34" charset="0"/>
+              </a:rPr>
+              <a:t> </a:t>
+            </a:r>
+            <a:r>
+              <a:rPr lang="en-US" b="0" i="0" dirty="0" err="1">
+                <a:solidFill>
+                  <a:srgbClr val="242424"/>
+                </a:solidFill>
+                <a:effectLst/>
+                <a:latin typeface="Segoe UI" panose="020B0502040204020203" pitchFamily="34" charset="0"/>
+              </a:rPr>
+              <a:t>zijn</a:t>
+            </a:r>
+            <a:r>
+              <a:rPr lang="en-US" b="0" i="0" dirty="0">
+                <a:solidFill>
+                  <a:srgbClr val="242424"/>
+                </a:solidFill>
+                <a:effectLst/>
+                <a:latin typeface="Segoe UI" panose="020B0502040204020203" pitchFamily="34" charset="0"/>
+              </a:rPr>
+              <a:t> </a:t>
+            </a:r>
+            <a:r>
+              <a:rPr lang="en-US" b="0" i="0" dirty="0" err="1">
+                <a:solidFill>
+                  <a:srgbClr val="242424"/>
+                </a:solidFill>
+                <a:effectLst/>
+                <a:latin typeface="Segoe UI" panose="020B0502040204020203" pitchFamily="34" charset="0"/>
+              </a:rPr>
+              <a:t>nog</a:t>
+            </a:r>
+            <a:r>
+              <a:rPr lang="en-US" b="0" i="0" dirty="0">
+                <a:solidFill>
+                  <a:srgbClr val="242424"/>
+                </a:solidFill>
+                <a:effectLst/>
+                <a:latin typeface="Segoe UI" panose="020B0502040204020203" pitchFamily="34" charset="0"/>
+              </a:rPr>
+              <a:t> wat </a:t>
+            </a:r>
+            <a:r>
+              <a:rPr lang="en-US" b="0" i="0" dirty="0" err="1">
+                <a:solidFill>
+                  <a:srgbClr val="242424"/>
+                </a:solidFill>
+                <a:effectLst/>
+                <a:latin typeface="Segoe UI" panose="020B0502040204020203" pitchFamily="34" charset="0"/>
+              </a:rPr>
+              <a:t>referenties</a:t>
+            </a:r>
+            <a:r>
+              <a:rPr lang="en-US" b="0" i="0" dirty="0">
+                <a:solidFill>
+                  <a:srgbClr val="242424"/>
+                </a:solidFill>
+                <a:effectLst/>
+                <a:latin typeface="Segoe UI" panose="020B0502040204020203" pitchFamily="34" charset="0"/>
+              </a:rPr>
+              <a:t>, </a:t>
+            </a:r>
+            <a:r>
+              <a:rPr lang="en-US" b="0" i="0" dirty="0" err="1">
+                <a:solidFill>
+                  <a:srgbClr val="242424"/>
+                </a:solidFill>
+                <a:effectLst/>
+                <a:latin typeface="Segoe UI" panose="020B0502040204020203" pitchFamily="34" charset="0"/>
+              </a:rPr>
+              <a:t>moesten</a:t>
+            </a:r>
+            <a:r>
+              <a:rPr lang="en-US" b="0" i="0" dirty="0">
+                <a:solidFill>
+                  <a:srgbClr val="242424"/>
+                </a:solidFill>
+                <a:effectLst/>
+                <a:latin typeface="Segoe UI" panose="020B0502040204020203" pitchFamily="34" charset="0"/>
+              </a:rPr>
+              <a:t> er </a:t>
+            </a:r>
+            <a:r>
+              <a:rPr lang="en-US" b="0" i="0" dirty="0" err="1">
+                <a:solidFill>
+                  <a:srgbClr val="242424"/>
+                </a:solidFill>
+                <a:effectLst/>
+                <a:latin typeface="Segoe UI" panose="020B0502040204020203" pitchFamily="34" charset="0"/>
+              </a:rPr>
+              <a:t>nog</a:t>
+            </a:r>
+            <a:r>
+              <a:rPr lang="en-US" b="0" i="0" dirty="0">
+                <a:solidFill>
+                  <a:srgbClr val="242424"/>
+                </a:solidFill>
+                <a:effectLst/>
+                <a:latin typeface="Segoe UI" panose="020B0502040204020203" pitchFamily="34" charset="0"/>
+              </a:rPr>
+              <a:t> </a:t>
+            </a:r>
+            <a:r>
+              <a:rPr lang="en-US" b="0" i="0" dirty="0" err="1">
+                <a:solidFill>
+                  <a:srgbClr val="242424"/>
+                </a:solidFill>
+                <a:effectLst/>
+                <a:latin typeface="Segoe UI" panose="020B0502040204020203" pitchFamily="34" charset="0"/>
+              </a:rPr>
+              <a:t>vragen</a:t>
+            </a:r>
+            <a:r>
+              <a:rPr lang="en-US" b="0" i="0" dirty="0">
+                <a:solidFill>
+                  <a:srgbClr val="242424"/>
+                </a:solidFill>
+                <a:effectLst/>
+                <a:latin typeface="Segoe UI" panose="020B0502040204020203" pitchFamily="34" charset="0"/>
+              </a:rPr>
+              <a:t> </a:t>
+            </a:r>
+            <a:r>
+              <a:rPr lang="en-US" b="0" i="0" dirty="0" err="1">
+                <a:solidFill>
+                  <a:srgbClr val="242424"/>
+                </a:solidFill>
+                <a:effectLst/>
+                <a:latin typeface="Segoe UI" panose="020B0502040204020203" pitchFamily="34" charset="0"/>
+              </a:rPr>
+              <a:t>zijn</a:t>
+            </a:r>
+            <a:r>
+              <a:rPr lang="en-US" b="0" i="0" dirty="0">
+                <a:solidFill>
+                  <a:srgbClr val="242424"/>
+                </a:solidFill>
+                <a:effectLst/>
+                <a:latin typeface="Segoe UI" panose="020B0502040204020203" pitchFamily="34" charset="0"/>
+              </a:rPr>
+              <a:t> </a:t>
+            </a:r>
+            <a:r>
+              <a:rPr lang="en-US" b="0" i="0" dirty="0" err="1">
+                <a:solidFill>
+                  <a:srgbClr val="242424"/>
+                </a:solidFill>
+                <a:effectLst/>
+                <a:latin typeface="Segoe UI" panose="020B0502040204020203" pitchFamily="34" charset="0"/>
+              </a:rPr>
+              <a:t>laat</a:t>
+            </a:r>
+            <a:r>
+              <a:rPr lang="en-US" b="0" i="0" dirty="0">
+                <a:solidFill>
+                  <a:srgbClr val="242424"/>
+                </a:solidFill>
+                <a:effectLst/>
+                <a:latin typeface="Segoe UI" panose="020B0502040204020203" pitchFamily="34" charset="0"/>
+              </a:rPr>
+              <a:t> ze maar </a:t>
+            </a:r>
+            <a:r>
+              <a:rPr lang="en-US" b="0" i="0" dirty="0" err="1">
+                <a:solidFill>
+                  <a:srgbClr val="242424"/>
+                </a:solidFill>
+                <a:effectLst/>
+                <a:latin typeface="Segoe UI" panose="020B0502040204020203" pitchFamily="34" charset="0"/>
+              </a:rPr>
+              <a:t>komen</a:t>
+            </a:r>
+            <a:r>
+              <a:rPr lang="en-US" b="0" i="0" dirty="0">
+                <a:solidFill>
+                  <a:srgbClr val="242424"/>
+                </a:solidFill>
+                <a:effectLst/>
+                <a:latin typeface="Segoe UI" panose="020B0502040204020203" pitchFamily="34" charset="0"/>
+              </a:rPr>
               <a:t>.</a:t>
             </a:r>
           </a:p>
           <a:p>
-            <a:r>
-              <a:rPr lang="en-US" dirty="0"/>
-              <a:t>Inside this method we can then create client via the factory and consume the options.</a:t>
-            </a:r>
-          </a:p>
-          <a:p>
-            <a:r>
-              <a:rPr lang="en-US" dirty="0"/>
-              <a:t>The advantage of this little detour, is that we now can request the </a:t>
-            </a:r>
-            <a:r>
-              <a:rPr lang="en-US" dirty="0" err="1"/>
-              <a:t>INonDiClient</a:t>
-            </a:r>
-            <a:r>
-              <a:rPr lang="en-US" dirty="0"/>
-              <a:t> from the DI container, and by doing so it allows us to consume it wherever this interface should be known inside the project. The configuration can be loaded from any </a:t>
-            </a:r>
-            <a:r>
-              <a:rPr lang="en-US" dirty="0" err="1"/>
-              <a:t>serviceprovider</a:t>
-            </a:r>
-            <a:r>
-              <a:rPr lang="en-US" dirty="0"/>
-              <a:t> only at the time when needed.</a:t>
-            </a:r>
-          </a:p>
-          <a:p>
-            <a:endParaRPr lang="en-US" dirty="0"/>
-          </a:p>
-          <a:p>
-            <a:endParaRPr lang="en-US" dirty="0"/>
-          </a:p>
-          <a:p>
-            <a:endParaRPr lang="en-US" dirty="0"/>
+            <a:endParaRPr lang="en-US" b="0" i="0" dirty="0">
+              <a:solidFill>
+                <a:srgbClr val="242424"/>
+              </a:solidFill>
+              <a:effectLst/>
+              <a:latin typeface="Segoe UI" panose="020B0502040204020203" pitchFamily="34" charset="0"/>
+            </a:endParaRPr>
+          </a:p>
+          <a:p>
+            <a:r>
+              <a:rPr lang="en-US" b="0" i="0" dirty="0" err="1">
+                <a:solidFill>
+                  <a:srgbClr val="242424"/>
+                </a:solidFill>
+                <a:effectLst/>
+                <a:latin typeface="Segoe UI" panose="020B0502040204020203" pitchFamily="34" charset="0"/>
+              </a:rPr>
+              <a:t>Tevens</a:t>
+            </a:r>
+            <a:r>
+              <a:rPr lang="en-US" b="0" i="0" dirty="0">
+                <a:solidFill>
+                  <a:srgbClr val="242424"/>
+                </a:solidFill>
+                <a:effectLst/>
+                <a:latin typeface="Segoe UI" panose="020B0502040204020203" pitchFamily="34" charset="0"/>
+              </a:rPr>
+              <a:t> </a:t>
+            </a:r>
+            <a:r>
+              <a:rPr lang="en-US" b="0" i="0" dirty="0" err="1">
+                <a:solidFill>
+                  <a:srgbClr val="242424"/>
+                </a:solidFill>
+                <a:effectLst/>
+                <a:latin typeface="Segoe UI" panose="020B0502040204020203" pitchFamily="34" charset="0"/>
+              </a:rPr>
+              <a:t>geef</a:t>
+            </a:r>
+            <a:r>
+              <a:rPr lang="en-US" b="0" i="0" dirty="0">
+                <a:solidFill>
+                  <a:srgbClr val="242424"/>
+                </a:solidFill>
+                <a:effectLst/>
+                <a:latin typeface="Segoe UI" panose="020B0502040204020203" pitchFamily="34" charset="0"/>
+              </a:rPr>
+              <a:t> </a:t>
+            </a:r>
+            <a:r>
+              <a:rPr lang="en-US" b="0" i="0" dirty="0" err="1">
+                <a:solidFill>
+                  <a:srgbClr val="242424"/>
+                </a:solidFill>
+                <a:effectLst/>
+                <a:latin typeface="Segoe UI" panose="020B0502040204020203" pitchFamily="34" charset="0"/>
+              </a:rPr>
+              <a:t>ik</a:t>
+            </a:r>
+            <a:r>
+              <a:rPr lang="en-US" b="0" i="0" dirty="0">
+                <a:solidFill>
+                  <a:srgbClr val="242424"/>
+                </a:solidFill>
+                <a:effectLst/>
+                <a:latin typeface="Segoe UI" panose="020B0502040204020203" pitchFamily="34" charset="0"/>
+              </a:rPr>
+              <a:t> </a:t>
+            </a:r>
+            <a:r>
+              <a:rPr lang="en-US" b="0" i="0" dirty="0" err="1">
+                <a:solidFill>
+                  <a:srgbClr val="242424"/>
+                </a:solidFill>
+                <a:effectLst/>
+                <a:latin typeface="Segoe UI" panose="020B0502040204020203" pitchFamily="34" charset="0"/>
+              </a:rPr>
+              <a:t>jullie</a:t>
+            </a:r>
+            <a:r>
+              <a:rPr lang="en-US" b="0" i="0" dirty="0">
+                <a:solidFill>
+                  <a:srgbClr val="242424"/>
+                </a:solidFill>
+                <a:effectLst/>
+                <a:latin typeface="Segoe UI" panose="020B0502040204020203" pitchFamily="34" charset="0"/>
+              </a:rPr>
+              <a:t> </a:t>
+            </a:r>
+            <a:r>
+              <a:rPr lang="en-US" b="0" i="0" dirty="0" err="1">
+                <a:solidFill>
+                  <a:srgbClr val="242424"/>
+                </a:solidFill>
+                <a:effectLst/>
+                <a:latin typeface="Segoe UI" panose="020B0502040204020203" pitchFamily="34" charset="0"/>
+              </a:rPr>
+              <a:t>nog</a:t>
+            </a:r>
+            <a:r>
+              <a:rPr lang="en-US" b="0" i="0" dirty="0">
+                <a:solidFill>
+                  <a:srgbClr val="242424"/>
+                </a:solidFill>
+                <a:effectLst/>
+                <a:latin typeface="Segoe UI" panose="020B0502040204020203" pitchFamily="34" charset="0"/>
+              </a:rPr>
+              <a:t> wat </a:t>
+            </a:r>
+            <a:r>
+              <a:rPr lang="en-US" b="0" i="0" dirty="0" err="1">
+                <a:solidFill>
+                  <a:srgbClr val="242424"/>
+                </a:solidFill>
+                <a:effectLst/>
+                <a:latin typeface="Segoe UI" panose="020B0502040204020203" pitchFamily="34" charset="0"/>
+              </a:rPr>
+              <a:t>referenties</a:t>
+            </a:r>
+            <a:r>
+              <a:rPr lang="en-US" b="0" i="0" dirty="0">
+                <a:solidFill>
+                  <a:srgbClr val="242424"/>
+                </a:solidFill>
+                <a:effectLst/>
+                <a:latin typeface="Segoe UI" panose="020B0502040204020203" pitchFamily="34" charset="0"/>
+              </a:rPr>
+              <a:t> </a:t>
+            </a:r>
+            <a:r>
+              <a:rPr lang="en-US" b="0" i="0" dirty="0" err="1">
+                <a:solidFill>
+                  <a:srgbClr val="242424"/>
+                </a:solidFill>
+                <a:effectLst/>
+                <a:latin typeface="Segoe UI" panose="020B0502040204020203" pitchFamily="34" charset="0"/>
+              </a:rPr>
+              <a:t>waar</a:t>
+            </a:r>
+            <a:r>
+              <a:rPr lang="en-US" b="0" i="0" dirty="0">
+                <a:solidFill>
+                  <a:srgbClr val="242424"/>
+                </a:solidFill>
+                <a:effectLst/>
+                <a:latin typeface="Segoe UI" panose="020B0502040204020203" pitchFamily="34" charset="0"/>
+              </a:rPr>
+              <a:t> </a:t>
+            </a:r>
+            <a:r>
+              <a:rPr lang="en-US" b="0" i="0" dirty="0" err="1">
+                <a:solidFill>
+                  <a:srgbClr val="242424"/>
+                </a:solidFill>
+                <a:effectLst/>
+                <a:latin typeface="Segoe UI" panose="020B0502040204020203" pitchFamily="34" charset="0"/>
+              </a:rPr>
+              <a:t>ik</a:t>
+            </a:r>
+            <a:r>
+              <a:rPr lang="en-US" b="0" i="0" dirty="0">
+                <a:solidFill>
+                  <a:srgbClr val="242424"/>
+                </a:solidFill>
+                <a:effectLst/>
+                <a:latin typeface="Segoe UI" panose="020B0502040204020203" pitchFamily="34" charset="0"/>
+              </a:rPr>
+              <a:t> de </a:t>
+            </a:r>
+            <a:r>
+              <a:rPr lang="en-US" b="0" i="0" dirty="0" err="1">
+                <a:solidFill>
+                  <a:srgbClr val="242424"/>
+                </a:solidFill>
+                <a:effectLst/>
+                <a:latin typeface="Segoe UI" panose="020B0502040204020203" pitchFamily="34" charset="0"/>
+              </a:rPr>
+              <a:t>mosterd</a:t>
+            </a:r>
+            <a:r>
+              <a:rPr lang="en-US" b="0" i="0" dirty="0">
+                <a:solidFill>
+                  <a:srgbClr val="242424"/>
+                </a:solidFill>
+                <a:effectLst/>
+                <a:latin typeface="Segoe UI" panose="020B0502040204020203" pitchFamily="34" charset="0"/>
+              </a:rPr>
+              <a:t> </a:t>
+            </a:r>
+            <a:r>
+              <a:rPr lang="en-US" b="0" i="0" dirty="0" err="1">
+                <a:solidFill>
+                  <a:srgbClr val="242424"/>
+                </a:solidFill>
+                <a:effectLst/>
+                <a:latin typeface="Segoe UI" panose="020B0502040204020203" pitchFamily="34" charset="0"/>
+              </a:rPr>
+              <a:t>gehaald</a:t>
+            </a:r>
+            <a:r>
+              <a:rPr lang="en-US" b="0" i="0" dirty="0">
+                <a:solidFill>
+                  <a:srgbClr val="242424"/>
+                </a:solidFill>
+                <a:effectLst/>
+                <a:latin typeface="Segoe UI" panose="020B0502040204020203" pitchFamily="34" charset="0"/>
+              </a:rPr>
+              <a:t> </a:t>
+            </a:r>
+            <a:r>
+              <a:rPr lang="en-US" b="0" i="0" dirty="0" err="1">
+                <a:solidFill>
+                  <a:srgbClr val="242424"/>
+                </a:solidFill>
+                <a:effectLst/>
+                <a:latin typeface="Segoe UI" panose="020B0502040204020203" pitchFamily="34" charset="0"/>
+              </a:rPr>
+              <a:t>heb</a:t>
+            </a:r>
+            <a:r>
+              <a:rPr lang="en-US" b="0" i="0" dirty="0">
+                <a:solidFill>
+                  <a:srgbClr val="242424"/>
+                </a:solidFill>
+                <a:effectLst/>
+                <a:latin typeface="Segoe UI" panose="020B0502040204020203" pitchFamily="34" charset="0"/>
+              </a:rPr>
+              <a:t> </a:t>
+            </a:r>
+            <a:r>
+              <a:rPr lang="en-US" b="0" i="0" dirty="0" err="1">
+                <a:solidFill>
+                  <a:srgbClr val="242424"/>
+                </a:solidFill>
+                <a:effectLst/>
+                <a:latin typeface="Segoe UI" panose="020B0502040204020203" pitchFamily="34" charset="0"/>
+              </a:rPr>
+              <a:t>voor</a:t>
+            </a:r>
+            <a:r>
+              <a:rPr lang="en-US" b="0" i="0" dirty="0">
+                <a:solidFill>
+                  <a:srgbClr val="242424"/>
+                </a:solidFill>
+                <a:effectLst/>
+                <a:latin typeface="Segoe UI" panose="020B0502040204020203" pitchFamily="34" charset="0"/>
+              </a:rPr>
+              <a:t> </a:t>
+            </a:r>
+            <a:r>
+              <a:rPr lang="en-US" b="0" i="0" dirty="0" err="1">
+                <a:solidFill>
+                  <a:srgbClr val="242424"/>
+                </a:solidFill>
+                <a:effectLst/>
+                <a:latin typeface="Segoe UI" panose="020B0502040204020203" pitchFamily="34" charset="0"/>
+              </a:rPr>
+              <a:t>deze</a:t>
+            </a:r>
+            <a:r>
+              <a:rPr lang="en-US" b="0" i="0" dirty="0">
+                <a:solidFill>
+                  <a:srgbClr val="242424"/>
+                </a:solidFill>
+                <a:effectLst/>
+                <a:latin typeface="Segoe UI" panose="020B0502040204020203" pitchFamily="34" charset="0"/>
+              </a:rPr>
+              <a:t> </a:t>
+            </a:r>
+            <a:r>
+              <a:rPr lang="en-US" b="0" i="0" dirty="0" err="1">
+                <a:solidFill>
+                  <a:srgbClr val="242424"/>
+                </a:solidFill>
+                <a:effectLst/>
+                <a:latin typeface="Segoe UI" panose="020B0502040204020203" pitchFamily="34" charset="0"/>
+              </a:rPr>
+              <a:t>sessie</a:t>
+            </a:r>
+            <a:r>
+              <a:rPr lang="en-US" b="0" i="0" dirty="0">
+                <a:solidFill>
+                  <a:srgbClr val="242424"/>
+                </a:solidFill>
+                <a:effectLst/>
+                <a:latin typeface="Segoe UI" panose="020B0502040204020203" pitchFamily="34" charset="0"/>
+              </a:rPr>
+              <a:t>.</a:t>
+            </a:r>
+            <a:endParaRPr lang="nl-BE" dirty="0"/>
           </a:p>
         </p:txBody>
       </p:sp>
@@ -3884,137 +5335,6 @@
               <a:rPr lang="de-DE" smtClean="0"/>
               <a:pPr/>
               <a:t>21</a:t>
-            </a:fld>
-            <a:endParaRPr lang="de-DE" dirty="0"/>
-          </a:p>
-        </p:txBody>
-      </p:sp>
-    </p:spTree>
-    <p:extLst>
-      <p:ext uri="{BB962C8B-B14F-4D97-AF65-F5344CB8AC3E}">
-        <p14:creationId xmlns:p14="http://schemas.microsoft.com/office/powerpoint/2010/main" val="1714846204"/>
-      </p:ext>
-    </p:extLst>
-  </p:cSld>
-  <p:clrMapOvr>
-    <a:masterClrMapping/>
-  </p:clrMapOvr>
-</p:notes>
-</file>
-
-<file path=ppt/notesSlides/notesSlide22.xml><?xml version="1.0" encoding="utf-8"?>
-<p:notes xmlns:a="http://schemas.openxmlformats.org/drawingml/2006/main" xmlns:r="http://schemas.openxmlformats.org/officeDocument/2006/relationships" xmlns:p="http://schemas.openxmlformats.org/presentationml/2006/main">
-  <p:cSld>
-    <p:spTree>
-      <p:nvGrpSpPr>
-        <p:cNvPr id="1" name=""/>
-        <p:cNvGrpSpPr/>
-        <p:nvPr/>
-      </p:nvGrpSpPr>
-      <p:grpSpPr>
-        <a:xfrm>
-          <a:off x="0" y="0"/>
-          <a:ext cx="0" cy="0"/>
-          <a:chOff x="0" y="0"/>
-          <a:chExt cx="0" cy="0"/>
-        </a:xfrm>
-      </p:grpSpPr>
-      <p:sp>
-        <p:nvSpPr>
-          <p:cNvPr id="2" name="Slide Image Placeholder 1"/>
-          <p:cNvSpPr>
-            <a:spLocks noGrp="1" noRot="1" noChangeAspect="1"/>
-          </p:cNvSpPr>
-          <p:nvPr>
-            <p:ph type="sldImg"/>
-          </p:nvPr>
-        </p:nvSpPr>
-        <p:spPr>
-          <a:xfrm>
-            <a:off x="115888" y="388938"/>
-            <a:ext cx="6608762" cy="3717925"/>
-          </a:xfrm>
-          <a:prstGeom prst="rect">
-            <a:avLst/>
-          </a:prstGeom>
-        </p:spPr>
-      </p:sp>
-      <p:sp>
-        <p:nvSpPr>
-          <p:cNvPr id="3" name="Notes Placeholder 2"/>
-          <p:cNvSpPr>
-            <a:spLocks noGrp="1"/>
-          </p:cNvSpPr>
-          <p:nvPr>
-            <p:ph type="body" idx="1"/>
-          </p:nvPr>
-        </p:nvSpPr>
-        <p:spPr>
-          <a:xfrm>
-            <a:off x="360001" y="4276251"/>
-            <a:ext cx="6120000" cy="5248125"/>
-          </a:xfrm>
-          <a:prstGeom prst="rect">
-            <a:avLst/>
-          </a:prstGeom>
-        </p:spPr>
-        <p:txBody>
-          <a:bodyPr/>
-          <a:lstStyle/>
-          <a:p>
-            <a:r>
-              <a:rPr lang="en-US" b="0" i="0" dirty="0">
-                <a:solidFill>
-                  <a:srgbClr val="242424"/>
-                </a:solidFill>
-                <a:effectLst/>
-                <a:latin typeface="Segoe UI" panose="020B0502040204020203" pitchFamily="34" charset="0"/>
-              </a:rPr>
-              <a:t>Thank you for your attention. Now, let's open the floor for any questions you might have.</a:t>
-            </a:r>
-          </a:p>
-          <a:p>
-            <a:r>
-              <a:rPr lang="en-US" b="0" i="0" dirty="0">
-                <a:solidFill>
-                  <a:srgbClr val="242424"/>
-                </a:solidFill>
-                <a:effectLst/>
-                <a:latin typeface="Segoe UI" panose="020B0502040204020203" pitchFamily="34" charset="0"/>
-              </a:rPr>
-              <a:t>If you would like to go through the slides or source code at your own pace, feel free to scan the QR code.</a:t>
-            </a:r>
-            <a:endParaRPr lang="nl-BE" dirty="0"/>
-          </a:p>
-        </p:txBody>
-      </p:sp>
-      <p:sp>
-        <p:nvSpPr>
-          <p:cNvPr id="4" name="Slide Number Placeholder 3"/>
-          <p:cNvSpPr>
-            <a:spLocks noGrp="1"/>
-          </p:cNvSpPr>
-          <p:nvPr>
-            <p:ph type="sldNum" sz="quarter" idx="5"/>
-          </p:nvPr>
-        </p:nvSpPr>
-        <p:spPr>
-          <a:xfrm>
-            <a:off x="3884614" y="9597289"/>
-            <a:ext cx="2971800" cy="272125"/>
-          </a:xfrm>
-          <a:prstGeom prst="rect">
-            <a:avLst/>
-          </a:prstGeom>
-        </p:spPr>
-        <p:txBody>
-          <a:bodyPr/>
-          <a:lstStyle/>
-          <a:p>
-            <a:fld id="{D61B4C21-2AF8-4513-9A88-12DEBB551087}" type="slidenum">
-              <a:rPr lang="de-DE" smtClean="0"/>
-              <a:pPr/>
-              <a:t>22</a:t>
             </a:fld>
             <a:endParaRPr lang="de-DE" dirty="0"/>
           </a:p>
@@ -4094,65 +5414,32 @@
           <a:lstStyle/>
           <a:p>
             <a:r>
-              <a:rPr lang="en-US" dirty="0"/>
-              <a:t>Before we begin, please raise your hand if you have worked with</a:t>
-            </a:r>
-          </a:p>
-          <a:p>
-            <a:pPr marL="275834" indent="-275834">
-              <a:buFont typeface="Arial" panose="020B0604020202020204" pitchFamily="34" charset="0"/>
-              <a:buChar char="•"/>
-            </a:pPr>
-            <a:r>
-              <a:rPr lang="en-US" dirty="0" err="1"/>
-              <a:t>IConfiguration</a:t>
-            </a:r>
-            <a:endParaRPr lang="en-US" dirty="0"/>
-          </a:p>
-          <a:p>
-            <a:pPr marL="275834" indent="-275834">
-              <a:buFont typeface="Arial" panose="020B0604020202020204" pitchFamily="34" charset="0"/>
-              <a:buChar char="•"/>
-            </a:pPr>
-            <a:r>
-              <a:rPr lang="en-US" dirty="0" err="1"/>
-              <a:t>IOptions</a:t>
-            </a:r>
-            <a:endParaRPr lang="en-US" dirty="0"/>
-          </a:p>
-          <a:p>
-            <a:pPr marL="275834" indent="-275834">
-              <a:buFont typeface="Arial" panose="020B0604020202020204" pitchFamily="34" charset="0"/>
-              <a:buChar char="•"/>
-            </a:pPr>
-            <a:r>
-              <a:rPr lang="en-US" dirty="0"/>
-              <a:t>Both</a:t>
-            </a:r>
-          </a:p>
-          <a:p>
-            <a:pPr marL="484339" lvl="1" indent="-275834">
-              <a:buFont typeface="Arial" panose="020B0604020202020204" pitchFamily="34" charset="0"/>
-              <a:buChar char="•"/>
-            </a:pPr>
-            <a:r>
               <a:rPr lang="nl-BE" dirty="0"/>
-              <a:t>If many raise just mention that I can’t promise they learn a lot of knew things but I will try at least confirm the existing knowledge</a:t>
-            </a:r>
-          </a:p>
-          <a:p>
-            <a:pPr marL="208505" lvl="1" indent="0">
-              <a:buNone/>
-            </a:pPr>
+              <a:t>Ik ben Pieter Samyn, Technology lead bij ZF in België. Dit laatste hadden jullie waarschijnljik al door.</a:t>
+            </a:r>
+          </a:p>
+          <a:p>
             <a:endParaRPr lang="nl-BE" dirty="0"/>
           </a:p>
           <a:p>
-            <a:pPr marL="208505" lvl="1" indent="0">
-              <a:buNone/>
-            </a:pPr>
             <a:r>
               <a:rPr lang="nl-BE" dirty="0"/>
-              <a:t>If you don’t understand a thing or have a question please don’t wait until the end as the session will continuously build upon further. So if I lose me you’ll most likely be lost for the remainder of the session.</a:t>
+              <a:t>Mijn focus is backend development op de AWS Stack met dotnet, een niet alledaagse combinatie maar wel een leuke.</a:t>
+            </a:r>
+          </a:p>
+          <a:p>
+            <a:r>
+              <a:rPr lang="nl-BE" dirty="0"/>
+              <a:t>Ik probeer altijd te kijken waar we performance gains kunnen behalen en waar we het onderhoud in onze projecten kunnen verbeteren.</a:t>
+            </a:r>
+          </a:p>
+          <a:p>
+            <a:endParaRPr lang="nl-BE" dirty="0"/>
+          </a:p>
+          <a:p>
+            <a:r>
+              <a:rPr lang="nl-BE" dirty="0"/>
+              <a:t>Maar ik neem aan dat dat genoeg is over mij, als je nog iets wilt weten of connecteren. Spreek me gerust aan. Ik bijt niet! Ik heb daarstraks goed gegeten, of voeg me toe op LinkedIn.</a:t>
             </a:r>
           </a:p>
         </p:txBody>
@@ -4192,7 +5479,7 @@
     </p:spTree>
     <p:extLst>
       <p:ext uri="{BB962C8B-B14F-4D97-AF65-F5344CB8AC3E}">
-        <p14:creationId xmlns:p14="http://schemas.microsoft.com/office/powerpoint/2010/main" val="2489956746"/>
+        <p14:creationId xmlns:p14="http://schemas.microsoft.com/office/powerpoint/2010/main" val="3195256844"/>
       </p:ext>
     </p:extLst>
   </p:cSld>
@@ -4263,649 +5550,76 @@
           <a:lstStyle/>
           <a:p>
             <a:r>
-              <a:rPr lang="en-US" dirty="0"/>
-              <a:t>Say goodbye to </a:t>
-            </a:r>
-            <a:r>
-              <a:rPr lang="en-US" dirty="0" err="1"/>
-              <a:t>IConfiguration</a:t>
-            </a:r>
-            <a:r>
-              <a:rPr lang="en-US" dirty="0"/>
-              <a:t> and embrace the power of the </a:t>
-            </a:r>
-            <a:r>
-              <a:rPr lang="en-US" dirty="0" err="1"/>
-              <a:t>IOptions</a:t>
-            </a:r>
-            <a:r>
-              <a:rPr lang="en-US" dirty="0"/>
-              <a:t> pattern</a:t>
-            </a:r>
-          </a:p>
-          <a:p>
-            <a:endParaRPr lang="en-US" dirty="0"/>
-          </a:p>
-          <a:p>
-            <a:r>
-              <a:rPr lang="en-US" noProof="0" dirty="0"/>
-              <a:t>The title could be misleading as actually they chain together. But if you are only using </a:t>
-            </a:r>
-            <a:r>
-              <a:rPr lang="en-US" noProof="0" dirty="0" err="1"/>
-              <a:t>IConfiguration</a:t>
-            </a:r>
-            <a:r>
-              <a:rPr lang="en-US" noProof="0" dirty="0"/>
-              <a:t>, I hope you reconsider after this session and embrace it with the </a:t>
-            </a:r>
-            <a:r>
-              <a:rPr lang="en-US" noProof="0" dirty="0" err="1"/>
-              <a:t>IOptions</a:t>
-            </a:r>
-            <a:endParaRPr lang="en-US" noProof="0" dirty="0"/>
-          </a:p>
-          <a:p>
-            <a:r>
-              <a:rPr lang="de-DE" dirty="0"/>
-              <a:t>This will not </a:t>
-            </a:r>
-            <a:r>
-              <a:rPr lang="de-DE" dirty="0" err="1"/>
-              <a:t>be</a:t>
-            </a:r>
-            <a:r>
-              <a:rPr lang="de-DE" dirty="0"/>
-              <a:t> a rocket </a:t>
-            </a:r>
-            <a:r>
-              <a:rPr lang="de-DE" dirty="0" err="1"/>
-              <a:t>science</a:t>
-            </a:r>
-            <a:r>
-              <a:rPr lang="de-DE" dirty="0"/>
-              <a:t> </a:t>
-            </a:r>
-            <a:r>
-              <a:rPr lang="de-DE" dirty="0" err="1"/>
-              <a:t>session</a:t>
-            </a:r>
-            <a:r>
-              <a:rPr lang="de-DE" dirty="0"/>
-              <a:t>, </a:t>
-            </a:r>
-            <a:r>
-              <a:rPr lang="de-DE" dirty="0" err="1"/>
-              <a:t>some</a:t>
-            </a:r>
-            <a:r>
-              <a:rPr lang="de-DE" dirty="0"/>
-              <a:t> </a:t>
-            </a:r>
-            <a:r>
-              <a:rPr lang="de-DE" dirty="0" err="1"/>
-              <a:t>things</a:t>
-            </a:r>
-            <a:r>
-              <a:rPr lang="de-DE" dirty="0"/>
-              <a:t> will </a:t>
-            </a:r>
-            <a:r>
-              <a:rPr lang="de-DE" dirty="0" err="1"/>
-              <a:t>go</a:t>
-            </a:r>
-            <a:r>
-              <a:rPr lang="de-DE" dirty="0"/>
-              <a:t> a </a:t>
-            </a:r>
-            <a:r>
-              <a:rPr lang="de-DE" dirty="0" err="1"/>
-              <a:t>bit</a:t>
-            </a:r>
-            <a:r>
-              <a:rPr lang="de-DE" dirty="0"/>
-              <a:t> </a:t>
-            </a:r>
-            <a:r>
-              <a:rPr lang="de-DE" dirty="0" err="1"/>
-              <a:t>deeper</a:t>
-            </a:r>
-            <a:r>
-              <a:rPr lang="de-DE" dirty="0"/>
-              <a:t>, but I will </a:t>
-            </a:r>
-            <a:r>
-              <a:rPr lang="de-DE" dirty="0" err="1"/>
-              <a:t>try</a:t>
-            </a:r>
-            <a:r>
-              <a:rPr lang="de-DE" dirty="0"/>
-              <a:t> </a:t>
-            </a:r>
-            <a:r>
-              <a:rPr lang="de-DE" dirty="0" err="1"/>
-              <a:t>to</a:t>
-            </a:r>
-            <a:r>
-              <a:rPr lang="de-DE" dirty="0"/>
-              <a:t> </a:t>
-            </a:r>
-            <a:r>
-              <a:rPr lang="de-DE" dirty="0" err="1"/>
-              <a:t>show</a:t>
-            </a:r>
-            <a:r>
-              <a:rPr lang="de-DE" dirty="0"/>
-              <a:t> </a:t>
-            </a:r>
-            <a:r>
-              <a:rPr lang="de-DE" dirty="0" err="1"/>
-              <a:t>you</a:t>
-            </a:r>
-            <a:r>
-              <a:rPr lang="de-DE" dirty="0"/>
-              <a:t> </a:t>
-            </a:r>
-            <a:r>
-              <a:rPr lang="de-DE" dirty="0" err="1"/>
-              <a:t>the</a:t>
-            </a:r>
-            <a:r>
-              <a:rPr lang="de-DE" dirty="0"/>
-              <a:t> </a:t>
-            </a:r>
-            <a:r>
-              <a:rPr lang="de-DE" dirty="0" err="1"/>
-              <a:t>beauty</a:t>
-            </a:r>
-            <a:r>
-              <a:rPr lang="de-DE" dirty="0"/>
-              <a:t> </a:t>
-            </a:r>
-            <a:r>
-              <a:rPr lang="de-DE" dirty="0" err="1"/>
-              <a:t>of</a:t>
-            </a:r>
-            <a:r>
-              <a:rPr lang="de-DE" dirty="0"/>
-              <a:t> </a:t>
-            </a:r>
-            <a:r>
-              <a:rPr lang="de-DE" dirty="0" err="1"/>
-              <a:t>this</a:t>
-            </a:r>
-            <a:r>
-              <a:rPr lang="de-DE" dirty="0"/>
-              <a:t> </a:t>
-            </a:r>
-            <a:r>
-              <a:rPr lang="de-DE" dirty="0" err="1"/>
-              <a:t>basic</a:t>
-            </a:r>
-            <a:r>
-              <a:rPr lang="de-DE" dirty="0"/>
-              <a:t> </a:t>
-            </a:r>
-            <a:r>
-              <a:rPr lang="de-DE" dirty="0" err="1"/>
-              <a:t>functionality</a:t>
-            </a:r>
-            <a:r>
-              <a:rPr lang="de-DE" dirty="0"/>
-              <a:t> and </a:t>
-            </a:r>
-            <a:r>
-              <a:rPr lang="de-DE" dirty="0" err="1"/>
-              <a:t>when</a:t>
-            </a:r>
-            <a:r>
-              <a:rPr lang="de-DE" dirty="0"/>
-              <a:t> </a:t>
-            </a:r>
-            <a:r>
-              <a:rPr lang="de-DE" dirty="0" err="1"/>
-              <a:t>the</a:t>
-            </a:r>
-            <a:r>
-              <a:rPr lang="de-DE" dirty="0"/>
-              <a:t> </a:t>
-            </a:r>
-            <a:r>
-              <a:rPr lang="de-DE" dirty="0" err="1"/>
-              <a:t>session</a:t>
-            </a:r>
-            <a:r>
-              <a:rPr lang="de-DE" dirty="0"/>
-              <a:t> </a:t>
-            </a:r>
-            <a:r>
-              <a:rPr lang="de-DE" dirty="0" err="1"/>
-              <a:t>nears</a:t>
-            </a:r>
-            <a:r>
-              <a:rPr lang="de-DE" dirty="0"/>
-              <a:t> </a:t>
-            </a:r>
-            <a:r>
-              <a:rPr lang="de-DE" dirty="0" err="1"/>
-              <a:t>its</a:t>
-            </a:r>
-            <a:r>
-              <a:rPr lang="de-DE" dirty="0"/>
-              <a:t> end, </a:t>
-            </a:r>
-            <a:r>
-              <a:rPr lang="de-DE" dirty="0" err="1"/>
-              <a:t>We</a:t>
-            </a:r>
-            <a:r>
-              <a:rPr lang="de-DE" dirty="0"/>
-              <a:t> will </a:t>
-            </a:r>
-            <a:r>
-              <a:rPr lang="de-DE" dirty="0" err="1"/>
-              <a:t>reach</a:t>
-            </a:r>
-            <a:r>
-              <a:rPr lang="de-DE" dirty="0"/>
-              <a:t> </a:t>
-            </a:r>
-            <a:r>
-              <a:rPr lang="de-DE" dirty="0" err="1"/>
-              <a:t>to</a:t>
-            </a:r>
-            <a:r>
-              <a:rPr lang="de-DE" dirty="0"/>
-              <a:t> a </a:t>
-            </a:r>
-            <a:r>
-              <a:rPr lang="de-DE" dirty="0" err="1"/>
-              <a:t>more</a:t>
-            </a:r>
-            <a:r>
-              <a:rPr lang="de-DE" dirty="0"/>
-              <a:t> </a:t>
-            </a:r>
-            <a:r>
-              <a:rPr lang="de-DE" dirty="0" err="1"/>
-              <a:t>advanced</a:t>
-            </a:r>
-            <a:r>
-              <a:rPr lang="de-DE" dirty="0"/>
-              <a:t> </a:t>
-            </a:r>
-            <a:r>
-              <a:rPr lang="de-DE" dirty="0" err="1"/>
-              <a:t>demo</a:t>
-            </a:r>
-            <a:r>
-              <a:rPr lang="de-DE" dirty="0"/>
-              <a:t>.</a:t>
-            </a:r>
-          </a:p>
-          <a:p>
-            <a:r>
-              <a:rPr lang="de-DE" dirty="0" err="1"/>
-              <a:t>Which</a:t>
-            </a:r>
-            <a:r>
-              <a:rPr lang="de-DE" dirty="0"/>
-              <a:t> </a:t>
-            </a:r>
-            <a:r>
-              <a:rPr lang="de-DE" dirty="0" err="1"/>
-              <a:t>is</a:t>
-            </a:r>
-            <a:r>
-              <a:rPr lang="de-DE" dirty="0"/>
-              <a:t> </a:t>
-            </a:r>
-            <a:r>
-              <a:rPr lang="de-DE" dirty="0" err="1"/>
-              <a:t>the</a:t>
-            </a:r>
-            <a:r>
-              <a:rPr lang="de-DE" dirty="0"/>
-              <a:t> </a:t>
-            </a:r>
-            <a:r>
-              <a:rPr lang="de-DE" dirty="0" err="1"/>
-              <a:t>reason</a:t>
-            </a:r>
-            <a:r>
-              <a:rPr lang="de-DE" dirty="0"/>
-              <a:t> </a:t>
-            </a:r>
-            <a:r>
-              <a:rPr lang="de-DE" dirty="0" err="1"/>
-              <a:t>why</a:t>
-            </a:r>
-            <a:r>
-              <a:rPr lang="de-DE" dirty="0"/>
-              <a:t> I </a:t>
-            </a:r>
-            <a:r>
-              <a:rPr lang="de-DE" dirty="0" err="1"/>
-              <a:t>created</a:t>
-            </a:r>
-            <a:r>
-              <a:rPr lang="de-DE" dirty="0"/>
-              <a:t> </a:t>
-            </a:r>
-            <a:r>
-              <a:rPr lang="de-DE" dirty="0" err="1"/>
-              <a:t>this</a:t>
-            </a:r>
-            <a:r>
-              <a:rPr lang="de-DE" dirty="0"/>
-              <a:t> </a:t>
-            </a:r>
-            <a:r>
-              <a:rPr lang="de-DE" dirty="0" err="1"/>
-              <a:t>presentation</a:t>
-            </a:r>
-            <a:r>
-              <a:rPr lang="de-DE" dirty="0"/>
-              <a:t> </a:t>
-            </a:r>
-            <a:r>
-              <a:rPr lang="de-DE" dirty="0" err="1"/>
-              <a:t>as</a:t>
-            </a:r>
-            <a:r>
-              <a:rPr lang="de-DE" dirty="0"/>
-              <a:t> I </a:t>
-            </a:r>
-            <a:r>
-              <a:rPr lang="de-DE" dirty="0" err="1"/>
-              <a:t>stumbled</a:t>
-            </a:r>
-            <a:r>
-              <a:rPr lang="de-DE" dirty="0"/>
-              <a:t> upon </a:t>
-            </a:r>
-            <a:r>
-              <a:rPr lang="de-DE" dirty="0" err="1"/>
-              <a:t>it</a:t>
-            </a:r>
-            <a:r>
-              <a:rPr lang="de-DE" dirty="0"/>
-              <a:t> </a:t>
-            </a:r>
-            <a:r>
-              <a:rPr lang="de-DE" dirty="0" err="1"/>
-              <a:t>myself</a:t>
-            </a:r>
-            <a:r>
-              <a:rPr lang="de-DE" dirty="0"/>
-              <a:t> </a:t>
-            </a:r>
-            <a:r>
-              <a:rPr lang="de-DE" dirty="0" err="1"/>
-              <a:t>by</a:t>
-            </a:r>
-            <a:r>
-              <a:rPr lang="de-DE" dirty="0"/>
-              <a:t> </a:t>
-            </a:r>
-            <a:r>
-              <a:rPr lang="de-DE" dirty="0" err="1"/>
-              <a:t>accident</a:t>
-            </a:r>
-            <a:r>
-              <a:rPr lang="de-DE" dirty="0"/>
-              <a:t> not </a:t>
-            </a:r>
-            <a:r>
-              <a:rPr lang="de-DE" dirty="0" err="1"/>
-              <a:t>knowing</a:t>
-            </a:r>
-            <a:r>
-              <a:rPr lang="de-DE" dirty="0"/>
-              <a:t> </a:t>
-            </a:r>
-            <a:r>
-              <a:rPr lang="de-DE" dirty="0" err="1"/>
-              <a:t>this</a:t>
-            </a:r>
-            <a:r>
-              <a:rPr lang="de-DE" dirty="0"/>
-              <a:t> was in </a:t>
-            </a:r>
-            <a:r>
-              <a:rPr lang="de-DE" dirty="0" err="1"/>
-              <a:t>there</a:t>
-            </a:r>
-            <a:r>
-              <a:rPr lang="de-DE" dirty="0"/>
-              <a:t> all </a:t>
-            </a:r>
-            <a:r>
-              <a:rPr lang="de-DE" dirty="0" err="1"/>
-              <a:t>along</a:t>
-            </a:r>
-            <a:r>
-              <a:rPr lang="de-DE" dirty="0"/>
-              <a:t>.</a:t>
-            </a:r>
-          </a:p>
-          <a:p>
-            <a:r>
-              <a:rPr lang="de-DE" dirty="0"/>
-              <a:t>But </a:t>
-            </a:r>
-            <a:r>
-              <a:rPr lang="de-DE" dirty="0" err="1"/>
-              <a:t>it</a:t>
-            </a:r>
-            <a:r>
-              <a:rPr lang="de-DE" dirty="0"/>
-              <a:t> </a:t>
-            </a:r>
-            <a:r>
-              <a:rPr lang="de-DE" dirty="0" err="1"/>
-              <a:t>helped</a:t>
-            </a:r>
-            <a:r>
-              <a:rPr lang="de-DE" dirty="0"/>
-              <a:t> </a:t>
-            </a:r>
-            <a:r>
-              <a:rPr lang="de-DE" dirty="0" err="1"/>
-              <a:t>our</a:t>
-            </a:r>
-            <a:r>
-              <a:rPr lang="de-DE" dirty="0"/>
-              <a:t> </a:t>
-            </a:r>
-            <a:r>
-              <a:rPr lang="de-DE" dirty="0" err="1"/>
-              <a:t>team</a:t>
-            </a:r>
-            <a:r>
-              <a:rPr lang="de-DE" dirty="0"/>
-              <a:t> </a:t>
-            </a:r>
-            <a:r>
-              <a:rPr lang="de-DE" dirty="0" err="1"/>
-              <a:t>solving</a:t>
-            </a:r>
-            <a:r>
-              <a:rPr lang="de-DE" dirty="0"/>
-              <a:t> </a:t>
-            </a:r>
-            <a:r>
-              <a:rPr lang="de-DE" dirty="0" err="1"/>
-              <a:t>complex</a:t>
-            </a:r>
-            <a:r>
-              <a:rPr lang="de-DE" dirty="0"/>
-              <a:t> </a:t>
-            </a:r>
-            <a:r>
-              <a:rPr lang="de-DE" dirty="0" err="1"/>
-              <a:t>configurations</a:t>
-            </a:r>
-            <a:r>
-              <a:rPr lang="de-DE" dirty="0"/>
-              <a:t> in an easy </a:t>
-            </a:r>
-            <a:r>
-              <a:rPr lang="de-DE" dirty="0" err="1"/>
-              <a:t>to</a:t>
-            </a:r>
-            <a:r>
-              <a:rPr lang="de-DE" dirty="0"/>
-              <a:t> </a:t>
-            </a:r>
-            <a:r>
-              <a:rPr lang="de-DE" dirty="0" err="1"/>
-              <a:t>grasph</a:t>
-            </a:r>
-            <a:r>
-              <a:rPr lang="de-DE" dirty="0"/>
-              <a:t> </a:t>
-            </a:r>
-            <a:r>
-              <a:rPr lang="de-DE" dirty="0" err="1"/>
-              <a:t>fashion</a:t>
-            </a:r>
-            <a:r>
-              <a:rPr lang="de-DE" dirty="0"/>
-              <a:t> and </a:t>
-            </a:r>
-            <a:r>
-              <a:rPr lang="de-DE" dirty="0" err="1"/>
-              <a:t>adhering</a:t>
-            </a:r>
-            <a:r>
-              <a:rPr lang="de-DE" dirty="0"/>
-              <a:t> </a:t>
-            </a:r>
-            <a:r>
-              <a:rPr lang="de-DE" dirty="0" err="1"/>
-              <a:t>to</a:t>
-            </a:r>
-            <a:r>
-              <a:rPr lang="de-DE" dirty="0"/>
-              <a:t> </a:t>
-            </a:r>
-            <a:r>
-              <a:rPr lang="de-DE" dirty="0" err="1"/>
-              <a:t>the</a:t>
-            </a:r>
-            <a:r>
-              <a:rPr lang="de-DE" dirty="0"/>
-              <a:t> DRY </a:t>
-            </a:r>
-            <a:r>
-              <a:rPr lang="de-DE" dirty="0" err="1"/>
-              <a:t>principles</a:t>
-            </a:r>
-            <a:r>
-              <a:rPr lang="de-DE" dirty="0"/>
-              <a:t>.</a:t>
-            </a:r>
-          </a:p>
-          <a:p>
-            <a:endParaRPr lang="de-DE" dirty="0"/>
-          </a:p>
-          <a:p>
-            <a:r>
-              <a:rPr lang="en-US" b="0" i="0" dirty="0">
-                <a:solidFill>
-                  <a:srgbClr val="242424"/>
-                </a:solidFill>
-                <a:effectLst/>
-                <a:latin typeface="Segoe UI" panose="020B0502040204020203" pitchFamily="34" charset="0"/>
-              </a:rPr>
-              <a:t>In short, we needed to perform a specific action on an option value. Initially, it was proposed to copy and paste this action. </a:t>
-            </a:r>
-            <a:r>
-              <a:rPr lang="en-US" b="0" i="0">
-                <a:solidFill>
-                  <a:srgbClr val="242424"/>
-                </a:solidFill>
-                <a:effectLst/>
-                <a:latin typeface="Segoe UI" panose="020B0502040204020203" pitchFamily="34" charset="0"/>
-              </a:rPr>
-              <a:t>Although this approach would have worked, I didn't like the idea of having duplicated code.</a:t>
-            </a:r>
-          </a:p>
-          <a:p>
-            <a:endParaRPr lang="de-DE" dirty="0"/>
-          </a:p>
-          <a:p>
-            <a:r>
-              <a:rPr lang="de-DE" b="1" dirty="0"/>
-              <a:t>I </a:t>
-            </a:r>
-            <a:r>
-              <a:rPr lang="de-DE" b="1" dirty="0" err="1"/>
-              <a:t>got</a:t>
-            </a:r>
-            <a:r>
-              <a:rPr lang="de-DE" b="1" dirty="0"/>
-              <a:t> </a:t>
-            </a:r>
-            <a:r>
-              <a:rPr lang="de-DE" b="1" dirty="0" err="1"/>
-              <a:t>your</a:t>
-            </a:r>
-            <a:r>
-              <a:rPr lang="de-DE" b="1" dirty="0"/>
-              <a:t> </a:t>
-            </a:r>
-            <a:r>
-              <a:rPr lang="de-DE" b="1" dirty="0" err="1"/>
-              <a:t>attention</a:t>
-            </a:r>
-            <a:r>
-              <a:rPr lang="de-DE" b="1" dirty="0"/>
-              <a:t> </a:t>
-            </a:r>
-            <a:r>
-              <a:rPr lang="de-DE" b="1" dirty="0" err="1"/>
-              <a:t>with</a:t>
-            </a:r>
-            <a:r>
-              <a:rPr lang="de-DE" b="1" dirty="0"/>
-              <a:t> </a:t>
-            </a:r>
-            <a:r>
-              <a:rPr lang="de-DE" b="1" dirty="0" err="1"/>
-              <a:t>this</a:t>
-            </a:r>
-            <a:r>
-              <a:rPr lang="de-DE" b="1" dirty="0"/>
-              <a:t> </a:t>
-            </a:r>
-            <a:r>
-              <a:rPr lang="de-DE" b="1" dirty="0" err="1"/>
-              <a:t>statement</a:t>
-            </a:r>
-            <a:r>
-              <a:rPr lang="de-DE" b="1" dirty="0"/>
-              <a:t> I </a:t>
-            </a:r>
-            <a:r>
-              <a:rPr lang="de-DE" b="1" dirty="0" err="1"/>
-              <a:t>hope</a:t>
-            </a:r>
-            <a:r>
-              <a:rPr lang="de-DE" b="1" dirty="0"/>
-              <a:t>? </a:t>
-            </a:r>
-            <a:r>
-              <a:rPr lang="de-DE" b="1" dirty="0" err="1"/>
-              <a:t>yes</a:t>
-            </a:r>
-            <a:r>
-              <a:rPr lang="de-DE" b="1" dirty="0"/>
-              <a:t>?</a:t>
-            </a:r>
-          </a:p>
-          <a:p>
+              <a:rPr lang="nl-BE" dirty="0"/>
+              <a:t>Zeg vaarwel tegen IConfiguration en omarm de kracht van het IOptions-patroon.</a:t>
+            </a:r>
+          </a:p>
+          <a:p>
+            <a:endParaRPr lang="nl-BE" dirty="0"/>
+          </a:p>
+          <a:p>
+            <a:r>
+              <a:rPr lang="nl-BE" dirty="0"/>
+              <a:t>Wat een titel, we gaan het vandaag in deze laatste sessie over configuratie hebben.</a:t>
+            </a:r>
+          </a:p>
+          <a:p>
+            <a:r>
+              <a:rPr lang="nl-BE" dirty="0"/>
+              <a:t>Geen fancy third party libraries die ik gemaakt heb en die ik hier nu wil slijten, native functionaliteit.</a:t>
+            </a:r>
+          </a:p>
+          <a:p>
+            <a:r>
+              <a:rPr lang="nl-BE" dirty="0"/>
+              <a:t>De informatie staat op microsoft learn. Maar zoals de titel het al aan haalde, de focus is in het omarmen ervan.</a:t>
+            </a:r>
+          </a:p>
+          <a:p>
+            <a:endParaRPr lang="nl-BE" dirty="0"/>
+          </a:p>
+          <a:p>
+            <a:r>
+              <a:rPr lang="nl-BE" dirty="0"/>
+              <a:t>Op het einde van deze sessie zal je weten hoe IConfiguration &amp; IOptions hun mechanismes meer met elkaar verweven zijn dan de meeste van je collega’s.</a:t>
+            </a:r>
+          </a:p>
+          <a:p>
+            <a:r>
+              <a:rPr lang="nl-BE" dirty="0"/>
+              <a:t>De sessie vereist een bassis C# kennis en inzicht, bepaalde topics zijn luchtig andere zaken gaan we wat dieper bekijken.</a:t>
+            </a:r>
+          </a:p>
+          <a:p>
+            <a:endParaRPr lang="nl-BE" dirty="0"/>
+          </a:p>
+          <a:p>
+            <a:r>
+              <a:rPr lang="nl-BE" dirty="0"/>
+              <a:t>De sessie is tot stond gekomen uit een probleem die speelde in ons team. We gebruikten al IConfiguration en IOptions maar de link tussen beiden hadden we niet goed onder de knie. Toen we healthchecks introduceerden voelde de initiele implementatie fout aan. We hadden ofwel fouten in onze integratie testen of e2e testen. Uiteindelijk ging de failsafe wel werken maar dit was copy pasten, eerst hebben we geprobeerd te kijken of we het konden doen samenwerken met elkaar.</a:t>
+            </a:r>
+            <a:br>
+              <a:rPr lang="nl-BE" dirty="0"/>
+            </a:br>
+            <a:endParaRPr lang="nl-BE" dirty="0"/>
+          </a:p>
+          <a:p>
+            <a:r>
+              <a:rPr lang="nl-BE" dirty="0"/>
+              <a:t>Klaar voor de rit? Dan gaan we starten met opbouwen totdat alle bouwstenen uitgelicht zijn geweest zodat we dit huwelijk tussen IConfiguration en IOptions  kunnen demonstreren zonder dat het nog magie is.</a:t>
+            </a:r>
+          </a:p>
+          <a:p>
+            <a:r>
+              <a:rPr lang="nl-BE" dirty="0"/>
+              <a:t>Als er nog tijd over is kan ik wel nog een paar heel toepasselijke voorbeelden tonen die met behulp van deze techniek mogelijk komt.</a:t>
+            </a:r>
+          </a:p>
+          <a:p>
+            <a:r>
+              <a:rPr lang="nl-BE" dirty="0"/>
+              <a:t>Ieder deel is voorzien van een demo en de code is online bechikbaar, alles werkt tevens ook offline.</a:t>
+            </a:r>
             <a:endParaRPr lang="en-US" noProof="0" dirty="0"/>
           </a:p>
         </p:txBody>
@@ -5021,7 +5735,31 @@
             </a:r>
             <a:r>
               <a:rPr lang="en-US" noProof="0" dirty="0"/>
-              <a:t> acts as a base for when we will touch </a:t>
+              <a:t> is de basis </a:t>
+            </a:r>
+            <a:r>
+              <a:rPr lang="en-US" noProof="0" dirty="0" err="1"/>
+              <a:t>voor</a:t>
+            </a:r>
+            <a:r>
+              <a:rPr lang="en-US" noProof="0" dirty="0"/>
+              <a:t> </a:t>
+            </a:r>
+            <a:r>
+              <a:rPr lang="en-US" noProof="0" dirty="0" err="1"/>
+              <a:t>wanneer</a:t>
+            </a:r>
+            <a:r>
+              <a:rPr lang="en-US" noProof="0" dirty="0"/>
+              <a:t> we </a:t>
+            </a:r>
+            <a:r>
+              <a:rPr lang="en-US" noProof="0" dirty="0" err="1"/>
+              <a:t>starten</a:t>
+            </a:r>
+            <a:r>
+              <a:rPr lang="en-US" noProof="0" dirty="0"/>
+              <a:t> met </a:t>
             </a:r>
             <a:r>
               <a:rPr lang="en-US" noProof="0" dirty="0" err="1"/>
@@ -5033,9 +5771,48 @@
             </a:r>
           </a:p>
           <a:p>
+            <a:endParaRPr lang="en-US" noProof="0" dirty="0"/>
+          </a:p>
+          <a:p>
+            <a:r>
+              <a:rPr lang="en-US" noProof="0" dirty="0" err="1"/>
+              <a:t>Ik</a:t>
+            </a:r>
             <a:r>
               <a:rPr lang="en-US" noProof="0" dirty="0"/>
-              <a:t>I tried to divide it into concept, providers &amp; binding</a:t>
+              <a:t> </a:t>
+            </a:r>
+            <a:r>
+              <a:rPr lang="en-US" noProof="0" dirty="0" err="1"/>
+              <a:t>heb</a:t>
+            </a:r>
+            <a:r>
+              <a:rPr lang="en-US" noProof="0" dirty="0"/>
+              <a:t> </a:t>
+            </a:r>
+            <a:r>
+              <a:rPr lang="en-US" noProof="0" dirty="0" err="1"/>
+              <a:t>deze</a:t>
+            </a:r>
+            <a:r>
+              <a:rPr lang="en-US" noProof="0" dirty="0"/>
+              <a:t> </a:t>
+            </a:r>
+            <a:r>
+              <a:rPr lang="en-US" noProof="0" dirty="0" err="1"/>
+              <a:t>opgesplitst</a:t>
+            </a:r>
+            <a:r>
+              <a:rPr lang="en-US" noProof="0" dirty="0"/>
+              <a:t> in 3 </a:t>
+            </a:r>
+            <a:r>
+              <a:rPr lang="en-US" noProof="0" dirty="0" err="1"/>
+              <a:t>stukken</a:t>
+            </a:r>
+            <a:r>
+              <a:rPr lang="en-US" noProof="0" dirty="0"/>
+              <a:t> concept, providers &amp; binding.</a:t>
             </a:r>
           </a:p>
         </p:txBody>
@@ -5146,16 +5923,12 @@
           <a:lstStyle/>
           <a:p>
             <a:r>
-              <a:rPr lang="en-US" noProof="0" dirty="0" err="1"/>
-              <a:t>IConfiguration</a:t>
-            </a:r>
-            <a:r>
-              <a:rPr lang="en-US" noProof="0" dirty="0"/>
-              <a:t> what is it?</a:t>
-            </a:r>
-          </a:p>
-          <a:p>
-            <a:endParaRPr lang="en-US" noProof="0" dirty="0"/>
+              <a:rPr lang="nl-BE" noProof="0" dirty="0"/>
+              <a:t>IConfiguration wat is het?</a:t>
+            </a:r>
+          </a:p>
+          <a:p>
+            <a:endParaRPr lang="nl-BE" noProof="0" dirty="0"/>
           </a:p>
           <a:p>
             <a:pPr marL="171450" indent="-171450">
@@ -5163,52 +5936,27 @@
               <a:buChar char="•"/>
             </a:pPr>
             <a:r>
-              <a:rPr lang="en-US" noProof="0" dirty="0"/>
-              <a:t>It could be settings which you use to configure timeouts, </a:t>
-            </a:r>
-            <a:r>
-              <a:rPr lang="en-US" noProof="0" dirty="0" err="1"/>
-              <a:t>uri’s</a:t>
-            </a:r>
-            <a:r>
-              <a:rPr lang="en-US" noProof="0" dirty="0"/>
-              <a:t>, backoff times or</a:t>
+              <a:rPr lang="nl-BE" noProof="0" dirty="0"/>
+              <a:t>Voor de mensen die al gewerkt hebben met IConfiguration, wat zijn zaken die jullie hierin bewaren? (Timeout, uri’s, connectionstrings, …)</a:t>
             </a:r>
             <a:br>
-              <a:rPr lang="en-US" noProof="0" dirty="0"/>
+              <a:rPr lang="nl-BE" noProof="0" dirty="0"/>
             </a:br>
             <a:r>
-              <a:rPr lang="en-US" noProof="0" dirty="0"/>
-              <a:t>even secrets like </a:t>
-            </a:r>
-            <a:r>
-              <a:rPr lang="en-US" noProof="0" dirty="0" err="1"/>
-              <a:t>connnectionstrings</a:t>
-            </a:r>
-            <a:r>
-              <a:rPr lang="en-US" noProof="0" dirty="0"/>
-              <a:t>, </a:t>
-            </a:r>
-            <a:r>
-              <a:rPr lang="en-US" noProof="0" dirty="0" err="1"/>
-              <a:t>api</a:t>
-            </a:r>
-            <a:r>
-              <a:rPr lang="en-US" noProof="0" dirty="0"/>
-              <a:t> keys</a:t>
-            </a:r>
-            <a:r>
-              <a:rPr lang="en-US" dirty="0"/>
-              <a:t> t</a:t>
-            </a:r>
-            <a:r>
-              <a:rPr lang="en-US" noProof="0" dirty="0" err="1"/>
-              <a:t>hese</a:t>
-            </a:r>
-            <a:r>
-              <a:rPr lang="en-US" noProof="0" dirty="0"/>
-              <a:t> should be treated with extra caution so that these aren’t visualized for everyone who is able to pull your repository.</a:t>
-            </a:r>
+              <a:rPr lang="nl-BE" noProof="0" dirty="0"/>
+              <a:t>Let wel op met gevoelige data dat je de voor deze de juiste provider kiest.</a:t>
+            </a:r>
+            <a:br>
+              <a:rPr lang="nl-BE" noProof="0" dirty="0"/>
+            </a:br>
+            <a:r>
+              <a:rPr lang="nl-BE" noProof="0" dirty="0"/>
+              <a:t>Als je lokaal werkt kan je werken met secrets maar online ga je deze ook op een veilige manier moeten aan je applicatie meegeven. Ik denk hier aan een Azure Key Vault of een AWS Secret Manager of voor wie met Google Cloud Platform werk Secret Manager? Met deze laatste heb ik wel geen praktische ervaring.</a:t>
+            </a:r>
+            <a:br>
+              <a:rPr lang="nl-BE" noProof="0" dirty="0"/>
+            </a:br>
+            <a:endParaRPr lang="nl-BE" noProof="0" dirty="0"/>
           </a:p>
           <a:p>
             <a:pPr marL="171450" indent="-171450">
@@ -5216,17 +5964,13 @@
               <a:buChar char="•"/>
             </a:pPr>
             <a:r>
-              <a:rPr lang="en-US" noProof="0" dirty="0"/>
-              <a:t>Data coming from this source must be treated as being a </a:t>
-            </a:r>
-            <a:r>
-              <a:rPr lang="en-US" noProof="0" dirty="0" err="1"/>
-              <a:t>readonly</a:t>
-            </a:r>
-            <a:r>
-              <a:rPr lang="en-US" noProof="0" dirty="0"/>
-              <a:t> view in a single representation</a:t>
-            </a:r>
+              <a:rPr lang="nl-BE" noProof="0" dirty="0"/>
+              <a:t>Data die komt van IConfiguration moet je beschouwen als readonly, er zit een setter op maar als je je configuratie goed uitwerkt ga je dit niet nodig hebben.</a:t>
+            </a:r>
+            <a:br>
+              <a:rPr lang="nl-BE" noProof="0" dirty="0"/>
+            </a:br>
+            <a:endParaRPr lang="nl-BE" noProof="0" dirty="0"/>
           </a:p>
           <a:p>
             <a:pPr marL="171450" indent="-171450">
@@ -5234,106 +5978,57 @@
               <a:buChar char="•"/>
             </a:pPr>
             <a:r>
-              <a:rPr lang="en-US" dirty="0"/>
-              <a:t>A lot of the configuration is historically applied at compile time.</a:t>
+              <a:rPr lang="nl-BE" noProof="0" dirty="0"/>
+              <a:t>Een deel van de configuratie is standaard ingebakken tijdens het compileren.</a:t>
             </a:r>
             <a:br>
-              <a:rPr lang="en-US" dirty="0"/>
+              <a:rPr lang="nl-BE" noProof="0" dirty="0"/>
             </a:br>
             <a:r>
-              <a:rPr lang="en-US" dirty="0"/>
-              <a:t>Each environment has its own baked in configuration at compile time, this resembles a bit like how the </a:t>
-            </a:r>
-            <a:r>
-              <a:rPr lang="en-US" dirty="0" err="1"/>
-              <a:t>TerraGrunt</a:t>
-            </a:r>
-            <a:r>
-              <a:rPr lang="en-US" dirty="0"/>
-              <a:t> configuration is working with a Terraform configuration for the people who are working with a CI/CD pipeline.</a:t>
+              <a:rPr lang="nl-BE" noProof="0" dirty="0"/>
+              <a:t>Elke environment heeft zijn eigen configuratie at compile time.</a:t>
             </a:r>
             <a:br>
-              <a:rPr lang="en-US" dirty="0"/>
+              <a:rPr lang="nl-BE" noProof="0" dirty="0"/>
             </a:br>
+            <a:r>
+              <a:rPr lang="nl-BE" noProof="0" dirty="0"/>
+              <a:t>Het betekend echter niet dat een configuratie niet kan reageren op een wijziging of telkens moet heropstarten om de nieuwe wijzigingen in te laden. Dus als je echt wilt kan je een heel eenvoudige vorm van feature flags gebruiken. Iemand al ervaring met deze?</a:t>
+            </a:r>
             <a:br>
-              <a:rPr lang="en-US" dirty="0"/>
+              <a:rPr lang="nl-BE" noProof="0" dirty="0"/>
             </a:br>
-            <a:r>
-              <a:rPr lang="en-US" dirty="0"/>
-              <a:t>This doesn’t mean however that this configuration can’t respond to changes unless it is reloaded. Some configuration providers do allow it to be reloaded with new data at runtime. Which could make it a candidate for a simple feature toggles approach.</a:t>
+            <a:endParaRPr lang="nl-BE" noProof="0" dirty="0"/>
+          </a:p>
+          <a:p>
+            <a:pPr marL="171450" indent="-171450">
+              <a:buFont typeface="Arial" panose="020B0604020202020204" pitchFamily="34" charset="0"/>
+              <a:buChar char="•"/>
+            </a:pPr>
+            <a:r>
+              <a:rPr lang="nl-BE" b="1" noProof="0" dirty="0"/>
+              <a:t>Zijn er mensen hier die nog gewerkt hebben met web.config of app.config?</a:t>
             </a:r>
             <a:br>
-              <a:rPr lang="en-US" dirty="0"/>
+              <a:rPr lang="nl-BE" noProof="0" dirty="0"/>
             </a:br>
             <a:r>
-              <a:rPr lang="en-US" dirty="0"/>
-              <a:t>Although suites like </a:t>
-            </a:r>
-            <a:r>
-              <a:rPr lang="en-US" dirty="0" err="1"/>
-              <a:t>LaunchDarkly</a:t>
-            </a:r>
-            <a:r>
-              <a:rPr lang="en-US" dirty="0"/>
-              <a:t>, Unleash are more advanced, I’m just mentioning it as it could be simplified to just a configuration section, it isn't rocket science.</a:t>
+              <a:rPr lang="nl-BE" noProof="0" dirty="0"/>
+              <a:t>Deze mindset leef/leefde ook nog in onze organizatie, heel wat nieuwe projecten steunden daardoor ook nog op deze mindset.</a:t>
             </a:r>
             <a:br>
-              <a:rPr lang="en-US" dirty="0"/>
+              <a:rPr lang="nl-BE" noProof="0" dirty="0"/>
             </a:br>
+            <a:r>
+              <a:rPr lang="nl-BE" noProof="0" dirty="0"/>
+              <a:t>Voor de mensen die het niet meer herinneren of kennen. Dit was een XML gebaseerde configuratie die gebruik maakte van de Configuration Manager.</a:t>
+            </a:r>
             <a:br>
-              <a:rPr lang="en-US" dirty="0"/>
+              <a:rPr lang="nl-BE" noProof="0" dirty="0"/>
             </a:br>
             <a:r>
-              <a:rPr lang="en-US" b="1" dirty="0"/>
-              <a:t>Are there persons who used to work with </a:t>
-            </a:r>
-            <a:r>
-              <a:rPr lang="en-US" b="1" dirty="0" err="1"/>
-              <a:t>web.config</a:t>
-            </a:r>
-            <a:r>
-              <a:rPr lang="en-US" b="1" dirty="0"/>
-              <a:t> or </a:t>
-            </a:r>
-            <a:r>
-              <a:rPr lang="en-US" b="1" dirty="0" err="1"/>
-              <a:t>app.config</a:t>
-            </a:r>
-            <a:r>
-              <a:rPr lang="en-US" b="1" dirty="0"/>
-              <a:t>?</a:t>
-            </a:r>
-            <a:br>
-              <a:rPr lang="en-US" b="1" dirty="0"/>
-            </a:br>
-            <a:br>
-              <a:rPr lang="en-US" b="1" dirty="0"/>
-            </a:br>
-            <a:r>
-              <a:rPr lang="en-US" dirty="0"/>
-              <a:t>I’ve noticed in our organization a lot of project configurations still approach it with this mindset.</a:t>
-            </a:r>
-            <a:br>
-              <a:rPr lang="en-US" dirty="0"/>
-            </a:br>
-            <a:r>
-              <a:rPr lang="en-US" dirty="0"/>
-              <a:t>For the ones who don’t remember it anymore or know it, this was an XML based approach using the </a:t>
-            </a:r>
-            <a:r>
-              <a:rPr lang="en-US" dirty="0" err="1"/>
-              <a:t>ConfigurationManager</a:t>
-            </a:r>
-            <a:r>
-              <a:rPr lang="en-US" dirty="0"/>
-              <a:t>.</a:t>
-            </a:r>
-            <a:br>
-              <a:rPr lang="en-US" dirty="0"/>
-            </a:br>
-            <a:r>
-              <a:rPr lang="en-US" dirty="0"/>
-              <a:t>There was no possibility to do an easy transformation of your configuration to an object. There were tools like Slow Cheetah for transformations. But they were very hard to test and learn.</a:t>
+              <a:rPr lang="nl-BE" noProof="0" dirty="0"/>
+              <a:t>Eenvoudige transformaties waren niet aan de orde, je had wel tool zoals Slow Cheetah maar ik vond deze alles behalve leuk om te leren en te testen.</a:t>
             </a:r>
           </a:p>
         </p:txBody>
@@ -5444,150 +6139,92 @@
           <a:lstStyle/>
           <a:p>
             <a:r>
-              <a:rPr lang="en-US" noProof="0" dirty="0"/>
-              <a:t>When an application created with host or web application starts up, it typically loads resources in the following order</a:t>
-            </a:r>
-          </a:p>
-          <a:p>
-            <a:pPr marL="165501" indent="-165501">
+              <a:rPr lang="nl-BE" noProof="0" dirty="0"/>
+              <a:t>Wanneer een applicatie is gemaakt met een host of web application en deze wordt opgestart, dan worden de volgende configuration providers in deze volgorde geladen.</a:t>
+            </a:r>
+          </a:p>
+          <a:p>
+            <a:pPr marL="171450" indent="-171450">
               <a:buFont typeface="Arial" panose="020B0604020202020204" pitchFamily="34" charset="0"/>
               <a:buChar char="•"/>
             </a:pPr>
             <a:r>
-              <a:rPr lang="en-US" noProof="0" dirty="0"/>
-              <a:t>DOTNET_ or ASPNETCORE_ environment variable (this is used to determine the environment)</a:t>
-            </a:r>
-          </a:p>
-          <a:p>
-            <a:pPr marL="165501" indent="-165501">
+              <a:rPr lang="nl-BE" noProof="0" dirty="0"/>
+              <a:t>DOTNET_ of ASPNETCORE_ environment variable (this is used to determine the environment)</a:t>
+            </a:r>
+          </a:p>
+          <a:p>
+            <a:pPr marL="171450" indent="-171450">
               <a:buFont typeface="Arial" panose="020B0604020202020204" pitchFamily="34" charset="0"/>
               <a:buChar char="•"/>
             </a:pPr>
             <a:r>
-              <a:rPr lang="en-US" noProof="0" dirty="0" err="1"/>
+              <a:rPr lang="nl-BE" noProof="0" dirty="0"/>
               <a:t>appsettings.json</a:t>
             </a:r>
-            <a:endParaRPr lang="en-US" noProof="0" dirty="0"/>
-          </a:p>
-          <a:p>
-            <a:pPr marL="165501" indent="-165501">
+          </a:p>
+          <a:p>
+            <a:pPr marL="171450" indent="-171450">
               <a:buFont typeface="Arial" panose="020B0604020202020204" pitchFamily="34" charset="0"/>
               <a:buChar char="•"/>
             </a:pPr>
             <a:r>
-              <a:rPr lang="en-US" noProof="0" dirty="0" err="1"/>
-              <a:t>appsettings</a:t>
-            </a:r>
-            <a:r>
-              <a:rPr lang="en-US" noProof="0" dirty="0"/>
-              <a:t>.{environment}.</a:t>
-            </a:r>
-            <a:r>
-              <a:rPr lang="en-US" noProof="0" dirty="0" err="1"/>
-              <a:t>json</a:t>
-            </a:r>
-            <a:endParaRPr lang="en-US" noProof="0" dirty="0"/>
-          </a:p>
-          <a:p>
-            <a:pPr marL="165501" indent="-165501">
+              <a:rPr lang="nl-BE" noProof="0" dirty="0"/>
+              <a:t>appsettings.{environment}.json</a:t>
+            </a:r>
+          </a:p>
+          <a:p>
+            <a:pPr marL="171450" indent="-171450">
               <a:buFont typeface="Arial" panose="020B0604020202020204" pitchFamily="34" charset="0"/>
               <a:buChar char="•"/>
             </a:pPr>
             <a:r>
-              <a:rPr lang="en-US" noProof="0" dirty="0" err="1"/>
-              <a:t>secrets.json</a:t>
-            </a:r>
-            <a:r>
-              <a:rPr lang="en-US" noProof="0" dirty="0"/>
-              <a:t> (if you are in development)</a:t>
-            </a:r>
-          </a:p>
-          <a:p>
-            <a:pPr marL="165501" indent="-165501">
+              <a:rPr lang="nl-BE" noProof="0" dirty="0"/>
+              <a:t>secrets.json (als je in development bent)</a:t>
+            </a:r>
+          </a:p>
+          <a:p>
+            <a:pPr marL="171450" indent="-171450">
               <a:buFont typeface="Arial" panose="020B0604020202020204" pitchFamily="34" charset="0"/>
               <a:buChar char="•"/>
             </a:pPr>
             <a:r>
-              <a:rPr lang="en-US" noProof="0" dirty="0"/>
+              <a:rPr lang="nl-BE" noProof="0" dirty="0"/>
               <a:t>Environment variables</a:t>
             </a:r>
           </a:p>
           <a:p>
-            <a:pPr marL="165501" indent="-165501">
+            <a:pPr marL="171450" indent="-171450">
               <a:buFont typeface="Arial" panose="020B0604020202020204" pitchFamily="34" charset="0"/>
               <a:buChar char="•"/>
             </a:pPr>
             <a:r>
-              <a:rPr lang="en-US" noProof="0" dirty="0"/>
+              <a:rPr lang="nl-BE" noProof="0" dirty="0"/>
               <a:t>Command line variables</a:t>
             </a:r>
           </a:p>
           <a:p>
-            <a:pPr marL="165501" indent="-165501">
-              <a:buFont typeface="Arial" panose="020B0604020202020204" pitchFamily="34" charset="0"/>
-              <a:buChar char="•"/>
-            </a:pPr>
-            <a:endParaRPr lang="en-US" noProof="0" dirty="0"/>
-          </a:p>
-          <a:p>
-            <a:pPr marL="165501" indent="-165501">
-              <a:buFont typeface="Arial" panose="020B0604020202020204" pitchFamily="34" charset="0"/>
-              <a:buChar char="•"/>
-            </a:pPr>
-            <a:r>
-              <a:rPr lang="en-US" noProof="0" dirty="0"/>
-              <a:t>Custom providers, which could be coming from AWS Secret Manager or other sources.</a:t>
-            </a:r>
-          </a:p>
-          <a:p>
-            <a:pPr marL="165501" indent="-165501">
-              <a:buFont typeface="Arial" panose="020B0604020202020204" pitchFamily="34" charset="0"/>
-              <a:buChar char="•"/>
-            </a:pPr>
-            <a:endParaRPr lang="en-US" noProof="0" dirty="0"/>
-          </a:p>
-          <a:p>
-            <a:r>
-              <a:rPr lang="en-US" noProof="0" dirty="0"/>
-              <a:t>When they are loaded, they load in order on how they were configured and parsed to a </a:t>
-            </a:r>
-            <a:r>
-              <a:rPr lang="en-US" b="1" noProof="0" dirty="0"/>
-              <a:t>layered view </a:t>
-            </a:r>
-            <a:r>
-              <a:rPr lang="en-US" noProof="0" dirty="0"/>
-              <a:t>which results in the </a:t>
-            </a:r>
-            <a:r>
-              <a:rPr lang="en-US" noProof="0" dirty="0" err="1"/>
-              <a:t>IConfiguration</a:t>
-            </a:r>
-            <a:r>
-              <a:rPr lang="en-US" noProof="0" dirty="0"/>
-              <a:t>.</a:t>
-            </a:r>
-          </a:p>
-          <a:p>
-            <a:r>
-              <a:rPr lang="en-US" noProof="0" dirty="0"/>
-              <a:t>There is no need to load all these things yourselves manually in a separate </a:t>
-            </a:r>
-            <a:r>
-              <a:rPr lang="en-US" noProof="0" dirty="0" err="1"/>
-              <a:t>configurationbuilder</a:t>
-            </a:r>
-            <a:r>
-              <a:rPr lang="en-US" noProof="0" dirty="0"/>
-              <a:t>. When you are using the defaults create methods. If you would do this, it will create issues especially when doing integration tests with a </a:t>
-            </a:r>
-            <a:r>
-              <a:rPr lang="en-US" noProof="0" dirty="0" err="1"/>
-              <a:t>testhost</a:t>
-            </a:r>
-            <a:r>
-              <a:rPr lang="en-US" noProof="0" dirty="0"/>
-              <a:t>.</a:t>
+            <a:endParaRPr lang="nl-BE" noProof="0" dirty="0"/>
+          </a:p>
+          <a:p>
+            <a:r>
+              <a:rPr lang="nl-BE" noProof="0" dirty="0"/>
+              <a:t>Custom providers, zoals deze van AWS Secret Manager of andere bronnen.</a:t>
+            </a:r>
+          </a:p>
+          <a:p>
+            <a:endParaRPr lang="nl-BE" noProof="0" dirty="0"/>
+          </a:p>
+          <a:p>
+            <a:r>
+              <a:rPr lang="nl-BE" noProof="0" dirty="0"/>
+              <a:t>Wanneer deze geladen worden worden ze ook als laagjes over elkaar gelegd waar dat iedere laag de waarde van de laag eronder overschrijft. Het geheel wordt dan verwerkt en weergegeven alse een layered view die door de IConfiguration wordt weergegeven.</a:t>
+            </a:r>
+          </a:p>
+          <a:p>
+            <a:r>
+              <a:rPr lang="nl-BE" noProof="0" dirty="0"/>
+              <a:t>Je hoeft deze providers niet manueel in te laden als je de default host gebruikt. Dit zijn standaard zaken die je krijgt. Als je het toch doet en je gebruikt een testhost om een vorm van integratie testen te doen moet je wel zeker zijn dat je die configuration mooi doorgeeft, anders gaan je testen een deel van de configuratie ontbreken. En dan wordt Microsoft ontercht als zwarte piet gewezen.</a:t>
             </a:r>
           </a:p>
         </p:txBody>
@@ -5725,367 +6362,190 @@
               <a:buFont typeface="Arial" panose="020B0604020202020204" pitchFamily="34" charset="0"/>
             </a:pPr>
             <a:r>
+              <a:rPr lang="nl-BE" b="1" dirty="0"/>
+              <a:t>/configuration</a:t>
+            </a:r>
+            <a:r>
               <a:rPr lang="nl-BE" dirty="0"/>
-              <a:t>/configuration </a:t>
-            </a:r>
-            <a:endParaRPr lang="en-US" dirty="0"/>
+              <a:t> </a:t>
+            </a:r>
           </a:p>
           <a:p>
             <a:pPr>
               <a:buFont typeface="Arial" panose="020B0604020202020204" pitchFamily="34" charset="0"/>
             </a:pPr>
-            <a:endParaRPr lang="en-US" dirty="0"/>
+            <a:endParaRPr lang="nl-BE" dirty="0"/>
           </a:p>
           <a:p>
             <a:pPr>
               <a:buFont typeface="Arial" panose="020B0604020202020204" pitchFamily="34" charset="0"/>
             </a:pPr>
             <a:r>
-              <a:rPr lang="en-US" dirty="0"/>
-              <a:t>This endpoint writes out the entire content of the </a:t>
-            </a:r>
-            <a:r>
-              <a:rPr lang="en-US" dirty="0" err="1"/>
-              <a:t>IConfiguration</a:t>
-            </a:r>
-            <a:r>
-              <a:rPr lang="en-US" dirty="0"/>
-              <a:t>. But let’s take a look in particular to the </a:t>
-            </a:r>
-            <a:r>
-              <a:rPr lang="en-US" dirty="0" err="1"/>
-              <a:t>AppSettings</a:t>
-            </a:r>
-            <a:r>
-              <a:rPr lang="en-US" dirty="0"/>
-              <a:t> values.</a:t>
+              <a:rPr lang="nl-BE" dirty="0"/>
+              <a:t>Deze endpoint schrijft de volledige content van de IConfiguration uit. Laten we kijken naar de AppSettings waarde en dan de herkomst aantonen van alles. Dit zal op die manier de layers aantonen van de verschillende providers.</a:t>
             </a:r>
           </a:p>
           <a:p>
             <a:pPr>
               <a:buFont typeface="Arial" panose="020B0604020202020204" pitchFamily="34" charset="0"/>
             </a:pPr>
-            <a:r>
-              <a:rPr lang="en-US" dirty="0"/>
-              <a:t>I prepared these value to </a:t>
-            </a:r>
-            <a:r>
-              <a:rPr lang="en-US" b="1" dirty="0"/>
-              <a:t>demonstrate the layering </a:t>
-            </a:r>
-            <a:r>
-              <a:rPr lang="en-US" dirty="0"/>
-              <a:t>of the providers.</a:t>
+            <a:endParaRPr lang="nl-BE" dirty="0"/>
+          </a:p>
+          <a:p>
+            <a:pPr marL="228600" indent="-228600">
+              <a:buFont typeface="+mj-lt"/>
+              <a:buAutoNum type="arabicPeriod"/>
+            </a:pPr>
+            <a:r>
+              <a:rPr lang="nl-BE" dirty="0"/>
+              <a:t>LaunchSettings.json -&gt; ASPNETCORE_</a:t>
+            </a:r>
+          </a:p>
+          <a:p>
+            <a:pPr marL="228600" indent="-228600">
+              <a:buFont typeface="+mj-lt"/>
+              <a:buAutoNum type="arabicPeriod"/>
+            </a:pPr>
+            <a:r>
+              <a:rPr lang="nl-BE" dirty="0"/>
+              <a:t>Appsettings.json</a:t>
+            </a:r>
+          </a:p>
+          <a:p>
+            <a:pPr marL="228600" indent="-228600">
+              <a:buFont typeface="+mj-lt"/>
+              <a:buAutoNum type="arabicPeriod"/>
+            </a:pPr>
+            <a:r>
+              <a:rPr lang="nl-BE" dirty="0"/>
+              <a:t>Appsettings.Development.json</a:t>
+            </a:r>
+          </a:p>
+          <a:p>
+            <a:pPr marL="228600" indent="-228600">
+              <a:buFont typeface="+mj-lt"/>
+              <a:buAutoNum type="arabicPeriod"/>
+            </a:pPr>
+            <a:r>
+              <a:rPr lang="nl-BE" dirty="0"/>
+              <a:t>Secrets.json (highlight the importance of this file)</a:t>
+            </a:r>
+          </a:p>
+          <a:p>
+            <a:pPr marL="228600" indent="-228600">
+              <a:buFont typeface="+mj-lt"/>
+              <a:buAutoNum type="arabicPeriod"/>
+            </a:pPr>
+            <a:r>
+              <a:rPr lang="nl-BE" dirty="0"/>
+              <a:t>Environment variables (simulated by the LaunchSettings.json environmentVariables)</a:t>
+            </a:r>
+          </a:p>
+          <a:p>
+            <a:pPr marL="228600" indent="-228600">
+              <a:buFont typeface="+mj-lt"/>
+              <a:buAutoNum type="arabicPeriod"/>
+            </a:pPr>
+            <a:r>
+              <a:rPr lang="nl-BE" dirty="0"/>
+              <a:t>Command line args  (simulated by the LaunchSettings.json commandLineArgs)</a:t>
+            </a:r>
+          </a:p>
+          <a:p>
+            <a:pPr marL="228600" indent="-228600">
+              <a:buFont typeface="+mj-lt"/>
+              <a:buAutoNum type="arabicPeriod"/>
+            </a:pPr>
+            <a:r>
+              <a:rPr lang="nl-BE" dirty="0"/>
+              <a:t>Program.cs (in memory dictionary)</a:t>
             </a:r>
           </a:p>
           <a:p>
             <a:pPr>
               <a:buFont typeface="Arial" panose="020B0604020202020204" pitchFamily="34" charset="0"/>
             </a:pPr>
-            <a:endParaRPr lang="en-US" dirty="0"/>
-          </a:p>
-          <a:p>
-            <a:pPr marL="331001" indent="-331001">
-              <a:buFont typeface="Arial" panose="020B0604020202020204" pitchFamily="34" charset="0"/>
-              <a:buAutoNum type="arabicPeriod"/>
-            </a:pPr>
-            <a:r>
-              <a:rPr lang="en-US" dirty="0" err="1"/>
-              <a:t>LaunchSettings.json</a:t>
-            </a:r>
-            <a:r>
-              <a:rPr lang="en-US" dirty="0"/>
-              <a:t> </a:t>
-            </a:r>
-            <a:r>
-              <a:rPr lang="en-US" dirty="0">
-                <a:sym typeface="Wingdings" panose="05000000000000000000" pitchFamily="2" charset="2"/>
-              </a:rPr>
-              <a:t> ASPNETCORE_</a:t>
-            </a:r>
-          </a:p>
-          <a:p>
-            <a:pPr marL="331001" indent="-331001">
-              <a:buFont typeface="Arial" panose="020B0604020202020204" pitchFamily="34" charset="0"/>
-              <a:buAutoNum type="arabicPeriod"/>
-            </a:pPr>
-            <a:r>
-              <a:rPr lang="en-US" dirty="0" err="1">
-                <a:sym typeface="Wingdings" panose="05000000000000000000" pitchFamily="2" charset="2"/>
-              </a:rPr>
-              <a:t>Appsettings.json</a:t>
-            </a:r>
-            <a:endParaRPr lang="en-US" dirty="0">
-              <a:sym typeface="Wingdings" panose="05000000000000000000" pitchFamily="2" charset="2"/>
-            </a:endParaRPr>
-          </a:p>
-          <a:p>
-            <a:pPr marL="331001" indent="-331001">
-              <a:buFont typeface="Arial" panose="020B0604020202020204" pitchFamily="34" charset="0"/>
-              <a:buAutoNum type="arabicPeriod"/>
-            </a:pPr>
-            <a:r>
-              <a:rPr lang="en-US" dirty="0" err="1">
-                <a:sym typeface="Wingdings" panose="05000000000000000000" pitchFamily="2" charset="2"/>
-              </a:rPr>
-              <a:t>Appsettings.Development.json</a:t>
-            </a:r>
-            <a:endParaRPr lang="en-US" dirty="0">
-              <a:sym typeface="Wingdings" panose="05000000000000000000" pitchFamily="2" charset="2"/>
-            </a:endParaRPr>
-          </a:p>
-          <a:p>
-            <a:pPr marL="331001" indent="-331001">
-              <a:buFont typeface="Arial" panose="020B0604020202020204" pitchFamily="34" charset="0"/>
-              <a:buAutoNum type="arabicPeriod"/>
-            </a:pPr>
-            <a:r>
-              <a:rPr lang="en-US" dirty="0" err="1">
-                <a:sym typeface="Wingdings" panose="05000000000000000000" pitchFamily="2" charset="2"/>
-              </a:rPr>
-              <a:t>Secrets.json</a:t>
-            </a:r>
-            <a:r>
-              <a:rPr lang="en-US" dirty="0">
-                <a:sym typeface="Wingdings" panose="05000000000000000000" pitchFamily="2" charset="2"/>
-              </a:rPr>
-              <a:t> (highlight the importance of this file)</a:t>
-            </a:r>
-          </a:p>
-          <a:p>
-            <a:pPr marL="331001" indent="-331001">
-              <a:buFont typeface="Arial" panose="020B0604020202020204" pitchFamily="34" charset="0"/>
-              <a:buAutoNum type="arabicPeriod"/>
-            </a:pPr>
-            <a:r>
-              <a:rPr lang="en-US" dirty="0">
-                <a:sym typeface="Wingdings" panose="05000000000000000000" pitchFamily="2" charset="2"/>
-              </a:rPr>
-              <a:t>Environment variables (simulated by the </a:t>
-            </a:r>
-            <a:r>
-              <a:rPr lang="en-US" dirty="0" err="1">
-                <a:sym typeface="Wingdings" panose="05000000000000000000" pitchFamily="2" charset="2"/>
-              </a:rPr>
-              <a:t>LaunchSettings.json</a:t>
-            </a:r>
-            <a:r>
-              <a:rPr lang="en-US" dirty="0">
-                <a:sym typeface="Wingdings" panose="05000000000000000000" pitchFamily="2" charset="2"/>
-              </a:rPr>
-              <a:t> </a:t>
-            </a:r>
-            <a:r>
-              <a:rPr lang="nl-BE" dirty="0"/>
-              <a:t>environmentVariables</a:t>
-            </a:r>
-            <a:r>
-              <a:rPr lang="en-US" dirty="0">
-                <a:sym typeface="Wingdings" panose="05000000000000000000" pitchFamily="2" charset="2"/>
-              </a:rPr>
-              <a:t>)</a:t>
-            </a:r>
-          </a:p>
-          <a:p>
-            <a:pPr marL="331001" indent="-331001">
-              <a:buFont typeface="Arial" panose="020B0604020202020204" pitchFamily="34" charset="0"/>
-              <a:buAutoNum type="arabicPeriod"/>
-            </a:pPr>
-            <a:r>
-              <a:rPr lang="en-US" dirty="0">
-                <a:sym typeface="Wingdings" panose="05000000000000000000" pitchFamily="2" charset="2"/>
-              </a:rPr>
-              <a:t>Command line </a:t>
-            </a:r>
-            <a:r>
-              <a:rPr lang="en-US" dirty="0" err="1">
-                <a:sym typeface="Wingdings" panose="05000000000000000000" pitchFamily="2" charset="2"/>
-              </a:rPr>
-              <a:t>args</a:t>
-            </a:r>
-            <a:r>
-              <a:rPr lang="en-US" dirty="0">
-                <a:sym typeface="Wingdings" panose="05000000000000000000" pitchFamily="2" charset="2"/>
-              </a:rPr>
-              <a:t>  (simulated by the </a:t>
-            </a:r>
-            <a:r>
-              <a:rPr lang="en-US" dirty="0" err="1">
-                <a:sym typeface="Wingdings" panose="05000000000000000000" pitchFamily="2" charset="2"/>
-              </a:rPr>
-              <a:t>LaunchSettings.json</a:t>
-            </a:r>
-            <a:r>
-              <a:rPr lang="en-US" dirty="0">
-                <a:sym typeface="Wingdings" panose="05000000000000000000" pitchFamily="2" charset="2"/>
-              </a:rPr>
-              <a:t> </a:t>
-            </a:r>
-            <a:r>
-              <a:rPr lang="nl-BE" dirty="0"/>
-              <a:t>commandLineArgs</a:t>
-            </a:r>
-            <a:r>
-              <a:rPr lang="en-US" dirty="0">
-                <a:sym typeface="Wingdings" panose="05000000000000000000" pitchFamily="2" charset="2"/>
-              </a:rPr>
-              <a:t>)</a:t>
-            </a:r>
-          </a:p>
-          <a:p>
-            <a:pPr marL="331001" indent="-331001">
-              <a:buFont typeface="Arial" panose="020B0604020202020204" pitchFamily="34" charset="0"/>
-              <a:buAutoNum type="arabicPeriod"/>
-            </a:pPr>
-            <a:r>
-              <a:rPr lang="en-US" dirty="0" err="1">
-                <a:sym typeface="Wingdings" panose="05000000000000000000" pitchFamily="2" charset="2"/>
-              </a:rPr>
-              <a:t>Program.cs</a:t>
-            </a:r>
-            <a:r>
-              <a:rPr lang="en-US" dirty="0">
-                <a:sym typeface="Wingdings" panose="05000000000000000000" pitchFamily="2" charset="2"/>
-              </a:rPr>
-              <a:t> (in memory dictionary)</a:t>
-            </a:r>
-            <a:endParaRPr lang="en-US" dirty="0"/>
+            <a:endParaRPr lang="nl-BE" dirty="0"/>
           </a:p>
           <a:p>
             <a:pPr>
               <a:buFont typeface="Arial" panose="020B0604020202020204" pitchFamily="34" charset="0"/>
             </a:pPr>
-            <a:endParaRPr lang="en-US" dirty="0"/>
+            <a:r>
+              <a:rPr lang="nl-BE" b="1" dirty="0"/>
+              <a:t>Other</a:t>
+            </a:r>
           </a:p>
           <a:p>
             <a:pPr>
               <a:buFont typeface="Arial" panose="020B0604020202020204" pitchFamily="34" charset="0"/>
             </a:pPr>
             <a:r>
-              <a:rPr lang="en-US" b="1" dirty="0"/>
-              <a:t>Other</a:t>
-            </a:r>
-            <a:endParaRPr lang="en-US" dirty="0"/>
+              <a:rPr lang="nl-BE" dirty="0"/>
+              <a:t>Deze startup is hetzelfde als de vorige, maar de ASPNETCORE_ENVIRONMENT environment variable is verwijderd. Iemand een idee welke environment we dan krijgen?</a:t>
+            </a:r>
           </a:p>
           <a:p>
             <a:pPr>
               <a:buFont typeface="Arial" panose="020B0604020202020204" pitchFamily="34" charset="0"/>
             </a:pPr>
-            <a:r>
-              <a:rPr lang="en-US" dirty="0"/>
-              <a:t>This startup is the same as the previous one, but we removed the </a:t>
-            </a:r>
-            <a:r>
-              <a:rPr lang="nl-BE" dirty="0"/>
-              <a:t>ASPNETCORE_ENVIRONMENT environment variable. </a:t>
-            </a:r>
-            <a:r>
-              <a:rPr lang="nl-BE" b="1" dirty="0"/>
-              <a:t>Anyone any idea which environment you get then?</a:t>
-            </a:r>
+            <a:endParaRPr lang="nl-BE" dirty="0"/>
           </a:p>
           <a:p>
             <a:pPr>
               <a:buFont typeface="Arial" panose="020B0604020202020204" pitchFamily="34" charset="0"/>
             </a:pPr>
-            <a:endParaRPr lang="en-US" dirty="0"/>
+            <a:r>
+              <a:rPr lang="nl-BE" dirty="0"/>
+              <a:t>We krijgen dan de Production environment, dit is de standaard omgeving.</a:t>
+            </a:r>
           </a:p>
           <a:p>
             <a:pPr>
               <a:buFont typeface="Arial" panose="020B0604020202020204" pitchFamily="34" charset="0"/>
             </a:pPr>
             <a:r>
-              <a:rPr lang="en-US" dirty="0"/>
-              <a:t>You’ll get the Production environment even if the ASPNETCORE_ENVIRONMENT isn’t present.</a:t>
+              <a:rPr lang="nl-BE" dirty="0"/>
+              <a:t>Het geeft ook andere gevolgen, zoals by default is verwijzing naar de secrets.json provider nu weg. Omdat deze enkel maar voor lokale ontwikkeling bedoelt is.</a:t>
             </a:r>
           </a:p>
           <a:p>
             <a:pPr>
               <a:buFont typeface="Arial" panose="020B0604020202020204" pitchFamily="34" charset="0"/>
             </a:pPr>
-            <a:r>
-              <a:rPr lang="en-US" dirty="0"/>
-              <a:t>But it also has another consequence, by default you will </a:t>
-            </a:r>
-            <a:r>
-              <a:rPr lang="en-US" b="1" dirty="0"/>
-              <a:t>lose the support for the </a:t>
-            </a:r>
-            <a:r>
-              <a:rPr lang="en-US" b="1" dirty="0" err="1"/>
-              <a:t>secrets.json</a:t>
-            </a:r>
-            <a:r>
-              <a:rPr lang="en-US" dirty="0"/>
-              <a:t> as this usage is only intended for local development.</a:t>
-            </a:r>
+            <a:endParaRPr lang="nl-BE" dirty="0"/>
           </a:p>
           <a:p>
             <a:pPr>
               <a:buFont typeface="Arial" panose="020B0604020202020204" pitchFamily="34" charset="0"/>
             </a:pPr>
-            <a:endParaRPr lang="en-US" dirty="0"/>
+            <a:r>
+              <a:rPr lang="nl-BE" b="1" dirty="0"/>
+              <a:t>/configuration-providers</a:t>
+            </a:r>
           </a:p>
           <a:p>
             <a:pPr>
               <a:buFont typeface="Arial" panose="020B0604020202020204" pitchFamily="34" charset="0"/>
             </a:pPr>
-            <a:r>
-              <a:rPr lang="en-US" dirty="0"/>
-              <a:t>/</a:t>
-            </a:r>
-            <a:r>
-              <a:rPr lang="nl-BE" dirty="0"/>
-              <a:t>configuration-providers</a:t>
-            </a:r>
-            <a:endParaRPr lang="en-US" dirty="0"/>
+            <a:endParaRPr lang="nl-BE" dirty="0"/>
           </a:p>
           <a:p>
             <a:pPr>
               <a:buFont typeface="Arial" panose="020B0604020202020204" pitchFamily="34" charset="0"/>
             </a:pPr>
-            <a:endParaRPr lang="en-US" dirty="0"/>
+            <a:r>
+              <a:rPr lang="nl-BE" dirty="0"/>
+              <a:t>Deze toont de volgorde van de ingeladen configuration providers, sommige zijn meerdere keren ingeladen.</a:t>
+            </a:r>
           </a:p>
           <a:p>
             <a:pPr>
               <a:buFont typeface="Arial" panose="020B0604020202020204" pitchFamily="34" charset="0"/>
             </a:pPr>
             <a:r>
-              <a:rPr lang="en-US" dirty="0"/>
-              <a:t>Reveals the order of the currently loaded configuration providers, you can clearly see that some are added multiple times,</a:t>
-            </a:r>
-          </a:p>
-          <a:p>
-            <a:pPr>
-              <a:buFont typeface="Arial" panose="020B0604020202020204" pitchFamily="34" charset="0"/>
-            </a:pPr>
-            <a:r>
-              <a:rPr lang="en-US" dirty="0"/>
-              <a:t>In </a:t>
-            </a:r>
-            <a:r>
-              <a:rPr lang="en-US" b="1" dirty="0"/>
-              <a:t>dev</a:t>
-            </a:r>
-            <a:r>
-              <a:rPr lang="en-US" dirty="0"/>
-              <a:t> mode you clearly see that </a:t>
-            </a:r>
-            <a:r>
-              <a:rPr lang="en-US" dirty="0" err="1"/>
-              <a:t>secrets.json</a:t>
-            </a:r>
-            <a:r>
-              <a:rPr lang="en-US" dirty="0"/>
-              <a:t> is loaded but when you switch to </a:t>
-            </a:r>
-            <a:r>
-              <a:rPr lang="en-US" b="1" dirty="0"/>
-              <a:t>production</a:t>
-            </a:r>
-            <a:r>
-              <a:rPr lang="en-US" dirty="0"/>
-              <a:t> its not loaded.</a:t>
+              <a:rPr lang="nl-BE" dirty="0"/>
+              <a:t>In dev mode zie je nu ook dat secrets.json ingeladen wordt maar eens je switcht naar production is deze weg.</a:t>
             </a:r>
           </a:p>
         </p:txBody>
@@ -6195,108 +6655,93 @@
           <a:bodyPr/>
           <a:lstStyle/>
           <a:p>
-            <a:pPr marL="165501" indent="-165501">
+            <a:pPr marL="171450" indent="-171450">
               <a:buFont typeface="Arial" panose="020B0604020202020204" pitchFamily="34" charset="0"/>
               <a:buChar char="•"/>
             </a:pPr>
             <a:r>
-              <a:rPr lang="en-US" noProof="0" dirty="0"/>
-              <a:t>For the file-based providers, if they are </a:t>
-            </a:r>
-            <a:r>
-              <a:rPr lang="en-US" b="1" noProof="0" dirty="0"/>
-              <a:t>changeable</a:t>
-            </a:r>
-            <a:r>
-              <a:rPr lang="en-US" noProof="0" dirty="0"/>
-              <a:t> where they are deployed, they can allow a hot reload, thus without the need for you application to restart. Containers for instance could have read-only disks.</a:t>
-            </a:r>
-          </a:p>
-          <a:p>
-            <a:pPr marL="165501" indent="-165501">
+              <a:rPr lang="nl-BE" noProof="0" dirty="0"/>
+              <a:t>Voor de file-based providers, als je deze kan wijzigen op de plaats waar ze gedeployed zijn kunnen ze hot reload toelaten. Containers bijvoorbeeld met read-only disks daar heb je niet veel aan dat je appsettings kan reloaden.</a:t>
+            </a:r>
+          </a:p>
+          <a:p>
+            <a:pPr marL="171450" indent="-171450">
               <a:buFont typeface="Arial" panose="020B0604020202020204" pitchFamily="34" charset="0"/>
               <a:buChar char="•"/>
             </a:pPr>
             <a:r>
-              <a:rPr lang="en-US" noProof="0" dirty="0"/>
-              <a:t>Environment variables can target a specific prefix and load that part as a separate provider.</a:t>
-            </a:r>
-          </a:p>
-          <a:p>
-            <a:pPr marL="374005" lvl="1" indent="-165501">
+              <a:rPr lang="nl-BE" noProof="0" dirty="0"/>
+              <a:t>Environment variables kunnen ingeladen worden met een specifieke prefix of gewoon zoals ze zijn.</a:t>
+            </a:r>
+          </a:p>
+          <a:p>
+            <a:pPr marL="387450" lvl="1" indent="-171450">
               <a:buFont typeface="Arial" panose="020B0604020202020204" pitchFamily="34" charset="0"/>
               <a:buChar char="•"/>
             </a:pPr>
             <a:r>
-              <a:rPr lang="en-US" noProof="0" dirty="0"/>
-              <a:t>A double underscore will be translated to a colon. Giving it a way of participating in the hierarchical mapping.</a:t>
-            </a:r>
-          </a:p>
-          <a:p>
-            <a:pPr marL="165501" indent="-165501">
+              <a:rPr lang="nl-BE" b="1" noProof="0" dirty="0"/>
+              <a:t>Hou er rekening mee dat een dubbele __ wijzigt naar een : dit zorgt ervoor dat het mee kan doen met de hierarchical mapping.</a:t>
+            </a:r>
+          </a:p>
+          <a:p>
+            <a:pPr marL="171450" indent="-171450">
               <a:buFont typeface="Arial" panose="020B0604020202020204" pitchFamily="34" charset="0"/>
               <a:buChar char="•"/>
             </a:pPr>
             <a:r>
-              <a:rPr lang="en-US" noProof="0" dirty="0"/>
-              <a:t>Key per file, targets a directory and each filename is a key and the content of it is then the value.</a:t>
-            </a:r>
-          </a:p>
-          <a:p>
-            <a:pPr marL="165501" indent="-165501">
+              <a:rPr lang="nl-BE" noProof="0" dirty="0"/>
+              <a:t>Key per file, een directory waar iedere file een key is en waar de inhoud de waarde is. Geen praktische ervaring met deze.</a:t>
+            </a:r>
+          </a:p>
+          <a:p>
+            <a:pPr marL="171450" indent="-171450">
               <a:buFont typeface="Arial" panose="020B0604020202020204" pitchFamily="34" charset="0"/>
               <a:buChar char="•"/>
             </a:pPr>
             <a:r>
-              <a:rPr lang="en-US" noProof="0" dirty="0"/>
-              <a:t>In memory provider, is a dictionary.</a:t>
-            </a:r>
-          </a:p>
-          <a:p>
-            <a:pPr marL="165501" indent="-165501">
+              <a:rPr lang="nl-BE" noProof="0" dirty="0"/>
+              <a:t>In memory provider, is gewoon een dictionary.</a:t>
+            </a:r>
+          </a:p>
+          <a:p>
+            <a:pPr marL="171450" indent="-171450">
               <a:buFont typeface="Arial" panose="020B0604020202020204" pitchFamily="34" charset="0"/>
               <a:buChar char="•"/>
             </a:pPr>
-            <a:endParaRPr lang="en-US" noProof="0" dirty="0"/>
-          </a:p>
-          <a:p>
-            <a:pPr marL="165501" indent="-165501">
+            <a:endParaRPr lang="nl-BE" noProof="0" dirty="0"/>
+          </a:p>
+          <a:p>
+            <a:r>
+              <a:rPr lang="nl-BE" b="1" noProof="0" dirty="0"/>
+              <a:t>Iemand de yaml provider al gebruikt?</a:t>
+            </a:r>
+          </a:p>
+          <a:p>
+            <a:pPr marL="171450" indent="-171450">
               <a:buFont typeface="Arial" panose="020B0604020202020204" pitchFamily="34" charset="0"/>
               <a:buChar char="•"/>
             </a:pPr>
             <a:r>
-              <a:rPr lang="en-US" noProof="0" dirty="0"/>
-              <a:t>If the </a:t>
-            </a:r>
-            <a:r>
-              <a:rPr lang="en-US" b="1" noProof="0" dirty="0"/>
-              <a:t>regular providers from Microsoft or third parties</a:t>
-            </a:r>
-            <a:r>
-              <a:rPr lang="en-US" noProof="0" dirty="0"/>
-              <a:t> doesn’t suit your needs, a custom provider can always be added.</a:t>
-            </a:r>
-            <a:br>
-              <a:rPr lang="en-US" noProof="0" dirty="0"/>
-            </a:br>
-            <a:r>
-              <a:rPr lang="en-US" noProof="0" dirty="0"/>
-              <a:t>Reference the </a:t>
-            </a:r>
-            <a:r>
-              <a:rPr lang="en-US" noProof="0" dirty="0" err="1"/>
-              <a:t>yml</a:t>
-            </a:r>
-            <a:r>
-              <a:rPr lang="en-US" noProof="0" dirty="0"/>
-              <a:t> file in this case.</a:t>
-            </a:r>
-          </a:p>
-          <a:p>
-            <a:endParaRPr lang="en-US" noProof="0" dirty="0"/>
-          </a:p>
-          <a:p>
-            <a:endParaRPr lang="en-US" dirty="0"/>
+              <a:rPr lang="nl-BE" noProof="0" dirty="0"/>
+              <a:t>Zoja welke nuget package?</a:t>
+            </a:r>
+          </a:p>
+          <a:p>
+            <a:pPr marL="171450" indent="-171450">
+              <a:buFont typeface="Arial" panose="020B0604020202020204" pitchFamily="34" charset="0"/>
+              <a:buChar char="•"/>
+            </a:pPr>
+            <a:r>
+              <a:rPr lang="nl-BE" noProof="0" dirty="0"/>
+              <a:t>Zonee, eerlijk publiek.</a:t>
+            </a:r>
+          </a:p>
+          <a:p>
+            <a:r>
+              <a:rPr lang="nl-BE" noProof="0" dirty="0"/>
+              <a:t>Bij mijn weten bestaat deze niet, maar dat wil niet zeggen dat we daar niet kunnen voor zorgen. Als een provider niet bestaat en je hebt een use case hiervoor dan houd niets je tegen om deze zelf te maken. Ik zou wel de voorkeur geven aan packages van Microsoft of anderen die de heavy lifting al eens gedaan hebben voor je.</a:t>
+            </a:r>
           </a:p>
         </p:txBody>
       </p:sp>
@@ -14260,10 +14705,10 @@
       </p:grpSpPr>
       <p:pic>
         <p:nvPicPr>
-          <p:cNvPr id="7" name="Picture Placeholder 6" descr="A person standing in front of a group of people">
+          <p:cNvPr id="7" name="Picture Placeholder 6" descr="A logo with black text&#10;&#10;AI-generated content may be incorrect.">
             <a:extLst>
               <a:ext uri="{FF2B5EF4-FFF2-40B4-BE49-F238E27FC236}">
-                <a16:creationId xmlns:a16="http://schemas.microsoft.com/office/drawing/2014/main" id="{92B06A54-C12A-7A8F-1ABD-EDEA3B1B0271}"/>
+                <a16:creationId xmlns:a16="http://schemas.microsoft.com/office/drawing/2014/main" id="{40AB50F9-F681-E630-B710-CB9B427DC42F}"/>
               </a:ext>
             </a:extLst>
           </p:cNvPr>
@@ -14282,19 +14727,23 @@
               </a:ext>
             </a:extLst>
           </a:blip>
-          <a:srcRect t="7799" b="7799"/>
           <a:stretch>
             <a:fillRect/>
           </a:stretch>
         </p:blipFill>
-        <p:spPr/>
+        <p:spPr>
+          <a:xfrm>
+            <a:off x="360000" y="3600000"/>
+            <a:ext cx="2628900" cy="1143000"/>
+          </a:xfrm>
+        </p:spPr>
       </p:pic>
       <p:sp>
         <p:nvSpPr>
           <p:cNvPr id="3" name="Title 2">
             <a:extLst>
               <a:ext uri="{FF2B5EF4-FFF2-40B4-BE49-F238E27FC236}">
-                <a16:creationId xmlns:a16="http://schemas.microsoft.com/office/drawing/2014/main" id="{808A5082-0613-9E70-4D5C-BA7773350FBA}"/>
+                <a16:creationId xmlns:a16="http://schemas.microsoft.com/office/drawing/2014/main" id="{CDD1C466-30F1-6703-A4C9-F4F49201070D}"/>
               </a:ext>
             </a:extLst>
           </p:cNvPr>
@@ -14312,7 +14761,7 @@
           <a:p>
             <a:r>
               <a:rPr lang="nl-BE" dirty="0"/>
-              <a:t>Say goodbye to IConfiguration and embrace the power of the IOptions pattern</a:t>
+              <a:t>Zeg vaarwel tegen IConfiguration en omarm de kracht van het IOptions-patroon</a:t>
             </a:r>
           </a:p>
         </p:txBody>
@@ -14322,7 +14771,7 @@
           <p:cNvPr id="4" name="Subtitle 3">
             <a:extLst>
               <a:ext uri="{FF2B5EF4-FFF2-40B4-BE49-F238E27FC236}">
-                <a16:creationId xmlns:a16="http://schemas.microsoft.com/office/drawing/2014/main" id="{60020598-D33B-6193-CA7D-8E401B532F9D}"/>
+                <a16:creationId xmlns:a16="http://schemas.microsoft.com/office/drawing/2014/main" id="{ED2C5201-160E-5579-1223-BE8530DC2C3E}"/>
               </a:ext>
             </a:extLst>
           </p:cNvPr>
@@ -14343,6 +14792,9 @@
               <a:t>Pieter Samyn</a:t>
             </a:r>
           </a:p>
+          <a:p>
+            <a:endParaRPr lang="nl-BE" dirty="0"/>
+          </a:p>
         </p:txBody>
       </p:sp>
       <p:sp>
@@ -14350,7 +14802,7 @@
           <p:cNvPr id="5" name="Picture Placeholder 4">
             <a:extLst>
               <a:ext uri="{FF2B5EF4-FFF2-40B4-BE49-F238E27FC236}">
-                <a16:creationId xmlns:a16="http://schemas.microsoft.com/office/drawing/2014/main" id="{4041F546-9384-7F21-526E-31DA04F382C5}"/>
+                <a16:creationId xmlns:a16="http://schemas.microsoft.com/office/drawing/2014/main" id="{11D4283E-1EB0-E849-281F-D4EA537472F1}"/>
               </a:ext>
             </a:extLst>
           </p:cNvPr>
@@ -14373,7 +14825,7 @@
     </p:spTree>
     <p:extLst>
       <p:ext uri="{BB962C8B-B14F-4D97-AF65-F5344CB8AC3E}">
-        <p14:creationId xmlns:p14="http://schemas.microsoft.com/office/powerpoint/2010/main" val="700333554"/>
+        <p14:creationId xmlns:p14="http://schemas.microsoft.com/office/powerpoint/2010/main" val="1623102086"/>
       </p:ext>
     </p:extLst>
   </p:cSld>
@@ -14775,17 +15227,15 @@
           </a:p>
           <a:p>
             <a:r>
-              <a:rPr lang="nl-BE" dirty="0" err="1"/>
-              <a:t>Validation</a:t>
-            </a:r>
-            <a:endParaRPr lang="nl-BE" dirty="0"/>
-          </a:p>
-          <a:p>
-            <a:r>
-              <a:rPr lang="nl-BE" dirty="0" err="1"/>
-              <a:t>Configure</a:t>
-            </a:r>
-            <a:endParaRPr lang="nl-BE" dirty="0"/>
+              <a:rPr lang="nl-BE" dirty="0"/>
+              <a:t>Validatie</a:t>
+            </a:r>
+          </a:p>
+          <a:p>
+            <a:r>
+              <a:rPr lang="nl-BE" dirty="0"/>
+              <a:t>Configuratie</a:t>
+            </a:r>
           </a:p>
           <a:p>
             <a:endParaRPr lang="en-US" dirty="0"/>
@@ -14982,12 +15432,12 @@
               <a:buChar char="•"/>
             </a:pPr>
             <a:r>
-              <a:rPr lang="nl-BE" sz="2000" kern="0" dirty="0" err="1">
+              <a:rPr lang="nl-BE" sz="2000" kern="0" dirty="0">
                 <a:solidFill>
                   <a:srgbClr val="000000"/>
                 </a:solidFill>
               </a:rPr>
-              <a:t>Validation</a:t>
+              <a:t>Validatie</a:t>
             </a:r>
             <a:br>
               <a:rPr lang="nl-BE" sz="2000" kern="0" dirty="0">
@@ -15098,6 +15548,235 @@
   <p:clrMapOvr>
     <a:masterClrMapping/>
   </p:clrMapOvr>
+  <p:timing>
+    <p:tnLst>
+      <p:par>
+        <p:cTn id="1" dur="indefinite" restart="never" nodeType="tmRoot">
+          <p:childTnLst>
+            <p:seq concurrent="1" nextAc="seek">
+              <p:cTn id="2" dur="indefinite" nodeType="mainSeq">
+                <p:childTnLst>
+                  <p:par>
+                    <p:cTn id="3" fill="hold">
+                      <p:stCondLst>
+                        <p:cond delay="indefinite"/>
+                      </p:stCondLst>
+                      <p:childTnLst>
+                        <p:par>
+                          <p:cTn id="4" fill="hold">
+                            <p:stCondLst>
+                              <p:cond delay="0"/>
+                            </p:stCondLst>
+                            <p:childTnLst>
+                              <p:par>
+                                <p:cTn id="5" presetID="1" presetClass="entr" presetSubtype="0" fill="hold" grpId="0" nodeType="clickEffect">
+                                  <p:stCondLst>
+                                    <p:cond delay="0"/>
+                                  </p:stCondLst>
+                                  <p:childTnLst>
+                                    <p:set>
+                                      <p:cBhvr>
+                                        <p:cTn id="6" dur="1" fill="hold">
+                                          <p:stCondLst>
+                                            <p:cond delay="0"/>
+                                          </p:stCondLst>
+                                        </p:cTn>
+                                        <p:tgtEl>
+                                          <p:spTgt spid="3">
+                                            <p:txEl>
+                                              <p:pRg st="0" end="0"/>
+                                            </p:txEl>
+                                          </p:spTgt>
+                                        </p:tgtEl>
+                                        <p:attrNameLst>
+                                          <p:attrName>style.visibility</p:attrName>
+                                        </p:attrNameLst>
+                                      </p:cBhvr>
+                                      <p:to>
+                                        <p:strVal val="visible"/>
+                                      </p:to>
+                                    </p:set>
+                                  </p:childTnLst>
+                                </p:cTn>
+                              </p:par>
+                            </p:childTnLst>
+                          </p:cTn>
+                        </p:par>
+                      </p:childTnLst>
+                    </p:cTn>
+                  </p:par>
+                  <p:par>
+                    <p:cTn id="7" fill="hold">
+                      <p:stCondLst>
+                        <p:cond delay="indefinite"/>
+                      </p:stCondLst>
+                      <p:childTnLst>
+                        <p:par>
+                          <p:cTn id="8" fill="hold">
+                            <p:stCondLst>
+                              <p:cond delay="0"/>
+                            </p:stCondLst>
+                            <p:childTnLst>
+                              <p:par>
+                                <p:cTn id="9" presetID="1" presetClass="entr" presetSubtype="0" fill="hold" grpId="0" nodeType="clickEffect">
+                                  <p:stCondLst>
+                                    <p:cond delay="0"/>
+                                  </p:stCondLst>
+                                  <p:childTnLst>
+                                    <p:set>
+                                      <p:cBhvr>
+                                        <p:cTn id="10" dur="1" fill="hold">
+                                          <p:stCondLst>
+                                            <p:cond delay="0"/>
+                                          </p:stCondLst>
+                                        </p:cTn>
+                                        <p:tgtEl>
+                                          <p:spTgt spid="3">
+                                            <p:txEl>
+                                              <p:pRg st="1" end="1"/>
+                                            </p:txEl>
+                                          </p:spTgt>
+                                        </p:tgtEl>
+                                        <p:attrNameLst>
+                                          <p:attrName>style.visibility</p:attrName>
+                                        </p:attrNameLst>
+                                      </p:cBhvr>
+                                      <p:to>
+                                        <p:strVal val="visible"/>
+                                      </p:to>
+                                    </p:set>
+                                  </p:childTnLst>
+                                </p:cTn>
+                              </p:par>
+                            </p:childTnLst>
+                          </p:cTn>
+                        </p:par>
+                      </p:childTnLst>
+                    </p:cTn>
+                  </p:par>
+                  <p:par>
+                    <p:cTn id="11" fill="hold">
+                      <p:stCondLst>
+                        <p:cond delay="indefinite"/>
+                      </p:stCondLst>
+                      <p:childTnLst>
+                        <p:par>
+                          <p:cTn id="12" fill="hold">
+                            <p:stCondLst>
+                              <p:cond delay="0"/>
+                            </p:stCondLst>
+                            <p:childTnLst>
+                              <p:par>
+                                <p:cTn id="13" presetID="1" presetClass="entr" presetSubtype="0" fill="hold" grpId="0" nodeType="clickEffect">
+                                  <p:stCondLst>
+                                    <p:cond delay="0"/>
+                                  </p:stCondLst>
+                                  <p:childTnLst>
+                                    <p:set>
+                                      <p:cBhvr>
+                                        <p:cTn id="14" dur="1" fill="hold">
+                                          <p:stCondLst>
+                                            <p:cond delay="0"/>
+                                          </p:stCondLst>
+                                        </p:cTn>
+                                        <p:tgtEl>
+                                          <p:spTgt spid="3">
+                                            <p:txEl>
+                                              <p:pRg st="2" end="2"/>
+                                            </p:txEl>
+                                          </p:spTgt>
+                                        </p:tgtEl>
+                                        <p:attrNameLst>
+                                          <p:attrName>style.visibility</p:attrName>
+                                        </p:attrNameLst>
+                                      </p:cBhvr>
+                                      <p:to>
+                                        <p:strVal val="visible"/>
+                                      </p:to>
+                                    </p:set>
+                                  </p:childTnLst>
+                                </p:cTn>
+                              </p:par>
+                            </p:childTnLst>
+                          </p:cTn>
+                        </p:par>
+                      </p:childTnLst>
+                    </p:cTn>
+                  </p:par>
+                  <p:par>
+                    <p:cTn id="15" fill="hold">
+                      <p:stCondLst>
+                        <p:cond delay="indefinite"/>
+                      </p:stCondLst>
+                      <p:childTnLst>
+                        <p:par>
+                          <p:cTn id="16" fill="hold">
+                            <p:stCondLst>
+                              <p:cond delay="0"/>
+                            </p:stCondLst>
+                            <p:childTnLst>
+                              <p:par>
+                                <p:cTn id="17" presetID="1" presetClass="entr" presetSubtype="0" fill="hold" grpId="0" nodeType="clickEffect">
+                                  <p:stCondLst>
+                                    <p:cond delay="0"/>
+                                  </p:stCondLst>
+                                  <p:childTnLst>
+                                    <p:set>
+                                      <p:cBhvr>
+                                        <p:cTn id="18" dur="1" fill="hold">
+                                          <p:stCondLst>
+                                            <p:cond delay="0"/>
+                                          </p:stCondLst>
+                                        </p:cTn>
+                                        <p:tgtEl>
+                                          <p:spTgt spid="3">
+                                            <p:txEl>
+                                              <p:pRg st="3" end="3"/>
+                                            </p:txEl>
+                                          </p:spTgt>
+                                        </p:tgtEl>
+                                        <p:attrNameLst>
+                                          <p:attrName>style.visibility</p:attrName>
+                                        </p:attrNameLst>
+                                      </p:cBhvr>
+                                      <p:to>
+                                        <p:strVal val="visible"/>
+                                      </p:to>
+                                    </p:set>
+                                  </p:childTnLst>
+                                </p:cTn>
+                              </p:par>
+                            </p:childTnLst>
+                          </p:cTn>
+                        </p:par>
+                      </p:childTnLst>
+                    </p:cTn>
+                  </p:par>
+                </p:childTnLst>
+              </p:cTn>
+              <p:prevCondLst>
+                <p:cond evt="onPrev" delay="0">
+                  <p:tgtEl>
+                    <p:sldTgt/>
+                  </p:tgtEl>
+                </p:cond>
+              </p:prevCondLst>
+              <p:nextCondLst>
+                <p:cond evt="onNext" delay="0">
+                  <p:tgtEl>
+                    <p:sldTgt/>
+                  </p:tgtEl>
+                </p:cond>
+              </p:nextCondLst>
+            </p:seq>
+          </p:childTnLst>
+        </p:cTn>
+      </p:par>
+    </p:tnLst>
+    <p:bldLst>
+      <p:bldP spid="3" grpId="0" uiExpand="1" build="p"/>
+    </p:bldLst>
+  </p:timing>
 </p:sld>
 </file>
 
@@ -16227,6 +16906,333 @@
   <p:clrMapOvr>
     <a:masterClrMapping/>
   </p:clrMapOvr>
+  <p:timing>
+    <p:tnLst>
+      <p:par>
+        <p:cTn id="1" dur="indefinite" restart="never" nodeType="tmRoot">
+          <p:childTnLst>
+            <p:seq concurrent="1" nextAc="seek">
+              <p:cTn id="2" dur="indefinite" nodeType="mainSeq">
+                <p:childTnLst>
+                  <p:par>
+                    <p:cTn id="3" fill="hold">
+                      <p:stCondLst>
+                        <p:cond delay="indefinite"/>
+                      </p:stCondLst>
+                      <p:childTnLst>
+                        <p:par>
+                          <p:cTn id="4" fill="hold">
+                            <p:stCondLst>
+                              <p:cond delay="0"/>
+                            </p:stCondLst>
+                            <p:childTnLst>
+                              <p:par>
+                                <p:cTn id="5" presetID="1" presetClass="entr" presetSubtype="0" fill="hold" grpId="0" nodeType="clickEffect">
+                                  <p:stCondLst>
+                                    <p:cond delay="0"/>
+                                  </p:stCondLst>
+                                  <p:childTnLst>
+                                    <p:set>
+                                      <p:cBhvr>
+                                        <p:cTn id="6" dur="1" fill="hold">
+                                          <p:stCondLst>
+                                            <p:cond delay="0"/>
+                                          </p:stCondLst>
+                                        </p:cTn>
+                                        <p:tgtEl>
+                                          <p:spTgt spid="3">
+                                            <p:txEl>
+                                              <p:pRg st="0" end="0"/>
+                                            </p:txEl>
+                                          </p:spTgt>
+                                        </p:tgtEl>
+                                        <p:attrNameLst>
+                                          <p:attrName>style.visibility</p:attrName>
+                                        </p:attrNameLst>
+                                      </p:cBhvr>
+                                      <p:to>
+                                        <p:strVal val="visible"/>
+                                      </p:to>
+                                    </p:set>
+                                  </p:childTnLst>
+                                </p:cTn>
+                              </p:par>
+                            </p:childTnLst>
+                          </p:cTn>
+                        </p:par>
+                      </p:childTnLst>
+                    </p:cTn>
+                  </p:par>
+                  <p:par>
+                    <p:cTn id="7" fill="hold">
+                      <p:stCondLst>
+                        <p:cond delay="indefinite"/>
+                      </p:stCondLst>
+                      <p:childTnLst>
+                        <p:par>
+                          <p:cTn id="8" fill="hold">
+                            <p:stCondLst>
+                              <p:cond delay="0"/>
+                            </p:stCondLst>
+                            <p:childTnLst>
+                              <p:par>
+                                <p:cTn id="9" presetID="1" presetClass="entr" presetSubtype="0" fill="hold" grpId="0" nodeType="clickEffect">
+                                  <p:stCondLst>
+                                    <p:cond delay="0"/>
+                                  </p:stCondLst>
+                                  <p:childTnLst>
+                                    <p:set>
+                                      <p:cBhvr>
+                                        <p:cTn id="10" dur="1" fill="hold">
+                                          <p:stCondLst>
+                                            <p:cond delay="0"/>
+                                          </p:stCondLst>
+                                        </p:cTn>
+                                        <p:tgtEl>
+                                          <p:spTgt spid="3">
+                                            <p:txEl>
+                                              <p:pRg st="1" end="1"/>
+                                            </p:txEl>
+                                          </p:spTgt>
+                                        </p:tgtEl>
+                                        <p:attrNameLst>
+                                          <p:attrName>style.visibility</p:attrName>
+                                        </p:attrNameLst>
+                                      </p:cBhvr>
+                                      <p:to>
+                                        <p:strVal val="visible"/>
+                                      </p:to>
+                                    </p:set>
+                                  </p:childTnLst>
+                                </p:cTn>
+                              </p:par>
+                            </p:childTnLst>
+                          </p:cTn>
+                        </p:par>
+                      </p:childTnLst>
+                    </p:cTn>
+                  </p:par>
+                  <p:par>
+                    <p:cTn id="11" fill="hold">
+                      <p:stCondLst>
+                        <p:cond delay="indefinite"/>
+                      </p:stCondLst>
+                      <p:childTnLst>
+                        <p:par>
+                          <p:cTn id="12" fill="hold">
+                            <p:stCondLst>
+                              <p:cond delay="0"/>
+                            </p:stCondLst>
+                            <p:childTnLst>
+                              <p:par>
+                                <p:cTn id="13" presetID="1" presetClass="entr" presetSubtype="0" fill="hold" grpId="0" nodeType="clickEffect">
+                                  <p:stCondLst>
+                                    <p:cond delay="0"/>
+                                  </p:stCondLst>
+                                  <p:childTnLst>
+                                    <p:set>
+                                      <p:cBhvr>
+                                        <p:cTn id="14" dur="1" fill="hold">
+                                          <p:stCondLst>
+                                            <p:cond delay="0"/>
+                                          </p:stCondLst>
+                                        </p:cTn>
+                                        <p:tgtEl>
+                                          <p:spTgt spid="3">
+                                            <p:txEl>
+                                              <p:pRg st="2" end="2"/>
+                                            </p:txEl>
+                                          </p:spTgt>
+                                        </p:tgtEl>
+                                        <p:attrNameLst>
+                                          <p:attrName>style.visibility</p:attrName>
+                                        </p:attrNameLst>
+                                      </p:cBhvr>
+                                      <p:to>
+                                        <p:strVal val="visible"/>
+                                      </p:to>
+                                    </p:set>
+                                  </p:childTnLst>
+                                </p:cTn>
+                              </p:par>
+                            </p:childTnLst>
+                          </p:cTn>
+                        </p:par>
+                      </p:childTnLst>
+                    </p:cTn>
+                  </p:par>
+                  <p:par>
+                    <p:cTn id="15" fill="hold">
+                      <p:stCondLst>
+                        <p:cond delay="indefinite"/>
+                      </p:stCondLst>
+                      <p:childTnLst>
+                        <p:par>
+                          <p:cTn id="16" fill="hold">
+                            <p:stCondLst>
+                              <p:cond delay="0"/>
+                            </p:stCondLst>
+                            <p:childTnLst>
+                              <p:par>
+                                <p:cTn id="17" presetID="1" presetClass="entr" presetSubtype="0" fill="hold" grpId="0" nodeType="clickEffect">
+                                  <p:stCondLst>
+                                    <p:cond delay="0"/>
+                                  </p:stCondLst>
+                                  <p:childTnLst>
+                                    <p:set>
+                                      <p:cBhvr>
+                                        <p:cTn id="18" dur="1" fill="hold">
+                                          <p:stCondLst>
+                                            <p:cond delay="0"/>
+                                          </p:stCondLst>
+                                        </p:cTn>
+                                        <p:tgtEl>
+                                          <p:spTgt spid="3">
+                                            <p:txEl>
+                                              <p:pRg st="3" end="3"/>
+                                            </p:txEl>
+                                          </p:spTgt>
+                                        </p:tgtEl>
+                                        <p:attrNameLst>
+                                          <p:attrName>style.visibility</p:attrName>
+                                        </p:attrNameLst>
+                                      </p:cBhvr>
+                                      <p:to>
+                                        <p:strVal val="visible"/>
+                                      </p:to>
+                                    </p:set>
+                                  </p:childTnLst>
+                                </p:cTn>
+                              </p:par>
+                            </p:childTnLst>
+                          </p:cTn>
+                        </p:par>
+                      </p:childTnLst>
+                    </p:cTn>
+                  </p:par>
+                  <p:par>
+                    <p:cTn id="19" fill="hold">
+                      <p:stCondLst>
+                        <p:cond delay="indefinite"/>
+                      </p:stCondLst>
+                      <p:childTnLst>
+                        <p:par>
+                          <p:cTn id="20" fill="hold">
+                            <p:stCondLst>
+                              <p:cond delay="0"/>
+                            </p:stCondLst>
+                            <p:childTnLst>
+                              <p:par>
+                                <p:cTn id="21" presetID="1" presetClass="entr" presetSubtype="0" fill="hold" grpId="0" nodeType="clickEffect">
+                                  <p:stCondLst>
+                                    <p:cond delay="0"/>
+                                  </p:stCondLst>
+                                  <p:childTnLst>
+                                    <p:set>
+                                      <p:cBhvr>
+                                        <p:cTn id="22" dur="1" fill="hold">
+                                          <p:stCondLst>
+                                            <p:cond delay="0"/>
+                                          </p:stCondLst>
+                                        </p:cTn>
+                                        <p:tgtEl>
+                                          <p:spTgt spid="3">
+                                            <p:txEl>
+                                              <p:pRg st="4" end="4"/>
+                                            </p:txEl>
+                                          </p:spTgt>
+                                        </p:tgtEl>
+                                        <p:attrNameLst>
+                                          <p:attrName>style.visibility</p:attrName>
+                                        </p:attrNameLst>
+                                      </p:cBhvr>
+                                      <p:to>
+                                        <p:strVal val="visible"/>
+                                      </p:to>
+                                    </p:set>
+                                  </p:childTnLst>
+                                </p:cTn>
+                              </p:par>
+                            </p:childTnLst>
+                          </p:cTn>
+                        </p:par>
+                      </p:childTnLst>
+                    </p:cTn>
+                  </p:par>
+                  <p:par>
+                    <p:cTn id="23" fill="hold">
+                      <p:stCondLst>
+                        <p:cond delay="indefinite"/>
+                      </p:stCondLst>
+                      <p:childTnLst>
+                        <p:par>
+                          <p:cTn id="24" fill="hold">
+                            <p:stCondLst>
+                              <p:cond delay="0"/>
+                            </p:stCondLst>
+                            <p:childTnLst>
+                              <p:par>
+                                <p:cTn id="25" presetID="1" presetClass="entr" presetSubtype="0" fill="hold" grpId="0" nodeType="clickEffect">
+                                  <p:stCondLst>
+                                    <p:cond delay="0"/>
+                                  </p:stCondLst>
+                                  <p:childTnLst>
+                                    <p:set>
+                                      <p:cBhvr>
+                                        <p:cTn id="26" dur="1" fill="hold">
+                                          <p:stCondLst>
+                                            <p:cond delay="0"/>
+                                          </p:stCondLst>
+                                        </p:cTn>
+                                        <p:tgtEl>
+                                          <p:spTgt spid="3">
+                                            <p:txEl>
+                                              <p:pRg st="5" end="5"/>
+                                            </p:txEl>
+                                          </p:spTgt>
+                                        </p:tgtEl>
+                                        <p:attrNameLst>
+                                          <p:attrName>style.visibility</p:attrName>
+                                        </p:attrNameLst>
+                                      </p:cBhvr>
+                                      <p:to>
+                                        <p:strVal val="visible"/>
+                                      </p:to>
+                                    </p:set>
+                                  </p:childTnLst>
+                                </p:cTn>
+                              </p:par>
+                            </p:childTnLst>
+                          </p:cTn>
+                        </p:par>
+                      </p:childTnLst>
+                    </p:cTn>
+                  </p:par>
+                </p:childTnLst>
+              </p:cTn>
+              <p:prevCondLst>
+                <p:cond evt="onPrev" delay="0">
+                  <p:tgtEl>
+                    <p:sldTgt/>
+                  </p:tgtEl>
+                </p:cond>
+              </p:prevCondLst>
+              <p:nextCondLst>
+                <p:cond evt="onNext" delay="0">
+                  <p:tgtEl>
+                    <p:sldTgt/>
+                  </p:tgtEl>
+                </p:cond>
+              </p:nextCondLst>
+            </p:seq>
+          </p:childTnLst>
+        </p:cTn>
+      </p:par>
+    </p:tnLst>
+    <p:bldLst>
+      <p:bldP spid="3" grpId="0" build="p"/>
+    </p:bldLst>
+  </p:timing>
 </p:sld>
 </file>
 
@@ -16539,6 +17545,81 @@
   <p:clrMapOvr>
     <a:masterClrMapping/>
   </p:clrMapOvr>
+  <p:timing>
+    <p:tnLst>
+      <p:par>
+        <p:cTn id="1" dur="indefinite" restart="never" nodeType="tmRoot">
+          <p:childTnLst>
+            <p:seq concurrent="1" nextAc="seek">
+              <p:cTn id="2" dur="indefinite" nodeType="mainSeq">
+                <p:childTnLst>
+                  <p:par>
+                    <p:cTn id="3" fill="hold">
+                      <p:stCondLst>
+                        <p:cond delay="indefinite"/>
+                      </p:stCondLst>
+                      <p:childTnLst>
+                        <p:par>
+                          <p:cTn id="4" fill="hold">
+                            <p:stCondLst>
+                              <p:cond delay="0"/>
+                            </p:stCondLst>
+                            <p:childTnLst>
+                              <p:par>
+                                <p:cTn id="5" presetID="1" presetClass="entr" presetSubtype="0" fill="hold" nodeType="clickEffect">
+                                  <p:stCondLst>
+                                    <p:cond delay="0"/>
+                                  </p:stCondLst>
+                                  <p:childTnLst>
+                                    <p:set>
+                                      <p:cBhvr>
+                                        <p:cTn id="6" dur="1" fill="hold">
+                                          <p:stCondLst>
+                                            <p:cond delay="0"/>
+                                          </p:stCondLst>
+                                        </p:cTn>
+                                        <p:tgtEl>
+                                          <p:spTgt spid="9"/>
+                                        </p:tgtEl>
+                                        <p:attrNameLst>
+                                          <p:attrName>style.visibility</p:attrName>
+                                        </p:attrNameLst>
+                                      </p:cBhvr>
+                                      <p:to>
+                                        <p:strVal val="visible"/>
+                                      </p:to>
+                                    </p:set>
+                                  </p:childTnLst>
+                                </p:cTn>
+                              </p:par>
+                            </p:childTnLst>
+                          </p:cTn>
+                        </p:par>
+                      </p:childTnLst>
+                    </p:cTn>
+                  </p:par>
+                </p:childTnLst>
+              </p:cTn>
+              <p:prevCondLst>
+                <p:cond evt="onPrev" delay="0">
+                  <p:tgtEl>
+                    <p:sldTgt/>
+                  </p:tgtEl>
+                </p:cond>
+              </p:prevCondLst>
+              <p:nextCondLst>
+                <p:cond evt="onNext" delay="0">
+                  <p:tgtEl>
+                    <p:sldTgt/>
+                  </p:tgtEl>
+                </p:cond>
+              </p:nextCondLst>
+            </p:seq>
+          </p:childTnLst>
+        </p:cTn>
+      </p:par>
+    </p:tnLst>
+  </p:timing>
 </p:sld>
 </file>
 
@@ -16717,10 +17798,10 @@
       </p:grpSpPr>
       <p:sp>
         <p:nvSpPr>
-          <p:cNvPr id="2" name="Title 1">
+          <p:cNvPr id="2" name="Footer Placeholder 1">
             <a:extLst>
               <a:ext uri="{FF2B5EF4-FFF2-40B4-BE49-F238E27FC236}">
-                <a16:creationId xmlns:a16="http://schemas.microsoft.com/office/drawing/2014/main" id="{824212B0-41B2-CD9B-38AF-927D833A07F0}"/>
+                <a16:creationId xmlns:a16="http://schemas.microsoft.com/office/drawing/2014/main" id="{3356B61C-75D7-232C-172B-8E602419F230}"/>
               </a:ext>
             </a:extLst>
           </p:cNvPr>
@@ -16728,34 +17809,24 @@
             <a:spLocks noGrp="1"/>
           </p:cNvSpPr>
           <p:nvPr>
-            <p:ph type="title"/>
-          </p:nvPr>
-        </p:nvSpPr>
-        <p:spPr>
-          <a:xfrm>
-            <a:off x="360364" y="143954"/>
-            <a:ext cx="8424001" cy="792000"/>
-          </a:xfrm>
-        </p:spPr>
-        <p:txBody>
-          <a:bodyPr anchor="t">
-            <a:normAutofit/>
-          </a:bodyPr>
+            <p:ph type="ftr" sz="quarter" idx="11"/>
+          </p:nvPr>
+        </p:nvSpPr>
+        <p:spPr/>
+        <p:txBody>
+          <a:bodyPr/>
           <a:lstStyle/>
           <a:p>
-            <a:r>
-              <a:rPr lang="nl-BE" dirty="0"/>
-              <a:t>About me</a:t>
-            </a:r>
-          </a:p>
-        </p:txBody>
-      </p:sp>
-      <p:sp>
-        <p:nvSpPr>
-          <p:cNvPr id="3" name="Content Placeholder 2">
+            <a:endParaRPr lang="de-DE"/>
+          </a:p>
+        </p:txBody>
+      </p:sp>
+      <p:sp>
+        <p:nvSpPr>
+          <p:cNvPr id="3" name="Slide Number Placeholder 2">
             <a:extLst>
               <a:ext uri="{FF2B5EF4-FFF2-40B4-BE49-F238E27FC236}">
-                <a16:creationId xmlns:a16="http://schemas.microsoft.com/office/drawing/2014/main" id="{03D1441D-CCA8-8E7B-7C6D-25F2BCDB8221}"/>
+                <a16:creationId xmlns:a16="http://schemas.microsoft.com/office/drawing/2014/main" id="{DB67E01A-A036-B44B-21D5-A670E870D6B3}"/>
               </a:ext>
             </a:extLst>
           </p:cNvPr>
@@ -16763,239 +17834,92 @@
             <a:spLocks noGrp="1"/>
           </p:cNvSpPr>
           <p:nvPr>
-            <p:ph idx="1"/>
-          </p:nvPr>
-        </p:nvSpPr>
-        <p:spPr>
-          <a:xfrm>
-            <a:off x="360005" y="972000"/>
-            <a:ext cx="4122737" cy="3780000"/>
-          </a:xfrm>
-        </p:spPr>
-        <p:txBody>
-          <a:bodyPr>
-            <a:normAutofit/>
-          </a:bodyPr>
+            <p:ph type="sldNum" sz="quarter" idx="12"/>
+          </p:nvPr>
+        </p:nvSpPr>
+        <p:spPr/>
+        <p:txBody>
+          <a:bodyPr/>
           <a:lstStyle/>
           <a:p>
-            <a:pPr marL="171450" indent="-171450">
-              <a:buFont typeface="Arial" panose="020B0604020202020204" pitchFamily="34" charset="0"/>
-              <a:buChar char="•"/>
-            </a:pPr>
-            <a:r>
-              <a:rPr lang="nl-BE" b="1"/>
-              <a:t>Name: </a:t>
-            </a:r>
-            <a:r>
-              <a:rPr lang="nl-BE"/>
-              <a:t>Pieter Samyn</a:t>
-            </a:r>
-          </a:p>
-          <a:p>
-            <a:pPr marL="171450" indent="-171450">
-              <a:buFont typeface="Arial" panose="020B0604020202020204" pitchFamily="34" charset="0"/>
-              <a:buChar char="•"/>
-            </a:pPr>
-            <a:r>
-              <a:rPr lang="nl-BE" b="1"/>
-              <a:t>Title:</a:t>
-            </a:r>
-            <a:r>
-              <a:rPr lang="nl-BE"/>
-              <a:t> Technology lead</a:t>
-            </a:r>
-          </a:p>
-          <a:p>
-            <a:pPr marL="171450" indent="-171450">
-              <a:buFont typeface="Arial" panose="020B0604020202020204" pitchFamily="34" charset="0"/>
-              <a:buChar char="•"/>
-            </a:pPr>
-            <a:r>
-              <a:rPr lang="nl-BE" b="1"/>
-              <a:t>Company:</a:t>
-            </a:r>
-            <a:r>
-              <a:rPr lang="nl-BE"/>
-              <a:t> ZF</a:t>
-            </a:r>
-          </a:p>
-          <a:p>
-            <a:pPr marL="171450" indent="-171450">
-              <a:buFont typeface="Arial" panose="020B0604020202020204" pitchFamily="34" charset="0"/>
-              <a:buChar char="•"/>
-            </a:pPr>
-            <a:r>
-              <a:rPr lang="nl-BE" b="1"/>
-              <a:t>Professional Background:</a:t>
-            </a:r>
-          </a:p>
-          <a:p>
-            <a:pPr marL="351450" lvl="1" indent="-171450">
-              <a:buFont typeface="Arial" panose="020B0604020202020204" pitchFamily="34" charset="0"/>
-              <a:buChar char="•"/>
-            </a:pPr>
-            <a:r>
-              <a:rPr lang="nl-BE"/>
-              <a:t>Backend development</a:t>
-            </a:r>
-          </a:p>
-          <a:p>
-            <a:pPr marL="351450" lvl="1" indent="-171450">
-              <a:buFont typeface="Arial" panose="020B0604020202020204" pitchFamily="34" charset="0"/>
-              <a:buChar char="•"/>
-            </a:pPr>
-            <a:r>
-              <a:rPr lang="nl-BE"/>
-              <a:t>AWS serverless ecosystem</a:t>
-            </a:r>
-          </a:p>
-          <a:p>
-            <a:pPr marL="351450" lvl="1" indent="-171450">
-              <a:buFont typeface="Arial" panose="020B0604020202020204" pitchFamily="34" charset="0"/>
-              <a:buChar char="•"/>
-            </a:pPr>
-            <a:r>
-              <a:rPr lang="nl-BE"/>
-              <a:t>Performance</a:t>
-            </a:r>
-          </a:p>
-          <a:p>
-            <a:pPr marL="351450" lvl="1" indent="-171450">
-              <a:buFont typeface="Arial" panose="020B0604020202020204" pitchFamily="34" charset="0"/>
-              <a:buChar char="•"/>
-            </a:pPr>
-            <a:r>
-              <a:rPr lang="nl-BE"/>
-              <a:t>Maintainabilty</a:t>
-            </a:r>
-          </a:p>
-          <a:p>
-            <a:endParaRPr lang="nl-BE"/>
-          </a:p>
-          <a:p>
-            <a:pPr marL="171450" indent="-171450">
-              <a:buFont typeface="Arial" panose="020B0604020202020204" pitchFamily="34" charset="0"/>
-              <a:buChar char="•"/>
-            </a:pPr>
-            <a:endParaRPr lang="nl-BE" dirty="0"/>
-          </a:p>
-        </p:txBody>
-      </p:sp>
-      <p:pic>
-        <p:nvPicPr>
-          <p:cNvPr id="10" name="Picture Placeholder 9" descr="A person holding a cup of coffee&#10;&#10;Description automatically generated">
-            <a:extLst>
-              <a:ext uri="{FF2B5EF4-FFF2-40B4-BE49-F238E27FC236}">
-                <a16:creationId xmlns:a16="http://schemas.microsoft.com/office/drawing/2014/main" id="{FE976027-D3FA-38B0-85A9-E78C95CCC50B}"/>
-              </a:ext>
-            </a:extLst>
-          </p:cNvPr>
-          <p:cNvPicPr>
-            <a:picLocks noGrp="1" noChangeAspect="1"/>
-          </p:cNvPicPr>
-          <p:nvPr>
-            <p:ph idx="13"/>
-          </p:nvPr>
-        </p:nvPicPr>
-        <p:blipFill>
-          <a:blip r:embed="rId3" cstate="print">
-            <a:extLst>
-              <a:ext uri="{28A0092B-C50C-407E-A947-70E740481C1C}">
-                <a14:useLocalDpi xmlns:a14="http://schemas.microsoft.com/office/drawing/2010/main" val="0"/>
-              </a:ext>
-            </a:extLst>
-          </a:blip>
-          <a:srcRect b="8297"/>
-          <a:stretch/>
-        </p:blipFill>
-        <p:spPr>
-          <a:xfrm>
-            <a:off x="4661096" y="972000"/>
-            <a:ext cx="4122000" cy="3780000"/>
-          </a:xfrm>
-          <a:noFill/>
-        </p:spPr>
-      </p:pic>
-      <p:sp>
-        <p:nvSpPr>
-          <p:cNvPr id="17" name="Footer Placeholder 4">
-            <a:extLst>
-              <a:ext uri="{FF2B5EF4-FFF2-40B4-BE49-F238E27FC236}">
-                <a16:creationId xmlns:a16="http://schemas.microsoft.com/office/drawing/2014/main" id="{AF7E9863-8E41-8D0E-26E2-68A70D0484D7}"/>
-              </a:ext>
-            </a:extLst>
-          </p:cNvPr>
-          <p:cNvSpPr>
-            <a:spLocks noGrp="1"/>
-          </p:cNvSpPr>
-          <p:nvPr>
-            <p:ph type="ftr" sz="quarter" idx="11"/>
-          </p:nvPr>
-        </p:nvSpPr>
-        <p:spPr>
-          <a:xfrm>
-            <a:off x="929391" y="4871601"/>
-            <a:ext cx="5220000" cy="108000"/>
-          </a:xfrm>
-        </p:spPr>
-        <p:txBody>
-          <a:bodyPr/>
-          <a:lstStyle/>
-          <a:p>
-            <a:endParaRPr lang="de-DE"/>
-          </a:p>
-        </p:txBody>
-      </p:sp>
-      <p:sp>
-        <p:nvSpPr>
-          <p:cNvPr id="5" name="Slide Number Placeholder 4">
-            <a:extLst>
-              <a:ext uri="{FF2B5EF4-FFF2-40B4-BE49-F238E27FC236}">
-                <a16:creationId xmlns:a16="http://schemas.microsoft.com/office/drawing/2014/main" id="{A2B6336F-3C8A-228C-61A1-72BDE86D8DB9}"/>
-              </a:ext>
-            </a:extLst>
-          </p:cNvPr>
-          <p:cNvSpPr>
-            <a:spLocks noGrp="1"/>
-          </p:cNvSpPr>
-          <p:nvPr>
-            <p:ph type="sldNum" sz="quarter" idx="12"/>
-          </p:nvPr>
-        </p:nvSpPr>
-        <p:spPr>
-          <a:xfrm>
-            <a:off x="8604001" y="4871601"/>
-            <a:ext cx="180000" cy="108000"/>
-          </a:xfrm>
-        </p:spPr>
-        <p:txBody>
-          <a:bodyPr anchor="ctr">
-            <a:normAutofit/>
-          </a:bodyPr>
-          <a:lstStyle/>
-          <a:p>
-            <a:pPr>
-              <a:spcAft>
-                <a:spcPts val="600"/>
-              </a:spcAft>
-            </a:pPr>
             <a:fld id="{AE839375-43AA-4A5D-B991-4343C4570BCB}" type="slidenum">
               <a:rPr lang="de-DE" smtClean="0"/>
-              <a:pPr>
-                <a:spcAft>
-                  <a:spcPts val="600"/>
-                </a:spcAft>
-              </a:pPr>
               <a:t>2</a:t>
             </a:fld>
             <a:endParaRPr lang="de-DE"/>
           </a:p>
         </p:txBody>
       </p:sp>
+      <mc:AlternateContent xmlns:mc="http://schemas.openxmlformats.org/markup-compatibility/2006">
+        <mc:Choice xmlns:we="http://schemas.microsoft.com/office/webextensions/webextension/2010/11" xmlns:pca="http://schemas.microsoft.com/office/powerpoint/2013/contentapp" Requires="we pca">
+          <p:graphicFrame>
+            <p:nvGraphicFramePr>
+              <p:cNvPr id="4" name="Add-in 3">
+                <a:extLst>
+                  <a:ext uri="{FF2B5EF4-FFF2-40B4-BE49-F238E27FC236}">
+                    <a16:creationId xmlns:a16="http://schemas.microsoft.com/office/drawing/2014/main" id="{80AA5109-35C0-7779-2E2F-3EEEF761F33C}"/>
+                  </a:ext>
+                </a:extLst>
+              </p:cNvPr>
+              <p:cNvGraphicFramePr>
+                <a:graphicFrameLocks noGrp="1"/>
+              </p:cNvGraphicFramePr>
+              <p:nvPr>
+                <p:extLst>
+                  <p:ext uri="{D42A27DB-BD31-4B8C-83A1-F6EECF244321}">
+                    <p14:modId xmlns:p14="http://schemas.microsoft.com/office/powerpoint/2010/main" val="1651925071"/>
+                  </p:ext>
+                </p:extLst>
+              </p:nvPr>
+            </p:nvGraphicFramePr>
+            <p:xfrm>
+              <a:off x="0" y="257175"/>
+              <a:ext cx="9144000" cy="4457700"/>
+            </p:xfrm>
+            <a:graphic>
+              <a:graphicData uri="http://schemas.microsoft.com/office/webextensions/webextension/2010/11">
+                <we:webextensionref xmlns:we="http://schemas.microsoft.com/office/webextensions/webextension/2010/11" xmlns:r="http://schemas.openxmlformats.org/officeDocument/2006/relationships" r:id="rId3"/>
+              </a:graphicData>
+            </a:graphic>
+          </p:graphicFrame>
+        </mc:Choice>
+        <mc:Fallback>
+          <p:pic>
+            <p:nvPicPr>
+              <p:cNvPr id="4" name="Add-in 3">
+                <a:extLst>
+                  <a:ext uri="{FF2B5EF4-FFF2-40B4-BE49-F238E27FC236}">
+                    <a16:creationId xmlns:a16="http://schemas.microsoft.com/office/drawing/2014/main" id="{80AA5109-35C0-7779-2E2F-3EEEF761F33C}"/>
+                  </a:ext>
+                </a:extLst>
+              </p:cNvPr>
+              <p:cNvPicPr>
+                <a:picLocks noGrp="1" noRot="1" noChangeAspect="1" noMove="1" noResize="1" noEditPoints="1" noAdjustHandles="1" noChangeArrowheads="1" noChangeShapeType="1"/>
+              </p:cNvPicPr>
+              <p:nvPr/>
+            </p:nvPicPr>
+            <p:blipFill>
+              <a:blip r:embed="rId4"/>
+              <a:stretch>
+                <a:fillRect/>
+              </a:stretch>
+            </p:blipFill>
+            <p:spPr>
+              <a:xfrm>
+                <a:off x="0" y="257175"/>
+                <a:ext cx="9144000" cy="4457700"/>
+              </a:xfrm>
+              <a:prstGeom prst="rect">
+                <a:avLst/>
+              </a:prstGeom>
+            </p:spPr>
+          </p:pic>
+        </mc:Fallback>
+      </mc:AlternateContent>
     </p:spTree>
     <p:extLst>
       <p:ext uri="{BB962C8B-B14F-4D97-AF65-F5344CB8AC3E}">
-        <p14:creationId xmlns:p14="http://schemas.microsoft.com/office/powerpoint/2010/main" val="1535908589"/>
+        <p14:creationId xmlns:p14="http://schemas.microsoft.com/office/powerpoint/2010/main" val="2630087515"/>
       </p:ext>
     </p:extLst>
   </p:cSld>
@@ -17027,7 +17951,7 @@
           <p:cNvPr id="2" name="Title 1">
             <a:extLst>
               <a:ext uri="{FF2B5EF4-FFF2-40B4-BE49-F238E27FC236}">
-                <a16:creationId xmlns:a16="http://schemas.microsoft.com/office/drawing/2014/main" id="{6E92DEA5-C4D3-E11D-217E-B89007FA9C86}"/>
+                <a16:creationId xmlns:a16="http://schemas.microsoft.com/office/drawing/2014/main" id="{47FB5714-DB64-E571-5C47-76CAD8E954BC}"/>
               </a:ext>
             </a:extLst>
           </p:cNvPr>
@@ -17045,109 +17969,53 @@
           <a:p>
             <a:r>
               <a:rPr lang="nl-BE" dirty="0"/>
-              <a:t>Summary</a:t>
-            </a:r>
-          </a:p>
-        </p:txBody>
-      </p:sp>
-      <p:sp>
-        <p:nvSpPr>
-          <p:cNvPr id="3" name="Content Placeholder 2">
+              <a:t>Examples</a:t>
+            </a:r>
+            <a:endParaRPr lang="en-US" dirty="0"/>
+          </a:p>
+        </p:txBody>
+      </p:sp>
+      <p:pic>
+        <p:nvPicPr>
+          <p:cNvPr id="7" name="Content Placeholder 6" descr="A hand writing on a blue board&#10;&#10;Description automatically generated">
             <a:extLst>
               <a:ext uri="{FF2B5EF4-FFF2-40B4-BE49-F238E27FC236}">
-                <a16:creationId xmlns:a16="http://schemas.microsoft.com/office/drawing/2014/main" id="{F85DC6BB-3D68-88EB-CBC1-D36D4D95CB19}"/>
+                <a16:creationId xmlns:a16="http://schemas.microsoft.com/office/drawing/2014/main" id="{91EC149C-B91E-47E6-9971-6DA0F2F47D52}"/>
               </a:ext>
             </a:extLst>
           </p:cNvPr>
-          <p:cNvSpPr>
-            <a:spLocks noGrp="1"/>
-          </p:cNvSpPr>
+          <p:cNvPicPr>
+            <a:picLocks noGrp="1" noChangeAspect="1"/>
+          </p:cNvPicPr>
           <p:nvPr>
             <p:ph idx="1"/>
           </p:nvPr>
-        </p:nvSpPr>
-        <p:spPr/>
-        <p:txBody>
-          <a:bodyPr/>
-          <a:lstStyle/>
-          <a:p>
-            <a:pPr marL="171450" indent="-171450">
-              <a:buFont typeface="Arial" panose="020B0604020202020204" pitchFamily="34" charset="0"/>
-              <a:buChar char="•"/>
-            </a:pPr>
-            <a:r>
-              <a:rPr lang="nl-BE" sz="2000" dirty="0"/>
-              <a:t>IConfiguration</a:t>
-            </a:r>
-          </a:p>
-          <a:p>
-            <a:pPr marL="351450" lvl="1" indent="-171450">
-              <a:buFont typeface="Arial" panose="020B0604020202020204" pitchFamily="34" charset="0"/>
-              <a:buChar char="•"/>
-            </a:pPr>
-            <a:r>
-              <a:rPr lang="nl-BE" sz="2000" dirty="0"/>
-              <a:t>Providers</a:t>
-            </a:r>
-          </a:p>
-          <a:p>
-            <a:pPr marL="351450" lvl="1" indent="-171450">
-              <a:buFont typeface="Arial" panose="020B0604020202020204" pitchFamily="34" charset="0"/>
-              <a:buChar char="•"/>
-            </a:pPr>
-            <a:r>
-              <a:rPr lang="nl-BE" sz="2000" dirty="0"/>
-              <a:t>Binding</a:t>
-            </a:r>
-          </a:p>
-          <a:p>
-            <a:pPr marL="171450" indent="-171450">
-              <a:buFont typeface="Arial" panose="020B0604020202020204" pitchFamily="34" charset="0"/>
-              <a:buChar char="•"/>
-            </a:pPr>
-            <a:r>
-              <a:rPr lang="nl-BE" sz="2000" dirty="0"/>
-              <a:t>IOptions</a:t>
-            </a:r>
-          </a:p>
-          <a:p>
-            <a:pPr marL="351450" lvl="1" indent="-171450">
-              <a:buFont typeface="Arial" panose="020B0604020202020204" pitchFamily="34" charset="0"/>
-              <a:buChar char="•"/>
-            </a:pPr>
-            <a:r>
-              <a:rPr lang="nl-BE" sz="2000" dirty="0"/>
-              <a:t>Types</a:t>
-            </a:r>
-          </a:p>
-          <a:p>
-            <a:pPr marL="351450" lvl="1" indent="-171450">
-              <a:buFont typeface="Arial" panose="020B0604020202020204" pitchFamily="34" charset="0"/>
-              <a:buChar char="•"/>
-            </a:pPr>
-            <a:r>
-              <a:rPr lang="nl-BE" sz="2000" dirty="0"/>
-              <a:t>Validation</a:t>
-            </a:r>
-          </a:p>
-          <a:p>
-            <a:pPr marL="351450" lvl="1" indent="-171450">
-              <a:buFont typeface="Arial" panose="020B0604020202020204" pitchFamily="34" charset="0"/>
-              <a:buChar char="•"/>
-            </a:pPr>
-            <a:r>
-              <a:rPr lang="nl-BE" sz="2000" dirty="0"/>
-              <a:t>Configuration</a:t>
-            </a:r>
-          </a:p>
-        </p:txBody>
-      </p:sp>
+        </p:nvPicPr>
+        <p:blipFill>
+          <a:blip r:embed="rId3">
+            <a:extLst>
+              <a:ext uri="{28A0092B-C50C-407E-A947-70E740481C1C}">
+                <a14:useLocalDpi xmlns:a14="http://schemas.microsoft.com/office/drawing/2010/main" val="0"/>
+              </a:ext>
+            </a:extLst>
+          </a:blip>
+          <a:stretch>
+            <a:fillRect/>
+          </a:stretch>
+        </p:blipFill>
+        <p:spPr>
+          <a:xfrm>
+            <a:off x="792162" y="971550"/>
+            <a:ext cx="7559676" cy="3779838"/>
+          </a:xfrm>
+        </p:spPr>
+      </p:pic>
       <p:sp>
         <p:nvSpPr>
           <p:cNvPr id="4" name="Footer Placeholder 3">
             <a:extLst>
               <a:ext uri="{FF2B5EF4-FFF2-40B4-BE49-F238E27FC236}">
-                <a16:creationId xmlns:a16="http://schemas.microsoft.com/office/drawing/2014/main" id="{1773DC00-731C-B5A2-AF7A-514E7239C8A0}"/>
+                <a16:creationId xmlns:a16="http://schemas.microsoft.com/office/drawing/2014/main" id="{7777AB3F-2C62-266F-8D7B-0BD18B6D3475}"/>
               </a:ext>
             </a:extLst>
           </p:cNvPr>
@@ -17172,7 +18040,7 @@
           <p:cNvPr id="5" name="Slide Number Placeholder 4">
             <a:extLst>
               <a:ext uri="{FF2B5EF4-FFF2-40B4-BE49-F238E27FC236}">
-                <a16:creationId xmlns:a16="http://schemas.microsoft.com/office/drawing/2014/main" id="{6F9BCDD9-04B6-0C99-9D5B-539F0DBD505B}"/>
+                <a16:creationId xmlns:a16="http://schemas.microsoft.com/office/drawing/2014/main" id="{301D380F-53E5-8CFA-9D71-5B1B5B7168C9}"/>
               </a:ext>
             </a:extLst>
           </p:cNvPr>
@@ -17199,7 +18067,7 @@
     </p:spTree>
     <p:extLst>
       <p:ext uri="{BB962C8B-B14F-4D97-AF65-F5344CB8AC3E}">
-        <p14:creationId xmlns:p14="http://schemas.microsoft.com/office/powerpoint/2010/main" val="2777728442"/>
+        <p14:creationId xmlns:p14="http://schemas.microsoft.com/office/powerpoint/2010/main" val="2341458334"/>
       </p:ext>
     </p:extLst>
   </p:cSld>
@@ -17228,154 +18096,6 @@
       </p:grpSpPr>
       <p:sp>
         <p:nvSpPr>
-          <p:cNvPr id="2" name="Title 1">
-            <a:extLst>
-              <a:ext uri="{FF2B5EF4-FFF2-40B4-BE49-F238E27FC236}">
-                <a16:creationId xmlns:a16="http://schemas.microsoft.com/office/drawing/2014/main" id="{47FB5714-DB64-E571-5C47-76CAD8E954BC}"/>
-              </a:ext>
-            </a:extLst>
-          </p:cNvPr>
-          <p:cNvSpPr>
-            <a:spLocks noGrp="1"/>
-          </p:cNvSpPr>
-          <p:nvPr>
-            <p:ph type="title"/>
-          </p:nvPr>
-        </p:nvSpPr>
-        <p:spPr/>
-        <p:txBody>
-          <a:bodyPr/>
-          <a:lstStyle/>
-          <a:p>
-            <a:r>
-              <a:rPr lang="nl-BE" dirty="0"/>
-              <a:t>Examples</a:t>
-            </a:r>
-            <a:endParaRPr lang="en-US" dirty="0"/>
-          </a:p>
-        </p:txBody>
-      </p:sp>
-      <p:pic>
-        <p:nvPicPr>
-          <p:cNvPr id="7" name="Content Placeholder 6" descr="A hand writing on a blue board&#10;&#10;Description automatically generated">
-            <a:extLst>
-              <a:ext uri="{FF2B5EF4-FFF2-40B4-BE49-F238E27FC236}">
-                <a16:creationId xmlns:a16="http://schemas.microsoft.com/office/drawing/2014/main" id="{91EC149C-B91E-47E6-9971-6DA0F2F47D52}"/>
-              </a:ext>
-            </a:extLst>
-          </p:cNvPr>
-          <p:cNvPicPr>
-            <a:picLocks noGrp="1" noChangeAspect="1"/>
-          </p:cNvPicPr>
-          <p:nvPr>
-            <p:ph idx="1"/>
-          </p:nvPr>
-        </p:nvPicPr>
-        <p:blipFill>
-          <a:blip r:embed="rId3">
-            <a:extLst>
-              <a:ext uri="{28A0092B-C50C-407E-A947-70E740481C1C}">
-                <a14:useLocalDpi xmlns:a14="http://schemas.microsoft.com/office/drawing/2010/main" val="0"/>
-              </a:ext>
-            </a:extLst>
-          </a:blip>
-          <a:stretch>
-            <a:fillRect/>
-          </a:stretch>
-        </p:blipFill>
-        <p:spPr>
-          <a:xfrm>
-            <a:off x="792162" y="971550"/>
-            <a:ext cx="7559676" cy="3779838"/>
-          </a:xfrm>
-        </p:spPr>
-      </p:pic>
-      <p:sp>
-        <p:nvSpPr>
-          <p:cNvPr id="4" name="Footer Placeholder 3">
-            <a:extLst>
-              <a:ext uri="{FF2B5EF4-FFF2-40B4-BE49-F238E27FC236}">
-                <a16:creationId xmlns:a16="http://schemas.microsoft.com/office/drawing/2014/main" id="{7777AB3F-2C62-266F-8D7B-0BD18B6D3475}"/>
-              </a:ext>
-            </a:extLst>
-          </p:cNvPr>
-          <p:cNvSpPr>
-            <a:spLocks noGrp="1"/>
-          </p:cNvSpPr>
-          <p:nvPr>
-            <p:ph type="ftr" sz="quarter" idx="11"/>
-          </p:nvPr>
-        </p:nvSpPr>
-        <p:spPr/>
-        <p:txBody>
-          <a:bodyPr/>
-          <a:lstStyle/>
-          <a:p>
-            <a:endParaRPr lang="de-DE" dirty="0"/>
-          </a:p>
-        </p:txBody>
-      </p:sp>
-      <p:sp>
-        <p:nvSpPr>
-          <p:cNvPr id="5" name="Slide Number Placeholder 4">
-            <a:extLst>
-              <a:ext uri="{FF2B5EF4-FFF2-40B4-BE49-F238E27FC236}">
-                <a16:creationId xmlns:a16="http://schemas.microsoft.com/office/drawing/2014/main" id="{301D380F-53E5-8CFA-9D71-5B1B5B7168C9}"/>
-              </a:ext>
-            </a:extLst>
-          </p:cNvPr>
-          <p:cNvSpPr>
-            <a:spLocks noGrp="1"/>
-          </p:cNvSpPr>
-          <p:nvPr>
-            <p:ph type="sldNum" sz="quarter" idx="12"/>
-          </p:nvPr>
-        </p:nvSpPr>
-        <p:spPr/>
-        <p:txBody>
-          <a:bodyPr/>
-          <a:lstStyle/>
-          <a:p>
-            <a:fld id="{AE839375-43AA-4A5D-B991-4343C4570BCB}" type="slidenum">
-              <a:rPr lang="de-DE" smtClean="0"/>
-              <a:t>21</a:t>
-            </a:fld>
-            <a:endParaRPr lang="de-DE"/>
-          </a:p>
-        </p:txBody>
-      </p:sp>
-    </p:spTree>
-    <p:extLst>
-      <p:ext uri="{BB962C8B-B14F-4D97-AF65-F5344CB8AC3E}">
-        <p14:creationId xmlns:p14="http://schemas.microsoft.com/office/powerpoint/2010/main" val="2341458334"/>
-      </p:ext>
-    </p:extLst>
-  </p:cSld>
-  <p:clrMapOvr>
-    <a:masterClrMapping/>
-  </p:clrMapOvr>
-</p:sld>
-</file>
-
-<file path=ppt/slides/slide22.xml><?xml version="1.0" encoding="utf-8"?>
-<p:sld xmlns:a="http://schemas.openxmlformats.org/drawingml/2006/main" xmlns:r="http://schemas.openxmlformats.org/officeDocument/2006/relationships" xmlns:p="http://schemas.openxmlformats.org/presentationml/2006/main">
-  <p:cSld>
-    <p:spTree>
-      <p:nvGrpSpPr>
-        <p:cNvPr id="1" name=""/>
-        <p:cNvGrpSpPr/>
-        <p:nvPr/>
-      </p:nvGrpSpPr>
-      <p:grpSpPr>
-        <a:xfrm>
-          <a:off x="0" y="0"/>
-          <a:ext cx="0" cy="0"/>
-          <a:chOff x="0" y="0"/>
-          <a:chExt cx="0" cy="0"/>
-        </a:xfrm>
-      </p:grpSpPr>
-      <p:sp>
-        <p:nvSpPr>
           <p:cNvPr id="6" name="Title 5">
             <a:extLst>
               <a:ext uri="{FF2B5EF4-FFF2-40B4-BE49-F238E27FC236}">
@@ -17397,7 +18117,7 @@
           <a:p>
             <a:r>
               <a:rPr lang="nl-BE" dirty="0"/>
-              <a:t>Q&amp;A</a:t>
+              <a:t>References</a:t>
             </a:r>
           </a:p>
         </p:txBody>
@@ -17426,14 +18146,13 @@
               </a:ext>
             </a:extLst>
           </a:blip>
-          <a:stretch>
-            <a:fillRect/>
-          </a:stretch>
+          <a:srcRect l="8829" t="6066" r="8852" b="6953"/>
+          <a:stretch/>
         </p:blipFill>
         <p:spPr>
           <a:xfrm>
-            <a:off x="4721902" y="861102"/>
-            <a:ext cx="4062463" cy="4062463"/>
+            <a:off x="5661891" y="1095208"/>
+            <a:ext cx="3344147" cy="3533584"/>
           </a:xfrm>
         </p:spPr>
       </p:pic>
@@ -17485,47 +18204,128 @@
           <a:p>
             <a:fld id="{AE839375-43AA-4A5D-B991-4343C4570BCB}" type="slidenum">
               <a:rPr lang="de-DE" smtClean="0"/>
-              <a:t>22</a:t>
+              <a:t>21</a:t>
             </a:fld>
             <a:endParaRPr lang="de-DE"/>
           </a:p>
         </p:txBody>
       </p:sp>
-      <p:pic>
-        <p:nvPicPr>
-          <p:cNvPr id="9" name="Content Placeholder 10" descr="A light bulb with a question mark above a group of people&#10;&#10;Description automatically generated">
+      <p:sp>
+        <p:nvSpPr>
+          <p:cNvPr id="3" name="Content Placeholder 2">
             <a:extLst>
               <a:ext uri="{FF2B5EF4-FFF2-40B4-BE49-F238E27FC236}">
-                <a16:creationId xmlns:a16="http://schemas.microsoft.com/office/drawing/2014/main" id="{708DEFCB-31D2-CB96-6723-B320F03313D5}"/>
+                <a16:creationId xmlns:a16="http://schemas.microsoft.com/office/drawing/2014/main" id="{65331C55-2B3C-A7E5-0F6A-88CC48D202D9}"/>
               </a:ext>
             </a:extLst>
           </p:cNvPr>
-          <p:cNvPicPr>
-            <a:picLocks noGrp="1" noChangeAspect="1"/>
-          </p:cNvPicPr>
+          <p:cNvSpPr>
+            <a:spLocks noGrp="1"/>
+          </p:cNvSpPr>
           <p:nvPr>
             <p:ph idx="1"/>
           </p:nvPr>
-        </p:nvPicPr>
-        <p:blipFill rotWithShape="1">
-          <a:blip r:embed="rId4">
-            <a:extLst>
-              <a:ext uri="{28A0092B-C50C-407E-A947-70E740481C1C}">
-                <a14:useLocalDpi xmlns:a14="http://schemas.microsoft.com/office/drawing/2010/main" val="0"/>
-              </a:ext>
-            </a:extLst>
-          </a:blip>
-          <a:srcRect l="20192" t="21451" r="21407" b="26143"/>
-          <a:stretch/>
-        </p:blipFill>
+        </p:nvSpPr>
         <p:spPr>
           <a:xfrm>
-            <a:off x="360364" y="1013777"/>
-            <a:ext cx="4212365" cy="3780000"/>
+            <a:off x="360005" y="972000"/>
+            <a:ext cx="5301886" cy="3780000"/>
           </a:xfrm>
-          <a:noFill/>
         </p:spPr>
-      </p:pic>
+        <p:txBody>
+          <a:bodyPr/>
+          <a:lstStyle/>
+          <a:p>
+            <a:endParaRPr lang="en-US" dirty="0"/>
+          </a:p>
+          <a:p>
+            <a:r>
+              <a:rPr lang="en-US" dirty="0"/>
+              <a:t>Presentation &amp; code</a:t>
+            </a:r>
+            <a:endParaRPr lang="en-US" dirty="0">
+              <a:hlinkClick r:id="rId4"/>
+            </a:endParaRPr>
+          </a:p>
+          <a:p>
+            <a:r>
+              <a:rPr lang="en-US" dirty="0">
+                <a:hlinkClick r:id="rId4"/>
+              </a:rPr>
+              <a:t>https://github.com/PhbsSmn/configuration-and-options</a:t>
+            </a:r>
+            <a:endParaRPr lang="en-US" dirty="0"/>
+          </a:p>
+          <a:p>
+            <a:endParaRPr lang="en-US" dirty="0"/>
+          </a:p>
+          <a:p>
+            <a:r>
+              <a:rPr lang="en-US" dirty="0"/>
+              <a:t>Microsoft configuration documentation</a:t>
+            </a:r>
+          </a:p>
+          <a:p>
+            <a:r>
+              <a:rPr lang="nl-BE" dirty="0">
+                <a:hlinkClick r:id="rId5"/>
+              </a:rPr>
+              <a:t>https://learn.microsoft.com/en-us/dotnet/core/extensions/configuration </a:t>
+            </a:r>
+            <a:endParaRPr lang="en-US" dirty="0">
+              <a:hlinkClick r:id="rId6"/>
+            </a:endParaRPr>
+          </a:p>
+          <a:p>
+            <a:endParaRPr lang="en-US" dirty="0"/>
+          </a:p>
+          <a:p>
+            <a:r>
+              <a:rPr lang="en-US" dirty="0"/>
+              <a:t>Andrew Lock Custom configuration provider</a:t>
+            </a:r>
+            <a:endParaRPr lang="en-US" dirty="0">
+              <a:hlinkClick r:id="rId6"/>
+            </a:endParaRPr>
+          </a:p>
+          <a:p>
+            <a:r>
+              <a:rPr lang="en-US" dirty="0">
+                <a:hlinkClick r:id="rId6"/>
+              </a:rPr>
+              <a:t>https://andrewlock.net/creating-a-custom-iconfigurationprovider-in-asp-net-core-to-parse-yaml </a:t>
+            </a:r>
+            <a:endParaRPr lang="en-US" dirty="0"/>
+          </a:p>
+          <a:p>
+            <a:endParaRPr lang="en-US" dirty="0"/>
+          </a:p>
+          <a:p>
+            <a:endParaRPr lang="en-US" dirty="0"/>
+          </a:p>
+          <a:p>
+            <a:endParaRPr lang="en-US" dirty="0"/>
+          </a:p>
+          <a:p>
+            <a:endParaRPr lang="en-US" dirty="0"/>
+          </a:p>
+          <a:p>
+            <a:r>
+              <a:rPr lang="en-US" dirty="0"/>
+              <a:t>Contact</a:t>
+            </a:r>
+          </a:p>
+          <a:p>
+            <a:r>
+              <a:rPr lang="nl-BE" dirty="0">
+                <a:hlinkClick r:id="rId7"/>
+              </a:rPr>
+              <a:t>https://www.linkedin.com/in/samyne </a:t>
+            </a:r>
+            <a:endParaRPr lang="en-US" dirty="0"/>
+          </a:p>
+        </p:txBody>
+      </p:sp>
     </p:spTree>
     <p:extLst>
       <p:ext uri="{BB962C8B-B14F-4D97-AF65-F5344CB8AC3E}">
@@ -17561,7 +18361,7 @@
           <p:cNvPr id="2" name="Title 1">
             <a:extLst>
               <a:ext uri="{FF2B5EF4-FFF2-40B4-BE49-F238E27FC236}">
-                <a16:creationId xmlns:a16="http://schemas.microsoft.com/office/drawing/2014/main" id="{3DEE7448-FF37-EE6E-2A80-4CD66FA3CED0}"/>
+                <a16:creationId xmlns:a16="http://schemas.microsoft.com/office/drawing/2014/main" id="{824212B0-41B2-CD9B-38AF-927D833A07F0}"/>
               </a:ext>
             </a:extLst>
           </p:cNvPr>
@@ -17574,7 +18374,7 @@
         </p:nvSpPr>
         <p:spPr>
           <a:xfrm>
-            <a:off x="360364" y="143955"/>
+            <a:off x="360364" y="143954"/>
             <a:ext cx="8424001" cy="792000"/>
           </a:xfrm>
         </p:spPr>
@@ -17584,19 +18384,16 @@
           </a:bodyPr>
           <a:lstStyle/>
           <a:p>
-            <a:r>
-              <a:rPr lang="nl-BE" dirty="0"/>
-              <a:t>Audience knowledge</a:t>
-            </a:r>
-          </a:p>
-        </p:txBody>
-      </p:sp>
-      <p:sp>
-        <p:nvSpPr>
-          <p:cNvPr id="39" name="Footer Placeholder 2">
+            <a:endParaRPr lang="nl-BE" dirty="0"/>
+          </a:p>
+        </p:txBody>
+      </p:sp>
+      <p:sp>
+        <p:nvSpPr>
+          <p:cNvPr id="3" name="Content Placeholder 2">
             <a:extLst>
               <a:ext uri="{FF2B5EF4-FFF2-40B4-BE49-F238E27FC236}">
-                <a16:creationId xmlns:a16="http://schemas.microsoft.com/office/drawing/2014/main" id="{B0D366CA-134E-5BAA-0620-12132FCEB3E6}"/>
+                <a16:creationId xmlns:a16="http://schemas.microsoft.com/office/drawing/2014/main" id="{03D1441D-CCA8-8E7B-7C6D-25F2BCDB8221}"/>
               </a:ext>
             </a:extLst>
           </p:cNvPr>
@@ -17604,7 +18401,173 @@
             <a:spLocks noGrp="1"/>
           </p:cNvSpPr>
           <p:nvPr>
-            <p:ph type="ftr" sz="quarter" idx="10"/>
+            <p:ph idx="1"/>
+          </p:nvPr>
+        </p:nvSpPr>
+        <p:spPr>
+          <a:xfrm>
+            <a:off x="360005" y="972000"/>
+            <a:ext cx="4122737" cy="3780000"/>
+          </a:xfrm>
+        </p:spPr>
+        <p:txBody>
+          <a:bodyPr>
+            <a:normAutofit/>
+          </a:bodyPr>
+          <a:lstStyle/>
+          <a:p>
+            <a:pPr marL="171450" indent="-171450">
+              <a:buFont typeface="Arial" panose="020B0604020202020204" pitchFamily="34" charset="0"/>
+              <a:buChar char="•"/>
+            </a:pPr>
+            <a:r>
+              <a:rPr lang="nl-BE" b="1" dirty="0"/>
+              <a:t>Naam: </a:t>
+            </a:r>
+            <a:r>
+              <a:rPr lang="nl-BE" dirty="0"/>
+              <a:t>Pieter Samyn</a:t>
+            </a:r>
+          </a:p>
+          <a:p>
+            <a:pPr marL="171450" indent="-171450">
+              <a:buFont typeface="Arial" panose="020B0604020202020204" pitchFamily="34" charset="0"/>
+              <a:buChar char="•"/>
+            </a:pPr>
+            <a:r>
+              <a:rPr lang="nl-BE" b="1" dirty="0"/>
+              <a:t>Functie:</a:t>
+            </a:r>
+            <a:r>
+              <a:rPr lang="nl-BE" dirty="0"/>
+              <a:t> Technology lead</a:t>
+            </a:r>
+          </a:p>
+          <a:p>
+            <a:pPr marL="171450" indent="-171450">
+              <a:buFont typeface="Arial" panose="020B0604020202020204" pitchFamily="34" charset="0"/>
+              <a:buChar char="•"/>
+            </a:pPr>
+            <a:r>
+              <a:rPr lang="nl-BE" b="1" dirty="0"/>
+              <a:t>Bedrijf:</a:t>
+            </a:r>
+            <a:r>
+              <a:rPr lang="nl-BE" dirty="0"/>
+              <a:t> ZF</a:t>
+            </a:r>
+          </a:p>
+          <a:p>
+            <a:pPr marL="171450" indent="-171450">
+              <a:buFont typeface="Arial" panose="020B0604020202020204" pitchFamily="34" charset="0"/>
+              <a:buChar char="•"/>
+            </a:pPr>
+            <a:r>
+              <a:rPr lang="nl-BE" b="1" dirty="0"/>
+              <a:t>Achtergrond:</a:t>
+            </a:r>
+          </a:p>
+          <a:p>
+            <a:pPr marL="351450" lvl="1" indent="-171450">
+              <a:buFont typeface="Arial" panose="020B0604020202020204" pitchFamily="34" charset="0"/>
+              <a:buChar char="•"/>
+            </a:pPr>
+            <a:r>
+              <a:rPr lang="nl-BE" dirty="0"/>
+              <a:t>Backend development</a:t>
+            </a:r>
+          </a:p>
+          <a:p>
+            <a:pPr marL="351450" lvl="1" indent="-171450">
+              <a:buFont typeface="Arial" panose="020B0604020202020204" pitchFamily="34" charset="0"/>
+              <a:buChar char="•"/>
+            </a:pPr>
+            <a:r>
+              <a:rPr lang="nl-BE" dirty="0"/>
+              <a:t>AWS serverless ecosystem</a:t>
+            </a:r>
+          </a:p>
+          <a:p>
+            <a:pPr marL="351450" lvl="1" indent="-171450">
+              <a:buFont typeface="Arial" panose="020B0604020202020204" pitchFamily="34" charset="0"/>
+              <a:buChar char="•"/>
+            </a:pPr>
+            <a:r>
+              <a:rPr lang="nl-BE" dirty="0"/>
+              <a:t>Performantie</a:t>
+            </a:r>
+          </a:p>
+          <a:p>
+            <a:pPr marL="351450" lvl="1" indent="-171450">
+              <a:buFont typeface="Arial" panose="020B0604020202020204" pitchFamily="34" charset="0"/>
+              <a:buChar char="•"/>
+            </a:pPr>
+            <a:r>
+              <a:rPr lang="nl-BE" dirty="0"/>
+              <a:t>Onderhoudbaarheid</a:t>
+            </a:r>
+          </a:p>
+          <a:p>
+            <a:endParaRPr lang="nl-BE" dirty="0"/>
+          </a:p>
+          <a:p>
+            <a:pPr marL="171450" indent="-171450">
+              <a:buFont typeface="Arial" panose="020B0604020202020204" pitchFamily="34" charset="0"/>
+              <a:buChar char="•"/>
+            </a:pPr>
+            <a:endParaRPr lang="nl-BE" dirty="0"/>
+          </a:p>
+        </p:txBody>
+      </p:sp>
+      <p:pic>
+        <p:nvPicPr>
+          <p:cNvPr id="10" name="Picture Placeholder 9" descr="A person holding a cup of coffee&#10;&#10;Description automatically generated">
+            <a:extLst>
+              <a:ext uri="{FF2B5EF4-FFF2-40B4-BE49-F238E27FC236}">
+                <a16:creationId xmlns:a16="http://schemas.microsoft.com/office/drawing/2014/main" id="{FE976027-D3FA-38B0-85A9-E78C95CCC50B}"/>
+              </a:ext>
+            </a:extLst>
+          </p:cNvPr>
+          <p:cNvPicPr>
+            <a:picLocks noGrp="1" noChangeAspect="1"/>
+          </p:cNvPicPr>
+          <p:nvPr>
+            <p:ph idx="13"/>
+          </p:nvPr>
+        </p:nvPicPr>
+        <p:blipFill>
+          <a:blip r:embed="rId3" cstate="print">
+            <a:extLst>
+              <a:ext uri="{28A0092B-C50C-407E-A947-70E740481C1C}">
+                <a14:useLocalDpi xmlns:a14="http://schemas.microsoft.com/office/drawing/2010/main" val="0"/>
+              </a:ext>
+            </a:extLst>
+          </a:blip>
+          <a:srcRect b="8297"/>
+          <a:stretch/>
+        </p:blipFill>
+        <p:spPr>
+          <a:xfrm>
+            <a:off x="4661096" y="972000"/>
+            <a:ext cx="4122000" cy="3780000"/>
+          </a:xfrm>
+          <a:noFill/>
+        </p:spPr>
+      </p:pic>
+      <p:sp>
+        <p:nvSpPr>
+          <p:cNvPr id="17" name="Footer Placeholder 4">
+            <a:extLst>
+              <a:ext uri="{FF2B5EF4-FFF2-40B4-BE49-F238E27FC236}">
+                <a16:creationId xmlns:a16="http://schemas.microsoft.com/office/drawing/2014/main" id="{AF7E9863-8E41-8D0E-26E2-68A70D0484D7}"/>
+              </a:ext>
+            </a:extLst>
+          </p:cNvPr>
+          <p:cNvSpPr>
+            <a:spLocks noGrp="1"/>
+          </p:cNvSpPr>
+          <p:nvPr>
+            <p:ph type="ftr" sz="quarter" idx="11"/>
           </p:nvPr>
         </p:nvSpPr>
         <p:spPr>
@@ -17626,7 +18589,7 @@
           <p:cNvPr id="5" name="Slide Number Placeholder 4">
             <a:extLst>
               <a:ext uri="{FF2B5EF4-FFF2-40B4-BE49-F238E27FC236}">
-                <a16:creationId xmlns:a16="http://schemas.microsoft.com/office/drawing/2014/main" id="{2924611D-19D3-60F0-22C1-20AD6B1ED4A8}"/>
+                <a16:creationId xmlns:a16="http://schemas.microsoft.com/office/drawing/2014/main" id="{A2B6336F-3C8A-228C-61A1-72BDE86D8DB9}"/>
               </a:ext>
             </a:extLst>
           </p:cNvPr>
@@ -17634,7 +18597,7 @@
             <a:spLocks noGrp="1"/>
           </p:cNvSpPr>
           <p:nvPr>
-            <p:ph type="sldNum" sz="quarter" idx="11"/>
+            <p:ph type="sldNum" sz="quarter" idx="12"/>
           </p:nvPr>
         </p:nvSpPr>
         <p:spPr>
@@ -17667,45 +18630,10 @@
           </a:p>
         </p:txBody>
       </p:sp>
-      <p:pic>
-        <p:nvPicPr>
-          <p:cNvPr id="11" name="Content Placeholder 10" descr="A light bulb with a question mark above a group of people&#10;&#10;Description automatically generated">
-            <a:extLst>
-              <a:ext uri="{FF2B5EF4-FFF2-40B4-BE49-F238E27FC236}">
-                <a16:creationId xmlns:a16="http://schemas.microsoft.com/office/drawing/2014/main" id="{64FE4FC1-6EA4-9D75-D7CD-71EA0B1B4CC9}"/>
-              </a:ext>
-            </a:extLst>
-          </p:cNvPr>
-          <p:cNvPicPr>
-            <a:picLocks noGrp="1" noChangeAspect="1"/>
-          </p:cNvPicPr>
-          <p:nvPr>
-            <p:ph type="pic" sz="quarter" idx="12"/>
-          </p:nvPr>
-        </p:nvPicPr>
-        <p:blipFill rotWithShape="1">
-          <a:blip r:embed="rId3">
-            <a:extLst>
-              <a:ext uri="{28A0092B-C50C-407E-A947-70E740481C1C}">
-                <a14:useLocalDpi xmlns:a14="http://schemas.microsoft.com/office/drawing/2010/main" val="0"/>
-              </a:ext>
-            </a:extLst>
-          </a:blip>
-          <a:srcRect l="2" t="21451" b="26143"/>
-          <a:stretch/>
-        </p:blipFill>
-        <p:spPr>
-          <a:xfrm>
-            <a:off x="513557" y="539954"/>
-            <a:ext cx="8116885" cy="4253751"/>
-          </a:xfrm>
-          <a:noFill/>
-        </p:spPr>
-      </p:pic>
     </p:spTree>
     <p:extLst>
       <p:ext uri="{BB962C8B-B14F-4D97-AF65-F5344CB8AC3E}">
-        <p14:creationId xmlns:p14="http://schemas.microsoft.com/office/powerpoint/2010/main" val="2502894806"/>
+        <p14:creationId xmlns:p14="http://schemas.microsoft.com/office/powerpoint/2010/main" val="1535908589"/>
       </p:ext>
     </p:extLst>
   </p:cSld>
@@ -17761,8 +18689,8 @@
           <a:lstStyle/>
           <a:p>
             <a:r>
-              <a:rPr lang="nl-BE" dirty="0" err="1"/>
-              <a:t>Introduction</a:t>
+              <a:rPr lang="nl-BE" dirty="0"/>
+              <a:t>Zeg vaarwel tegen IConfiguration en omarm de kracht van het IOptions-patroon</a:t>
             </a:r>
             <a:endParaRPr lang="en-US" dirty="0"/>
           </a:p>
@@ -18224,7 +19152,7 @@
               <a:buChar char="•"/>
             </a:pPr>
             <a:r>
-              <a:rPr kumimoji="0" lang="nl-BE" sz="2200" b="0" i="0" u="none" strike="noStrike" kern="0" cap="none" spc="0" normalizeH="0" baseline="0" noProof="0" dirty="0" err="1">
+              <a:rPr kumimoji="0" lang="nl-BE" sz="2200" b="0" i="0" u="none" strike="noStrike" kern="0" cap="none" spc="0" normalizeH="0" baseline="0" noProof="0" dirty="0">
                 <a:ln>
                   <a:noFill/>
                 </a:ln>
@@ -18235,7 +19163,7 @@
                 <a:uLnTx/>
                 <a:uFillTx/>
               </a:rPr>
-              <a:t>When</a:t>
+              <a:t>S</a:t>
             </a:r>
             <a:r>
               <a:rPr lang="nl-BE" sz="2200" kern="0" dirty="0">
@@ -18243,69 +19171,8 @@
                   <a:srgbClr val="000000"/>
                 </a:solidFill>
               </a:rPr>
-              <a:t> </a:t>
-            </a:r>
-            <a:r>
-              <a:rPr lang="nl-BE" sz="2200" kern="0" dirty="0" err="1">
-                <a:solidFill>
-                  <a:srgbClr val="000000"/>
-                </a:solidFill>
-              </a:rPr>
-              <a:t>applied</a:t>
-            </a:r>
-            <a:r>
-              <a:rPr lang="nl-BE" sz="2200" kern="0" dirty="0">
-                <a:solidFill>
-                  <a:srgbClr val="000000"/>
-                </a:solidFill>
-              </a:rPr>
-              <a:t>, </a:t>
-            </a:r>
-            <a:r>
-              <a:rPr lang="nl-BE" sz="2200" kern="0" dirty="0" err="1">
-                <a:solidFill>
-                  <a:srgbClr val="000000"/>
-                </a:solidFill>
-              </a:rPr>
-              <a:t>static</a:t>
-            </a:r>
-            <a:r>
-              <a:rPr lang="nl-BE" sz="2200" kern="0" dirty="0">
-                <a:solidFill>
-                  <a:srgbClr val="000000"/>
-                </a:solidFill>
-              </a:rPr>
-              <a:t> </a:t>
-            </a:r>
-            <a:r>
-              <a:rPr lang="nl-BE" sz="2200" kern="0" dirty="0" err="1">
-                <a:solidFill>
-                  <a:srgbClr val="000000"/>
-                </a:solidFill>
-              </a:rPr>
-              <a:t>vs</a:t>
-            </a:r>
-            <a:r>
-              <a:rPr lang="nl-BE" sz="2200" kern="0" dirty="0">
-                <a:solidFill>
-                  <a:srgbClr val="000000"/>
-                </a:solidFill>
-              </a:rPr>
-              <a:t> </a:t>
-            </a:r>
-            <a:r>
-              <a:rPr lang="nl-BE" sz="2200" kern="0" dirty="0" err="1">
-                <a:solidFill>
-                  <a:srgbClr val="000000"/>
-                </a:solidFill>
-              </a:rPr>
-              <a:t>dynamic</a:t>
-            </a:r>
-            <a:endParaRPr lang="nl-BE" sz="2200" kern="0" dirty="0">
-              <a:solidFill>
-                <a:srgbClr val="000000"/>
-              </a:solidFill>
-            </a:endParaRPr>
+              <a:t>tatic vs dynamic</a:t>
+            </a:r>
           </a:p>
         </p:txBody>
       </p:sp>
@@ -18373,6 +19240,186 @@
   <p:clrMapOvr>
     <a:masterClrMapping/>
   </p:clrMapOvr>
+  <p:timing>
+    <p:tnLst>
+      <p:par>
+        <p:cTn id="1" dur="indefinite" restart="never" nodeType="tmRoot">
+          <p:childTnLst>
+            <p:seq concurrent="1" nextAc="seek">
+              <p:cTn id="2" dur="indefinite" nodeType="mainSeq">
+                <p:childTnLst>
+                  <p:par>
+                    <p:cTn id="3" fill="hold">
+                      <p:stCondLst>
+                        <p:cond delay="indefinite"/>
+                      </p:stCondLst>
+                      <p:childTnLst>
+                        <p:par>
+                          <p:cTn id="4" fill="hold">
+                            <p:stCondLst>
+                              <p:cond delay="0"/>
+                            </p:stCondLst>
+                            <p:childTnLst>
+                              <p:par>
+                                <p:cTn id="5" presetID="1" presetClass="entr" presetSubtype="0" fill="hold" grpId="0" nodeType="clickEffect">
+                                  <p:stCondLst>
+                                    <p:cond delay="0"/>
+                                  </p:stCondLst>
+                                  <p:childTnLst>
+                                    <p:set>
+                                      <p:cBhvr>
+                                        <p:cTn id="6" dur="1" fill="hold">
+                                          <p:stCondLst>
+                                            <p:cond delay="0"/>
+                                          </p:stCondLst>
+                                        </p:cTn>
+                                        <p:tgtEl>
+                                          <p:spTgt spid="3">
+                                            <p:txEl>
+                                              <p:pRg st="0" end="0"/>
+                                            </p:txEl>
+                                          </p:spTgt>
+                                        </p:tgtEl>
+                                        <p:attrNameLst>
+                                          <p:attrName>style.visibility</p:attrName>
+                                        </p:attrNameLst>
+                                      </p:cBhvr>
+                                      <p:to>
+                                        <p:strVal val="visible"/>
+                                      </p:to>
+                                    </p:set>
+                                  </p:childTnLst>
+                                </p:cTn>
+                              </p:par>
+                            </p:childTnLst>
+                          </p:cTn>
+                        </p:par>
+                      </p:childTnLst>
+                    </p:cTn>
+                  </p:par>
+                  <p:par>
+                    <p:cTn id="7" fill="hold">
+                      <p:stCondLst>
+                        <p:cond delay="indefinite"/>
+                      </p:stCondLst>
+                      <p:childTnLst>
+                        <p:par>
+                          <p:cTn id="8" fill="hold">
+                            <p:stCondLst>
+                              <p:cond delay="0"/>
+                            </p:stCondLst>
+                            <p:childTnLst>
+                              <p:par>
+                                <p:cTn id="9" presetID="1" presetClass="entr" presetSubtype="0" fill="hold" grpId="0" nodeType="clickEffect">
+                                  <p:stCondLst>
+                                    <p:cond delay="0"/>
+                                  </p:stCondLst>
+                                  <p:childTnLst>
+                                    <p:set>
+                                      <p:cBhvr>
+                                        <p:cTn id="10" dur="1" fill="hold">
+                                          <p:stCondLst>
+                                            <p:cond delay="0"/>
+                                          </p:stCondLst>
+                                        </p:cTn>
+                                        <p:tgtEl>
+                                          <p:spTgt spid="3">
+                                            <p:txEl>
+                                              <p:pRg st="2" end="2"/>
+                                            </p:txEl>
+                                          </p:spTgt>
+                                        </p:tgtEl>
+                                        <p:attrNameLst>
+                                          <p:attrName>style.visibility</p:attrName>
+                                        </p:attrNameLst>
+                                      </p:cBhvr>
+                                      <p:to>
+                                        <p:strVal val="visible"/>
+                                      </p:to>
+                                    </p:set>
+                                  </p:childTnLst>
+                                </p:cTn>
+                              </p:par>
+                            </p:childTnLst>
+                          </p:cTn>
+                        </p:par>
+                      </p:childTnLst>
+                    </p:cTn>
+                  </p:par>
+                  <p:par>
+                    <p:cTn id="11" fill="hold">
+                      <p:stCondLst>
+                        <p:cond delay="indefinite"/>
+                      </p:stCondLst>
+                      <p:childTnLst>
+                        <p:par>
+                          <p:cTn id="12" fill="hold">
+                            <p:stCondLst>
+                              <p:cond delay="0"/>
+                            </p:stCondLst>
+                            <p:childTnLst>
+                              <p:par>
+                                <p:cTn id="13" presetID="1" presetClass="entr" presetSubtype="0" fill="hold" grpId="0" nodeType="clickEffect">
+                                  <p:stCondLst>
+                                    <p:cond delay="0"/>
+                                  </p:stCondLst>
+                                  <p:childTnLst>
+                                    <p:set>
+                                      <p:cBhvr>
+                                        <p:cTn id="14" dur="1" fill="hold">
+                                          <p:stCondLst>
+                                            <p:cond delay="0"/>
+                                          </p:stCondLst>
+                                        </p:cTn>
+                                        <p:tgtEl>
+                                          <p:spTgt spid="3">
+                                            <p:txEl>
+                                              <p:pRg st="4" end="4"/>
+                                            </p:txEl>
+                                          </p:spTgt>
+                                        </p:tgtEl>
+                                        <p:attrNameLst>
+                                          <p:attrName>style.visibility</p:attrName>
+                                        </p:attrNameLst>
+                                      </p:cBhvr>
+                                      <p:to>
+                                        <p:strVal val="visible"/>
+                                      </p:to>
+                                    </p:set>
+                                  </p:childTnLst>
+                                </p:cTn>
+                              </p:par>
+                            </p:childTnLst>
+                          </p:cTn>
+                        </p:par>
+                      </p:childTnLst>
+                    </p:cTn>
+                  </p:par>
+                </p:childTnLst>
+              </p:cTn>
+              <p:prevCondLst>
+                <p:cond evt="onPrev" delay="0">
+                  <p:tgtEl>
+                    <p:sldTgt/>
+                  </p:tgtEl>
+                </p:cond>
+              </p:prevCondLst>
+              <p:nextCondLst>
+                <p:cond evt="onNext" delay="0">
+                  <p:tgtEl>
+                    <p:sldTgt/>
+                  </p:tgtEl>
+                </p:cond>
+              </p:nextCondLst>
+            </p:seq>
+          </p:childTnLst>
+        </p:cTn>
+      </p:par>
+    </p:tnLst>
+    <p:bldLst>
+      <p:bldP spid="3" grpId="0" build="p"/>
+    </p:bldLst>
+  </p:timing>
 </p:sld>
 </file>
 
@@ -19764,6 +20811,21 @@
 </a:theme>
 </file>
 
+<file path=ppt/webextensions/webextension1.xml><?xml version="1.0" encoding="utf-8"?>
+<we:webextension xmlns:we="http://schemas.microsoft.com/office/webextensions/webextension/2010/11" id="{C63E159A-830B-4717-BD33-01331236E78A}">
+  <we:reference id="d98404ac-f9e2-4292-8cb6-eec349559ae5" version="1.0.0.2" store="EXCatalog" storeType="EXCatalog"/>
+  <we:alternateReferences>
+    <we:reference id="WA104381526" version="1.0.0.2" store="en-US" storeType="OMEX"/>
+  </we:alternateReferences>
+  <we:properties>
+    <we:property name="FormID" value="&quot;Y7dw69e2hkSFVYgxcJp4TgevBJx7ue1Ksnfj6rhiXrxUN0NIMlRUWFpLMzFHWExRSEc1U0ZFVTRUTC4u&quot;"/>
+    <we:property name="FormMode" value="&quot;DesignTime&quot;"/>
+  </we:properties>
+  <we:bindings/>
+  <we:snapshot xmlns:r="http://schemas.openxmlformats.org/officeDocument/2006/relationships"/>
+</we:webextension>
+</file>
+
 <file path=customXml/item1.xml><?xml version="1.0" encoding="utf-8"?>
 <?mso-contentType ?>
 <FormTemplates xmlns="http://schemas.microsoft.com/sharepoint/v3/contenttype/forms">

--- a/slides/presentation.pptx
+++ b/slides/presentation.pptx
@@ -278,7 +278,7 @@
           <a:p>
             <a:fld id="{37581487-DED7-4908-9A01-0A45EDCB1D6C}" type="datetimeFigureOut">
               <a:rPr lang="de-DE" sz="1100"/>
-              <a:t>14.05.2025</a:t>
+              <a:t>16.05.2025</a:t>
             </a:fld>
             <a:endParaRPr lang="de-DE" sz="1100"/>
           </a:p>
@@ -20827,15 +20827,6 @@
 </file>
 
 <file path=customXml/item1.xml><?xml version="1.0" encoding="utf-8"?>
-<?mso-contentType ?>
-<FormTemplates xmlns="http://schemas.microsoft.com/sharepoint/v3/contenttype/forms">
-  <Display>DocumentLibraryForm</Display>
-  <Edit>DocumentLibraryForm</Edit>
-  <New>DocumentLibraryForm</New>
-</FormTemplates>
-</file>
-
-<file path=customXml/item2.xml><?xml version="1.0" encoding="utf-8"?>
 <ct:contentTypeSchema xmlns:ct="http://schemas.microsoft.com/office/2006/metadata/contentType" xmlns:ma="http://schemas.microsoft.com/office/2006/metadata/properties/metaAttributes" ct:_="" ma:_="" ma:contentTypeName="Dokument" ma:contentTypeID="0x01010050460AE39A82AD4795A3565F3DAE5EA8" ma:contentTypeVersion="16" ma:contentTypeDescription="Ein neues Dokument erstellen." ma:contentTypeScope="" ma:versionID="ec82a9993c9b8a2201503eb30937bf4a">
   <xsd:schema xmlns:xsd="http://www.w3.org/2001/XMLSchema" xmlns:xs="http://www.w3.org/2001/XMLSchema" xmlns:p="http://schemas.microsoft.com/office/2006/metadata/properties" xmlns:ns2="e05445a8-2551-4a63-879e-01155c2c761e" xmlns:ns3="01e95462-78a7-41d4-9a93-e8d8dde53743" targetNamespace="http://schemas.microsoft.com/office/2006/metadata/properties" ma:root="true" ma:fieldsID="0382105114aa7af2a0cdb49a7fd70252" ns2:_="" ns3:_="">
     <xsd:import namespace="e05445a8-2551-4a63-879e-01155c2c761e"/>
@@ -21078,15 +21069,16 @@
 </ct:contentTypeSchema>
 </file>
 
-<file path=customXml/itemProps1.xml><?xml version="1.0" encoding="utf-8"?>
-<ds:datastoreItem xmlns:ds="http://schemas.openxmlformats.org/officeDocument/2006/customXml" ds:itemID="{DDA0BA8E-434D-48CF-8C42-C96ADE6F01B2}">
-  <ds:schemaRefs>
-    <ds:schemaRef ds:uri="http://schemas.microsoft.com/sharepoint/v3/contenttype/forms"/>
-  </ds:schemaRefs>
-</ds:datastoreItem>
+<file path=customXml/item2.xml><?xml version="1.0" encoding="utf-8"?>
+<?mso-contentType ?>
+<FormTemplates xmlns="http://schemas.microsoft.com/sharepoint/v3/contenttype/forms">
+  <Display>DocumentLibraryForm</Display>
+  <Edit>DocumentLibraryForm</Edit>
+  <New>DocumentLibraryForm</New>
+</FormTemplates>
 </file>
 
-<file path=customXml/itemProps2.xml><?xml version="1.0" encoding="utf-8"?>
+<file path=customXml/itemProps1.xml><?xml version="1.0" encoding="utf-8"?>
 <ds:datastoreItem xmlns:ds="http://schemas.openxmlformats.org/officeDocument/2006/customXml" ds:itemID="{0BB5088A-3ACC-49D2-A58D-F09F6B8954CE}">
   <ds:schemaRefs>
     <ds:schemaRef ds:uri="http://schemas.microsoft.com/office/2006/metadata/contentType"/>
@@ -21103,4 +21095,12 @@
     <ds:schemaRef ds:uri="http://schemas.microsoft.com/internal/obd"/>
   </ds:schemaRefs>
 </ds:datastoreItem>
+</file>
+
+<file path=customXml/itemProps2.xml><?xml version="1.0" encoding="utf-8"?>
+<ds:datastoreItem xmlns:ds="http://schemas.openxmlformats.org/officeDocument/2006/customXml" ds:itemID="{DDA0BA8E-434D-48CF-8C42-C96ADE6F01B2}">
+  <ds:schemaRefs>
+    <ds:schemaRef ds:uri="http://schemas.microsoft.com/sharepoint/v3/contenttype/forms"/>
+  </ds:schemaRefs>
+</ds:datastoreItem>
 </file>
--- a/slides/presentation.pptx
+++ b/slides/presentation.pptx
@@ -5,15 +5,15 @@
     <p:sldMasterId id="2147483648" r:id="rId3"/>
   </p:sldMasterIdLst>
   <p:notesMasterIdLst>
-    <p:notesMasterId r:id="rId26"/>
+    <p:notesMasterId r:id="rId25"/>
   </p:notesMasterIdLst>
   <p:handoutMasterIdLst>
-    <p:handoutMasterId r:id="rId27"/>
+    <p:handoutMasterId r:id="rId26"/>
   </p:handoutMasterIdLst>
   <p:sldIdLst>
-    <p:sldId id="287" r:id="rId4"/>
-    <p:sldId id="283" r:id="rId5"/>
-    <p:sldId id="284" r:id="rId6"/>
+    <p:sldId id="289" r:id="rId4"/>
+    <p:sldId id="290" r:id="rId5"/>
+    <p:sldId id="283" r:id="rId6"/>
     <p:sldId id="261" r:id="rId7"/>
     <p:sldId id="260" r:id="rId8"/>
     <p:sldId id="266" r:id="rId9"/>
@@ -30,14 +30,13 @@
     <p:sldId id="276" r:id="rId20"/>
     <p:sldId id="277" r:id="rId21"/>
     <p:sldId id="278" r:id="rId22"/>
-    <p:sldId id="285" r:id="rId23"/>
-    <p:sldId id="288" r:id="rId24"/>
-    <p:sldId id="286" r:id="rId25"/>
+    <p:sldId id="288" r:id="rId23"/>
+    <p:sldId id="286" r:id="rId24"/>
   </p:sldIdLst>
   <p:sldSz cx="9144000" cy="5143500" type="screen16x9"/>
   <p:notesSz cx="6858000" cy="9874250"/>
   <p:custDataLst>
-    <p:tags r:id="rId28"/>
+    <p:tags r:id="rId27"/>
   </p:custDataLst>
   <p:defaultTextStyle>
     <a:defPPr>
@@ -279,7 +278,7 @@
           <a:p>
             <a:fld id="{37581487-DED7-4908-9A01-0A45EDCB1D6C}" type="datetimeFigureOut">
               <a:rPr lang="de-DE" sz="1100"/>
-              <a:t>23.02.2025</a:t>
+              <a:t>16.05.2025</a:t>
             </a:fld>
             <a:endParaRPr lang="de-DE" sz="1100"/>
           </a:p>
@@ -699,9 +698,49 @@
           <a:bodyPr/>
           <a:lstStyle/>
           <a:p>
+            <a:pPr marL="0" marR="0" lvl="0" indent="0" algn="l" defTabSz="914400" rtl="0" eaLnBrk="1" fontAlgn="auto" latinLnBrk="0" hangingPunct="1">
+              <a:lnSpc>
+                <a:spcPct val="100000"/>
+              </a:lnSpc>
+              <a:spcBef>
+                <a:spcPts val="0"/>
+              </a:spcBef>
+              <a:spcAft>
+                <a:spcPts val="0"/>
+              </a:spcAft>
+              <a:buClrTx/>
+              <a:buSzTx/>
+              <a:buFontTx/>
+              <a:buNone/>
+              <a:tabLst/>
+              <a:defRPr/>
+            </a:pPr>
             <a:r>
               <a:rPr lang="nl-BE" dirty="0"/>
-              <a:t>Hi all, nice to see you joinig for this session about saying goodbye to IConfiguration and embrace the power of the IOptions pattern.</a:t>
+              <a:t>Hey leuk om jullie te zien op mijn sessie.</a:t>
+            </a:r>
+          </a:p>
+          <a:p>
+            <a:pPr marL="0" marR="0" lvl="0" indent="0" algn="l" defTabSz="914400" rtl="0" eaLnBrk="1" fontAlgn="auto" latinLnBrk="0" hangingPunct="1">
+              <a:lnSpc>
+                <a:spcPct val="100000"/>
+              </a:lnSpc>
+              <a:spcBef>
+                <a:spcPts val="0"/>
+              </a:spcBef>
+              <a:spcAft>
+                <a:spcPts val="0"/>
+              </a:spcAft>
+              <a:buClrTx/>
+              <a:buSzTx/>
+              <a:buFontTx/>
+              <a:buNone/>
+              <a:tabLst/>
+              <a:defRPr/>
+            </a:pPr>
+            <a:r>
+              <a:rPr lang="nl-BE" dirty="0"/>
+              <a:t>Ik weet dat het vanavond ook Eurovisie songfestival is, wees gerust, ik zal niet zingen.</a:t>
             </a:r>
           </a:p>
         </p:txBody>
@@ -732,7 +771,7 @@
     </p:spTree>
     <p:extLst>
       <p:ext uri="{BB962C8B-B14F-4D97-AF65-F5344CB8AC3E}">
-        <p14:creationId xmlns:p14="http://schemas.microsoft.com/office/powerpoint/2010/main" val="3370172376"/>
+        <p14:creationId xmlns:p14="http://schemas.microsoft.com/office/powerpoint/2010/main" val="3515268969"/>
       </p:ext>
     </p:extLst>
   </p:cSld>
@@ -803,204 +842,151 @@
           <a:lstStyle/>
           <a:p>
             <a:r>
-              <a:rPr lang="en-US" b="1" noProof="0" dirty="0"/>
-              <a:t>Anyone who likes to reinvent the wheel?</a:t>
-            </a:r>
-            <a:br>
-              <a:rPr lang="en-US" noProof="0" dirty="0"/>
-            </a:br>
-            <a:br>
-              <a:rPr lang="en-US" noProof="0" dirty="0"/>
-            </a:br>
-            <a:r>
-              <a:rPr lang="en-US" noProof="0" dirty="0"/>
-              <a:t>I will highlight a piece of code I, which I got inspired by the idea of Andrew Lock.</a:t>
-            </a:r>
-          </a:p>
-          <a:p>
-            <a:r>
-              <a:rPr lang="en-US" noProof="0" dirty="0"/>
-              <a:t>He suggested to only write the parts which matters for your situation, and he has a valid point.</a:t>
-            </a:r>
-          </a:p>
-          <a:p>
-            <a:endParaRPr lang="en-US" noProof="0" dirty="0"/>
-          </a:p>
-          <a:p>
-            <a:r>
-              <a:rPr lang="en-US" noProof="0" dirty="0"/>
-              <a:t>For this custom provider I created a secret manager on AWS.</a:t>
-            </a:r>
-          </a:p>
-          <a:p>
-            <a:r>
-              <a:rPr lang="en-US" noProof="0" dirty="0"/>
-              <a:t>It will retrieve the information using the AWS CLI. I’ve mocked the outbound call for this demo out of precaution for WIFI and infrastructure issues on AWS out of my control.</a:t>
-            </a:r>
-          </a:p>
-          <a:p>
-            <a:endParaRPr lang="en-US" noProof="0" dirty="0"/>
-          </a:p>
-          <a:p>
-            <a:r>
-              <a:rPr lang="en-US" noProof="0" dirty="0"/>
-              <a:t>In the secrets manager a JSON string is stored. This way I can read and load them as if it was a JSON file. Keep in mind that I wanted to recycle things, so the </a:t>
-            </a:r>
-            <a:r>
-              <a:rPr lang="nl-BE" dirty="0"/>
-              <a:t>AmazonSecretsManagerConfigurationProvider is inheriting from the JsonConfigurationProvider this way I don’t need to write the custom hierachy flattening code to get from </a:t>
-            </a:r>
-          </a:p>
-          <a:p>
-            <a:r>
-              <a:rPr lang="nl-BE" sz="850" dirty="0">
-                <a:latin typeface="Consolas" panose="020B0609020204030204" pitchFamily="49" charset="0"/>
-              </a:rPr>
+              <a:rPr lang="nl-BE" b="1" noProof="0" dirty="0"/>
+              <a:t>Iemand die graag het wiel heruitvind?</a:t>
+            </a:r>
+          </a:p>
+          <a:p>
+            <a:endParaRPr lang="nl-BE" b="0" noProof="0" dirty="0"/>
+          </a:p>
+          <a:p>
+            <a:r>
+              <a:rPr lang="nl-BE" b="0" noProof="0" dirty="0"/>
+              <a:t>Ik zal een stuk code tonen, waarvan ik mijn inspiratie gehaald hebt door een post van Andrew Lock.</a:t>
+            </a:r>
+          </a:p>
+          <a:p>
+            <a:r>
+              <a:rPr lang="nl-BE" b="0" noProof="0" dirty="0"/>
+              <a:t>Hij raade aan om enkel maar de stukken te schrijven die je echt zelf moet schrijven en die van toepassing zijn in jou scenario.</a:t>
+            </a:r>
+          </a:p>
+          <a:p>
+            <a:r>
+              <a:rPr lang="nl-BE" b="0" noProof="0" dirty="0"/>
+              <a:t>Ik vind dat hij hier een sterk punt aanhaalde.</a:t>
+            </a:r>
+          </a:p>
+          <a:p>
+            <a:endParaRPr lang="nl-BE" b="0" noProof="0" dirty="0"/>
+          </a:p>
+          <a:p>
+            <a:r>
+              <a:rPr lang="nl-BE" b="0" noProof="0" dirty="0"/>
+              <a:t>Voor de custom zal ik tonen hoe je eenvoudig met een secret manager van AWS kan connecteren en deze te gebruiken als een configuration provider.</a:t>
+            </a:r>
+          </a:p>
+          <a:p>
+            <a:r>
+              <a:rPr lang="nl-BE" b="0" noProof="0" dirty="0"/>
+              <a:t>Spoiler gezien ik weet hoe betrouwbaar wifi is eens je remote gaat werkt dit stukje met een interceptor call. Ik wou gewoon eerlijk zijn. Maar dit is wel gebaseerd op code dat we in productie draaien.</a:t>
+            </a:r>
+          </a:p>
+          <a:p>
+            <a:endParaRPr lang="nl-BE" b="0" noProof="0" dirty="0"/>
+          </a:p>
+          <a:p>
+            <a:r>
+              <a:rPr lang="nl-BE" b="0" noProof="0" dirty="0"/>
+              <a:t>De secret manager bewaard een JSON string, op deze manier kan ik deze lezen en laden als een JSON file. Hou in je achterhoofd dat ik dingen wil hergebruiken.</a:t>
+            </a:r>
+          </a:p>
+          <a:p>
+            <a:r>
+              <a:rPr lang="nl-BE" b="0" noProof="0" dirty="0"/>
+              <a:t>Dus de AmazonSecretsManagerConfigurationProvider inherits van de JsonConfigurationProvider. Hierdoor hoef ik enkel maar de essentie te schrijven namelijk hoe we aan die JSON string raken. De rest is voor de provider, die hierarchical flattening is zo mijn probleem niet meer.</a:t>
+            </a:r>
+          </a:p>
+          <a:p>
+            <a:r>
+              <a:rPr lang="nl-BE" b="0" noProof="0" dirty="0"/>
+              <a:t> </a:t>
+            </a:r>
+          </a:p>
+          <a:p>
+            <a:r>
+              <a:rPr lang="nl-BE" b="0" noProof="0" dirty="0"/>
               <a:t>{</a:t>
             </a:r>
           </a:p>
           <a:p>
             <a:r>
-              <a:rPr lang="nl-BE" sz="850" dirty="0">
-                <a:latin typeface="Consolas" panose="020B0609020204030204" pitchFamily="49" charset="0"/>
-              </a:rPr>
+              <a:rPr lang="nl-BE" b="0" noProof="0" dirty="0"/>
               <a:t>    "AppSettings": {</a:t>
             </a:r>
           </a:p>
           <a:p>
             <a:r>
-              <a:rPr lang="nl-BE" sz="850" dirty="0">
-                <a:latin typeface="Consolas" panose="020B0609020204030204" pitchFamily="49" charset="0"/>
-              </a:rPr>
+              <a:rPr lang="nl-BE" b="0" noProof="0" dirty="0"/>
               <a:t>        "Setting8": "SecretsManagerValue8"</a:t>
             </a:r>
           </a:p>
           <a:p>
             <a:r>
-              <a:rPr lang="nl-BE" sz="850" dirty="0">
-                <a:latin typeface="Consolas" panose="020B0609020204030204" pitchFamily="49" charset="0"/>
-              </a:rPr>
+              <a:rPr lang="nl-BE" b="0" noProof="0" dirty="0"/>
               <a:t>    }</a:t>
             </a:r>
           </a:p>
           <a:p>
             <a:r>
-              <a:rPr lang="nl-BE" sz="850" dirty="0">
-                <a:latin typeface="Consolas" panose="020B0609020204030204" pitchFamily="49" charset="0"/>
-              </a:rPr>
+              <a:rPr lang="nl-BE" b="0" noProof="0" dirty="0"/>
               <a:t>}</a:t>
             </a:r>
           </a:p>
           <a:p>
-            <a:r>
-              <a:rPr lang="nl-BE" sz="850" dirty="0">
-                <a:latin typeface="Consolas" panose="020B0609020204030204" pitchFamily="49" charset="0"/>
-              </a:rPr>
-              <a:t>To AppSettings:Setting8 </a:t>
-            </a:r>
-            <a:r>
-              <a:rPr lang="nl-BE" sz="850" dirty="0">
-                <a:latin typeface="Consolas" panose="020B0609020204030204" pitchFamily="49" charset="0"/>
-                <a:sym typeface="Wingdings" panose="05000000000000000000" pitchFamily="2" charset="2"/>
-              </a:rPr>
-              <a:t> </a:t>
-            </a:r>
-            <a:r>
-              <a:rPr lang="nl-BE" sz="850" dirty="0">
-                <a:latin typeface="Consolas" panose="020B0609020204030204" pitchFamily="49" charset="0"/>
-              </a:rPr>
-              <a:t>SecretsManagerValue8</a:t>
-            </a:r>
-            <a:endParaRPr lang="en-US" sz="850" dirty="0">
-              <a:latin typeface="Consolas" panose="020B0609020204030204" pitchFamily="49" charset="0"/>
-            </a:endParaRPr>
-          </a:p>
-          <a:p>
-            <a:endParaRPr lang="en-US" dirty="0"/>
-          </a:p>
-          <a:p>
-            <a:r>
-              <a:rPr lang="en-US" dirty="0"/>
-              <a:t>The </a:t>
-            </a:r>
-            <a:r>
-              <a:rPr lang="en-US" dirty="0" err="1"/>
-              <a:t>GetSecret</a:t>
-            </a:r>
-            <a:r>
-              <a:rPr lang="en-US" dirty="0"/>
-              <a:t> Method is where the heavy lifting is done. We attach it to the Load method by overriding it. In case when a load exception occurs, we want to reload it a bit later running </a:t>
-            </a:r>
-            <a:r>
-              <a:rPr lang="en-US" noProof="0" dirty="0"/>
-              <a:t>the task </a:t>
-            </a:r>
-            <a:r>
-              <a:rPr lang="en-US" dirty="0"/>
-              <a:t>asynchronously.</a:t>
-            </a:r>
-          </a:p>
-          <a:p>
-            <a:r>
-              <a:rPr lang="en-US" dirty="0"/>
-              <a:t>This in turn will trigger the load and the </a:t>
-            </a:r>
-            <a:r>
-              <a:rPr lang="en-US" dirty="0" err="1"/>
-              <a:t>OnReload</a:t>
-            </a:r>
-            <a:r>
-              <a:rPr lang="en-US" dirty="0"/>
-              <a:t> method.</a:t>
-            </a:r>
-          </a:p>
-          <a:p>
-            <a:r>
-              <a:rPr lang="en-US" dirty="0"/>
-              <a:t>The </a:t>
-            </a:r>
-            <a:r>
-              <a:rPr lang="en-US" dirty="0" err="1"/>
-              <a:t>OnReload</a:t>
-            </a:r>
-            <a:r>
-              <a:rPr lang="en-US" dirty="0"/>
-              <a:t> method will inform the Configuration that this providers needs to be reloaded for the interested parties. But we will dig deeper on this matter a bit later.</a:t>
-            </a:r>
-          </a:p>
-          <a:p>
-            <a:endParaRPr lang="en-US" dirty="0"/>
-          </a:p>
-          <a:p>
-            <a:r>
-              <a:rPr lang="en-US" dirty="0"/>
-              <a:t>Although the provider is doing the work, we need </a:t>
-            </a:r>
-            <a:r>
-              <a:rPr lang="nl-BE" dirty="0"/>
-              <a:t>a configuration source to add it to the Configuration manager in this case the AwsSecretsManagerConfigurationSource.</a:t>
-            </a:r>
-            <a:endParaRPr lang="en-US" dirty="0"/>
-          </a:p>
-          <a:p>
-            <a:endParaRPr lang="en-US" dirty="0"/>
-          </a:p>
-          <a:p>
-            <a:r>
-              <a:rPr lang="en-US" dirty="0"/>
-              <a:t>For the final part we introduce an extension method which then passes through the </a:t>
-            </a:r>
-            <a:r>
-              <a:rPr lang="nl-BE" dirty="0"/>
-              <a:t>AwsSecretsManagerConfigurationSource we do this as the add needs to be done on the IConfigurationBuilder, this is inherited by the IConfigurationManager and implemented by the ConfigurationManager which is accessable via builder.Configuration.</a:t>
-            </a:r>
-          </a:p>
-          <a:p>
-            <a:r>
-              <a:rPr lang="nl-BE" dirty="0"/>
-              <a:t>Builder.Configuration.Add() does also exists but this starts of with an IConfigurationManager and forces some additional steps you can skip safely by using an extension method like this.</a:t>
-            </a:r>
-            <a:endParaRPr lang="en-US" dirty="0"/>
+            <a:endParaRPr lang="nl-BE" b="0" noProof="0" dirty="0"/>
+          </a:p>
+          <a:p>
+            <a:r>
+              <a:rPr lang="nl-BE" b="0" noProof="0" dirty="0"/>
+              <a:t>To AppSettings:Setting8 -&gt; SecretsManagerValue8</a:t>
+            </a:r>
+          </a:p>
+          <a:p>
+            <a:endParaRPr lang="nl-BE" b="0" noProof="0" dirty="0"/>
+          </a:p>
+          <a:p>
+            <a:r>
+              <a:rPr lang="nl-BE" b="0" noProof="0" dirty="0"/>
+              <a:t>De GetSecret Method is waar het werk gebeurd. Deze koppelen we aan de Load method door deze de overschrijven. Als er zich een fout voordoet, willen we dit later asynchroon nog eens opnieuw proberen.</a:t>
+            </a:r>
+          </a:p>
+          <a:p>
+            <a:r>
+              <a:rPr lang="nl-BE" b="0" noProof="0" dirty="0"/>
+              <a:t>Dit zal dan op zijn beurt de OnReload method triggeren.</a:t>
+            </a:r>
+          </a:p>
+          <a:p>
+            <a:r>
+              <a:rPr lang="nl-BE" b="0" noProof="0" dirty="0"/>
+              <a:t>De OnReload method gaat dan de Configuration provider informeren dat de partijen die dit wensen een nieuwe configuratie kunnen ophalen. Maar later meer over dit.</a:t>
+            </a:r>
+          </a:p>
+          <a:p>
+            <a:endParaRPr lang="nl-BE" b="0" noProof="0" dirty="0"/>
+          </a:p>
+          <a:p>
+            <a:r>
+              <a:rPr lang="nl-BE" b="0" noProof="0" dirty="0"/>
+              <a:t>Ook al doet de provider het werk, we hebben nood aan een configuration source om deze aan de configuration manager te kunnen koppelen. In dit geval AwsSecretsManagerConfigurationSource.</a:t>
+            </a:r>
+          </a:p>
+          <a:p>
+            <a:endParaRPr lang="nl-BE" b="0" noProof="0" dirty="0"/>
+          </a:p>
+          <a:p>
+            <a:r>
+              <a:rPr lang="nl-BE" b="0" noProof="0" dirty="0"/>
+              <a:t>Als laatste introduceren we een extension method die dan de AwsSecretsManagerConfigurationSource doorgeeft, dit is het eenvoudigste te doen op de IConfigurationBuilder, deze erft van de IConfigurationManager die geïmplementeerd is door de ConfigurationManger die op zijn beurt toegankelijk is via de builder.Configuration.</a:t>
+            </a:r>
+          </a:p>
+          <a:p>
+            <a:r>
+              <a:rPr lang="nl-BE" b="0" noProof="0" dirty="0"/>
+              <a:t>Je zou ook de Builder.Configuration.Add() method kunnen gebruiken maar deze kan je dwingen om een paar onnodige transformaties te doen die je niet nodig hebt.</a:t>
+            </a:r>
+            <a:endParaRPr lang="en-US" b="0" dirty="0"/>
           </a:p>
         </p:txBody>
       </p:sp>
@@ -1110,164 +1096,130 @@
           <a:lstStyle/>
           <a:p>
             <a:r>
-              <a:rPr lang="en-US" noProof="0" dirty="0"/>
-              <a:t>We have our flat hierarchical key value pairs. But how do we extract these values?</a:t>
-            </a:r>
-          </a:p>
-          <a:p>
-            <a:endParaRPr lang="en-US" noProof="0" dirty="0"/>
-          </a:p>
-          <a:p>
-            <a:r>
-              <a:rPr lang="en-US" i="1" noProof="0" dirty="0"/>
-              <a:t>The environment: show the </a:t>
-            </a:r>
-            <a:r>
-              <a:rPr lang="en-US" i="1" noProof="0" dirty="0" err="1"/>
-              <a:t>launchsettings.json</a:t>
-            </a:r>
-            <a:r>
-              <a:rPr lang="en-US" i="1" noProof="0" dirty="0"/>
-              <a:t> and highlight the environment variable.</a:t>
-            </a:r>
-          </a:p>
-          <a:p>
-            <a:endParaRPr lang="en-US" noProof="0" dirty="0"/>
-          </a:p>
-          <a:p>
-            <a:r>
-              <a:rPr lang="en-US" noProof="0" dirty="0"/>
-              <a:t>These are the ways I’ve noticed currently in use with an </a:t>
-            </a:r>
-            <a:r>
-              <a:rPr lang="en-US" noProof="0" dirty="0" err="1"/>
-              <a:t>IConfiguration</a:t>
-            </a:r>
-            <a:r>
-              <a:rPr lang="en-US" noProof="0" dirty="0"/>
-              <a:t>:</a:t>
-            </a:r>
-          </a:p>
-          <a:p>
-            <a:endParaRPr lang="en-US" noProof="0" dirty="0"/>
-          </a:p>
-          <a:p>
-            <a:pPr marL="165501" indent="-165501">
-              <a:buFont typeface="Arial" panose="020B0604020202020204" pitchFamily="34" charset="0"/>
-              <a:buChar char="•"/>
-            </a:pPr>
-            <a:r>
-              <a:rPr lang="en-US" dirty="0"/>
+              <a:rPr lang="nl-BE" dirty="0"/>
+              <a:t>Ok we hebben nu die platte hierarchy met key value pairs. Maar hoe werken we er nu mee?</a:t>
+            </a:r>
+          </a:p>
+          <a:p>
+            <a:endParaRPr lang="nl-BE" dirty="0"/>
+          </a:p>
+          <a:p>
+            <a:r>
+              <a:rPr lang="nl-BE" b="1" dirty="0"/>
+              <a:t>The environment: show the launchsettings.json and highlight the environment variable.</a:t>
+            </a:r>
+          </a:p>
+          <a:p>
+            <a:endParaRPr lang="nl-BE" dirty="0"/>
+          </a:p>
+          <a:p>
+            <a:r>
+              <a:rPr lang="nl-BE" dirty="0"/>
+              <a:t>De volgende voorbeelden zijn een evolutie van hoe ik zelf en in mijn team gewerkt hebben met configuratie.</a:t>
+            </a:r>
+          </a:p>
+          <a:p>
+            <a:endParaRPr lang="nl-BE" dirty="0"/>
+          </a:p>
+          <a:p>
+            <a:r>
+              <a:rPr lang="nl-BE" dirty="0"/>
               <a:t>/config/1</a:t>
             </a:r>
-            <a:br>
-              <a:rPr lang="en-US" dirty="0"/>
-            </a:br>
-            <a:r>
-              <a:rPr lang="en-US" dirty="0"/>
-              <a:t>This is an optimistic way of configuring the object.</a:t>
-            </a:r>
-          </a:p>
-          <a:p>
-            <a:pPr marL="165501" indent="-165501">
-              <a:buFont typeface="Arial" panose="020B0604020202020204" pitchFamily="34" charset="0"/>
-              <a:buChar char="•"/>
-            </a:pPr>
-            <a:r>
-              <a:rPr lang="en-US" dirty="0"/>
+          </a:p>
+          <a:p>
+            <a:r>
+              <a:rPr lang="nl-BE" dirty="0"/>
+              <a:t>Dit is een zeer optimistiche manier van werken, als je alleen werkt aan een project kan je dit wel doen.</a:t>
+            </a:r>
+          </a:p>
+          <a:p>
+            <a:r>
+              <a:rPr lang="nl-BE" dirty="0"/>
               <a:t>/config/2</a:t>
             </a:r>
-            <a:br>
-              <a:rPr lang="en-US" dirty="0"/>
-            </a:br>
-            <a:r>
-              <a:rPr lang="en-US" dirty="0"/>
-              <a:t>This one deals with everything itself; each value is extracted as a nullable string and must be transformed and validated before it can be used</a:t>
-            </a:r>
-          </a:p>
-          <a:p>
-            <a:pPr marL="165501" indent="-165501">
-              <a:buFont typeface="Arial" panose="020B0604020202020204" pitchFamily="34" charset="0"/>
-              <a:buChar char="•"/>
-            </a:pPr>
-            <a:r>
-              <a:rPr lang="en-US" dirty="0"/>
+          </a:p>
+          <a:p>
+            <a:r>
+              <a:rPr lang="nl-BE" dirty="0"/>
+              <a:t>Vanzodra er mee komt werken aan je project ga je al vlug merken dat je nood gaat hebben aan validatie. In dit voorbeeld wordt alles afgehandeld in deze method.</a:t>
+            </a:r>
+          </a:p>
+          <a:p>
+            <a:r>
+              <a:rPr lang="nl-BE" dirty="0"/>
               <a:t>/config/3</a:t>
             </a:r>
-            <a:br>
-              <a:rPr lang="en-US" dirty="0"/>
-            </a:br>
-            <a:r>
-              <a:rPr lang="en-US" dirty="0"/>
-              <a:t>Already a bit more advanced as we are no longer responsible for the transformation from string to another datatype.</a:t>
-            </a:r>
-            <a:br>
-              <a:rPr lang="en-US" dirty="0"/>
-            </a:br>
-            <a:r>
-              <a:rPr lang="en-US" dirty="0"/>
-              <a:t>To make this work we need the NuGet package “</a:t>
-            </a:r>
-            <a:r>
-              <a:rPr lang="en-US" b="1" dirty="0" err="1"/>
+          </a:p>
+          <a:p>
+            <a:r>
+              <a:rPr lang="nl-BE" dirty="0"/>
+              <a:t>Bepaalde stappen kan je echter vereenvoudigen door te werken met GetValue zo hoef je bepaalde boiler plate code niet telkens opnieuw te schrijven.</a:t>
+            </a:r>
+          </a:p>
+          <a:p>
+            <a:r>
+              <a:rPr lang="nl-BE" dirty="0"/>
+              <a:t>Hiervoor heb je wel de NuGet package “</a:t>
+            </a:r>
+            <a:r>
+              <a:rPr lang="nl-BE" b="1" dirty="0"/>
               <a:t>Microsoft.Extensions.Configuration.Binder</a:t>
             </a:r>
             <a:r>
-              <a:rPr lang="en-US" dirty="0"/>
-              <a:t>”</a:t>
-            </a:r>
-          </a:p>
-          <a:p>
-            <a:pPr marL="165501" indent="-165501">
-              <a:buFont typeface="Arial" panose="020B0604020202020204" pitchFamily="34" charset="0"/>
-              <a:buChar char="•"/>
-            </a:pPr>
-            <a:r>
-              <a:rPr lang="en-US" dirty="0"/>
+              <a:rPr lang="nl-BE" dirty="0"/>
+              <a:t>” nodig. Maar deze zit tegenwoordig terug native in de SDK.</a:t>
+            </a:r>
+          </a:p>
+          <a:p>
+            <a:r>
+              <a:rPr lang="nl-BE" dirty="0"/>
               <a:t>/config/4</a:t>
             </a:r>
-            <a:br>
-              <a:rPr lang="en-US" dirty="0"/>
-            </a:br>
-            <a:r>
-              <a:rPr lang="en-US" dirty="0"/>
-              <a:t>Up the anti a bit again as now we only need to point to the JSON property who is representing our object.</a:t>
-            </a:r>
-            <a:br>
-              <a:rPr lang="en-US" dirty="0"/>
-            </a:br>
-            <a:r>
-              <a:rPr lang="en-US" dirty="0"/>
-              <a:t>Advantage of this approach is that new values are automatically being picked up if they are added. Only the validation step still needs to occur.</a:t>
-            </a:r>
-            <a:br>
-              <a:rPr lang="en-US" dirty="0"/>
-            </a:br>
-            <a:r>
-              <a:rPr lang="en-US" dirty="0"/>
-              <a:t>They must be at least public settable (Init, set or via the constructor)</a:t>
-            </a:r>
-          </a:p>
-          <a:p>
-            <a:pPr marL="165501" indent="-165501">
-              <a:buFont typeface="Arial" panose="020B0604020202020204" pitchFamily="34" charset="0"/>
-              <a:buChar char="•"/>
-            </a:pPr>
+          </a:p>
+          <a:p>
+            <a:r>
+              <a:rPr lang="nl-BE" dirty="0"/>
+              <a:t>In het laatste voorbeeld gaan we nog een stapje verder en verwijzen we naar het pad die ons object vertegenwoordigd.</a:t>
+            </a:r>
+          </a:p>
+          <a:p>
+            <a:r>
+              <a:rPr lang="nl-BE" dirty="0"/>
+              <a:t>Voordeel hiervan is als er nieuwe properties bijkomen de binding automatisch gebeurd met je object als je ook deze natuurlijk voorziet van die property.</a:t>
+            </a:r>
+          </a:p>
+          <a:p>
+            <a:r>
+              <a:rPr lang="nl-BE" dirty="0"/>
+              <a:t>Enkel de validatie moet nog gebeuren en hier merkt je wel dat er een compromie gesloten moet worden met de nullable types bv.</a:t>
+            </a:r>
+          </a:p>
+          <a:p>
+            <a:r>
+              <a:rPr lang="nl-BE" dirty="0"/>
+              <a:t>Ook moeten de properties publiek geconfigureerd worden dit </a:t>
+            </a:r>
+            <a:r>
+              <a:rPr lang="nl-BE" b="1" dirty="0"/>
+              <a:t>via init, set of constructor.</a:t>
+            </a:r>
+          </a:p>
+          <a:p>
+            <a:endParaRPr lang="nl-BE" dirty="0"/>
+          </a:p>
+          <a:p>
+            <a:r>
+              <a:rPr lang="nl-BE" dirty="0"/>
+              <a:t>Zijn er mensen die dit doen?</a:t>
+            </a:r>
+          </a:p>
+          <a:p>
+            <a:r>
+              <a:rPr lang="nl-BE" dirty="0"/>
+              <a:t>Bij ons op het werk gebeurd het ook maar meestal is het een variatie van de eerste optie.</a:t>
+            </a:r>
             <a:endParaRPr lang="en-US" dirty="0"/>
-          </a:p>
-          <a:p>
-            <a:r>
-              <a:rPr lang="en-US" dirty="0"/>
-              <a:t>I must be honest with these examples as they are biased, most of the time when I see </a:t>
-            </a:r>
-            <a:r>
-              <a:rPr lang="en-US" dirty="0" err="1"/>
-              <a:t>IConfiguration</a:t>
-            </a:r>
-            <a:r>
-              <a:rPr lang="en-US" dirty="0"/>
-              <a:t> being used and it is not with options they are rarely passed to an in between object, but directly to the service which needs to be configured. So actually a variation of the optimistic example 1.</a:t>
-            </a:r>
           </a:p>
         </p:txBody>
       </p:sp>
@@ -1377,39 +1329,36 @@
           <a:lstStyle/>
           <a:p>
             <a:r>
-              <a:rPr lang="en-US" noProof="0" dirty="0"/>
-              <a:t>With the base set for </a:t>
-            </a:r>
-            <a:r>
-              <a:rPr lang="en-US" noProof="0" dirty="0" err="1"/>
-              <a:t>IConfiguration</a:t>
-            </a:r>
-            <a:r>
-              <a:rPr lang="en-US" noProof="0" dirty="0"/>
-              <a:t> we can now start at looking for </a:t>
-            </a:r>
-            <a:r>
-              <a:rPr lang="en-US" noProof="0" dirty="0" err="1"/>
-              <a:t>IOptions</a:t>
-            </a:r>
-            <a:r>
-              <a:rPr lang="en-US" noProof="0" dirty="0"/>
-              <a:t>.</a:t>
-            </a:r>
-          </a:p>
-          <a:p>
-            <a:r>
-              <a:rPr lang="en-US" noProof="0" dirty="0"/>
-              <a:t>You could create options without an </a:t>
-            </a:r>
-            <a:r>
-              <a:rPr lang="en-US" noProof="0" dirty="0" err="1"/>
-              <a:t>IConfiguration</a:t>
-            </a:r>
-            <a:r>
-              <a:rPr lang="en-US" noProof="0" dirty="0"/>
-              <a:t> off course. But I rarely encounter those situations.</a:t>
-            </a:r>
+              <a:rPr lang="nl-BE" noProof="0" dirty="0"/>
+              <a:t>Met de basis van IConfiguration uitgelegd te hebben heb nu ik wel een opstapje naar het IOptions patroon.</a:t>
+            </a:r>
+          </a:p>
+          <a:p>
+            <a:r>
+              <a:rPr lang="nl-BE" noProof="0" dirty="0"/>
+              <a:t>Je kan een option maken zonder IConfiguration maar ik zie het zelfden, en eens je weet dat er iets native hier gebruik van maakt, kan je hier op inspelen zelfst.</a:t>
+            </a:r>
+          </a:p>
+          <a:p>
+            <a:endParaRPr lang="nl-BE" noProof="0" dirty="0"/>
+          </a:p>
+          <a:p>
+            <a:r>
+              <a:rPr lang="nl-BE" noProof="0" dirty="0"/>
+              <a:t>Options gaan we ook in 4 stukken demonstreren: Concept, Types, Validatie &amp; Configuratie.</a:t>
+            </a:r>
+          </a:p>
+          <a:p>
+            <a:endParaRPr lang="nl-BE" noProof="0" dirty="0"/>
+          </a:p>
+          <a:p>
+            <a:r>
+              <a:rPr lang="nl-BE" b="1" noProof="0" dirty="0"/>
+              <a:t>Iedereen nog mee?</a:t>
+            </a:r>
+          </a:p>
+          <a:p>
+            <a:endParaRPr lang="nl-BE" noProof="0" dirty="0"/>
           </a:p>
         </p:txBody>
       </p:sp>
@@ -1519,92 +1468,98 @@
           <a:lstStyle/>
           <a:p>
             <a:r>
-              <a:rPr lang="en-US" noProof="0" dirty="0" err="1"/>
+              <a:rPr lang="nl-BE" noProof="0" dirty="0"/>
               <a:t>IOptions</a:t>
             </a:r>
-            <a:endParaRPr lang="en-US" noProof="0" dirty="0"/>
-          </a:p>
-          <a:p>
-            <a:endParaRPr lang="en-US" noProof="0" dirty="0"/>
-          </a:p>
-          <a:p>
-            <a:r>
-              <a:rPr lang="en-US" noProof="0" dirty="0"/>
-              <a:t>With this pattern you can avoid that you need to make your entire solution aware about your configuration and as a bonus you get a strong typed class for accessing your configuration.</a:t>
-            </a:r>
-          </a:p>
-          <a:p>
-            <a:endParaRPr lang="en-US" noProof="0" dirty="0"/>
-          </a:p>
-          <a:p>
-            <a:r>
-              <a:rPr lang="en-US" noProof="0" dirty="0"/>
-              <a:t>It makes a clear separation between different parts of your application and thereby it offers you 2 important software principles</a:t>
-            </a:r>
-          </a:p>
-          <a:p>
-            <a:pPr marL="165501" indent="-165501">
+          </a:p>
+          <a:p>
+            <a:endParaRPr lang="nl-BE" noProof="0" dirty="0"/>
+          </a:p>
+          <a:p>
+            <a:r>
+              <a:rPr lang="nl-BE" noProof="0" dirty="0"/>
+              <a:t>Met dit patroon kan je ervoor zorgen dat niet heel je implementatie alle configuratie parameter moet kennen en als bonus krijg je er nog </a:t>
+            </a:r>
+            <a:r>
+              <a:rPr lang="nl-BE" b="1" noProof="0" dirty="0"/>
+              <a:t>een strong typed klasse </a:t>
+            </a:r>
+            <a:r>
+              <a:rPr lang="nl-BE" noProof="0" dirty="0"/>
+              <a:t>voor terug.</a:t>
+            </a:r>
+          </a:p>
+          <a:p>
+            <a:endParaRPr lang="nl-BE" noProof="0" dirty="0"/>
+          </a:p>
+          <a:p>
+            <a:r>
+              <a:rPr lang="nl-BE" noProof="0" dirty="0"/>
+              <a:t>Het zorgt voor een duidelijke scheiding voor de verschillende zaken in je applicatie die niets met elkaar moeten te maken hebben en daardoor helpt het je met de SOLID principes onrechtstreeks.</a:t>
+            </a:r>
+          </a:p>
+          <a:p>
+            <a:r>
+              <a:rPr lang="nl-BE" noProof="0" dirty="0"/>
+              <a:t>Want door deze toe passen krijg je</a:t>
+            </a:r>
+          </a:p>
+          <a:p>
+            <a:endParaRPr lang="nl-BE" noProof="0" dirty="0"/>
+          </a:p>
+          <a:p>
+            <a:pPr marL="171450" indent="-171450">
               <a:buFont typeface="Arial" panose="020B0604020202020204" pitchFamily="34" charset="0"/>
               <a:buChar char="•"/>
             </a:pPr>
             <a:r>
-              <a:rPr lang="en-US" noProof="0" dirty="0"/>
+              <a:rPr lang="nl-BE" noProof="0" dirty="0"/>
               <a:t>Interface Segregation Principle (ISP)</a:t>
             </a:r>
           </a:p>
           <a:p>
-            <a:pPr marL="165501" indent="-165501">
+            <a:pPr marL="171450" indent="-171450">
               <a:buFont typeface="Arial" panose="020B0604020202020204" pitchFamily="34" charset="0"/>
               <a:buChar char="•"/>
             </a:pPr>
             <a:r>
-              <a:rPr lang="en-US" noProof="0" dirty="0"/>
+              <a:rPr lang="nl-BE" noProof="0" dirty="0"/>
               <a:t>Separation of Concerns</a:t>
             </a:r>
           </a:p>
           <a:p>
-            <a:r>
-              <a:rPr lang="en-US" noProof="0" dirty="0"/>
-              <a:t>e.g.: Your database infrastructure doesn’t need to know anything about outgoing connections and vice versa.</a:t>
-            </a:r>
-          </a:p>
-          <a:p>
-            <a:r>
-              <a:rPr lang="en-US" noProof="0" dirty="0"/>
-              <a:t>If you would have multiple different databases, you can also separate it on their name.</a:t>
-            </a:r>
-          </a:p>
-          <a:p>
-            <a:r>
-              <a:rPr lang="en-US" noProof="0" dirty="0"/>
-              <a:t>Each piece of your application only receives the options it need to do its work.</a:t>
-            </a:r>
-          </a:p>
-          <a:p>
+            <a:endParaRPr lang="nl-BE" noProof="0" dirty="0"/>
+          </a:p>
+          <a:p>
+            <a:r>
+              <a:rPr lang="nl-BE" noProof="0" dirty="0"/>
+              <a:t>Bv.: je database infrastructuur hoeft niets te weten van andere uitgaande verbindigen of omgekeerd. Tevens als je meerdere verschillende databases hebt, kan je deze scheiden daar de optie een naam te geven.</a:t>
+            </a:r>
+          </a:p>
+          <a:p>
+            <a:r>
+              <a:rPr lang="nl-BE" noProof="0" dirty="0"/>
+              <a:t>Elk stukje van je applicatie ontvangt wat het nodig heeft om zijn werk te kunnen doen.</a:t>
+            </a:r>
+          </a:p>
+          <a:p>
+            <a:endParaRPr lang="nl-BE" noProof="0" dirty="0"/>
+          </a:p>
+          <a:p>
+            <a:r>
+              <a:rPr lang="nl-BE" noProof="0" dirty="0"/>
+              <a:t>Er is ook een native manier om validatie te doen.</a:t>
+            </a:r>
+          </a:p>
+          <a:p>
+            <a:endParaRPr lang="nl-BE" noProof="0" dirty="0"/>
+          </a:p>
+          <a:p>
+            <a:r>
+              <a:rPr lang="nl-BE" noProof="0" dirty="0"/>
+              <a:t>En de integratie met de DI container is superkrachtig. Het is tevens door deze functionaliteit dat ik verkocht ben geraakt aan dit patroon. Ik zal dit in de laatste demo aantonen waar dan ook alle stukjes die we nu behandelen toepassen in een toch voor een demo zijnde een geadvanceerdere configuratie.</a:t>
+            </a:r>
             <a:endParaRPr lang="en-US" noProof="0" dirty="0"/>
-          </a:p>
-          <a:p>
-            <a:r>
-              <a:rPr lang="en-US" noProof="0" dirty="0"/>
-              <a:t>There is a build in mechanism to validate your configuration data.</a:t>
-            </a:r>
-          </a:p>
-          <a:p>
-            <a:endParaRPr lang="en-US" noProof="0" dirty="0"/>
-          </a:p>
-          <a:p>
-            <a:r>
-              <a:rPr lang="en-US" noProof="0" dirty="0"/>
-              <a:t>And the DI integration for resolving configurational dependencies, it is this small feature which made me love the </a:t>
-            </a:r>
-            <a:r>
-              <a:rPr lang="en-US" noProof="0" dirty="0" err="1"/>
-              <a:t>IOptions</a:t>
-            </a:r>
-            <a:r>
-              <a:rPr lang="en-US" noProof="0" dirty="0"/>
-              <a:t> pattern. This will be in the last demo when all the dots are connected and will result in an advanced configuration.</a:t>
-            </a:r>
           </a:p>
         </p:txBody>
       </p:sp>
@@ -1714,105 +1669,53 @@
           <a:lstStyle/>
           <a:p>
             <a:r>
-              <a:rPr lang="en-US" noProof="0" dirty="0"/>
-              <a:t>If you are reading information about the </a:t>
-            </a:r>
-            <a:r>
-              <a:rPr lang="en-US" noProof="0" dirty="0" err="1"/>
-              <a:t>IOptions</a:t>
-            </a:r>
-            <a:r>
-              <a:rPr lang="en-US" noProof="0" dirty="0"/>
-              <a:t> pattern you could be overwhelmed by the different flavors. When your request it into your services.</a:t>
-            </a:r>
-          </a:p>
-          <a:p>
-            <a:r>
-              <a:rPr lang="en-US" noProof="0" dirty="0"/>
-              <a:t>The reason for these choices is so you could choose the best lifetime semantics which fit for your needs.</a:t>
-            </a:r>
-          </a:p>
-          <a:p>
-            <a:endParaRPr lang="en-US" noProof="0" dirty="0"/>
-          </a:p>
-          <a:p>
-            <a:r>
-              <a:rPr lang="en-US" noProof="0" dirty="0"/>
-              <a:t>The easiest one to grasp if you’re coming from an </a:t>
-            </a:r>
-            <a:r>
-              <a:rPr lang="en-US" noProof="0" dirty="0" err="1"/>
-              <a:t>IConfiguration</a:t>
-            </a:r>
-            <a:r>
-              <a:rPr lang="en-US" noProof="0" dirty="0"/>
-              <a:t> background is the </a:t>
-            </a:r>
-            <a:r>
-              <a:rPr lang="en-US" noProof="0" dirty="0" err="1"/>
-              <a:t>IOptions</a:t>
-            </a:r>
-            <a:r>
-              <a:rPr lang="en-US" noProof="0" dirty="0"/>
-              <a:t>&lt;T&gt;</a:t>
-            </a:r>
-          </a:p>
-          <a:p>
-            <a:r>
-              <a:rPr lang="en-US" noProof="0" dirty="0"/>
-              <a:t>Once it is loaded it will never change until the application is reloaded. There can also only be one if it for the entire application if you would define it again it would just overwrite the previously configured one.</a:t>
-            </a:r>
-          </a:p>
-          <a:p>
-            <a:endParaRPr lang="en-US" noProof="0" dirty="0"/>
-          </a:p>
-          <a:p>
-            <a:r>
-              <a:rPr lang="en-US" noProof="0" dirty="0"/>
-              <a:t>If you have multiple different database connections, you could opt for creating an abstract base Option class and then let each configuration inherit from it. This means you’ll have for each database a custom object. This is not always desired or needed. Another option is to opt for an </a:t>
-            </a:r>
-            <a:r>
-              <a:rPr lang="en-US" noProof="0" dirty="0" err="1"/>
-              <a:t>IOptionsMonitor</a:t>
-            </a:r>
-            <a:r>
-              <a:rPr lang="en-US" noProof="0" dirty="0"/>
-              <a:t>&lt;T&gt;.</a:t>
-            </a:r>
-          </a:p>
-          <a:p>
-            <a:r>
-              <a:rPr lang="en-US" noProof="0" dirty="0"/>
-              <a:t>Besides monitoring the configuration for changes, it also supports named options granting you the ability to reuse the option object for each different database, it comes as a </a:t>
-            </a:r>
-            <a:r>
-              <a:rPr lang="en-US" b="1" noProof="0" dirty="0"/>
-              <a:t>singleton</a:t>
-            </a:r>
-            <a:r>
-              <a:rPr lang="en-US" noProof="0" dirty="0"/>
-              <a:t> and support reload natively.</a:t>
-            </a:r>
-          </a:p>
-          <a:p>
-            <a:endParaRPr lang="en-US" noProof="0" dirty="0"/>
-          </a:p>
-          <a:p>
-            <a:r>
-              <a:rPr lang="en-US" noProof="0" dirty="0" err="1"/>
-              <a:t>IOptionsSnapshot</a:t>
-            </a:r>
-            <a:r>
-              <a:rPr lang="en-US" noProof="0" dirty="0"/>
-              <a:t>&lt;T&gt; is on each request recreated using a </a:t>
-            </a:r>
-            <a:r>
-              <a:rPr lang="en-US" b="1" noProof="0" dirty="0"/>
-              <a:t>scope</a:t>
-            </a:r>
-            <a:r>
-              <a:rPr lang="en-US" noProof="0" dirty="0"/>
-              <a:t>, so this could come with a performance hit if it is in hot path construct. And because of it being scoped it cannot be used in a singleton.</a:t>
+              <a:rPr lang="nl-BE" noProof="0" dirty="0"/>
+              <a:t>Als je voor het eerst start met IOptions zou je kunnen overweldigd raken door de verschillende implementaties. Weet dat dit gewoon heel afhankelijk is van de service waarin je ze toepast.</a:t>
+            </a:r>
+          </a:p>
+          <a:p>
+            <a:r>
+              <a:rPr lang="nl-BE" noProof="0" dirty="0"/>
+              <a:t>En dat ze juist zoals met de DI containers te maken hebben met de lifetime die ze elk hebben. Het is aan jou dan om de juiste voor je case te kiezen.</a:t>
+            </a:r>
+          </a:p>
+          <a:p>
+            <a:endParaRPr lang="nl-BE" noProof="0" dirty="0"/>
+          </a:p>
+          <a:p>
+            <a:r>
+              <a:rPr lang="nl-BE" noProof="0" dirty="0"/>
+              <a:t>Maar als je het niet zeker weet zou ik eerst starten met de default IOptions&lt;T&gt;</a:t>
+            </a:r>
+          </a:p>
+          <a:p>
+            <a:r>
+              <a:rPr lang="nl-BE" noProof="0" dirty="0"/>
+              <a:t>Eens deze ingeladen is kan deze niet meer wijzigen totdat de applicatie opnieuw opgestart is. Er kan tevens maar 1 zijn voor je volledige applicatie, moest je hem nog eens registreren dan zal deze gewoon de vorige overschrijven.</a:t>
+            </a:r>
+          </a:p>
+          <a:p>
+            <a:endParaRPr lang="nl-BE" noProof="0" dirty="0"/>
+          </a:p>
+          <a:p>
+            <a:r>
+              <a:rPr lang="nl-BE" noProof="0" dirty="0"/>
+              <a:t>Als je meerdere database connecties hebt, kan je kiezen om een abstracte klasse te maken en dan via inheritance per database een specifieke option te voorzien. Been there done that.</a:t>
+            </a:r>
+          </a:p>
+          <a:p>
+            <a:r>
+              <a:rPr lang="nl-BE" noProof="0" dirty="0"/>
+              <a:t>Je kan echter ook kiezen om ze een naam te geven tijdens het toevoegen in de DI container, als je werkt met een name moet je wel op zijn minst opteren voor een IOptionsMonitor&lt;T&gt; deze komt ook met een hot reload functionaliteit als deze gekoppeld is geweest met een IConfiguration. De lifetime van de IOptionsMonitor mag je wel vergelijken met die van een singleton totdat een hot reload een wijziging afdwingt.</a:t>
+            </a:r>
+          </a:p>
+          <a:p>
+            <a:endParaRPr lang="nl-BE" noProof="0" dirty="0"/>
+          </a:p>
+          <a:p>
+            <a:r>
+              <a:rPr lang="nl-BE" noProof="0" dirty="0"/>
+              <a:t>Als laatste heb je IOptionsSnapshot&lt;T&gt; deze wordt voor iedere request opnieuw aangemaakt en heeft de lifetime van een scope. Dus hou er rekening mee als dit in een hotpath zit dat deze ook iedere keer opnieuw aangemaakt, geconfigureerd en gevalideerd wordt. Dus dit kan wel een dure zaak worden, maar als je het nodig hebt dan is deze er.</a:t>
             </a:r>
           </a:p>
         </p:txBody>
@@ -1923,67 +1826,59 @@
           <a:lstStyle/>
           <a:p>
             <a:r>
-              <a:rPr lang="en-US" dirty="0"/>
-              <a:t>The </a:t>
-            </a:r>
-            <a:r>
-              <a:rPr lang="nl-BE" b="1" dirty="0"/>
+              <a:rPr lang="nl-BE" noProof="0" dirty="0"/>
+              <a:t>De </a:t>
+            </a:r>
+            <a:r>
+              <a:rPr lang="nl-BE" b="1" noProof="0" dirty="0"/>
               <a:t>MyOptions</a:t>
             </a:r>
             <a:r>
-              <a:rPr lang="en-US" dirty="0"/>
-              <a:t> class </a:t>
-            </a:r>
-            <a:r>
-              <a:rPr lang="en-US" noProof="0" dirty="0"/>
-              <a:t>is a very simple class, but it holds all the properties to visualize the differences between the different options types.</a:t>
-            </a:r>
-          </a:p>
-          <a:p>
-            <a:r>
-              <a:rPr lang="en-US" noProof="0" dirty="0"/>
-              <a:t>Each time a new options is created a new Id will be generated and otherwise the already existing one will be reused.</a:t>
-            </a:r>
-          </a:p>
-          <a:p>
-            <a:endParaRPr lang="en-US" noProof="0" dirty="0"/>
-          </a:p>
-          <a:p>
-            <a:endParaRPr lang="en-US" noProof="0" dirty="0"/>
-          </a:p>
-          <a:p>
-            <a:r>
-              <a:rPr lang="en-US" noProof="0" dirty="0"/>
-              <a:t>The </a:t>
-            </a:r>
-            <a:r>
-              <a:rPr lang="en-US" noProof="0" dirty="0" err="1"/>
-              <a:t>MapGet</a:t>
-            </a:r>
-            <a:r>
-              <a:rPr lang="en-US" noProof="0" dirty="0"/>
-              <a:t> endpoint has 3 different option implementations.</a:t>
-            </a:r>
-          </a:p>
-          <a:p>
-            <a:r>
-              <a:rPr lang="en-US" noProof="0" dirty="0"/>
-              <a:t>When we launch the application all 3 of them are resolved each displaying their unique id. When a new request is launched only the snapshot has a changed id.</a:t>
-            </a:r>
-          </a:p>
-          <a:p>
-            <a:r>
-              <a:rPr lang="en-US" noProof="0" dirty="0"/>
-              <a:t>Since this is in the </a:t>
-            </a:r>
-            <a:r>
-              <a:rPr lang="en-US" noProof="0" dirty="0" err="1"/>
-              <a:t>appsettings</a:t>
-            </a:r>
-            <a:r>
-              <a:rPr lang="en-US" noProof="0" dirty="0"/>
-              <a:t> file, if we update the configuration, we will see that also the monitor will change its id now as the file is reloaded.</a:t>
-            </a:r>
+              <a:rPr lang="nl-BE" noProof="0" dirty="0"/>
+              <a:t> klasse is een eenvoudige klasse, maar bevat alle eigenschappen om de verschillen tussen de 3 types te visualizeren.</a:t>
+            </a:r>
+          </a:p>
+          <a:p>
+            <a:r>
+              <a:rPr lang="nl-BE" noProof="0" dirty="0"/>
+              <a:t>Elke keer een nieuwe option gecreeerd wordt zal er een nieuwe id gegenereerd worden, en als dit niet nodig is zal de bestaande hergebruikt worden.</a:t>
+            </a:r>
+          </a:p>
+          <a:p>
+            <a:endParaRPr lang="nl-BE" noProof="0" dirty="0"/>
+          </a:p>
+          <a:p>
+            <a:r>
+              <a:rPr lang="nl-BE" noProof="0" dirty="0"/>
+              <a:t>De options worden geconfigureerd door de AddOptions&lt;T&gt; call aan te roepen en deze dan te binden aan de configuration. Dit binden is de lijm tussen beide implementaties</a:t>
+            </a:r>
+          </a:p>
+          <a:p>
+            <a:endParaRPr lang="nl-BE" noProof="0" dirty="0"/>
+          </a:p>
+          <a:p>
+            <a:r>
+              <a:rPr lang="nl-BE" noProof="0" dirty="0"/>
+              <a:t>De MapGet endpoint heeft 3 verschillende optie implementaties.</a:t>
+            </a:r>
+          </a:p>
+          <a:p>
+            <a:r>
+              <a:rPr lang="nl-BE" noProof="0" dirty="0"/>
+              <a:t>Wanneer we de applicatie opstarten worden alle 3 geresolved en tonen ze elke hun unieke id. Als we de aanvraag nog eens doen zie je dat de snapshot gewijzigd is.</a:t>
+            </a:r>
+          </a:p>
+          <a:p>
+            <a:endParaRPr lang="nl-BE" noProof="0" dirty="0"/>
+          </a:p>
+          <a:p>
+            <a:r>
+              <a:rPr lang="nl-BE" noProof="0" dirty="0"/>
+              <a:t>Als we de appsettings file nu wijzigen zie je dat ook de monitor id gewijzigd wordt.</a:t>
+            </a:r>
+          </a:p>
+          <a:p>
+            <a:endParaRPr lang="nl-BE" noProof="0" dirty="0"/>
           </a:p>
         </p:txBody>
       </p:sp>
@@ -2093,176 +1988,232 @@
           <a:lstStyle/>
           <a:p>
             <a:r>
-              <a:rPr lang="en-US" noProof="0" dirty="0"/>
-              <a:t>Just like with the configuration binding, validation can be added. </a:t>
-            </a:r>
-            <a:br>
-              <a:rPr lang="en-US" noProof="0" dirty="0"/>
-            </a:br>
-            <a:r>
-              <a:rPr lang="en-US" b="1" dirty="0"/>
-              <a:t>Somebody who likes using </a:t>
-            </a:r>
-            <a:r>
-              <a:rPr lang="en-US" b="1" dirty="0" err="1"/>
-              <a:t>fluentvalidation</a:t>
-            </a:r>
-            <a:r>
-              <a:rPr lang="en-US" b="1" dirty="0"/>
-              <a:t>?</a:t>
-            </a:r>
-            <a:r>
-              <a:rPr lang="en-US" noProof="0" dirty="0"/>
-              <a:t> </a:t>
-            </a:r>
-            <a:br>
-              <a:rPr lang="en-US" noProof="0" dirty="0"/>
-            </a:br>
-            <a:r>
-              <a:rPr lang="en-US" b="1" dirty="0"/>
-              <a:t>Somebody who likes using data annotations?</a:t>
-            </a:r>
-            <a:br>
-              <a:rPr lang="en-US" noProof="0" dirty="0"/>
-            </a:br>
-            <a:br>
-              <a:rPr lang="en-US" noProof="0" dirty="0"/>
-            </a:br>
-            <a:r>
-              <a:rPr lang="en-US" noProof="0" dirty="0"/>
-              <a:t>In this case it’s easier to do it via data annotations, I investigated fluent and gave up for this.</a:t>
-            </a:r>
-            <a:endParaRPr lang="en-US" b="1" noProof="0" dirty="0"/>
-          </a:p>
-          <a:p>
-            <a:r>
-              <a:rPr lang="en-US" noProof="0" dirty="0"/>
-              <a:t>By annotating the properties via attributes, we can instruct the rules for loading the options.</a:t>
-            </a:r>
-          </a:p>
-          <a:p>
-            <a:endParaRPr lang="en-US" noProof="0" dirty="0"/>
-          </a:p>
-          <a:p>
-            <a:r>
-              <a:rPr lang="en-US" noProof="0" dirty="0"/>
-              <a:t>Just setting the options is not </a:t>
-            </a:r>
-            <a:r>
-              <a:rPr lang="en-US" dirty="0"/>
-              <a:t>enough the </a:t>
-            </a:r>
-            <a:r>
-              <a:rPr lang="en-US" dirty="0" err="1"/>
+              <a:rPr lang="nl-BE" noProof="0" dirty="0"/>
+              <a:t>Herinner je nog de configuratie validatie, dit kunnen we ook doen met IOptions.</a:t>
+            </a:r>
+          </a:p>
+          <a:p>
+            <a:pPr marL="171450" indent="-171450">
+              <a:buFont typeface="Arial" panose="020B0604020202020204" pitchFamily="34" charset="0"/>
+              <a:buChar char="•"/>
+            </a:pPr>
+            <a:r>
+              <a:rPr lang="nl-BE" b="1" noProof="0" dirty="0"/>
+              <a:t>Iemand fan van FluentValidations?</a:t>
+            </a:r>
+          </a:p>
+          <a:p>
+            <a:pPr marL="171450" indent="-171450">
+              <a:buFont typeface="Arial" panose="020B0604020202020204" pitchFamily="34" charset="0"/>
+              <a:buChar char="•"/>
+            </a:pPr>
+            <a:r>
+              <a:rPr lang="nl-BE" b="1" noProof="0" dirty="0"/>
+              <a:t>Iemand fan van DataAnnotations?</a:t>
+            </a:r>
+          </a:p>
+          <a:p>
+            <a:pPr marL="0" indent="0">
+              <a:buFont typeface="Arial" panose="020B0604020202020204" pitchFamily="34" charset="0"/>
+              <a:buNone/>
+            </a:pPr>
+            <a:r>
+              <a:rPr lang="nl-BE" b="0" noProof="0" dirty="0"/>
+              <a:t>In dit geval kies je het beste voor DataAnnotations, ik heb fluent geprobeerd als alternatief maar het voelde zeer hacky aan.</a:t>
+            </a:r>
+          </a:p>
+          <a:p>
+            <a:pPr marL="0" indent="0">
+              <a:buFont typeface="Arial" panose="020B0604020202020204" pitchFamily="34" charset="0"/>
+              <a:buNone/>
+            </a:pPr>
+            <a:r>
+              <a:rPr lang="nl-BE" b="0" noProof="0" dirty="0"/>
+              <a:t>Dus voor options raad ik DataAnnotations aan, deze kunnen via attributen op de properties ingeladen worden.</a:t>
+            </a:r>
+          </a:p>
+          <a:p>
+            <a:pPr marL="0" indent="0">
+              <a:buFont typeface="Arial" panose="020B0604020202020204" pitchFamily="34" charset="0"/>
+              <a:buNone/>
+            </a:pPr>
+            <a:endParaRPr lang="nl-BE" b="0" noProof="0" dirty="0"/>
+          </a:p>
+          <a:p>
+            <a:pPr marL="0" indent="0">
+              <a:buFont typeface="Arial" panose="020B0604020202020204" pitchFamily="34" charset="0"/>
+              <a:buNone/>
+            </a:pPr>
+            <a:r>
+              <a:rPr lang="nl-BE" b="0" noProof="0" dirty="0"/>
+              <a:t>Gewoon de attributen zetten echter is niet genoeg ValidateDataAnnotations moet ook gezet worden. Dit zal niet de optie valideren tijdens het starten maar tijdens het eerste gebruik.</a:t>
+            </a:r>
+          </a:p>
+          <a:p>
+            <a:pPr marL="0" indent="0">
+              <a:buFont typeface="Arial" panose="020B0604020202020204" pitchFamily="34" charset="0"/>
+              <a:buNone/>
+            </a:pPr>
+            <a:endParaRPr lang="nl-BE" b="0" noProof="0" dirty="0"/>
+          </a:p>
+          <a:p>
+            <a:pPr marL="0" indent="0">
+              <a:buFont typeface="Arial" panose="020B0604020202020204" pitchFamily="34" charset="0"/>
+              <a:buNone/>
+            </a:pPr>
+            <a:r>
+              <a:rPr lang="nl-BE" b="0" noProof="0" dirty="0"/>
+              <a:t>Als je de validatie liever bij het starten hebt zodat een validatie een </a:t>
+            </a:r>
+            <a:r>
+              <a:rPr lang="nl-BE" b="1" noProof="0" dirty="0"/>
+              <a:t>startup</a:t>
+            </a:r>
+            <a:r>
+              <a:rPr lang="nl-BE" b="0" noProof="0" dirty="0"/>
+              <a:t> error geeft in plaats van een </a:t>
+            </a:r>
+            <a:r>
+              <a:rPr lang="nl-BE" b="1" noProof="0" dirty="0"/>
+              <a:t>runtime</a:t>
+            </a:r>
+            <a:r>
+              <a:rPr lang="nl-BE" b="0" noProof="0" dirty="0"/>
+              <a:t> error dien je add </a:t>
+            </a:r>
+            <a:r>
+              <a:rPr lang="nl-BE" b="1" noProof="0" dirty="0"/>
+              <a:t>ValidateOnStart</a:t>
+            </a:r>
+            <a:r>
+              <a:rPr lang="nl-BE" b="0" noProof="0" dirty="0"/>
+              <a:t> toe te voegen. Sinds .NET8 is er een nieuwe method </a:t>
+            </a:r>
+            <a:r>
+              <a:rPr lang="nl-BE" b="1" noProof="0" dirty="0"/>
+              <a:t>AddOptionsWithValidateOnStart</a:t>
+            </a:r>
+            <a:r>
+              <a:rPr lang="nl-BE" b="0" noProof="0" dirty="0"/>
+              <a:t> deze registreert de optie en doet het valideren voor je tijdens de startup. Maar je hebt echter nog steeds de </a:t>
+            </a:r>
+            <a:r>
+              <a:rPr lang="nl-BE" b="1" noProof="0" dirty="0"/>
               <a:t>ValidateDataAnnotations</a:t>
             </a:r>
             <a:r>
-              <a:rPr lang="en-US" dirty="0"/>
-              <a:t> must be set as well. This will not validate the option on startup, but at first usage.</a:t>
-            </a:r>
-          </a:p>
-          <a:p>
-            <a:endParaRPr lang="en-US" dirty="0"/>
-          </a:p>
-          <a:p>
-            <a:r>
-              <a:rPr lang="en-US" dirty="0"/>
-              <a:t>If you want to have the options validated on startup and throwing a </a:t>
-            </a:r>
-            <a:r>
-              <a:rPr lang="en-US" b="1" dirty="0"/>
-              <a:t>startup error </a:t>
-            </a:r>
-            <a:r>
-              <a:rPr lang="en-US" dirty="0"/>
-              <a:t>rather than a </a:t>
-            </a:r>
-            <a:r>
-              <a:rPr lang="en-US" b="1" dirty="0"/>
-              <a:t>runtime</a:t>
-            </a:r>
-            <a:r>
-              <a:rPr lang="en-US" dirty="0"/>
-              <a:t> error add </a:t>
-            </a:r>
-            <a:r>
-              <a:rPr lang="en-US" dirty="0" err="1"/>
-              <a:t>ValidateOnStart</a:t>
-            </a:r>
-            <a:r>
-              <a:rPr lang="en-US" dirty="0"/>
-              <a:t>. Since .NET8 there is a new </a:t>
-            </a:r>
-            <a:r>
-              <a:rPr lang="en-US" dirty="0" err="1"/>
-              <a:t>AddOptionsWithValidateOnStart</a:t>
-            </a:r>
-            <a:r>
-              <a:rPr lang="en-US" dirty="0"/>
-              <a:t> which register the option and validate it on startup. But it still needs the </a:t>
-            </a:r>
-            <a:r>
-              <a:rPr lang="nl-BE" dirty="0"/>
-              <a:t>ValidateDataAnnotations to be called as well.</a:t>
-            </a:r>
-            <a:endParaRPr lang="en-US" dirty="0"/>
-          </a:p>
-          <a:p>
-            <a:endParaRPr lang="en-US" dirty="0"/>
-          </a:p>
-          <a:p>
-            <a:r>
-              <a:rPr lang="en-US" dirty="0"/>
-              <a:t>When you have some advanced validation requirements you could use a custom validation, this can be done via a delegate or a dedicated class.</a:t>
-            </a:r>
-          </a:p>
-          <a:p>
-            <a:r>
-              <a:rPr lang="en-US" dirty="0"/>
-              <a:t>The last few years they’ve put a lot of effort in source generating this can be done for these validations as well. Reducing the need for reflection resolving the validations at design time.</a:t>
-            </a:r>
-          </a:p>
-          <a:p>
-            <a:r>
-              <a:rPr lang="en-US" dirty="0"/>
-              <a:t>It requires to register a partial class, and annotate it with the options validator attribute, then it needs to be registered as a singleton in the container and in the </a:t>
-            </a:r>
-            <a:r>
-              <a:rPr lang="en-US" dirty="0" err="1"/>
-              <a:t>csproj</a:t>
-            </a:r>
-            <a:r>
-              <a:rPr lang="en-US" dirty="0"/>
-              <a:t> file the element </a:t>
-            </a:r>
-            <a:r>
-              <a:rPr lang="en-US" b="1" dirty="0"/>
-              <a:t>&lt;</a:t>
-            </a:r>
-            <a:r>
-              <a:rPr lang="en-US" b="1" dirty="0" err="1"/>
-              <a:t>EnableConfigurationBindingGenerator</a:t>
-            </a:r>
-            <a:r>
-              <a:rPr lang="en-US" b="1" dirty="0"/>
-              <a:t>&gt;true&lt;/</a:t>
-            </a:r>
-            <a:r>
-              <a:rPr lang="en-US" b="1" dirty="0" err="1"/>
-              <a:t>EnableConfigurationBindingGenerator</a:t>
-            </a:r>
-            <a:r>
-              <a:rPr lang="en-US" b="1" dirty="0"/>
-              <a:t>&gt; </a:t>
-            </a:r>
-            <a:r>
-              <a:rPr lang="en-US" dirty="0"/>
-              <a:t>must be set.</a:t>
-            </a:r>
-            <a:endParaRPr lang="en-US" b="1" dirty="0"/>
-          </a:p>
-          <a:p>
-            <a:endParaRPr lang="nl-BE" dirty="0"/>
+              <a:rPr lang="nl-BE" b="0" noProof="0" dirty="0"/>
+              <a:t> nodig.</a:t>
+            </a:r>
+          </a:p>
+          <a:p>
+            <a:pPr marL="0" indent="0">
+              <a:buFont typeface="Arial" panose="020B0604020202020204" pitchFamily="34" charset="0"/>
+              <a:buNone/>
+            </a:pPr>
+            <a:endParaRPr lang="nl-BE" b="0" noProof="0" dirty="0"/>
+          </a:p>
+          <a:p>
+            <a:pPr marL="0" indent="0">
+              <a:buFont typeface="Arial" panose="020B0604020202020204" pitchFamily="34" charset="0"/>
+              <a:buNone/>
+            </a:pPr>
+            <a:r>
+              <a:rPr lang="nl-BE" b="0" noProof="0" dirty="0"/>
+              <a:t>Wanneer je validatie regels geavanceerder zijn dan de standaard opties kan je altijd via een delegate of een aparte klasse een custom validatie introduceren.</a:t>
+            </a:r>
+          </a:p>
+          <a:p>
+            <a:pPr marL="0" indent="0">
+              <a:buFont typeface="Arial" panose="020B0604020202020204" pitchFamily="34" charset="0"/>
+              <a:buNone/>
+            </a:pPr>
+            <a:r>
+              <a:rPr lang="nl-BE" b="0" noProof="0" dirty="0"/>
+              <a:t>Dan moet deze wel nog geregistreerd worden als een singleton anders heb je gewoon een mooie klasse gemaakt die niet gebruikt zal worden.</a:t>
+            </a:r>
+          </a:p>
+          <a:p>
+            <a:pPr marL="0" indent="0">
+              <a:buFont typeface="Arial" panose="020B0604020202020204" pitchFamily="34" charset="0"/>
+              <a:buNone/>
+            </a:pPr>
+            <a:endParaRPr lang="nl-BE" b="0" noProof="0" dirty="0"/>
+          </a:p>
+          <a:p>
+            <a:pPr marL="0" indent="0">
+              <a:buFont typeface="Arial" panose="020B0604020202020204" pitchFamily="34" charset="0"/>
+              <a:buNone/>
+            </a:pPr>
+            <a:r>
+              <a:rPr lang="nl-BE" b="0" noProof="0" dirty="0"/>
+              <a:t>De laatste jaren heeft Microsoft veel energie gestoken in het source generaten van reflection based calls.</a:t>
+            </a:r>
+          </a:p>
+          <a:p>
+            <a:pPr marL="0" indent="0">
+              <a:buFont typeface="Arial" panose="020B0604020202020204" pitchFamily="34" charset="0"/>
+              <a:buNone/>
+            </a:pPr>
+            <a:r>
+              <a:rPr lang="nl-BE" b="0" noProof="0" dirty="0"/>
+              <a:t>Als je al een aparte klasse voorzien had kan je deze voorzien van het partial keyword en annoteer het met de validator attribute.</a:t>
+            </a:r>
+          </a:p>
+          <a:p>
+            <a:pPr marL="0" indent="0">
+              <a:buFont typeface="Arial" panose="020B0604020202020204" pitchFamily="34" charset="0"/>
+              <a:buNone/>
+            </a:pPr>
+            <a:r>
+              <a:rPr lang="nl-BE" b="0" noProof="0" dirty="0"/>
+              <a:t>Als validatie zo ingesteld is </a:t>
+            </a:r>
+            <a:r>
+              <a:rPr lang="nl-BE" b="0" noProof="0"/>
+              <a:t>dan hoeft </a:t>
+            </a:r>
+            <a:r>
+              <a:rPr lang="nl-BE" b="0" noProof="0" dirty="0"/>
+              <a:t>de ValidateDataAnnotations niet meer expliciet gezet worden.</a:t>
+            </a:r>
+          </a:p>
+          <a:p>
+            <a:pPr marL="0" indent="0">
+              <a:buFont typeface="Arial" panose="020B0604020202020204" pitchFamily="34" charset="0"/>
+              <a:buNone/>
+            </a:pPr>
+            <a:endParaRPr lang="nl-BE" b="0" noProof="0" dirty="0"/>
+          </a:p>
+          <a:p>
+            <a:pPr marL="0" indent="0">
+              <a:buFont typeface="Arial" panose="020B0604020202020204" pitchFamily="34" charset="0"/>
+              <a:buNone/>
+            </a:pPr>
+            <a:r>
+              <a:rPr lang="nl-BE" b="0" noProof="0" dirty="0"/>
+              <a:t>Als we dan toch bezig zijn met het source generaten van deze calls kan je ook in de csproj file</a:t>
+            </a:r>
+          </a:p>
+          <a:p>
+            <a:pPr marL="0" indent="0">
+              <a:buFont typeface="Arial" panose="020B0604020202020204" pitchFamily="34" charset="0"/>
+              <a:buNone/>
+            </a:pPr>
+            <a:r>
+              <a:rPr lang="nl-BE" b="1" noProof="0" dirty="0"/>
+              <a:t>&lt;EnableConfigurationBindingGenerator&gt;true&lt;/EnableConfigurationBindingGenerator&gt;.</a:t>
+            </a:r>
+          </a:p>
+          <a:p>
+            <a:pPr marL="0" indent="0">
+              <a:buFont typeface="Arial" panose="020B0604020202020204" pitchFamily="34" charset="0"/>
+              <a:buNone/>
+            </a:pPr>
+            <a:r>
+              <a:rPr lang="nl-BE" b="0" noProof="0" dirty="0"/>
+              <a:t>Dit laatste is niet nodig voor validatie maar het zorgt ervoor dat de binding ook via source generation gedaan wordt.</a:t>
+            </a:r>
           </a:p>
         </p:txBody>
       </p:sp>
@@ -2371,432 +2322,1019 @@
           <a:bodyPr/>
           <a:lstStyle/>
           <a:p>
-            <a:pPr defTabSz="882670">
-              <a:defRPr/>
-            </a:pPr>
-            <a:r>
-              <a:rPr lang="en-US" sz="800" dirty="0"/>
-              <a:t>I had to create multiple files just to avoid confusion and to be able to build this one up with the different flavors which are available. We will start this one easy, with focusing first on the </a:t>
-            </a:r>
-            <a:r>
-              <a:rPr lang="en-US" sz="800" dirty="0" err="1"/>
+            <a:pPr algn="l"/>
+            <a:r>
+              <a:rPr lang="nl-BE" sz="1400" b="0" i="0" dirty="0">
+                <a:solidFill>
+                  <a:srgbClr val="424242"/>
+                </a:solidFill>
+                <a:effectLst/>
+                <a:latin typeface="Segoe Sans"/>
+              </a:rPr>
+              <a:t>Ik heb meerdere bestanden moeten aanmaken om verwarring te vermijden en om dit stap voor stap op te bouwen met de verschillende smaken die beschikbaar zijn. We beginnen eenvoudig, met de focus op de </a:t>
+            </a:r>
+            <a:r>
+              <a:rPr lang="nl-BE" sz="1400" b="0" i="1" dirty="0">
+                <a:solidFill>
+                  <a:srgbClr val="424242"/>
+                </a:solidFill>
+                <a:effectLst/>
+                <a:latin typeface="Segoe Sans"/>
+              </a:rPr>
               <a:t>MyOptions</a:t>
             </a:r>
             <a:r>
-              <a:rPr lang="en-US" sz="800" dirty="0"/>
-              <a:t> class, it’s the same class as the previous demo but now it’s annotated.</a:t>
-            </a:r>
-          </a:p>
-          <a:p>
-            <a:pPr marL="220668" indent="-220668">
+              <a:rPr lang="nl-BE" sz="1400" b="0" i="0" dirty="0">
+                <a:solidFill>
+                  <a:srgbClr val="424242"/>
+                </a:solidFill>
+                <a:effectLst/>
+                <a:latin typeface="Segoe Sans"/>
+              </a:rPr>
+              <a:t>-klasse. Dit is dezelfde klasse als in de vorige demo, maar nu met annotaties.</a:t>
+            </a:r>
+          </a:p>
+          <a:p>
+            <a:pPr algn="l"/>
+            <a:endParaRPr lang="nl-BE" sz="1400" b="0" i="0" dirty="0">
+              <a:solidFill>
+                <a:srgbClr val="424242"/>
+              </a:solidFill>
+              <a:effectLst/>
+              <a:latin typeface="Segoe Sans"/>
+            </a:endParaRPr>
+          </a:p>
+          <a:p>
+            <a:pPr algn="l">
               <a:buFont typeface="+mj-lt"/>
               <a:buAutoNum type="arabicPeriod"/>
             </a:pPr>
-            <a:endParaRPr lang="en-US" sz="800" dirty="0"/>
-          </a:p>
-          <a:p>
-            <a:pPr marL="220668" indent="-220668">
+            <a:r>
+              <a:rPr lang="nl-BE" sz="1400" b="0" i="0" dirty="0">
+                <a:solidFill>
+                  <a:srgbClr val="424242"/>
+                </a:solidFill>
+                <a:effectLst/>
+                <a:latin typeface="Segoe Sans"/>
+              </a:rPr>
+              <a:t> Als we de oplossing opstarten zoals ze nu is, gebeurt er niets bijzonders, ondanks de annotaties.</a:t>
+            </a:r>
+          </a:p>
+          <a:p>
+            <a:pPr algn="l">
               <a:buFont typeface="+mj-lt"/>
               <a:buAutoNum type="arabicPeriod"/>
             </a:pPr>
             <a:r>
-              <a:rPr lang="en-US" sz="800" dirty="0"/>
-              <a:t>When we spin the solution up as is, although annotated nothing odd happens.</a:t>
-            </a:r>
-          </a:p>
-          <a:p>
-            <a:pPr marL="220668" indent="-220668">
+              <a:rPr lang="nl-BE" sz="1400" b="0" i="0" dirty="0">
+                <a:solidFill>
+                  <a:srgbClr val="424242"/>
+                </a:solidFill>
+                <a:effectLst/>
+                <a:latin typeface="Segoe Sans"/>
+              </a:rPr>
+              <a:t> Om de annotaties effectief te gebruiken, moeten we </a:t>
+            </a:r>
+            <a:r>
+              <a:rPr lang="nl-BE" sz="1400" b="1" i="0" dirty="0">
+                <a:solidFill>
+                  <a:srgbClr val="424242"/>
+                </a:solidFill>
+                <a:effectLst/>
+                <a:latin typeface="Segoe Sans"/>
+              </a:rPr>
+              <a:t>ValidateDataAnnotations</a:t>
+            </a:r>
+            <a:r>
+              <a:rPr lang="nl-BE" sz="1400" b="0" i="0" dirty="0">
+                <a:solidFill>
+                  <a:srgbClr val="424242"/>
+                </a:solidFill>
+                <a:effectLst/>
+                <a:latin typeface="Segoe Sans"/>
+              </a:rPr>
+              <a:t> toevoegen.</a:t>
+            </a:r>
+            <a:br>
+              <a:rPr lang="nl-BE" sz="1400" b="0" i="0" dirty="0">
+                <a:solidFill>
+                  <a:srgbClr val="424242"/>
+                </a:solidFill>
+                <a:effectLst/>
+                <a:latin typeface="Segoe Sans"/>
+              </a:rPr>
+            </a:br>
+            <a:r>
+              <a:rPr lang="nl-BE" sz="1400" b="0" i="0" dirty="0">
+                <a:solidFill>
+                  <a:srgbClr val="424242"/>
+                </a:solidFill>
+                <a:effectLst/>
+                <a:latin typeface="Segoe Sans"/>
+              </a:rPr>
+              <a:t>Dit kan runtime-fouten opleveren, iets wat ik persoonlijk liever vermijd.</a:t>
+            </a:r>
+          </a:p>
+          <a:p>
+            <a:pPr algn="l">
               <a:buFont typeface="+mj-lt"/>
               <a:buAutoNum type="arabicPeriod"/>
             </a:pPr>
             <a:r>
-              <a:rPr lang="en-US" sz="800" dirty="0"/>
-              <a:t>To enable the usage of the annotations, we must add the </a:t>
-            </a:r>
-            <a:r>
-              <a:rPr lang="nl-BE" sz="800" dirty="0"/>
-              <a:t>ValidateDataAnnotations.</a:t>
+              <a:rPr lang="nl-BE" sz="1400" b="0" i="0" dirty="0">
+                <a:solidFill>
+                  <a:srgbClr val="424242"/>
+                </a:solidFill>
+                <a:effectLst/>
+                <a:latin typeface="Segoe Sans"/>
+              </a:rPr>
+              <a:t> Als we ook </a:t>
+            </a:r>
+            <a:r>
+              <a:rPr lang="nl-BE" sz="1400" b="1" i="0" dirty="0">
+                <a:solidFill>
+                  <a:srgbClr val="424242"/>
+                </a:solidFill>
+                <a:effectLst/>
+                <a:latin typeface="Segoe Sans"/>
+              </a:rPr>
+              <a:t>ValidateOnStart</a:t>
+            </a:r>
+            <a:r>
+              <a:rPr lang="nl-BE" sz="1400" b="0" i="0" dirty="0">
+                <a:solidFill>
+                  <a:srgbClr val="424242"/>
+                </a:solidFill>
+                <a:effectLst/>
+                <a:latin typeface="Segoe Sans"/>
+              </a:rPr>
+              <a:t> inschakelen, krijgen we die functionaliteit erbij.</a:t>
             </a:r>
             <a:br>
-              <a:rPr lang="nl-BE" sz="800" dirty="0"/>
+              <a:rPr lang="nl-BE" sz="1400" b="0" i="0" dirty="0">
+                <a:solidFill>
+                  <a:srgbClr val="424242"/>
+                </a:solidFill>
+                <a:effectLst/>
+                <a:latin typeface="Segoe Sans"/>
+              </a:rPr>
             </a:br>
             <a:r>
-              <a:rPr lang="nl-BE" sz="800" dirty="0"/>
-              <a:t>This can give us runtime errors which I personally like to avoid as much as possible.</a:t>
-            </a:r>
-          </a:p>
-          <a:p>
-            <a:pPr marL="220668" indent="-220668">
+              <a:rPr lang="nl-BE" sz="1400" b="0" i="0" dirty="0">
+                <a:solidFill>
+                  <a:srgbClr val="424242"/>
+                </a:solidFill>
+                <a:effectLst/>
+                <a:latin typeface="Segoe Sans"/>
+              </a:rPr>
+              <a:t>Je kunt ook de uit-gecommentarieerde syntax hieronder gebruiken, die doet hetzelfde, maar heeft nog steeds ValidateDataAnnotations nodig.</a:t>
+            </a:r>
+            <a:br>
+              <a:rPr lang="nl-BE" sz="1400" b="0" i="0" dirty="0">
+                <a:solidFill>
+                  <a:srgbClr val="424242"/>
+                </a:solidFill>
+                <a:effectLst/>
+                <a:latin typeface="Segoe Sans"/>
+              </a:rPr>
+            </a:br>
+            <a:br>
+              <a:rPr lang="nl-BE" sz="1400" b="0" i="0" dirty="0">
+                <a:solidFill>
+                  <a:srgbClr val="424242"/>
+                </a:solidFill>
+                <a:effectLst/>
+                <a:latin typeface="Segoe Sans"/>
+              </a:rPr>
+            </a:br>
+            <a:r>
+              <a:rPr lang="nl-BE" sz="1400" b="1" i="0" dirty="0">
+                <a:solidFill>
+                  <a:srgbClr val="424242"/>
+                </a:solidFill>
+                <a:effectLst/>
+                <a:latin typeface="Segoe Sans"/>
+              </a:rPr>
+              <a:t>Vinden jullie dit handig?</a:t>
+            </a:r>
+            <a:br>
+              <a:rPr lang="nl-BE" sz="1400" b="1" i="0" dirty="0">
+                <a:solidFill>
+                  <a:srgbClr val="424242"/>
+                </a:solidFill>
+                <a:effectLst/>
+                <a:latin typeface="Segoe Sans"/>
+              </a:rPr>
+            </a:br>
+            <a:r>
+              <a:rPr lang="nl-BE" sz="1400" b="1" i="0" dirty="0">
+                <a:solidFill>
+                  <a:srgbClr val="424242"/>
+                </a:solidFill>
+                <a:effectLst/>
+                <a:latin typeface="Segoe Sans"/>
+              </a:rPr>
+              <a:t>Heeft iemand al gespeeld met de ingebouwde source generation functionaliteiten uit de laatste releases?</a:t>
+            </a:r>
+            <a:br>
+              <a:rPr lang="nl-BE" sz="1400" b="1" i="0" dirty="0">
+                <a:solidFill>
+                  <a:srgbClr val="424242"/>
+                </a:solidFill>
+                <a:effectLst/>
+                <a:latin typeface="Segoe Sans"/>
+              </a:rPr>
+            </a:br>
+            <a:endParaRPr lang="nl-BE" sz="1400" b="1" i="0" dirty="0">
+              <a:solidFill>
+                <a:srgbClr val="424242"/>
+              </a:solidFill>
+              <a:effectLst/>
+              <a:latin typeface="Segoe Sans"/>
+            </a:endParaRPr>
+          </a:p>
+          <a:p>
+            <a:pPr algn="l">
               <a:buFont typeface="+mj-lt"/>
               <a:buAutoNum type="arabicPeriod"/>
             </a:pPr>
             <a:r>
-              <a:rPr lang="nl-BE" sz="800" dirty="0"/>
-              <a:t>When we also enable ValidateOnStart we get this functionality as well.</a:t>
+              <a:rPr lang="nl-BE" sz="1400" b="0" i="0" dirty="0">
+                <a:solidFill>
+                  <a:srgbClr val="424242"/>
+                </a:solidFill>
+                <a:effectLst/>
+                <a:latin typeface="Segoe Sans"/>
+              </a:rPr>
+              <a:t> We kunnen de validatie ook laten genereren via source generation, wat dure reflectie-aanroepen vermindert.</a:t>
             </a:r>
             <a:br>
-              <a:rPr lang="nl-BE" sz="800" dirty="0"/>
+              <a:rPr lang="nl-BE" sz="1400" b="0" i="0" dirty="0">
+                <a:solidFill>
+                  <a:srgbClr val="424242"/>
+                </a:solidFill>
+                <a:effectLst/>
+                <a:latin typeface="Segoe Sans"/>
+              </a:rPr>
             </a:br>
             <a:r>
-              <a:rPr lang="nl-BE" sz="800" dirty="0"/>
-              <a:t>You could also use the commented syntax below which does the same thing and it still needs the ValidateDataAnnotations.</a:t>
-            </a:r>
-            <a:br>
-              <a:rPr lang="nl-BE" sz="800" dirty="0"/>
-            </a:br>
-            <a:r>
-              <a:rPr lang="nl-BE" sz="800" b="1" dirty="0"/>
-              <a:t>You like this?</a:t>
-            </a:r>
-            <a:br>
-              <a:rPr lang="nl-BE" sz="800" b="1" dirty="0"/>
-            </a:br>
-            <a:r>
-              <a:rPr lang="nl-BE" sz="800" b="1" dirty="0"/>
-              <a:t>Anyone already started using the baked in source generation functionalities which came available in the latest releases?</a:t>
-            </a:r>
-            <a:endParaRPr lang="nl-BE" sz="800" dirty="0"/>
-          </a:p>
-          <a:p>
-            <a:pPr marL="220668" indent="-220668">
+              <a:rPr lang="nl-BE" sz="1400" b="0" i="0" dirty="0">
+                <a:solidFill>
+                  <a:srgbClr val="424242"/>
+                </a:solidFill>
+                <a:effectLst/>
+                <a:latin typeface="Segoe Sans"/>
+              </a:rPr>
+              <a:t>Maak een </a:t>
+            </a:r>
+            <a:r>
+              <a:rPr lang="nl-BE" sz="1400" b="1" i="0" dirty="0">
+                <a:solidFill>
+                  <a:srgbClr val="424242"/>
+                </a:solidFill>
+                <a:effectLst/>
+                <a:latin typeface="Segoe Sans"/>
+              </a:rPr>
+              <a:t>public partial class </a:t>
+            </a:r>
+            <a:r>
+              <a:rPr lang="nl-BE" sz="1400" b="0" i="0" dirty="0">
+                <a:solidFill>
+                  <a:srgbClr val="424242"/>
+                </a:solidFill>
+                <a:effectLst/>
+                <a:latin typeface="Segoe Sans"/>
+              </a:rPr>
+              <a:t>die </a:t>
+            </a:r>
+            <a:r>
+              <a:rPr lang="nl-BE" sz="1400" b="0" i="1" dirty="0">
+                <a:solidFill>
+                  <a:srgbClr val="424242"/>
+                </a:solidFill>
+                <a:effectLst/>
+                <a:latin typeface="Segoe Sans"/>
+              </a:rPr>
+              <a:t>IValidateOptions </a:t>
+            </a:r>
+            <a:r>
+              <a:rPr lang="nl-BE" sz="1400" b="0" i="0" dirty="0">
+                <a:solidFill>
+                  <a:srgbClr val="424242"/>
+                </a:solidFill>
+                <a:effectLst/>
+                <a:latin typeface="Segoe Sans"/>
+              </a:rPr>
+              <a:t>implementeert en verwijs naar MyOptions. Vergeet niet de klasse te decoreren met [OptionsValidator].</a:t>
+            </a:r>
+          </a:p>
+          <a:p>
+            <a:pPr algn="l">
               <a:buFont typeface="+mj-lt"/>
               <a:buAutoNum type="arabicPeriod"/>
             </a:pPr>
             <a:r>
-              <a:rPr lang="nl-BE" sz="800" dirty="0"/>
-              <a:t>We can source generate these validation and reduce reflection expensive reflection calls.</a:t>
-            </a:r>
-            <a:br>
-              <a:rPr lang="nl-BE" sz="800" dirty="0"/>
-            </a:br>
-            <a:r>
-              <a:rPr lang="nl-BE" sz="800" dirty="0"/>
-              <a:t>Create a </a:t>
-            </a:r>
-            <a:r>
-              <a:rPr lang="nl-BE" sz="800" b="1" dirty="0"/>
-              <a:t>public partial class </a:t>
-            </a:r>
-            <a:r>
-              <a:rPr lang="nl-BE" sz="800" dirty="0"/>
-              <a:t>and let it inherith the IValidateOptions interface and point it to the MyOptions in this case. Also decorate it with the [OptionsValidator]</a:t>
-            </a:r>
-          </a:p>
-          <a:p>
-            <a:pPr marL="220668" indent="-220668">
+              <a:rPr lang="nl-BE" sz="1400" b="0" i="0" dirty="0">
+                <a:solidFill>
+                  <a:srgbClr val="424242"/>
+                </a:solidFill>
+                <a:effectLst/>
+                <a:latin typeface="Segoe Sans"/>
+              </a:rPr>
+              <a:t> Deze klasse moet als singleton worden toegevoegd aan de DI-container om gebruikt te kunnen worden.</a:t>
+            </a:r>
+          </a:p>
+          <a:p>
+            <a:pPr algn="l">
               <a:buFont typeface="+mj-lt"/>
               <a:buAutoNum type="arabicPeriod"/>
             </a:pPr>
             <a:r>
-              <a:rPr lang="nl-BE" sz="800" dirty="0"/>
-              <a:t>This class must be added as a singleton to your di container in order to be able to be used.</a:t>
-            </a:r>
-          </a:p>
-          <a:p>
-            <a:pPr marL="220668" indent="-220668">
+              <a:rPr lang="nl-BE" sz="1400" b="0" i="0" dirty="0">
+                <a:solidFill>
+                  <a:srgbClr val="424242"/>
+                </a:solidFill>
+                <a:effectLst/>
+                <a:latin typeface="Segoe Sans"/>
+              </a:rPr>
+              <a:t> Zodra je deze validator toepast, is </a:t>
+            </a:r>
+            <a:r>
+              <a:rPr lang="nl-BE" sz="1400" b="0" i="1" dirty="0">
+                <a:solidFill>
+                  <a:srgbClr val="424242"/>
+                </a:solidFill>
+                <a:effectLst/>
+                <a:latin typeface="Segoe Sans"/>
+              </a:rPr>
+              <a:t>ValidateDataAnnotations</a:t>
+            </a:r>
+            <a:r>
+              <a:rPr lang="nl-BE" sz="1400" b="0" i="0" dirty="0">
+                <a:solidFill>
+                  <a:srgbClr val="424242"/>
+                </a:solidFill>
+                <a:effectLst/>
+                <a:latin typeface="Segoe Sans"/>
+              </a:rPr>
+              <a:t> niet meer nodig. De validatie gebeurt nu automatisch.</a:t>
+            </a:r>
+            <a:br>
+              <a:rPr lang="nl-BE" sz="1400" b="0" i="0" dirty="0">
+                <a:solidFill>
+                  <a:srgbClr val="424242"/>
+                </a:solidFill>
+                <a:effectLst/>
+                <a:latin typeface="Segoe Sans"/>
+              </a:rPr>
+            </a:br>
+            <a:br>
+              <a:rPr lang="nl-BE" sz="1400" b="0" i="0" dirty="0">
+                <a:solidFill>
+                  <a:srgbClr val="424242"/>
+                </a:solidFill>
+                <a:effectLst/>
+                <a:latin typeface="Segoe Sans"/>
+              </a:rPr>
+            </a:br>
+            <a:r>
+              <a:rPr lang="nl-BE" sz="1400" b="1" i="0" dirty="0">
+                <a:solidFill>
+                  <a:srgbClr val="424242"/>
+                </a:solidFill>
+                <a:effectLst/>
+                <a:latin typeface="Segoe Sans"/>
+              </a:rPr>
+              <a:t>Zin in meer?</a:t>
+            </a:r>
+            <a:br>
+              <a:rPr lang="nl-BE" sz="1400" b="0" i="0" dirty="0">
+                <a:solidFill>
+                  <a:srgbClr val="424242"/>
+                </a:solidFill>
+                <a:effectLst/>
+                <a:latin typeface="Segoe Sans"/>
+              </a:rPr>
+            </a:br>
+            <a:endParaRPr lang="nl-BE" sz="1400" b="0" i="0" dirty="0">
+              <a:solidFill>
+                <a:srgbClr val="424242"/>
+              </a:solidFill>
+              <a:effectLst/>
+              <a:latin typeface="Segoe Sans"/>
+            </a:endParaRPr>
+          </a:p>
+          <a:p>
+            <a:pPr algn="l">
               <a:buFont typeface="+mj-lt"/>
               <a:buAutoNum type="arabicPeriod"/>
             </a:pPr>
             <a:r>
-              <a:rPr lang="nl-BE" sz="800" dirty="0"/>
-              <a:t>Once you apply this validator class you don’t longer need the </a:t>
-            </a:r>
-            <a:r>
-              <a:rPr lang="nl-BE" sz="800" b="1" dirty="0"/>
-              <a:t>ValidateDataAnnotations</a:t>
-            </a:r>
-            <a:r>
-              <a:rPr lang="nl-BE" sz="800" dirty="0"/>
-              <a:t>. It will happen now automatically.</a:t>
+              <a:rPr lang="nl-BE" sz="1400" b="0" i="0" dirty="0">
+                <a:solidFill>
+                  <a:srgbClr val="424242"/>
+                </a:solidFill>
+                <a:effectLst/>
+                <a:latin typeface="Segoe Sans"/>
+              </a:rPr>
+              <a:t> We kunnen ook de binding laten genereren via source generation. Dit haalt de reflectie weg tussen de configuratie en het options-object.</a:t>
             </a:r>
             <a:br>
-              <a:rPr lang="nl-BE" sz="800" dirty="0"/>
+              <a:rPr lang="nl-BE" sz="1400" b="0" i="0" dirty="0">
+                <a:solidFill>
+                  <a:srgbClr val="424242"/>
+                </a:solidFill>
+                <a:effectLst/>
+                <a:latin typeface="Segoe Sans"/>
+              </a:rPr>
             </a:br>
             <a:r>
-              <a:rPr lang="nl-BE" sz="800" b="1" dirty="0"/>
-              <a:t>Do you want some more?</a:t>
-            </a:r>
-          </a:p>
-          <a:p>
-            <a:pPr marL="220668" indent="-220668">
+              <a:rPr lang="nl-BE" sz="1400" b="0" i="0" dirty="0">
+                <a:solidFill>
+                  <a:srgbClr val="424242"/>
+                </a:solidFill>
+                <a:effectLst/>
+                <a:latin typeface="Segoe Sans"/>
+              </a:rPr>
+              <a:t>Zet in het .csproj-bestand de property EnableConfigurationBindingGenerator aan.</a:t>
+            </a:r>
+            <a:br>
+              <a:rPr lang="nl-BE" sz="1400" b="0" i="0" dirty="0">
+                <a:solidFill>
+                  <a:srgbClr val="424242"/>
+                </a:solidFill>
+                <a:effectLst/>
+                <a:latin typeface="Segoe Sans"/>
+              </a:rPr>
+            </a:br>
+            <a:r>
+              <a:rPr lang="nl-BE" sz="1400" b="0" i="0" dirty="0">
+                <a:solidFill>
+                  <a:srgbClr val="424242"/>
+                </a:solidFill>
+                <a:effectLst/>
+                <a:latin typeface="Segoe Sans"/>
+              </a:rPr>
+              <a:t>Als je nu naar Program.cs kijkt, zie je een icoontje verschijnen. Als je erover hovert, zie je dat het om een intercepted call gaat.</a:t>
+            </a:r>
+            <a:br>
+              <a:rPr lang="nl-BE" sz="1400" b="0" i="0" dirty="0">
+                <a:solidFill>
+                  <a:srgbClr val="424242"/>
+                </a:solidFill>
+                <a:effectLst/>
+                <a:latin typeface="Segoe Sans"/>
+              </a:rPr>
+            </a:br>
+            <a:r>
+              <a:rPr lang="nl-BE" sz="1400" b="0" i="0" dirty="0">
+                <a:solidFill>
+                  <a:srgbClr val="424242"/>
+                </a:solidFill>
+                <a:effectLst/>
+                <a:latin typeface="Segoe Sans"/>
+              </a:rPr>
+              <a:t>We hebben nu zowel de binding als de validatie via source generation. We zitten nu al dicht bij AOT.</a:t>
+            </a:r>
+            <a:br>
+              <a:rPr lang="nl-BE" sz="1400" b="0" i="0" dirty="0">
+                <a:solidFill>
+                  <a:srgbClr val="424242"/>
+                </a:solidFill>
+                <a:effectLst/>
+                <a:latin typeface="Segoe Sans"/>
+              </a:rPr>
+            </a:br>
+            <a:r>
+              <a:rPr lang="nl-BE" sz="1400" b="1" i="0" dirty="0">
+                <a:solidFill>
+                  <a:srgbClr val="424242"/>
+                </a:solidFill>
+                <a:effectLst/>
+                <a:latin typeface="Segoe Sans"/>
+              </a:rPr>
+              <a:t>Heeft iemand hier al mee geëxperimenteerd? Ik laat straks zien hoe je dit werkend krijgt met AOT.</a:t>
+            </a:r>
+          </a:p>
+          <a:p>
+            <a:pPr algn="l">
               <a:buFont typeface="+mj-lt"/>
               <a:buAutoNum type="arabicPeriod"/>
             </a:pPr>
             <a:r>
-              <a:rPr lang="nl-BE" sz="800" dirty="0"/>
-              <a:t>We can also source generate the binding, this removes the reflection from the configuration to the options object.</a:t>
+              <a:rPr lang="nl-BE" sz="1400" b="0" i="0" dirty="0">
+                <a:solidFill>
+                  <a:srgbClr val="424242"/>
+                </a:solidFill>
+                <a:effectLst/>
+                <a:latin typeface="Segoe Sans"/>
+              </a:rPr>
+              <a:t> Als je controllers gebruikt, heb je geluk: de documentatie klopt.</a:t>
             </a:r>
             <a:br>
-              <a:rPr lang="nl-BE" sz="800" dirty="0"/>
+              <a:rPr lang="nl-BE" sz="1400" b="0" i="0" dirty="0">
+                <a:solidFill>
+                  <a:srgbClr val="424242"/>
+                </a:solidFill>
+                <a:effectLst/>
+                <a:latin typeface="Segoe Sans"/>
+              </a:rPr>
             </a:br>
             <a:r>
-              <a:rPr lang="nl-BE" sz="800" dirty="0"/>
-              <a:t>In the csproj file enable the property EnableConfigurationBindingGenerator when you now look at the program.cs file you will see an icon appearing. When you hover over it is indicating that this is an intercepted call.</a:t>
+              <a:rPr lang="nl-BE" sz="1400" b="0" i="0" dirty="0">
+                <a:solidFill>
+                  <a:srgbClr val="424242"/>
+                </a:solidFill>
+                <a:effectLst/>
+                <a:latin typeface="Segoe Sans"/>
+              </a:rPr>
+              <a:t>Gebruik je echter minimal APIs zoals in deze demo, dan niet.</a:t>
             </a:r>
             <a:br>
-              <a:rPr lang="nl-BE" sz="800" dirty="0"/>
+              <a:rPr lang="nl-BE" sz="1400" b="0" i="0" dirty="0">
+                <a:solidFill>
+                  <a:srgbClr val="424242"/>
+                </a:solidFill>
+                <a:effectLst/>
+                <a:latin typeface="Segoe Sans"/>
+              </a:rPr>
             </a:br>
             <a:r>
-              <a:rPr lang="nl-BE" sz="800" dirty="0"/>
-              <a:t>We now have the binding and the validation source generated. This brings us quite close to an AOT point.</a:t>
+              <a:rPr lang="nl-BE" sz="1400" b="0" i="0" dirty="0">
+                <a:solidFill>
+                  <a:srgbClr val="424242"/>
+                </a:solidFill>
+                <a:effectLst/>
+                <a:latin typeface="Segoe Sans"/>
+              </a:rPr>
+              <a:t>Zet de property </a:t>
+            </a:r>
+            <a:r>
+              <a:rPr lang="nl-BE" sz="1400" b="1" i="0" dirty="0">
+                <a:solidFill>
+                  <a:srgbClr val="424242"/>
+                </a:solidFill>
+                <a:effectLst/>
+                <a:latin typeface="Segoe Sans"/>
+              </a:rPr>
+              <a:t>PublishAot</a:t>
+            </a:r>
+            <a:r>
+              <a:rPr lang="nl-BE" sz="1400" b="0" i="0" dirty="0">
+                <a:solidFill>
+                  <a:srgbClr val="424242"/>
+                </a:solidFill>
+                <a:effectLst/>
+                <a:latin typeface="Segoe Sans"/>
+              </a:rPr>
+              <a:t> aan in het .csproj-bestand.</a:t>
             </a:r>
             <a:br>
-              <a:rPr lang="nl-BE" sz="800" dirty="0"/>
+              <a:rPr lang="nl-BE" sz="1400" b="0" i="0" dirty="0">
+                <a:solidFill>
+                  <a:srgbClr val="424242"/>
+                </a:solidFill>
+                <a:effectLst/>
+                <a:latin typeface="Segoe Sans"/>
+              </a:rPr>
             </a:br>
             <a:r>
-              <a:rPr lang="nl-BE" sz="800" b="1" dirty="0"/>
-              <a:t>Anyone already toyed with this? I will show you how you get this working on AOT</a:t>
-            </a:r>
-            <a:endParaRPr lang="nl-BE" sz="800" dirty="0"/>
-          </a:p>
-          <a:p>
-            <a:pPr marL="220668" indent="-220668">
+              <a:rPr lang="nl-BE" sz="1400" b="0" i="0" dirty="0">
+                <a:solidFill>
+                  <a:srgbClr val="424242"/>
+                </a:solidFill>
+                <a:effectLst/>
+                <a:latin typeface="Segoe Sans"/>
+              </a:rPr>
+              <a:t>De intercepted call verschijnt nu ook hier. Open deze call en zoek naar</a:t>
+            </a:r>
+            <a:r>
+              <a:rPr lang="nl-BE" sz="1400" b="1" i="0" dirty="0">
+                <a:solidFill>
+                  <a:srgbClr val="424242"/>
+                </a:solidFill>
+                <a:effectLst/>
+                <a:latin typeface="Segoe Sans"/>
+              </a:rPr>
+              <a:t> IOptions&lt;JsonOptions&gt;.</a:t>
+            </a:r>
+            <a:br>
+              <a:rPr lang="nl-BE" sz="1400" b="0" i="0" dirty="0">
+                <a:solidFill>
+                  <a:srgbClr val="424242"/>
+                </a:solidFill>
+                <a:effectLst/>
+                <a:latin typeface="Segoe Sans"/>
+              </a:rPr>
+            </a:br>
+            <a:r>
+              <a:rPr lang="nl-BE" sz="1400" b="0" i="0" dirty="0">
+                <a:solidFill>
+                  <a:srgbClr val="424242"/>
+                </a:solidFill>
+                <a:effectLst/>
+                <a:latin typeface="Segoe Sans"/>
+              </a:rPr>
+              <a:t>Als die niet wordt meegegeven, wordt de fallback gebruikt — en die gebruikt reflectie. </a:t>
+            </a:r>
+            <a:r>
+              <a:rPr lang="nl-BE" sz="1400" b="1" i="0" dirty="0">
+                <a:solidFill>
+                  <a:srgbClr val="424242"/>
+                </a:solidFill>
+                <a:effectLst/>
+                <a:latin typeface="Segoe Sans"/>
+              </a:rPr>
+              <a:t>Dat werkt niet met AOT.</a:t>
+            </a:r>
+          </a:p>
+          <a:p>
+            <a:pPr algn="l">
               <a:buFont typeface="+mj-lt"/>
               <a:buAutoNum type="arabicPeriod"/>
             </a:pPr>
             <a:r>
-              <a:rPr lang="nl-BE" sz="800" dirty="0"/>
-              <a:t>If you are using controllers you’re lucky the documentation is right, if you are using minimal apis like this demo you are not.</a:t>
-            </a:r>
-            <a:br>
-              <a:rPr lang="nl-BE" sz="800" dirty="0"/>
-            </a:br>
-            <a:r>
-              <a:rPr lang="nl-BE" sz="800" dirty="0"/>
-              <a:t>Enable the property PublishAot in the csproj</a:t>
-            </a:r>
-            <a:br>
-              <a:rPr lang="nl-BE" sz="800" dirty="0"/>
-            </a:br>
-            <a:r>
-              <a:rPr lang="nl-BE" sz="800" dirty="0"/>
-              <a:t>The intercepted call is now also appearing at this location as well. When he open this call we need to search for the </a:t>
-            </a:r>
-            <a:r>
-              <a:rPr lang="nl-BE" sz="800" b="1" dirty="0"/>
-              <a:t>IOptions&lt;JsonOptions&gt;</a:t>
-            </a:r>
-            <a:r>
-              <a:rPr lang="nl-BE" sz="800" dirty="0"/>
-              <a:t>, if not provided the fall back is used which uses reflection. </a:t>
-            </a:r>
-            <a:r>
-              <a:rPr lang="nl-BE" sz="800" b="1" dirty="0"/>
-              <a:t>This will not work with AOT</a:t>
-            </a:r>
-          </a:p>
-          <a:p>
-            <a:pPr marL="220668" indent="-220668">
+              <a:rPr lang="nl-BE" sz="1400" b="0" i="0" dirty="0">
+                <a:solidFill>
+                  <a:srgbClr val="424242"/>
+                </a:solidFill>
+                <a:effectLst/>
+                <a:latin typeface="Segoe Sans"/>
+              </a:rPr>
+              <a:t> Om dit op te lossen, moet je een custom JsonSerializerContext gebruiken waarin je verwijst naar MyOptions.</a:t>
+            </a:r>
+          </a:p>
+          <a:p>
+            <a:pPr algn="l">
               <a:buFont typeface="+mj-lt"/>
               <a:buAutoNum type="arabicPeriod"/>
             </a:pPr>
             <a:r>
-              <a:rPr lang="nl-BE" sz="800" dirty="0"/>
-              <a:t>To resolve this a custom JsonSerializerContext must be used where we then can point to the MyOptions.</a:t>
-            </a:r>
-          </a:p>
-          <a:p>
-            <a:pPr marL="220668" indent="-220668">
+              <a:rPr lang="nl-BE" sz="1400" b="0" i="0" dirty="0">
+                <a:solidFill>
+                  <a:srgbClr val="424242"/>
+                </a:solidFill>
+                <a:effectLst/>
+                <a:latin typeface="Segoe Sans"/>
+              </a:rPr>
+              <a:t> Voeg deze context toe aan de standaard JSON-serializer via TypeInfoResolver.</a:t>
+            </a:r>
+          </a:p>
+          <a:p>
+            <a:pPr algn="l">
               <a:buFont typeface="+mj-lt"/>
               <a:buAutoNum type="arabicPeriod"/>
             </a:pPr>
             <a:r>
-              <a:rPr lang="nl-BE" sz="800" dirty="0"/>
-              <a:t>Now we can add it to the default json serializer using the TypeInfoResolver and add the newly created context to it.</a:t>
-            </a:r>
-          </a:p>
-          <a:p>
-            <a:pPr marL="220668" indent="-220668">
+              <a:rPr lang="nl-BE" sz="1400" b="0" i="0" dirty="0">
+                <a:solidFill>
+                  <a:srgbClr val="424242"/>
+                </a:solidFill>
+                <a:effectLst/>
+                <a:latin typeface="Segoe Sans"/>
+              </a:rPr>
+              <a:t> Ik open nu een terminal en maak een AOT-build met dotnet publish.</a:t>
+            </a:r>
+            <a:br>
+              <a:rPr lang="nl-BE" sz="1400" b="0" i="0" dirty="0">
+                <a:solidFill>
+                  <a:srgbClr val="424242"/>
+                </a:solidFill>
+                <a:effectLst/>
+                <a:latin typeface="Segoe Sans"/>
+              </a:rPr>
+            </a:br>
+            <a:r>
+              <a:rPr lang="nl-BE" sz="1400" b="0" i="0" dirty="0">
+                <a:solidFill>
+                  <a:srgbClr val="424242"/>
+                </a:solidFill>
+                <a:effectLst/>
+                <a:latin typeface="Segoe Sans"/>
+              </a:rPr>
+              <a:t>Als je dit nog nooit gedaan hebt, moet je eerst de workload </a:t>
+            </a:r>
+            <a:r>
+              <a:rPr lang="nl-BE" sz="1400" b="1" i="0" dirty="0">
+                <a:solidFill>
+                  <a:srgbClr val="424242"/>
+                </a:solidFill>
+                <a:effectLst/>
+                <a:latin typeface="Segoe Sans"/>
+              </a:rPr>
+              <a:t>.NET desktop development </a:t>
+            </a:r>
+            <a:r>
+              <a:rPr lang="nl-BE" sz="1400" b="0" i="0" dirty="0">
+                <a:solidFill>
+                  <a:srgbClr val="424242"/>
+                </a:solidFill>
+                <a:effectLst/>
+                <a:latin typeface="Segoe Sans"/>
+              </a:rPr>
+              <a:t>inschakelen, anders werkt het niet.</a:t>
+            </a:r>
+          </a:p>
+          <a:p>
+            <a:pPr algn="l">
               <a:buFont typeface="+mj-lt"/>
               <a:buAutoNum type="arabicPeriod"/>
             </a:pPr>
             <a:r>
-              <a:rPr lang="nl-BE" sz="800" i="1" dirty="0"/>
-              <a:t>I will open a terminal now and create the AOT build using dotnet publish</a:t>
-            </a:r>
-            <a:br>
-              <a:rPr lang="nl-BE" sz="800" i="1" dirty="0"/>
-            </a:br>
-            <a:r>
-              <a:rPr lang="nl-BE" sz="800" i="1" dirty="0"/>
-              <a:t>If you’ve never done this before you must enable the .NET desktop development under the workloads, it will not work otherwise</a:t>
-            </a:r>
-            <a:br>
-              <a:rPr lang="nl-BE" sz="800" i="1" dirty="0"/>
-            </a:br>
-            <a:r>
-              <a:rPr lang="nl-BE" sz="800" i="1" dirty="0"/>
-              <a:t>dotnet publish</a:t>
-            </a:r>
-          </a:p>
-          <a:p>
-            <a:pPr marL="220668" indent="-220668">
+              <a:rPr lang="nl-BE" sz="1400" b="0" i="0" dirty="0">
+                <a:solidFill>
+                  <a:srgbClr val="424242"/>
+                </a:solidFill>
+                <a:effectLst/>
+                <a:latin typeface="Segoe Sans"/>
+              </a:rPr>
+              <a:t> Ga naar de AOT-map en start de app: </a:t>
+            </a:r>
+            <a:r>
+              <a:rPr lang="nl-BE" sz="1400" b="1" i="0" dirty="0">
+                <a:solidFill>
+                  <a:srgbClr val="424242"/>
+                </a:solidFill>
+                <a:effectLst/>
+                <a:latin typeface="Segoe Sans"/>
+              </a:rPr>
+              <a:t>dotnet .\OptionValidation.dll --urls https://localhost:7030</a:t>
+            </a:r>
+          </a:p>
+          <a:p>
+            <a:pPr algn="l">
               <a:buFont typeface="+mj-lt"/>
               <a:buAutoNum type="arabicPeriod"/>
             </a:pPr>
             <a:r>
-              <a:rPr lang="nl-BE" sz="800" i="1" dirty="0"/>
-              <a:t>Go to the AOT folder and start it: dotnet .\OptionValidation.dll --urls https://localhost:7030</a:t>
-            </a:r>
-          </a:p>
-          <a:p>
-            <a:pPr marL="220668" indent="-220668">
+              <a:rPr lang="nl-BE" sz="1400" b="0" i="0" dirty="0">
+                <a:solidFill>
+                  <a:srgbClr val="424242"/>
+                </a:solidFill>
+                <a:effectLst/>
+                <a:latin typeface="Segoe Sans"/>
+              </a:rPr>
+              <a:t> Ga naar de release-map en start hem daar ook: </a:t>
+            </a:r>
+            <a:r>
+              <a:rPr lang="nl-BE" sz="1400" b="1" i="0" dirty="0">
+                <a:solidFill>
+                  <a:srgbClr val="424242"/>
+                </a:solidFill>
+                <a:effectLst/>
+                <a:latin typeface="Segoe Sans"/>
+              </a:rPr>
+              <a:t>dotnet .\OptionValidation.dll --urls https://localhost:7030</a:t>
+            </a:r>
+          </a:p>
+          <a:p>
+            <a:pPr algn="l">
               <a:buFont typeface="+mj-lt"/>
               <a:buAutoNum type="arabicPeriod"/>
             </a:pPr>
             <a:r>
-              <a:rPr lang="nl-BE" sz="800" i="1" dirty="0"/>
-              <a:t>Go to the release folder and start it: dotnet .\OptionValidation.dll --urls https://localhost:7030</a:t>
-            </a:r>
-          </a:p>
-          <a:p>
-            <a:pPr marL="220668" indent="-220668">
+              <a:rPr lang="nl-BE" sz="1400" b="0" i="0" dirty="0">
+                <a:solidFill>
+                  <a:srgbClr val="424242"/>
+                </a:solidFill>
+                <a:effectLst/>
+                <a:latin typeface="Segoe Sans"/>
+              </a:rPr>
+              <a:t> Als je me kwijt bent: geen zorgen, de code komt op mijn GitHub.</a:t>
+            </a:r>
+          </a:p>
+          <a:p>
+            <a:pPr algn="l">
               <a:buFont typeface="+mj-lt"/>
               <a:buAutoNum type="arabicPeriod"/>
             </a:pPr>
             <a:r>
-              <a:rPr lang="en-US" sz="800" dirty="0"/>
-              <a:t>If you lost me this code will become available on my </a:t>
-            </a:r>
-            <a:r>
-              <a:rPr lang="en-US" sz="800" dirty="0" err="1"/>
-              <a:t>github</a:t>
-            </a:r>
-            <a:r>
-              <a:rPr lang="en-US" sz="800" dirty="0"/>
-              <a:t> so don’t worry about it.</a:t>
-            </a:r>
-          </a:p>
-          <a:p>
-            <a:pPr marL="220668" indent="-220668">
+              <a:rPr lang="nl-BE" sz="1400" b="0" i="0" dirty="0">
+                <a:solidFill>
+                  <a:srgbClr val="424242"/>
+                </a:solidFill>
+                <a:effectLst/>
+                <a:latin typeface="Segoe Sans"/>
+              </a:rPr>
+              <a:t> Hiermee is het optimaliseren van validatie via source generation afgerond. Maar deze code heeft nog een andere invalshoek.</a:t>
+            </a:r>
+          </a:p>
+          <a:p>
+            <a:pPr algn="l">
               <a:buFont typeface="+mj-lt"/>
               <a:buAutoNum type="arabicPeriod"/>
             </a:pPr>
             <a:r>
-              <a:rPr lang="en-US" sz="800" dirty="0"/>
-              <a:t>This concludes the optimization of the validation with the source generation part. But this code also has another angle.</a:t>
-            </a:r>
-          </a:p>
-          <a:p>
-            <a:pPr marL="220668" indent="-220668">
+              <a:rPr lang="nl-BE" sz="1400" b="0" i="0" dirty="0">
+                <a:solidFill>
+                  <a:srgbClr val="424242"/>
+                </a:solidFill>
+                <a:effectLst/>
+                <a:latin typeface="Segoe Sans"/>
+              </a:rPr>
+              <a:t> Toon eerst de eerste drie met de standaardwaarde, daarna de named options en laat dan de lege string (“”) zien.</a:t>
+            </a:r>
+          </a:p>
+          <a:p>
+            <a:pPr algn="l">
               <a:buFont typeface="+mj-lt"/>
               <a:buAutoNum type="arabicPeriod"/>
             </a:pPr>
             <a:r>
-              <a:rPr lang="en-US" sz="800" dirty="0"/>
-              <a:t>First demonstrate the first 3 with the default value, then show the named options and reveal the “” case.</a:t>
-            </a:r>
-          </a:p>
-          <a:p>
-            <a:pPr marL="220668" indent="-220668">
+              <a:rPr lang="nl-BE" sz="1400" b="0" i="0" dirty="0">
+                <a:solidFill>
+                  <a:srgbClr val="424242"/>
+                </a:solidFill>
+                <a:effectLst/>
+                <a:latin typeface="Segoe Sans"/>
+              </a:rPr>
+              <a:t> </a:t>
+            </a:r>
+            <a:r>
+              <a:rPr lang="nl-BE" sz="1400" b="1" i="0" dirty="0">
+                <a:solidFill>
+                  <a:srgbClr val="424242"/>
+                </a:solidFill>
+                <a:effectLst/>
+                <a:latin typeface="Segoe Sans"/>
+              </a:rPr>
+              <a:t>Weet iemand wat er gebeurt als we Get("X") aanroepen?</a:t>
+            </a:r>
+          </a:p>
+          <a:p>
+            <a:pPr algn="l">
               <a:buFont typeface="+mj-lt"/>
               <a:buAutoNum type="arabicPeriod"/>
             </a:pPr>
             <a:r>
-              <a:rPr lang="en-US" sz="800" b="1" dirty="0"/>
-              <a:t>Does anyone know what will happen when we launch the Get(“X”) call?</a:t>
-            </a:r>
-          </a:p>
-          <a:p>
-            <a:pPr marL="220668" indent="-220668">
+              <a:rPr lang="nl-BE" sz="1400" b="0" i="0" dirty="0">
+                <a:solidFill>
+                  <a:srgbClr val="424242"/>
+                </a:solidFill>
+                <a:effectLst/>
+                <a:latin typeface="Segoe Sans"/>
+              </a:rPr>
+              <a:t> Let goed op bij de validatie: die wordt toegepast op zowel de unnamed als de named options.</a:t>
+            </a:r>
+          </a:p>
+          <a:p>
+            <a:pPr algn="l">
               <a:buFont typeface="+mj-lt"/>
               <a:buAutoNum type="arabicPeriod"/>
             </a:pPr>
             <a:r>
-              <a:rPr lang="en-US" sz="800" dirty="0"/>
-              <a:t>For the validation pay attention as it will also be applied for the unnamed and named options.</a:t>
-            </a:r>
-          </a:p>
-          <a:p>
-            <a:pPr marL="220668" indent="-220668">
+              <a:rPr lang="nl-BE" sz="1400" b="0" i="0" dirty="0">
+                <a:solidFill>
+                  <a:srgbClr val="424242"/>
+                </a:solidFill>
+                <a:effectLst/>
+                <a:latin typeface="Segoe Sans"/>
+              </a:rPr>
+              <a:t> Dus als je alleen named options registreert, maar een IOptions&lt;T&gt; opvraagt, dan wordt een default optie geresolved en gevalideerd.</a:t>
+            </a:r>
+            <a:br>
+              <a:rPr lang="nl-BE" sz="1400" b="0" i="0" dirty="0">
+                <a:solidFill>
+                  <a:srgbClr val="424242"/>
+                </a:solidFill>
+                <a:effectLst/>
+                <a:latin typeface="Segoe Sans"/>
+              </a:rPr>
+            </a:br>
+            <a:r>
+              <a:rPr lang="nl-BE" sz="1400" b="0" i="0" dirty="0">
+                <a:solidFill>
+                  <a:srgbClr val="424242"/>
+                </a:solidFill>
+                <a:effectLst/>
+                <a:latin typeface="Segoe Sans"/>
+              </a:rPr>
+              <a:t>Als die standaardoptie niet door de validatie komt, krijg je alsnog een runtime-fout.</a:t>
+            </a:r>
+          </a:p>
+          <a:p>
+            <a:pPr algn="l">
               <a:buFont typeface="+mj-lt"/>
               <a:buAutoNum type="arabicPeriod"/>
             </a:pPr>
             <a:r>
-              <a:rPr lang="en-US" sz="800" dirty="0"/>
-              <a:t>Meaning if you register only named options but when you request an </a:t>
-            </a:r>
-            <a:r>
-              <a:rPr lang="en-US" sz="800" dirty="0" err="1"/>
-              <a:t>IOption</a:t>
-            </a:r>
-            <a:r>
-              <a:rPr lang="en-US" sz="800" dirty="0"/>
-              <a:t>&lt;T&gt; it will resolve a default options and apply the validation upon. If this validation can’t pass by default, then you will still face a runtime failure.</a:t>
-            </a:r>
-          </a:p>
-          <a:p>
-            <a:pPr marL="220668" indent="-220668">
+              <a:rPr lang="nl-BE" sz="1400" b="1" i="0" dirty="0">
+                <a:solidFill>
+                  <a:srgbClr val="424242"/>
+                </a:solidFill>
+                <a:effectLst/>
+                <a:latin typeface="Segoe Sans"/>
+              </a:rPr>
+              <a:t> Wat denken jullie dat er gebeurt bij Get("")?</a:t>
+            </a:r>
+          </a:p>
+          <a:p>
+            <a:pPr algn="l">
               <a:buFont typeface="+mj-lt"/>
               <a:buAutoNum type="arabicPeriod"/>
             </a:pPr>
-            <a:endParaRPr lang="en-US" sz="800" dirty="0"/>
-          </a:p>
-          <a:p>
-            <a:pPr marL="220668" indent="-220668">
-              <a:buFont typeface="+mj-lt"/>
-              <a:buAutoNum type="arabicPeriod"/>
-              <a:defRPr/>
-            </a:pPr>
-            <a:r>
-              <a:rPr lang="en-US" sz="800" dirty="0"/>
-              <a:t>Does anyone know what will happen when we launch the Get(“”) call?</a:t>
-            </a:r>
-          </a:p>
-          <a:p>
-            <a:pPr marL="220668" indent="-220668">
+            <a:r>
+              <a:rPr lang="nl-BE" sz="1400" b="0" i="0" dirty="0">
+                <a:solidFill>
+                  <a:srgbClr val="424242"/>
+                </a:solidFill>
+                <a:effectLst/>
+                <a:latin typeface="Segoe Sans"/>
+              </a:rPr>
+              <a:t> Maak nu AddOptions een named “X” en toon het verschil.</a:t>
+            </a:r>
+            <a:br>
+              <a:rPr lang="nl-BE" sz="1400" b="0" i="0" dirty="0">
+                <a:solidFill>
+                  <a:srgbClr val="424242"/>
+                </a:solidFill>
+                <a:effectLst/>
+                <a:latin typeface="Segoe Sans"/>
+              </a:rPr>
+            </a:br>
+            <a:r>
+              <a:rPr lang="nl-BE" sz="1400" b="0" i="0" dirty="0">
+                <a:solidFill>
+                  <a:srgbClr val="424242"/>
+                </a:solidFill>
+                <a:effectLst/>
+                <a:latin typeface="Segoe Sans"/>
+              </a:rPr>
+              <a:t>Dit benadrukt iets dat nog aandacht nodig heeft, ook al heb je validatie bij startup geconfigureerd.</a:t>
+            </a:r>
+          </a:p>
+          <a:p>
+            <a:pPr algn="l">
               <a:buFont typeface="+mj-lt"/>
               <a:buAutoNum type="arabicPeriod"/>
             </a:pPr>
             <a:r>
-              <a:rPr lang="en-US" sz="800" dirty="0"/>
-              <a:t>Now make the </a:t>
-            </a:r>
-            <a:r>
-              <a:rPr lang="en-US" sz="800" dirty="0" err="1"/>
-              <a:t>AddOptions</a:t>
-            </a:r>
-            <a:r>
-              <a:rPr lang="en-US" sz="800" dirty="0"/>
-              <a:t> a named “X” and show the difference highlighting a thing which still needs some attention although you configured validation on startup.</a:t>
-            </a:r>
-          </a:p>
-          <a:p>
-            <a:pPr marL="220668" indent="-220668">
+              <a:rPr lang="nl-BE" sz="1400" b="0" i="0" dirty="0">
+                <a:solidFill>
+                  <a:srgbClr val="424242"/>
+                </a:solidFill>
+                <a:effectLst/>
+                <a:latin typeface="Segoe Sans"/>
+              </a:rPr>
+              <a:t> Als validatie bij startup is ingesteld, heb je de garantie dat de configuratie op dat moment geldig was voor de geregistreerde opties.</a:t>
+            </a:r>
+          </a:p>
+          <a:p>
+            <a:pPr algn="l">
               <a:buFont typeface="+mj-lt"/>
               <a:buAutoNum type="arabicPeriod"/>
             </a:pPr>
-            <a:endParaRPr lang="en-US" sz="800" dirty="0"/>
-          </a:p>
-          <a:p>
-            <a:pPr marL="220668" indent="-220668">
-              <a:buFont typeface="+mj-lt"/>
-              <a:buAutoNum type="arabicPeriod"/>
-            </a:pPr>
-            <a:r>
-              <a:rPr lang="en-US" sz="800" dirty="0"/>
-              <a:t>When validation is set at startup time you will have the guarantee that the startup configuration was valid at that point in time for the registered options.</a:t>
-            </a:r>
-          </a:p>
-          <a:p>
-            <a:pPr marL="220668" indent="-220668">
-              <a:buFont typeface="+mj-lt"/>
-              <a:buAutoNum type="arabicPeriod"/>
-            </a:pPr>
-            <a:r>
-              <a:rPr lang="en-US" sz="800" dirty="0"/>
-              <a:t>Pay attention though if you would register named options only and request an unnamed it will try to honor the request and return a default option, if this can’t pass validation a runtime error will happen.</a:t>
+            <a:r>
+              <a:rPr lang="nl-BE" sz="1400" b="0" i="0" dirty="0">
+                <a:solidFill>
+                  <a:srgbClr val="424242"/>
+                </a:solidFill>
+                <a:effectLst/>
+                <a:latin typeface="Segoe Sans"/>
+              </a:rPr>
+              <a:t> Let wel: als je alleen named options registreert en een unnamed opvraagt, probeert het systeem die alsnog te leveren.</a:t>
             </a:r>
             <a:br>
-              <a:rPr lang="en-US" sz="800" dirty="0"/>
+              <a:rPr lang="nl-BE" sz="1400" b="0" i="0" dirty="0">
+                <a:solidFill>
+                  <a:srgbClr val="424242"/>
+                </a:solidFill>
+                <a:effectLst/>
+                <a:latin typeface="Segoe Sans"/>
+              </a:rPr>
             </a:br>
             <a:r>
-              <a:rPr lang="en-US" sz="800" dirty="0"/>
-              <a:t>This also applies for a monitored change and a snapshot.</a:t>
-            </a:r>
-          </a:p>
-          <a:p>
-            <a:endParaRPr lang="en-US" sz="800" dirty="0"/>
+              <a:rPr lang="nl-BE" sz="1400" b="0" i="0" dirty="0">
+                <a:solidFill>
+                  <a:srgbClr val="424242"/>
+                </a:solidFill>
+                <a:effectLst/>
+                <a:latin typeface="Segoe Sans"/>
+              </a:rPr>
+              <a:t>Als die niet door de validatie komt, krijg je een runtime-fout.</a:t>
+            </a:r>
+            <a:br>
+              <a:rPr lang="nl-BE" sz="1400" b="0" i="0" dirty="0">
+                <a:solidFill>
+                  <a:srgbClr val="424242"/>
+                </a:solidFill>
+                <a:effectLst/>
+                <a:latin typeface="Segoe Sans"/>
+              </a:rPr>
+            </a:br>
+            <a:r>
+              <a:rPr lang="nl-BE" sz="1400" b="0" i="0" dirty="0">
+                <a:solidFill>
+                  <a:srgbClr val="424242"/>
+                </a:solidFill>
+                <a:effectLst/>
+                <a:latin typeface="Segoe Sans"/>
+              </a:rPr>
+              <a:t>Dit geldt ook voor monitored changes en snapshots.</a:t>
+            </a:r>
+          </a:p>
+          <a:p>
+            <a:endParaRPr lang="nl-BE" sz="800" noProof="0" dirty="0"/>
           </a:p>
         </p:txBody>
       </p:sp>
@@ -2905,105 +3443,249 @@
           <a:bodyPr/>
           <a:lstStyle/>
           <a:p>
-            <a:r>
-              <a:rPr lang="en-US" noProof="0" dirty="0"/>
-              <a:t>We arrived at the last part Configure, make no mistakes this is the hardest one to get all the ins &amp; outs </a:t>
-            </a:r>
-          </a:p>
-          <a:p>
-            <a:r>
-              <a:rPr lang="en-US" noProof="0" dirty="0"/>
-              <a:t>but when it comes to specialized configuration this last step is where you can do magic with options.</a:t>
-            </a:r>
-          </a:p>
-          <a:p>
-            <a:endParaRPr lang="en-US" noProof="0" dirty="0"/>
-          </a:p>
-          <a:p>
-            <a:r>
-              <a:rPr lang="en-US" noProof="0" dirty="0"/>
-              <a:t>The execution order can be a though one if you would start combining the different executions, but if you do, you will most likely have your reasons but pay attention order matters in this case.</a:t>
-            </a:r>
-          </a:p>
-          <a:p>
-            <a:endParaRPr lang="en-US" noProof="0" dirty="0"/>
-          </a:p>
-          <a:p>
-            <a:r>
-              <a:rPr lang="en-US" noProof="0" dirty="0"/>
-              <a:t>All the configure steps, </a:t>
-            </a:r>
-            <a:r>
-              <a:rPr lang="en-US" b="1" i="1" noProof="0" dirty="0"/>
-              <a:t>Configure, </a:t>
-            </a:r>
-            <a:r>
-              <a:rPr lang="en-US" b="1" i="1" noProof="0" dirty="0" err="1"/>
-              <a:t>ConfigureAll</a:t>
-            </a:r>
-            <a:r>
-              <a:rPr lang="en-US" b="1" i="1" noProof="0" dirty="0"/>
-              <a:t>&lt;T&gt; &amp; Configure&lt;T</a:t>
-            </a:r>
-            <a:r>
-              <a:rPr lang="en-US" b="0" i="1" noProof="0" dirty="0"/>
-              <a:t>&gt;</a:t>
-            </a:r>
-            <a:r>
-              <a:rPr lang="en-US" b="0" noProof="0" dirty="0"/>
-              <a:t>,</a:t>
-            </a:r>
-            <a:r>
-              <a:rPr lang="en-US" noProof="0" dirty="0"/>
-              <a:t> no matter where they are, are executed before the post configure step in the order they were added.</a:t>
-            </a:r>
-          </a:p>
-          <a:p>
-            <a:r>
-              <a:rPr lang="en-US" noProof="0" dirty="0"/>
-              <a:t>The same applies for the post configure</a:t>
-            </a:r>
-            <a:r>
-              <a:rPr lang="en-US" dirty="0"/>
-              <a:t> which only commences when all configure steps have been done.</a:t>
-            </a:r>
-          </a:p>
-          <a:p>
-            <a:endParaRPr lang="en-US" noProof="0" dirty="0"/>
-          </a:p>
-          <a:p>
-            <a:r>
-              <a:rPr lang="en-US" noProof="0" dirty="0"/>
-              <a:t>For the </a:t>
-            </a:r>
-            <a:r>
-              <a:rPr lang="en-US" noProof="0" dirty="0" err="1"/>
-              <a:t>IServiceCollection</a:t>
-            </a:r>
-            <a:r>
-              <a:rPr lang="en-US" noProof="0" dirty="0"/>
-              <a:t> </a:t>
-            </a:r>
-            <a:r>
-              <a:rPr lang="en-US" noProof="0" dirty="0" err="1"/>
-              <a:t>PostConfigure</a:t>
-            </a:r>
-            <a:r>
-              <a:rPr lang="en-US" noProof="0" dirty="0"/>
-              <a:t> and Configure step, there is a distinct difference between named and unnamed, meaning if you configure one named it will only be applied for the named one. An unnamed one is only targeted by the one added without name.</a:t>
-            </a:r>
-          </a:p>
-          <a:p>
-            <a:endParaRPr lang="en-US" noProof="0" dirty="0"/>
-          </a:p>
-          <a:p>
-            <a:r>
-              <a:rPr lang="en-US" noProof="0" dirty="0"/>
-              <a:t>When all the configure steps are done only then the validation takes places, so if there is a common thing that will make your configuration valid this can be applied upfront.</a:t>
-            </a:r>
-          </a:p>
-          <a:p>
-            <a:endParaRPr lang="en-US" noProof="0" dirty="0"/>
+            <a:pPr algn="l"/>
+            <a:r>
+              <a:rPr lang="nl-BE" b="0" i="0" dirty="0">
+                <a:solidFill>
+                  <a:srgbClr val="424242"/>
+                </a:solidFill>
+                <a:effectLst/>
+                <a:latin typeface="Segoe Sans"/>
+              </a:rPr>
+              <a:t>We zijn aangekomen bij het laatste deel: </a:t>
+            </a:r>
+            <a:r>
+              <a:rPr lang="nl-BE" b="1" i="0" dirty="0">
+                <a:solidFill>
+                  <a:srgbClr val="424242"/>
+                </a:solidFill>
+                <a:effectLst/>
+                <a:latin typeface="Segoe Sans"/>
+              </a:rPr>
+              <a:t>Configure</a:t>
+            </a:r>
+            <a:r>
+              <a:rPr lang="nl-BE" b="0" i="0" dirty="0">
+                <a:solidFill>
+                  <a:srgbClr val="424242"/>
+                </a:solidFill>
+                <a:effectLst/>
+                <a:latin typeface="Segoe Sans"/>
+              </a:rPr>
+              <a:t>.</a:t>
+            </a:r>
+            <a:br>
+              <a:rPr lang="nl-BE" b="0" i="0" dirty="0">
+                <a:solidFill>
+                  <a:srgbClr val="424242"/>
+                </a:solidFill>
+                <a:effectLst/>
+                <a:latin typeface="Segoe Sans"/>
+              </a:rPr>
+            </a:br>
+            <a:r>
+              <a:rPr lang="nl-BE" b="0" i="0" dirty="0">
+                <a:solidFill>
+                  <a:srgbClr val="424242"/>
+                </a:solidFill>
+                <a:effectLst/>
+                <a:latin typeface="Segoe Sans"/>
+              </a:rPr>
+              <a:t>Vergis je niet — dit is het moeilijkste stuk om onder de knie te krijgen.</a:t>
+            </a:r>
+          </a:p>
+          <a:p>
+            <a:pPr algn="l"/>
+            <a:br>
+              <a:rPr lang="nl-BE" b="0" i="0" dirty="0">
+                <a:solidFill>
+                  <a:srgbClr val="424242"/>
+                </a:solidFill>
+                <a:effectLst/>
+                <a:latin typeface="Segoe Sans"/>
+              </a:rPr>
+            </a:br>
+            <a:r>
+              <a:rPr lang="nl-BE" b="0" i="0" dirty="0">
+                <a:solidFill>
+                  <a:srgbClr val="424242"/>
+                </a:solidFill>
+                <a:effectLst/>
+                <a:latin typeface="Segoe Sans"/>
+              </a:rPr>
+              <a:t>Maar als het gaat om gespecialiseerde configuratie, dan is dit het moment waarop je echt magie kunt doen met options.</a:t>
+            </a:r>
+          </a:p>
+          <a:p>
+            <a:pPr algn="l"/>
+            <a:r>
+              <a:rPr lang="nl-BE" b="0" i="0" dirty="0">
+                <a:solidFill>
+                  <a:srgbClr val="424242"/>
+                </a:solidFill>
+                <a:effectLst/>
+                <a:latin typeface="Segoe Sans"/>
+              </a:rPr>
+              <a:t>De uitvoeringsvolgorde kan lastig zijn, zeker als je verschillende configuratiestappen begint te combineren.</a:t>
+            </a:r>
+          </a:p>
+          <a:p>
+            <a:pPr algn="l"/>
+            <a:br>
+              <a:rPr lang="nl-BE" b="0" i="0" dirty="0">
+                <a:solidFill>
+                  <a:srgbClr val="424242"/>
+                </a:solidFill>
+                <a:effectLst/>
+                <a:latin typeface="Segoe Sans"/>
+              </a:rPr>
+            </a:br>
+            <a:r>
+              <a:rPr lang="nl-BE" b="0" i="0" dirty="0">
+                <a:solidFill>
+                  <a:srgbClr val="424242"/>
+                </a:solidFill>
+                <a:effectLst/>
+                <a:latin typeface="Segoe Sans"/>
+              </a:rPr>
+              <a:t>Maar als je dat doet, heb je daar waarschijnlijk goede redenen voor. Let dan wel goed op: de volgorde is hier echt belangrijk.</a:t>
+            </a:r>
+          </a:p>
+          <a:p>
+            <a:pPr algn="l"/>
+            <a:r>
+              <a:rPr lang="nl-BE" b="0" i="0" dirty="0">
+                <a:solidFill>
+                  <a:srgbClr val="424242"/>
+                </a:solidFill>
+                <a:effectLst/>
+                <a:latin typeface="Segoe Sans"/>
+              </a:rPr>
+              <a:t>Alle Configure-stappen — dus Configure, ConfigureAll&lt;T&gt; en Configure&lt;T&gt; — worden uitgevoerd voordat de PostConfigure-stap begint.</a:t>
+            </a:r>
+          </a:p>
+          <a:p>
+            <a:pPr algn="l"/>
+            <a:r>
+              <a:rPr lang="nl-BE" b="0" i="0" dirty="0">
+                <a:solidFill>
+                  <a:srgbClr val="424242"/>
+                </a:solidFill>
+                <a:effectLst/>
+                <a:latin typeface="Segoe Sans"/>
+              </a:rPr>
+              <a:t>En dat gebeurt in de volgorde waarin je ze hebt toegevoegd.</a:t>
+            </a:r>
+          </a:p>
+          <a:p>
+            <a:pPr algn="l"/>
+            <a:r>
+              <a:rPr lang="nl-BE" b="0" i="0" dirty="0">
+                <a:solidFill>
+                  <a:srgbClr val="424242"/>
+                </a:solidFill>
+                <a:effectLst/>
+                <a:latin typeface="Segoe Sans"/>
+              </a:rPr>
+              <a:t>Hetzelfde geldt voor PostConfigure: die wordt pas uitgevoerd nadat alle Configure-stappen zijn afgerond.</a:t>
+            </a:r>
+          </a:p>
+          <a:p>
+            <a:pPr algn="l"/>
+            <a:endParaRPr lang="nl-BE" b="0" i="0" dirty="0">
+              <a:solidFill>
+                <a:srgbClr val="424242"/>
+              </a:solidFill>
+              <a:effectLst/>
+              <a:latin typeface="Segoe Sans"/>
+            </a:endParaRPr>
+          </a:p>
+          <a:p>
+            <a:pPr algn="l"/>
+            <a:r>
+              <a:rPr lang="nl-BE" b="0" i="0" dirty="0">
+                <a:solidFill>
+                  <a:srgbClr val="424242"/>
+                </a:solidFill>
+                <a:effectLst/>
+                <a:latin typeface="Segoe Sans"/>
+              </a:rPr>
+              <a:t>Voor de IServiceCollection zijn er ook belangrijke verschillen tussen named en unnamed configuraties:</a:t>
+            </a:r>
+          </a:p>
+          <a:p>
+            <a:pPr marL="171450" indent="-171450" algn="l">
+              <a:buFont typeface="Arial" panose="020B0604020202020204" pitchFamily="34" charset="0"/>
+              <a:buChar char="•"/>
+            </a:pPr>
+            <a:r>
+              <a:rPr lang="nl-BE" b="0" i="0" dirty="0">
+                <a:solidFill>
+                  <a:srgbClr val="424242"/>
+                </a:solidFill>
+                <a:effectLst/>
+                <a:latin typeface="Segoe Sans"/>
+              </a:rPr>
+              <a:t>Als je een named configuratie toevoegt, wordt die alleen toegepast op die specifieke naam.</a:t>
+            </a:r>
+          </a:p>
+          <a:p>
+            <a:pPr marL="171450" indent="-171450" algn="l">
+              <a:buFont typeface="Arial" panose="020B0604020202020204" pitchFamily="34" charset="0"/>
+              <a:buChar char="•"/>
+            </a:pPr>
+            <a:r>
+              <a:rPr lang="nl-BE" b="0" i="0" dirty="0">
+                <a:solidFill>
+                  <a:srgbClr val="424242"/>
+                </a:solidFill>
+                <a:effectLst/>
+                <a:latin typeface="Segoe Sans"/>
+              </a:rPr>
+              <a:t>Een unnamed configuratie wordt alleen toegepast op opties zonder naam.</a:t>
+            </a:r>
+          </a:p>
+          <a:p>
+            <a:pPr algn="l"/>
+            <a:endParaRPr lang="nl-BE" b="0" i="0" dirty="0">
+              <a:solidFill>
+                <a:srgbClr val="424242"/>
+              </a:solidFill>
+              <a:effectLst/>
+              <a:latin typeface="Segoe Sans"/>
+            </a:endParaRPr>
+          </a:p>
+          <a:p>
+            <a:pPr algn="l"/>
+            <a:r>
+              <a:rPr lang="nl-BE" b="0" i="0" dirty="0">
+                <a:solidFill>
+                  <a:srgbClr val="424242"/>
+                </a:solidFill>
+                <a:effectLst/>
+                <a:latin typeface="Segoe Sans"/>
+              </a:rPr>
+              <a:t>Pas nadat alle Configure-stappen zijn uitgevoerd, wordt de validatie toegepast.</a:t>
+            </a:r>
+            <a:br>
+              <a:rPr lang="nl-BE" b="0" i="0" dirty="0">
+                <a:solidFill>
+                  <a:srgbClr val="424242"/>
+                </a:solidFill>
+                <a:effectLst/>
+                <a:latin typeface="Segoe Sans"/>
+              </a:rPr>
+            </a:br>
+            <a:r>
+              <a:rPr lang="nl-BE" b="0" i="0" dirty="0">
+                <a:solidFill>
+                  <a:srgbClr val="424242"/>
+                </a:solidFill>
+                <a:effectLst/>
+                <a:latin typeface="Segoe Sans"/>
+              </a:rPr>
+              <a:t>Dus als er iets is dat je configuratie geldig maakt, kun je dat best al in een vroege Configure-stap doen.</a:t>
+            </a:r>
           </a:p>
         </p:txBody>
       </p:sp>
@@ -3112,159 +3794,421 @@
           <a:bodyPr/>
           <a:lstStyle/>
           <a:p>
-            <a:r>
-              <a:rPr lang="en-US" noProof="0" dirty="0"/>
-              <a:t>This time we use the </a:t>
-            </a:r>
-            <a:r>
-              <a:rPr lang="en-US" noProof="0" dirty="0" err="1"/>
-              <a:t>MyOptions</a:t>
-            </a:r>
-            <a:r>
-              <a:rPr lang="en-US" noProof="0" dirty="0"/>
-              <a:t> class again, but I’ve added all the flavors I could think of to demonstrate how this would behave. I had to add the console </a:t>
-            </a:r>
-            <a:r>
-              <a:rPr lang="en-US" noProof="0" dirty="0" err="1"/>
-              <a:t>writelines</a:t>
-            </a:r>
-            <a:r>
-              <a:rPr lang="en-US" noProof="0" dirty="0"/>
-              <a:t> so that it would immediately be printed when it was executed without losing ourselves in breakpoints.</a:t>
-            </a:r>
-          </a:p>
-          <a:p>
-            <a:endParaRPr lang="en-US" noProof="0" dirty="0"/>
-          </a:p>
-          <a:p>
-            <a:r>
-              <a:rPr lang="en-US" noProof="0" dirty="0"/>
-              <a:t>At startup you can clearly see we have three </a:t>
-            </a:r>
-            <a:r>
-              <a:rPr lang="en-US" noProof="0" dirty="0" err="1"/>
-              <a:t>uniqueidentifiers</a:t>
-            </a:r>
-            <a:r>
-              <a:rPr lang="en-US" noProof="0" dirty="0"/>
-              <a:t> pointing to the three configured options in this case.</a:t>
-            </a:r>
-          </a:p>
-          <a:p>
+            <a:pPr algn="l"/>
+            <a:r>
+              <a:rPr lang="nl-BE" b="0" i="0" dirty="0">
+                <a:solidFill>
+                  <a:srgbClr val="424242"/>
+                </a:solidFill>
+                <a:effectLst/>
+                <a:latin typeface="Segoe Sans"/>
+              </a:rPr>
+              <a:t>Deze keer gebruiken we opnieuw de MyOptions-klasse, maar ik heb alle varianten toegevoegd die ik kon bedenken om te laten zien hoe dit zich gedraagt.</a:t>
+            </a:r>
+            <a:br>
+              <a:rPr lang="nl-BE" b="0" i="0" dirty="0">
+                <a:solidFill>
+                  <a:srgbClr val="424242"/>
+                </a:solidFill>
+                <a:effectLst/>
+                <a:latin typeface="Segoe Sans"/>
+              </a:rPr>
+            </a:br>
+            <a:r>
+              <a:rPr lang="nl-BE" b="0" i="0" dirty="0">
+                <a:solidFill>
+                  <a:srgbClr val="424242"/>
+                </a:solidFill>
+                <a:effectLst/>
+                <a:latin typeface="Segoe Sans"/>
+              </a:rPr>
+              <a:t>Ik heb Console.WriteLine toegevoegd zodat je meteen kunt zien wanneer iets wordt uitgevoerd, zonder dat we verdwalen in breakpoints.</a:t>
+            </a:r>
+          </a:p>
+          <a:p>
+            <a:pPr algn="l"/>
+            <a:endParaRPr lang="nl-BE" b="0" i="0" dirty="0">
+              <a:solidFill>
+                <a:srgbClr val="424242"/>
+              </a:solidFill>
+              <a:effectLst/>
+              <a:latin typeface="Segoe Sans"/>
+            </a:endParaRPr>
+          </a:p>
+          <a:p>
+            <a:pPr algn="l"/>
+            <a:r>
+              <a:rPr lang="nl-BE" b="0" i="0" dirty="0">
+                <a:solidFill>
+                  <a:srgbClr val="424242"/>
+                </a:solidFill>
+                <a:effectLst/>
+                <a:latin typeface="Segoe Sans"/>
+              </a:rPr>
+              <a:t>Bij het opstarten zie je duidelijk dat we drie unieke identifiers hebben die verwijzen naar de drie geconfigureerde opties in dit voorbeeld.</a:t>
+            </a:r>
+          </a:p>
+          <a:p>
+            <a:pPr algn="l">
+              <a:buFont typeface="Arial" panose="020B0604020202020204" pitchFamily="34" charset="0"/>
+              <a:buNone/>
+            </a:pPr>
             <a:r>
               <a:rPr lang="en-US" b="1" noProof="0" dirty="0"/>
               <a:t>Hit the monitor endpoint </a:t>
             </a:r>
             <a:r>
-              <a:rPr lang="en-US" noProof="0" dirty="0">
-                <a:sym typeface="Wingdings" panose="05000000000000000000" pitchFamily="2" charset="2"/>
-              </a:rPr>
-              <a:t> this reveals that these options were configured during the startup.</a:t>
-            </a:r>
-            <a:endParaRPr lang="en-US" noProof="0" dirty="0"/>
-          </a:p>
-          <a:p>
+              <a:rPr lang="nl-BE" b="0" i="0" dirty="0">
+                <a:solidFill>
+                  <a:srgbClr val="424242"/>
+                </a:solidFill>
+                <a:effectLst/>
+                <a:latin typeface="Segoe Sans"/>
+              </a:rPr>
+              <a:t>→ dit toont aan dat deze opties tijdens de startup zijn geconfigureerd.</a:t>
+            </a:r>
+          </a:p>
+          <a:p>
+            <a:pPr algn="l">
+              <a:buFont typeface="Arial" panose="020B0604020202020204" pitchFamily="34" charset="0"/>
+              <a:buNone/>
+            </a:pPr>
             <a:r>
               <a:rPr lang="en-US" b="1" noProof="0" dirty="0"/>
               <a:t>Hit the snapshot endpoint </a:t>
             </a:r>
             <a:r>
-              <a:rPr lang="en-US" noProof="0" dirty="0">
-                <a:sym typeface="Wingdings" panose="05000000000000000000" pitchFamily="2" charset="2"/>
-              </a:rPr>
-              <a:t> this reveals that these options are always validated on the endpoint request as the documentation also suggested and that all configuration steps are done as well.</a:t>
-            </a:r>
-          </a:p>
-          <a:p>
-            <a:endParaRPr lang="en-US" dirty="0">
-              <a:sym typeface="Wingdings" panose="05000000000000000000" pitchFamily="2" charset="2"/>
+              <a:rPr lang="nl-BE" b="0" i="0" dirty="0">
+                <a:solidFill>
+                  <a:srgbClr val="424242"/>
+                </a:solidFill>
+                <a:effectLst/>
+                <a:latin typeface="Segoe Sans"/>
+              </a:rPr>
+              <a:t>→ dit toont aan dat deze opties bij elke request opnieuw gevalideerd worden, zoals ook in de documentatie staat. Alle configuratiestappen worden dan opnieuw uitgevoerd.</a:t>
+            </a:r>
+          </a:p>
+          <a:p>
+            <a:pPr algn="l">
+              <a:buFont typeface="Arial" panose="020B0604020202020204" pitchFamily="34" charset="0"/>
+              <a:buNone/>
+            </a:pPr>
+            <a:endParaRPr lang="nl-BE" b="0" i="0" dirty="0">
+              <a:solidFill>
+                <a:srgbClr val="424242"/>
+              </a:solidFill>
+              <a:effectLst/>
+              <a:latin typeface="Segoe Sans"/>
             </a:endParaRPr>
           </a:p>
           <a:p>
-            <a:r>
-              <a:rPr lang="en-US" dirty="0"/>
-              <a:t>With all this combined knowledge we can now go for the final thing and this one is what made me fond of this implementation.</a:t>
-            </a:r>
-          </a:p>
-          <a:p>
-            <a:r>
-              <a:rPr lang="en-US" dirty="0"/>
-              <a:t>We will now load the previously configured monitored options and retrieve them into the </a:t>
-            </a:r>
-            <a:r>
-              <a:rPr lang="en-US" dirty="0" err="1"/>
-              <a:t>FinalOptions</a:t>
-            </a:r>
-            <a:r>
-              <a:rPr lang="en-US" dirty="0"/>
+            <a:pPr algn="l"/>
+            <a:r>
+              <a:rPr lang="nl-BE" b="0" i="0" dirty="0">
+                <a:solidFill>
+                  <a:srgbClr val="424242"/>
+                </a:solidFill>
+                <a:effectLst/>
+                <a:latin typeface="Segoe Sans"/>
+              </a:rPr>
+              <a:t>Met deze kennis kunnen we nu naar het </a:t>
+            </a:r>
+            <a:r>
+              <a:rPr lang="nl-BE" b="1" i="0" dirty="0">
+                <a:solidFill>
+                  <a:srgbClr val="424242"/>
+                </a:solidFill>
+                <a:effectLst/>
+                <a:latin typeface="Segoe Sans"/>
+              </a:rPr>
+              <a:t>laatste onderdeel</a:t>
+            </a:r>
+            <a:r>
+              <a:rPr lang="nl-BE" b="0" i="0" dirty="0">
+                <a:solidFill>
+                  <a:srgbClr val="424242"/>
+                </a:solidFill>
+                <a:effectLst/>
+                <a:latin typeface="Segoe Sans"/>
+              </a:rPr>
+              <a:t>, en dit is wat mij persoonlijk enthousiast maakte over deze aanpak.</a:t>
+            </a:r>
+          </a:p>
+          <a:p>
+            <a:pPr algn="l"/>
+            <a:r>
+              <a:rPr lang="nl-BE" b="0" i="0" dirty="0">
+                <a:solidFill>
+                  <a:srgbClr val="424242"/>
+                </a:solidFill>
+                <a:effectLst/>
+                <a:latin typeface="Segoe Sans"/>
+              </a:rPr>
+              <a:t>We gaan nu de eerder geconfigureerde </a:t>
+            </a:r>
+            <a:r>
+              <a:rPr lang="nl-BE" b="1" i="0" dirty="0">
+                <a:solidFill>
+                  <a:srgbClr val="424242"/>
+                </a:solidFill>
+                <a:effectLst/>
+                <a:latin typeface="Segoe Sans"/>
+              </a:rPr>
+              <a:t>monitored options </a:t>
+            </a:r>
+            <a:r>
+              <a:rPr lang="nl-BE" b="0" i="0" dirty="0">
+                <a:solidFill>
+                  <a:srgbClr val="424242"/>
+                </a:solidFill>
+                <a:effectLst/>
+                <a:latin typeface="Segoe Sans"/>
+              </a:rPr>
+              <a:t>laden en deze gebruiken in de FinalOptions.</a:t>
+            </a:r>
+          </a:p>
+          <a:p>
+            <a:pPr algn="l"/>
+            <a:r>
+              <a:rPr lang="nl-BE" b="0" i="0" dirty="0">
+                <a:solidFill>
+                  <a:srgbClr val="424242"/>
+                </a:solidFill>
+                <a:effectLst/>
+                <a:latin typeface="Segoe Sans"/>
+              </a:rPr>
+              <a:t>De FinalOptions haalt ook configuratie op, maar doet dit in zijn eigen configuratiefase, waarbij het </a:t>
+            </a:r>
+            <a:r>
+              <a:rPr lang="nl-BE" b="1" i="0" dirty="0">
+                <a:solidFill>
+                  <a:srgbClr val="424242"/>
+                </a:solidFill>
+                <a:effectLst/>
+                <a:latin typeface="Segoe Sans"/>
+              </a:rPr>
+              <a:t>verwijst naar andere opties</a:t>
+            </a:r>
+            <a:r>
+              <a:rPr lang="nl-BE" b="0" i="0" dirty="0">
+                <a:solidFill>
+                  <a:srgbClr val="424242"/>
+                </a:solidFill>
+                <a:effectLst/>
+                <a:latin typeface="Segoe Sans"/>
+              </a:rPr>
               <a:t>.</a:t>
             </a:r>
-          </a:p>
-          <a:p>
-            <a:endParaRPr lang="en-US" dirty="0"/>
-          </a:p>
-          <a:p>
-            <a:r>
-              <a:rPr lang="en-US" dirty="0"/>
-              <a:t>The </a:t>
-            </a:r>
-            <a:r>
-              <a:rPr lang="en-US" dirty="0" err="1"/>
-              <a:t>finaloptions</a:t>
-            </a:r>
-            <a:r>
-              <a:rPr lang="en-US" dirty="0"/>
-              <a:t> is picking up configuration as well and in its configuration phase where it is referencing the other options.</a:t>
-            </a:r>
-          </a:p>
-          <a:p>
-            <a:r>
-              <a:rPr lang="en-US" dirty="0"/>
-              <a:t>So, this is not just an option created by an </a:t>
-            </a:r>
-            <a:r>
-              <a:rPr lang="en-US" dirty="0" err="1"/>
-              <a:t>IConfiguration</a:t>
-            </a:r>
-            <a:r>
-              <a:rPr lang="en-US" dirty="0"/>
-              <a:t>, it also requires some features specific from your DI container in so that it can resolve itself.</a:t>
-            </a:r>
-          </a:p>
-          <a:p>
-            <a:r>
-              <a:rPr lang="en-US" dirty="0"/>
-              <a:t>If you think this is an odd case out. </a:t>
-            </a:r>
-            <a:r>
-              <a:rPr lang="en-US" b="1" dirty="0"/>
-              <a:t>We needed this for some health checks</a:t>
-            </a:r>
-            <a:r>
-              <a:rPr lang="en-US" dirty="0"/>
-              <a:t> which depended upon the options of other options, but those had an additional configuration check which could only be resolved after data was injected via the pipeline.</a:t>
-            </a:r>
-          </a:p>
-          <a:p>
-            <a:r>
-              <a:rPr lang="en-US" dirty="0"/>
-              <a:t>We could have duplicated this logic in the in the final option. But it felt wrong as it was not the responsibility of the final options to correct one of its dependent options as this was also environment dependent.</a:t>
-            </a:r>
-          </a:p>
-          <a:p>
-            <a:endParaRPr lang="en-US" dirty="0"/>
-          </a:p>
-          <a:p>
-            <a:r>
-              <a:rPr lang="en-US" dirty="0"/>
-              <a:t>Demonstrate a bad final options to show the load with a named (“bad”) and then the good one (“”)</a:t>
-            </a:r>
-          </a:p>
-          <a:p>
-            <a:endParaRPr lang="en-US" dirty="0"/>
-          </a:p>
-          <a:p>
-            <a:endParaRPr lang="en-US" dirty="0"/>
+            <a:br>
+              <a:rPr lang="nl-BE" b="0" i="0" dirty="0">
+                <a:solidFill>
+                  <a:srgbClr val="424242"/>
+                </a:solidFill>
+                <a:effectLst/>
+                <a:latin typeface="Segoe Sans"/>
+              </a:rPr>
+            </a:br>
+            <a:r>
+              <a:rPr lang="nl-BE" b="0" i="0" dirty="0">
+                <a:solidFill>
+                  <a:srgbClr val="424242"/>
+                </a:solidFill>
+                <a:effectLst/>
+                <a:latin typeface="Segoe Sans"/>
+              </a:rPr>
+              <a:t>Dit is dus niet zomaar een optie die via IConfiguration wordt opgebouwd — het vereist ook specifieke functionaliteit van de DI-container om zichzelf correct te kunnen resolven.</a:t>
+            </a:r>
+          </a:p>
+          <a:p>
+            <a:pPr algn="l"/>
+            <a:r>
+              <a:rPr lang="nl-BE" b="0" i="0" dirty="0">
+                <a:solidFill>
+                  <a:srgbClr val="424242"/>
+                </a:solidFill>
+                <a:effectLst/>
+                <a:latin typeface="Segoe Sans"/>
+              </a:rPr>
+              <a:t>Denk je dat dit een uitzonderlijk geval is?</a:t>
+            </a:r>
+          </a:p>
+          <a:p>
+            <a:pPr algn="l"/>
+            <a:br>
+              <a:rPr lang="nl-BE" b="0" i="0" dirty="0">
+                <a:solidFill>
+                  <a:srgbClr val="424242"/>
+                </a:solidFill>
+                <a:effectLst/>
+                <a:latin typeface="Segoe Sans"/>
+              </a:rPr>
+            </a:br>
+            <a:r>
+              <a:rPr lang="nl-BE" b="0" i="0" dirty="0">
+                <a:solidFill>
+                  <a:srgbClr val="424242"/>
+                </a:solidFill>
+                <a:effectLst/>
+                <a:latin typeface="Segoe Sans"/>
+              </a:rPr>
+              <a:t>Wij hadden dit nodig voor bepaalde </a:t>
+            </a:r>
+            <a:r>
+              <a:rPr lang="nl-BE" b="1" i="0" dirty="0">
+                <a:solidFill>
+                  <a:srgbClr val="424242"/>
+                </a:solidFill>
+                <a:effectLst/>
+                <a:latin typeface="Segoe Sans"/>
+              </a:rPr>
+              <a:t>health checks </a:t>
+            </a:r>
+            <a:r>
+              <a:rPr lang="nl-BE" b="0" i="0" dirty="0">
+                <a:solidFill>
+                  <a:srgbClr val="424242"/>
+                </a:solidFill>
+                <a:effectLst/>
+                <a:latin typeface="Segoe Sans"/>
+              </a:rPr>
+              <a:t>die afhankelijk waren van opties van andere opties.</a:t>
+            </a:r>
+            <a:br>
+              <a:rPr lang="nl-BE" b="0" i="0" dirty="0">
+                <a:solidFill>
+                  <a:srgbClr val="424242"/>
+                </a:solidFill>
+                <a:effectLst/>
+                <a:latin typeface="Segoe Sans"/>
+              </a:rPr>
+            </a:br>
+            <a:r>
+              <a:rPr lang="nl-BE" b="0" i="0" dirty="0">
+                <a:solidFill>
+                  <a:srgbClr val="424242"/>
+                </a:solidFill>
+                <a:effectLst/>
+                <a:latin typeface="Segoe Sans"/>
+              </a:rPr>
+              <a:t>Maar die andere opties hadden een extra validatiestap die pas kon worden uitgevoerd </a:t>
+            </a:r>
+            <a:r>
+              <a:rPr lang="nl-BE" b="1" i="0" dirty="0">
+                <a:solidFill>
+                  <a:srgbClr val="424242"/>
+                </a:solidFill>
+                <a:effectLst/>
+                <a:latin typeface="Segoe Sans"/>
+              </a:rPr>
+              <a:t>nadat</a:t>
+            </a:r>
+            <a:r>
+              <a:rPr lang="nl-BE" b="0" i="0" dirty="0">
+                <a:solidFill>
+                  <a:srgbClr val="424242"/>
+                </a:solidFill>
+                <a:effectLst/>
+                <a:latin typeface="Segoe Sans"/>
+              </a:rPr>
+              <a:t> er data via de pipeline was geïnjecteerd.</a:t>
+            </a:r>
+          </a:p>
+          <a:p>
+            <a:pPr algn="l"/>
+            <a:r>
+              <a:rPr lang="nl-BE" b="0" i="0" dirty="0">
+                <a:solidFill>
+                  <a:srgbClr val="424242"/>
+                </a:solidFill>
+                <a:effectLst/>
+                <a:latin typeface="Segoe Sans"/>
+              </a:rPr>
+              <a:t>We hadden die logica kunnen dupliceren in de FinalOptions, maar dat voelde niet juist.</a:t>
+            </a:r>
+            <a:br>
+              <a:rPr lang="nl-BE" b="0" i="0" dirty="0">
+                <a:solidFill>
+                  <a:srgbClr val="424242"/>
+                </a:solidFill>
+                <a:effectLst/>
+                <a:latin typeface="Segoe Sans"/>
+              </a:rPr>
+            </a:br>
+            <a:r>
+              <a:rPr lang="nl-BE" b="0" i="0" dirty="0">
+                <a:solidFill>
+                  <a:srgbClr val="424242"/>
+                </a:solidFill>
+                <a:effectLst/>
+                <a:latin typeface="Segoe Sans"/>
+              </a:rPr>
+              <a:t>Het is namelijk </a:t>
+            </a:r>
+            <a:r>
+              <a:rPr lang="nl-BE" b="1" i="0" dirty="0">
+                <a:solidFill>
+                  <a:srgbClr val="424242"/>
+                </a:solidFill>
+                <a:effectLst/>
+                <a:latin typeface="Segoe Sans"/>
+              </a:rPr>
+              <a:t>niet de verantwoordelijkheid</a:t>
+            </a:r>
+            <a:r>
+              <a:rPr lang="nl-BE" b="0" i="0" dirty="0">
+                <a:solidFill>
+                  <a:srgbClr val="424242"/>
+                </a:solidFill>
+                <a:effectLst/>
+                <a:latin typeface="Segoe Sans"/>
+              </a:rPr>
+              <a:t> van de FinalOptions om een afhankelijke optie te corrigeren — zeker niet als die correctheid ook nog eens afhankelijk is van de omgeving.</a:t>
+            </a:r>
+          </a:p>
+          <a:p>
+            <a:pPr algn="l"/>
+            <a:r>
+              <a:rPr lang="nl-BE" b="0" i="0" dirty="0">
+                <a:solidFill>
+                  <a:srgbClr val="424242"/>
+                </a:solidFill>
+                <a:effectLst/>
+                <a:latin typeface="Segoe Sans"/>
+              </a:rPr>
+              <a:t>Tot slot:</a:t>
+            </a:r>
+          </a:p>
+          <a:p>
+            <a:pPr marL="171450" indent="-171450" algn="l">
+              <a:buFont typeface="Arial" panose="020B0604020202020204" pitchFamily="34" charset="0"/>
+              <a:buChar char="•"/>
+            </a:pPr>
+            <a:r>
+              <a:rPr lang="nl-BE" b="0" i="0" dirty="0">
+                <a:solidFill>
+                  <a:srgbClr val="424242"/>
+                </a:solidFill>
+                <a:effectLst/>
+                <a:latin typeface="Segoe Sans"/>
+              </a:rPr>
+              <a:t>Toon een “foute” FinalOptions door te laden met een named optie (“bad”)</a:t>
+            </a:r>
+          </a:p>
+          <a:p>
+            <a:pPr marL="171450" indent="-171450" algn="l">
+              <a:buFont typeface="Arial" panose="020B0604020202020204" pitchFamily="34" charset="0"/>
+              <a:buChar char="•"/>
+            </a:pPr>
+            <a:r>
+              <a:rPr lang="nl-BE" b="0" i="0" dirty="0">
+                <a:solidFill>
+                  <a:srgbClr val="424242"/>
+                </a:solidFill>
+                <a:effectLst/>
+                <a:latin typeface="Segoe Sans"/>
+              </a:rPr>
+              <a:t>En daarna de goede met de naamloze (“”)</a:t>
+            </a:r>
           </a:p>
         </p:txBody>
       </p:sp>
@@ -3340,15 +4284,7 @@
             <p:ph type="sldImg"/>
           </p:nvPr>
         </p:nvSpPr>
-        <p:spPr>
-          <a:xfrm>
-            <a:off x="115888" y="388938"/>
-            <a:ext cx="6608762" cy="3717925"/>
-          </a:xfrm>
-          <a:prstGeom prst="rect">
-            <a:avLst/>
-          </a:prstGeom>
-        </p:spPr>
+        <p:spPr/>
       </p:sp>
       <p:sp>
         <p:nvSpPr>
@@ -3360,34 +4296,38 @@
             <p:ph type="body" idx="1"/>
           </p:nvPr>
         </p:nvSpPr>
-        <p:spPr>
-          <a:xfrm>
-            <a:off x="360001" y="4276251"/>
-            <a:ext cx="6120000" cy="5248125"/>
-          </a:xfrm>
-          <a:prstGeom prst="rect">
-            <a:avLst/>
-          </a:prstGeom>
-        </p:spPr>
+        <p:spPr/>
         <p:txBody>
           <a:bodyPr/>
           <a:lstStyle/>
           <a:p>
             <a:r>
               <a:rPr lang="nl-BE" dirty="0"/>
-              <a:t>My name is Pieter Samyn. I’m a technology lead at ZF in Belgium.</a:t>
-            </a:r>
+              <a:t>Om te beginnen gaan we eerst polsen naar de kennis in de zaal over IConfiguration, IOptions en jullie ervaring ermee. Ik zal jullie even de tijd geven om vrijwillig mee te doen, de data is en op het scherm zien we het live resultaat.</a:t>
+            </a:r>
+          </a:p>
+          <a:p>
+            <a:endParaRPr lang="nl-BE" dirty="0"/>
           </a:p>
           <a:p>
             <a:r>
               <a:rPr lang="nl-BE" dirty="0"/>
-              <a:t>My main focus is backend development with the AWS stack. I try to do my best to keep up with the evolutions and I’m always on the lookout for increasing the performance and maintainabilty of our projects.</a:t>
-            </a:r>
+              <a:t>Voor de mensen die geen idee hebben waar ik het zal over hebben dat is niet erg, we gaan starten met de basics en ik zal jullie gids zijn onderweg.</a:t>
+            </a:r>
+          </a:p>
+          <a:p>
+            <a:endParaRPr lang="nl-BE" dirty="0"/>
           </a:p>
           <a:p>
             <a:r>
               <a:rPr lang="nl-BE" dirty="0"/>
-              <a:t>I guess that is enough about me, if you would like to know more catch me after the session and have a chat or find me on LinkedIn.</a:t>
+              <a:t>Ik ben vereerd dat ik het komende uur van jullie krijg om mijn verhaal te vertellen.</a:t>
+            </a:r>
+          </a:p>
+          <a:p>
+            <a:r>
+              <a:rPr lang="nl-BE" dirty="0"/>
+              <a:t>Ik reken op jullie Nederlandse assertiviteit als een bepaald stuk meer toelichting dient te krijgen, onderbreek me. Zo gaan we samen door deze sessie zonder elkaar te verliezen.</a:t>
             </a:r>
           </a:p>
         </p:txBody>
@@ -3402,32 +4342,23 @@
             <p:ph type="sldNum" sz="quarter" idx="5"/>
           </p:nvPr>
         </p:nvSpPr>
-        <p:spPr>
-          <a:xfrm>
-            <a:off x="3884614" y="9597289"/>
-            <a:ext cx="2971800" cy="272125"/>
-          </a:xfrm>
-          <a:prstGeom prst="rect">
-            <a:avLst/>
-          </a:prstGeom>
-        </p:spPr>
+        <p:spPr/>
         <p:txBody>
           <a:bodyPr/>
           <a:lstStyle/>
           <a:p>
-            <a:fld id="{D61B4C21-2AF8-4513-9A88-12DEBB551087}" type="slidenum">
-              <a:rPr lang="de-DE" smtClean="0"/>
-              <a:pPr/>
+            <a:fld id="{F2CAA8BB-88FD-437C-AAF8-B4CF0C75ED63}" type="slidenum">
+              <a:rPr lang="nl-BE" smtClean="0"/>
               <a:t>2</a:t>
             </a:fld>
-            <a:endParaRPr lang="de-DE" dirty="0"/>
+            <a:endParaRPr lang="nl-BE"/>
           </a:p>
         </p:txBody>
       </p:sp>
     </p:spTree>
     <p:extLst>
       <p:ext uri="{BB962C8B-B14F-4D97-AF65-F5344CB8AC3E}">
-        <p14:creationId xmlns:p14="http://schemas.microsoft.com/office/powerpoint/2010/main" val="3195256844"/>
+        <p14:creationId xmlns:p14="http://schemas.microsoft.com/office/powerpoint/2010/main" val="3826272342"/>
       </p:ext>
     </p:extLst>
   </p:cSld>
@@ -3497,142 +4428,213 @@
           <a:bodyPr/>
           <a:lstStyle/>
           <a:p>
-            <a:r>
-              <a:rPr lang="nl-BE" dirty="0"/>
-              <a:t>So lets wrap this up, we started by discussing IConfiguration, highlighting its shortcomings as well.</a:t>
-            </a:r>
-          </a:p>
-          <a:p>
-            <a:r>
-              <a:rPr lang="nl-BE" dirty="0"/>
-              <a:t>We demonstrated how you could create a custom provider if needed.</a:t>
-            </a:r>
-          </a:p>
-          <a:p>
-            <a:endParaRPr lang="nl-BE" dirty="0"/>
-          </a:p>
-          <a:p>
-            <a:r>
-              <a:rPr lang="nl-BE" dirty="0"/>
-              <a:t>We then moved on to binding the configuration to an object, which set the stage for introducing IOptions.</a:t>
-            </a:r>
-          </a:p>
-          <a:p>
-            <a:endParaRPr lang="nl-BE" dirty="0"/>
-          </a:p>
-          <a:p>
-            <a:r>
-              <a:rPr lang="en-US" b="0" i="0" dirty="0">
-                <a:solidFill>
-                  <a:srgbClr val="242424"/>
-                </a:solidFill>
-                <a:effectLst/>
-                <a:latin typeface="Segoe UI" panose="020B0502040204020203" pitchFamily="34" charset="0"/>
-              </a:rPr>
-              <a:t>We highlighted the benefits of using options and demonstrated the different types available.</a:t>
-            </a:r>
-          </a:p>
-          <a:p>
-            <a:r>
-              <a:rPr lang="en-US" b="0" i="0" dirty="0">
-                <a:solidFill>
-                  <a:srgbClr val="242424"/>
-                </a:solidFill>
-                <a:effectLst/>
-                <a:latin typeface="Segoe UI" panose="020B0502040204020203" pitchFamily="34" charset="0"/>
-              </a:rPr>
-              <a:t>We also covered how to validate them and briefly touched on preparing for an AOT build.</a:t>
-            </a:r>
+            <a:pPr algn="l"/>
+            <a:r>
+              <a:rPr lang="nl-BE" b="0" i="0" dirty="0">
+                <a:solidFill>
+                  <a:srgbClr val="424242"/>
+                </a:solidFill>
+                <a:effectLst/>
+                <a:latin typeface="Segoe Sans"/>
+              </a:rPr>
+              <a:t>Ik wil graag nog een paar voorbeelden tonen waarin de combinatie van IConfiguration, IOptions en Dependency Injection magie laat zien wanneer je ze samenbrengt.</a:t>
+            </a:r>
+          </a:p>
+          <a:p>
+            <a:pPr algn="l"/>
             <a:endParaRPr lang="nl-BE" b="0" i="0" dirty="0">
               <a:solidFill>
-                <a:srgbClr val="242424"/>
+                <a:srgbClr val="424242"/>
               </a:solidFill>
               <a:effectLst/>
-              <a:latin typeface="Segoe UI" panose="020B0502040204020203" pitchFamily="34" charset="0"/>
+              <a:latin typeface="Segoe Sans"/>
             </a:endParaRPr>
           </a:p>
           <a:p>
-            <a:endParaRPr lang="nl-BE" dirty="0"/>
-          </a:p>
-          <a:p>
-            <a:r>
-              <a:rPr lang="en-US" b="0" i="0" dirty="0">
-                <a:solidFill>
-                  <a:srgbClr val="242424"/>
-                </a:solidFill>
-                <a:effectLst/>
-                <a:latin typeface="Segoe UI" panose="020B0502040204020203" pitchFamily="34" charset="0"/>
-              </a:rPr>
-              <a:t>Finally, we ended with a configuration demo on the options to showcase the possibilities.</a:t>
-            </a:r>
-          </a:p>
-          <a:p>
-            <a:endParaRPr lang="en-US" b="0" i="0" dirty="0">
-              <a:solidFill>
-                <a:srgbClr val="242424"/>
-              </a:solidFill>
-              <a:effectLst/>
-              <a:latin typeface="Segoe UI" panose="020B0502040204020203" pitchFamily="34" charset="0"/>
-            </a:endParaRPr>
-          </a:p>
-          <a:p>
-            <a:r>
-              <a:rPr lang="en-US" b="0" i="0" dirty="0">
-                <a:solidFill>
-                  <a:srgbClr val="242424"/>
-                </a:solidFill>
-                <a:effectLst/>
-                <a:latin typeface="Segoe UI" panose="020B0502040204020203" pitchFamily="34" charset="0"/>
-              </a:rPr>
-              <a:t>This revealed that to fully benefit from </a:t>
-            </a:r>
-            <a:r>
-              <a:rPr lang="en-US" b="1" i="0" dirty="0" err="1">
-                <a:solidFill>
-                  <a:srgbClr val="242424"/>
-                </a:solidFill>
-                <a:effectLst/>
-                <a:latin typeface="Segoe UI" panose="020B0502040204020203" pitchFamily="34" charset="0"/>
-              </a:rPr>
-              <a:t>IOptions</a:t>
-            </a:r>
-            <a:r>
-              <a:rPr lang="en-US" b="0" i="0" dirty="0">
-                <a:solidFill>
-                  <a:srgbClr val="242424"/>
-                </a:solidFill>
-                <a:effectLst/>
-                <a:latin typeface="Segoe UI" panose="020B0502040204020203" pitchFamily="34" charset="0"/>
-              </a:rPr>
-              <a:t>, you also need to understand and utilize </a:t>
-            </a:r>
-            <a:r>
-              <a:rPr lang="en-US" b="1" i="0" dirty="0" err="1">
-                <a:solidFill>
-                  <a:srgbClr val="242424"/>
-                </a:solidFill>
-                <a:effectLst/>
-                <a:latin typeface="Segoe UI" panose="020B0502040204020203" pitchFamily="34" charset="0"/>
-              </a:rPr>
-              <a:t>IConfiguration</a:t>
-            </a:r>
-            <a:r>
-              <a:rPr lang="en-US" b="1" i="0" dirty="0">
-                <a:solidFill>
-                  <a:srgbClr val="242424"/>
-                </a:solidFill>
-                <a:effectLst/>
-                <a:latin typeface="Segoe UI" panose="020B0502040204020203" pitchFamily="34" charset="0"/>
-              </a:rPr>
-              <a:t>.</a:t>
-            </a:r>
-            <a:endParaRPr lang="nl-BE" b="0" i="0" dirty="0">
-              <a:solidFill>
-                <a:srgbClr val="242424"/>
-              </a:solidFill>
-              <a:effectLst/>
-              <a:latin typeface="Segoe UI" panose="020B0502040204020203" pitchFamily="34" charset="0"/>
-            </a:endParaRPr>
+            <a:pPr algn="l"/>
+            <a:r>
+              <a:rPr lang="nl-BE" b="0" i="0" dirty="0">
+                <a:solidFill>
+                  <a:srgbClr val="424242"/>
+                </a:solidFill>
+                <a:effectLst/>
+                <a:latin typeface="Segoe Sans"/>
+              </a:rPr>
+              <a:t>In dit voorbeeld simuleren we een third-party client die we moeten gebruiken.</a:t>
+            </a:r>
+            <a:br>
+              <a:rPr lang="nl-BE" b="0" i="0" dirty="0">
+                <a:solidFill>
+                  <a:srgbClr val="424242"/>
+                </a:solidFill>
+                <a:effectLst/>
+                <a:latin typeface="Segoe Sans"/>
+              </a:rPr>
+            </a:br>
+            <a:r>
+              <a:rPr lang="nl-BE" b="0" i="0" dirty="0">
+                <a:solidFill>
+                  <a:srgbClr val="424242"/>
+                </a:solidFill>
+                <a:effectLst/>
+                <a:latin typeface="Segoe Sans"/>
+              </a:rPr>
+              <a:t>De enige manier waarop we die kunnen gebruiken, is via een factory met bepaalde instellingen.</a:t>
+            </a:r>
+            <a:br>
+              <a:rPr lang="nl-BE" b="0" i="0" dirty="0">
+                <a:solidFill>
+                  <a:srgbClr val="424242"/>
+                </a:solidFill>
+                <a:effectLst/>
+                <a:latin typeface="Segoe Sans"/>
+              </a:rPr>
+            </a:br>
+            <a:r>
+              <a:rPr lang="nl-BE" b="0" i="0" dirty="0">
+                <a:solidFill>
+                  <a:srgbClr val="424242"/>
+                </a:solidFill>
+                <a:effectLst/>
+                <a:latin typeface="Segoe Sans"/>
+              </a:rPr>
+              <a:t>Gelukkig hebben ze een voorbeeld meegeleverd van hoe je hun client zou moeten gebruiken.</a:t>
+            </a:r>
+          </a:p>
+          <a:p>
+            <a:pPr algn="l"/>
+            <a:r>
+              <a:rPr lang="nl-BE" b="0" i="0" dirty="0">
+                <a:solidFill>
+                  <a:srgbClr val="424242"/>
+                </a:solidFill>
+                <a:effectLst/>
+                <a:latin typeface="Segoe Sans"/>
+              </a:rPr>
+              <a:t>Maar stel dat ik deze interface nodig heb in een ander project dan mijn startup-project, zonder gebruik te maken van DI, dan wordt het al snel rommelig.</a:t>
+            </a:r>
+            <a:br>
+              <a:rPr lang="nl-BE" b="0" i="0" dirty="0">
+                <a:solidFill>
+                  <a:srgbClr val="424242"/>
+                </a:solidFill>
+                <a:effectLst/>
+                <a:latin typeface="Segoe Sans"/>
+              </a:rPr>
+            </a:br>
+            <a:r>
+              <a:rPr lang="nl-BE" b="0" i="0" dirty="0">
+                <a:solidFill>
+                  <a:srgbClr val="424242"/>
+                </a:solidFill>
+                <a:effectLst/>
+                <a:latin typeface="Segoe Sans"/>
+              </a:rPr>
+              <a:t>Zeker omdat de third-party ook sterk aanraadt om hun client als singleton te gebruiken.</a:t>
+            </a:r>
+          </a:p>
+          <a:p>
+            <a:pPr algn="l"/>
+            <a:r>
+              <a:rPr lang="nl-BE" b="0" i="0" dirty="0">
+                <a:solidFill>
+                  <a:srgbClr val="424242"/>
+                </a:solidFill>
+                <a:effectLst/>
+                <a:latin typeface="Segoe Sans"/>
+              </a:rPr>
+              <a:t>Hoewel de code werkt zoals het nu is, voelt het toch als een compromis.</a:t>
+            </a:r>
+          </a:p>
+          <a:p>
+            <a:pPr algn="l"/>
+            <a:r>
+              <a:rPr lang="nl-BE" b="0" i="0" dirty="0">
+                <a:solidFill>
+                  <a:srgbClr val="424242"/>
+                </a:solidFill>
+                <a:effectLst/>
+                <a:latin typeface="Segoe Sans"/>
+              </a:rPr>
+              <a:t>Om dit netjes op te lossen, maken we eerst een eenvoudige options-klasse die we kunnen binden aan de configuratie.</a:t>
+            </a:r>
+          </a:p>
+          <a:p>
+            <a:pPr algn="l"/>
+            <a:r>
+              <a:rPr lang="nl-BE" b="0" i="0" dirty="0">
+                <a:solidFill>
+                  <a:srgbClr val="424242"/>
+                </a:solidFill>
+                <a:effectLst/>
+                <a:latin typeface="Segoe Sans"/>
+              </a:rPr>
+              <a:t>Zodra die klasse er is, kunnen we die gebruiken in een AddSingleton-methode waarbij we de ServiceProvider gebruiken.</a:t>
+            </a:r>
+            <a:br>
+              <a:rPr lang="nl-BE" b="0" i="0" dirty="0">
+                <a:solidFill>
+                  <a:srgbClr val="424242"/>
+                </a:solidFill>
+                <a:effectLst/>
+                <a:latin typeface="Segoe Sans"/>
+              </a:rPr>
+            </a:br>
+            <a:r>
+              <a:rPr lang="nl-BE" b="0" i="0" dirty="0">
+                <a:solidFill>
+                  <a:srgbClr val="424242"/>
+                </a:solidFill>
+                <a:effectLst/>
+                <a:latin typeface="Segoe Sans"/>
+              </a:rPr>
+              <a:t>Binnen die methode maken we dan de client aan via de factory en gebruiken we de gebonden opties.</a:t>
+            </a:r>
+          </a:p>
+          <a:p>
+            <a:pPr algn="l"/>
+            <a:r>
+              <a:rPr lang="nl-BE" b="0" i="0" dirty="0">
+                <a:solidFill>
+                  <a:srgbClr val="424242"/>
+                </a:solidFill>
+                <a:effectLst/>
+                <a:latin typeface="Segoe Sans"/>
+              </a:rPr>
+              <a:t>Het voordeel van deze kleine omweg is dat we nu de INonDiClient gewoon kunnen opvragen via de DI-container.</a:t>
+            </a:r>
+            <a:br>
+              <a:rPr lang="nl-BE" b="0" i="0" dirty="0">
+                <a:solidFill>
+                  <a:srgbClr val="424242"/>
+                </a:solidFill>
+                <a:effectLst/>
+                <a:latin typeface="Segoe Sans"/>
+              </a:rPr>
+            </a:br>
+            <a:r>
+              <a:rPr lang="nl-BE" b="0" i="0" dirty="0">
+                <a:solidFill>
+                  <a:srgbClr val="424242"/>
+                </a:solidFill>
+                <a:effectLst/>
+                <a:latin typeface="Segoe Sans"/>
+              </a:rPr>
+              <a:t>En dat betekent dat we deze client overal in het project kunnen gebruiken waar deze interface bekend is.</a:t>
+            </a:r>
+          </a:p>
+          <a:p>
+            <a:pPr algn="l"/>
+            <a:r>
+              <a:rPr lang="nl-BE" b="0" i="0" dirty="0">
+                <a:solidFill>
+                  <a:srgbClr val="424242"/>
+                </a:solidFill>
+                <a:effectLst/>
+                <a:latin typeface="Segoe Sans"/>
+              </a:rPr>
+              <a:t>De configuratie wordt dan alleen geladen op het moment dat het nodig is, en dat kan vanuit elke ServiceProvider.</a:t>
+            </a:r>
           </a:p>
         </p:txBody>
       </p:sp>
@@ -3671,7 +4673,7 @@
     </p:spTree>
     <p:extLst>
       <p:ext uri="{BB962C8B-B14F-4D97-AF65-F5344CB8AC3E}">
-        <p14:creationId xmlns:p14="http://schemas.microsoft.com/office/powerpoint/2010/main" val="4270673396"/>
+        <p14:creationId xmlns:p14="http://schemas.microsoft.com/office/powerpoint/2010/main" val="1714846204"/>
       </p:ext>
     </p:extLst>
   </p:cSld>
@@ -3742,118 +4744,567 @@
           <a:lstStyle/>
           <a:p>
             <a:r>
-              <a:rPr lang="en-US" dirty="0"/>
-              <a:t>I still wanted to show a small example where the combination with </a:t>
-            </a:r>
-            <a:r>
-              <a:rPr lang="en-US" dirty="0" err="1"/>
-              <a:t>IConfiguration</a:t>
-            </a:r>
-            <a:r>
-              <a:rPr lang="en-US" dirty="0"/>
+              <a:rPr lang="en-US" b="0" i="0" dirty="0">
+                <a:solidFill>
+                  <a:srgbClr val="242424"/>
+                </a:solidFill>
+                <a:effectLst/>
+                <a:latin typeface="Segoe UI" panose="020B0502040204020203" pitchFamily="34" charset="0"/>
+              </a:rPr>
+              <a:t>Dank </a:t>
+            </a:r>
+            <a:r>
+              <a:rPr lang="en-US" b="0" i="0" dirty="0" err="1">
+                <a:solidFill>
+                  <a:srgbClr val="242424"/>
+                </a:solidFill>
+                <a:effectLst/>
+                <a:latin typeface="Segoe UI" panose="020B0502040204020203" pitchFamily="34" charset="0"/>
+              </a:rPr>
+              <a:t>voor</a:t>
+            </a:r>
+            <a:r>
+              <a:rPr lang="en-US" b="0" i="0" dirty="0">
+                <a:solidFill>
+                  <a:srgbClr val="242424"/>
+                </a:solidFill>
+                <a:effectLst/>
+                <a:latin typeface="Segoe UI" panose="020B0502040204020203" pitchFamily="34" charset="0"/>
+              </a:rPr>
+              <a:t> </a:t>
+            </a:r>
+            <a:r>
+              <a:rPr lang="en-US" b="0" i="0" dirty="0" err="1">
+                <a:solidFill>
+                  <a:srgbClr val="242424"/>
+                </a:solidFill>
+                <a:effectLst/>
+                <a:latin typeface="Segoe UI" panose="020B0502040204020203" pitchFamily="34" charset="0"/>
+              </a:rPr>
+              <a:t>jullie</a:t>
+            </a:r>
+            <a:r>
+              <a:rPr lang="en-US" b="0" i="0" dirty="0">
+                <a:solidFill>
+                  <a:srgbClr val="242424"/>
+                </a:solidFill>
+                <a:effectLst/>
+                <a:latin typeface="Segoe UI" panose="020B0502040204020203" pitchFamily="34" charset="0"/>
+              </a:rPr>
+              <a:t> </a:t>
+            </a:r>
+            <a:r>
+              <a:rPr lang="en-US" b="0" i="0" dirty="0" err="1">
+                <a:solidFill>
+                  <a:srgbClr val="242424"/>
+                </a:solidFill>
+                <a:effectLst/>
+                <a:latin typeface="Segoe UI" panose="020B0502040204020203" pitchFamily="34" charset="0"/>
+              </a:rPr>
+              <a:t>aandacht</a:t>
+            </a:r>
+            <a:r>
+              <a:rPr lang="en-US" b="0" i="0" dirty="0">
+                <a:solidFill>
+                  <a:srgbClr val="242424"/>
+                </a:solidFill>
+                <a:effectLst/>
+                <a:latin typeface="Segoe UI" panose="020B0502040204020203" pitchFamily="34" charset="0"/>
+              </a:rPr>
               <a:t>, </a:t>
             </a:r>
             <a:r>
-              <a:rPr lang="en-US" dirty="0" err="1"/>
-              <a:t>IOptions</a:t>
-            </a:r>
-            <a:r>
-              <a:rPr lang="en-US" dirty="0"/>
-              <a:t> and Dependency Injection is doing some magic when it gets combined.</a:t>
-            </a:r>
-          </a:p>
-          <a:p>
-            <a:endParaRPr lang="en-US" dirty="0"/>
-          </a:p>
-          <a:p>
-            <a:r>
-              <a:rPr lang="en-US" dirty="0"/>
-              <a:t>The example simulates a third-party client which we need to use. The only way we can use it is by using a factory with some settings, they were even so nice of providing an example on how you should use it</a:t>
-            </a:r>
-          </a:p>
-          <a:p>
-            <a:r>
-              <a:rPr lang="en-US" dirty="0"/>
-              <a:t>However, if I would need the interface for example not in my startup project without using DI it would become messy, especially as the third-party also gave a strong suggestion of using their client as a singleton.</a:t>
-            </a:r>
-          </a:p>
-          <a:p>
-            <a:r>
-              <a:rPr lang="en-US" dirty="0"/>
-              <a:t>Although the code works, it feels like a sacrifice in the current example state.</a:t>
-            </a:r>
-          </a:p>
-          <a:p>
-            <a:endParaRPr lang="en-US" dirty="0"/>
-          </a:p>
-          <a:p>
-            <a:r>
-              <a:rPr lang="en-US"/>
-              <a:t>To </a:t>
-            </a:r>
-            <a:r>
-              <a:rPr lang="en-US" dirty="0"/>
-              <a:t>address it we would need to create a simple options class which we then can bind.</a:t>
-            </a:r>
-          </a:p>
-          <a:p>
-            <a:r>
-              <a:rPr lang="en-US" dirty="0"/>
-              <a:t>Once this is created, we can consume it using an </a:t>
-            </a:r>
-            <a:r>
-              <a:rPr lang="en-US" dirty="0" err="1"/>
-              <a:t>AddSingletion</a:t>
-            </a:r>
-            <a:r>
-              <a:rPr lang="en-US" dirty="0"/>
-              <a:t> method with the </a:t>
-            </a:r>
-            <a:r>
-              <a:rPr lang="en-US" dirty="0" err="1"/>
-              <a:t>serviceprovider</a:t>
-            </a:r>
-            <a:r>
-              <a:rPr lang="en-US" dirty="0"/>
+              <a:rPr lang="en-US" b="0" i="0" dirty="0" err="1">
+                <a:solidFill>
+                  <a:srgbClr val="242424"/>
+                </a:solidFill>
+                <a:effectLst/>
+                <a:latin typeface="Segoe UI" panose="020B0502040204020203" pitchFamily="34" charset="0"/>
+              </a:rPr>
+              <a:t>hier</a:t>
+            </a:r>
+            <a:r>
+              <a:rPr lang="en-US" b="0" i="0" dirty="0">
+                <a:solidFill>
+                  <a:srgbClr val="242424"/>
+                </a:solidFill>
+                <a:effectLst/>
+                <a:latin typeface="Segoe UI" panose="020B0502040204020203" pitchFamily="34" charset="0"/>
+              </a:rPr>
+              <a:t> </a:t>
+            </a:r>
+            <a:r>
+              <a:rPr lang="en-US" b="0" i="0" dirty="0" err="1">
+                <a:solidFill>
+                  <a:srgbClr val="242424"/>
+                </a:solidFill>
+                <a:effectLst/>
+                <a:latin typeface="Segoe UI" panose="020B0502040204020203" pitchFamily="34" charset="0"/>
+              </a:rPr>
+              <a:t>zijn</a:t>
+            </a:r>
+            <a:r>
+              <a:rPr lang="en-US" b="0" i="0" dirty="0">
+                <a:solidFill>
+                  <a:srgbClr val="242424"/>
+                </a:solidFill>
+                <a:effectLst/>
+                <a:latin typeface="Segoe UI" panose="020B0502040204020203" pitchFamily="34" charset="0"/>
+              </a:rPr>
+              <a:t> </a:t>
+            </a:r>
+            <a:r>
+              <a:rPr lang="en-US" b="0" i="0" dirty="0" err="1">
+                <a:solidFill>
+                  <a:srgbClr val="242424"/>
+                </a:solidFill>
+                <a:effectLst/>
+                <a:latin typeface="Segoe UI" panose="020B0502040204020203" pitchFamily="34" charset="0"/>
+              </a:rPr>
+              <a:t>nog</a:t>
+            </a:r>
+            <a:r>
+              <a:rPr lang="en-US" b="0" i="0" dirty="0">
+                <a:solidFill>
+                  <a:srgbClr val="242424"/>
+                </a:solidFill>
+                <a:effectLst/>
+                <a:latin typeface="Segoe UI" panose="020B0502040204020203" pitchFamily="34" charset="0"/>
+              </a:rPr>
+              <a:t> wat </a:t>
+            </a:r>
+            <a:r>
+              <a:rPr lang="en-US" b="0" i="0" dirty="0" err="1">
+                <a:solidFill>
+                  <a:srgbClr val="242424"/>
+                </a:solidFill>
+                <a:effectLst/>
+                <a:latin typeface="Segoe UI" panose="020B0502040204020203" pitchFamily="34" charset="0"/>
+              </a:rPr>
+              <a:t>referenties</a:t>
+            </a:r>
+            <a:r>
+              <a:rPr lang="en-US" b="0" i="0" dirty="0">
+                <a:solidFill>
+                  <a:srgbClr val="242424"/>
+                </a:solidFill>
+                <a:effectLst/>
+                <a:latin typeface="Segoe UI" panose="020B0502040204020203" pitchFamily="34" charset="0"/>
+              </a:rPr>
+              <a:t>, </a:t>
+            </a:r>
+            <a:r>
+              <a:rPr lang="en-US" b="0" i="0" dirty="0" err="1">
+                <a:solidFill>
+                  <a:srgbClr val="242424"/>
+                </a:solidFill>
+                <a:effectLst/>
+                <a:latin typeface="Segoe UI" panose="020B0502040204020203" pitchFamily="34" charset="0"/>
+              </a:rPr>
+              <a:t>moesten</a:t>
+            </a:r>
+            <a:r>
+              <a:rPr lang="en-US" b="0" i="0" dirty="0">
+                <a:solidFill>
+                  <a:srgbClr val="242424"/>
+                </a:solidFill>
+                <a:effectLst/>
+                <a:latin typeface="Segoe UI" panose="020B0502040204020203" pitchFamily="34" charset="0"/>
+              </a:rPr>
+              <a:t> er </a:t>
+            </a:r>
+            <a:r>
+              <a:rPr lang="en-US" b="0" i="0" dirty="0" err="1">
+                <a:solidFill>
+                  <a:srgbClr val="242424"/>
+                </a:solidFill>
+                <a:effectLst/>
+                <a:latin typeface="Segoe UI" panose="020B0502040204020203" pitchFamily="34" charset="0"/>
+              </a:rPr>
+              <a:t>nog</a:t>
+            </a:r>
+            <a:r>
+              <a:rPr lang="en-US" b="0" i="0" dirty="0">
+                <a:solidFill>
+                  <a:srgbClr val="242424"/>
+                </a:solidFill>
+                <a:effectLst/>
+                <a:latin typeface="Segoe UI" panose="020B0502040204020203" pitchFamily="34" charset="0"/>
+              </a:rPr>
+              <a:t> </a:t>
+            </a:r>
+            <a:r>
+              <a:rPr lang="en-US" b="0" i="0" dirty="0" err="1">
+                <a:solidFill>
+                  <a:srgbClr val="242424"/>
+                </a:solidFill>
+                <a:effectLst/>
+                <a:latin typeface="Segoe UI" panose="020B0502040204020203" pitchFamily="34" charset="0"/>
+              </a:rPr>
+              <a:t>vragen</a:t>
+            </a:r>
+            <a:r>
+              <a:rPr lang="en-US" b="0" i="0" dirty="0">
+                <a:solidFill>
+                  <a:srgbClr val="242424"/>
+                </a:solidFill>
+                <a:effectLst/>
+                <a:latin typeface="Segoe UI" panose="020B0502040204020203" pitchFamily="34" charset="0"/>
+              </a:rPr>
+              <a:t> </a:t>
+            </a:r>
+            <a:r>
+              <a:rPr lang="en-US" b="0" i="0" dirty="0" err="1">
+                <a:solidFill>
+                  <a:srgbClr val="242424"/>
+                </a:solidFill>
+                <a:effectLst/>
+                <a:latin typeface="Segoe UI" panose="020B0502040204020203" pitchFamily="34" charset="0"/>
+              </a:rPr>
+              <a:t>zijn</a:t>
+            </a:r>
+            <a:r>
+              <a:rPr lang="en-US" b="0" i="0" dirty="0">
+                <a:solidFill>
+                  <a:srgbClr val="242424"/>
+                </a:solidFill>
+                <a:effectLst/>
+                <a:latin typeface="Segoe UI" panose="020B0502040204020203" pitchFamily="34" charset="0"/>
+              </a:rPr>
+              <a:t> </a:t>
+            </a:r>
+            <a:r>
+              <a:rPr lang="en-US" b="0" i="0" dirty="0" err="1">
+                <a:solidFill>
+                  <a:srgbClr val="242424"/>
+                </a:solidFill>
+                <a:effectLst/>
+                <a:latin typeface="Segoe UI" panose="020B0502040204020203" pitchFamily="34" charset="0"/>
+              </a:rPr>
+              <a:t>laat</a:t>
+            </a:r>
+            <a:r>
+              <a:rPr lang="en-US" b="0" i="0" dirty="0">
+                <a:solidFill>
+                  <a:srgbClr val="242424"/>
+                </a:solidFill>
+                <a:effectLst/>
+                <a:latin typeface="Segoe UI" panose="020B0502040204020203" pitchFamily="34" charset="0"/>
+              </a:rPr>
+              <a:t> ze maar </a:t>
+            </a:r>
+            <a:r>
+              <a:rPr lang="en-US" b="0" i="0" dirty="0" err="1">
+                <a:solidFill>
+                  <a:srgbClr val="242424"/>
+                </a:solidFill>
+                <a:effectLst/>
+                <a:latin typeface="Segoe UI" panose="020B0502040204020203" pitchFamily="34" charset="0"/>
+              </a:rPr>
+              <a:t>komen</a:t>
+            </a:r>
+            <a:r>
+              <a:rPr lang="en-US" b="0" i="0" dirty="0">
+                <a:solidFill>
+                  <a:srgbClr val="242424"/>
+                </a:solidFill>
+                <a:effectLst/>
+                <a:latin typeface="Segoe UI" panose="020B0502040204020203" pitchFamily="34" charset="0"/>
+              </a:rPr>
               <a:t>.</a:t>
             </a:r>
           </a:p>
           <a:p>
-            <a:r>
-              <a:rPr lang="en-US" dirty="0"/>
-              <a:t>Inside this method we can then create client via the factory and consume the options.</a:t>
-            </a:r>
-          </a:p>
-          <a:p>
-            <a:r>
-              <a:rPr lang="en-US" dirty="0"/>
-              <a:t>The advantage of this little detour, is that we now can request the </a:t>
-            </a:r>
-            <a:r>
-              <a:rPr lang="en-US" dirty="0" err="1"/>
-              <a:t>INonDiClient</a:t>
-            </a:r>
-            <a:r>
-              <a:rPr lang="en-US" dirty="0"/>
-              <a:t> from the DI container, and by doing so it allows us to consume it wherever this interface should be known inside the project. The configuration can be loaded from any </a:t>
-            </a:r>
-            <a:r>
-              <a:rPr lang="en-US" dirty="0" err="1"/>
-              <a:t>serviceprovider</a:t>
-            </a:r>
-            <a:r>
-              <a:rPr lang="en-US" dirty="0"/>
-              <a:t> only at the time when needed.</a:t>
-            </a:r>
-          </a:p>
-          <a:p>
-            <a:endParaRPr lang="en-US" dirty="0"/>
-          </a:p>
-          <a:p>
-            <a:endParaRPr lang="en-US" dirty="0"/>
-          </a:p>
-          <a:p>
-            <a:endParaRPr lang="en-US" dirty="0"/>
+            <a:endParaRPr lang="en-US" b="0" i="0" dirty="0">
+              <a:solidFill>
+                <a:srgbClr val="242424"/>
+              </a:solidFill>
+              <a:effectLst/>
+              <a:latin typeface="Segoe UI" panose="020B0502040204020203" pitchFamily="34" charset="0"/>
+            </a:endParaRPr>
+          </a:p>
+          <a:p>
+            <a:r>
+              <a:rPr lang="en-US" b="0" i="0" dirty="0" err="1">
+                <a:solidFill>
+                  <a:srgbClr val="242424"/>
+                </a:solidFill>
+                <a:effectLst/>
+                <a:latin typeface="Segoe UI" panose="020B0502040204020203" pitchFamily="34" charset="0"/>
+              </a:rPr>
+              <a:t>Tevens</a:t>
+            </a:r>
+            <a:r>
+              <a:rPr lang="en-US" b="0" i="0" dirty="0">
+                <a:solidFill>
+                  <a:srgbClr val="242424"/>
+                </a:solidFill>
+                <a:effectLst/>
+                <a:latin typeface="Segoe UI" panose="020B0502040204020203" pitchFamily="34" charset="0"/>
+              </a:rPr>
+              <a:t> </a:t>
+            </a:r>
+            <a:r>
+              <a:rPr lang="en-US" b="0" i="0" dirty="0" err="1">
+                <a:solidFill>
+                  <a:srgbClr val="242424"/>
+                </a:solidFill>
+                <a:effectLst/>
+                <a:latin typeface="Segoe UI" panose="020B0502040204020203" pitchFamily="34" charset="0"/>
+              </a:rPr>
+              <a:t>geef</a:t>
+            </a:r>
+            <a:r>
+              <a:rPr lang="en-US" b="0" i="0" dirty="0">
+                <a:solidFill>
+                  <a:srgbClr val="242424"/>
+                </a:solidFill>
+                <a:effectLst/>
+                <a:latin typeface="Segoe UI" panose="020B0502040204020203" pitchFamily="34" charset="0"/>
+              </a:rPr>
+              <a:t> </a:t>
+            </a:r>
+            <a:r>
+              <a:rPr lang="en-US" b="0" i="0" dirty="0" err="1">
+                <a:solidFill>
+                  <a:srgbClr val="242424"/>
+                </a:solidFill>
+                <a:effectLst/>
+                <a:latin typeface="Segoe UI" panose="020B0502040204020203" pitchFamily="34" charset="0"/>
+              </a:rPr>
+              <a:t>ik</a:t>
+            </a:r>
+            <a:r>
+              <a:rPr lang="en-US" b="0" i="0" dirty="0">
+                <a:solidFill>
+                  <a:srgbClr val="242424"/>
+                </a:solidFill>
+                <a:effectLst/>
+                <a:latin typeface="Segoe UI" panose="020B0502040204020203" pitchFamily="34" charset="0"/>
+              </a:rPr>
+              <a:t> </a:t>
+            </a:r>
+            <a:r>
+              <a:rPr lang="en-US" b="0" i="0" dirty="0" err="1">
+                <a:solidFill>
+                  <a:srgbClr val="242424"/>
+                </a:solidFill>
+                <a:effectLst/>
+                <a:latin typeface="Segoe UI" panose="020B0502040204020203" pitchFamily="34" charset="0"/>
+              </a:rPr>
+              <a:t>jullie</a:t>
+            </a:r>
+            <a:r>
+              <a:rPr lang="en-US" b="0" i="0" dirty="0">
+                <a:solidFill>
+                  <a:srgbClr val="242424"/>
+                </a:solidFill>
+                <a:effectLst/>
+                <a:latin typeface="Segoe UI" panose="020B0502040204020203" pitchFamily="34" charset="0"/>
+              </a:rPr>
+              <a:t> </a:t>
+            </a:r>
+            <a:r>
+              <a:rPr lang="en-US" b="0" i="0" dirty="0" err="1">
+                <a:solidFill>
+                  <a:srgbClr val="242424"/>
+                </a:solidFill>
+                <a:effectLst/>
+                <a:latin typeface="Segoe UI" panose="020B0502040204020203" pitchFamily="34" charset="0"/>
+              </a:rPr>
+              <a:t>nog</a:t>
+            </a:r>
+            <a:r>
+              <a:rPr lang="en-US" b="0" i="0" dirty="0">
+                <a:solidFill>
+                  <a:srgbClr val="242424"/>
+                </a:solidFill>
+                <a:effectLst/>
+                <a:latin typeface="Segoe UI" panose="020B0502040204020203" pitchFamily="34" charset="0"/>
+              </a:rPr>
+              <a:t> wat </a:t>
+            </a:r>
+            <a:r>
+              <a:rPr lang="en-US" b="0" i="0" dirty="0" err="1">
+                <a:solidFill>
+                  <a:srgbClr val="242424"/>
+                </a:solidFill>
+                <a:effectLst/>
+                <a:latin typeface="Segoe UI" panose="020B0502040204020203" pitchFamily="34" charset="0"/>
+              </a:rPr>
+              <a:t>referenties</a:t>
+            </a:r>
+            <a:r>
+              <a:rPr lang="en-US" b="0" i="0" dirty="0">
+                <a:solidFill>
+                  <a:srgbClr val="242424"/>
+                </a:solidFill>
+                <a:effectLst/>
+                <a:latin typeface="Segoe UI" panose="020B0502040204020203" pitchFamily="34" charset="0"/>
+              </a:rPr>
+              <a:t> </a:t>
+            </a:r>
+            <a:r>
+              <a:rPr lang="en-US" b="0" i="0" dirty="0" err="1">
+                <a:solidFill>
+                  <a:srgbClr val="242424"/>
+                </a:solidFill>
+                <a:effectLst/>
+                <a:latin typeface="Segoe UI" panose="020B0502040204020203" pitchFamily="34" charset="0"/>
+              </a:rPr>
+              <a:t>waar</a:t>
+            </a:r>
+            <a:r>
+              <a:rPr lang="en-US" b="0" i="0" dirty="0">
+                <a:solidFill>
+                  <a:srgbClr val="242424"/>
+                </a:solidFill>
+                <a:effectLst/>
+                <a:latin typeface="Segoe UI" panose="020B0502040204020203" pitchFamily="34" charset="0"/>
+              </a:rPr>
+              <a:t> </a:t>
+            </a:r>
+            <a:r>
+              <a:rPr lang="en-US" b="0" i="0" dirty="0" err="1">
+                <a:solidFill>
+                  <a:srgbClr val="242424"/>
+                </a:solidFill>
+                <a:effectLst/>
+                <a:latin typeface="Segoe UI" panose="020B0502040204020203" pitchFamily="34" charset="0"/>
+              </a:rPr>
+              <a:t>ik</a:t>
+            </a:r>
+            <a:r>
+              <a:rPr lang="en-US" b="0" i="0" dirty="0">
+                <a:solidFill>
+                  <a:srgbClr val="242424"/>
+                </a:solidFill>
+                <a:effectLst/>
+                <a:latin typeface="Segoe UI" panose="020B0502040204020203" pitchFamily="34" charset="0"/>
+              </a:rPr>
+              <a:t> de </a:t>
+            </a:r>
+            <a:r>
+              <a:rPr lang="en-US" b="0" i="0" dirty="0" err="1">
+                <a:solidFill>
+                  <a:srgbClr val="242424"/>
+                </a:solidFill>
+                <a:effectLst/>
+                <a:latin typeface="Segoe UI" panose="020B0502040204020203" pitchFamily="34" charset="0"/>
+              </a:rPr>
+              <a:t>mosterd</a:t>
+            </a:r>
+            <a:r>
+              <a:rPr lang="en-US" b="0" i="0" dirty="0">
+                <a:solidFill>
+                  <a:srgbClr val="242424"/>
+                </a:solidFill>
+                <a:effectLst/>
+                <a:latin typeface="Segoe UI" panose="020B0502040204020203" pitchFamily="34" charset="0"/>
+              </a:rPr>
+              <a:t> </a:t>
+            </a:r>
+            <a:r>
+              <a:rPr lang="en-US" b="0" i="0" dirty="0" err="1">
+                <a:solidFill>
+                  <a:srgbClr val="242424"/>
+                </a:solidFill>
+                <a:effectLst/>
+                <a:latin typeface="Segoe UI" panose="020B0502040204020203" pitchFamily="34" charset="0"/>
+              </a:rPr>
+              <a:t>gehaald</a:t>
+            </a:r>
+            <a:r>
+              <a:rPr lang="en-US" b="0" i="0" dirty="0">
+                <a:solidFill>
+                  <a:srgbClr val="242424"/>
+                </a:solidFill>
+                <a:effectLst/>
+                <a:latin typeface="Segoe UI" panose="020B0502040204020203" pitchFamily="34" charset="0"/>
+              </a:rPr>
+              <a:t> </a:t>
+            </a:r>
+            <a:r>
+              <a:rPr lang="en-US" b="0" i="0" dirty="0" err="1">
+                <a:solidFill>
+                  <a:srgbClr val="242424"/>
+                </a:solidFill>
+                <a:effectLst/>
+                <a:latin typeface="Segoe UI" panose="020B0502040204020203" pitchFamily="34" charset="0"/>
+              </a:rPr>
+              <a:t>heb</a:t>
+            </a:r>
+            <a:r>
+              <a:rPr lang="en-US" b="0" i="0" dirty="0">
+                <a:solidFill>
+                  <a:srgbClr val="242424"/>
+                </a:solidFill>
+                <a:effectLst/>
+                <a:latin typeface="Segoe UI" panose="020B0502040204020203" pitchFamily="34" charset="0"/>
+              </a:rPr>
+              <a:t> </a:t>
+            </a:r>
+            <a:r>
+              <a:rPr lang="en-US" b="0" i="0" dirty="0" err="1">
+                <a:solidFill>
+                  <a:srgbClr val="242424"/>
+                </a:solidFill>
+                <a:effectLst/>
+                <a:latin typeface="Segoe UI" panose="020B0502040204020203" pitchFamily="34" charset="0"/>
+              </a:rPr>
+              <a:t>voor</a:t>
+            </a:r>
+            <a:r>
+              <a:rPr lang="en-US" b="0" i="0" dirty="0">
+                <a:solidFill>
+                  <a:srgbClr val="242424"/>
+                </a:solidFill>
+                <a:effectLst/>
+                <a:latin typeface="Segoe UI" panose="020B0502040204020203" pitchFamily="34" charset="0"/>
+              </a:rPr>
+              <a:t> </a:t>
+            </a:r>
+            <a:r>
+              <a:rPr lang="en-US" b="0" i="0" dirty="0" err="1">
+                <a:solidFill>
+                  <a:srgbClr val="242424"/>
+                </a:solidFill>
+                <a:effectLst/>
+                <a:latin typeface="Segoe UI" panose="020B0502040204020203" pitchFamily="34" charset="0"/>
+              </a:rPr>
+              <a:t>deze</a:t>
+            </a:r>
+            <a:r>
+              <a:rPr lang="en-US" b="0" i="0" dirty="0">
+                <a:solidFill>
+                  <a:srgbClr val="242424"/>
+                </a:solidFill>
+                <a:effectLst/>
+                <a:latin typeface="Segoe UI" panose="020B0502040204020203" pitchFamily="34" charset="0"/>
+              </a:rPr>
+              <a:t> </a:t>
+            </a:r>
+            <a:r>
+              <a:rPr lang="en-US" b="0" i="0" dirty="0" err="1">
+                <a:solidFill>
+                  <a:srgbClr val="242424"/>
+                </a:solidFill>
+                <a:effectLst/>
+                <a:latin typeface="Segoe UI" panose="020B0502040204020203" pitchFamily="34" charset="0"/>
+              </a:rPr>
+              <a:t>sessie</a:t>
+            </a:r>
+            <a:r>
+              <a:rPr lang="en-US" b="0" i="0" dirty="0">
+                <a:solidFill>
+                  <a:srgbClr val="242424"/>
+                </a:solidFill>
+                <a:effectLst/>
+                <a:latin typeface="Segoe UI" panose="020B0502040204020203" pitchFamily="34" charset="0"/>
+              </a:rPr>
+              <a:t>.</a:t>
+            </a:r>
+            <a:endParaRPr lang="nl-BE" dirty="0"/>
           </a:p>
         </p:txBody>
       </p:sp>
@@ -3884,137 +5335,6 @@
               <a:rPr lang="de-DE" smtClean="0"/>
               <a:pPr/>
               <a:t>21</a:t>
-            </a:fld>
-            <a:endParaRPr lang="de-DE" dirty="0"/>
-          </a:p>
-        </p:txBody>
-      </p:sp>
-    </p:spTree>
-    <p:extLst>
-      <p:ext uri="{BB962C8B-B14F-4D97-AF65-F5344CB8AC3E}">
-        <p14:creationId xmlns:p14="http://schemas.microsoft.com/office/powerpoint/2010/main" val="1714846204"/>
-      </p:ext>
-    </p:extLst>
-  </p:cSld>
-  <p:clrMapOvr>
-    <a:masterClrMapping/>
-  </p:clrMapOvr>
-</p:notes>
-</file>
-
-<file path=ppt/notesSlides/notesSlide22.xml><?xml version="1.0" encoding="utf-8"?>
-<p:notes xmlns:a="http://schemas.openxmlformats.org/drawingml/2006/main" xmlns:r="http://schemas.openxmlformats.org/officeDocument/2006/relationships" xmlns:p="http://schemas.openxmlformats.org/presentationml/2006/main">
-  <p:cSld>
-    <p:spTree>
-      <p:nvGrpSpPr>
-        <p:cNvPr id="1" name=""/>
-        <p:cNvGrpSpPr/>
-        <p:nvPr/>
-      </p:nvGrpSpPr>
-      <p:grpSpPr>
-        <a:xfrm>
-          <a:off x="0" y="0"/>
-          <a:ext cx="0" cy="0"/>
-          <a:chOff x="0" y="0"/>
-          <a:chExt cx="0" cy="0"/>
-        </a:xfrm>
-      </p:grpSpPr>
-      <p:sp>
-        <p:nvSpPr>
-          <p:cNvPr id="2" name="Slide Image Placeholder 1"/>
-          <p:cNvSpPr>
-            <a:spLocks noGrp="1" noRot="1" noChangeAspect="1"/>
-          </p:cNvSpPr>
-          <p:nvPr>
-            <p:ph type="sldImg"/>
-          </p:nvPr>
-        </p:nvSpPr>
-        <p:spPr>
-          <a:xfrm>
-            <a:off x="115888" y="388938"/>
-            <a:ext cx="6608762" cy="3717925"/>
-          </a:xfrm>
-          <a:prstGeom prst="rect">
-            <a:avLst/>
-          </a:prstGeom>
-        </p:spPr>
-      </p:sp>
-      <p:sp>
-        <p:nvSpPr>
-          <p:cNvPr id="3" name="Notes Placeholder 2"/>
-          <p:cNvSpPr>
-            <a:spLocks noGrp="1"/>
-          </p:cNvSpPr>
-          <p:nvPr>
-            <p:ph type="body" idx="1"/>
-          </p:nvPr>
-        </p:nvSpPr>
-        <p:spPr>
-          <a:xfrm>
-            <a:off x="360001" y="4276251"/>
-            <a:ext cx="6120000" cy="5248125"/>
-          </a:xfrm>
-          <a:prstGeom prst="rect">
-            <a:avLst/>
-          </a:prstGeom>
-        </p:spPr>
-        <p:txBody>
-          <a:bodyPr/>
-          <a:lstStyle/>
-          <a:p>
-            <a:r>
-              <a:rPr lang="en-US" b="0" i="0" dirty="0">
-                <a:solidFill>
-                  <a:srgbClr val="242424"/>
-                </a:solidFill>
-                <a:effectLst/>
-                <a:latin typeface="Segoe UI" panose="020B0502040204020203" pitchFamily="34" charset="0"/>
-              </a:rPr>
-              <a:t>Thank you for your attention. Now, let's open the floor for any questions you might have.</a:t>
-            </a:r>
-          </a:p>
-          <a:p>
-            <a:r>
-              <a:rPr lang="en-US" b="0" i="0" dirty="0">
-                <a:solidFill>
-                  <a:srgbClr val="242424"/>
-                </a:solidFill>
-                <a:effectLst/>
-                <a:latin typeface="Segoe UI" panose="020B0502040204020203" pitchFamily="34" charset="0"/>
-              </a:rPr>
-              <a:t>If you would like to go through the slides or source code at your own pace, feel free to scan the QR code.</a:t>
-            </a:r>
-            <a:endParaRPr lang="nl-BE" dirty="0"/>
-          </a:p>
-        </p:txBody>
-      </p:sp>
-      <p:sp>
-        <p:nvSpPr>
-          <p:cNvPr id="4" name="Slide Number Placeholder 3"/>
-          <p:cNvSpPr>
-            <a:spLocks noGrp="1"/>
-          </p:cNvSpPr>
-          <p:nvPr>
-            <p:ph type="sldNum" sz="quarter" idx="5"/>
-          </p:nvPr>
-        </p:nvSpPr>
-        <p:spPr>
-          <a:xfrm>
-            <a:off x="3884614" y="9597289"/>
-            <a:ext cx="2971800" cy="272125"/>
-          </a:xfrm>
-          <a:prstGeom prst="rect">
-            <a:avLst/>
-          </a:prstGeom>
-        </p:spPr>
-        <p:txBody>
-          <a:bodyPr/>
-          <a:lstStyle/>
-          <a:p>
-            <a:fld id="{D61B4C21-2AF8-4513-9A88-12DEBB551087}" type="slidenum">
-              <a:rPr lang="de-DE" smtClean="0"/>
-              <a:pPr/>
-              <a:t>22</a:t>
             </a:fld>
             <a:endParaRPr lang="de-DE" dirty="0"/>
           </a:p>
@@ -4094,65 +5414,32 @@
           <a:lstStyle/>
           <a:p>
             <a:r>
-              <a:rPr lang="en-US" dirty="0"/>
-              <a:t>Before we begin, please raise your hand if you have worked with</a:t>
-            </a:r>
-          </a:p>
-          <a:p>
-            <a:pPr marL="275834" indent="-275834">
-              <a:buFont typeface="Arial" panose="020B0604020202020204" pitchFamily="34" charset="0"/>
-              <a:buChar char="•"/>
-            </a:pPr>
-            <a:r>
-              <a:rPr lang="en-US" dirty="0" err="1"/>
-              <a:t>IConfiguration</a:t>
-            </a:r>
-            <a:endParaRPr lang="en-US" dirty="0"/>
-          </a:p>
-          <a:p>
-            <a:pPr marL="275834" indent="-275834">
-              <a:buFont typeface="Arial" panose="020B0604020202020204" pitchFamily="34" charset="0"/>
-              <a:buChar char="•"/>
-            </a:pPr>
-            <a:r>
-              <a:rPr lang="en-US" dirty="0" err="1"/>
-              <a:t>IOptions</a:t>
-            </a:r>
-            <a:endParaRPr lang="en-US" dirty="0"/>
-          </a:p>
-          <a:p>
-            <a:pPr marL="275834" indent="-275834">
-              <a:buFont typeface="Arial" panose="020B0604020202020204" pitchFamily="34" charset="0"/>
-              <a:buChar char="•"/>
-            </a:pPr>
-            <a:r>
-              <a:rPr lang="en-US" dirty="0"/>
-              <a:t>Both</a:t>
-            </a:r>
-          </a:p>
-          <a:p>
-            <a:pPr marL="484339" lvl="1" indent="-275834">
-              <a:buFont typeface="Arial" panose="020B0604020202020204" pitchFamily="34" charset="0"/>
-              <a:buChar char="•"/>
-            </a:pPr>
-            <a:r>
               <a:rPr lang="nl-BE" dirty="0"/>
-              <a:t>If many raise just mention that I can’t promise they learn a lot of knew things but I will try at least confirm the existing knowledge</a:t>
-            </a:r>
-          </a:p>
-          <a:p>
-            <a:pPr marL="208505" lvl="1" indent="0">
-              <a:buNone/>
-            </a:pPr>
+              <a:t>Ik ben Pieter Samyn, Technology lead bij ZF in België. Dit laatste hadden jullie waarschijnljik al door.</a:t>
+            </a:r>
+          </a:p>
+          <a:p>
             <a:endParaRPr lang="nl-BE" dirty="0"/>
           </a:p>
           <a:p>
-            <a:pPr marL="208505" lvl="1" indent="0">
-              <a:buNone/>
-            </a:pPr>
             <a:r>
               <a:rPr lang="nl-BE" dirty="0"/>
-              <a:t>If you don’t understand a thing or have a question please don’t wait until the end as the session will continuously build upon further. So if I lose me you’ll most likely be lost for the remainder of the session.</a:t>
+              <a:t>Mijn focus is backend development op de AWS Stack met dotnet, een niet alledaagse combinatie maar wel een leuke.</a:t>
+            </a:r>
+          </a:p>
+          <a:p>
+            <a:r>
+              <a:rPr lang="nl-BE" dirty="0"/>
+              <a:t>Ik probeer altijd te kijken waar we performance gains kunnen behalen en waar we het onderhoud in onze projecten kunnen verbeteren.</a:t>
+            </a:r>
+          </a:p>
+          <a:p>
+            <a:endParaRPr lang="nl-BE" dirty="0"/>
+          </a:p>
+          <a:p>
+            <a:r>
+              <a:rPr lang="nl-BE" dirty="0"/>
+              <a:t>Maar ik neem aan dat dat genoeg is over mij, als je nog iets wilt weten of connecteren. Spreek me gerust aan. Ik bijt niet! Ik heb daarstraks goed gegeten, of voeg me toe op LinkedIn.</a:t>
             </a:r>
           </a:p>
         </p:txBody>
@@ -4192,7 +5479,7 @@
     </p:spTree>
     <p:extLst>
       <p:ext uri="{BB962C8B-B14F-4D97-AF65-F5344CB8AC3E}">
-        <p14:creationId xmlns:p14="http://schemas.microsoft.com/office/powerpoint/2010/main" val="2489956746"/>
+        <p14:creationId xmlns:p14="http://schemas.microsoft.com/office/powerpoint/2010/main" val="3195256844"/>
       </p:ext>
     </p:extLst>
   </p:cSld>
@@ -4263,649 +5550,76 @@
           <a:lstStyle/>
           <a:p>
             <a:r>
-              <a:rPr lang="en-US" dirty="0"/>
-              <a:t>Say goodbye to </a:t>
-            </a:r>
-            <a:r>
-              <a:rPr lang="en-US" dirty="0" err="1"/>
-              <a:t>IConfiguration</a:t>
-            </a:r>
-            <a:r>
-              <a:rPr lang="en-US" dirty="0"/>
-              <a:t> and embrace the power of the </a:t>
-            </a:r>
-            <a:r>
-              <a:rPr lang="en-US" dirty="0" err="1"/>
-              <a:t>IOptions</a:t>
-            </a:r>
-            <a:r>
-              <a:rPr lang="en-US" dirty="0"/>
-              <a:t> pattern</a:t>
-            </a:r>
-          </a:p>
-          <a:p>
-            <a:endParaRPr lang="en-US" dirty="0"/>
-          </a:p>
-          <a:p>
-            <a:r>
-              <a:rPr lang="en-US" noProof="0" dirty="0"/>
-              <a:t>The title could be misleading as actually they chain together. But if you are only using </a:t>
-            </a:r>
-            <a:r>
-              <a:rPr lang="en-US" noProof="0" dirty="0" err="1"/>
-              <a:t>IConfiguration</a:t>
-            </a:r>
-            <a:r>
-              <a:rPr lang="en-US" noProof="0" dirty="0"/>
-              <a:t>, I hope you reconsider after this session and embrace it with the </a:t>
-            </a:r>
-            <a:r>
-              <a:rPr lang="en-US" noProof="0" dirty="0" err="1"/>
-              <a:t>IOptions</a:t>
-            </a:r>
-            <a:endParaRPr lang="en-US" noProof="0" dirty="0"/>
-          </a:p>
-          <a:p>
-            <a:r>
-              <a:rPr lang="de-DE" dirty="0"/>
-              <a:t>This will not </a:t>
-            </a:r>
-            <a:r>
-              <a:rPr lang="de-DE" dirty="0" err="1"/>
-              <a:t>be</a:t>
-            </a:r>
-            <a:r>
-              <a:rPr lang="de-DE" dirty="0"/>
-              <a:t> a rocket </a:t>
-            </a:r>
-            <a:r>
-              <a:rPr lang="de-DE" dirty="0" err="1"/>
-              <a:t>science</a:t>
-            </a:r>
-            <a:r>
-              <a:rPr lang="de-DE" dirty="0"/>
-              <a:t> </a:t>
-            </a:r>
-            <a:r>
-              <a:rPr lang="de-DE" dirty="0" err="1"/>
-              <a:t>session</a:t>
-            </a:r>
-            <a:r>
-              <a:rPr lang="de-DE" dirty="0"/>
-              <a:t>, </a:t>
-            </a:r>
-            <a:r>
-              <a:rPr lang="de-DE" dirty="0" err="1"/>
-              <a:t>some</a:t>
-            </a:r>
-            <a:r>
-              <a:rPr lang="de-DE" dirty="0"/>
-              <a:t> </a:t>
-            </a:r>
-            <a:r>
-              <a:rPr lang="de-DE" dirty="0" err="1"/>
-              <a:t>things</a:t>
-            </a:r>
-            <a:r>
-              <a:rPr lang="de-DE" dirty="0"/>
-              <a:t> will </a:t>
-            </a:r>
-            <a:r>
-              <a:rPr lang="de-DE" dirty="0" err="1"/>
-              <a:t>go</a:t>
-            </a:r>
-            <a:r>
-              <a:rPr lang="de-DE" dirty="0"/>
-              <a:t> a </a:t>
-            </a:r>
-            <a:r>
-              <a:rPr lang="de-DE" dirty="0" err="1"/>
-              <a:t>bit</a:t>
-            </a:r>
-            <a:r>
-              <a:rPr lang="de-DE" dirty="0"/>
-              <a:t> </a:t>
-            </a:r>
-            <a:r>
-              <a:rPr lang="de-DE" dirty="0" err="1"/>
-              <a:t>deeper</a:t>
-            </a:r>
-            <a:r>
-              <a:rPr lang="de-DE" dirty="0"/>
-              <a:t>, but I will </a:t>
-            </a:r>
-            <a:r>
-              <a:rPr lang="de-DE" dirty="0" err="1"/>
-              <a:t>try</a:t>
-            </a:r>
-            <a:r>
-              <a:rPr lang="de-DE" dirty="0"/>
-              <a:t> </a:t>
-            </a:r>
-            <a:r>
-              <a:rPr lang="de-DE" dirty="0" err="1"/>
-              <a:t>to</a:t>
-            </a:r>
-            <a:r>
-              <a:rPr lang="de-DE" dirty="0"/>
-              <a:t> </a:t>
-            </a:r>
-            <a:r>
-              <a:rPr lang="de-DE" dirty="0" err="1"/>
-              <a:t>show</a:t>
-            </a:r>
-            <a:r>
-              <a:rPr lang="de-DE" dirty="0"/>
-              <a:t> </a:t>
-            </a:r>
-            <a:r>
-              <a:rPr lang="de-DE" dirty="0" err="1"/>
-              <a:t>you</a:t>
-            </a:r>
-            <a:r>
-              <a:rPr lang="de-DE" dirty="0"/>
-              <a:t> </a:t>
-            </a:r>
-            <a:r>
-              <a:rPr lang="de-DE" dirty="0" err="1"/>
-              <a:t>the</a:t>
-            </a:r>
-            <a:r>
-              <a:rPr lang="de-DE" dirty="0"/>
-              <a:t> </a:t>
-            </a:r>
-            <a:r>
-              <a:rPr lang="de-DE" dirty="0" err="1"/>
-              <a:t>beauty</a:t>
-            </a:r>
-            <a:r>
-              <a:rPr lang="de-DE" dirty="0"/>
-              <a:t> </a:t>
-            </a:r>
-            <a:r>
-              <a:rPr lang="de-DE" dirty="0" err="1"/>
-              <a:t>of</a:t>
-            </a:r>
-            <a:r>
-              <a:rPr lang="de-DE" dirty="0"/>
-              <a:t> </a:t>
-            </a:r>
-            <a:r>
-              <a:rPr lang="de-DE" dirty="0" err="1"/>
-              <a:t>this</a:t>
-            </a:r>
-            <a:r>
-              <a:rPr lang="de-DE" dirty="0"/>
-              <a:t> </a:t>
-            </a:r>
-            <a:r>
-              <a:rPr lang="de-DE" dirty="0" err="1"/>
-              <a:t>basic</a:t>
-            </a:r>
-            <a:r>
-              <a:rPr lang="de-DE" dirty="0"/>
-              <a:t> </a:t>
-            </a:r>
-            <a:r>
-              <a:rPr lang="de-DE" dirty="0" err="1"/>
-              <a:t>functionality</a:t>
-            </a:r>
-            <a:r>
-              <a:rPr lang="de-DE" dirty="0"/>
-              <a:t> and </a:t>
-            </a:r>
-            <a:r>
-              <a:rPr lang="de-DE" dirty="0" err="1"/>
-              <a:t>when</a:t>
-            </a:r>
-            <a:r>
-              <a:rPr lang="de-DE" dirty="0"/>
-              <a:t> </a:t>
-            </a:r>
-            <a:r>
-              <a:rPr lang="de-DE" dirty="0" err="1"/>
-              <a:t>the</a:t>
-            </a:r>
-            <a:r>
-              <a:rPr lang="de-DE" dirty="0"/>
-              <a:t> </a:t>
-            </a:r>
-            <a:r>
-              <a:rPr lang="de-DE" dirty="0" err="1"/>
-              <a:t>session</a:t>
-            </a:r>
-            <a:r>
-              <a:rPr lang="de-DE" dirty="0"/>
-              <a:t> </a:t>
-            </a:r>
-            <a:r>
-              <a:rPr lang="de-DE" dirty="0" err="1"/>
-              <a:t>nears</a:t>
-            </a:r>
-            <a:r>
-              <a:rPr lang="de-DE" dirty="0"/>
-              <a:t> </a:t>
-            </a:r>
-            <a:r>
-              <a:rPr lang="de-DE" dirty="0" err="1"/>
-              <a:t>its</a:t>
-            </a:r>
-            <a:r>
-              <a:rPr lang="de-DE" dirty="0"/>
-              <a:t> end, </a:t>
-            </a:r>
-            <a:r>
-              <a:rPr lang="de-DE" dirty="0" err="1"/>
-              <a:t>We</a:t>
-            </a:r>
-            <a:r>
-              <a:rPr lang="de-DE" dirty="0"/>
-              <a:t> will </a:t>
-            </a:r>
-            <a:r>
-              <a:rPr lang="de-DE" dirty="0" err="1"/>
-              <a:t>reach</a:t>
-            </a:r>
-            <a:r>
-              <a:rPr lang="de-DE" dirty="0"/>
-              <a:t> </a:t>
-            </a:r>
-            <a:r>
-              <a:rPr lang="de-DE" dirty="0" err="1"/>
-              <a:t>to</a:t>
-            </a:r>
-            <a:r>
-              <a:rPr lang="de-DE" dirty="0"/>
-              <a:t> a </a:t>
-            </a:r>
-            <a:r>
-              <a:rPr lang="de-DE" dirty="0" err="1"/>
-              <a:t>more</a:t>
-            </a:r>
-            <a:r>
-              <a:rPr lang="de-DE" dirty="0"/>
-              <a:t> </a:t>
-            </a:r>
-            <a:r>
-              <a:rPr lang="de-DE" dirty="0" err="1"/>
-              <a:t>advanced</a:t>
-            </a:r>
-            <a:r>
-              <a:rPr lang="de-DE" dirty="0"/>
-              <a:t> </a:t>
-            </a:r>
-            <a:r>
-              <a:rPr lang="de-DE" dirty="0" err="1"/>
-              <a:t>demo</a:t>
-            </a:r>
-            <a:r>
-              <a:rPr lang="de-DE" dirty="0"/>
-              <a:t>.</a:t>
-            </a:r>
-          </a:p>
-          <a:p>
-            <a:r>
-              <a:rPr lang="de-DE" dirty="0" err="1"/>
-              <a:t>Which</a:t>
-            </a:r>
-            <a:r>
-              <a:rPr lang="de-DE" dirty="0"/>
-              <a:t> </a:t>
-            </a:r>
-            <a:r>
-              <a:rPr lang="de-DE" dirty="0" err="1"/>
-              <a:t>is</a:t>
-            </a:r>
-            <a:r>
-              <a:rPr lang="de-DE" dirty="0"/>
-              <a:t> </a:t>
-            </a:r>
-            <a:r>
-              <a:rPr lang="de-DE" dirty="0" err="1"/>
-              <a:t>the</a:t>
-            </a:r>
-            <a:r>
-              <a:rPr lang="de-DE" dirty="0"/>
-              <a:t> </a:t>
-            </a:r>
-            <a:r>
-              <a:rPr lang="de-DE" dirty="0" err="1"/>
-              <a:t>reason</a:t>
-            </a:r>
-            <a:r>
-              <a:rPr lang="de-DE" dirty="0"/>
-              <a:t> </a:t>
-            </a:r>
-            <a:r>
-              <a:rPr lang="de-DE" dirty="0" err="1"/>
-              <a:t>why</a:t>
-            </a:r>
-            <a:r>
-              <a:rPr lang="de-DE" dirty="0"/>
-              <a:t> I </a:t>
-            </a:r>
-            <a:r>
-              <a:rPr lang="de-DE" dirty="0" err="1"/>
-              <a:t>created</a:t>
-            </a:r>
-            <a:r>
-              <a:rPr lang="de-DE" dirty="0"/>
-              <a:t> </a:t>
-            </a:r>
-            <a:r>
-              <a:rPr lang="de-DE" dirty="0" err="1"/>
-              <a:t>this</a:t>
-            </a:r>
-            <a:r>
-              <a:rPr lang="de-DE" dirty="0"/>
-              <a:t> </a:t>
-            </a:r>
-            <a:r>
-              <a:rPr lang="de-DE" dirty="0" err="1"/>
-              <a:t>presentation</a:t>
-            </a:r>
-            <a:r>
-              <a:rPr lang="de-DE" dirty="0"/>
-              <a:t> </a:t>
-            </a:r>
-            <a:r>
-              <a:rPr lang="de-DE" dirty="0" err="1"/>
-              <a:t>as</a:t>
-            </a:r>
-            <a:r>
-              <a:rPr lang="de-DE" dirty="0"/>
-              <a:t> I </a:t>
-            </a:r>
-            <a:r>
-              <a:rPr lang="de-DE" dirty="0" err="1"/>
-              <a:t>stumbled</a:t>
-            </a:r>
-            <a:r>
-              <a:rPr lang="de-DE" dirty="0"/>
-              <a:t> upon </a:t>
-            </a:r>
-            <a:r>
-              <a:rPr lang="de-DE" dirty="0" err="1"/>
-              <a:t>it</a:t>
-            </a:r>
-            <a:r>
-              <a:rPr lang="de-DE" dirty="0"/>
-              <a:t> </a:t>
-            </a:r>
-            <a:r>
-              <a:rPr lang="de-DE" dirty="0" err="1"/>
-              <a:t>myself</a:t>
-            </a:r>
-            <a:r>
-              <a:rPr lang="de-DE" dirty="0"/>
-              <a:t> </a:t>
-            </a:r>
-            <a:r>
-              <a:rPr lang="de-DE" dirty="0" err="1"/>
-              <a:t>by</a:t>
-            </a:r>
-            <a:r>
-              <a:rPr lang="de-DE" dirty="0"/>
-              <a:t> </a:t>
-            </a:r>
-            <a:r>
-              <a:rPr lang="de-DE" dirty="0" err="1"/>
-              <a:t>accident</a:t>
-            </a:r>
-            <a:r>
-              <a:rPr lang="de-DE" dirty="0"/>
-              <a:t> not </a:t>
-            </a:r>
-            <a:r>
-              <a:rPr lang="de-DE" dirty="0" err="1"/>
-              <a:t>knowing</a:t>
-            </a:r>
-            <a:r>
-              <a:rPr lang="de-DE" dirty="0"/>
-              <a:t> </a:t>
-            </a:r>
-            <a:r>
-              <a:rPr lang="de-DE" dirty="0" err="1"/>
-              <a:t>this</a:t>
-            </a:r>
-            <a:r>
-              <a:rPr lang="de-DE" dirty="0"/>
-              <a:t> was in </a:t>
-            </a:r>
-            <a:r>
-              <a:rPr lang="de-DE" dirty="0" err="1"/>
-              <a:t>there</a:t>
-            </a:r>
-            <a:r>
-              <a:rPr lang="de-DE" dirty="0"/>
-              <a:t> all </a:t>
-            </a:r>
-            <a:r>
-              <a:rPr lang="de-DE" dirty="0" err="1"/>
-              <a:t>along</a:t>
-            </a:r>
-            <a:r>
-              <a:rPr lang="de-DE" dirty="0"/>
-              <a:t>.</a:t>
-            </a:r>
-          </a:p>
-          <a:p>
-            <a:r>
-              <a:rPr lang="de-DE" dirty="0"/>
-              <a:t>But </a:t>
-            </a:r>
-            <a:r>
-              <a:rPr lang="de-DE" dirty="0" err="1"/>
-              <a:t>it</a:t>
-            </a:r>
-            <a:r>
-              <a:rPr lang="de-DE" dirty="0"/>
-              <a:t> </a:t>
-            </a:r>
-            <a:r>
-              <a:rPr lang="de-DE" dirty="0" err="1"/>
-              <a:t>helped</a:t>
-            </a:r>
-            <a:r>
-              <a:rPr lang="de-DE" dirty="0"/>
-              <a:t> </a:t>
-            </a:r>
-            <a:r>
-              <a:rPr lang="de-DE" dirty="0" err="1"/>
-              <a:t>our</a:t>
-            </a:r>
-            <a:r>
-              <a:rPr lang="de-DE" dirty="0"/>
-              <a:t> </a:t>
-            </a:r>
-            <a:r>
-              <a:rPr lang="de-DE" dirty="0" err="1"/>
-              <a:t>team</a:t>
-            </a:r>
-            <a:r>
-              <a:rPr lang="de-DE" dirty="0"/>
-              <a:t> </a:t>
-            </a:r>
-            <a:r>
-              <a:rPr lang="de-DE" dirty="0" err="1"/>
-              <a:t>solving</a:t>
-            </a:r>
-            <a:r>
-              <a:rPr lang="de-DE" dirty="0"/>
-              <a:t> </a:t>
-            </a:r>
-            <a:r>
-              <a:rPr lang="de-DE" dirty="0" err="1"/>
-              <a:t>complex</a:t>
-            </a:r>
-            <a:r>
-              <a:rPr lang="de-DE" dirty="0"/>
-              <a:t> </a:t>
-            </a:r>
-            <a:r>
-              <a:rPr lang="de-DE" dirty="0" err="1"/>
-              <a:t>configurations</a:t>
-            </a:r>
-            <a:r>
-              <a:rPr lang="de-DE" dirty="0"/>
-              <a:t> in an easy </a:t>
-            </a:r>
-            <a:r>
-              <a:rPr lang="de-DE" dirty="0" err="1"/>
-              <a:t>to</a:t>
-            </a:r>
-            <a:r>
-              <a:rPr lang="de-DE" dirty="0"/>
-              <a:t> </a:t>
-            </a:r>
-            <a:r>
-              <a:rPr lang="de-DE" dirty="0" err="1"/>
-              <a:t>grasph</a:t>
-            </a:r>
-            <a:r>
-              <a:rPr lang="de-DE" dirty="0"/>
-              <a:t> </a:t>
-            </a:r>
-            <a:r>
-              <a:rPr lang="de-DE" dirty="0" err="1"/>
-              <a:t>fashion</a:t>
-            </a:r>
-            <a:r>
-              <a:rPr lang="de-DE" dirty="0"/>
-              <a:t> and </a:t>
-            </a:r>
-            <a:r>
-              <a:rPr lang="de-DE" dirty="0" err="1"/>
-              <a:t>adhering</a:t>
-            </a:r>
-            <a:r>
-              <a:rPr lang="de-DE" dirty="0"/>
-              <a:t> </a:t>
-            </a:r>
-            <a:r>
-              <a:rPr lang="de-DE" dirty="0" err="1"/>
-              <a:t>to</a:t>
-            </a:r>
-            <a:r>
-              <a:rPr lang="de-DE" dirty="0"/>
-              <a:t> </a:t>
-            </a:r>
-            <a:r>
-              <a:rPr lang="de-DE" dirty="0" err="1"/>
-              <a:t>the</a:t>
-            </a:r>
-            <a:r>
-              <a:rPr lang="de-DE" dirty="0"/>
-              <a:t> DRY </a:t>
-            </a:r>
-            <a:r>
-              <a:rPr lang="de-DE" dirty="0" err="1"/>
-              <a:t>principles</a:t>
-            </a:r>
-            <a:r>
-              <a:rPr lang="de-DE" dirty="0"/>
-              <a:t>.</a:t>
-            </a:r>
-          </a:p>
-          <a:p>
-            <a:endParaRPr lang="de-DE" dirty="0"/>
-          </a:p>
-          <a:p>
-            <a:r>
-              <a:rPr lang="en-US" b="0" i="0" dirty="0">
-                <a:solidFill>
-                  <a:srgbClr val="242424"/>
-                </a:solidFill>
-                <a:effectLst/>
-                <a:latin typeface="Segoe UI" panose="020B0502040204020203" pitchFamily="34" charset="0"/>
-              </a:rPr>
-              <a:t>In short, we needed to perform a specific action on an option value. Initially, it was proposed to copy and paste this action. </a:t>
-            </a:r>
-            <a:r>
-              <a:rPr lang="en-US" b="0" i="0">
-                <a:solidFill>
-                  <a:srgbClr val="242424"/>
-                </a:solidFill>
-                <a:effectLst/>
-                <a:latin typeface="Segoe UI" panose="020B0502040204020203" pitchFamily="34" charset="0"/>
-              </a:rPr>
-              <a:t>Although this approach would have worked, I didn't like the idea of having duplicated code.</a:t>
-            </a:r>
-          </a:p>
-          <a:p>
-            <a:endParaRPr lang="de-DE" dirty="0"/>
-          </a:p>
-          <a:p>
-            <a:r>
-              <a:rPr lang="de-DE" b="1" dirty="0"/>
-              <a:t>I </a:t>
-            </a:r>
-            <a:r>
-              <a:rPr lang="de-DE" b="1" dirty="0" err="1"/>
-              <a:t>got</a:t>
-            </a:r>
-            <a:r>
-              <a:rPr lang="de-DE" b="1" dirty="0"/>
-              <a:t> </a:t>
-            </a:r>
-            <a:r>
-              <a:rPr lang="de-DE" b="1" dirty="0" err="1"/>
-              <a:t>your</a:t>
-            </a:r>
-            <a:r>
-              <a:rPr lang="de-DE" b="1" dirty="0"/>
-              <a:t> </a:t>
-            </a:r>
-            <a:r>
-              <a:rPr lang="de-DE" b="1" dirty="0" err="1"/>
-              <a:t>attention</a:t>
-            </a:r>
-            <a:r>
-              <a:rPr lang="de-DE" b="1" dirty="0"/>
-              <a:t> </a:t>
-            </a:r>
-            <a:r>
-              <a:rPr lang="de-DE" b="1" dirty="0" err="1"/>
-              <a:t>with</a:t>
-            </a:r>
-            <a:r>
-              <a:rPr lang="de-DE" b="1" dirty="0"/>
-              <a:t> </a:t>
-            </a:r>
-            <a:r>
-              <a:rPr lang="de-DE" b="1" dirty="0" err="1"/>
-              <a:t>this</a:t>
-            </a:r>
-            <a:r>
-              <a:rPr lang="de-DE" b="1" dirty="0"/>
-              <a:t> </a:t>
-            </a:r>
-            <a:r>
-              <a:rPr lang="de-DE" b="1" dirty="0" err="1"/>
-              <a:t>statement</a:t>
-            </a:r>
-            <a:r>
-              <a:rPr lang="de-DE" b="1" dirty="0"/>
-              <a:t> I </a:t>
-            </a:r>
-            <a:r>
-              <a:rPr lang="de-DE" b="1" dirty="0" err="1"/>
-              <a:t>hope</a:t>
-            </a:r>
-            <a:r>
-              <a:rPr lang="de-DE" b="1" dirty="0"/>
-              <a:t>? </a:t>
-            </a:r>
-            <a:r>
-              <a:rPr lang="de-DE" b="1" dirty="0" err="1"/>
-              <a:t>yes</a:t>
-            </a:r>
-            <a:r>
-              <a:rPr lang="de-DE" b="1" dirty="0"/>
-              <a:t>?</a:t>
-            </a:r>
-          </a:p>
-          <a:p>
+              <a:rPr lang="nl-BE" dirty="0"/>
+              <a:t>Zeg vaarwel tegen IConfiguration en omarm de kracht van het IOptions-patroon.</a:t>
+            </a:r>
+          </a:p>
+          <a:p>
+            <a:endParaRPr lang="nl-BE" dirty="0"/>
+          </a:p>
+          <a:p>
+            <a:r>
+              <a:rPr lang="nl-BE" dirty="0"/>
+              <a:t>Wat een titel, we gaan het vandaag in deze laatste sessie over configuratie hebben.</a:t>
+            </a:r>
+          </a:p>
+          <a:p>
+            <a:r>
+              <a:rPr lang="nl-BE" dirty="0"/>
+              <a:t>Geen fancy third party libraries die ik gemaakt heb en die ik hier nu wil slijten, native functionaliteit.</a:t>
+            </a:r>
+          </a:p>
+          <a:p>
+            <a:r>
+              <a:rPr lang="nl-BE" dirty="0"/>
+              <a:t>De informatie staat op microsoft learn. Maar zoals de titel het al aan haalde, de focus is in het omarmen ervan.</a:t>
+            </a:r>
+          </a:p>
+          <a:p>
+            <a:endParaRPr lang="nl-BE" dirty="0"/>
+          </a:p>
+          <a:p>
+            <a:r>
+              <a:rPr lang="nl-BE" dirty="0"/>
+              <a:t>Op het einde van deze sessie zal je weten hoe IConfiguration &amp; IOptions hun mechanismes meer met elkaar verweven zijn dan de meeste van je collega’s.</a:t>
+            </a:r>
+          </a:p>
+          <a:p>
+            <a:r>
+              <a:rPr lang="nl-BE" dirty="0"/>
+              <a:t>De sessie vereist een bassis C# kennis en inzicht, bepaalde topics zijn luchtig andere zaken gaan we wat dieper bekijken.</a:t>
+            </a:r>
+          </a:p>
+          <a:p>
+            <a:endParaRPr lang="nl-BE" dirty="0"/>
+          </a:p>
+          <a:p>
+            <a:r>
+              <a:rPr lang="nl-BE" dirty="0"/>
+              <a:t>De sessie is tot stond gekomen uit een probleem die speelde in ons team. We gebruikten al IConfiguration en IOptions maar de link tussen beiden hadden we niet goed onder de knie. Toen we healthchecks introduceerden voelde de initiele implementatie fout aan. We hadden ofwel fouten in onze integratie testen of e2e testen. Uiteindelijk ging de failsafe wel werken maar dit was copy pasten, eerst hebben we geprobeerd te kijken of we het konden doen samenwerken met elkaar.</a:t>
+            </a:r>
+            <a:br>
+              <a:rPr lang="nl-BE" dirty="0"/>
+            </a:br>
+            <a:endParaRPr lang="nl-BE" dirty="0"/>
+          </a:p>
+          <a:p>
+            <a:r>
+              <a:rPr lang="nl-BE" dirty="0"/>
+              <a:t>Klaar voor de rit? Dan gaan we starten met opbouwen totdat alle bouwstenen uitgelicht zijn geweest zodat we dit huwelijk tussen IConfiguration en IOptions  kunnen demonstreren zonder dat het nog magie is.</a:t>
+            </a:r>
+          </a:p>
+          <a:p>
+            <a:r>
+              <a:rPr lang="nl-BE" dirty="0"/>
+              <a:t>Als er nog tijd over is kan ik wel nog een paar heel toepasselijke voorbeelden tonen die met behulp van deze techniek mogelijk komt.</a:t>
+            </a:r>
+          </a:p>
+          <a:p>
+            <a:r>
+              <a:rPr lang="nl-BE" dirty="0"/>
+              <a:t>Ieder deel is voorzien van een demo en de code is online bechikbaar, alles werkt tevens ook offline.</a:t>
+            </a:r>
             <a:endParaRPr lang="en-US" noProof="0" dirty="0"/>
           </a:p>
         </p:txBody>
@@ -5021,7 +5735,31 @@
             </a:r>
             <a:r>
               <a:rPr lang="en-US" noProof="0" dirty="0"/>
-              <a:t> acts as a base for when we will touch </a:t>
+              <a:t> is de basis </a:t>
+            </a:r>
+            <a:r>
+              <a:rPr lang="en-US" noProof="0" dirty="0" err="1"/>
+              <a:t>voor</a:t>
+            </a:r>
+            <a:r>
+              <a:rPr lang="en-US" noProof="0" dirty="0"/>
+              <a:t> </a:t>
+            </a:r>
+            <a:r>
+              <a:rPr lang="en-US" noProof="0" dirty="0" err="1"/>
+              <a:t>wanneer</a:t>
+            </a:r>
+            <a:r>
+              <a:rPr lang="en-US" noProof="0" dirty="0"/>
+              <a:t> we </a:t>
+            </a:r>
+            <a:r>
+              <a:rPr lang="en-US" noProof="0" dirty="0" err="1"/>
+              <a:t>starten</a:t>
+            </a:r>
+            <a:r>
+              <a:rPr lang="en-US" noProof="0" dirty="0"/>
+              <a:t> met </a:t>
             </a:r>
             <a:r>
               <a:rPr lang="en-US" noProof="0" dirty="0" err="1"/>
@@ -5033,9 +5771,48 @@
             </a:r>
           </a:p>
           <a:p>
+            <a:endParaRPr lang="en-US" noProof="0" dirty="0"/>
+          </a:p>
+          <a:p>
+            <a:r>
+              <a:rPr lang="en-US" noProof="0" dirty="0" err="1"/>
+              <a:t>Ik</a:t>
+            </a:r>
             <a:r>
               <a:rPr lang="en-US" noProof="0" dirty="0"/>
-              <a:t>I tried to divide it into concept, providers &amp; binding</a:t>
+              <a:t> </a:t>
+            </a:r>
+            <a:r>
+              <a:rPr lang="en-US" noProof="0" dirty="0" err="1"/>
+              <a:t>heb</a:t>
+            </a:r>
+            <a:r>
+              <a:rPr lang="en-US" noProof="0" dirty="0"/>
+              <a:t> </a:t>
+            </a:r>
+            <a:r>
+              <a:rPr lang="en-US" noProof="0" dirty="0" err="1"/>
+              <a:t>deze</a:t>
+            </a:r>
+            <a:r>
+              <a:rPr lang="en-US" noProof="0" dirty="0"/>
+              <a:t> </a:t>
+            </a:r>
+            <a:r>
+              <a:rPr lang="en-US" noProof="0" dirty="0" err="1"/>
+              <a:t>opgesplitst</a:t>
+            </a:r>
+            <a:r>
+              <a:rPr lang="en-US" noProof="0" dirty="0"/>
+              <a:t> in 3 </a:t>
+            </a:r>
+            <a:r>
+              <a:rPr lang="en-US" noProof="0" dirty="0" err="1"/>
+              <a:t>stukken</a:t>
+            </a:r>
+            <a:r>
+              <a:rPr lang="en-US" noProof="0" dirty="0"/>
+              <a:t> concept, providers &amp; binding.</a:t>
             </a:r>
           </a:p>
         </p:txBody>
@@ -5146,16 +5923,12 @@
           <a:lstStyle/>
           <a:p>
             <a:r>
-              <a:rPr lang="en-US" noProof="0" dirty="0" err="1"/>
-              <a:t>IConfiguration</a:t>
-            </a:r>
-            <a:r>
-              <a:rPr lang="en-US" noProof="0" dirty="0"/>
-              <a:t> what is it?</a:t>
-            </a:r>
-          </a:p>
-          <a:p>
-            <a:endParaRPr lang="en-US" noProof="0" dirty="0"/>
+              <a:rPr lang="nl-BE" noProof="0" dirty="0"/>
+              <a:t>IConfiguration wat is het?</a:t>
+            </a:r>
+          </a:p>
+          <a:p>
+            <a:endParaRPr lang="nl-BE" noProof="0" dirty="0"/>
           </a:p>
           <a:p>
             <a:pPr marL="171450" indent="-171450">
@@ -5163,52 +5936,27 @@
               <a:buChar char="•"/>
             </a:pPr>
             <a:r>
-              <a:rPr lang="en-US" noProof="0" dirty="0"/>
-              <a:t>It could be settings which you use to configure timeouts, </a:t>
-            </a:r>
-            <a:r>
-              <a:rPr lang="en-US" noProof="0" dirty="0" err="1"/>
-              <a:t>uri’s</a:t>
-            </a:r>
-            <a:r>
-              <a:rPr lang="en-US" noProof="0" dirty="0"/>
-              <a:t>, backoff times or</a:t>
+              <a:rPr lang="nl-BE" noProof="0" dirty="0"/>
+              <a:t>Voor de mensen die al gewerkt hebben met IConfiguration, wat zijn zaken die jullie hierin bewaren? (Timeout, uri’s, connectionstrings, …)</a:t>
             </a:r>
             <a:br>
-              <a:rPr lang="en-US" noProof="0" dirty="0"/>
+              <a:rPr lang="nl-BE" noProof="0" dirty="0"/>
             </a:br>
             <a:r>
-              <a:rPr lang="en-US" noProof="0" dirty="0"/>
-              <a:t>even secrets like </a:t>
-            </a:r>
-            <a:r>
-              <a:rPr lang="en-US" noProof="0" dirty="0" err="1"/>
-              <a:t>connnectionstrings</a:t>
-            </a:r>
-            <a:r>
-              <a:rPr lang="en-US" noProof="0" dirty="0"/>
-              <a:t>, </a:t>
-            </a:r>
-            <a:r>
-              <a:rPr lang="en-US" noProof="0" dirty="0" err="1"/>
-              <a:t>api</a:t>
-            </a:r>
-            <a:r>
-              <a:rPr lang="en-US" noProof="0" dirty="0"/>
-              <a:t> keys</a:t>
-            </a:r>
-            <a:r>
-              <a:rPr lang="en-US" dirty="0"/>
-              <a:t> t</a:t>
-            </a:r>
-            <a:r>
-              <a:rPr lang="en-US" noProof="0" dirty="0" err="1"/>
-              <a:t>hese</a:t>
-            </a:r>
-            <a:r>
-              <a:rPr lang="en-US" noProof="0" dirty="0"/>
-              <a:t> should be treated with extra caution so that these aren’t visualized for everyone who is able to pull your repository.</a:t>
-            </a:r>
+              <a:rPr lang="nl-BE" noProof="0" dirty="0"/>
+              <a:t>Let wel op met gevoelige data dat je de voor deze de juiste provider kiest.</a:t>
+            </a:r>
+            <a:br>
+              <a:rPr lang="nl-BE" noProof="0" dirty="0"/>
+            </a:br>
+            <a:r>
+              <a:rPr lang="nl-BE" noProof="0" dirty="0"/>
+              <a:t>Als je lokaal werkt kan je werken met secrets maar online ga je deze ook op een veilige manier moeten aan je applicatie meegeven. Ik denk hier aan een Azure Key Vault of een AWS Secret Manager of voor wie met Google Cloud Platform werk Secret Manager? Met deze laatste heb ik wel geen praktische ervaring.</a:t>
+            </a:r>
+            <a:br>
+              <a:rPr lang="nl-BE" noProof="0" dirty="0"/>
+            </a:br>
+            <a:endParaRPr lang="nl-BE" noProof="0" dirty="0"/>
           </a:p>
           <a:p>
             <a:pPr marL="171450" indent="-171450">
@@ -5216,17 +5964,13 @@
               <a:buChar char="•"/>
             </a:pPr>
             <a:r>
-              <a:rPr lang="en-US" noProof="0" dirty="0"/>
-              <a:t>Data coming from this source must be treated as being a </a:t>
-            </a:r>
-            <a:r>
-              <a:rPr lang="en-US" noProof="0" dirty="0" err="1"/>
-              <a:t>readonly</a:t>
-            </a:r>
-            <a:r>
-              <a:rPr lang="en-US" noProof="0" dirty="0"/>
-              <a:t> view in a single representation</a:t>
-            </a:r>
+              <a:rPr lang="nl-BE" noProof="0" dirty="0"/>
+              <a:t>Data die komt van IConfiguration moet je beschouwen als readonly, er zit een setter op maar als je je configuratie goed uitwerkt ga je dit niet nodig hebben.</a:t>
+            </a:r>
+            <a:br>
+              <a:rPr lang="nl-BE" noProof="0" dirty="0"/>
+            </a:br>
+            <a:endParaRPr lang="nl-BE" noProof="0" dirty="0"/>
           </a:p>
           <a:p>
             <a:pPr marL="171450" indent="-171450">
@@ -5234,106 +5978,57 @@
               <a:buChar char="•"/>
             </a:pPr>
             <a:r>
-              <a:rPr lang="en-US" dirty="0"/>
-              <a:t>A lot of the configuration is historically applied at compile time.</a:t>
+              <a:rPr lang="nl-BE" noProof="0" dirty="0"/>
+              <a:t>Een deel van de configuratie is standaard ingebakken tijdens het compileren.</a:t>
             </a:r>
             <a:br>
-              <a:rPr lang="en-US" dirty="0"/>
+              <a:rPr lang="nl-BE" noProof="0" dirty="0"/>
             </a:br>
             <a:r>
-              <a:rPr lang="en-US" dirty="0"/>
-              <a:t>Each environment has its own baked in configuration at compile time, this resembles a bit like how the </a:t>
-            </a:r>
-            <a:r>
-              <a:rPr lang="en-US" dirty="0" err="1"/>
-              <a:t>TerraGrunt</a:t>
-            </a:r>
-            <a:r>
-              <a:rPr lang="en-US" dirty="0"/>
-              <a:t> configuration is working with a Terraform configuration for the people who are working with a CI/CD pipeline.</a:t>
+              <a:rPr lang="nl-BE" noProof="0" dirty="0"/>
+              <a:t>Elke environment heeft zijn eigen configuratie at compile time.</a:t>
             </a:r>
             <a:br>
-              <a:rPr lang="en-US" dirty="0"/>
+              <a:rPr lang="nl-BE" noProof="0" dirty="0"/>
             </a:br>
+            <a:r>
+              <a:rPr lang="nl-BE" noProof="0" dirty="0"/>
+              <a:t>Het betekend echter niet dat een configuratie niet kan reageren op een wijziging of telkens moet heropstarten om de nieuwe wijzigingen in te laden. Dus als je echt wilt kan je een heel eenvoudige vorm van feature flags gebruiken. Iemand al ervaring met deze?</a:t>
+            </a:r>
             <a:br>
-              <a:rPr lang="en-US" dirty="0"/>
+              <a:rPr lang="nl-BE" noProof="0" dirty="0"/>
             </a:br>
-            <a:r>
-              <a:rPr lang="en-US" dirty="0"/>
-              <a:t>This doesn’t mean however that this configuration can’t respond to changes unless it is reloaded. Some configuration providers do allow it to be reloaded with new data at runtime. Which could make it a candidate for a simple feature toggles approach.</a:t>
+            <a:endParaRPr lang="nl-BE" noProof="0" dirty="0"/>
+          </a:p>
+          <a:p>
+            <a:pPr marL="171450" indent="-171450">
+              <a:buFont typeface="Arial" panose="020B0604020202020204" pitchFamily="34" charset="0"/>
+              <a:buChar char="•"/>
+            </a:pPr>
+            <a:r>
+              <a:rPr lang="nl-BE" b="1" noProof="0" dirty="0"/>
+              <a:t>Zijn er mensen hier die nog gewerkt hebben met web.config of app.config?</a:t>
             </a:r>
             <a:br>
-              <a:rPr lang="en-US" dirty="0"/>
+              <a:rPr lang="nl-BE" noProof="0" dirty="0"/>
             </a:br>
             <a:r>
-              <a:rPr lang="en-US" dirty="0"/>
-              <a:t>Although suites like </a:t>
-            </a:r>
-            <a:r>
-              <a:rPr lang="en-US" dirty="0" err="1"/>
-              <a:t>LaunchDarkly</a:t>
-            </a:r>
-            <a:r>
-              <a:rPr lang="en-US" dirty="0"/>
-              <a:t>, Unleash are more advanced, I’m just mentioning it as it could be simplified to just a configuration section, it isn't rocket science.</a:t>
+              <a:rPr lang="nl-BE" noProof="0" dirty="0"/>
+              <a:t>Deze mindset leef/leefde ook nog in onze organizatie, heel wat nieuwe projecten steunden daardoor ook nog op deze mindset.</a:t>
             </a:r>
             <a:br>
-              <a:rPr lang="en-US" dirty="0"/>
+              <a:rPr lang="nl-BE" noProof="0" dirty="0"/>
             </a:br>
+            <a:r>
+              <a:rPr lang="nl-BE" noProof="0" dirty="0"/>
+              <a:t>Voor de mensen die het niet meer herinneren of kennen. Dit was een XML gebaseerde configuratie die gebruik maakte van de Configuration Manager.</a:t>
+            </a:r>
             <a:br>
-              <a:rPr lang="en-US" dirty="0"/>
+              <a:rPr lang="nl-BE" noProof="0" dirty="0"/>
             </a:br>
             <a:r>
-              <a:rPr lang="en-US" b="1" dirty="0"/>
-              <a:t>Are there persons who used to work with </a:t>
-            </a:r>
-            <a:r>
-              <a:rPr lang="en-US" b="1" dirty="0" err="1"/>
-              <a:t>web.config</a:t>
-            </a:r>
-            <a:r>
-              <a:rPr lang="en-US" b="1" dirty="0"/>
-              <a:t> or </a:t>
-            </a:r>
-            <a:r>
-              <a:rPr lang="en-US" b="1" dirty="0" err="1"/>
-              <a:t>app.config</a:t>
-            </a:r>
-            <a:r>
-              <a:rPr lang="en-US" b="1" dirty="0"/>
-              <a:t>?</a:t>
-            </a:r>
-            <a:br>
-              <a:rPr lang="en-US" b="1" dirty="0"/>
-            </a:br>
-            <a:br>
-              <a:rPr lang="en-US" b="1" dirty="0"/>
-            </a:br>
-            <a:r>
-              <a:rPr lang="en-US" dirty="0"/>
-              <a:t>I’ve noticed in our organization a lot of project configurations still approach it with this mindset.</a:t>
-            </a:r>
-            <a:br>
-              <a:rPr lang="en-US" dirty="0"/>
-            </a:br>
-            <a:r>
-              <a:rPr lang="en-US" dirty="0"/>
-              <a:t>For the ones who don’t remember it anymore or know it, this was an XML based approach using the </a:t>
-            </a:r>
-            <a:r>
-              <a:rPr lang="en-US" dirty="0" err="1"/>
-              <a:t>ConfigurationManager</a:t>
-            </a:r>
-            <a:r>
-              <a:rPr lang="en-US" dirty="0"/>
-              <a:t>.</a:t>
-            </a:r>
-            <a:br>
-              <a:rPr lang="en-US" dirty="0"/>
-            </a:br>
-            <a:r>
-              <a:rPr lang="en-US" dirty="0"/>
-              <a:t>There was no possibility to do an easy transformation of your configuration to an object. There were tools like Slow Cheetah for transformations. But they were very hard to test and learn.</a:t>
+              <a:rPr lang="nl-BE" noProof="0" dirty="0"/>
+              <a:t>Eenvoudige transformaties waren niet aan de orde, je had wel tool zoals Slow Cheetah maar ik vond deze alles behalve leuk om te leren en te testen.</a:t>
             </a:r>
           </a:p>
         </p:txBody>
@@ -5444,150 +6139,92 @@
           <a:lstStyle/>
           <a:p>
             <a:r>
-              <a:rPr lang="en-US" noProof="0" dirty="0"/>
-              <a:t>When an application created with host or web application starts up, it typically loads resources in the following order</a:t>
-            </a:r>
-          </a:p>
-          <a:p>
-            <a:pPr marL="165501" indent="-165501">
+              <a:rPr lang="nl-BE" noProof="0" dirty="0"/>
+              <a:t>Wanneer een applicatie is gemaakt met een host of web application en deze wordt opgestart, dan worden de volgende configuration providers in deze volgorde geladen.</a:t>
+            </a:r>
+          </a:p>
+          <a:p>
+            <a:pPr marL="171450" indent="-171450">
               <a:buFont typeface="Arial" panose="020B0604020202020204" pitchFamily="34" charset="0"/>
               <a:buChar char="•"/>
             </a:pPr>
             <a:r>
-              <a:rPr lang="en-US" noProof="0" dirty="0"/>
-              <a:t>DOTNET_ or ASPNETCORE_ environment variable (this is used to determine the environment)</a:t>
-            </a:r>
-          </a:p>
-          <a:p>
-            <a:pPr marL="165501" indent="-165501">
+              <a:rPr lang="nl-BE" noProof="0" dirty="0"/>
+              <a:t>DOTNET_ of ASPNETCORE_ environment variable (this is used to determine the environment)</a:t>
+            </a:r>
+          </a:p>
+          <a:p>
+            <a:pPr marL="171450" indent="-171450">
               <a:buFont typeface="Arial" panose="020B0604020202020204" pitchFamily="34" charset="0"/>
               <a:buChar char="•"/>
             </a:pPr>
             <a:r>
-              <a:rPr lang="en-US" noProof="0" dirty="0" err="1"/>
+              <a:rPr lang="nl-BE" noProof="0" dirty="0"/>
               <a:t>appsettings.json</a:t>
             </a:r>
-            <a:endParaRPr lang="en-US" noProof="0" dirty="0"/>
-          </a:p>
-          <a:p>
-            <a:pPr marL="165501" indent="-165501">
+          </a:p>
+          <a:p>
+            <a:pPr marL="171450" indent="-171450">
               <a:buFont typeface="Arial" panose="020B0604020202020204" pitchFamily="34" charset="0"/>
               <a:buChar char="•"/>
             </a:pPr>
             <a:r>
-              <a:rPr lang="en-US" noProof="0" dirty="0" err="1"/>
-              <a:t>appsettings</a:t>
-            </a:r>
-            <a:r>
-              <a:rPr lang="en-US" noProof="0" dirty="0"/>
-              <a:t>.{environment}.</a:t>
-            </a:r>
-            <a:r>
-              <a:rPr lang="en-US" noProof="0" dirty="0" err="1"/>
-              <a:t>json</a:t>
-            </a:r>
-            <a:endParaRPr lang="en-US" noProof="0" dirty="0"/>
-          </a:p>
-          <a:p>
-            <a:pPr marL="165501" indent="-165501">
+              <a:rPr lang="nl-BE" noProof="0" dirty="0"/>
+              <a:t>appsettings.{environment}.json</a:t>
+            </a:r>
+          </a:p>
+          <a:p>
+            <a:pPr marL="171450" indent="-171450">
               <a:buFont typeface="Arial" panose="020B0604020202020204" pitchFamily="34" charset="0"/>
               <a:buChar char="•"/>
             </a:pPr>
             <a:r>
-              <a:rPr lang="en-US" noProof="0" dirty="0" err="1"/>
-              <a:t>secrets.json</a:t>
-            </a:r>
-            <a:r>
-              <a:rPr lang="en-US" noProof="0" dirty="0"/>
-              <a:t> (if you are in development)</a:t>
-            </a:r>
-          </a:p>
-          <a:p>
-            <a:pPr marL="165501" indent="-165501">
+              <a:rPr lang="nl-BE" noProof="0" dirty="0"/>
+              <a:t>secrets.json (als je in development bent)</a:t>
+            </a:r>
+          </a:p>
+          <a:p>
+            <a:pPr marL="171450" indent="-171450">
               <a:buFont typeface="Arial" panose="020B0604020202020204" pitchFamily="34" charset="0"/>
               <a:buChar char="•"/>
             </a:pPr>
             <a:r>
-              <a:rPr lang="en-US" noProof="0" dirty="0"/>
+              <a:rPr lang="nl-BE" noProof="0" dirty="0"/>
               <a:t>Environment variables</a:t>
             </a:r>
           </a:p>
           <a:p>
-            <a:pPr marL="165501" indent="-165501">
+            <a:pPr marL="171450" indent="-171450">
               <a:buFont typeface="Arial" panose="020B0604020202020204" pitchFamily="34" charset="0"/>
               <a:buChar char="•"/>
             </a:pPr>
             <a:r>
-              <a:rPr lang="en-US" noProof="0" dirty="0"/>
+              <a:rPr lang="nl-BE" noProof="0" dirty="0"/>
               <a:t>Command line variables</a:t>
             </a:r>
           </a:p>
           <a:p>
-            <a:pPr marL="165501" indent="-165501">
-              <a:buFont typeface="Arial" panose="020B0604020202020204" pitchFamily="34" charset="0"/>
-              <a:buChar char="•"/>
-            </a:pPr>
-            <a:endParaRPr lang="en-US" noProof="0" dirty="0"/>
-          </a:p>
-          <a:p>
-            <a:pPr marL="165501" indent="-165501">
-              <a:buFont typeface="Arial" panose="020B0604020202020204" pitchFamily="34" charset="0"/>
-              <a:buChar char="•"/>
-            </a:pPr>
-            <a:r>
-              <a:rPr lang="en-US" noProof="0" dirty="0"/>
-              <a:t>Custom providers, which could be coming from AWS Secret Manager or other sources.</a:t>
-            </a:r>
-          </a:p>
-          <a:p>
-            <a:pPr marL="165501" indent="-165501">
-              <a:buFont typeface="Arial" panose="020B0604020202020204" pitchFamily="34" charset="0"/>
-              <a:buChar char="•"/>
-            </a:pPr>
-            <a:endParaRPr lang="en-US" noProof="0" dirty="0"/>
-          </a:p>
-          <a:p>
-            <a:r>
-              <a:rPr lang="en-US" noProof="0" dirty="0"/>
-              <a:t>When they are loaded, they load in order on how they were configured and parsed to a </a:t>
-            </a:r>
-            <a:r>
-              <a:rPr lang="en-US" b="1" noProof="0" dirty="0"/>
-              <a:t>layered view </a:t>
-            </a:r>
-            <a:r>
-              <a:rPr lang="en-US" noProof="0" dirty="0"/>
-              <a:t>which results in the </a:t>
-            </a:r>
-            <a:r>
-              <a:rPr lang="en-US" noProof="0" dirty="0" err="1"/>
-              <a:t>IConfiguration</a:t>
-            </a:r>
-            <a:r>
-              <a:rPr lang="en-US" noProof="0" dirty="0"/>
-              <a:t>.</a:t>
-            </a:r>
-          </a:p>
-          <a:p>
-            <a:r>
-              <a:rPr lang="en-US" noProof="0" dirty="0"/>
-              <a:t>There is no need to load all these things yourselves manually in a separate </a:t>
-            </a:r>
-            <a:r>
-              <a:rPr lang="en-US" noProof="0" dirty="0" err="1"/>
-              <a:t>configurationbuilder</a:t>
-            </a:r>
-            <a:r>
-              <a:rPr lang="en-US" noProof="0" dirty="0"/>
-              <a:t>. When you are using the defaults create methods. If you would do this, it will create issues especially when doing integration tests with a </a:t>
-            </a:r>
-            <a:r>
-              <a:rPr lang="en-US" noProof="0" dirty="0" err="1"/>
-              <a:t>testhost</a:t>
-            </a:r>
-            <a:r>
-              <a:rPr lang="en-US" noProof="0" dirty="0"/>
-              <a:t>.</a:t>
+            <a:endParaRPr lang="nl-BE" noProof="0" dirty="0"/>
+          </a:p>
+          <a:p>
+            <a:r>
+              <a:rPr lang="nl-BE" noProof="0" dirty="0"/>
+              <a:t>Custom providers, zoals deze van AWS Secret Manager of andere bronnen.</a:t>
+            </a:r>
+          </a:p>
+          <a:p>
+            <a:endParaRPr lang="nl-BE" noProof="0" dirty="0"/>
+          </a:p>
+          <a:p>
+            <a:r>
+              <a:rPr lang="nl-BE" noProof="0" dirty="0"/>
+              <a:t>Wanneer deze geladen worden worden ze ook als laagjes over elkaar gelegd waar dat iedere laag de waarde van de laag eronder overschrijft. Het geheel wordt dan verwerkt en weergegeven alse een layered view die door de IConfiguration wordt weergegeven.</a:t>
+            </a:r>
+          </a:p>
+          <a:p>
+            <a:r>
+              <a:rPr lang="nl-BE" noProof="0" dirty="0"/>
+              <a:t>Je hoeft deze providers niet manueel in te laden als je de default host gebruikt. Dit zijn standaard zaken die je krijgt. Als je het toch doet en je gebruikt een testhost om een vorm van integratie testen te doen moet je wel zeker zijn dat je die configuration mooi doorgeeft, anders gaan je testen een deel van de configuratie ontbreken. En dan wordt Microsoft ontercht als zwarte piet gewezen.</a:t>
             </a:r>
           </a:p>
         </p:txBody>
@@ -5725,367 +6362,190 @@
               <a:buFont typeface="Arial" panose="020B0604020202020204" pitchFamily="34" charset="0"/>
             </a:pPr>
             <a:r>
+              <a:rPr lang="nl-BE" b="1" dirty="0"/>
+              <a:t>/configuration</a:t>
+            </a:r>
+            <a:r>
               <a:rPr lang="nl-BE" dirty="0"/>
-              <a:t>/configuration </a:t>
-            </a:r>
-            <a:endParaRPr lang="en-US" dirty="0"/>
+              <a:t> </a:t>
+            </a:r>
           </a:p>
           <a:p>
             <a:pPr>
               <a:buFont typeface="Arial" panose="020B0604020202020204" pitchFamily="34" charset="0"/>
             </a:pPr>
-            <a:endParaRPr lang="en-US" dirty="0"/>
+            <a:endParaRPr lang="nl-BE" dirty="0"/>
           </a:p>
           <a:p>
             <a:pPr>
               <a:buFont typeface="Arial" panose="020B0604020202020204" pitchFamily="34" charset="0"/>
             </a:pPr>
             <a:r>
-              <a:rPr lang="en-US" dirty="0"/>
-              <a:t>This endpoint writes out the entire content of the </a:t>
-            </a:r>
-            <a:r>
-              <a:rPr lang="en-US" dirty="0" err="1"/>
-              <a:t>IConfiguration</a:t>
-            </a:r>
-            <a:r>
-              <a:rPr lang="en-US" dirty="0"/>
-              <a:t>. But let’s take a look in particular to the </a:t>
-            </a:r>
-            <a:r>
-              <a:rPr lang="en-US" dirty="0" err="1"/>
-              <a:t>AppSettings</a:t>
-            </a:r>
-            <a:r>
-              <a:rPr lang="en-US" dirty="0"/>
-              <a:t> values.</a:t>
+              <a:rPr lang="nl-BE" dirty="0"/>
+              <a:t>Deze endpoint schrijft de volledige content van de IConfiguration uit. Laten we kijken naar de AppSettings waarde en dan de herkomst aantonen van alles. Dit zal op die manier de layers aantonen van de verschillende providers.</a:t>
             </a:r>
           </a:p>
           <a:p>
             <a:pPr>
               <a:buFont typeface="Arial" panose="020B0604020202020204" pitchFamily="34" charset="0"/>
             </a:pPr>
-            <a:r>
-              <a:rPr lang="en-US" dirty="0"/>
-              <a:t>I prepared these value to </a:t>
-            </a:r>
-            <a:r>
-              <a:rPr lang="en-US" b="1" dirty="0"/>
-              <a:t>demonstrate the layering </a:t>
-            </a:r>
-            <a:r>
-              <a:rPr lang="en-US" dirty="0"/>
-              <a:t>of the providers.</a:t>
+            <a:endParaRPr lang="nl-BE" dirty="0"/>
+          </a:p>
+          <a:p>
+            <a:pPr marL="228600" indent="-228600">
+              <a:buFont typeface="+mj-lt"/>
+              <a:buAutoNum type="arabicPeriod"/>
+            </a:pPr>
+            <a:r>
+              <a:rPr lang="nl-BE" dirty="0"/>
+              <a:t>LaunchSettings.json -&gt; ASPNETCORE_</a:t>
+            </a:r>
+          </a:p>
+          <a:p>
+            <a:pPr marL="228600" indent="-228600">
+              <a:buFont typeface="+mj-lt"/>
+              <a:buAutoNum type="arabicPeriod"/>
+            </a:pPr>
+            <a:r>
+              <a:rPr lang="nl-BE" dirty="0"/>
+              <a:t>Appsettings.json</a:t>
+            </a:r>
+          </a:p>
+          <a:p>
+            <a:pPr marL="228600" indent="-228600">
+              <a:buFont typeface="+mj-lt"/>
+              <a:buAutoNum type="arabicPeriod"/>
+            </a:pPr>
+            <a:r>
+              <a:rPr lang="nl-BE" dirty="0"/>
+              <a:t>Appsettings.Development.json</a:t>
+            </a:r>
+          </a:p>
+          <a:p>
+            <a:pPr marL="228600" indent="-228600">
+              <a:buFont typeface="+mj-lt"/>
+              <a:buAutoNum type="arabicPeriod"/>
+            </a:pPr>
+            <a:r>
+              <a:rPr lang="nl-BE" dirty="0"/>
+              <a:t>Secrets.json (highlight the importance of this file)</a:t>
+            </a:r>
+          </a:p>
+          <a:p>
+            <a:pPr marL="228600" indent="-228600">
+              <a:buFont typeface="+mj-lt"/>
+              <a:buAutoNum type="arabicPeriod"/>
+            </a:pPr>
+            <a:r>
+              <a:rPr lang="nl-BE" dirty="0"/>
+              <a:t>Environment variables (simulated by the LaunchSettings.json environmentVariables)</a:t>
+            </a:r>
+          </a:p>
+          <a:p>
+            <a:pPr marL="228600" indent="-228600">
+              <a:buFont typeface="+mj-lt"/>
+              <a:buAutoNum type="arabicPeriod"/>
+            </a:pPr>
+            <a:r>
+              <a:rPr lang="nl-BE" dirty="0"/>
+              <a:t>Command line args  (simulated by the LaunchSettings.json commandLineArgs)</a:t>
+            </a:r>
+          </a:p>
+          <a:p>
+            <a:pPr marL="228600" indent="-228600">
+              <a:buFont typeface="+mj-lt"/>
+              <a:buAutoNum type="arabicPeriod"/>
+            </a:pPr>
+            <a:r>
+              <a:rPr lang="nl-BE" dirty="0"/>
+              <a:t>Program.cs (in memory dictionary)</a:t>
             </a:r>
           </a:p>
           <a:p>
             <a:pPr>
               <a:buFont typeface="Arial" panose="020B0604020202020204" pitchFamily="34" charset="0"/>
             </a:pPr>
-            <a:endParaRPr lang="en-US" dirty="0"/>
-          </a:p>
-          <a:p>
-            <a:pPr marL="331001" indent="-331001">
-              <a:buFont typeface="Arial" panose="020B0604020202020204" pitchFamily="34" charset="0"/>
-              <a:buAutoNum type="arabicPeriod"/>
-            </a:pPr>
-            <a:r>
-              <a:rPr lang="en-US" dirty="0" err="1"/>
-              <a:t>LaunchSettings.json</a:t>
-            </a:r>
-            <a:r>
-              <a:rPr lang="en-US" dirty="0"/>
-              <a:t> </a:t>
-            </a:r>
-            <a:r>
-              <a:rPr lang="en-US" dirty="0">
-                <a:sym typeface="Wingdings" panose="05000000000000000000" pitchFamily="2" charset="2"/>
-              </a:rPr>
-              <a:t> ASPNETCORE_</a:t>
-            </a:r>
-          </a:p>
-          <a:p>
-            <a:pPr marL="331001" indent="-331001">
-              <a:buFont typeface="Arial" panose="020B0604020202020204" pitchFamily="34" charset="0"/>
-              <a:buAutoNum type="arabicPeriod"/>
-            </a:pPr>
-            <a:r>
-              <a:rPr lang="en-US" dirty="0" err="1">
-                <a:sym typeface="Wingdings" panose="05000000000000000000" pitchFamily="2" charset="2"/>
-              </a:rPr>
-              <a:t>Appsettings.json</a:t>
-            </a:r>
-            <a:endParaRPr lang="en-US" dirty="0">
-              <a:sym typeface="Wingdings" panose="05000000000000000000" pitchFamily="2" charset="2"/>
-            </a:endParaRPr>
-          </a:p>
-          <a:p>
-            <a:pPr marL="331001" indent="-331001">
-              <a:buFont typeface="Arial" panose="020B0604020202020204" pitchFamily="34" charset="0"/>
-              <a:buAutoNum type="arabicPeriod"/>
-            </a:pPr>
-            <a:r>
-              <a:rPr lang="en-US" dirty="0" err="1">
-                <a:sym typeface="Wingdings" panose="05000000000000000000" pitchFamily="2" charset="2"/>
-              </a:rPr>
-              <a:t>Appsettings.Development.json</a:t>
-            </a:r>
-            <a:endParaRPr lang="en-US" dirty="0">
-              <a:sym typeface="Wingdings" panose="05000000000000000000" pitchFamily="2" charset="2"/>
-            </a:endParaRPr>
-          </a:p>
-          <a:p>
-            <a:pPr marL="331001" indent="-331001">
-              <a:buFont typeface="Arial" panose="020B0604020202020204" pitchFamily="34" charset="0"/>
-              <a:buAutoNum type="arabicPeriod"/>
-            </a:pPr>
-            <a:r>
-              <a:rPr lang="en-US" dirty="0" err="1">
-                <a:sym typeface="Wingdings" panose="05000000000000000000" pitchFamily="2" charset="2"/>
-              </a:rPr>
-              <a:t>Secrets.json</a:t>
-            </a:r>
-            <a:r>
-              <a:rPr lang="en-US" dirty="0">
-                <a:sym typeface="Wingdings" panose="05000000000000000000" pitchFamily="2" charset="2"/>
-              </a:rPr>
-              <a:t> (highlight the importance of this file)</a:t>
-            </a:r>
-          </a:p>
-          <a:p>
-            <a:pPr marL="331001" indent="-331001">
-              <a:buFont typeface="Arial" panose="020B0604020202020204" pitchFamily="34" charset="0"/>
-              <a:buAutoNum type="arabicPeriod"/>
-            </a:pPr>
-            <a:r>
-              <a:rPr lang="en-US" dirty="0">
-                <a:sym typeface="Wingdings" panose="05000000000000000000" pitchFamily="2" charset="2"/>
-              </a:rPr>
-              <a:t>Environment variables (simulated by the </a:t>
-            </a:r>
-            <a:r>
-              <a:rPr lang="en-US" dirty="0" err="1">
-                <a:sym typeface="Wingdings" panose="05000000000000000000" pitchFamily="2" charset="2"/>
-              </a:rPr>
-              <a:t>LaunchSettings.json</a:t>
-            </a:r>
-            <a:r>
-              <a:rPr lang="en-US" dirty="0">
-                <a:sym typeface="Wingdings" panose="05000000000000000000" pitchFamily="2" charset="2"/>
-              </a:rPr>
-              <a:t> </a:t>
-            </a:r>
-            <a:r>
-              <a:rPr lang="nl-BE" dirty="0"/>
-              <a:t>environmentVariables</a:t>
-            </a:r>
-            <a:r>
-              <a:rPr lang="en-US" dirty="0">
-                <a:sym typeface="Wingdings" panose="05000000000000000000" pitchFamily="2" charset="2"/>
-              </a:rPr>
-              <a:t>)</a:t>
-            </a:r>
-          </a:p>
-          <a:p>
-            <a:pPr marL="331001" indent="-331001">
-              <a:buFont typeface="Arial" panose="020B0604020202020204" pitchFamily="34" charset="0"/>
-              <a:buAutoNum type="arabicPeriod"/>
-            </a:pPr>
-            <a:r>
-              <a:rPr lang="en-US" dirty="0">
-                <a:sym typeface="Wingdings" panose="05000000000000000000" pitchFamily="2" charset="2"/>
-              </a:rPr>
-              <a:t>Command line </a:t>
-            </a:r>
-            <a:r>
-              <a:rPr lang="en-US" dirty="0" err="1">
-                <a:sym typeface="Wingdings" panose="05000000000000000000" pitchFamily="2" charset="2"/>
-              </a:rPr>
-              <a:t>args</a:t>
-            </a:r>
-            <a:r>
-              <a:rPr lang="en-US" dirty="0">
-                <a:sym typeface="Wingdings" panose="05000000000000000000" pitchFamily="2" charset="2"/>
-              </a:rPr>
-              <a:t>  (simulated by the </a:t>
-            </a:r>
-            <a:r>
-              <a:rPr lang="en-US" dirty="0" err="1">
-                <a:sym typeface="Wingdings" panose="05000000000000000000" pitchFamily="2" charset="2"/>
-              </a:rPr>
-              <a:t>LaunchSettings.json</a:t>
-            </a:r>
-            <a:r>
-              <a:rPr lang="en-US" dirty="0">
-                <a:sym typeface="Wingdings" panose="05000000000000000000" pitchFamily="2" charset="2"/>
-              </a:rPr>
-              <a:t> </a:t>
-            </a:r>
-            <a:r>
-              <a:rPr lang="nl-BE" dirty="0"/>
-              <a:t>commandLineArgs</a:t>
-            </a:r>
-            <a:r>
-              <a:rPr lang="en-US" dirty="0">
-                <a:sym typeface="Wingdings" panose="05000000000000000000" pitchFamily="2" charset="2"/>
-              </a:rPr>
-              <a:t>)</a:t>
-            </a:r>
-          </a:p>
-          <a:p>
-            <a:pPr marL="331001" indent="-331001">
-              <a:buFont typeface="Arial" panose="020B0604020202020204" pitchFamily="34" charset="0"/>
-              <a:buAutoNum type="arabicPeriod"/>
-            </a:pPr>
-            <a:r>
-              <a:rPr lang="en-US" dirty="0" err="1">
-                <a:sym typeface="Wingdings" panose="05000000000000000000" pitchFamily="2" charset="2"/>
-              </a:rPr>
-              <a:t>Program.cs</a:t>
-            </a:r>
-            <a:r>
-              <a:rPr lang="en-US" dirty="0">
-                <a:sym typeface="Wingdings" panose="05000000000000000000" pitchFamily="2" charset="2"/>
-              </a:rPr>
-              <a:t> (in memory dictionary)</a:t>
-            </a:r>
-            <a:endParaRPr lang="en-US" dirty="0"/>
+            <a:endParaRPr lang="nl-BE" dirty="0"/>
           </a:p>
           <a:p>
             <a:pPr>
               <a:buFont typeface="Arial" panose="020B0604020202020204" pitchFamily="34" charset="0"/>
             </a:pPr>
-            <a:endParaRPr lang="en-US" dirty="0"/>
+            <a:r>
+              <a:rPr lang="nl-BE" b="1" dirty="0"/>
+              <a:t>Other</a:t>
+            </a:r>
           </a:p>
           <a:p>
             <a:pPr>
               <a:buFont typeface="Arial" panose="020B0604020202020204" pitchFamily="34" charset="0"/>
             </a:pPr>
             <a:r>
-              <a:rPr lang="en-US" b="1" dirty="0"/>
-              <a:t>Other</a:t>
-            </a:r>
-            <a:endParaRPr lang="en-US" dirty="0"/>
+              <a:rPr lang="nl-BE" dirty="0"/>
+              <a:t>Deze startup is hetzelfde als de vorige, maar de ASPNETCORE_ENVIRONMENT environment variable is verwijderd. Iemand een idee welke environment we dan krijgen?</a:t>
+            </a:r>
           </a:p>
           <a:p>
             <a:pPr>
               <a:buFont typeface="Arial" panose="020B0604020202020204" pitchFamily="34" charset="0"/>
             </a:pPr>
-            <a:r>
-              <a:rPr lang="en-US" dirty="0"/>
-              <a:t>This startup is the same as the previous one, but we removed the </a:t>
-            </a:r>
-            <a:r>
-              <a:rPr lang="nl-BE" dirty="0"/>
-              <a:t>ASPNETCORE_ENVIRONMENT environment variable. </a:t>
-            </a:r>
-            <a:r>
-              <a:rPr lang="nl-BE" b="1" dirty="0"/>
-              <a:t>Anyone any idea which environment you get then?</a:t>
-            </a:r>
+            <a:endParaRPr lang="nl-BE" dirty="0"/>
           </a:p>
           <a:p>
             <a:pPr>
               <a:buFont typeface="Arial" panose="020B0604020202020204" pitchFamily="34" charset="0"/>
             </a:pPr>
-            <a:endParaRPr lang="en-US" dirty="0"/>
+            <a:r>
+              <a:rPr lang="nl-BE" dirty="0"/>
+              <a:t>We krijgen dan de Production environment, dit is de standaard omgeving.</a:t>
+            </a:r>
           </a:p>
           <a:p>
             <a:pPr>
               <a:buFont typeface="Arial" panose="020B0604020202020204" pitchFamily="34" charset="0"/>
             </a:pPr>
             <a:r>
-              <a:rPr lang="en-US" dirty="0"/>
-              <a:t>You’ll get the Production environment even if the ASPNETCORE_ENVIRONMENT isn’t present.</a:t>
+              <a:rPr lang="nl-BE" dirty="0"/>
+              <a:t>Het geeft ook andere gevolgen, zoals by default is verwijzing naar de secrets.json provider nu weg. Omdat deze enkel maar voor lokale ontwikkeling bedoelt is.</a:t>
             </a:r>
           </a:p>
           <a:p>
             <a:pPr>
               <a:buFont typeface="Arial" panose="020B0604020202020204" pitchFamily="34" charset="0"/>
             </a:pPr>
-            <a:r>
-              <a:rPr lang="en-US" dirty="0"/>
-              <a:t>But it also has another consequence, by default you will </a:t>
-            </a:r>
-            <a:r>
-              <a:rPr lang="en-US" b="1" dirty="0"/>
-              <a:t>lose the support for the </a:t>
-            </a:r>
-            <a:r>
-              <a:rPr lang="en-US" b="1" dirty="0" err="1"/>
-              <a:t>secrets.json</a:t>
-            </a:r>
-            <a:r>
-              <a:rPr lang="en-US" dirty="0"/>
-              <a:t> as this usage is only intended for local development.</a:t>
-            </a:r>
+            <a:endParaRPr lang="nl-BE" dirty="0"/>
           </a:p>
           <a:p>
             <a:pPr>
               <a:buFont typeface="Arial" panose="020B0604020202020204" pitchFamily="34" charset="0"/>
             </a:pPr>
-            <a:endParaRPr lang="en-US" dirty="0"/>
+            <a:r>
+              <a:rPr lang="nl-BE" b="1" dirty="0"/>
+              <a:t>/configuration-providers</a:t>
+            </a:r>
           </a:p>
           <a:p>
             <a:pPr>
               <a:buFont typeface="Arial" panose="020B0604020202020204" pitchFamily="34" charset="0"/>
             </a:pPr>
-            <a:r>
-              <a:rPr lang="en-US" dirty="0"/>
-              <a:t>/</a:t>
-            </a:r>
-            <a:r>
-              <a:rPr lang="nl-BE" dirty="0"/>
-              <a:t>configuration-providers</a:t>
-            </a:r>
-            <a:endParaRPr lang="en-US" dirty="0"/>
+            <a:endParaRPr lang="nl-BE" dirty="0"/>
           </a:p>
           <a:p>
             <a:pPr>
               <a:buFont typeface="Arial" panose="020B0604020202020204" pitchFamily="34" charset="0"/>
             </a:pPr>
-            <a:endParaRPr lang="en-US" dirty="0"/>
+            <a:r>
+              <a:rPr lang="nl-BE" dirty="0"/>
+              <a:t>Deze toont de volgorde van de ingeladen configuration providers, sommige zijn meerdere keren ingeladen.</a:t>
+            </a:r>
           </a:p>
           <a:p>
             <a:pPr>
               <a:buFont typeface="Arial" panose="020B0604020202020204" pitchFamily="34" charset="0"/>
             </a:pPr>
             <a:r>
-              <a:rPr lang="en-US" dirty="0"/>
-              <a:t>Reveals the order of the currently loaded configuration providers, you can clearly see that some are added multiple times,</a:t>
-            </a:r>
-          </a:p>
-          <a:p>
-            <a:pPr>
-              <a:buFont typeface="Arial" panose="020B0604020202020204" pitchFamily="34" charset="0"/>
-            </a:pPr>
-            <a:r>
-              <a:rPr lang="en-US" dirty="0"/>
-              <a:t>In </a:t>
-            </a:r>
-            <a:r>
-              <a:rPr lang="en-US" b="1" dirty="0"/>
-              <a:t>dev</a:t>
-            </a:r>
-            <a:r>
-              <a:rPr lang="en-US" dirty="0"/>
-              <a:t> mode you clearly see that </a:t>
-            </a:r>
-            <a:r>
-              <a:rPr lang="en-US" dirty="0" err="1"/>
-              <a:t>secrets.json</a:t>
-            </a:r>
-            <a:r>
-              <a:rPr lang="en-US" dirty="0"/>
-              <a:t> is loaded but when you switch to </a:t>
-            </a:r>
-            <a:r>
-              <a:rPr lang="en-US" b="1" dirty="0"/>
-              <a:t>production</a:t>
-            </a:r>
-            <a:r>
-              <a:rPr lang="en-US" dirty="0"/>
-              <a:t> its not loaded.</a:t>
+              <a:rPr lang="nl-BE" dirty="0"/>
+              <a:t>In dev mode zie je nu ook dat secrets.json ingeladen wordt maar eens je switcht naar production is deze weg.</a:t>
             </a:r>
           </a:p>
         </p:txBody>
@@ -6195,108 +6655,93 @@
           <a:bodyPr/>
           <a:lstStyle/>
           <a:p>
-            <a:pPr marL="165501" indent="-165501">
+            <a:pPr marL="171450" indent="-171450">
               <a:buFont typeface="Arial" panose="020B0604020202020204" pitchFamily="34" charset="0"/>
               <a:buChar char="•"/>
             </a:pPr>
             <a:r>
-              <a:rPr lang="en-US" noProof="0" dirty="0"/>
-              <a:t>For the file-based providers, if they are </a:t>
-            </a:r>
-            <a:r>
-              <a:rPr lang="en-US" b="1" noProof="0" dirty="0"/>
-              <a:t>changeable</a:t>
-            </a:r>
-            <a:r>
-              <a:rPr lang="en-US" noProof="0" dirty="0"/>
-              <a:t> where they are deployed, they can allow a hot reload, thus without the need for you application to restart. Containers for instance could have read-only disks.</a:t>
-            </a:r>
-          </a:p>
-          <a:p>
-            <a:pPr marL="165501" indent="-165501">
+              <a:rPr lang="nl-BE" noProof="0" dirty="0"/>
+              <a:t>Voor de file-based providers, als je deze kan wijzigen op de plaats waar ze gedeployed zijn kunnen ze hot reload toelaten. Containers bijvoorbeeld met read-only disks daar heb je niet veel aan dat je appsettings kan reloaden.</a:t>
+            </a:r>
+          </a:p>
+          <a:p>
+            <a:pPr marL="171450" indent="-171450">
               <a:buFont typeface="Arial" panose="020B0604020202020204" pitchFamily="34" charset="0"/>
               <a:buChar char="•"/>
             </a:pPr>
             <a:r>
-              <a:rPr lang="en-US" noProof="0" dirty="0"/>
-              <a:t>Environment variables can target a specific prefix and load that part as a separate provider.</a:t>
-            </a:r>
-          </a:p>
-          <a:p>
-            <a:pPr marL="374005" lvl="1" indent="-165501">
+              <a:rPr lang="nl-BE" noProof="0" dirty="0"/>
+              <a:t>Environment variables kunnen ingeladen worden met een specifieke prefix of gewoon zoals ze zijn.</a:t>
+            </a:r>
+          </a:p>
+          <a:p>
+            <a:pPr marL="387450" lvl="1" indent="-171450">
               <a:buFont typeface="Arial" panose="020B0604020202020204" pitchFamily="34" charset="0"/>
               <a:buChar char="•"/>
             </a:pPr>
             <a:r>
-              <a:rPr lang="en-US" noProof="0" dirty="0"/>
-              <a:t>A double underscore will be translated to a colon. Giving it a way of participating in the hierarchical mapping.</a:t>
-            </a:r>
-          </a:p>
-          <a:p>
-            <a:pPr marL="165501" indent="-165501">
+              <a:rPr lang="nl-BE" b="1" noProof="0" dirty="0"/>
+              <a:t>Hou er rekening mee dat een dubbele __ wijzigt naar een : dit zorgt ervoor dat het mee kan doen met de hierarchical mapping.</a:t>
+            </a:r>
+          </a:p>
+          <a:p>
+            <a:pPr marL="171450" indent="-171450">
               <a:buFont typeface="Arial" panose="020B0604020202020204" pitchFamily="34" charset="0"/>
               <a:buChar char="•"/>
             </a:pPr>
             <a:r>
-              <a:rPr lang="en-US" noProof="0" dirty="0"/>
-              <a:t>Key per file, targets a directory and each filename is a key and the content of it is then the value.</a:t>
-            </a:r>
-          </a:p>
-          <a:p>
-            <a:pPr marL="165501" indent="-165501">
+              <a:rPr lang="nl-BE" noProof="0" dirty="0"/>
+              <a:t>Key per file, een directory waar iedere file een key is en waar de inhoud de waarde is. Geen praktische ervaring met deze.</a:t>
+            </a:r>
+          </a:p>
+          <a:p>
+            <a:pPr marL="171450" indent="-171450">
               <a:buFont typeface="Arial" panose="020B0604020202020204" pitchFamily="34" charset="0"/>
               <a:buChar char="•"/>
             </a:pPr>
             <a:r>
-              <a:rPr lang="en-US" noProof="0" dirty="0"/>
-              <a:t>In memory provider, is a dictionary.</a:t>
-            </a:r>
-          </a:p>
-          <a:p>
-            <a:pPr marL="165501" indent="-165501">
+              <a:rPr lang="nl-BE" noProof="0" dirty="0"/>
+              <a:t>In memory provider, is gewoon een dictionary.</a:t>
+            </a:r>
+          </a:p>
+          <a:p>
+            <a:pPr marL="171450" indent="-171450">
               <a:buFont typeface="Arial" panose="020B0604020202020204" pitchFamily="34" charset="0"/>
               <a:buChar char="•"/>
             </a:pPr>
-            <a:endParaRPr lang="en-US" noProof="0" dirty="0"/>
-          </a:p>
-          <a:p>
-            <a:pPr marL="165501" indent="-165501">
+            <a:endParaRPr lang="nl-BE" noProof="0" dirty="0"/>
+          </a:p>
+          <a:p>
+            <a:r>
+              <a:rPr lang="nl-BE" b="1" noProof="0" dirty="0"/>
+              <a:t>Iemand de yaml provider al gebruikt?</a:t>
+            </a:r>
+          </a:p>
+          <a:p>
+            <a:pPr marL="171450" indent="-171450">
               <a:buFont typeface="Arial" panose="020B0604020202020204" pitchFamily="34" charset="0"/>
               <a:buChar char="•"/>
             </a:pPr>
             <a:r>
-              <a:rPr lang="en-US" noProof="0" dirty="0"/>
-              <a:t>If the </a:t>
-            </a:r>
-            <a:r>
-              <a:rPr lang="en-US" b="1" noProof="0" dirty="0"/>
-              <a:t>regular providers from Microsoft or third parties</a:t>
-            </a:r>
-            <a:r>
-              <a:rPr lang="en-US" noProof="0" dirty="0"/>
-              <a:t> doesn’t suit your needs, a custom provider can always be added.</a:t>
-            </a:r>
-            <a:br>
-              <a:rPr lang="en-US" noProof="0" dirty="0"/>
-            </a:br>
-            <a:r>
-              <a:rPr lang="en-US" noProof="0" dirty="0"/>
-              <a:t>Reference the </a:t>
-            </a:r>
-            <a:r>
-              <a:rPr lang="en-US" noProof="0" dirty="0" err="1"/>
-              <a:t>yml</a:t>
-            </a:r>
-            <a:r>
-              <a:rPr lang="en-US" noProof="0" dirty="0"/>
-              <a:t> file in this case.</a:t>
-            </a:r>
-          </a:p>
-          <a:p>
-            <a:endParaRPr lang="en-US" noProof="0" dirty="0"/>
-          </a:p>
-          <a:p>
-            <a:endParaRPr lang="en-US" dirty="0"/>
+              <a:rPr lang="nl-BE" noProof="0" dirty="0"/>
+              <a:t>Zoja welke nuget package?</a:t>
+            </a:r>
+          </a:p>
+          <a:p>
+            <a:pPr marL="171450" indent="-171450">
+              <a:buFont typeface="Arial" panose="020B0604020202020204" pitchFamily="34" charset="0"/>
+              <a:buChar char="•"/>
+            </a:pPr>
+            <a:r>
+              <a:rPr lang="nl-BE" noProof="0" dirty="0"/>
+              <a:t>Zonee, eerlijk publiek.</a:t>
+            </a:r>
+          </a:p>
+          <a:p>
+            <a:r>
+              <a:rPr lang="nl-BE" noProof="0" dirty="0"/>
+              <a:t>Bij mijn weten bestaat deze niet, maar dat wil niet zeggen dat we daar niet kunnen voor zorgen. Als een provider niet bestaat en je hebt een use case hiervoor dan houd niets je tegen om deze zelf te maken. Ik zou wel de voorkeur geven aan packages van Microsoft of anderen die de heavy lifting al eens gedaan hebben voor je.</a:t>
+            </a:r>
           </a:p>
         </p:txBody>
       </p:sp>
@@ -14260,10 +14705,10 @@
       </p:grpSpPr>
       <p:pic>
         <p:nvPicPr>
-          <p:cNvPr id="7" name="Picture Placeholder 6" descr="A person standing in front of a group of people">
+          <p:cNvPr id="7" name="Picture Placeholder 6" descr="A logo with black text&#10;&#10;AI-generated content may be incorrect.">
             <a:extLst>
               <a:ext uri="{FF2B5EF4-FFF2-40B4-BE49-F238E27FC236}">
-                <a16:creationId xmlns:a16="http://schemas.microsoft.com/office/drawing/2014/main" id="{92B06A54-C12A-7A8F-1ABD-EDEA3B1B0271}"/>
+                <a16:creationId xmlns:a16="http://schemas.microsoft.com/office/drawing/2014/main" id="{40AB50F9-F681-E630-B710-CB9B427DC42F}"/>
               </a:ext>
             </a:extLst>
           </p:cNvPr>
@@ -14282,19 +14727,23 @@
               </a:ext>
             </a:extLst>
           </a:blip>
-          <a:srcRect t="7799" b="7799"/>
           <a:stretch>
             <a:fillRect/>
           </a:stretch>
         </p:blipFill>
-        <p:spPr/>
+        <p:spPr>
+          <a:xfrm>
+            <a:off x="360000" y="3600000"/>
+            <a:ext cx="2628900" cy="1143000"/>
+          </a:xfrm>
+        </p:spPr>
       </p:pic>
       <p:sp>
         <p:nvSpPr>
           <p:cNvPr id="3" name="Title 2">
             <a:extLst>
               <a:ext uri="{FF2B5EF4-FFF2-40B4-BE49-F238E27FC236}">
-                <a16:creationId xmlns:a16="http://schemas.microsoft.com/office/drawing/2014/main" id="{808A5082-0613-9E70-4D5C-BA7773350FBA}"/>
+                <a16:creationId xmlns:a16="http://schemas.microsoft.com/office/drawing/2014/main" id="{CDD1C466-30F1-6703-A4C9-F4F49201070D}"/>
               </a:ext>
             </a:extLst>
           </p:cNvPr>
@@ -14312,7 +14761,7 @@
           <a:p>
             <a:r>
               <a:rPr lang="nl-BE" dirty="0"/>
-              <a:t>Say goodbye to IConfiguration and embrace the power of the IOptions pattern</a:t>
+              <a:t>Zeg vaarwel tegen IConfiguration en omarm de kracht van het IOptions-patroon</a:t>
             </a:r>
           </a:p>
         </p:txBody>
@@ -14322,7 +14771,7 @@
           <p:cNvPr id="4" name="Subtitle 3">
             <a:extLst>
               <a:ext uri="{FF2B5EF4-FFF2-40B4-BE49-F238E27FC236}">
-                <a16:creationId xmlns:a16="http://schemas.microsoft.com/office/drawing/2014/main" id="{60020598-D33B-6193-CA7D-8E401B532F9D}"/>
+                <a16:creationId xmlns:a16="http://schemas.microsoft.com/office/drawing/2014/main" id="{ED2C5201-160E-5579-1223-BE8530DC2C3E}"/>
               </a:ext>
             </a:extLst>
           </p:cNvPr>
@@ -14343,6 +14792,9 @@
               <a:t>Pieter Samyn</a:t>
             </a:r>
           </a:p>
+          <a:p>
+            <a:endParaRPr lang="nl-BE" dirty="0"/>
+          </a:p>
         </p:txBody>
       </p:sp>
       <p:sp>
@@ -14350,7 +14802,7 @@
           <p:cNvPr id="5" name="Picture Placeholder 4">
             <a:extLst>
               <a:ext uri="{FF2B5EF4-FFF2-40B4-BE49-F238E27FC236}">
-                <a16:creationId xmlns:a16="http://schemas.microsoft.com/office/drawing/2014/main" id="{4041F546-9384-7F21-526E-31DA04F382C5}"/>
+                <a16:creationId xmlns:a16="http://schemas.microsoft.com/office/drawing/2014/main" id="{11D4283E-1EB0-E849-281F-D4EA537472F1}"/>
               </a:ext>
             </a:extLst>
           </p:cNvPr>
@@ -14373,7 +14825,7 @@
     </p:spTree>
     <p:extLst>
       <p:ext uri="{BB962C8B-B14F-4D97-AF65-F5344CB8AC3E}">
-        <p14:creationId xmlns:p14="http://schemas.microsoft.com/office/powerpoint/2010/main" val="700333554"/>
+        <p14:creationId xmlns:p14="http://schemas.microsoft.com/office/powerpoint/2010/main" val="1623102086"/>
       </p:ext>
     </p:extLst>
   </p:cSld>
@@ -14775,17 +15227,15 @@
           </a:p>
           <a:p>
             <a:r>
-              <a:rPr lang="nl-BE" dirty="0" err="1"/>
-              <a:t>Validation</a:t>
-            </a:r>
-            <a:endParaRPr lang="nl-BE" dirty="0"/>
-          </a:p>
-          <a:p>
-            <a:r>
-              <a:rPr lang="nl-BE" dirty="0" err="1"/>
-              <a:t>Configure</a:t>
-            </a:r>
-            <a:endParaRPr lang="nl-BE" dirty="0"/>
+              <a:rPr lang="nl-BE" dirty="0"/>
+              <a:t>Validatie</a:t>
+            </a:r>
+          </a:p>
+          <a:p>
+            <a:r>
+              <a:rPr lang="nl-BE" dirty="0"/>
+              <a:t>Configuratie</a:t>
+            </a:r>
           </a:p>
           <a:p>
             <a:endParaRPr lang="en-US" dirty="0"/>
@@ -14982,12 +15432,12 @@
               <a:buChar char="•"/>
             </a:pPr>
             <a:r>
-              <a:rPr lang="nl-BE" sz="2000" kern="0" dirty="0" err="1">
+              <a:rPr lang="nl-BE" sz="2000" kern="0" dirty="0">
                 <a:solidFill>
                   <a:srgbClr val="000000"/>
                 </a:solidFill>
               </a:rPr>
-              <a:t>Validation</a:t>
+              <a:t>Validatie</a:t>
             </a:r>
             <a:br>
               <a:rPr lang="nl-BE" sz="2000" kern="0" dirty="0">
@@ -15098,6 +15548,235 @@
   <p:clrMapOvr>
     <a:masterClrMapping/>
   </p:clrMapOvr>
+  <p:timing>
+    <p:tnLst>
+      <p:par>
+        <p:cTn id="1" dur="indefinite" restart="never" nodeType="tmRoot">
+          <p:childTnLst>
+            <p:seq concurrent="1" nextAc="seek">
+              <p:cTn id="2" dur="indefinite" nodeType="mainSeq">
+                <p:childTnLst>
+                  <p:par>
+                    <p:cTn id="3" fill="hold">
+                      <p:stCondLst>
+                        <p:cond delay="indefinite"/>
+                      </p:stCondLst>
+                      <p:childTnLst>
+                        <p:par>
+                          <p:cTn id="4" fill="hold">
+                            <p:stCondLst>
+                              <p:cond delay="0"/>
+                            </p:stCondLst>
+                            <p:childTnLst>
+                              <p:par>
+                                <p:cTn id="5" presetID="1" presetClass="entr" presetSubtype="0" fill="hold" grpId="0" nodeType="clickEffect">
+                                  <p:stCondLst>
+                                    <p:cond delay="0"/>
+                                  </p:stCondLst>
+                                  <p:childTnLst>
+                                    <p:set>
+                                      <p:cBhvr>
+                                        <p:cTn id="6" dur="1" fill="hold">
+                                          <p:stCondLst>
+                                            <p:cond delay="0"/>
+                                          </p:stCondLst>
+                                        </p:cTn>
+                                        <p:tgtEl>
+                                          <p:spTgt spid="3">
+                                            <p:txEl>
+                                              <p:pRg st="0" end="0"/>
+                                            </p:txEl>
+                                          </p:spTgt>
+                                        </p:tgtEl>
+                                        <p:attrNameLst>
+                                          <p:attrName>style.visibility</p:attrName>
+                                        </p:attrNameLst>
+                                      </p:cBhvr>
+                                      <p:to>
+                                        <p:strVal val="visible"/>
+                                      </p:to>
+                                    </p:set>
+                                  </p:childTnLst>
+                                </p:cTn>
+                              </p:par>
+                            </p:childTnLst>
+                          </p:cTn>
+                        </p:par>
+                      </p:childTnLst>
+                    </p:cTn>
+                  </p:par>
+                  <p:par>
+                    <p:cTn id="7" fill="hold">
+                      <p:stCondLst>
+                        <p:cond delay="indefinite"/>
+                      </p:stCondLst>
+                      <p:childTnLst>
+                        <p:par>
+                          <p:cTn id="8" fill="hold">
+                            <p:stCondLst>
+                              <p:cond delay="0"/>
+                            </p:stCondLst>
+                            <p:childTnLst>
+                              <p:par>
+                                <p:cTn id="9" presetID="1" presetClass="entr" presetSubtype="0" fill="hold" grpId="0" nodeType="clickEffect">
+                                  <p:stCondLst>
+                                    <p:cond delay="0"/>
+                                  </p:stCondLst>
+                                  <p:childTnLst>
+                                    <p:set>
+                                      <p:cBhvr>
+                                        <p:cTn id="10" dur="1" fill="hold">
+                                          <p:stCondLst>
+                                            <p:cond delay="0"/>
+                                          </p:stCondLst>
+                                        </p:cTn>
+                                        <p:tgtEl>
+                                          <p:spTgt spid="3">
+                                            <p:txEl>
+                                              <p:pRg st="1" end="1"/>
+                                            </p:txEl>
+                                          </p:spTgt>
+                                        </p:tgtEl>
+                                        <p:attrNameLst>
+                                          <p:attrName>style.visibility</p:attrName>
+                                        </p:attrNameLst>
+                                      </p:cBhvr>
+                                      <p:to>
+                                        <p:strVal val="visible"/>
+                                      </p:to>
+                                    </p:set>
+                                  </p:childTnLst>
+                                </p:cTn>
+                              </p:par>
+                            </p:childTnLst>
+                          </p:cTn>
+                        </p:par>
+                      </p:childTnLst>
+                    </p:cTn>
+                  </p:par>
+                  <p:par>
+                    <p:cTn id="11" fill="hold">
+                      <p:stCondLst>
+                        <p:cond delay="indefinite"/>
+                      </p:stCondLst>
+                      <p:childTnLst>
+                        <p:par>
+                          <p:cTn id="12" fill="hold">
+                            <p:stCondLst>
+                              <p:cond delay="0"/>
+                            </p:stCondLst>
+                            <p:childTnLst>
+                              <p:par>
+                                <p:cTn id="13" presetID="1" presetClass="entr" presetSubtype="0" fill="hold" grpId="0" nodeType="clickEffect">
+                                  <p:stCondLst>
+                                    <p:cond delay="0"/>
+                                  </p:stCondLst>
+                                  <p:childTnLst>
+                                    <p:set>
+                                      <p:cBhvr>
+                                        <p:cTn id="14" dur="1" fill="hold">
+                                          <p:stCondLst>
+                                            <p:cond delay="0"/>
+                                          </p:stCondLst>
+                                        </p:cTn>
+                                        <p:tgtEl>
+                                          <p:spTgt spid="3">
+                                            <p:txEl>
+                                              <p:pRg st="2" end="2"/>
+                                            </p:txEl>
+                                          </p:spTgt>
+                                        </p:tgtEl>
+                                        <p:attrNameLst>
+                                          <p:attrName>style.visibility</p:attrName>
+                                        </p:attrNameLst>
+                                      </p:cBhvr>
+                                      <p:to>
+                                        <p:strVal val="visible"/>
+                                      </p:to>
+                                    </p:set>
+                                  </p:childTnLst>
+                                </p:cTn>
+                              </p:par>
+                            </p:childTnLst>
+                          </p:cTn>
+                        </p:par>
+                      </p:childTnLst>
+                    </p:cTn>
+                  </p:par>
+                  <p:par>
+                    <p:cTn id="15" fill="hold">
+                      <p:stCondLst>
+                        <p:cond delay="indefinite"/>
+                      </p:stCondLst>
+                      <p:childTnLst>
+                        <p:par>
+                          <p:cTn id="16" fill="hold">
+                            <p:stCondLst>
+                              <p:cond delay="0"/>
+                            </p:stCondLst>
+                            <p:childTnLst>
+                              <p:par>
+                                <p:cTn id="17" presetID="1" presetClass="entr" presetSubtype="0" fill="hold" grpId="0" nodeType="clickEffect">
+                                  <p:stCondLst>
+                                    <p:cond delay="0"/>
+                                  </p:stCondLst>
+                                  <p:childTnLst>
+                                    <p:set>
+                                      <p:cBhvr>
+                                        <p:cTn id="18" dur="1" fill="hold">
+                                          <p:stCondLst>
+                                            <p:cond delay="0"/>
+                                          </p:stCondLst>
+                                        </p:cTn>
+                                        <p:tgtEl>
+                                          <p:spTgt spid="3">
+                                            <p:txEl>
+                                              <p:pRg st="3" end="3"/>
+                                            </p:txEl>
+                                          </p:spTgt>
+                                        </p:tgtEl>
+                                        <p:attrNameLst>
+                                          <p:attrName>style.visibility</p:attrName>
+                                        </p:attrNameLst>
+                                      </p:cBhvr>
+                                      <p:to>
+                                        <p:strVal val="visible"/>
+                                      </p:to>
+                                    </p:set>
+                                  </p:childTnLst>
+                                </p:cTn>
+                              </p:par>
+                            </p:childTnLst>
+                          </p:cTn>
+                        </p:par>
+                      </p:childTnLst>
+                    </p:cTn>
+                  </p:par>
+                </p:childTnLst>
+              </p:cTn>
+              <p:prevCondLst>
+                <p:cond evt="onPrev" delay="0">
+                  <p:tgtEl>
+                    <p:sldTgt/>
+                  </p:tgtEl>
+                </p:cond>
+              </p:prevCondLst>
+              <p:nextCondLst>
+                <p:cond evt="onNext" delay="0">
+                  <p:tgtEl>
+                    <p:sldTgt/>
+                  </p:tgtEl>
+                </p:cond>
+              </p:nextCondLst>
+            </p:seq>
+          </p:childTnLst>
+        </p:cTn>
+      </p:par>
+    </p:tnLst>
+    <p:bldLst>
+      <p:bldP spid="3" grpId="0" uiExpand="1" build="p"/>
+    </p:bldLst>
+  </p:timing>
 </p:sld>
 </file>
 
@@ -16227,6 +16906,333 @@
   <p:clrMapOvr>
     <a:masterClrMapping/>
   </p:clrMapOvr>
+  <p:timing>
+    <p:tnLst>
+      <p:par>
+        <p:cTn id="1" dur="indefinite" restart="never" nodeType="tmRoot">
+          <p:childTnLst>
+            <p:seq concurrent="1" nextAc="seek">
+              <p:cTn id="2" dur="indefinite" nodeType="mainSeq">
+                <p:childTnLst>
+                  <p:par>
+                    <p:cTn id="3" fill="hold">
+                      <p:stCondLst>
+                        <p:cond delay="indefinite"/>
+                      </p:stCondLst>
+                      <p:childTnLst>
+                        <p:par>
+                          <p:cTn id="4" fill="hold">
+                            <p:stCondLst>
+                              <p:cond delay="0"/>
+                            </p:stCondLst>
+                            <p:childTnLst>
+                              <p:par>
+                                <p:cTn id="5" presetID="1" presetClass="entr" presetSubtype="0" fill="hold" grpId="0" nodeType="clickEffect">
+                                  <p:stCondLst>
+                                    <p:cond delay="0"/>
+                                  </p:stCondLst>
+                                  <p:childTnLst>
+                                    <p:set>
+                                      <p:cBhvr>
+                                        <p:cTn id="6" dur="1" fill="hold">
+                                          <p:stCondLst>
+                                            <p:cond delay="0"/>
+                                          </p:stCondLst>
+                                        </p:cTn>
+                                        <p:tgtEl>
+                                          <p:spTgt spid="3">
+                                            <p:txEl>
+                                              <p:pRg st="0" end="0"/>
+                                            </p:txEl>
+                                          </p:spTgt>
+                                        </p:tgtEl>
+                                        <p:attrNameLst>
+                                          <p:attrName>style.visibility</p:attrName>
+                                        </p:attrNameLst>
+                                      </p:cBhvr>
+                                      <p:to>
+                                        <p:strVal val="visible"/>
+                                      </p:to>
+                                    </p:set>
+                                  </p:childTnLst>
+                                </p:cTn>
+                              </p:par>
+                            </p:childTnLst>
+                          </p:cTn>
+                        </p:par>
+                      </p:childTnLst>
+                    </p:cTn>
+                  </p:par>
+                  <p:par>
+                    <p:cTn id="7" fill="hold">
+                      <p:stCondLst>
+                        <p:cond delay="indefinite"/>
+                      </p:stCondLst>
+                      <p:childTnLst>
+                        <p:par>
+                          <p:cTn id="8" fill="hold">
+                            <p:stCondLst>
+                              <p:cond delay="0"/>
+                            </p:stCondLst>
+                            <p:childTnLst>
+                              <p:par>
+                                <p:cTn id="9" presetID="1" presetClass="entr" presetSubtype="0" fill="hold" grpId="0" nodeType="clickEffect">
+                                  <p:stCondLst>
+                                    <p:cond delay="0"/>
+                                  </p:stCondLst>
+                                  <p:childTnLst>
+                                    <p:set>
+                                      <p:cBhvr>
+                                        <p:cTn id="10" dur="1" fill="hold">
+                                          <p:stCondLst>
+                                            <p:cond delay="0"/>
+                                          </p:stCondLst>
+                                        </p:cTn>
+                                        <p:tgtEl>
+                                          <p:spTgt spid="3">
+                                            <p:txEl>
+                                              <p:pRg st="1" end="1"/>
+                                            </p:txEl>
+                                          </p:spTgt>
+                                        </p:tgtEl>
+                                        <p:attrNameLst>
+                                          <p:attrName>style.visibility</p:attrName>
+                                        </p:attrNameLst>
+                                      </p:cBhvr>
+                                      <p:to>
+                                        <p:strVal val="visible"/>
+                                      </p:to>
+                                    </p:set>
+                                  </p:childTnLst>
+                                </p:cTn>
+                              </p:par>
+                            </p:childTnLst>
+                          </p:cTn>
+                        </p:par>
+                      </p:childTnLst>
+                    </p:cTn>
+                  </p:par>
+                  <p:par>
+                    <p:cTn id="11" fill="hold">
+                      <p:stCondLst>
+                        <p:cond delay="indefinite"/>
+                      </p:stCondLst>
+                      <p:childTnLst>
+                        <p:par>
+                          <p:cTn id="12" fill="hold">
+                            <p:stCondLst>
+                              <p:cond delay="0"/>
+                            </p:stCondLst>
+                            <p:childTnLst>
+                              <p:par>
+                                <p:cTn id="13" presetID="1" presetClass="entr" presetSubtype="0" fill="hold" grpId="0" nodeType="clickEffect">
+                                  <p:stCondLst>
+                                    <p:cond delay="0"/>
+                                  </p:stCondLst>
+                                  <p:childTnLst>
+                                    <p:set>
+                                      <p:cBhvr>
+                                        <p:cTn id="14" dur="1" fill="hold">
+                                          <p:stCondLst>
+                                            <p:cond delay="0"/>
+                                          </p:stCondLst>
+                                        </p:cTn>
+                                        <p:tgtEl>
+                                          <p:spTgt spid="3">
+                                            <p:txEl>
+                                              <p:pRg st="2" end="2"/>
+                                            </p:txEl>
+                                          </p:spTgt>
+                                        </p:tgtEl>
+                                        <p:attrNameLst>
+                                          <p:attrName>style.visibility</p:attrName>
+                                        </p:attrNameLst>
+                                      </p:cBhvr>
+                                      <p:to>
+                                        <p:strVal val="visible"/>
+                                      </p:to>
+                                    </p:set>
+                                  </p:childTnLst>
+                                </p:cTn>
+                              </p:par>
+                            </p:childTnLst>
+                          </p:cTn>
+                        </p:par>
+                      </p:childTnLst>
+                    </p:cTn>
+                  </p:par>
+                  <p:par>
+                    <p:cTn id="15" fill="hold">
+                      <p:stCondLst>
+                        <p:cond delay="indefinite"/>
+                      </p:stCondLst>
+                      <p:childTnLst>
+                        <p:par>
+                          <p:cTn id="16" fill="hold">
+                            <p:stCondLst>
+                              <p:cond delay="0"/>
+                            </p:stCondLst>
+                            <p:childTnLst>
+                              <p:par>
+                                <p:cTn id="17" presetID="1" presetClass="entr" presetSubtype="0" fill="hold" grpId="0" nodeType="clickEffect">
+                                  <p:stCondLst>
+                                    <p:cond delay="0"/>
+                                  </p:stCondLst>
+                                  <p:childTnLst>
+                                    <p:set>
+                                      <p:cBhvr>
+                                        <p:cTn id="18" dur="1" fill="hold">
+                                          <p:stCondLst>
+                                            <p:cond delay="0"/>
+                                          </p:stCondLst>
+                                        </p:cTn>
+                                        <p:tgtEl>
+                                          <p:spTgt spid="3">
+                                            <p:txEl>
+                                              <p:pRg st="3" end="3"/>
+                                            </p:txEl>
+                                          </p:spTgt>
+                                        </p:tgtEl>
+                                        <p:attrNameLst>
+                                          <p:attrName>style.visibility</p:attrName>
+                                        </p:attrNameLst>
+                                      </p:cBhvr>
+                                      <p:to>
+                                        <p:strVal val="visible"/>
+                                      </p:to>
+                                    </p:set>
+                                  </p:childTnLst>
+                                </p:cTn>
+                              </p:par>
+                            </p:childTnLst>
+                          </p:cTn>
+                        </p:par>
+                      </p:childTnLst>
+                    </p:cTn>
+                  </p:par>
+                  <p:par>
+                    <p:cTn id="19" fill="hold">
+                      <p:stCondLst>
+                        <p:cond delay="indefinite"/>
+                      </p:stCondLst>
+                      <p:childTnLst>
+                        <p:par>
+                          <p:cTn id="20" fill="hold">
+                            <p:stCondLst>
+                              <p:cond delay="0"/>
+                            </p:stCondLst>
+                            <p:childTnLst>
+                              <p:par>
+                                <p:cTn id="21" presetID="1" presetClass="entr" presetSubtype="0" fill="hold" grpId="0" nodeType="clickEffect">
+                                  <p:stCondLst>
+                                    <p:cond delay="0"/>
+                                  </p:stCondLst>
+                                  <p:childTnLst>
+                                    <p:set>
+                                      <p:cBhvr>
+                                        <p:cTn id="22" dur="1" fill="hold">
+                                          <p:stCondLst>
+                                            <p:cond delay="0"/>
+                                          </p:stCondLst>
+                                        </p:cTn>
+                                        <p:tgtEl>
+                                          <p:spTgt spid="3">
+                                            <p:txEl>
+                                              <p:pRg st="4" end="4"/>
+                                            </p:txEl>
+                                          </p:spTgt>
+                                        </p:tgtEl>
+                                        <p:attrNameLst>
+                                          <p:attrName>style.visibility</p:attrName>
+                                        </p:attrNameLst>
+                                      </p:cBhvr>
+                                      <p:to>
+                                        <p:strVal val="visible"/>
+                                      </p:to>
+                                    </p:set>
+                                  </p:childTnLst>
+                                </p:cTn>
+                              </p:par>
+                            </p:childTnLst>
+                          </p:cTn>
+                        </p:par>
+                      </p:childTnLst>
+                    </p:cTn>
+                  </p:par>
+                  <p:par>
+                    <p:cTn id="23" fill="hold">
+                      <p:stCondLst>
+                        <p:cond delay="indefinite"/>
+                      </p:stCondLst>
+                      <p:childTnLst>
+                        <p:par>
+                          <p:cTn id="24" fill="hold">
+                            <p:stCondLst>
+                              <p:cond delay="0"/>
+                            </p:stCondLst>
+                            <p:childTnLst>
+                              <p:par>
+                                <p:cTn id="25" presetID="1" presetClass="entr" presetSubtype="0" fill="hold" grpId="0" nodeType="clickEffect">
+                                  <p:stCondLst>
+                                    <p:cond delay="0"/>
+                                  </p:stCondLst>
+                                  <p:childTnLst>
+                                    <p:set>
+                                      <p:cBhvr>
+                                        <p:cTn id="26" dur="1" fill="hold">
+                                          <p:stCondLst>
+                                            <p:cond delay="0"/>
+                                          </p:stCondLst>
+                                        </p:cTn>
+                                        <p:tgtEl>
+                                          <p:spTgt spid="3">
+                                            <p:txEl>
+                                              <p:pRg st="5" end="5"/>
+                                            </p:txEl>
+                                          </p:spTgt>
+                                        </p:tgtEl>
+                                        <p:attrNameLst>
+                                          <p:attrName>style.visibility</p:attrName>
+                                        </p:attrNameLst>
+                                      </p:cBhvr>
+                                      <p:to>
+                                        <p:strVal val="visible"/>
+                                      </p:to>
+                                    </p:set>
+                                  </p:childTnLst>
+                                </p:cTn>
+                              </p:par>
+                            </p:childTnLst>
+                          </p:cTn>
+                        </p:par>
+                      </p:childTnLst>
+                    </p:cTn>
+                  </p:par>
+                </p:childTnLst>
+              </p:cTn>
+              <p:prevCondLst>
+                <p:cond evt="onPrev" delay="0">
+                  <p:tgtEl>
+                    <p:sldTgt/>
+                  </p:tgtEl>
+                </p:cond>
+              </p:prevCondLst>
+              <p:nextCondLst>
+                <p:cond evt="onNext" delay="0">
+                  <p:tgtEl>
+                    <p:sldTgt/>
+                  </p:tgtEl>
+                </p:cond>
+              </p:nextCondLst>
+            </p:seq>
+          </p:childTnLst>
+        </p:cTn>
+      </p:par>
+    </p:tnLst>
+    <p:bldLst>
+      <p:bldP spid="3" grpId="0" build="p"/>
+    </p:bldLst>
+  </p:timing>
 </p:sld>
 </file>
 
@@ -16539,6 +17545,81 @@
   <p:clrMapOvr>
     <a:masterClrMapping/>
   </p:clrMapOvr>
+  <p:timing>
+    <p:tnLst>
+      <p:par>
+        <p:cTn id="1" dur="indefinite" restart="never" nodeType="tmRoot">
+          <p:childTnLst>
+            <p:seq concurrent="1" nextAc="seek">
+              <p:cTn id="2" dur="indefinite" nodeType="mainSeq">
+                <p:childTnLst>
+                  <p:par>
+                    <p:cTn id="3" fill="hold">
+                      <p:stCondLst>
+                        <p:cond delay="indefinite"/>
+                      </p:stCondLst>
+                      <p:childTnLst>
+                        <p:par>
+                          <p:cTn id="4" fill="hold">
+                            <p:stCondLst>
+                              <p:cond delay="0"/>
+                            </p:stCondLst>
+                            <p:childTnLst>
+                              <p:par>
+                                <p:cTn id="5" presetID="1" presetClass="entr" presetSubtype="0" fill="hold" nodeType="clickEffect">
+                                  <p:stCondLst>
+                                    <p:cond delay="0"/>
+                                  </p:stCondLst>
+                                  <p:childTnLst>
+                                    <p:set>
+                                      <p:cBhvr>
+                                        <p:cTn id="6" dur="1" fill="hold">
+                                          <p:stCondLst>
+                                            <p:cond delay="0"/>
+                                          </p:stCondLst>
+                                        </p:cTn>
+                                        <p:tgtEl>
+                                          <p:spTgt spid="9"/>
+                                        </p:tgtEl>
+                                        <p:attrNameLst>
+                                          <p:attrName>style.visibility</p:attrName>
+                                        </p:attrNameLst>
+                                      </p:cBhvr>
+                                      <p:to>
+                                        <p:strVal val="visible"/>
+                                      </p:to>
+                                    </p:set>
+                                  </p:childTnLst>
+                                </p:cTn>
+                              </p:par>
+                            </p:childTnLst>
+                          </p:cTn>
+                        </p:par>
+                      </p:childTnLst>
+                    </p:cTn>
+                  </p:par>
+                </p:childTnLst>
+              </p:cTn>
+              <p:prevCondLst>
+                <p:cond evt="onPrev" delay="0">
+                  <p:tgtEl>
+                    <p:sldTgt/>
+                  </p:tgtEl>
+                </p:cond>
+              </p:prevCondLst>
+              <p:nextCondLst>
+                <p:cond evt="onNext" delay="0">
+                  <p:tgtEl>
+                    <p:sldTgt/>
+                  </p:tgtEl>
+                </p:cond>
+              </p:nextCondLst>
+            </p:seq>
+          </p:childTnLst>
+        </p:cTn>
+      </p:par>
+    </p:tnLst>
+  </p:timing>
 </p:sld>
 </file>
 
@@ -16717,10 +17798,10 @@
       </p:grpSpPr>
       <p:sp>
         <p:nvSpPr>
-          <p:cNvPr id="2" name="Title 1">
+          <p:cNvPr id="2" name="Footer Placeholder 1">
             <a:extLst>
               <a:ext uri="{FF2B5EF4-FFF2-40B4-BE49-F238E27FC236}">
-                <a16:creationId xmlns:a16="http://schemas.microsoft.com/office/drawing/2014/main" id="{824212B0-41B2-CD9B-38AF-927D833A07F0}"/>
+                <a16:creationId xmlns:a16="http://schemas.microsoft.com/office/drawing/2014/main" id="{3356B61C-75D7-232C-172B-8E602419F230}"/>
               </a:ext>
             </a:extLst>
           </p:cNvPr>
@@ -16728,34 +17809,24 @@
             <a:spLocks noGrp="1"/>
           </p:cNvSpPr>
           <p:nvPr>
-            <p:ph type="title"/>
-          </p:nvPr>
-        </p:nvSpPr>
-        <p:spPr>
-          <a:xfrm>
-            <a:off x="360364" y="143954"/>
-            <a:ext cx="8424001" cy="792000"/>
-          </a:xfrm>
-        </p:spPr>
-        <p:txBody>
-          <a:bodyPr anchor="t">
-            <a:normAutofit/>
-          </a:bodyPr>
+            <p:ph type="ftr" sz="quarter" idx="11"/>
+          </p:nvPr>
+        </p:nvSpPr>
+        <p:spPr/>
+        <p:txBody>
+          <a:bodyPr/>
           <a:lstStyle/>
           <a:p>
-            <a:r>
-              <a:rPr lang="nl-BE" dirty="0"/>
-              <a:t>About me</a:t>
-            </a:r>
-          </a:p>
-        </p:txBody>
-      </p:sp>
-      <p:sp>
-        <p:nvSpPr>
-          <p:cNvPr id="3" name="Content Placeholder 2">
+            <a:endParaRPr lang="de-DE"/>
+          </a:p>
+        </p:txBody>
+      </p:sp>
+      <p:sp>
+        <p:nvSpPr>
+          <p:cNvPr id="3" name="Slide Number Placeholder 2">
             <a:extLst>
               <a:ext uri="{FF2B5EF4-FFF2-40B4-BE49-F238E27FC236}">
-                <a16:creationId xmlns:a16="http://schemas.microsoft.com/office/drawing/2014/main" id="{03D1441D-CCA8-8E7B-7C6D-25F2BCDB8221}"/>
+                <a16:creationId xmlns:a16="http://schemas.microsoft.com/office/drawing/2014/main" id="{DB67E01A-A036-B44B-21D5-A670E870D6B3}"/>
               </a:ext>
             </a:extLst>
           </p:cNvPr>
@@ -16763,239 +17834,92 @@
             <a:spLocks noGrp="1"/>
           </p:cNvSpPr>
           <p:nvPr>
-            <p:ph idx="1"/>
-          </p:nvPr>
-        </p:nvSpPr>
-        <p:spPr>
-          <a:xfrm>
-            <a:off x="360005" y="972000"/>
-            <a:ext cx="4122737" cy="3780000"/>
-          </a:xfrm>
-        </p:spPr>
-        <p:txBody>
-          <a:bodyPr>
-            <a:normAutofit/>
-          </a:bodyPr>
+            <p:ph type="sldNum" sz="quarter" idx="12"/>
+          </p:nvPr>
+        </p:nvSpPr>
+        <p:spPr/>
+        <p:txBody>
+          <a:bodyPr/>
           <a:lstStyle/>
           <a:p>
-            <a:pPr marL="171450" indent="-171450">
-              <a:buFont typeface="Arial" panose="020B0604020202020204" pitchFamily="34" charset="0"/>
-              <a:buChar char="•"/>
-            </a:pPr>
-            <a:r>
-              <a:rPr lang="nl-BE" b="1"/>
-              <a:t>Name: </a:t>
-            </a:r>
-            <a:r>
-              <a:rPr lang="nl-BE"/>
-              <a:t>Pieter Samyn</a:t>
-            </a:r>
-          </a:p>
-          <a:p>
-            <a:pPr marL="171450" indent="-171450">
-              <a:buFont typeface="Arial" panose="020B0604020202020204" pitchFamily="34" charset="0"/>
-              <a:buChar char="•"/>
-            </a:pPr>
-            <a:r>
-              <a:rPr lang="nl-BE" b="1"/>
-              <a:t>Title:</a:t>
-            </a:r>
-            <a:r>
-              <a:rPr lang="nl-BE"/>
-              <a:t> Technology lead</a:t>
-            </a:r>
-          </a:p>
-          <a:p>
-            <a:pPr marL="171450" indent="-171450">
-              <a:buFont typeface="Arial" panose="020B0604020202020204" pitchFamily="34" charset="0"/>
-              <a:buChar char="•"/>
-            </a:pPr>
-            <a:r>
-              <a:rPr lang="nl-BE" b="1"/>
-              <a:t>Company:</a:t>
-            </a:r>
-            <a:r>
-              <a:rPr lang="nl-BE"/>
-              <a:t> ZF</a:t>
-            </a:r>
-          </a:p>
-          <a:p>
-            <a:pPr marL="171450" indent="-171450">
-              <a:buFont typeface="Arial" panose="020B0604020202020204" pitchFamily="34" charset="0"/>
-              <a:buChar char="•"/>
-            </a:pPr>
-            <a:r>
-              <a:rPr lang="nl-BE" b="1"/>
-              <a:t>Professional Background:</a:t>
-            </a:r>
-          </a:p>
-          <a:p>
-            <a:pPr marL="351450" lvl="1" indent="-171450">
-              <a:buFont typeface="Arial" panose="020B0604020202020204" pitchFamily="34" charset="0"/>
-              <a:buChar char="•"/>
-            </a:pPr>
-            <a:r>
-              <a:rPr lang="nl-BE"/>
-              <a:t>Backend development</a:t>
-            </a:r>
-          </a:p>
-          <a:p>
-            <a:pPr marL="351450" lvl="1" indent="-171450">
-              <a:buFont typeface="Arial" panose="020B0604020202020204" pitchFamily="34" charset="0"/>
-              <a:buChar char="•"/>
-            </a:pPr>
-            <a:r>
-              <a:rPr lang="nl-BE"/>
-              <a:t>AWS serverless ecosystem</a:t>
-            </a:r>
-          </a:p>
-          <a:p>
-            <a:pPr marL="351450" lvl="1" indent="-171450">
-              <a:buFont typeface="Arial" panose="020B0604020202020204" pitchFamily="34" charset="0"/>
-              <a:buChar char="•"/>
-            </a:pPr>
-            <a:r>
-              <a:rPr lang="nl-BE"/>
-              <a:t>Performance</a:t>
-            </a:r>
-          </a:p>
-          <a:p>
-            <a:pPr marL="351450" lvl="1" indent="-171450">
-              <a:buFont typeface="Arial" panose="020B0604020202020204" pitchFamily="34" charset="0"/>
-              <a:buChar char="•"/>
-            </a:pPr>
-            <a:r>
-              <a:rPr lang="nl-BE"/>
-              <a:t>Maintainabilty</a:t>
-            </a:r>
-          </a:p>
-          <a:p>
-            <a:endParaRPr lang="nl-BE"/>
-          </a:p>
-          <a:p>
-            <a:pPr marL="171450" indent="-171450">
-              <a:buFont typeface="Arial" panose="020B0604020202020204" pitchFamily="34" charset="0"/>
-              <a:buChar char="•"/>
-            </a:pPr>
-            <a:endParaRPr lang="nl-BE" dirty="0"/>
-          </a:p>
-        </p:txBody>
-      </p:sp>
-      <p:pic>
-        <p:nvPicPr>
-          <p:cNvPr id="10" name="Picture Placeholder 9" descr="A person holding a cup of coffee&#10;&#10;Description automatically generated">
-            <a:extLst>
-              <a:ext uri="{FF2B5EF4-FFF2-40B4-BE49-F238E27FC236}">
-                <a16:creationId xmlns:a16="http://schemas.microsoft.com/office/drawing/2014/main" id="{FE976027-D3FA-38B0-85A9-E78C95CCC50B}"/>
-              </a:ext>
-            </a:extLst>
-          </p:cNvPr>
-          <p:cNvPicPr>
-            <a:picLocks noGrp="1" noChangeAspect="1"/>
-          </p:cNvPicPr>
-          <p:nvPr>
-            <p:ph idx="13"/>
-          </p:nvPr>
-        </p:nvPicPr>
-        <p:blipFill>
-          <a:blip r:embed="rId3" cstate="print">
-            <a:extLst>
-              <a:ext uri="{28A0092B-C50C-407E-A947-70E740481C1C}">
-                <a14:useLocalDpi xmlns:a14="http://schemas.microsoft.com/office/drawing/2010/main" val="0"/>
-              </a:ext>
-            </a:extLst>
-          </a:blip>
-          <a:srcRect b="8297"/>
-          <a:stretch/>
-        </p:blipFill>
-        <p:spPr>
-          <a:xfrm>
-            <a:off x="4661096" y="972000"/>
-            <a:ext cx="4122000" cy="3780000"/>
-          </a:xfrm>
-          <a:noFill/>
-        </p:spPr>
-      </p:pic>
-      <p:sp>
-        <p:nvSpPr>
-          <p:cNvPr id="17" name="Footer Placeholder 4">
-            <a:extLst>
-              <a:ext uri="{FF2B5EF4-FFF2-40B4-BE49-F238E27FC236}">
-                <a16:creationId xmlns:a16="http://schemas.microsoft.com/office/drawing/2014/main" id="{AF7E9863-8E41-8D0E-26E2-68A70D0484D7}"/>
-              </a:ext>
-            </a:extLst>
-          </p:cNvPr>
-          <p:cNvSpPr>
-            <a:spLocks noGrp="1"/>
-          </p:cNvSpPr>
-          <p:nvPr>
-            <p:ph type="ftr" sz="quarter" idx="11"/>
-          </p:nvPr>
-        </p:nvSpPr>
-        <p:spPr>
-          <a:xfrm>
-            <a:off x="929391" y="4871601"/>
-            <a:ext cx="5220000" cy="108000"/>
-          </a:xfrm>
-        </p:spPr>
-        <p:txBody>
-          <a:bodyPr/>
-          <a:lstStyle/>
-          <a:p>
-            <a:endParaRPr lang="de-DE"/>
-          </a:p>
-        </p:txBody>
-      </p:sp>
-      <p:sp>
-        <p:nvSpPr>
-          <p:cNvPr id="5" name="Slide Number Placeholder 4">
-            <a:extLst>
-              <a:ext uri="{FF2B5EF4-FFF2-40B4-BE49-F238E27FC236}">
-                <a16:creationId xmlns:a16="http://schemas.microsoft.com/office/drawing/2014/main" id="{A2B6336F-3C8A-228C-61A1-72BDE86D8DB9}"/>
-              </a:ext>
-            </a:extLst>
-          </p:cNvPr>
-          <p:cNvSpPr>
-            <a:spLocks noGrp="1"/>
-          </p:cNvSpPr>
-          <p:nvPr>
-            <p:ph type="sldNum" sz="quarter" idx="12"/>
-          </p:nvPr>
-        </p:nvSpPr>
-        <p:spPr>
-          <a:xfrm>
-            <a:off x="8604001" y="4871601"/>
-            <a:ext cx="180000" cy="108000"/>
-          </a:xfrm>
-        </p:spPr>
-        <p:txBody>
-          <a:bodyPr anchor="ctr">
-            <a:normAutofit/>
-          </a:bodyPr>
-          <a:lstStyle/>
-          <a:p>
-            <a:pPr>
-              <a:spcAft>
-                <a:spcPts val="600"/>
-              </a:spcAft>
-            </a:pPr>
             <a:fld id="{AE839375-43AA-4A5D-B991-4343C4570BCB}" type="slidenum">
               <a:rPr lang="de-DE" smtClean="0"/>
-              <a:pPr>
-                <a:spcAft>
-                  <a:spcPts val="600"/>
-                </a:spcAft>
-              </a:pPr>
               <a:t>2</a:t>
             </a:fld>
             <a:endParaRPr lang="de-DE"/>
           </a:p>
         </p:txBody>
       </p:sp>
+      <mc:AlternateContent xmlns:mc="http://schemas.openxmlformats.org/markup-compatibility/2006">
+        <mc:Choice xmlns:we="http://schemas.microsoft.com/office/webextensions/webextension/2010/11" xmlns:pca="http://schemas.microsoft.com/office/powerpoint/2013/contentapp" Requires="we pca">
+          <p:graphicFrame>
+            <p:nvGraphicFramePr>
+              <p:cNvPr id="4" name="Add-in 3">
+                <a:extLst>
+                  <a:ext uri="{FF2B5EF4-FFF2-40B4-BE49-F238E27FC236}">
+                    <a16:creationId xmlns:a16="http://schemas.microsoft.com/office/drawing/2014/main" id="{80AA5109-35C0-7779-2E2F-3EEEF761F33C}"/>
+                  </a:ext>
+                </a:extLst>
+              </p:cNvPr>
+              <p:cNvGraphicFramePr>
+                <a:graphicFrameLocks noGrp="1"/>
+              </p:cNvGraphicFramePr>
+              <p:nvPr>
+                <p:extLst>
+                  <p:ext uri="{D42A27DB-BD31-4B8C-83A1-F6EECF244321}">
+                    <p14:modId xmlns:p14="http://schemas.microsoft.com/office/powerpoint/2010/main" val="1651925071"/>
+                  </p:ext>
+                </p:extLst>
+              </p:nvPr>
+            </p:nvGraphicFramePr>
+            <p:xfrm>
+              <a:off x="0" y="257175"/>
+              <a:ext cx="9144000" cy="4457700"/>
+            </p:xfrm>
+            <a:graphic>
+              <a:graphicData uri="http://schemas.microsoft.com/office/webextensions/webextension/2010/11">
+                <we:webextensionref xmlns:we="http://schemas.microsoft.com/office/webextensions/webextension/2010/11" xmlns:r="http://schemas.openxmlformats.org/officeDocument/2006/relationships" r:id="rId3"/>
+              </a:graphicData>
+            </a:graphic>
+          </p:graphicFrame>
+        </mc:Choice>
+        <mc:Fallback>
+          <p:pic>
+            <p:nvPicPr>
+              <p:cNvPr id="4" name="Add-in 3">
+                <a:extLst>
+                  <a:ext uri="{FF2B5EF4-FFF2-40B4-BE49-F238E27FC236}">
+                    <a16:creationId xmlns:a16="http://schemas.microsoft.com/office/drawing/2014/main" id="{80AA5109-35C0-7779-2E2F-3EEEF761F33C}"/>
+                  </a:ext>
+                </a:extLst>
+              </p:cNvPr>
+              <p:cNvPicPr>
+                <a:picLocks noGrp="1" noRot="1" noChangeAspect="1" noMove="1" noResize="1" noEditPoints="1" noAdjustHandles="1" noChangeArrowheads="1" noChangeShapeType="1"/>
+              </p:cNvPicPr>
+              <p:nvPr/>
+            </p:nvPicPr>
+            <p:blipFill>
+              <a:blip r:embed="rId4"/>
+              <a:stretch>
+                <a:fillRect/>
+              </a:stretch>
+            </p:blipFill>
+            <p:spPr>
+              <a:xfrm>
+                <a:off x="0" y="257175"/>
+                <a:ext cx="9144000" cy="4457700"/>
+              </a:xfrm>
+              <a:prstGeom prst="rect">
+                <a:avLst/>
+              </a:prstGeom>
+            </p:spPr>
+          </p:pic>
+        </mc:Fallback>
+      </mc:AlternateContent>
     </p:spTree>
     <p:extLst>
       <p:ext uri="{BB962C8B-B14F-4D97-AF65-F5344CB8AC3E}">
-        <p14:creationId xmlns:p14="http://schemas.microsoft.com/office/powerpoint/2010/main" val="1535908589"/>
+        <p14:creationId xmlns:p14="http://schemas.microsoft.com/office/powerpoint/2010/main" val="2630087515"/>
       </p:ext>
     </p:extLst>
   </p:cSld>
@@ -17027,7 +17951,7 @@
           <p:cNvPr id="2" name="Title 1">
             <a:extLst>
               <a:ext uri="{FF2B5EF4-FFF2-40B4-BE49-F238E27FC236}">
-                <a16:creationId xmlns:a16="http://schemas.microsoft.com/office/drawing/2014/main" id="{6E92DEA5-C4D3-E11D-217E-B89007FA9C86}"/>
+                <a16:creationId xmlns:a16="http://schemas.microsoft.com/office/drawing/2014/main" id="{47FB5714-DB64-E571-5C47-76CAD8E954BC}"/>
               </a:ext>
             </a:extLst>
           </p:cNvPr>
@@ -17045,109 +17969,53 @@
           <a:p>
             <a:r>
               <a:rPr lang="nl-BE" dirty="0"/>
-              <a:t>Summary</a:t>
-            </a:r>
-          </a:p>
-        </p:txBody>
-      </p:sp>
-      <p:sp>
-        <p:nvSpPr>
-          <p:cNvPr id="3" name="Content Placeholder 2">
+              <a:t>Examples</a:t>
+            </a:r>
+            <a:endParaRPr lang="en-US" dirty="0"/>
+          </a:p>
+        </p:txBody>
+      </p:sp>
+      <p:pic>
+        <p:nvPicPr>
+          <p:cNvPr id="7" name="Content Placeholder 6" descr="A hand writing on a blue board&#10;&#10;Description automatically generated">
             <a:extLst>
               <a:ext uri="{FF2B5EF4-FFF2-40B4-BE49-F238E27FC236}">
-                <a16:creationId xmlns:a16="http://schemas.microsoft.com/office/drawing/2014/main" id="{F85DC6BB-3D68-88EB-CBC1-D36D4D95CB19}"/>
+                <a16:creationId xmlns:a16="http://schemas.microsoft.com/office/drawing/2014/main" id="{91EC149C-B91E-47E6-9971-6DA0F2F47D52}"/>
               </a:ext>
             </a:extLst>
           </p:cNvPr>
-          <p:cNvSpPr>
-            <a:spLocks noGrp="1"/>
-          </p:cNvSpPr>
+          <p:cNvPicPr>
+            <a:picLocks noGrp="1" noChangeAspect="1"/>
+          </p:cNvPicPr>
           <p:nvPr>
             <p:ph idx="1"/>
           </p:nvPr>
-        </p:nvSpPr>
-        <p:spPr/>
-        <p:txBody>
-          <a:bodyPr/>
-          <a:lstStyle/>
-          <a:p>
-            <a:pPr marL="171450" indent="-171450">
-              <a:buFont typeface="Arial" panose="020B0604020202020204" pitchFamily="34" charset="0"/>
-              <a:buChar char="•"/>
-            </a:pPr>
-            <a:r>
-              <a:rPr lang="nl-BE" sz="2000" dirty="0"/>
-              <a:t>IConfiguration</a:t>
-            </a:r>
-          </a:p>
-          <a:p>
-            <a:pPr marL="351450" lvl="1" indent="-171450">
-              <a:buFont typeface="Arial" panose="020B0604020202020204" pitchFamily="34" charset="0"/>
-              <a:buChar char="•"/>
-            </a:pPr>
-            <a:r>
-              <a:rPr lang="nl-BE" sz="2000" dirty="0"/>
-              <a:t>Providers</a:t>
-            </a:r>
-          </a:p>
-          <a:p>
-            <a:pPr marL="351450" lvl="1" indent="-171450">
-              <a:buFont typeface="Arial" panose="020B0604020202020204" pitchFamily="34" charset="0"/>
-              <a:buChar char="•"/>
-            </a:pPr>
-            <a:r>
-              <a:rPr lang="nl-BE" sz="2000" dirty="0"/>
-              <a:t>Binding</a:t>
-            </a:r>
-          </a:p>
-          <a:p>
-            <a:pPr marL="171450" indent="-171450">
-              <a:buFont typeface="Arial" panose="020B0604020202020204" pitchFamily="34" charset="0"/>
-              <a:buChar char="•"/>
-            </a:pPr>
-            <a:r>
-              <a:rPr lang="nl-BE" sz="2000" dirty="0"/>
-              <a:t>IOptions</a:t>
-            </a:r>
-          </a:p>
-          <a:p>
-            <a:pPr marL="351450" lvl="1" indent="-171450">
-              <a:buFont typeface="Arial" panose="020B0604020202020204" pitchFamily="34" charset="0"/>
-              <a:buChar char="•"/>
-            </a:pPr>
-            <a:r>
-              <a:rPr lang="nl-BE" sz="2000" dirty="0"/>
-              <a:t>Types</a:t>
-            </a:r>
-          </a:p>
-          <a:p>
-            <a:pPr marL="351450" lvl="1" indent="-171450">
-              <a:buFont typeface="Arial" panose="020B0604020202020204" pitchFamily="34" charset="0"/>
-              <a:buChar char="•"/>
-            </a:pPr>
-            <a:r>
-              <a:rPr lang="nl-BE" sz="2000" dirty="0"/>
-              <a:t>Validation</a:t>
-            </a:r>
-          </a:p>
-          <a:p>
-            <a:pPr marL="351450" lvl="1" indent="-171450">
-              <a:buFont typeface="Arial" panose="020B0604020202020204" pitchFamily="34" charset="0"/>
-              <a:buChar char="•"/>
-            </a:pPr>
-            <a:r>
-              <a:rPr lang="nl-BE" sz="2000" dirty="0"/>
-              <a:t>Configuration</a:t>
-            </a:r>
-          </a:p>
-        </p:txBody>
-      </p:sp>
+        </p:nvPicPr>
+        <p:blipFill>
+          <a:blip r:embed="rId3">
+            <a:extLst>
+              <a:ext uri="{28A0092B-C50C-407E-A947-70E740481C1C}">
+                <a14:useLocalDpi xmlns:a14="http://schemas.microsoft.com/office/drawing/2010/main" val="0"/>
+              </a:ext>
+            </a:extLst>
+          </a:blip>
+          <a:stretch>
+            <a:fillRect/>
+          </a:stretch>
+        </p:blipFill>
+        <p:spPr>
+          <a:xfrm>
+            <a:off x="792162" y="971550"/>
+            <a:ext cx="7559676" cy="3779838"/>
+          </a:xfrm>
+        </p:spPr>
+      </p:pic>
       <p:sp>
         <p:nvSpPr>
           <p:cNvPr id="4" name="Footer Placeholder 3">
             <a:extLst>
               <a:ext uri="{FF2B5EF4-FFF2-40B4-BE49-F238E27FC236}">
-                <a16:creationId xmlns:a16="http://schemas.microsoft.com/office/drawing/2014/main" id="{1773DC00-731C-B5A2-AF7A-514E7239C8A0}"/>
+                <a16:creationId xmlns:a16="http://schemas.microsoft.com/office/drawing/2014/main" id="{7777AB3F-2C62-266F-8D7B-0BD18B6D3475}"/>
               </a:ext>
             </a:extLst>
           </p:cNvPr>
@@ -17172,7 +18040,7 @@
           <p:cNvPr id="5" name="Slide Number Placeholder 4">
             <a:extLst>
               <a:ext uri="{FF2B5EF4-FFF2-40B4-BE49-F238E27FC236}">
-                <a16:creationId xmlns:a16="http://schemas.microsoft.com/office/drawing/2014/main" id="{6F9BCDD9-04B6-0C99-9D5B-539F0DBD505B}"/>
+                <a16:creationId xmlns:a16="http://schemas.microsoft.com/office/drawing/2014/main" id="{301D380F-53E5-8CFA-9D71-5B1B5B7168C9}"/>
               </a:ext>
             </a:extLst>
           </p:cNvPr>
@@ -17199,7 +18067,7 @@
     </p:spTree>
     <p:extLst>
       <p:ext uri="{BB962C8B-B14F-4D97-AF65-F5344CB8AC3E}">
-        <p14:creationId xmlns:p14="http://schemas.microsoft.com/office/powerpoint/2010/main" val="2777728442"/>
+        <p14:creationId xmlns:p14="http://schemas.microsoft.com/office/powerpoint/2010/main" val="2341458334"/>
       </p:ext>
     </p:extLst>
   </p:cSld>
@@ -17228,154 +18096,6 @@
       </p:grpSpPr>
       <p:sp>
         <p:nvSpPr>
-          <p:cNvPr id="2" name="Title 1">
-            <a:extLst>
-              <a:ext uri="{FF2B5EF4-FFF2-40B4-BE49-F238E27FC236}">
-                <a16:creationId xmlns:a16="http://schemas.microsoft.com/office/drawing/2014/main" id="{47FB5714-DB64-E571-5C47-76CAD8E954BC}"/>
-              </a:ext>
-            </a:extLst>
-          </p:cNvPr>
-          <p:cNvSpPr>
-            <a:spLocks noGrp="1"/>
-          </p:cNvSpPr>
-          <p:nvPr>
-            <p:ph type="title"/>
-          </p:nvPr>
-        </p:nvSpPr>
-        <p:spPr/>
-        <p:txBody>
-          <a:bodyPr/>
-          <a:lstStyle/>
-          <a:p>
-            <a:r>
-              <a:rPr lang="nl-BE" dirty="0"/>
-              <a:t>Examples</a:t>
-            </a:r>
-            <a:endParaRPr lang="en-US" dirty="0"/>
-          </a:p>
-        </p:txBody>
-      </p:sp>
-      <p:pic>
-        <p:nvPicPr>
-          <p:cNvPr id="7" name="Content Placeholder 6" descr="A hand writing on a blue board&#10;&#10;Description automatically generated">
-            <a:extLst>
-              <a:ext uri="{FF2B5EF4-FFF2-40B4-BE49-F238E27FC236}">
-                <a16:creationId xmlns:a16="http://schemas.microsoft.com/office/drawing/2014/main" id="{91EC149C-B91E-47E6-9971-6DA0F2F47D52}"/>
-              </a:ext>
-            </a:extLst>
-          </p:cNvPr>
-          <p:cNvPicPr>
-            <a:picLocks noGrp="1" noChangeAspect="1"/>
-          </p:cNvPicPr>
-          <p:nvPr>
-            <p:ph idx="1"/>
-          </p:nvPr>
-        </p:nvPicPr>
-        <p:blipFill>
-          <a:blip r:embed="rId3">
-            <a:extLst>
-              <a:ext uri="{28A0092B-C50C-407E-A947-70E740481C1C}">
-                <a14:useLocalDpi xmlns:a14="http://schemas.microsoft.com/office/drawing/2010/main" val="0"/>
-              </a:ext>
-            </a:extLst>
-          </a:blip>
-          <a:stretch>
-            <a:fillRect/>
-          </a:stretch>
-        </p:blipFill>
-        <p:spPr>
-          <a:xfrm>
-            <a:off x="792162" y="971550"/>
-            <a:ext cx="7559676" cy="3779838"/>
-          </a:xfrm>
-        </p:spPr>
-      </p:pic>
-      <p:sp>
-        <p:nvSpPr>
-          <p:cNvPr id="4" name="Footer Placeholder 3">
-            <a:extLst>
-              <a:ext uri="{FF2B5EF4-FFF2-40B4-BE49-F238E27FC236}">
-                <a16:creationId xmlns:a16="http://schemas.microsoft.com/office/drawing/2014/main" id="{7777AB3F-2C62-266F-8D7B-0BD18B6D3475}"/>
-              </a:ext>
-            </a:extLst>
-          </p:cNvPr>
-          <p:cNvSpPr>
-            <a:spLocks noGrp="1"/>
-          </p:cNvSpPr>
-          <p:nvPr>
-            <p:ph type="ftr" sz="quarter" idx="11"/>
-          </p:nvPr>
-        </p:nvSpPr>
-        <p:spPr/>
-        <p:txBody>
-          <a:bodyPr/>
-          <a:lstStyle/>
-          <a:p>
-            <a:endParaRPr lang="de-DE" dirty="0"/>
-          </a:p>
-        </p:txBody>
-      </p:sp>
-      <p:sp>
-        <p:nvSpPr>
-          <p:cNvPr id="5" name="Slide Number Placeholder 4">
-            <a:extLst>
-              <a:ext uri="{FF2B5EF4-FFF2-40B4-BE49-F238E27FC236}">
-                <a16:creationId xmlns:a16="http://schemas.microsoft.com/office/drawing/2014/main" id="{301D380F-53E5-8CFA-9D71-5B1B5B7168C9}"/>
-              </a:ext>
-            </a:extLst>
-          </p:cNvPr>
-          <p:cNvSpPr>
-            <a:spLocks noGrp="1"/>
-          </p:cNvSpPr>
-          <p:nvPr>
-            <p:ph type="sldNum" sz="quarter" idx="12"/>
-          </p:nvPr>
-        </p:nvSpPr>
-        <p:spPr/>
-        <p:txBody>
-          <a:bodyPr/>
-          <a:lstStyle/>
-          <a:p>
-            <a:fld id="{AE839375-43AA-4A5D-B991-4343C4570BCB}" type="slidenum">
-              <a:rPr lang="de-DE" smtClean="0"/>
-              <a:t>21</a:t>
-            </a:fld>
-            <a:endParaRPr lang="de-DE"/>
-          </a:p>
-        </p:txBody>
-      </p:sp>
-    </p:spTree>
-    <p:extLst>
-      <p:ext uri="{BB962C8B-B14F-4D97-AF65-F5344CB8AC3E}">
-        <p14:creationId xmlns:p14="http://schemas.microsoft.com/office/powerpoint/2010/main" val="2341458334"/>
-      </p:ext>
-    </p:extLst>
-  </p:cSld>
-  <p:clrMapOvr>
-    <a:masterClrMapping/>
-  </p:clrMapOvr>
-</p:sld>
-</file>
-
-<file path=ppt/slides/slide22.xml><?xml version="1.0" encoding="utf-8"?>
-<p:sld xmlns:a="http://schemas.openxmlformats.org/drawingml/2006/main" xmlns:r="http://schemas.openxmlformats.org/officeDocument/2006/relationships" xmlns:p="http://schemas.openxmlformats.org/presentationml/2006/main">
-  <p:cSld>
-    <p:spTree>
-      <p:nvGrpSpPr>
-        <p:cNvPr id="1" name=""/>
-        <p:cNvGrpSpPr/>
-        <p:nvPr/>
-      </p:nvGrpSpPr>
-      <p:grpSpPr>
-        <a:xfrm>
-          <a:off x="0" y="0"/>
-          <a:ext cx="0" cy="0"/>
-          <a:chOff x="0" y="0"/>
-          <a:chExt cx="0" cy="0"/>
-        </a:xfrm>
-      </p:grpSpPr>
-      <p:sp>
-        <p:nvSpPr>
           <p:cNvPr id="6" name="Title 5">
             <a:extLst>
               <a:ext uri="{FF2B5EF4-FFF2-40B4-BE49-F238E27FC236}">
@@ -17397,7 +18117,7 @@
           <a:p>
             <a:r>
               <a:rPr lang="nl-BE" dirty="0"/>
-              <a:t>Q&amp;A</a:t>
+              <a:t>References</a:t>
             </a:r>
           </a:p>
         </p:txBody>
@@ -17426,14 +18146,13 @@
               </a:ext>
             </a:extLst>
           </a:blip>
-          <a:stretch>
-            <a:fillRect/>
-          </a:stretch>
+          <a:srcRect l="8829" t="6066" r="8852" b="6953"/>
+          <a:stretch/>
         </p:blipFill>
         <p:spPr>
           <a:xfrm>
-            <a:off x="4721902" y="861102"/>
-            <a:ext cx="4062463" cy="4062463"/>
+            <a:off x="5661891" y="1095208"/>
+            <a:ext cx="3344147" cy="3533584"/>
           </a:xfrm>
         </p:spPr>
       </p:pic>
@@ -17485,47 +18204,128 @@
           <a:p>
             <a:fld id="{AE839375-43AA-4A5D-B991-4343C4570BCB}" type="slidenum">
               <a:rPr lang="de-DE" smtClean="0"/>
-              <a:t>22</a:t>
+              <a:t>21</a:t>
             </a:fld>
             <a:endParaRPr lang="de-DE"/>
           </a:p>
         </p:txBody>
       </p:sp>
-      <p:pic>
-        <p:nvPicPr>
-          <p:cNvPr id="9" name="Content Placeholder 10" descr="A light bulb with a question mark above a group of people&#10;&#10;Description automatically generated">
+      <p:sp>
+        <p:nvSpPr>
+          <p:cNvPr id="3" name="Content Placeholder 2">
             <a:extLst>
               <a:ext uri="{FF2B5EF4-FFF2-40B4-BE49-F238E27FC236}">
-                <a16:creationId xmlns:a16="http://schemas.microsoft.com/office/drawing/2014/main" id="{708DEFCB-31D2-CB96-6723-B320F03313D5}"/>
+                <a16:creationId xmlns:a16="http://schemas.microsoft.com/office/drawing/2014/main" id="{65331C55-2B3C-A7E5-0F6A-88CC48D202D9}"/>
               </a:ext>
             </a:extLst>
           </p:cNvPr>
-          <p:cNvPicPr>
-            <a:picLocks noGrp="1" noChangeAspect="1"/>
-          </p:cNvPicPr>
+          <p:cNvSpPr>
+            <a:spLocks noGrp="1"/>
+          </p:cNvSpPr>
           <p:nvPr>
             <p:ph idx="1"/>
           </p:nvPr>
-        </p:nvPicPr>
-        <p:blipFill rotWithShape="1">
-          <a:blip r:embed="rId4">
-            <a:extLst>
-              <a:ext uri="{28A0092B-C50C-407E-A947-70E740481C1C}">
-                <a14:useLocalDpi xmlns:a14="http://schemas.microsoft.com/office/drawing/2010/main" val="0"/>
-              </a:ext>
-            </a:extLst>
-          </a:blip>
-          <a:srcRect l="20192" t="21451" r="21407" b="26143"/>
-          <a:stretch/>
-        </p:blipFill>
+        </p:nvSpPr>
         <p:spPr>
           <a:xfrm>
-            <a:off x="360364" y="1013777"/>
-            <a:ext cx="4212365" cy="3780000"/>
+            <a:off x="360005" y="972000"/>
+            <a:ext cx="5301886" cy="3780000"/>
           </a:xfrm>
-          <a:noFill/>
         </p:spPr>
-      </p:pic>
+        <p:txBody>
+          <a:bodyPr/>
+          <a:lstStyle/>
+          <a:p>
+            <a:endParaRPr lang="en-US" dirty="0"/>
+          </a:p>
+          <a:p>
+            <a:r>
+              <a:rPr lang="en-US" dirty="0"/>
+              <a:t>Presentation &amp; code</a:t>
+            </a:r>
+            <a:endParaRPr lang="en-US" dirty="0">
+              <a:hlinkClick r:id="rId4"/>
+            </a:endParaRPr>
+          </a:p>
+          <a:p>
+            <a:r>
+              <a:rPr lang="en-US" dirty="0">
+                <a:hlinkClick r:id="rId4"/>
+              </a:rPr>
+              <a:t>https://github.com/PhbsSmn/configuration-and-options</a:t>
+            </a:r>
+            <a:endParaRPr lang="en-US" dirty="0"/>
+          </a:p>
+          <a:p>
+            <a:endParaRPr lang="en-US" dirty="0"/>
+          </a:p>
+          <a:p>
+            <a:r>
+              <a:rPr lang="en-US" dirty="0"/>
+              <a:t>Microsoft configuration documentation</a:t>
+            </a:r>
+          </a:p>
+          <a:p>
+            <a:r>
+              <a:rPr lang="nl-BE" dirty="0">
+                <a:hlinkClick r:id="rId5"/>
+              </a:rPr>
+              <a:t>https://learn.microsoft.com/en-us/dotnet/core/extensions/configuration </a:t>
+            </a:r>
+            <a:endParaRPr lang="en-US" dirty="0">
+              <a:hlinkClick r:id="rId6"/>
+            </a:endParaRPr>
+          </a:p>
+          <a:p>
+            <a:endParaRPr lang="en-US" dirty="0"/>
+          </a:p>
+          <a:p>
+            <a:r>
+              <a:rPr lang="en-US" dirty="0"/>
+              <a:t>Andrew Lock Custom configuration provider</a:t>
+            </a:r>
+            <a:endParaRPr lang="en-US" dirty="0">
+              <a:hlinkClick r:id="rId6"/>
+            </a:endParaRPr>
+          </a:p>
+          <a:p>
+            <a:r>
+              <a:rPr lang="en-US" dirty="0">
+                <a:hlinkClick r:id="rId6"/>
+              </a:rPr>
+              <a:t>https://andrewlock.net/creating-a-custom-iconfigurationprovider-in-asp-net-core-to-parse-yaml </a:t>
+            </a:r>
+            <a:endParaRPr lang="en-US" dirty="0"/>
+          </a:p>
+          <a:p>
+            <a:endParaRPr lang="en-US" dirty="0"/>
+          </a:p>
+          <a:p>
+            <a:endParaRPr lang="en-US" dirty="0"/>
+          </a:p>
+          <a:p>
+            <a:endParaRPr lang="en-US" dirty="0"/>
+          </a:p>
+          <a:p>
+            <a:endParaRPr lang="en-US" dirty="0"/>
+          </a:p>
+          <a:p>
+            <a:r>
+              <a:rPr lang="en-US" dirty="0"/>
+              <a:t>Contact</a:t>
+            </a:r>
+          </a:p>
+          <a:p>
+            <a:r>
+              <a:rPr lang="nl-BE" dirty="0">
+                <a:hlinkClick r:id="rId7"/>
+              </a:rPr>
+              <a:t>https://www.linkedin.com/in/samyne </a:t>
+            </a:r>
+            <a:endParaRPr lang="en-US" dirty="0"/>
+          </a:p>
+        </p:txBody>
+      </p:sp>
     </p:spTree>
     <p:extLst>
       <p:ext uri="{BB962C8B-B14F-4D97-AF65-F5344CB8AC3E}">
@@ -17561,7 +18361,7 @@
           <p:cNvPr id="2" name="Title 1">
             <a:extLst>
               <a:ext uri="{FF2B5EF4-FFF2-40B4-BE49-F238E27FC236}">
-                <a16:creationId xmlns:a16="http://schemas.microsoft.com/office/drawing/2014/main" id="{3DEE7448-FF37-EE6E-2A80-4CD66FA3CED0}"/>
+                <a16:creationId xmlns:a16="http://schemas.microsoft.com/office/drawing/2014/main" id="{824212B0-41B2-CD9B-38AF-927D833A07F0}"/>
               </a:ext>
             </a:extLst>
           </p:cNvPr>
@@ -17574,7 +18374,7 @@
         </p:nvSpPr>
         <p:spPr>
           <a:xfrm>
-            <a:off x="360364" y="143955"/>
+            <a:off x="360364" y="143954"/>
             <a:ext cx="8424001" cy="792000"/>
           </a:xfrm>
         </p:spPr>
@@ -17584,19 +18384,16 @@
           </a:bodyPr>
           <a:lstStyle/>
           <a:p>
-            <a:r>
-              <a:rPr lang="nl-BE" dirty="0"/>
-              <a:t>Audience knowledge</a:t>
-            </a:r>
-          </a:p>
-        </p:txBody>
-      </p:sp>
-      <p:sp>
-        <p:nvSpPr>
-          <p:cNvPr id="39" name="Footer Placeholder 2">
+            <a:endParaRPr lang="nl-BE" dirty="0"/>
+          </a:p>
+        </p:txBody>
+      </p:sp>
+      <p:sp>
+        <p:nvSpPr>
+          <p:cNvPr id="3" name="Content Placeholder 2">
             <a:extLst>
               <a:ext uri="{FF2B5EF4-FFF2-40B4-BE49-F238E27FC236}">
-                <a16:creationId xmlns:a16="http://schemas.microsoft.com/office/drawing/2014/main" id="{B0D366CA-134E-5BAA-0620-12132FCEB3E6}"/>
+                <a16:creationId xmlns:a16="http://schemas.microsoft.com/office/drawing/2014/main" id="{03D1441D-CCA8-8E7B-7C6D-25F2BCDB8221}"/>
               </a:ext>
             </a:extLst>
           </p:cNvPr>
@@ -17604,7 +18401,173 @@
             <a:spLocks noGrp="1"/>
           </p:cNvSpPr>
           <p:nvPr>
-            <p:ph type="ftr" sz="quarter" idx="10"/>
+            <p:ph idx="1"/>
+          </p:nvPr>
+        </p:nvSpPr>
+        <p:spPr>
+          <a:xfrm>
+            <a:off x="360005" y="972000"/>
+            <a:ext cx="4122737" cy="3780000"/>
+          </a:xfrm>
+        </p:spPr>
+        <p:txBody>
+          <a:bodyPr>
+            <a:normAutofit/>
+          </a:bodyPr>
+          <a:lstStyle/>
+          <a:p>
+            <a:pPr marL="171450" indent="-171450">
+              <a:buFont typeface="Arial" panose="020B0604020202020204" pitchFamily="34" charset="0"/>
+              <a:buChar char="•"/>
+            </a:pPr>
+            <a:r>
+              <a:rPr lang="nl-BE" b="1" dirty="0"/>
+              <a:t>Naam: </a:t>
+            </a:r>
+            <a:r>
+              <a:rPr lang="nl-BE" dirty="0"/>
+              <a:t>Pieter Samyn</a:t>
+            </a:r>
+          </a:p>
+          <a:p>
+            <a:pPr marL="171450" indent="-171450">
+              <a:buFont typeface="Arial" panose="020B0604020202020204" pitchFamily="34" charset="0"/>
+              <a:buChar char="•"/>
+            </a:pPr>
+            <a:r>
+              <a:rPr lang="nl-BE" b="1" dirty="0"/>
+              <a:t>Functie:</a:t>
+            </a:r>
+            <a:r>
+              <a:rPr lang="nl-BE" dirty="0"/>
+              <a:t> Technology lead</a:t>
+            </a:r>
+          </a:p>
+          <a:p>
+            <a:pPr marL="171450" indent="-171450">
+              <a:buFont typeface="Arial" panose="020B0604020202020204" pitchFamily="34" charset="0"/>
+              <a:buChar char="•"/>
+            </a:pPr>
+            <a:r>
+              <a:rPr lang="nl-BE" b="1" dirty="0"/>
+              <a:t>Bedrijf:</a:t>
+            </a:r>
+            <a:r>
+              <a:rPr lang="nl-BE" dirty="0"/>
+              <a:t> ZF</a:t>
+            </a:r>
+          </a:p>
+          <a:p>
+            <a:pPr marL="171450" indent="-171450">
+              <a:buFont typeface="Arial" panose="020B0604020202020204" pitchFamily="34" charset="0"/>
+              <a:buChar char="•"/>
+            </a:pPr>
+            <a:r>
+              <a:rPr lang="nl-BE" b="1" dirty="0"/>
+              <a:t>Achtergrond:</a:t>
+            </a:r>
+          </a:p>
+          <a:p>
+            <a:pPr marL="351450" lvl="1" indent="-171450">
+              <a:buFont typeface="Arial" panose="020B0604020202020204" pitchFamily="34" charset="0"/>
+              <a:buChar char="•"/>
+            </a:pPr>
+            <a:r>
+              <a:rPr lang="nl-BE" dirty="0"/>
+              <a:t>Backend development</a:t>
+            </a:r>
+          </a:p>
+          <a:p>
+            <a:pPr marL="351450" lvl="1" indent="-171450">
+              <a:buFont typeface="Arial" panose="020B0604020202020204" pitchFamily="34" charset="0"/>
+              <a:buChar char="•"/>
+            </a:pPr>
+            <a:r>
+              <a:rPr lang="nl-BE" dirty="0"/>
+              <a:t>AWS serverless ecosystem</a:t>
+            </a:r>
+          </a:p>
+          <a:p>
+            <a:pPr marL="351450" lvl="1" indent="-171450">
+              <a:buFont typeface="Arial" panose="020B0604020202020204" pitchFamily="34" charset="0"/>
+              <a:buChar char="•"/>
+            </a:pPr>
+            <a:r>
+              <a:rPr lang="nl-BE" dirty="0"/>
+              <a:t>Performantie</a:t>
+            </a:r>
+          </a:p>
+          <a:p>
+            <a:pPr marL="351450" lvl="1" indent="-171450">
+              <a:buFont typeface="Arial" panose="020B0604020202020204" pitchFamily="34" charset="0"/>
+              <a:buChar char="•"/>
+            </a:pPr>
+            <a:r>
+              <a:rPr lang="nl-BE" dirty="0"/>
+              <a:t>Onderhoudbaarheid</a:t>
+            </a:r>
+          </a:p>
+          <a:p>
+            <a:endParaRPr lang="nl-BE" dirty="0"/>
+          </a:p>
+          <a:p>
+            <a:pPr marL="171450" indent="-171450">
+              <a:buFont typeface="Arial" panose="020B0604020202020204" pitchFamily="34" charset="0"/>
+              <a:buChar char="•"/>
+            </a:pPr>
+            <a:endParaRPr lang="nl-BE" dirty="0"/>
+          </a:p>
+        </p:txBody>
+      </p:sp>
+      <p:pic>
+        <p:nvPicPr>
+          <p:cNvPr id="10" name="Picture Placeholder 9" descr="A person holding a cup of coffee&#10;&#10;Description automatically generated">
+            <a:extLst>
+              <a:ext uri="{FF2B5EF4-FFF2-40B4-BE49-F238E27FC236}">
+                <a16:creationId xmlns:a16="http://schemas.microsoft.com/office/drawing/2014/main" id="{FE976027-D3FA-38B0-85A9-E78C95CCC50B}"/>
+              </a:ext>
+            </a:extLst>
+          </p:cNvPr>
+          <p:cNvPicPr>
+            <a:picLocks noGrp="1" noChangeAspect="1"/>
+          </p:cNvPicPr>
+          <p:nvPr>
+            <p:ph idx="13"/>
+          </p:nvPr>
+        </p:nvPicPr>
+        <p:blipFill>
+          <a:blip r:embed="rId3" cstate="print">
+            <a:extLst>
+              <a:ext uri="{28A0092B-C50C-407E-A947-70E740481C1C}">
+                <a14:useLocalDpi xmlns:a14="http://schemas.microsoft.com/office/drawing/2010/main" val="0"/>
+              </a:ext>
+            </a:extLst>
+          </a:blip>
+          <a:srcRect b="8297"/>
+          <a:stretch/>
+        </p:blipFill>
+        <p:spPr>
+          <a:xfrm>
+            <a:off x="4661096" y="972000"/>
+            <a:ext cx="4122000" cy="3780000"/>
+          </a:xfrm>
+          <a:noFill/>
+        </p:spPr>
+      </p:pic>
+      <p:sp>
+        <p:nvSpPr>
+          <p:cNvPr id="17" name="Footer Placeholder 4">
+            <a:extLst>
+              <a:ext uri="{FF2B5EF4-FFF2-40B4-BE49-F238E27FC236}">
+                <a16:creationId xmlns:a16="http://schemas.microsoft.com/office/drawing/2014/main" id="{AF7E9863-8E41-8D0E-26E2-68A70D0484D7}"/>
+              </a:ext>
+            </a:extLst>
+          </p:cNvPr>
+          <p:cNvSpPr>
+            <a:spLocks noGrp="1"/>
+          </p:cNvSpPr>
+          <p:nvPr>
+            <p:ph type="ftr" sz="quarter" idx="11"/>
           </p:nvPr>
         </p:nvSpPr>
         <p:spPr>
@@ -17626,7 +18589,7 @@
           <p:cNvPr id="5" name="Slide Number Placeholder 4">
             <a:extLst>
               <a:ext uri="{FF2B5EF4-FFF2-40B4-BE49-F238E27FC236}">
-                <a16:creationId xmlns:a16="http://schemas.microsoft.com/office/drawing/2014/main" id="{2924611D-19D3-60F0-22C1-20AD6B1ED4A8}"/>
+                <a16:creationId xmlns:a16="http://schemas.microsoft.com/office/drawing/2014/main" id="{A2B6336F-3C8A-228C-61A1-72BDE86D8DB9}"/>
               </a:ext>
             </a:extLst>
           </p:cNvPr>
@@ -17634,7 +18597,7 @@
             <a:spLocks noGrp="1"/>
           </p:cNvSpPr>
           <p:nvPr>
-            <p:ph type="sldNum" sz="quarter" idx="11"/>
+            <p:ph type="sldNum" sz="quarter" idx="12"/>
           </p:nvPr>
         </p:nvSpPr>
         <p:spPr>
@@ -17667,45 +18630,10 @@
           </a:p>
         </p:txBody>
       </p:sp>
-      <p:pic>
-        <p:nvPicPr>
-          <p:cNvPr id="11" name="Content Placeholder 10" descr="A light bulb with a question mark above a group of people&#10;&#10;Description automatically generated">
-            <a:extLst>
-              <a:ext uri="{FF2B5EF4-FFF2-40B4-BE49-F238E27FC236}">
-                <a16:creationId xmlns:a16="http://schemas.microsoft.com/office/drawing/2014/main" id="{64FE4FC1-6EA4-9D75-D7CD-71EA0B1B4CC9}"/>
-              </a:ext>
-            </a:extLst>
-          </p:cNvPr>
-          <p:cNvPicPr>
-            <a:picLocks noGrp="1" noChangeAspect="1"/>
-          </p:cNvPicPr>
-          <p:nvPr>
-            <p:ph type="pic" sz="quarter" idx="12"/>
-          </p:nvPr>
-        </p:nvPicPr>
-        <p:blipFill rotWithShape="1">
-          <a:blip r:embed="rId3">
-            <a:extLst>
-              <a:ext uri="{28A0092B-C50C-407E-A947-70E740481C1C}">
-                <a14:useLocalDpi xmlns:a14="http://schemas.microsoft.com/office/drawing/2010/main" val="0"/>
-              </a:ext>
-            </a:extLst>
-          </a:blip>
-          <a:srcRect l="2" t="21451" b="26143"/>
-          <a:stretch/>
-        </p:blipFill>
-        <p:spPr>
-          <a:xfrm>
-            <a:off x="513557" y="539954"/>
-            <a:ext cx="8116885" cy="4253751"/>
-          </a:xfrm>
-          <a:noFill/>
-        </p:spPr>
-      </p:pic>
     </p:spTree>
     <p:extLst>
       <p:ext uri="{BB962C8B-B14F-4D97-AF65-F5344CB8AC3E}">
-        <p14:creationId xmlns:p14="http://schemas.microsoft.com/office/powerpoint/2010/main" val="2502894806"/>
+        <p14:creationId xmlns:p14="http://schemas.microsoft.com/office/powerpoint/2010/main" val="1535908589"/>
       </p:ext>
     </p:extLst>
   </p:cSld>
@@ -17761,8 +18689,8 @@
           <a:lstStyle/>
           <a:p>
             <a:r>
-              <a:rPr lang="nl-BE" dirty="0" err="1"/>
-              <a:t>Introduction</a:t>
+              <a:rPr lang="nl-BE" dirty="0"/>
+              <a:t>Zeg vaarwel tegen IConfiguration en omarm de kracht van het IOptions-patroon</a:t>
             </a:r>
             <a:endParaRPr lang="en-US" dirty="0"/>
           </a:p>
@@ -18224,7 +19152,7 @@
               <a:buChar char="•"/>
             </a:pPr>
             <a:r>
-              <a:rPr kumimoji="0" lang="nl-BE" sz="2200" b="0" i="0" u="none" strike="noStrike" kern="0" cap="none" spc="0" normalizeH="0" baseline="0" noProof="0" dirty="0" err="1">
+              <a:rPr kumimoji="0" lang="nl-BE" sz="2200" b="0" i="0" u="none" strike="noStrike" kern="0" cap="none" spc="0" normalizeH="0" baseline="0" noProof="0" dirty="0">
                 <a:ln>
                   <a:noFill/>
                 </a:ln>
@@ -18235,7 +19163,7 @@
                 <a:uLnTx/>
                 <a:uFillTx/>
               </a:rPr>
-              <a:t>When</a:t>
+              <a:t>S</a:t>
             </a:r>
             <a:r>
               <a:rPr lang="nl-BE" sz="2200" kern="0" dirty="0">
@@ -18243,69 +19171,8 @@
                   <a:srgbClr val="000000"/>
                 </a:solidFill>
               </a:rPr>
-              <a:t> </a:t>
-            </a:r>
-            <a:r>
-              <a:rPr lang="nl-BE" sz="2200" kern="0" dirty="0" err="1">
-                <a:solidFill>
-                  <a:srgbClr val="000000"/>
-                </a:solidFill>
-              </a:rPr>
-              <a:t>applied</a:t>
-            </a:r>
-            <a:r>
-              <a:rPr lang="nl-BE" sz="2200" kern="0" dirty="0">
-                <a:solidFill>
-                  <a:srgbClr val="000000"/>
-                </a:solidFill>
-              </a:rPr>
-              <a:t>, </a:t>
-            </a:r>
-            <a:r>
-              <a:rPr lang="nl-BE" sz="2200" kern="0" dirty="0" err="1">
-                <a:solidFill>
-                  <a:srgbClr val="000000"/>
-                </a:solidFill>
-              </a:rPr>
-              <a:t>static</a:t>
-            </a:r>
-            <a:r>
-              <a:rPr lang="nl-BE" sz="2200" kern="0" dirty="0">
-                <a:solidFill>
-                  <a:srgbClr val="000000"/>
-                </a:solidFill>
-              </a:rPr>
-              <a:t> </a:t>
-            </a:r>
-            <a:r>
-              <a:rPr lang="nl-BE" sz="2200" kern="0" dirty="0" err="1">
-                <a:solidFill>
-                  <a:srgbClr val="000000"/>
-                </a:solidFill>
-              </a:rPr>
-              <a:t>vs</a:t>
-            </a:r>
-            <a:r>
-              <a:rPr lang="nl-BE" sz="2200" kern="0" dirty="0">
-                <a:solidFill>
-                  <a:srgbClr val="000000"/>
-                </a:solidFill>
-              </a:rPr>
-              <a:t> </a:t>
-            </a:r>
-            <a:r>
-              <a:rPr lang="nl-BE" sz="2200" kern="0" dirty="0" err="1">
-                <a:solidFill>
-                  <a:srgbClr val="000000"/>
-                </a:solidFill>
-              </a:rPr>
-              <a:t>dynamic</a:t>
-            </a:r>
-            <a:endParaRPr lang="nl-BE" sz="2200" kern="0" dirty="0">
-              <a:solidFill>
-                <a:srgbClr val="000000"/>
-              </a:solidFill>
-            </a:endParaRPr>
+              <a:t>tatic vs dynamic</a:t>
+            </a:r>
           </a:p>
         </p:txBody>
       </p:sp>
@@ -18373,6 +19240,186 @@
   <p:clrMapOvr>
     <a:masterClrMapping/>
   </p:clrMapOvr>
+  <p:timing>
+    <p:tnLst>
+      <p:par>
+        <p:cTn id="1" dur="indefinite" restart="never" nodeType="tmRoot">
+          <p:childTnLst>
+            <p:seq concurrent="1" nextAc="seek">
+              <p:cTn id="2" dur="indefinite" nodeType="mainSeq">
+                <p:childTnLst>
+                  <p:par>
+                    <p:cTn id="3" fill="hold">
+                      <p:stCondLst>
+                        <p:cond delay="indefinite"/>
+                      </p:stCondLst>
+                      <p:childTnLst>
+                        <p:par>
+                          <p:cTn id="4" fill="hold">
+                            <p:stCondLst>
+                              <p:cond delay="0"/>
+                            </p:stCondLst>
+                            <p:childTnLst>
+                              <p:par>
+                                <p:cTn id="5" presetID="1" presetClass="entr" presetSubtype="0" fill="hold" grpId="0" nodeType="clickEffect">
+                                  <p:stCondLst>
+                                    <p:cond delay="0"/>
+                                  </p:stCondLst>
+                                  <p:childTnLst>
+                                    <p:set>
+                                      <p:cBhvr>
+                                        <p:cTn id="6" dur="1" fill="hold">
+                                          <p:stCondLst>
+                                            <p:cond delay="0"/>
+                                          </p:stCondLst>
+                                        </p:cTn>
+                                        <p:tgtEl>
+                                          <p:spTgt spid="3">
+                                            <p:txEl>
+                                              <p:pRg st="0" end="0"/>
+                                            </p:txEl>
+                                          </p:spTgt>
+                                        </p:tgtEl>
+                                        <p:attrNameLst>
+                                          <p:attrName>style.visibility</p:attrName>
+                                        </p:attrNameLst>
+                                      </p:cBhvr>
+                                      <p:to>
+                                        <p:strVal val="visible"/>
+                                      </p:to>
+                                    </p:set>
+                                  </p:childTnLst>
+                                </p:cTn>
+                              </p:par>
+                            </p:childTnLst>
+                          </p:cTn>
+                        </p:par>
+                      </p:childTnLst>
+                    </p:cTn>
+                  </p:par>
+                  <p:par>
+                    <p:cTn id="7" fill="hold">
+                      <p:stCondLst>
+                        <p:cond delay="indefinite"/>
+                      </p:stCondLst>
+                      <p:childTnLst>
+                        <p:par>
+                          <p:cTn id="8" fill="hold">
+                            <p:stCondLst>
+                              <p:cond delay="0"/>
+                            </p:stCondLst>
+                            <p:childTnLst>
+                              <p:par>
+                                <p:cTn id="9" presetID="1" presetClass="entr" presetSubtype="0" fill="hold" grpId="0" nodeType="clickEffect">
+                                  <p:stCondLst>
+                                    <p:cond delay="0"/>
+                                  </p:stCondLst>
+                                  <p:childTnLst>
+                                    <p:set>
+                                      <p:cBhvr>
+                                        <p:cTn id="10" dur="1" fill="hold">
+                                          <p:stCondLst>
+                                            <p:cond delay="0"/>
+                                          </p:stCondLst>
+                                        </p:cTn>
+                                        <p:tgtEl>
+                                          <p:spTgt spid="3">
+                                            <p:txEl>
+                                              <p:pRg st="2" end="2"/>
+                                            </p:txEl>
+                                          </p:spTgt>
+                                        </p:tgtEl>
+                                        <p:attrNameLst>
+                                          <p:attrName>style.visibility</p:attrName>
+                                        </p:attrNameLst>
+                                      </p:cBhvr>
+                                      <p:to>
+                                        <p:strVal val="visible"/>
+                                      </p:to>
+                                    </p:set>
+                                  </p:childTnLst>
+                                </p:cTn>
+                              </p:par>
+                            </p:childTnLst>
+                          </p:cTn>
+                        </p:par>
+                      </p:childTnLst>
+                    </p:cTn>
+                  </p:par>
+                  <p:par>
+                    <p:cTn id="11" fill="hold">
+                      <p:stCondLst>
+                        <p:cond delay="indefinite"/>
+                      </p:stCondLst>
+                      <p:childTnLst>
+                        <p:par>
+                          <p:cTn id="12" fill="hold">
+                            <p:stCondLst>
+                              <p:cond delay="0"/>
+                            </p:stCondLst>
+                            <p:childTnLst>
+                              <p:par>
+                                <p:cTn id="13" presetID="1" presetClass="entr" presetSubtype="0" fill="hold" grpId="0" nodeType="clickEffect">
+                                  <p:stCondLst>
+                                    <p:cond delay="0"/>
+                                  </p:stCondLst>
+                                  <p:childTnLst>
+                                    <p:set>
+                                      <p:cBhvr>
+                                        <p:cTn id="14" dur="1" fill="hold">
+                                          <p:stCondLst>
+                                            <p:cond delay="0"/>
+                                          </p:stCondLst>
+                                        </p:cTn>
+                                        <p:tgtEl>
+                                          <p:spTgt spid="3">
+                                            <p:txEl>
+                                              <p:pRg st="4" end="4"/>
+                                            </p:txEl>
+                                          </p:spTgt>
+                                        </p:tgtEl>
+                                        <p:attrNameLst>
+                                          <p:attrName>style.visibility</p:attrName>
+                                        </p:attrNameLst>
+                                      </p:cBhvr>
+                                      <p:to>
+                                        <p:strVal val="visible"/>
+                                      </p:to>
+                                    </p:set>
+                                  </p:childTnLst>
+                                </p:cTn>
+                              </p:par>
+                            </p:childTnLst>
+                          </p:cTn>
+                        </p:par>
+                      </p:childTnLst>
+                    </p:cTn>
+                  </p:par>
+                </p:childTnLst>
+              </p:cTn>
+              <p:prevCondLst>
+                <p:cond evt="onPrev" delay="0">
+                  <p:tgtEl>
+                    <p:sldTgt/>
+                  </p:tgtEl>
+                </p:cond>
+              </p:prevCondLst>
+              <p:nextCondLst>
+                <p:cond evt="onNext" delay="0">
+                  <p:tgtEl>
+                    <p:sldTgt/>
+                  </p:tgtEl>
+                </p:cond>
+              </p:nextCondLst>
+            </p:seq>
+          </p:childTnLst>
+        </p:cTn>
+      </p:par>
+    </p:tnLst>
+    <p:bldLst>
+      <p:bldP spid="3" grpId="0" build="p"/>
+    </p:bldLst>
+  </p:timing>
 </p:sld>
 </file>
 
@@ -19764,16 +20811,22 @@
 </a:theme>
 </file>
 
-<file path=customXml/item1.xml><?xml version="1.0" encoding="utf-8"?>
-<?mso-contentType ?>
-<FormTemplates xmlns="http://schemas.microsoft.com/sharepoint/v3/contenttype/forms">
-  <Display>DocumentLibraryForm</Display>
-  <Edit>DocumentLibraryForm</Edit>
-  <New>DocumentLibraryForm</New>
-</FormTemplates>
+<file path=ppt/webextensions/webextension1.xml><?xml version="1.0" encoding="utf-8"?>
+<we:webextension xmlns:we="http://schemas.microsoft.com/office/webextensions/webextension/2010/11" id="{C63E159A-830B-4717-BD33-01331236E78A}">
+  <we:reference id="d98404ac-f9e2-4292-8cb6-eec349559ae5" version="1.0.0.2" store="EXCatalog" storeType="EXCatalog"/>
+  <we:alternateReferences>
+    <we:reference id="WA104381526" version="1.0.0.2" store="en-US" storeType="OMEX"/>
+  </we:alternateReferences>
+  <we:properties>
+    <we:property name="FormID" value="&quot;Y7dw69e2hkSFVYgxcJp4TgevBJx7ue1Ksnfj6rhiXrxUN0NIMlRUWFpLMzFHWExRSEc1U0ZFVTRUTC4u&quot;"/>
+    <we:property name="FormMode" value="&quot;DesignTime&quot;"/>
+  </we:properties>
+  <we:bindings/>
+  <we:snapshot xmlns:r="http://schemas.openxmlformats.org/officeDocument/2006/relationships"/>
+</we:webextension>
 </file>
 
-<file path=customXml/item2.xml><?xml version="1.0" encoding="utf-8"?>
+<file path=customXml/item1.xml><?xml version="1.0" encoding="utf-8"?>
 <ct:contentTypeSchema xmlns:ct="http://schemas.microsoft.com/office/2006/metadata/contentType" xmlns:ma="http://schemas.microsoft.com/office/2006/metadata/properties/metaAttributes" ct:_="" ma:_="" ma:contentTypeName="Dokument" ma:contentTypeID="0x01010050460AE39A82AD4795A3565F3DAE5EA8" ma:contentTypeVersion="16" ma:contentTypeDescription="Ein neues Dokument erstellen." ma:contentTypeScope="" ma:versionID="ec82a9993c9b8a2201503eb30937bf4a">
   <xsd:schema xmlns:xsd="http://www.w3.org/2001/XMLSchema" xmlns:xs="http://www.w3.org/2001/XMLSchema" xmlns:p="http://schemas.microsoft.com/office/2006/metadata/properties" xmlns:ns2="e05445a8-2551-4a63-879e-01155c2c761e" xmlns:ns3="01e95462-78a7-41d4-9a93-e8d8dde53743" targetNamespace="http://schemas.microsoft.com/office/2006/metadata/properties" ma:root="true" ma:fieldsID="0382105114aa7af2a0cdb49a7fd70252" ns2:_="" ns3:_="">
     <xsd:import namespace="e05445a8-2551-4a63-879e-01155c2c761e"/>
@@ -20016,15 +21069,16 @@
 </ct:contentTypeSchema>
 </file>
 
-<file path=customXml/itemProps1.xml><?xml version="1.0" encoding="utf-8"?>
-<ds:datastoreItem xmlns:ds="http://schemas.openxmlformats.org/officeDocument/2006/customXml" ds:itemID="{DDA0BA8E-434D-48CF-8C42-C96ADE6F01B2}">
-  <ds:schemaRefs>
-    <ds:schemaRef ds:uri="http://schemas.microsoft.com/sharepoint/v3/contenttype/forms"/>
-  </ds:schemaRefs>
-</ds:datastoreItem>
+<file path=customXml/item2.xml><?xml version="1.0" encoding="utf-8"?>
+<?mso-contentType ?>
+<FormTemplates xmlns="http://schemas.microsoft.com/sharepoint/v3/contenttype/forms">
+  <Display>DocumentLibraryForm</Display>
+  <Edit>DocumentLibraryForm</Edit>
+  <New>DocumentLibraryForm</New>
+</FormTemplates>
 </file>
 
-<file path=customXml/itemProps2.xml><?xml version="1.0" encoding="utf-8"?>
+<file path=customXml/itemProps1.xml><?xml version="1.0" encoding="utf-8"?>
 <ds:datastoreItem xmlns:ds="http://schemas.openxmlformats.org/officeDocument/2006/customXml" ds:itemID="{0BB5088A-3ACC-49D2-A58D-F09F6B8954CE}">
   <ds:schemaRefs>
     <ds:schemaRef ds:uri="http://schemas.microsoft.com/office/2006/metadata/contentType"/>
@@ -20041,4 +21095,12 @@
     <ds:schemaRef ds:uri="http://schemas.microsoft.com/internal/obd"/>
   </ds:schemaRefs>
 </ds:datastoreItem>
+</file>
+
+<file path=customXml/itemProps2.xml><?xml version="1.0" encoding="utf-8"?>
+<ds:datastoreItem xmlns:ds="http://schemas.openxmlformats.org/officeDocument/2006/customXml" ds:itemID="{DDA0BA8E-434D-48CF-8C42-C96ADE6F01B2}">
+  <ds:schemaRefs>
+    <ds:schemaRef ds:uri="http://schemas.microsoft.com/sharepoint/v3/contenttype/forms"/>
+  </ds:schemaRefs>
+</ds:datastoreItem>
 </file>